--- a/JavaLecture/LectureFile/java 7강 멤버변수와메모리.pptx
+++ b/JavaLecture/LectureFile/java 7강 멤버변수와메모리.pptx
@@ -256,7 +256,7 @@
           <a:p>
             <a:fld id="{D79F2C30-10E1-4C46-91DC-BBDB9629E720}" type="datetimeFigureOut">
               <a:rPr lang="ko-KR" altLang="en-US" smtClean="0"/>
-              <a:t>2023-04-12</a:t>
+              <a:t>2023-04-15</a:t>
             </a:fld>
             <a:endParaRPr lang="ko-KR" altLang="en-US"/>
           </a:p>
@@ -716,7 +716,7 @@
           <a:p>
             <a:fld id="{F8166F1F-CE9B-4651-A6AA-CD717754106B}" type="datetimeFigureOut">
               <a:rPr lang="en-US" smtClean="0"/>
-              <a:t>4/12/2023</a:t>
+              <a:t>4/15/2023</a:t>
             </a:fld>
             <a:endParaRPr lang="en-US"/>
           </a:p>
@@ -919,7 +919,7 @@
           <a:p>
             <a:fld id="{A76116CE-C4A3-4A05-B2D7-7C2E9A889C0F}" type="datetimeFigureOut">
               <a:rPr lang="en-US" smtClean="0"/>
-              <a:t>4/12/2023</a:t>
+              <a:t>4/15/2023</a:t>
             </a:fld>
             <a:endParaRPr lang="en-US"/>
           </a:p>
@@ -1122,7 +1122,7 @@
           <a:p>
             <a:fld id="{A76116CE-C4A3-4A05-B2D7-7C2E9A889C0F}" type="datetimeFigureOut">
               <a:rPr lang="en-US" smtClean="0"/>
-              <a:t>4/12/2023</a:t>
+              <a:t>4/15/2023</a:t>
             </a:fld>
             <a:endParaRPr lang="en-US"/>
           </a:p>
@@ -1327,7 +1327,7 @@
           <a:p>
             <a:fld id="{A76116CE-C4A3-4A05-B2D7-7C2E9A889C0F}" type="datetimeFigureOut">
               <a:rPr lang="en-US" smtClean="0"/>
-              <a:t>4/12/2023</a:t>
+              <a:t>4/15/2023</a:t>
             </a:fld>
             <a:endParaRPr lang="en-US"/>
           </a:p>
@@ -1604,7 +1604,7 @@
           <a:p>
             <a:fld id="{A76116CE-C4A3-4A05-B2D7-7C2E9A889C0F}" type="datetimeFigureOut">
               <a:rPr lang="en-US" smtClean="0"/>
-              <a:t>4/12/2023</a:t>
+              <a:t>4/15/2023</a:t>
             </a:fld>
             <a:endParaRPr lang="en-US"/>
           </a:p>
@@ -1922,7 +1922,7 @@
           <a:p>
             <a:fld id="{A76116CE-C4A3-4A05-B2D7-7C2E9A889C0F}" type="datetimeFigureOut">
               <a:rPr lang="en-US" smtClean="0"/>
-              <a:t>4/12/2023</a:t>
+              <a:t>4/15/2023</a:t>
             </a:fld>
             <a:endParaRPr lang="en-US"/>
           </a:p>
@@ -2380,7 +2380,7 @@
           <a:p>
             <a:fld id="{A76116CE-C4A3-4A05-B2D7-7C2E9A889C0F}" type="datetimeFigureOut">
               <a:rPr lang="en-US" smtClean="0"/>
-              <a:t>4/12/2023</a:t>
+              <a:t>4/15/2023</a:t>
             </a:fld>
             <a:endParaRPr lang="en-US"/>
           </a:p>
@@ -2524,7 +2524,7 @@
           <a:p>
             <a:fld id="{A76116CE-C4A3-4A05-B2D7-7C2E9A889C0F}" type="datetimeFigureOut">
               <a:rPr lang="en-US" smtClean="0"/>
-              <a:t>4/12/2023</a:t>
+              <a:t>4/15/2023</a:t>
             </a:fld>
             <a:endParaRPr lang="en-US"/>
           </a:p>
@@ -2638,7 +2638,7 @@
           <a:p>
             <a:fld id="{A76116CE-C4A3-4A05-B2D7-7C2E9A889C0F}" type="datetimeFigureOut">
               <a:rPr lang="en-US" smtClean="0"/>
-              <a:t>4/12/2023</a:t>
+              <a:t>4/15/2023</a:t>
             </a:fld>
             <a:endParaRPr lang="en-US"/>
           </a:p>
@@ -2941,7 +2941,7 @@
           <a:p>
             <a:fld id="{A76116CE-C4A3-4A05-B2D7-7C2E9A889C0F}" type="datetimeFigureOut">
               <a:rPr lang="en-US" smtClean="0"/>
-              <a:t>4/12/2023</a:t>
+              <a:t>4/15/2023</a:t>
             </a:fld>
             <a:endParaRPr lang="en-US"/>
           </a:p>
@@ -3221,7 +3221,7 @@
           <a:p>
             <a:fld id="{A76116CE-C4A3-4A05-B2D7-7C2E9A889C0F}" type="datetimeFigureOut">
               <a:rPr lang="en-US" smtClean="0"/>
-              <a:t>4/12/2023</a:t>
+              <a:t>4/15/2023</a:t>
             </a:fld>
             <a:endParaRPr lang="en-US"/>
           </a:p>
@@ -3986,7 +3986,7 @@
           <p:cNvPr id="2" name="TextBox 1">
             <a:extLst>
               <a:ext uri="{FF2B5EF4-FFF2-40B4-BE49-F238E27FC236}">
-                <a16:creationId xmlns:a16="http://schemas.microsoft.com/office/drawing/2014/main" xmlns="" id="{E9A453A8-9968-67AB-7B4A-83EEB4662AA6}"/>
+                <a16:creationId xmlns="" xmlns:a16="http://schemas.microsoft.com/office/drawing/2014/main" id="{E9A453A8-9968-67AB-7B4A-83EEB4662AA6}"/>
               </a:ext>
             </a:extLst>
           </p:cNvPr>
@@ -4034,7 +4034,7 @@
           <p:cNvPr id="4" name="TextBox 3">
             <a:extLst>
               <a:ext uri="{FF2B5EF4-FFF2-40B4-BE49-F238E27FC236}">
-                <a16:creationId xmlns:a16="http://schemas.microsoft.com/office/drawing/2014/main" xmlns="" id="{F4B7A35A-8AAC-4622-64BC-CAD1472D4115}"/>
+                <a16:creationId xmlns="" xmlns:a16="http://schemas.microsoft.com/office/drawing/2014/main" id="{F4B7A35A-8AAC-4622-64BC-CAD1472D4115}"/>
               </a:ext>
             </a:extLst>
           </p:cNvPr>
@@ -4106,7 +4106,7 @@
           <p:cNvPr id="7" name="TextBox 6">
             <a:extLst>
               <a:ext uri="{FF2B5EF4-FFF2-40B4-BE49-F238E27FC236}">
-                <a16:creationId xmlns:a16="http://schemas.microsoft.com/office/drawing/2014/main" xmlns="" id="{3ACE900A-D779-4343-6623-8588B376F0A1}"/>
+                <a16:creationId xmlns="" xmlns:a16="http://schemas.microsoft.com/office/drawing/2014/main" id="{3ACE900A-D779-4343-6623-8588B376F0A1}"/>
               </a:ext>
             </a:extLst>
           </p:cNvPr>
@@ -4201,7 +4201,7 @@
           <p:cNvPr id="5" name="직사각형 4">
             <a:extLst>
               <a:ext uri="{FF2B5EF4-FFF2-40B4-BE49-F238E27FC236}">
-                <a16:creationId xmlns:a16="http://schemas.microsoft.com/office/drawing/2014/main" xmlns="" id="{FFF506F9-840A-0508-4CAF-3AC711D8D5CE}"/>
+                <a16:creationId xmlns="" xmlns:a16="http://schemas.microsoft.com/office/drawing/2014/main" id="{FFF506F9-840A-0508-4CAF-3AC711D8D5CE}"/>
               </a:ext>
             </a:extLst>
           </p:cNvPr>
@@ -4253,7 +4253,7 @@
           <p:cNvPr id="6" name="직선 화살표 연결선 5">
             <a:extLst>
               <a:ext uri="{FF2B5EF4-FFF2-40B4-BE49-F238E27FC236}">
-                <a16:creationId xmlns:a16="http://schemas.microsoft.com/office/drawing/2014/main" xmlns="" id="{299DF5EC-9DF4-5255-06AC-0A7CE4FF58C3}"/>
+                <a16:creationId xmlns="" xmlns:a16="http://schemas.microsoft.com/office/drawing/2014/main" id="{299DF5EC-9DF4-5255-06AC-0A7CE4FF58C3}"/>
               </a:ext>
             </a:extLst>
           </p:cNvPr>
@@ -4294,7 +4294,7 @@
           <p:cNvPr id="7" name="TextBox 6">
             <a:extLst>
               <a:ext uri="{FF2B5EF4-FFF2-40B4-BE49-F238E27FC236}">
-                <a16:creationId xmlns:a16="http://schemas.microsoft.com/office/drawing/2014/main" xmlns="" id="{C6D113C6-EA5C-788F-0C77-E7CE6EBB865F}"/>
+                <a16:creationId xmlns="" xmlns:a16="http://schemas.microsoft.com/office/drawing/2014/main" id="{C6D113C6-EA5C-788F-0C77-E7CE6EBB865F}"/>
               </a:ext>
             </a:extLst>
           </p:cNvPr>
@@ -4413,7 +4413,7 @@
           <p:cNvPr id="5" name="TextBox 4">
             <a:extLst>
               <a:ext uri="{FF2B5EF4-FFF2-40B4-BE49-F238E27FC236}">
-                <a16:creationId xmlns:a16="http://schemas.microsoft.com/office/drawing/2014/main" xmlns="" id="{5ADC00B6-990A-40DC-3CEA-505258F5E8DA}"/>
+                <a16:creationId xmlns="" xmlns:a16="http://schemas.microsoft.com/office/drawing/2014/main" id="{5ADC00B6-990A-40DC-3CEA-505258F5E8DA}"/>
               </a:ext>
             </a:extLst>
           </p:cNvPr>
@@ -4532,7 +4532,7 @@
           <p:cNvPr id="5" name="직사각형 4">
             <a:extLst>
               <a:ext uri="{FF2B5EF4-FFF2-40B4-BE49-F238E27FC236}">
-                <a16:creationId xmlns:a16="http://schemas.microsoft.com/office/drawing/2014/main" xmlns="" id="{FFF506F9-840A-0508-4CAF-3AC711D8D5CE}"/>
+                <a16:creationId xmlns="" xmlns:a16="http://schemas.microsoft.com/office/drawing/2014/main" id="{FFF506F9-840A-0508-4CAF-3AC711D8D5CE}"/>
               </a:ext>
             </a:extLst>
           </p:cNvPr>
@@ -4584,7 +4584,7 @@
           <p:cNvPr id="6" name="직선 화살표 연결선 5">
             <a:extLst>
               <a:ext uri="{FF2B5EF4-FFF2-40B4-BE49-F238E27FC236}">
-                <a16:creationId xmlns:a16="http://schemas.microsoft.com/office/drawing/2014/main" xmlns="" id="{299DF5EC-9DF4-5255-06AC-0A7CE4FF58C3}"/>
+                <a16:creationId xmlns="" xmlns:a16="http://schemas.microsoft.com/office/drawing/2014/main" id="{299DF5EC-9DF4-5255-06AC-0A7CE4FF58C3}"/>
               </a:ext>
             </a:extLst>
           </p:cNvPr>
@@ -4625,7 +4625,7 @@
           <p:cNvPr id="7" name="TextBox 6">
             <a:extLst>
               <a:ext uri="{FF2B5EF4-FFF2-40B4-BE49-F238E27FC236}">
-                <a16:creationId xmlns:a16="http://schemas.microsoft.com/office/drawing/2014/main" xmlns="" id="{C6D113C6-EA5C-788F-0C77-E7CE6EBB865F}"/>
+                <a16:creationId xmlns="" xmlns:a16="http://schemas.microsoft.com/office/drawing/2014/main" id="{C6D113C6-EA5C-788F-0C77-E7CE6EBB865F}"/>
               </a:ext>
             </a:extLst>
           </p:cNvPr>
@@ -4673,7 +4673,7 @@
           <p:cNvPr id="8" name="직사각형 7">
             <a:extLst>
               <a:ext uri="{FF2B5EF4-FFF2-40B4-BE49-F238E27FC236}">
-                <a16:creationId xmlns:a16="http://schemas.microsoft.com/office/drawing/2014/main" xmlns="" id="{FFF506F9-840A-0508-4CAF-3AC711D8D5CE}"/>
+                <a16:creationId xmlns="" xmlns:a16="http://schemas.microsoft.com/office/drawing/2014/main" id="{FFF506F9-840A-0508-4CAF-3AC711D8D5CE}"/>
               </a:ext>
             </a:extLst>
           </p:cNvPr>
@@ -4725,7 +4725,7 @@
           <p:cNvPr id="9" name="직선 화살표 연결선 8">
             <a:extLst>
               <a:ext uri="{FF2B5EF4-FFF2-40B4-BE49-F238E27FC236}">
-                <a16:creationId xmlns:a16="http://schemas.microsoft.com/office/drawing/2014/main" xmlns="" id="{299DF5EC-9DF4-5255-06AC-0A7CE4FF58C3}"/>
+                <a16:creationId xmlns="" xmlns:a16="http://schemas.microsoft.com/office/drawing/2014/main" id="{299DF5EC-9DF4-5255-06AC-0A7CE4FF58C3}"/>
               </a:ext>
             </a:extLst>
           </p:cNvPr>
@@ -4766,7 +4766,7 @@
           <p:cNvPr id="10" name="TextBox 9">
             <a:extLst>
               <a:ext uri="{FF2B5EF4-FFF2-40B4-BE49-F238E27FC236}">
-                <a16:creationId xmlns:a16="http://schemas.microsoft.com/office/drawing/2014/main" xmlns="" id="{C6D113C6-EA5C-788F-0C77-E7CE6EBB865F}"/>
+                <a16:creationId xmlns="" xmlns:a16="http://schemas.microsoft.com/office/drawing/2014/main" id="{C6D113C6-EA5C-788F-0C77-E7CE6EBB865F}"/>
               </a:ext>
             </a:extLst>
           </p:cNvPr>
@@ -4838,7 +4838,7 @@
           <p:cNvPr id="12" name="TextBox 11">
             <a:extLst>
               <a:ext uri="{FF2B5EF4-FFF2-40B4-BE49-F238E27FC236}">
-                <a16:creationId xmlns:a16="http://schemas.microsoft.com/office/drawing/2014/main" xmlns="" id="{C6D113C6-EA5C-788F-0C77-E7CE6EBB865F}"/>
+                <a16:creationId xmlns="" xmlns:a16="http://schemas.microsoft.com/office/drawing/2014/main" id="{C6D113C6-EA5C-788F-0C77-E7CE6EBB865F}"/>
               </a:ext>
             </a:extLst>
           </p:cNvPr>
@@ -5097,7 +5097,7 @@
           <p:cNvPr id="5" name="직선 화살표 연결선 4">
             <a:extLst>
               <a:ext uri="{FF2B5EF4-FFF2-40B4-BE49-F238E27FC236}">
-                <a16:creationId xmlns="" xmlns:a16="http://schemas.microsoft.com/office/drawing/2014/main" id="{299DF5EC-9DF4-5255-06AC-0A7CE4FF58C3}"/>
+                <a16:creationId xmlns:a16="http://schemas.microsoft.com/office/drawing/2014/main" xmlns="" id="{299DF5EC-9DF4-5255-06AC-0A7CE4FF58C3}"/>
               </a:ext>
             </a:extLst>
           </p:cNvPr>
@@ -5138,7 +5138,7 @@
           <p:cNvPr id="6" name="직사각형 5">
             <a:extLst>
               <a:ext uri="{FF2B5EF4-FFF2-40B4-BE49-F238E27FC236}">
-                <a16:creationId xmlns="" xmlns:a16="http://schemas.microsoft.com/office/drawing/2014/main" id="{FFF506F9-840A-0508-4CAF-3AC711D8D5CE}"/>
+                <a16:creationId xmlns:a16="http://schemas.microsoft.com/office/drawing/2014/main" xmlns="" id="{FFF506F9-840A-0508-4CAF-3AC711D8D5CE}"/>
               </a:ext>
             </a:extLst>
           </p:cNvPr>
@@ -5190,7 +5190,7 @@
           <p:cNvPr id="7" name="TextBox 6">
             <a:extLst>
               <a:ext uri="{FF2B5EF4-FFF2-40B4-BE49-F238E27FC236}">
-                <a16:creationId xmlns="" xmlns:a16="http://schemas.microsoft.com/office/drawing/2014/main" id="{C6D113C6-EA5C-788F-0C77-E7CE6EBB865F}"/>
+                <a16:creationId xmlns:a16="http://schemas.microsoft.com/office/drawing/2014/main" xmlns="" id="{C6D113C6-EA5C-788F-0C77-E7CE6EBB865F}"/>
               </a:ext>
             </a:extLst>
           </p:cNvPr>
@@ -5248,7 +5248,7 @@
           <p:cNvPr id="9" name="직사각형 8">
             <a:extLst>
               <a:ext uri="{FF2B5EF4-FFF2-40B4-BE49-F238E27FC236}">
-                <a16:creationId xmlns="" xmlns:a16="http://schemas.microsoft.com/office/drawing/2014/main" id="{FFF506F9-840A-0508-4CAF-3AC711D8D5CE}"/>
+                <a16:creationId xmlns:a16="http://schemas.microsoft.com/office/drawing/2014/main" xmlns="" id="{FFF506F9-840A-0508-4CAF-3AC711D8D5CE}"/>
               </a:ext>
             </a:extLst>
           </p:cNvPr>
@@ -5300,7 +5300,7 @@
           <p:cNvPr id="10" name="직선 화살표 연결선 9">
             <a:extLst>
               <a:ext uri="{FF2B5EF4-FFF2-40B4-BE49-F238E27FC236}">
-                <a16:creationId xmlns="" xmlns:a16="http://schemas.microsoft.com/office/drawing/2014/main" id="{299DF5EC-9DF4-5255-06AC-0A7CE4FF58C3}"/>
+                <a16:creationId xmlns:a16="http://schemas.microsoft.com/office/drawing/2014/main" xmlns="" id="{299DF5EC-9DF4-5255-06AC-0A7CE4FF58C3}"/>
               </a:ext>
             </a:extLst>
           </p:cNvPr>
@@ -5341,7 +5341,7 @@
           <p:cNvPr id="11" name="TextBox 10">
             <a:extLst>
               <a:ext uri="{FF2B5EF4-FFF2-40B4-BE49-F238E27FC236}">
-                <a16:creationId xmlns="" xmlns:a16="http://schemas.microsoft.com/office/drawing/2014/main" id="{C6D113C6-EA5C-788F-0C77-E7CE6EBB865F}"/>
+                <a16:creationId xmlns:a16="http://schemas.microsoft.com/office/drawing/2014/main" xmlns="" id="{C6D113C6-EA5C-788F-0C77-E7CE6EBB865F}"/>
               </a:ext>
             </a:extLst>
           </p:cNvPr>
@@ -5399,7 +5399,7 @@
           <p:cNvPr id="14" name="TextBox 13">
             <a:extLst>
               <a:ext uri="{FF2B5EF4-FFF2-40B4-BE49-F238E27FC236}">
-                <a16:creationId xmlns:a16="http://schemas.microsoft.com/office/drawing/2014/main" xmlns="" id="{5ADC00B6-990A-40DC-3CEA-505258F5E8DA}"/>
+                <a16:creationId xmlns="" xmlns:a16="http://schemas.microsoft.com/office/drawing/2014/main" id="{5ADC00B6-990A-40DC-3CEA-505258F5E8DA}"/>
               </a:ext>
             </a:extLst>
           </p:cNvPr>
@@ -5685,7 +5685,7 @@
           <p:cNvPr id="6" name="직선 화살표 연결선 5">
             <a:extLst>
               <a:ext uri="{FF2B5EF4-FFF2-40B4-BE49-F238E27FC236}">
-                <a16:creationId xmlns="" xmlns:a16="http://schemas.microsoft.com/office/drawing/2014/main" id="{299DF5EC-9DF4-5255-06AC-0A7CE4FF58C3}"/>
+                <a16:creationId xmlns:a16="http://schemas.microsoft.com/office/drawing/2014/main" xmlns="" id="{299DF5EC-9DF4-5255-06AC-0A7CE4FF58C3}"/>
               </a:ext>
             </a:extLst>
           </p:cNvPr>
@@ -5726,7 +5726,7 @@
           <p:cNvPr id="7" name="TextBox 6">
             <a:extLst>
               <a:ext uri="{FF2B5EF4-FFF2-40B4-BE49-F238E27FC236}">
-                <a16:creationId xmlns="" xmlns:a16="http://schemas.microsoft.com/office/drawing/2014/main" id="{C6D113C6-EA5C-788F-0C77-E7CE6EBB865F}"/>
+                <a16:creationId xmlns:a16="http://schemas.microsoft.com/office/drawing/2014/main" xmlns="" id="{C6D113C6-EA5C-788F-0C77-E7CE6EBB865F}"/>
               </a:ext>
             </a:extLst>
           </p:cNvPr>
@@ -5784,7 +5784,7 @@
           <p:cNvPr id="9" name="직선 화살표 연결선 8">
             <a:extLst>
               <a:ext uri="{FF2B5EF4-FFF2-40B4-BE49-F238E27FC236}">
-                <a16:creationId xmlns="" xmlns:a16="http://schemas.microsoft.com/office/drawing/2014/main" id="{299DF5EC-9DF4-5255-06AC-0A7CE4FF58C3}"/>
+                <a16:creationId xmlns:a16="http://schemas.microsoft.com/office/drawing/2014/main" xmlns="" id="{299DF5EC-9DF4-5255-06AC-0A7CE4FF58C3}"/>
               </a:ext>
             </a:extLst>
           </p:cNvPr>
@@ -5825,7 +5825,7 @@
           <p:cNvPr id="10" name="TextBox 9">
             <a:extLst>
               <a:ext uri="{FF2B5EF4-FFF2-40B4-BE49-F238E27FC236}">
-                <a16:creationId xmlns="" xmlns:a16="http://schemas.microsoft.com/office/drawing/2014/main" id="{C6D113C6-EA5C-788F-0C77-E7CE6EBB865F}"/>
+                <a16:creationId xmlns:a16="http://schemas.microsoft.com/office/drawing/2014/main" xmlns="" id="{C6D113C6-EA5C-788F-0C77-E7CE6EBB865F}"/>
               </a:ext>
             </a:extLst>
           </p:cNvPr>
@@ -5883,7 +5883,7 @@
           <p:cNvPr id="12" name="직선 화살표 연결선 11">
             <a:extLst>
               <a:ext uri="{FF2B5EF4-FFF2-40B4-BE49-F238E27FC236}">
-                <a16:creationId xmlns="" xmlns:a16="http://schemas.microsoft.com/office/drawing/2014/main" id="{299DF5EC-9DF4-5255-06AC-0A7CE4FF58C3}"/>
+                <a16:creationId xmlns:a16="http://schemas.microsoft.com/office/drawing/2014/main" xmlns="" id="{299DF5EC-9DF4-5255-06AC-0A7CE4FF58C3}"/>
               </a:ext>
             </a:extLst>
           </p:cNvPr>
@@ -5924,7 +5924,7 @@
           <p:cNvPr id="13" name="TextBox 12">
             <a:extLst>
               <a:ext uri="{FF2B5EF4-FFF2-40B4-BE49-F238E27FC236}">
-                <a16:creationId xmlns="" xmlns:a16="http://schemas.microsoft.com/office/drawing/2014/main" id="{C6D113C6-EA5C-788F-0C77-E7CE6EBB865F}"/>
+                <a16:creationId xmlns:a16="http://schemas.microsoft.com/office/drawing/2014/main" xmlns="" id="{C6D113C6-EA5C-788F-0C77-E7CE6EBB865F}"/>
               </a:ext>
             </a:extLst>
           </p:cNvPr>
@@ -6328,7 +6328,7 @@
           <p:cNvPr id="4" name="TextBox 3">
             <a:extLst>
               <a:ext uri="{FF2B5EF4-FFF2-40B4-BE49-F238E27FC236}">
-                <a16:creationId xmlns:a16="http://schemas.microsoft.com/office/drawing/2014/main" xmlns="" id="{5ADC00B6-990A-40DC-3CEA-505258F5E8DA}"/>
+                <a16:creationId xmlns="" xmlns:a16="http://schemas.microsoft.com/office/drawing/2014/main" id="{5ADC00B6-990A-40DC-3CEA-505258F5E8DA}"/>
               </a:ext>
             </a:extLst>
           </p:cNvPr>
@@ -6386,7 +6386,7 @@
           <p:cNvPr id="5" name="TextBox 4">
             <a:extLst>
               <a:ext uri="{FF2B5EF4-FFF2-40B4-BE49-F238E27FC236}">
-                <a16:creationId xmlns:a16="http://schemas.microsoft.com/office/drawing/2014/main" xmlns="" id="{A2AD056B-97A4-5BCC-4460-250160F3E171}"/>
+                <a16:creationId xmlns="" xmlns:a16="http://schemas.microsoft.com/office/drawing/2014/main" id="{A2AD056B-97A4-5BCC-4460-250160F3E171}"/>
               </a:ext>
             </a:extLst>
           </p:cNvPr>
@@ -6769,7 +6769,7 @@
           <p:cNvPr id="4" name="TextBox 3">
             <a:extLst>
               <a:ext uri="{FF2B5EF4-FFF2-40B4-BE49-F238E27FC236}">
-                <a16:creationId xmlns:a16="http://schemas.microsoft.com/office/drawing/2014/main" xmlns="" id="{5ADC00B6-990A-40DC-3CEA-505258F5E8DA}"/>
+                <a16:creationId xmlns="" xmlns:a16="http://schemas.microsoft.com/office/drawing/2014/main" id="{5ADC00B6-990A-40DC-3CEA-505258F5E8DA}"/>
               </a:ext>
             </a:extLst>
           </p:cNvPr>
@@ -6956,7 +6956,7 @@
           <p:cNvPr id="6" name="직선 화살표 연결선 5">
             <a:extLst>
               <a:ext uri="{FF2B5EF4-FFF2-40B4-BE49-F238E27FC236}">
-                <a16:creationId xmlns="" xmlns:a16="http://schemas.microsoft.com/office/drawing/2014/main" id="{299DF5EC-9DF4-5255-06AC-0A7CE4FF58C3}"/>
+                <a16:creationId xmlns:a16="http://schemas.microsoft.com/office/drawing/2014/main" xmlns="" id="{299DF5EC-9DF4-5255-06AC-0A7CE4FF58C3}"/>
               </a:ext>
             </a:extLst>
           </p:cNvPr>
@@ -6998,7 +6998,7 @@
           <p:cNvPr id="7" name="직사각형 6">
             <a:extLst>
               <a:ext uri="{FF2B5EF4-FFF2-40B4-BE49-F238E27FC236}">
-                <a16:creationId xmlns="" xmlns:a16="http://schemas.microsoft.com/office/drawing/2014/main" id="{FFF506F9-840A-0508-4CAF-3AC711D8D5CE}"/>
+                <a16:creationId xmlns:a16="http://schemas.microsoft.com/office/drawing/2014/main" xmlns="" id="{FFF506F9-840A-0508-4CAF-3AC711D8D5CE}"/>
               </a:ext>
             </a:extLst>
           </p:cNvPr>
@@ -7050,7 +7050,7 @@
           <p:cNvPr id="8" name="TextBox 7">
             <a:extLst>
               <a:ext uri="{FF2B5EF4-FFF2-40B4-BE49-F238E27FC236}">
-                <a16:creationId xmlns="" xmlns:a16="http://schemas.microsoft.com/office/drawing/2014/main" id="{C6D113C6-EA5C-788F-0C77-E7CE6EBB865F}"/>
+                <a16:creationId xmlns:a16="http://schemas.microsoft.com/office/drawing/2014/main" xmlns="" id="{C6D113C6-EA5C-788F-0C77-E7CE6EBB865F}"/>
               </a:ext>
             </a:extLst>
           </p:cNvPr>
@@ -7176,7 +7176,7 @@
           <p:cNvPr id="14" name="TextBox 13">
             <a:extLst>
               <a:ext uri="{FF2B5EF4-FFF2-40B4-BE49-F238E27FC236}">
-                <a16:creationId xmlns:a16="http://schemas.microsoft.com/office/drawing/2014/main" xmlns="" id="{5ADC00B6-990A-40DC-3CEA-505258F5E8DA}"/>
+                <a16:creationId xmlns="" xmlns:a16="http://schemas.microsoft.com/office/drawing/2014/main" id="{5ADC00B6-990A-40DC-3CEA-505258F5E8DA}"/>
               </a:ext>
             </a:extLst>
           </p:cNvPr>
@@ -7476,7 +7476,7 @@
           <p:cNvPr id="7" name="TextBox 6">
             <a:extLst>
               <a:ext uri="{FF2B5EF4-FFF2-40B4-BE49-F238E27FC236}">
-                <a16:creationId xmlns:a16="http://schemas.microsoft.com/office/drawing/2014/main" xmlns="" id="{5ADC00B6-990A-40DC-3CEA-505258F5E8DA}"/>
+                <a16:creationId xmlns="" xmlns:a16="http://schemas.microsoft.com/office/drawing/2014/main" id="{5ADC00B6-990A-40DC-3CEA-505258F5E8DA}"/>
               </a:ext>
             </a:extLst>
           </p:cNvPr>
@@ -7842,7 +7842,7 @@
           <p:cNvPr id="2" name="TextBox 1">
             <a:extLst>
               <a:ext uri="{FF2B5EF4-FFF2-40B4-BE49-F238E27FC236}">
-                <a16:creationId xmlns:a16="http://schemas.microsoft.com/office/drawing/2014/main" xmlns="" id="{5ADC00B6-990A-40DC-3CEA-505258F5E8DA}"/>
+                <a16:creationId xmlns="" xmlns:a16="http://schemas.microsoft.com/office/drawing/2014/main" id="{5ADC00B6-990A-40DC-3CEA-505258F5E8DA}"/>
               </a:ext>
             </a:extLst>
           </p:cNvPr>
@@ -7994,7 +7994,7 @@
           <p:cNvPr id="5" name="직선 화살표 연결선 4">
             <a:extLst>
               <a:ext uri="{FF2B5EF4-FFF2-40B4-BE49-F238E27FC236}">
-                <a16:creationId xmlns:a16="http://schemas.microsoft.com/office/drawing/2014/main" xmlns="" id="{299DF5EC-9DF4-5255-06AC-0A7CE4FF58C3}"/>
+                <a16:creationId xmlns="" xmlns:a16="http://schemas.microsoft.com/office/drawing/2014/main" id="{299DF5EC-9DF4-5255-06AC-0A7CE4FF58C3}"/>
               </a:ext>
             </a:extLst>
           </p:cNvPr>
@@ -8035,7 +8035,7 @@
           <p:cNvPr id="6" name="TextBox 5">
             <a:extLst>
               <a:ext uri="{FF2B5EF4-FFF2-40B4-BE49-F238E27FC236}">
-                <a16:creationId xmlns:a16="http://schemas.microsoft.com/office/drawing/2014/main" xmlns="" id="{C6D113C6-EA5C-788F-0C77-E7CE6EBB865F}"/>
+                <a16:creationId xmlns="" xmlns:a16="http://schemas.microsoft.com/office/drawing/2014/main" id="{C6D113C6-EA5C-788F-0C77-E7CE6EBB865F}"/>
               </a:ext>
             </a:extLst>
           </p:cNvPr>
@@ -8177,7 +8177,7 @@
           <p:cNvPr id="9" name="그룹 1008">
             <a:extLst>
               <a:ext uri="{FF2B5EF4-FFF2-40B4-BE49-F238E27FC236}">
-                <a16:creationId xmlns:a16="http://schemas.microsoft.com/office/drawing/2014/main" xmlns="" id="{E395BDE3-2EDE-065D-70E8-56E348228ACF}"/>
+                <a16:creationId xmlns="" xmlns:a16="http://schemas.microsoft.com/office/drawing/2014/main" id="{E395BDE3-2EDE-065D-70E8-56E348228ACF}"/>
               </a:ext>
             </a:extLst>
           </p:cNvPr>
@@ -8197,7 +8197,7 @@
             <p:cNvPr id="10" name="그룹 1009">
               <a:extLst>
                 <a:ext uri="{FF2B5EF4-FFF2-40B4-BE49-F238E27FC236}">
-                  <a16:creationId xmlns:a16="http://schemas.microsoft.com/office/drawing/2014/main" xmlns="" id="{852F4DEB-DB33-DB3F-9E9F-52A46CD0B10A}"/>
+                  <a16:creationId xmlns="" xmlns:a16="http://schemas.microsoft.com/office/drawing/2014/main" id="{852F4DEB-DB33-DB3F-9E9F-52A46CD0B10A}"/>
                 </a:ext>
               </a:extLst>
             </p:cNvPr>
@@ -8217,7 +8217,7 @@
               <p:cNvPr id="15" name="Object 29">
                 <a:extLst>
                   <a:ext uri="{FF2B5EF4-FFF2-40B4-BE49-F238E27FC236}">
-                    <a16:creationId xmlns:a16="http://schemas.microsoft.com/office/drawing/2014/main" xmlns="" id="{7E353D3B-14D4-8A64-5888-3F0C062C2CDD}"/>
+                    <a16:creationId xmlns="" xmlns:a16="http://schemas.microsoft.com/office/drawing/2014/main" id="{7E353D3B-14D4-8A64-5888-3F0C062C2CDD}"/>
                   </a:ext>
                 </a:extLst>
               </p:cNvPr>
@@ -8248,7 +8248,7 @@
             <p:cNvPr id="11" name="그룹 1010">
               <a:extLst>
                 <a:ext uri="{FF2B5EF4-FFF2-40B4-BE49-F238E27FC236}">
-                  <a16:creationId xmlns:a16="http://schemas.microsoft.com/office/drawing/2014/main" xmlns="" id="{001E38AB-1390-ABD0-BE01-9727136FEAEE}"/>
+                  <a16:creationId xmlns="" xmlns:a16="http://schemas.microsoft.com/office/drawing/2014/main" id="{001E38AB-1390-ABD0-BE01-9727136FEAEE}"/>
                 </a:ext>
               </a:extLst>
             </p:cNvPr>
@@ -8268,7 +8268,7 @@
               <p:cNvPr id="14" name="Object 32">
                 <a:extLst>
                   <a:ext uri="{FF2B5EF4-FFF2-40B4-BE49-F238E27FC236}">
-                    <a16:creationId xmlns:a16="http://schemas.microsoft.com/office/drawing/2014/main" xmlns="" id="{2ED1C30F-0D0B-F86C-8215-2598D332B5A3}"/>
+                    <a16:creationId xmlns="" xmlns:a16="http://schemas.microsoft.com/office/drawing/2014/main" id="{2ED1C30F-0D0B-F86C-8215-2598D332B5A3}"/>
                   </a:ext>
                 </a:extLst>
               </p:cNvPr>
@@ -8299,7 +8299,7 @@
             <p:cNvPr id="12" name="그룹 1011">
               <a:extLst>
                 <a:ext uri="{FF2B5EF4-FFF2-40B4-BE49-F238E27FC236}">
-                  <a16:creationId xmlns:a16="http://schemas.microsoft.com/office/drawing/2014/main" xmlns="" id="{1BCB8DE5-ABAF-4198-BC16-85BB76F2DB24}"/>
+                  <a16:creationId xmlns="" xmlns:a16="http://schemas.microsoft.com/office/drawing/2014/main" id="{1BCB8DE5-ABAF-4198-BC16-85BB76F2DB24}"/>
                 </a:ext>
               </a:extLst>
             </p:cNvPr>
@@ -8319,7 +8319,7 @@
               <p:cNvPr id="13" name="Object 35">
                 <a:extLst>
                   <a:ext uri="{FF2B5EF4-FFF2-40B4-BE49-F238E27FC236}">
-                    <a16:creationId xmlns:a16="http://schemas.microsoft.com/office/drawing/2014/main" xmlns="" id="{86E7BA23-0A1E-B581-CADC-06AB269DB2BD}"/>
+                    <a16:creationId xmlns="" xmlns:a16="http://schemas.microsoft.com/office/drawing/2014/main" id="{86E7BA23-0A1E-B581-CADC-06AB269DB2BD}"/>
                   </a:ext>
                 </a:extLst>
               </p:cNvPr>
@@ -8351,7 +8351,7 @@
           <p:cNvPr id="16" name="직사각형 15">
             <a:extLst>
               <a:ext uri="{FF2B5EF4-FFF2-40B4-BE49-F238E27FC236}">
-                <a16:creationId xmlns:a16="http://schemas.microsoft.com/office/drawing/2014/main" xmlns="" id="{FFF506F9-840A-0508-4CAF-3AC711D8D5CE}"/>
+                <a16:creationId xmlns="" xmlns:a16="http://schemas.microsoft.com/office/drawing/2014/main" id="{FFF506F9-840A-0508-4CAF-3AC711D8D5CE}"/>
               </a:ext>
             </a:extLst>
           </p:cNvPr>
@@ -8875,7 +8875,7 @@
           <p:cNvPr id="11" name="TextBox 10">
             <a:extLst>
               <a:ext uri="{FF2B5EF4-FFF2-40B4-BE49-F238E27FC236}">
-                <a16:creationId xmlns:a16="http://schemas.microsoft.com/office/drawing/2014/main" xmlns="" id="{9F88F580-08BE-88C2-D640-13F0026591CB}"/>
+                <a16:creationId xmlns="" xmlns:a16="http://schemas.microsoft.com/office/drawing/2014/main" id="{9F88F580-08BE-88C2-D640-13F0026591CB}"/>
               </a:ext>
             </a:extLst>
           </p:cNvPr>
@@ -8933,7 +8933,7 @@
           <p:cNvPr id="13" name="TextBox 12">
             <a:extLst>
               <a:ext uri="{FF2B5EF4-FFF2-40B4-BE49-F238E27FC236}">
-                <a16:creationId xmlns:a16="http://schemas.microsoft.com/office/drawing/2014/main" xmlns="" id="{72769C28-9BB6-DE9C-7B6F-264B77B8DD0E}"/>
+                <a16:creationId xmlns="" xmlns:a16="http://schemas.microsoft.com/office/drawing/2014/main" id="{72769C28-9BB6-DE9C-7B6F-264B77B8DD0E}"/>
               </a:ext>
             </a:extLst>
           </p:cNvPr>
@@ -9001,7 +9001,7 @@
           <p:cNvPr id="14" name="TextBox 13">
             <a:extLst>
               <a:ext uri="{FF2B5EF4-FFF2-40B4-BE49-F238E27FC236}">
-                <a16:creationId xmlns:a16="http://schemas.microsoft.com/office/drawing/2014/main" xmlns="" id="{270FBB6A-01CE-5637-78DA-58F0C974145C}"/>
+                <a16:creationId xmlns="" xmlns:a16="http://schemas.microsoft.com/office/drawing/2014/main" id="{270FBB6A-01CE-5637-78DA-58F0C974145C}"/>
               </a:ext>
             </a:extLst>
           </p:cNvPr>
@@ -9079,7 +9079,7 @@
           <p:cNvPr id="2" name="Object 17">
             <a:extLst>
               <a:ext uri="{FF2B5EF4-FFF2-40B4-BE49-F238E27FC236}">
-                <a16:creationId xmlns:a16="http://schemas.microsoft.com/office/drawing/2014/main" xmlns="" id="{140B283D-FE58-FA6F-6F7C-E0F1DBB62A65}"/>
+                <a16:creationId xmlns="" xmlns:a16="http://schemas.microsoft.com/office/drawing/2014/main" id="{140B283D-FE58-FA6F-6F7C-E0F1DBB62A65}"/>
               </a:ext>
             </a:extLst>
           </p:cNvPr>
@@ -9109,7 +9109,7 @@
           <p:cNvPr id="4" name="TextBox 3">
             <a:extLst>
               <a:ext uri="{FF2B5EF4-FFF2-40B4-BE49-F238E27FC236}">
-                <a16:creationId xmlns:a16="http://schemas.microsoft.com/office/drawing/2014/main" xmlns="" id="{2C8D0998-79BC-6FD2-59D9-8052B4A25F65}"/>
+                <a16:creationId xmlns="" xmlns:a16="http://schemas.microsoft.com/office/drawing/2014/main" id="{2C8D0998-79BC-6FD2-59D9-8052B4A25F65}"/>
               </a:ext>
             </a:extLst>
           </p:cNvPr>
@@ -9157,7 +9157,7 @@
           <p:cNvPr id="5" name="Object 18">
             <a:extLst>
               <a:ext uri="{FF2B5EF4-FFF2-40B4-BE49-F238E27FC236}">
-                <a16:creationId xmlns:a16="http://schemas.microsoft.com/office/drawing/2014/main" xmlns="" id="{3F58EA3E-1018-64D3-FAB2-4F6B9618FA56}"/>
+                <a16:creationId xmlns="" xmlns:a16="http://schemas.microsoft.com/office/drawing/2014/main" id="{3F58EA3E-1018-64D3-FAB2-4F6B9618FA56}"/>
               </a:ext>
             </a:extLst>
           </p:cNvPr>
@@ -9187,7 +9187,7 @@
           <p:cNvPr id="8" name="TextBox 7">
             <a:extLst>
               <a:ext uri="{FF2B5EF4-FFF2-40B4-BE49-F238E27FC236}">
-                <a16:creationId xmlns:a16="http://schemas.microsoft.com/office/drawing/2014/main" xmlns="" id="{681D3F16-7DCF-41AD-F5F1-0558C78C0E4D}"/>
+                <a16:creationId xmlns="" xmlns:a16="http://schemas.microsoft.com/office/drawing/2014/main" id="{681D3F16-7DCF-41AD-F5F1-0558C78C0E4D}"/>
               </a:ext>
             </a:extLst>
           </p:cNvPr>
@@ -9267,7 +9267,7 @@
           <p:cNvPr id="4" name="TextBox 3">
             <a:extLst>
               <a:ext uri="{FF2B5EF4-FFF2-40B4-BE49-F238E27FC236}">
-                <a16:creationId xmlns:a16="http://schemas.microsoft.com/office/drawing/2014/main" xmlns="" id="{5ADC00B6-990A-40DC-3CEA-505258F5E8DA}"/>
+                <a16:creationId xmlns="" xmlns:a16="http://schemas.microsoft.com/office/drawing/2014/main" id="{5ADC00B6-990A-40DC-3CEA-505258F5E8DA}"/>
               </a:ext>
             </a:extLst>
           </p:cNvPr>
@@ -9318,7 +9318,7 @@
           <p:cNvPr id="5" name="TextBox 4">
             <a:extLst>
               <a:ext uri="{FF2B5EF4-FFF2-40B4-BE49-F238E27FC236}">
-                <a16:creationId xmlns="" xmlns:a16="http://schemas.microsoft.com/office/drawing/2014/main" id="{F0FF9E4E-0550-E648-378E-A52F5B0499D4}"/>
+                <a16:creationId xmlns:a16="http://schemas.microsoft.com/office/drawing/2014/main" xmlns="" id="{F0FF9E4E-0550-E648-378E-A52F5B0499D4}"/>
               </a:ext>
             </a:extLst>
           </p:cNvPr>
@@ -9676,7 +9676,7 @@
           <p:cNvPr id="4" name="TextBox 3">
             <a:extLst>
               <a:ext uri="{FF2B5EF4-FFF2-40B4-BE49-F238E27FC236}">
-                <a16:creationId xmlns="" xmlns:a16="http://schemas.microsoft.com/office/drawing/2014/main" id="{F0FF9E4E-0550-E648-378E-A52F5B0499D4}"/>
+                <a16:creationId xmlns:a16="http://schemas.microsoft.com/office/drawing/2014/main" xmlns="" id="{F0FF9E4E-0550-E648-378E-A52F5B0499D4}"/>
               </a:ext>
             </a:extLst>
           </p:cNvPr>
@@ -10133,7 +10133,7 @@
           <p:cNvPr id="4" name="TextBox 3">
             <a:extLst>
               <a:ext uri="{FF2B5EF4-FFF2-40B4-BE49-F238E27FC236}">
-                <a16:creationId xmlns="" xmlns:a16="http://schemas.microsoft.com/office/drawing/2014/main" id="{F0FF9E4E-0550-E648-378E-A52F5B0499D4}"/>
+                <a16:creationId xmlns:a16="http://schemas.microsoft.com/office/drawing/2014/main" xmlns="" id="{F0FF9E4E-0550-E648-378E-A52F5B0499D4}"/>
               </a:ext>
             </a:extLst>
           </p:cNvPr>
@@ -10859,7 +10859,7 @@
           <p:cNvPr id="2" name="TextBox 1">
             <a:extLst>
               <a:ext uri="{FF2B5EF4-FFF2-40B4-BE49-F238E27FC236}">
-                <a16:creationId xmlns:a16="http://schemas.microsoft.com/office/drawing/2014/main" xmlns="" id="{76F36AE5-79B5-0B9F-E510-1C27AAC4B649}"/>
+                <a16:creationId xmlns="" xmlns:a16="http://schemas.microsoft.com/office/drawing/2014/main" id="{76F36AE5-79B5-0B9F-E510-1C27AAC4B649}"/>
               </a:ext>
             </a:extLst>
           </p:cNvPr>
@@ -10974,7 +10974,7 @@
           <p:cNvPr id="4" name="TextBox 3">
             <a:extLst>
               <a:ext uri="{FF2B5EF4-FFF2-40B4-BE49-F238E27FC236}">
-                <a16:creationId xmlns:a16="http://schemas.microsoft.com/office/drawing/2014/main" xmlns="" id="{5ADC00B6-990A-40DC-3CEA-505258F5E8DA}"/>
+                <a16:creationId xmlns="" xmlns:a16="http://schemas.microsoft.com/office/drawing/2014/main" id="{5ADC00B6-990A-40DC-3CEA-505258F5E8DA}"/>
               </a:ext>
             </a:extLst>
           </p:cNvPr>
@@ -11076,7 +11076,7 @@
           <p:cNvPr id="6" name="직사각형 5">
             <a:extLst>
               <a:ext uri="{FF2B5EF4-FFF2-40B4-BE49-F238E27FC236}">
-                <a16:creationId xmlns:a16="http://schemas.microsoft.com/office/drawing/2014/main" xmlns="" id="{FFF506F9-840A-0508-4CAF-3AC711D8D5CE}"/>
+                <a16:creationId xmlns="" xmlns:a16="http://schemas.microsoft.com/office/drawing/2014/main" id="{FFF506F9-840A-0508-4CAF-3AC711D8D5CE}"/>
               </a:ext>
             </a:extLst>
           </p:cNvPr>
@@ -11128,7 +11128,7 @@
           <p:cNvPr id="7" name="TextBox 6">
             <a:extLst>
               <a:ext uri="{FF2B5EF4-FFF2-40B4-BE49-F238E27FC236}">
-                <a16:creationId xmlns:a16="http://schemas.microsoft.com/office/drawing/2014/main" xmlns="" id="{A2AD056B-97A4-5BCC-4460-250160F3E171}"/>
+                <a16:creationId xmlns="" xmlns:a16="http://schemas.microsoft.com/office/drawing/2014/main" id="{A2AD056B-97A4-5BCC-4460-250160F3E171}"/>
               </a:ext>
             </a:extLst>
           </p:cNvPr>
@@ -11407,7 +11407,7 @@
           <p:cNvPr id="4" name="TextBox 3">
             <a:extLst>
               <a:ext uri="{FF2B5EF4-FFF2-40B4-BE49-F238E27FC236}">
-                <a16:creationId xmlns:a16="http://schemas.microsoft.com/office/drawing/2014/main" xmlns="" id="{5ADC00B6-990A-40DC-3CEA-505258F5E8DA}"/>
+                <a16:creationId xmlns="" xmlns:a16="http://schemas.microsoft.com/office/drawing/2014/main" id="{5ADC00B6-990A-40DC-3CEA-505258F5E8DA}"/>
               </a:ext>
             </a:extLst>
           </p:cNvPr>
@@ -11721,7 +11721,7 @@
           <p:cNvPr id="4" name="그룹 1018">
             <a:extLst>
               <a:ext uri="{FF2B5EF4-FFF2-40B4-BE49-F238E27FC236}">
-                <a16:creationId xmlns="" xmlns:a16="http://schemas.microsoft.com/office/drawing/2014/main" id="{0804D430-F42E-AE32-A065-FFA8C471F092}"/>
+                <a16:creationId xmlns:a16="http://schemas.microsoft.com/office/drawing/2014/main" xmlns="" id="{0804D430-F42E-AE32-A065-FFA8C471F092}"/>
               </a:ext>
             </a:extLst>
           </p:cNvPr>
@@ -11741,7 +11741,7 @@
             <p:cNvPr id="5" name="Object 61">
               <a:extLst>
                 <a:ext uri="{FF2B5EF4-FFF2-40B4-BE49-F238E27FC236}">
-                  <a16:creationId xmlns="" xmlns:a16="http://schemas.microsoft.com/office/drawing/2014/main" id="{334A4C3A-641C-7CD9-8FEE-5EC92B28D640}"/>
+                  <a16:creationId xmlns:a16="http://schemas.microsoft.com/office/drawing/2014/main" xmlns="" id="{334A4C3A-641C-7CD9-8FEE-5EC92B28D640}"/>
                 </a:ext>
               </a:extLst>
             </p:cNvPr>
@@ -11772,7 +11772,7 @@
           <p:cNvPr id="7" name="TextBox 6">
             <a:extLst>
               <a:ext uri="{FF2B5EF4-FFF2-40B4-BE49-F238E27FC236}">
-                <a16:creationId xmlns:a16="http://schemas.microsoft.com/office/drawing/2014/main" xmlns="" id="{5ADC00B6-990A-40DC-3CEA-505258F5E8DA}"/>
+                <a16:creationId xmlns="" xmlns:a16="http://schemas.microsoft.com/office/drawing/2014/main" id="{5ADC00B6-990A-40DC-3CEA-505258F5E8DA}"/>
               </a:ext>
             </a:extLst>
           </p:cNvPr>
@@ -11830,7 +11830,7 @@
           <p:cNvPr id="10" name="TextBox 9">
             <a:extLst>
               <a:ext uri="{FF2B5EF4-FFF2-40B4-BE49-F238E27FC236}">
-                <a16:creationId xmlns:a16="http://schemas.microsoft.com/office/drawing/2014/main" xmlns="" id="{5ADC00B6-990A-40DC-3CEA-505258F5E8DA}"/>
+                <a16:creationId xmlns="" xmlns:a16="http://schemas.microsoft.com/office/drawing/2014/main" id="{5ADC00B6-990A-40DC-3CEA-505258F5E8DA}"/>
               </a:ext>
             </a:extLst>
           </p:cNvPr>
@@ -11888,7 +11888,7 @@
           <p:cNvPr id="11" name="TextBox 10">
             <a:extLst>
               <a:ext uri="{FF2B5EF4-FFF2-40B4-BE49-F238E27FC236}">
-                <a16:creationId xmlns:a16="http://schemas.microsoft.com/office/drawing/2014/main" xmlns="" id="{5ADC00B6-990A-40DC-3CEA-505258F5E8DA}"/>
+                <a16:creationId xmlns="" xmlns:a16="http://schemas.microsoft.com/office/drawing/2014/main" id="{5ADC00B6-990A-40DC-3CEA-505258F5E8DA}"/>
               </a:ext>
             </a:extLst>
           </p:cNvPr>
@@ -11946,7 +11946,7 @@
           <p:cNvPr id="12" name="TextBox 11">
             <a:extLst>
               <a:ext uri="{FF2B5EF4-FFF2-40B4-BE49-F238E27FC236}">
-                <a16:creationId xmlns="" xmlns:a16="http://schemas.microsoft.com/office/drawing/2014/main" id="{52176D31-35F7-8916-46FA-6095EFEC1E49}"/>
+                <a16:creationId xmlns:a16="http://schemas.microsoft.com/office/drawing/2014/main" xmlns="" id="{52176D31-35F7-8916-46FA-6095EFEC1E49}"/>
               </a:ext>
             </a:extLst>
           </p:cNvPr>
@@ -12000,7 +12000,7 @@
           <p:cNvPr id="13" name="그룹 1018">
             <a:extLst>
               <a:ext uri="{FF2B5EF4-FFF2-40B4-BE49-F238E27FC236}">
-                <a16:creationId xmlns="" xmlns:a16="http://schemas.microsoft.com/office/drawing/2014/main" id="{0804D430-F42E-AE32-A065-FFA8C471F092}"/>
+                <a16:creationId xmlns:a16="http://schemas.microsoft.com/office/drawing/2014/main" xmlns="" id="{0804D430-F42E-AE32-A065-FFA8C471F092}"/>
               </a:ext>
             </a:extLst>
           </p:cNvPr>
@@ -12020,7 +12020,7 @@
             <p:cNvPr id="14" name="Object 61">
               <a:extLst>
                 <a:ext uri="{FF2B5EF4-FFF2-40B4-BE49-F238E27FC236}">
-                  <a16:creationId xmlns="" xmlns:a16="http://schemas.microsoft.com/office/drawing/2014/main" id="{334A4C3A-641C-7CD9-8FEE-5EC92B28D640}"/>
+                  <a16:creationId xmlns:a16="http://schemas.microsoft.com/office/drawing/2014/main" xmlns="" id="{334A4C3A-641C-7CD9-8FEE-5EC92B28D640}"/>
                 </a:ext>
               </a:extLst>
             </p:cNvPr>
@@ -12051,7 +12051,7 @@
           <p:cNvPr id="16" name="TextBox 15">
             <a:extLst>
               <a:ext uri="{FF2B5EF4-FFF2-40B4-BE49-F238E27FC236}">
-                <a16:creationId xmlns="" xmlns:a16="http://schemas.microsoft.com/office/drawing/2014/main" id="{52176D31-35F7-8916-46FA-6095EFEC1E49}"/>
+                <a16:creationId xmlns:a16="http://schemas.microsoft.com/office/drawing/2014/main" xmlns="" id="{52176D31-35F7-8916-46FA-6095EFEC1E49}"/>
               </a:ext>
             </a:extLst>
           </p:cNvPr>
@@ -12105,7 +12105,7 @@
           <p:cNvPr id="17" name="그룹 1018">
             <a:extLst>
               <a:ext uri="{FF2B5EF4-FFF2-40B4-BE49-F238E27FC236}">
-                <a16:creationId xmlns="" xmlns:a16="http://schemas.microsoft.com/office/drawing/2014/main" id="{0804D430-F42E-AE32-A065-FFA8C471F092}"/>
+                <a16:creationId xmlns:a16="http://schemas.microsoft.com/office/drawing/2014/main" xmlns="" id="{0804D430-F42E-AE32-A065-FFA8C471F092}"/>
               </a:ext>
             </a:extLst>
           </p:cNvPr>
@@ -12125,7 +12125,7 @@
             <p:cNvPr id="18" name="Object 61">
               <a:extLst>
                 <a:ext uri="{FF2B5EF4-FFF2-40B4-BE49-F238E27FC236}">
-                  <a16:creationId xmlns="" xmlns:a16="http://schemas.microsoft.com/office/drawing/2014/main" id="{334A4C3A-641C-7CD9-8FEE-5EC92B28D640}"/>
+                  <a16:creationId xmlns:a16="http://schemas.microsoft.com/office/drawing/2014/main" xmlns="" id="{334A4C3A-641C-7CD9-8FEE-5EC92B28D640}"/>
                 </a:ext>
               </a:extLst>
             </p:cNvPr>
@@ -12156,7 +12156,7 @@
           <p:cNvPr id="19" name="TextBox 18">
             <a:extLst>
               <a:ext uri="{FF2B5EF4-FFF2-40B4-BE49-F238E27FC236}">
-                <a16:creationId xmlns="" xmlns:a16="http://schemas.microsoft.com/office/drawing/2014/main" id="{52176D31-35F7-8916-46FA-6095EFEC1E49}"/>
+                <a16:creationId xmlns:a16="http://schemas.microsoft.com/office/drawing/2014/main" xmlns="" id="{52176D31-35F7-8916-46FA-6095EFEC1E49}"/>
               </a:ext>
             </a:extLst>
           </p:cNvPr>
@@ -12210,7 +12210,7 @@
           <p:cNvPr id="20" name="그룹 1018">
             <a:extLst>
               <a:ext uri="{FF2B5EF4-FFF2-40B4-BE49-F238E27FC236}">
-                <a16:creationId xmlns="" xmlns:a16="http://schemas.microsoft.com/office/drawing/2014/main" id="{0804D430-F42E-AE32-A065-FFA8C471F092}"/>
+                <a16:creationId xmlns:a16="http://schemas.microsoft.com/office/drawing/2014/main" xmlns="" id="{0804D430-F42E-AE32-A065-FFA8C471F092}"/>
               </a:ext>
             </a:extLst>
           </p:cNvPr>
@@ -12230,7 +12230,7 @@
             <p:cNvPr id="21" name="Object 61">
               <a:extLst>
                 <a:ext uri="{FF2B5EF4-FFF2-40B4-BE49-F238E27FC236}">
-                  <a16:creationId xmlns="" xmlns:a16="http://schemas.microsoft.com/office/drawing/2014/main" id="{334A4C3A-641C-7CD9-8FEE-5EC92B28D640}"/>
+                  <a16:creationId xmlns:a16="http://schemas.microsoft.com/office/drawing/2014/main" xmlns="" id="{334A4C3A-641C-7CD9-8FEE-5EC92B28D640}"/>
                 </a:ext>
               </a:extLst>
             </p:cNvPr>
@@ -12261,7 +12261,7 @@
           <p:cNvPr id="22" name="TextBox 21">
             <a:extLst>
               <a:ext uri="{FF2B5EF4-FFF2-40B4-BE49-F238E27FC236}">
-                <a16:creationId xmlns="" xmlns:a16="http://schemas.microsoft.com/office/drawing/2014/main" id="{52176D31-35F7-8916-46FA-6095EFEC1E49}"/>
+                <a16:creationId xmlns:a16="http://schemas.microsoft.com/office/drawing/2014/main" xmlns="" id="{52176D31-35F7-8916-46FA-6095EFEC1E49}"/>
               </a:ext>
             </a:extLst>
           </p:cNvPr>
@@ -12315,7 +12315,7 @@
           <p:cNvPr id="23" name="직선 화살표 연결선 22">
             <a:extLst>
               <a:ext uri="{FF2B5EF4-FFF2-40B4-BE49-F238E27FC236}">
-                <a16:creationId xmlns="" xmlns:a16="http://schemas.microsoft.com/office/drawing/2014/main" id="{299DF5EC-9DF4-5255-06AC-0A7CE4FF58C3}"/>
+                <a16:creationId xmlns:a16="http://schemas.microsoft.com/office/drawing/2014/main" xmlns="" id="{299DF5EC-9DF4-5255-06AC-0A7CE4FF58C3}"/>
               </a:ext>
             </a:extLst>
           </p:cNvPr>
@@ -12356,7 +12356,7 @@
           <p:cNvPr id="26" name="직선 화살표 연결선 25">
             <a:extLst>
               <a:ext uri="{FF2B5EF4-FFF2-40B4-BE49-F238E27FC236}">
-                <a16:creationId xmlns="" xmlns:a16="http://schemas.microsoft.com/office/drawing/2014/main" id="{299DF5EC-9DF4-5255-06AC-0A7CE4FF58C3}"/>
+                <a16:creationId xmlns:a16="http://schemas.microsoft.com/office/drawing/2014/main" xmlns="" id="{299DF5EC-9DF4-5255-06AC-0A7CE4FF58C3}"/>
               </a:ext>
             </a:extLst>
           </p:cNvPr>
@@ -12398,7 +12398,7 @@
           <p:cNvPr id="28" name="직선 화살표 연결선 27">
             <a:extLst>
               <a:ext uri="{FF2B5EF4-FFF2-40B4-BE49-F238E27FC236}">
-                <a16:creationId xmlns="" xmlns:a16="http://schemas.microsoft.com/office/drawing/2014/main" id="{299DF5EC-9DF4-5255-06AC-0A7CE4FF58C3}"/>
+                <a16:creationId xmlns:a16="http://schemas.microsoft.com/office/drawing/2014/main" xmlns="" id="{299DF5EC-9DF4-5255-06AC-0A7CE4FF58C3}"/>
               </a:ext>
             </a:extLst>
           </p:cNvPr>
@@ -12500,7 +12500,7 @@
           <p:cNvPr id="14" name="직선 화살표 연결선 13">
             <a:extLst>
               <a:ext uri="{FF2B5EF4-FFF2-40B4-BE49-F238E27FC236}">
-                <a16:creationId xmlns="" xmlns:a16="http://schemas.microsoft.com/office/drawing/2014/main" id="{299DF5EC-9DF4-5255-06AC-0A7CE4FF58C3}"/>
+                <a16:creationId xmlns:a16="http://schemas.microsoft.com/office/drawing/2014/main" xmlns="" id="{299DF5EC-9DF4-5255-06AC-0A7CE4FF58C3}"/>
               </a:ext>
             </a:extLst>
           </p:cNvPr>
@@ -12541,7 +12541,7 @@
           <p:cNvPr id="15" name="직사각형 14">
             <a:extLst>
               <a:ext uri="{FF2B5EF4-FFF2-40B4-BE49-F238E27FC236}">
-                <a16:creationId xmlns="" xmlns:a16="http://schemas.microsoft.com/office/drawing/2014/main" id="{FFF506F9-840A-0508-4CAF-3AC711D8D5CE}"/>
+                <a16:creationId xmlns:a16="http://schemas.microsoft.com/office/drawing/2014/main" xmlns="" id="{FFF506F9-840A-0508-4CAF-3AC711D8D5CE}"/>
               </a:ext>
             </a:extLst>
           </p:cNvPr>
@@ -12593,7 +12593,7 @@
           <p:cNvPr id="16" name="TextBox 15">
             <a:extLst>
               <a:ext uri="{FF2B5EF4-FFF2-40B4-BE49-F238E27FC236}">
-                <a16:creationId xmlns="" xmlns:a16="http://schemas.microsoft.com/office/drawing/2014/main" id="{C6D113C6-EA5C-788F-0C77-E7CE6EBB865F}"/>
+                <a16:creationId xmlns:a16="http://schemas.microsoft.com/office/drawing/2014/main" xmlns="" id="{C6D113C6-EA5C-788F-0C77-E7CE6EBB865F}"/>
               </a:ext>
             </a:extLst>
           </p:cNvPr>
@@ -12720,7 +12720,7 @@
           <p:cNvPr id="4" name="Object 1">
             <a:extLst>
               <a:ext uri="{FF2B5EF4-FFF2-40B4-BE49-F238E27FC236}">
-                <a16:creationId xmlns:a16="http://schemas.microsoft.com/office/drawing/2014/main" xmlns="" id="{B0329035-BE76-33A8-0F2E-44624FCC1DED}"/>
+                <a16:creationId xmlns="" xmlns:a16="http://schemas.microsoft.com/office/drawing/2014/main" id="{B0329035-BE76-33A8-0F2E-44624FCC1DED}"/>
               </a:ext>
             </a:extLst>
           </p:cNvPr>
@@ -12750,7 +12750,7 @@
           <p:cNvPr id="7" name="그룹 1001">
             <a:extLst>
               <a:ext uri="{FF2B5EF4-FFF2-40B4-BE49-F238E27FC236}">
-                <a16:creationId xmlns:a16="http://schemas.microsoft.com/office/drawing/2014/main" xmlns="" id="{CD24CE9D-AC18-B6CD-F397-7E8E03D6FE26}"/>
+                <a16:creationId xmlns="" xmlns:a16="http://schemas.microsoft.com/office/drawing/2014/main" id="{CD24CE9D-AC18-B6CD-F397-7E8E03D6FE26}"/>
               </a:ext>
             </a:extLst>
           </p:cNvPr>
@@ -12770,7 +12770,7 @@
             <p:cNvPr id="8" name="Object 5">
               <a:extLst>
                 <a:ext uri="{FF2B5EF4-FFF2-40B4-BE49-F238E27FC236}">
-                  <a16:creationId xmlns:a16="http://schemas.microsoft.com/office/drawing/2014/main" xmlns="" id="{0EEF25E8-3BA8-EBAA-6DC2-66D70C3F9F4D}"/>
+                  <a16:creationId xmlns="" xmlns:a16="http://schemas.microsoft.com/office/drawing/2014/main" id="{0EEF25E8-3BA8-EBAA-6DC2-66D70C3F9F4D}"/>
                 </a:ext>
               </a:extLst>
             </p:cNvPr>
@@ -12801,7 +12801,7 @@
           <p:cNvPr id="9" name="그룹 1002">
             <a:extLst>
               <a:ext uri="{FF2B5EF4-FFF2-40B4-BE49-F238E27FC236}">
-                <a16:creationId xmlns:a16="http://schemas.microsoft.com/office/drawing/2014/main" xmlns="" id="{0F281BC9-DE1F-D1FE-E64C-C4640398F00C}"/>
+                <a16:creationId xmlns="" xmlns:a16="http://schemas.microsoft.com/office/drawing/2014/main" id="{0F281BC9-DE1F-D1FE-E64C-C4640398F00C}"/>
               </a:ext>
             </a:extLst>
           </p:cNvPr>
@@ -12821,7 +12821,7 @@
             <p:cNvPr id="10" name="Object 8">
               <a:extLst>
                 <a:ext uri="{FF2B5EF4-FFF2-40B4-BE49-F238E27FC236}">
-                  <a16:creationId xmlns:a16="http://schemas.microsoft.com/office/drawing/2014/main" xmlns="" id="{F669DCEF-04BB-7046-3F7F-5B513213556E}"/>
+                  <a16:creationId xmlns="" xmlns:a16="http://schemas.microsoft.com/office/drawing/2014/main" id="{F669DCEF-04BB-7046-3F7F-5B513213556E}"/>
                 </a:ext>
               </a:extLst>
             </p:cNvPr>
@@ -12852,7 +12852,7 @@
           <p:cNvPr id="11" name="그룹 1003">
             <a:extLst>
               <a:ext uri="{FF2B5EF4-FFF2-40B4-BE49-F238E27FC236}">
-                <a16:creationId xmlns:a16="http://schemas.microsoft.com/office/drawing/2014/main" xmlns="" id="{1F91EEF9-13EA-BB7F-B056-D35E7DB989AC}"/>
+                <a16:creationId xmlns="" xmlns:a16="http://schemas.microsoft.com/office/drawing/2014/main" id="{1F91EEF9-13EA-BB7F-B056-D35E7DB989AC}"/>
               </a:ext>
             </a:extLst>
           </p:cNvPr>
@@ -12872,7 +12872,7 @@
             <p:cNvPr id="12" name="Object 11">
               <a:extLst>
                 <a:ext uri="{FF2B5EF4-FFF2-40B4-BE49-F238E27FC236}">
-                  <a16:creationId xmlns:a16="http://schemas.microsoft.com/office/drawing/2014/main" xmlns="" id="{2CFFB217-AEFB-2C9E-5F86-6EE19510FFC6}"/>
+                  <a16:creationId xmlns="" xmlns:a16="http://schemas.microsoft.com/office/drawing/2014/main" id="{2CFFB217-AEFB-2C9E-5F86-6EE19510FFC6}"/>
                 </a:ext>
               </a:extLst>
             </p:cNvPr>
@@ -12903,7 +12903,7 @@
           <p:cNvPr id="13" name="그룹 1004">
             <a:extLst>
               <a:ext uri="{FF2B5EF4-FFF2-40B4-BE49-F238E27FC236}">
-                <a16:creationId xmlns:a16="http://schemas.microsoft.com/office/drawing/2014/main" xmlns="" id="{123B9C7E-94E8-E7E1-81BE-D59EA0299187}"/>
+                <a16:creationId xmlns="" xmlns:a16="http://schemas.microsoft.com/office/drawing/2014/main" id="{123B9C7E-94E8-E7E1-81BE-D59EA0299187}"/>
               </a:ext>
             </a:extLst>
           </p:cNvPr>
@@ -12923,7 +12923,7 @@
             <p:cNvPr id="14" name="Object 14">
               <a:extLst>
                 <a:ext uri="{FF2B5EF4-FFF2-40B4-BE49-F238E27FC236}">
-                  <a16:creationId xmlns:a16="http://schemas.microsoft.com/office/drawing/2014/main" xmlns="" id="{B6291552-2D89-A79F-7ACD-EA0EF9A4C389}"/>
+                  <a16:creationId xmlns="" xmlns:a16="http://schemas.microsoft.com/office/drawing/2014/main" id="{B6291552-2D89-A79F-7ACD-EA0EF9A4C389}"/>
                 </a:ext>
               </a:extLst>
             </p:cNvPr>
@@ -12954,7 +12954,7 @@
           <p:cNvPr id="15" name="TextBox 14">
             <a:extLst>
               <a:ext uri="{FF2B5EF4-FFF2-40B4-BE49-F238E27FC236}">
-                <a16:creationId xmlns:a16="http://schemas.microsoft.com/office/drawing/2014/main" xmlns="" id="{7D99763A-FC24-23F5-5BA9-D7B042E0F323}"/>
+                <a16:creationId xmlns="" xmlns:a16="http://schemas.microsoft.com/office/drawing/2014/main" id="{7D99763A-FC24-23F5-5BA9-D7B042E0F323}"/>
               </a:ext>
             </a:extLst>
           </p:cNvPr>
@@ -13039,7 +13039,7 @@
           <p:cNvPr id="4" name="TextBox 3">
             <a:extLst>
               <a:ext uri="{FF2B5EF4-FFF2-40B4-BE49-F238E27FC236}">
-                <a16:creationId xmlns:a16="http://schemas.microsoft.com/office/drawing/2014/main" xmlns="" id="{5ADC00B6-990A-40DC-3CEA-505258F5E8DA}"/>
+                <a16:creationId xmlns="" xmlns:a16="http://schemas.microsoft.com/office/drawing/2014/main" id="{5ADC00B6-990A-40DC-3CEA-505258F5E8DA}"/>
               </a:ext>
             </a:extLst>
           </p:cNvPr>
@@ -13120,14 +13120,14 @@
                 <a:gridCol w="1981200">
                   <a:extLst>
                     <a:ext uri="{9D8B030D-6E8A-4147-A177-3AD203B41FA5}">
-                      <a16:colId xmlns:a16="http://schemas.microsoft.com/office/drawing/2014/main" xmlns="" val="20000"/>
+                      <a16:colId xmlns="" xmlns:a16="http://schemas.microsoft.com/office/drawing/2014/main" val="20000"/>
                     </a:ext>
                   </a:extLst>
                 </a:gridCol>
                 <a:gridCol w="6019801">
                   <a:extLst>
                     <a:ext uri="{9D8B030D-6E8A-4147-A177-3AD203B41FA5}">
-                      <a16:colId xmlns:a16="http://schemas.microsoft.com/office/drawing/2014/main" xmlns="" val="20001"/>
+                      <a16:colId xmlns="" xmlns:a16="http://schemas.microsoft.com/office/drawing/2014/main" val="20001"/>
                     </a:ext>
                   </a:extLst>
                 </a:gridCol>
@@ -13265,7 +13265,7 @@
                 </a:tc>
                 <a:extLst>
                   <a:ext uri="{0D108BD9-81ED-4DB2-BD59-A6C34878D82A}">
-                    <a16:rowId xmlns:a16="http://schemas.microsoft.com/office/drawing/2014/main" xmlns="" val="10000"/>
+                    <a16:rowId xmlns="" xmlns:a16="http://schemas.microsoft.com/office/drawing/2014/main" val="10000"/>
                   </a:ext>
                 </a:extLst>
               </a:tr>
@@ -13426,7 +13426,7 @@
                 </a:tc>
                 <a:extLst>
                   <a:ext uri="{0D108BD9-81ED-4DB2-BD59-A6C34878D82A}">
-                    <a16:rowId xmlns:a16="http://schemas.microsoft.com/office/drawing/2014/main" xmlns="" val="10001"/>
+                    <a16:rowId xmlns="" xmlns:a16="http://schemas.microsoft.com/office/drawing/2014/main" val="10001"/>
                   </a:ext>
                 </a:extLst>
               </a:tr>
@@ -13566,7 +13566,7 @@
                 </a:tc>
                 <a:extLst>
                   <a:ext uri="{0D108BD9-81ED-4DB2-BD59-A6C34878D82A}">
-                    <a16:rowId xmlns:a16="http://schemas.microsoft.com/office/drawing/2014/main" xmlns="" val="10002"/>
+                    <a16:rowId xmlns="" xmlns:a16="http://schemas.microsoft.com/office/drawing/2014/main" val="10002"/>
                   </a:ext>
                 </a:extLst>
               </a:tr>
@@ -13579,7 +13579,7 @@
           <p:cNvPr id="5" name="TextBox 4">
             <a:extLst>
               <a:ext uri="{FF2B5EF4-FFF2-40B4-BE49-F238E27FC236}">
-                <a16:creationId xmlns="" xmlns:a16="http://schemas.microsoft.com/office/drawing/2014/main" id="{C6D113C6-EA5C-788F-0C77-E7CE6EBB865F}"/>
+                <a16:creationId xmlns:a16="http://schemas.microsoft.com/office/drawing/2014/main" xmlns="" id="{C6D113C6-EA5C-788F-0C77-E7CE6EBB865F}"/>
               </a:ext>
             </a:extLst>
           </p:cNvPr>
@@ -13862,7 +13862,7 @@
           <p:cNvPr id="2" name="TextBox 1">
             <a:extLst>
               <a:ext uri="{FF2B5EF4-FFF2-40B4-BE49-F238E27FC236}">
-                <a16:creationId xmlns:a16="http://schemas.microsoft.com/office/drawing/2014/main" xmlns="" id="{8D19D88B-9541-32D7-90F1-0C45C993E21C}"/>
+                <a16:creationId xmlns="" xmlns:a16="http://schemas.microsoft.com/office/drawing/2014/main" id="{8D19D88B-9541-32D7-90F1-0C45C993E21C}"/>
               </a:ext>
             </a:extLst>
           </p:cNvPr>
@@ -14008,7 +14008,7 @@
           <p:cNvPr id="5" name="TextBox 4">
             <a:extLst>
               <a:ext uri="{FF2B5EF4-FFF2-40B4-BE49-F238E27FC236}">
-                <a16:creationId xmlns="" xmlns:a16="http://schemas.microsoft.com/office/drawing/2014/main" id="{5ADC00B6-990A-40DC-3CEA-505258F5E8DA}"/>
+                <a16:creationId xmlns:a16="http://schemas.microsoft.com/office/drawing/2014/main" xmlns="" id="{5ADC00B6-990A-40DC-3CEA-505258F5E8DA}"/>
               </a:ext>
             </a:extLst>
           </p:cNvPr>
@@ -14102,7 +14102,7 @@
           <p:cNvPr id="7" name="TextBox 6">
             <a:extLst>
               <a:ext uri="{FF2B5EF4-FFF2-40B4-BE49-F238E27FC236}">
-                <a16:creationId xmlns="" xmlns:a16="http://schemas.microsoft.com/office/drawing/2014/main" id="{5ADC00B6-990A-40DC-3CEA-505258F5E8DA}"/>
+                <a16:creationId xmlns:a16="http://schemas.microsoft.com/office/drawing/2014/main" xmlns="" id="{5ADC00B6-990A-40DC-3CEA-505258F5E8DA}"/>
               </a:ext>
             </a:extLst>
           </p:cNvPr>
@@ -14196,7 +14196,7 @@
           <p:cNvPr id="9" name="TextBox 8">
             <a:extLst>
               <a:ext uri="{FF2B5EF4-FFF2-40B4-BE49-F238E27FC236}">
-                <a16:creationId xmlns="" xmlns:a16="http://schemas.microsoft.com/office/drawing/2014/main" id="{5ADC00B6-990A-40DC-3CEA-505258F5E8DA}"/>
+                <a16:creationId xmlns:a16="http://schemas.microsoft.com/office/drawing/2014/main" xmlns="" id="{5ADC00B6-990A-40DC-3CEA-505258F5E8DA}"/>
               </a:ext>
             </a:extLst>
           </p:cNvPr>
@@ -14473,7 +14473,7 @@
           <p:cNvPr id="20" name="TextBox 19">
             <a:extLst>
               <a:ext uri="{FF2B5EF4-FFF2-40B4-BE49-F238E27FC236}">
-                <a16:creationId xmlns="" xmlns:a16="http://schemas.microsoft.com/office/drawing/2014/main" id="{C6D113C6-EA5C-788F-0C77-E7CE6EBB865F}"/>
+                <a16:creationId xmlns:a16="http://schemas.microsoft.com/office/drawing/2014/main" xmlns="" id="{C6D113C6-EA5C-788F-0C77-E7CE6EBB865F}"/>
               </a:ext>
             </a:extLst>
           </p:cNvPr>
@@ -14531,7 +14531,7 @@
           <p:cNvPr id="21" name="직선 화살표 연결선 20">
             <a:extLst>
               <a:ext uri="{FF2B5EF4-FFF2-40B4-BE49-F238E27FC236}">
-                <a16:creationId xmlns="" xmlns:a16="http://schemas.microsoft.com/office/drawing/2014/main" id="{299DF5EC-9DF4-5255-06AC-0A7CE4FF58C3}"/>
+                <a16:creationId xmlns:a16="http://schemas.microsoft.com/office/drawing/2014/main" xmlns="" id="{299DF5EC-9DF4-5255-06AC-0A7CE4FF58C3}"/>
               </a:ext>
             </a:extLst>
           </p:cNvPr>
@@ -14572,7 +14572,7 @@
           <p:cNvPr id="22" name="TextBox 21">
             <a:extLst>
               <a:ext uri="{FF2B5EF4-FFF2-40B4-BE49-F238E27FC236}">
-                <a16:creationId xmlns="" xmlns:a16="http://schemas.microsoft.com/office/drawing/2014/main" id="{C6D113C6-EA5C-788F-0C77-E7CE6EBB865F}"/>
+                <a16:creationId xmlns:a16="http://schemas.microsoft.com/office/drawing/2014/main" xmlns="" id="{C6D113C6-EA5C-788F-0C77-E7CE6EBB865F}"/>
               </a:ext>
             </a:extLst>
           </p:cNvPr>
@@ -14649,7 +14649,7 @@
           <p:cNvPr id="25" name="직선 화살표 연결선 24">
             <a:extLst>
               <a:ext uri="{FF2B5EF4-FFF2-40B4-BE49-F238E27FC236}">
-                <a16:creationId xmlns="" xmlns:a16="http://schemas.microsoft.com/office/drawing/2014/main" id="{299DF5EC-9DF4-5255-06AC-0A7CE4FF58C3}"/>
+                <a16:creationId xmlns:a16="http://schemas.microsoft.com/office/drawing/2014/main" xmlns="" id="{299DF5EC-9DF4-5255-06AC-0A7CE4FF58C3}"/>
               </a:ext>
             </a:extLst>
           </p:cNvPr>
@@ -14690,7 +14690,7 @@
           <p:cNvPr id="26" name="TextBox 25">
             <a:extLst>
               <a:ext uri="{FF2B5EF4-FFF2-40B4-BE49-F238E27FC236}">
-                <a16:creationId xmlns="" xmlns:a16="http://schemas.microsoft.com/office/drawing/2014/main" id="{C6D113C6-EA5C-788F-0C77-E7CE6EBB865F}"/>
+                <a16:creationId xmlns:a16="http://schemas.microsoft.com/office/drawing/2014/main" xmlns="" id="{C6D113C6-EA5C-788F-0C77-E7CE6EBB865F}"/>
               </a:ext>
             </a:extLst>
           </p:cNvPr>
@@ -15116,14 +15116,14 @@
                 <a:gridCol w="2898913">
                   <a:extLst>
                     <a:ext uri="{9D8B030D-6E8A-4147-A177-3AD203B41FA5}">
-                      <a16:colId xmlns:a16="http://schemas.microsoft.com/office/drawing/2014/main" xmlns="" val="20000"/>
+                      <a16:colId xmlns="" xmlns:a16="http://schemas.microsoft.com/office/drawing/2014/main" val="20000"/>
                     </a:ext>
                   </a:extLst>
                 </a:gridCol>
                 <a:gridCol w="5102088">
                   <a:extLst>
                     <a:ext uri="{9D8B030D-6E8A-4147-A177-3AD203B41FA5}">
-                      <a16:colId xmlns:a16="http://schemas.microsoft.com/office/drawing/2014/main" xmlns="" val="20001"/>
+                      <a16:colId xmlns="" xmlns:a16="http://schemas.microsoft.com/office/drawing/2014/main" val="20001"/>
                     </a:ext>
                   </a:extLst>
                 </a:gridCol>
@@ -15253,7 +15253,7 @@
                 </a:tc>
                 <a:extLst>
                   <a:ext uri="{0D108BD9-81ED-4DB2-BD59-A6C34878D82A}">
-                    <a16:rowId xmlns:a16="http://schemas.microsoft.com/office/drawing/2014/main" xmlns="" val="10000"/>
+                    <a16:rowId xmlns="" xmlns:a16="http://schemas.microsoft.com/office/drawing/2014/main" val="10000"/>
                   </a:ext>
                 </a:extLst>
               </a:tr>
@@ -15390,7 +15390,7 @@
                 </a:tc>
                 <a:extLst>
                   <a:ext uri="{0D108BD9-81ED-4DB2-BD59-A6C34878D82A}">
-                    <a16:rowId xmlns:a16="http://schemas.microsoft.com/office/drawing/2014/main" xmlns="" val="10001"/>
+                    <a16:rowId xmlns="" xmlns:a16="http://schemas.microsoft.com/office/drawing/2014/main" val="10001"/>
                   </a:ext>
                 </a:extLst>
               </a:tr>
@@ -15519,7 +15519,7 @@
                 </a:tc>
                 <a:extLst>
                   <a:ext uri="{0D108BD9-81ED-4DB2-BD59-A6C34878D82A}">
-                    <a16:rowId xmlns:a16="http://schemas.microsoft.com/office/drawing/2014/main" xmlns="" val="10002"/>
+                    <a16:rowId xmlns="" xmlns:a16="http://schemas.microsoft.com/office/drawing/2014/main" val="10002"/>
                   </a:ext>
                 </a:extLst>
               </a:tr>
@@ -15532,7 +15532,7 @@
           <p:cNvPr id="13" name="직선 화살표 연결선 12">
             <a:extLst>
               <a:ext uri="{FF2B5EF4-FFF2-40B4-BE49-F238E27FC236}">
-                <a16:creationId xmlns:a16="http://schemas.microsoft.com/office/drawing/2014/main" xmlns="" id="{299DF5EC-9DF4-5255-06AC-0A7CE4FF58C3}"/>
+                <a16:creationId xmlns="" xmlns:a16="http://schemas.microsoft.com/office/drawing/2014/main" id="{299DF5EC-9DF4-5255-06AC-0A7CE4FF58C3}"/>
               </a:ext>
             </a:extLst>
           </p:cNvPr>
@@ -15573,7 +15573,7 @@
           <p:cNvPr id="14" name="직선 화살표 연결선 13">
             <a:extLst>
               <a:ext uri="{FF2B5EF4-FFF2-40B4-BE49-F238E27FC236}">
-                <a16:creationId xmlns:a16="http://schemas.microsoft.com/office/drawing/2014/main" xmlns="" id="{299DF5EC-9DF4-5255-06AC-0A7CE4FF58C3}"/>
+                <a16:creationId xmlns="" xmlns:a16="http://schemas.microsoft.com/office/drawing/2014/main" id="{299DF5EC-9DF4-5255-06AC-0A7CE4FF58C3}"/>
               </a:ext>
             </a:extLst>
           </p:cNvPr>
@@ -15614,7 +15614,7 @@
           <p:cNvPr id="15" name="직선 화살표 연결선 14">
             <a:extLst>
               <a:ext uri="{FF2B5EF4-FFF2-40B4-BE49-F238E27FC236}">
-                <a16:creationId xmlns:a16="http://schemas.microsoft.com/office/drawing/2014/main" xmlns="" id="{299DF5EC-9DF4-5255-06AC-0A7CE4FF58C3}"/>
+                <a16:creationId xmlns="" xmlns:a16="http://schemas.microsoft.com/office/drawing/2014/main" id="{299DF5EC-9DF4-5255-06AC-0A7CE4FF58C3}"/>
               </a:ext>
             </a:extLst>
           </p:cNvPr>
@@ -15886,7 +15886,7 @@
           <p:cNvPr id="4" name="TextBox 3">
             <a:extLst>
               <a:ext uri="{FF2B5EF4-FFF2-40B4-BE49-F238E27FC236}">
-                <a16:creationId xmlns:a16="http://schemas.microsoft.com/office/drawing/2014/main" xmlns="" id="{5ADC00B6-990A-40DC-3CEA-505258F5E8DA}"/>
+                <a16:creationId xmlns="" xmlns:a16="http://schemas.microsoft.com/office/drawing/2014/main" id="{5ADC00B6-990A-40DC-3CEA-505258F5E8DA}"/>
               </a:ext>
             </a:extLst>
           </p:cNvPr>
@@ -15957,21 +15957,21 @@
                 <a:gridCol w="2187001">
                   <a:extLst>
                     <a:ext uri="{9D8B030D-6E8A-4147-A177-3AD203B41FA5}">
-                      <a16:colId xmlns:a16="http://schemas.microsoft.com/office/drawing/2014/main" xmlns="" val="20000"/>
+                      <a16:colId xmlns="" xmlns:a16="http://schemas.microsoft.com/office/drawing/2014/main" val="20000"/>
                     </a:ext>
                   </a:extLst>
                 </a:gridCol>
                 <a:gridCol w="3580299">
                   <a:extLst>
                     <a:ext uri="{9D8B030D-6E8A-4147-A177-3AD203B41FA5}">
-                      <a16:colId xmlns:a16="http://schemas.microsoft.com/office/drawing/2014/main" xmlns="" val="20001"/>
+                      <a16:colId xmlns="" xmlns:a16="http://schemas.microsoft.com/office/drawing/2014/main" val="20001"/>
                     </a:ext>
                   </a:extLst>
                 </a:gridCol>
                 <a:gridCol w="4519700">
                   <a:extLst>
                     <a:ext uri="{9D8B030D-6E8A-4147-A177-3AD203B41FA5}">
-                      <a16:colId xmlns:a16="http://schemas.microsoft.com/office/drawing/2014/main" xmlns="" val="20002"/>
+                      <a16:colId xmlns="" xmlns:a16="http://schemas.microsoft.com/office/drawing/2014/main" val="20002"/>
                     </a:ext>
                   </a:extLst>
                 </a:gridCol>
@@ -16174,7 +16174,7 @@
                 </a:tc>
                 <a:extLst>
                   <a:ext uri="{0D108BD9-81ED-4DB2-BD59-A6C34878D82A}">
-                    <a16:rowId xmlns:a16="http://schemas.microsoft.com/office/drawing/2014/main" xmlns="" val="10000"/>
+                    <a16:rowId xmlns="" xmlns:a16="http://schemas.microsoft.com/office/drawing/2014/main" val="10000"/>
                   </a:ext>
                 </a:extLst>
               </a:tr>
@@ -16433,7 +16433,7 @@
                 </a:tc>
                 <a:extLst>
                   <a:ext uri="{0D108BD9-81ED-4DB2-BD59-A6C34878D82A}">
-                    <a16:rowId xmlns:a16="http://schemas.microsoft.com/office/drawing/2014/main" xmlns="" val="10001"/>
+                    <a16:rowId xmlns="" xmlns:a16="http://schemas.microsoft.com/office/drawing/2014/main" val="10001"/>
                   </a:ext>
                 </a:extLst>
               </a:tr>
@@ -16659,7 +16659,7 @@
                 </a:tc>
                 <a:extLst>
                   <a:ext uri="{0D108BD9-81ED-4DB2-BD59-A6C34878D82A}">
-                    <a16:rowId xmlns:a16="http://schemas.microsoft.com/office/drawing/2014/main" xmlns="" val="10002"/>
+                    <a16:rowId xmlns="" xmlns:a16="http://schemas.microsoft.com/office/drawing/2014/main" val="10002"/>
                   </a:ext>
                 </a:extLst>
               </a:tr>
@@ -16894,7 +16894,7 @@
                 </a:tc>
                 <a:extLst>
                   <a:ext uri="{0D108BD9-81ED-4DB2-BD59-A6C34878D82A}">
-                    <a16:rowId xmlns:a16="http://schemas.microsoft.com/office/drawing/2014/main" xmlns="" val="10003"/>
+                    <a16:rowId xmlns="" xmlns:a16="http://schemas.microsoft.com/office/drawing/2014/main" val="10003"/>
                   </a:ext>
                 </a:extLst>
               </a:tr>
@@ -16992,7 +16992,7 @@
           <p:cNvPr id="5" name="직선 화살표 연결선 4">
             <a:extLst>
               <a:ext uri="{FF2B5EF4-FFF2-40B4-BE49-F238E27FC236}">
-                <a16:creationId xmlns:a16="http://schemas.microsoft.com/office/drawing/2014/main" xmlns="" id="{299DF5EC-9DF4-5255-06AC-0A7CE4FF58C3}"/>
+                <a16:creationId xmlns="" xmlns:a16="http://schemas.microsoft.com/office/drawing/2014/main" id="{299DF5EC-9DF4-5255-06AC-0A7CE4FF58C3}"/>
               </a:ext>
             </a:extLst>
           </p:cNvPr>
@@ -17033,7 +17033,7 @@
           <p:cNvPr id="6" name="직사각형 5">
             <a:extLst>
               <a:ext uri="{FF2B5EF4-FFF2-40B4-BE49-F238E27FC236}">
-                <a16:creationId xmlns:a16="http://schemas.microsoft.com/office/drawing/2014/main" xmlns="" id="{FFF506F9-840A-0508-4CAF-3AC711D8D5CE}"/>
+                <a16:creationId xmlns="" xmlns:a16="http://schemas.microsoft.com/office/drawing/2014/main" id="{FFF506F9-840A-0508-4CAF-3AC711D8D5CE}"/>
               </a:ext>
             </a:extLst>
           </p:cNvPr>
@@ -17085,7 +17085,7 @@
           <p:cNvPr id="7" name="TextBox 6">
             <a:extLst>
               <a:ext uri="{FF2B5EF4-FFF2-40B4-BE49-F238E27FC236}">
-                <a16:creationId xmlns:a16="http://schemas.microsoft.com/office/drawing/2014/main" xmlns="" id="{C6D113C6-EA5C-788F-0C77-E7CE6EBB865F}"/>
+                <a16:creationId xmlns="" xmlns:a16="http://schemas.microsoft.com/office/drawing/2014/main" id="{C6D113C6-EA5C-788F-0C77-E7CE6EBB865F}"/>
               </a:ext>
             </a:extLst>
           </p:cNvPr>
@@ -17217,7 +17217,7 @@
           <p:cNvPr id="10" name="직선 화살표 연결선 9">
             <a:extLst>
               <a:ext uri="{FF2B5EF4-FFF2-40B4-BE49-F238E27FC236}">
-                <a16:creationId xmlns="" xmlns:a16="http://schemas.microsoft.com/office/drawing/2014/main" id="{299DF5EC-9DF4-5255-06AC-0A7CE4FF58C3}"/>
+                <a16:creationId xmlns:a16="http://schemas.microsoft.com/office/drawing/2014/main" xmlns="" id="{299DF5EC-9DF4-5255-06AC-0A7CE4FF58C3}"/>
               </a:ext>
             </a:extLst>
           </p:cNvPr>
@@ -17258,7 +17258,7 @@
           <p:cNvPr id="11" name="TextBox 10">
             <a:extLst>
               <a:ext uri="{FF2B5EF4-FFF2-40B4-BE49-F238E27FC236}">
-                <a16:creationId xmlns="" xmlns:a16="http://schemas.microsoft.com/office/drawing/2014/main" id="{C6D113C6-EA5C-788F-0C77-E7CE6EBB865F}"/>
+                <a16:creationId xmlns:a16="http://schemas.microsoft.com/office/drawing/2014/main" xmlns="" id="{C6D113C6-EA5C-788F-0C77-E7CE6EBB865F}"/>
               </a:ext>
             </a:extLst>
           </p:cNvPr>
@@ -17576,7 +17576,7 @@
           <p:cNvPr id="4" name="TextBox 3">
             <a:extLst>
               <a:ext uri="{FF2B5EF4-FFF2-40B4-BE49-F238E27FC236}">
-                <a16:creationId xmlns:a16="http://schemas.microsoft.com/office/drawing/2014/main" xmlns="" id="{5ADC00B6-990A-40DC-3CEA-505258F5E8DA}"/>
+                <a16:creationId xmlns="" xmlns:a16="http://schemas.microsoft.com/office/drawing/2014/main" id="{5ADC00B6-990A-40DC-3CEA-505258F5E8DA}"/>
               </a:ext>
             </a:extLst>
           </p:cNvPr>
@@ -17624,7 +17624,7 @@
           <p:cNvPr id="6" name="직사각형 5">
             <a:extLst>
               <a:ext uri="{FF2B5EF4-FFF2-40B4-BE49-F238E27FC236}">
-                <a16:creationId xmlns:a16="http://schemas.microsoft.com/office/drawing/2014/main" xmlns="" id="{FFF506F9-840A-0508-4CAF-3AC711D8D5CE}"/>
+                <a16:creationId xmlns="" xmlns:a16="http://schemas.microsoft.com/office/drawing/2014/main" id="{FFF506F9-840A-0508-4CAF-3AC711D8D5CE}"/>
               </a:ext>
             </a:extLst>
           </p:cNvPr>
@@ -17972,7 +17972,7 @@
           <p:cNvPr id="4" name="TextBox 3">
             <a:extLst>
               <a:ext uri="{FF2B5EF4-FFF2-40B4-BE49-F238E27FC236}">
-                <a16:creationId xmlns:a16="http://schemas.microsoft.com/office/drawing/2014/main" xmlns="" id="{5ADC00B6-990A-40DC-3CEA-505258F5E8DA}"/>
+                <a16:creationId xmlns="" xmlns:a16="http://schemas.microsoft.com/office/drawing/2014/main" id="{5ADC00B6-990A-40DC-3CEA-505258F5E8DA}"/>
               </a:ext>
             </a:extLst>
           </p:cNvPr>
@@ -18101,7 +18101,7 @@
           <p:cNvPr id="7" name="직선 화살표 연결선 6">
             <a:extLst>
               <a:ext uri="{FF2B5EF4-FFF2-40B4-BE49-F238E27FC236}">
-                <a16:creationId xmlns="" xmlns:a16="http://schemas.microsoft.com/office/drawing/2014/main" id="{299DF5EC-9DF4-5255-06AC-0A7CE4FF58C3}"/>
+                <a16:creationId xmlns:a16="http://schemas.microsoft.com/office/drawing/2014/main" xmlns="" id="{299DF5EC-9DF4-5255-06AC-0A7CE4FF58C3}"/>
               </a:ext>
             </a:extLst>
           </p:cNvPr>
@@ -18142,7 +18142,7 @@
           <p:cNvPr id="8" name="TextBox 7">
             <a:extLst>
               <a:ext uri="{FF2B5EF4-FFF2-40B4-BE49-F238E27FC236}">
-                <a16:creationId xmlns="" xmlns:a16="http://schemas.microsoft.com/office/drawing/2014/main" id="{C6D113C6-EA5C-788F-0C77-E7CE6EBB865F}"/>
+                <a16:creationId xmlns:a16="http://schemas.microsoft.com/office/drawing/2014/main" xmlns="" id="{C6D113C6-EA5C-788F-0C77-E7CE6EBB865F}"/>
               </a:ext>
             </a:extLst>
           </p:cNvPr>
@@ -18200,7 +18200,7 @@
           <p:cNvPr id="9" name="직선 화살표 연결선 8">
             <a:extLst>
               <a:ext uri="{FF2B5EF4-FFF2-40B4-BE49-F238E27FC236}">
-                <a16:creationId xmlns="" xmlns:a16="http://schemas.microsoft.com/office/drawing/2014/main" id="{299DF5EC-9DF4-5255-06AC-0A7CE4FF58C3}"/>
+                <a16:creationId xmlns:a16="http://schemas.microsoft.com/office/drawing/2014/main" xmlns="" id="{299DF5EC-9DF4-5255-06AC-0A7CE4FF58C3}"/>
               </a:ext>
             </a:extLst>
           </p:cNvPr>
@@ -18241,7 +18241,7 @@
           <p:cNvPr id="10" name="TextBox 9">
             <a:extLst>
               <a:ext uri="{FF2B5EF4-FFF2-40B4-BE49-F238E27FC236}">
-                <a16:creationId xmlns="" xmlns:a16="http://schemas.microsoft.com/office/drawing/2014/main" id="{C6D113C6-EA5C-788F-0C77-E7CE6EBB865F}"/>
+                <a16:creationId xmlns:a16="http://schemas.microsoft.com/office/drawing/2014/main" xmlns="" id="{C6D113C6-EA5C-788F-0C77-E7CE6EBB865F}"/>
               </a:ext>
             </a:extLst>
           </p:cNvPr>
@@ -18272,27 +18272,7 @@
                 <a:latin typeface="G마켓 산스 Medium" panose="02000000000000000000" pitchFamily="50" charset="-127"/>
                 <a:ea typeface="G마켓 산스 Medium" panose="02000000000000000000" pitchFamily="50" charset="-127"/>
               </a:rPr>
-              <a:t>인스턴스 </a:t>
-            </a:r>
-            <a:r>
-              <a:rPr lang="ko-KR" altLang="en-US" sz="3600" smtClean="0">
-                <a:solidFill>
-                  <a:srgbClr val="FF0000"/>
-                </a:solidFill>
-                <a:latin typeface="G마켓 산스 Medium" panose="02000000000000000000" pitchFamily="50" charset="-127"/>
-                <a:ea typeface="G마켓 산스 Medium" panose="02000000000000000000" pitchFamily="50" charset="-127"/>
-              </a:rPr>
-              <a:t>멤버변수는 </a:t>
-            </a:r>
-            <a:r>
-              <a:rPr lang="ko-KR" altLang="en-US" sz="3600" smtClean="0">
-                <a:solidFill>
-                  <a:srgbClr val="FF0000"/>
-                </a:solidFill>
-                <a:latin typeface="G마켓 산스 Medium" panose="02000000000000000000" pitchFamily="50" charset="-127"/>
-                <a:ea typeface="G마켓 산스 Medium" panose="02000000000000000000" pitchFamily="50" charset="-127"/>
-              </a:rPr>
-              <a:t>아직 생성 안되었을수 있다</a:t>
+              <a:t>인스턴스 멤버변수는 아직 생성 안되었을수 있다</a:t>
             </a:r>
             <a:r>
               <a:rPr lang="en-US" altLang="ko-KR" sz="3600" smtClean="0">
@@ -18934,7 +18914,7 @@
           <p:cNvPr id="81" name="TextBox 80">
             <a:extLst>
               <a:ext uri="{FF2B5EF4-FFF2-40B4-BE49-F238E27FC236}">
-                <a16:creationId xmlns:a16="http://schemas.microsoft.com/office/drawing/2014/main" xmlns="" id="{5ADC00B6-990A-40DC-3CEA-505258F5E8DA}"/>
+                <a16:creationId xmlns="" xmlns:a16="http://schemas.microsoft.com/office/drawing/2014/main" id="{5ADC00B6-990A-40DC-3CEA-505258F5E8DA}"/>
               </a:ext>
             </a:extLst>
           </p:cNvPr>
@@ -18982,7 +18962,7 @@
           <p:cNvPr id="82" name="TextBox 81">
             <a:extLst>
               <a:ext uri="{FF2B5EF4-FFF2-40B4-BE49-F238E27FC236}">
-                <a16:creationId xmlns:a16="http://schemas.microsoft.com/office/drawing/2014/main" xmlns="" id="{5ADC00B6-990A-40DC-3CEA-505258F5E8DA}"/>
+                <a16:creationId xmlns="" xmlns:a16="http://schemas.microsoft.com/office/drawing/2014/main" id="{5ADC00B6-990A-40DC-3CEA-505258F5E8DA}"/>
               </a:ext>
             </a:extLst>
           </p:cNvPr>
@@ -19030,7 +19010,7 @@
           <p:cNvPr id="83" name="TextBox 82">
             <a:extLst>
               <a:ext uri="{FF2B5EF4-FFF2-40B4-BE49-F238E27FC236}">
-                <a16:creationId xmlns:a16="http://schemas.microsoft.com/office/drawing/2014/main" xmlns="" id="{A2AD056B-97A4-5BCC-4460-250160F3E171}"/>
+                <a16:creationId xmlns="" xmlns:a16="http://schemas.microsoft.com/office/drawing/2014/main" id="{A2AD056B-97A4-5BCC-4460-250160F3E171}"/>
               </a:ext>
             </a:extLst>
           </p:cNvPr>
@@ -19084,7 +19064,7 @@
           <p:cNvPr id="84" name="TextBox 83">
             <a:extLst>
               <a:ext uri="{FF2B5EF4-FFF2-40B4-BE49-F238E27FC236}">
-                <a16:creationId xmlns:a16="http://schemas.microsoft.com/office/drawing/2014/main" xmlns="" id="{A2AD056B-97A4-5BCC-4460-250160F3E171}"/>
+                <a16:creationId xmlns="" xmlns:a16="http://schemas.microsoft.com/office/drawing/2014/main" id="{A2AD056B-97A4-5BCC-4460-250160F3E171}"/>
               </a:ext>
             </a:extLst>
           </p:cNvPr>
@@ -19138,7 +19118,7 @@
           <p:cNvPr id="85" name="TextBox 84">
             <a:extLst>
               <a:ext uri="{FF2B5EF4-FFF2-40B4-BE49-F238E27FC236}">
-                <a16:creationId xmlns:a16="http://schemas.microsoft.com/office/drawing/2014/main" xmlns="" id="{A2AD056B-97A4-5BCC-4460-250160F3E171}"/>
+                <a16:creationId xmlns="" xmlns:a16="http://schemas.microsoft.com/office/drawing/2014/main" id="{A2AD056B-97A4-5BCC-4460-250160F3E171}"/>
               </a:ext>
             </a:extLst>
           </p:cNvPr>
@@ -19218,7 +19198,7 @@
           <p:cNvPr id="86" name="TextBox 85">
             <a:extLst>
               <a:ext uri="{FF2B5EF4-FFF2-40B4-BE49-F238E27FC236}">
-                <a16:creationId xmlns:a16="http://schemas.microsoft.com/office/drawing/2014/main" xmlns="" id="{A2AD056B-97A4-5BCC-4460-250160F3E171}"/>
+                <a16:creationId xmlns="" xmlns:a16="http://schemas.microsoft.com/office/drawing/2014/main" id="{A2AD056B-97A4-5BCC-4460-250160F3E171}"/>
               </a:ext>
             </a:extLst>
           </p:cNvPr>
@@ -19348,7 +19328,7 @@
           <p:cNvPr id="89" name="TextBox 88">
             <a:extLst>
               <a:ext uri="{FF2B5EF4-FFF2-40B4-BE49-F238E27FC236}">
-                <a16:creationId xmlns:a16="http://schemas.microsoft.com/office/drawing/2014/main" xmlns="" id="{A2AD056B-97A4-5BCC-4460-250160F3E171}"/>
+                <a16:creationId xmlns="" xmlns:a16="http://schemas.microsoft.com/office/drawing/2014/main" id="{A2AD056B-97A4-5BCC-4460-250160F3E171}"/>
               </a:ext>
             </a:extLst>
           </p:cNvPr>
@@ -19428,7 +19408,7 @@
           <p:cNvPr id="90" name="TextBox 89">
             <a:extLst>
               <a:ext uri="{FF2B5EF4-FFF2-40B4-BE49-F238E27FC236}">
-                <a16:creationId xmlns:a16="http://schemas.microsoft.com/office/drawing/2014/main" xmlns="" id="{A2AD056B-97A4-5BCC-4460-250160F3E171}"/>
+                <a16:creationId xmlns="" xmlns:a16="http://schemas.microsoft.com/office/drawing/2014/main" id="{A2AD056B-97A4-5BCC-4460-250160F3E171}"/>
               </a:ext>
             </a:extLst>
           </p:cNvPr>
@@ -19613,7 +19593,7 @@
           <p:cNvPr id="4" name="TextBox 3">
             <a:extLst>
               <a:ext uri="{FF2B5EF4-FFF2-40B4-BE49-F238E27FC236}">
-                <a16:creationId xmlns:a16="http://schemas.microsoft.com/office/drawing/2014/main" xmlns="" id="{5ADC00B6-990A-40DC-3CEA-505258F5E8DA}"/>
+                <a16:creationId xmlns="" xmlns:a16="http://schemas.microsoft.com/office/drawing/2014/main" id="{5ADC00B6-990A-40DC-3CEA-505258F5E8DA}"/>
               </a:ext>
             </a:extLst>
           </p:cNvPr>
@@ -19684,7 +19664,7 @@
                 <a:gridCol w="3200400">
                   <a:extLst>
                     <a:ext uri="{9D8B030D-6E8A-4147-A177-3AD203B41FA5}">
-                      <a16:colId xmlns:a16="http://schemas.microsoft.com/office/drawing/2014/main" xmlns="" val="20000"/>
+                      <a16:colId xmlns="" xmlns:a16="http://schemas.microsoft.com/office/drawing/2014/main" val="20000"/>
                     </a:ext>
                   </a:extLst>
                 </a:gridCol>
@@ -19748,7 +19728,7 @@
                 </a:tc>
                 <a:extLst>
                   <a:ext uri="{0D108BD9-81ED-4DB2-BD59-A6C34878D82A}">
-                    <a16:rowId xmlns:a16="http://schemas.microsoft.com/office/drawing/2014/main" xmlns="" val="10000"/>
+                    <a16:rowId xmlns="" xmlns:a16="http://schemas.microsoft.com/office/drawing/2014/main" val="10000"/>
                   </a:ext>
                 </a:extLst>
               </a:tr>
@@ -19804,7 +19784,7 @@
                 </a:tc>
                 <a:extLst>
                   <a:ext uri="{0D108BD9-81ED-4DB2-BD59-A6C34878D82A}">
-                    <a16:rowId xmlns:a16="http://schemas.microsoft.com/office/drawing/2014/main" xmlns="" val="10001"/>
+                    <a16:rowId xmlns="" xmlns:a16="http://schemas.microsoft.com/office/drawing/2014/main" val="10001"/>
                   </a:ext>
                 </a:extLst>
               </a:tr>
@@ -19860,7 +19840,7 @@
                 </a:tc>
                 <a:extLst>
                   <a:ext uri="{0D108BD9-81ED-4DB2-BD59-A6C34878D82A}">
-                    <a16:rowId xmlns:a16="http://schemas.microsoft.com/office/drawing/2014/main" xmlns="" val="10002"/>
+                    <a16:rowId xmlns="" xmlns:a16="http://schemas.microsoft.com/office/drawing/2014/main" val="10002"/>
                   </a:ext>
                 </a:extLst>
               </a:tr>
@@ -19916,7 +19896,7 @@
                 </a:tc>
                 <a:extLst>
                   <a:ext uri="{0D108BD9-81ED-4DB2-BD59-A6C34878D82A}">
-                    <a16:rowId xmlns:a16="http://schemas.microsoft.com/office/drawing/2014/main" xmlns="" val="10003"/>
+                    <a16:rowId xmlns="" xmlns:a16="http://schemas.microsoft.com/office/drawing/2014/main" val="10003"/>
                   </a:ext>
                 </a:extLst>
               </a:tr>
@@ -19972,7 +19952,7 @@
                 </a:tc>
                 <a:extLst>
                   <a:ext uri="{0D108BD9-81ED-4DB2-BD59-A6C34878D82A}">
-                    <a16:rowId xmlns:a16="http://schemas.microsoft.com/office/drawing/2014/main" xmlns="" val="10004"/>
+                    <a16:rowId xmlns="" xmlns:a16="http://schemas.microsoft.com/office/drawing/2014/main" val="10004"/>
                   </a:ext>
                 </a:extLst>
               </a:tr>
@@ -20028,7 +20008,7 @@
                 </a:tc>
                 <a:extLst>
                   <a:ext uri="{0D108BD9-81ED-4DB2-BD59-A6C34878D82A}">
-                    <a16:rowId xmlns:a16="http://schemas.microsoft.com/office/drawing/2014/main" xmlns="" val="10005"/>
+                    <a16:rowId xmlns="" xmlns:a16="http://schemas.microsoft.com/office/drawing/2014/main" val="10005"/>
                   </a:ext>
                 </a:extLst>
               </a:tr>
@@ -20084,7 +20064,7 @@
                 </a:tc>
                 <a:extLst>
                   <a:ext uri="{0D108BD9-81ED-4DB2-BD59-A6C34878D82A}">
-                    <a16:rowId xmlns:a16="http://schemas.microsoft.com/office/drawing/2014/main" xmlns="" val="10006"/>
+                    <a16:rowId xmlns="" xmlns:a16="http://schemas.microsoft.com/office/drawing/2014/main" val="10006"/>
                   </a:ext>
                 </a:extLst>
               </a:tr>
@@ -20097,7 +20077,7 @@
           <p:cNvPr id="6" name="TextBox 5">
             <a:extLst>
               <a:ext uri="{FF2B5EF4-FFF2-40B4-BE49-F238E27FC236}">
-                <a16:creationId xmlns:a16="http://schemas.microsoft.com/office/drawing/2014/main" xmlns="" id="{5ADC00B6-990A-40DC-3CEA-505258F5E8DA}"/>
+                <a16:creationId xmlns="" xmlns:a16="http://schemas.microsoft.com/office/drawing/2014/main" id="{5ADC00B6-990A-40DC-3CEA-505258F5E8DA}"/>
               </a:ext>
             </a:extLst>
           </p:cNvPr>
@@ -20145,7 +20125,7 @@
           <p:cNvPr id="7" name="TextBox 6">
             <a:extLst>
               <a:ext uri="{FF2B5EF4-FFF2-40B4-BE49-F238E27FC236}">
-                <a16:creationId xmlns:a16="http://schemas.microsoft.com/office/drawing/2014/main" xmlns="" id="{5ADC00B6-990A-40DC-3CEA-505258F5E8DA}"/>
+                <a16:creationId xmlns="" xmlns:a16="http://schemas.microsoft.com/office/drawing/2014/main" id="{5ADC00B6-990A-40DC-3CEA-505258F5E8DA}"/>
               </a:ext>
             </a:extLst>
           </p:cNvPr>
@@ -20193,7 +20173,7 @@
           <p:cNvPr id="8" name="TextBox 7">
             <a:extLst>
               <a:ext uri="{FF2B5EF4-FFF2-40B4-BE49-F238E27FC236}">
-                <a16:creationId xmlns:a16="http://schemas.microsoft.com/office/drawing/2014/main" xmlns="" id="{5ADC00B6-990A-40DC-3CEA-505258F5E8DA}"/>
+                <a16:creationId xmlns="" xmlns:a16="http://schemas.microsoft.com/office/drawing/2014/main" id="{5ADC00B6-990A-40DC-3CEA-505258F5E8DA}"/>
               </a:ext>
             </a:extLst>
           </p:cNvPr>
@@ -20241,7 +20221,7 @@
           <p:cNvPr id="9" name="TextBox 8">
             <a:extLst>
               <a:ext uri="{FF2B5EF4-FFF2-40B4-BE49-F238E27FC236}">
-                <a16:creationId xmlns:a16="http://schemas.microsoft.com/office/drawing/2014/main" xmlns="" id="{5ADC00B6-990A-40DC-3CEA-505258F5E8DA}"/>
+                <a16:creationId xmlns="" xmlns:a16="http://schemas.microsoft.com/office/drawing/2014/main" id="{5ADC00B6-990A-40DC-3CEA-505258F5E8DA}"/>
               </a:ext>
             </a:extLst>
           </p:cNvPr>
@@ -20743,7 +20723,7 @@
           <p:cNvPr id="6" name="그림 5">
             <a:extLst>
               <a:ext uri="{FF2B5EF4-FFF2-40B4-BE49-F238E27FC236}">
-                <a16:creationId xmlns:a16="http://schemas.microsoft.com/office/drawing/2014/main" xmlns="" id="{CA4DBC7C-F3DD-2369-9B17-FFC82C613A75}"/>
+                <a16:creationId xmlns="" xmlns:a16="http://schemas.microsoft.com/office/drawing/2014/main" id="{CA4DBC7C-F3DD-2369-9B17-FFC82C613A75}"/>
               </a:ext>
             </a:extLst>
           </p:cNvPr>
@@ -20773,7 +20753,7 @@
           <p:cNvPr id="7" name="직사각형 6">
             <a:extLst>
               <a:ext uri="{FF2B5EF4-FFF2-40B4-BE49-F238E27FC236}">
-                <a16:creationId xmlns:a16="http://schemas.microsoft.com/office/drawing/2014/main" xmlns="" id="{074F1171-7AB6-ACDB-7D1C-9460BD827CDD}"/>
+                <a16:creationId xmlns="" xmlns:a16="http://schemas.microsoft.com/office/drawing/2014/main" id="{074F1171-7AB6-ACDB-7D1C-9460BD827CDD}"/>
               </a:ext>
             </a:extLst>
           </p:cNvPr>
@@ -20825,7 +20805,7 @@
           <p:cNvPr id="8" name="직선 화살표 연결선 7">
             <a:extLst>
               <a:ext uri="{FF2B5EF4-FFF2-40B4-BE49-F238E27FC236}">
-                <a16:creationId xmlns:a16="http://schemas.microsoft.com/office/drawing/2014/main" xmlns="" id="{D3A5A730-35DB-821C-D2FB-ECCC9DD140FC}"/>
+                <a16:creationId xmlns="" xmlns:a16="http://schemas.microsoft.com/office/drawing/2014/main" id="{D3A5A730-35DB-821C-D2FB-ECCC9DD140FC}"/>
               </a:ext>
             </a:extLst>
           </p:cNvPr>
@@ -20866,7 +20846,7 @@
           <p:cNvPr id="9" name="TextBox 8">
             <a:extLst>
               <a:ext uri="{FF2B5EF4-FFF2-40B4-BE49-F238E27FC236}">
-                <a16:creationId xmlns:a16="http://schemas.microsoft.com/office/drawing/2014/main" xmlns="" id="{4A6CCCA9-6EC0-4D95-14E0-C52B8BCB35CD}"/>
+                <a16:creationId xmlns="" xmlns:a16="http://schemas.microsoft.com/office/drawing/2014/main" id="{4A6CCCA9-6EC0-4D95-14E0-C52B8BCB35CD}"/>
               </a:ext>
             </a:extLst>
           </p:cNvPr>
@@ -20917,7 +20897,7 @@
           <p:cNvPr id="10" name="직사각형 9">
             <a:extLst>
               <a:ext uri="{FF2B5EF4-FFF2-40B4-BE49-F238E27FC236}">
-                <a16:creationId xmlns:a16="http://schemas.microsoft.com/office/drawing/2014/main" xmlns="" id="{062E7A12-CAAD-27E1-EECA-CAF1C640863E}"/>
+                <a16:creationId xmlns="" xmlns:a16="http://schemas.microsoft.com/office/drawing/2014/main" id="{062E7A12-CAAD-27E1-EECA-CAF1C640863E}"/>
               </a:ext>
             </a:extLst>
           </p:cNvPr>
@@ -20969,7 +20949,7 @@
           <p:cNvPr id="11" name="직선 화살표 연결선 10">
             <a:extLst>
               <a:ext uri="{FF2B5EF4-FFF2-40B4-BE49-F238E27FC236}">
-                <a16:creationId xmlns:a16="http://schemas.microsoft.com/office/drawing/2014/main" xmlns="" id="{73CB0C49-FC4B-3359-955B-AE204EE1E101}"/>
+                <a16:creationId xmlns="" xmlns:a16="http://schemas.microsoft.com/office/drawing/2014/main" id="{73CB0C49-FC4B-3359-955B-AE204EE1E101}"/>
               </a:ext>
             </a:extLst>
           </p:cNvPr>
@@ -21010,7 +20990,7 @@
           <p:cNvPr id="12" name="TextBox 11">
             <a:extLst>
               <a:ext uri="{FF2B5EF4-FFF2-40B4-BE49-F238E27FC236}">
-                <a16:creationId xmlns:a16="http://schemas.microsoft.com/office/drawing/2014/main" xmlns="" id="{F5C0A30E-DDBA-9F64-76A3-CF56A3C1944E}"/>
+                <a16:creationId xmlns="" xmlns:a16="http://schemas.microsoft.com/office/drawing/2014/main" id="{F5C0A30E-DDBA-9F64-76A3-CF56A3C1944E}"/>
               </a:ext>
             </a:extLst>
           </p:cNvPr>
@@ -21081,7 +21061,7 @@
           <p:cNvPr id="13" name="직선 화살표 연결선 12">
             <a:extLst>
               <a:ext uri="{FF2B5EF4-FFF2-40B4-BE49-F238E27FC236}">
-                <a16:creationId xmlns:a16="http://schemas.microsoft.com/office/drawing/2014/main" xmlns="" id="{65F0EDF6-1E41-CB51-AFB2-08A6F2144824}"/>
+                <a16:creationId xmlns="" xmlns:a16="http://schemas.microsoft.com/office/drawing/2014/main" id="{65F0EDF6-1E41-CB51-AFB2-08A6F2144824}"/>
               </a:ext>
             </a:extLst>
           </p:cNvPr>
@@ -21122,7 +21102,7 @@
           <p:cNvPr id="14" name="TextBox 13">
             <a:extLst>
               <a:ext uri="{FF2B5EF4-FFF2-40B4-BE49-F238E27FC236}">
-                <a16:creationId xmlns:a16="http://schemas.microsoft.com/office/drawing/2014/main" xmlns="" id="{48D7086E-3277-C9DD-BD08-4715F25C06FE}"/>
+                <a16:creationId xmlns="" xmlns:a16="http://schemas.microsoft.com/office/drawing/2014/main" id="{48D7086E-3277-C9DD-BD08-4715F25C06FE}"/>
               </a:ext>
             </a:extLst>
           </p:cNvPr>
@@ -21163,7 +21143,7 @@
           <p:cNvPr id="15" name="직선 화살표 연결선 14">
             <a:extLst>
               <a:ext uri="{FF2B5EF4-FFF2-40B4-BE49-F238E27FC236}">
-                <a16:creationId xmlns:a16="http://schemas.microsoft.com/office/drawing/2014/main" xmlns="" id="{65CC014E-083D-5A4B-3B0B-98DEC629CB0A}"/>
+                <a16:creationId xmlns="" xmlns:a16="http://schemas.microsoft.com/office/drawing/2014/main" id="{65CC014E-083D-5A4B-3B0B-98DEC629CB0A}"/>
               </a:ext>
             </a:extLst>
           </p:cNvPr>
@@ -21204,7 +21184,7 @@
           <p:cNvPr id="16" name="TextBox 15">
             <a:extLst>
               <a:ext uri="{FF2B5EF4-FFF2-40B4-BE49-F238E27FC236}">
-                <a16:creationId xmlns:a16="http://schemas.microsoft.com/office/drawing/2014/main" xmlns="" id="{33A626AE-FC68-649B-6162-121A7F57563E}"/>
+                <a16:creationId xmlns="" xmlns:a16="http://schemas.microsoft.com/office/drawing/2014/main" id="{33A626AE-FC68-649B-6162-121A7F57563E}"/>
               </a:ext>
             </a:extLst>
           </p:cNvPr>
@@ -21245,7 +21225,7 @@
           <p:cNvPr id="17" name="직선 화살표 연결선 16">
             <a:extLst>
               <a:ext uri="{FF2B5EF4-FFF2-40B4-BE49-F238E27FC236}">
-                <a16:creationId xmlns:a16="http://schemas.microsoft.com/office/drawing/2014/main" xmlns="" id="{8AE1C50C-C246-0522-431A-D207CA4DCE7E}"/>
+                <a16:creationId xmlns="" xmlns:a16="http://schemas.microsoft.com/office/drawing/2014/main" id="{8AE1C50C-C246-0522-431A-D207CA4DCE7E}"/>
               </a:ext>
             </a:extLst>
           </p:cNvPr>
@@ -21286,7 +21266,7 @@
           <p:cNvPr id="18" name="TextBox 17">
             <a:extLst>
               <a:ext uri="{FF2B5EF4-FFF2-40B4-BE49-F238E27FC236}">
-                <a16:creationId xmlns:a16="http://schemas.microsoft.com/office/drawing/2014/main" xmlns="" id="{EB0FB5BC-9C65-5D5F-2FD9-093216A64F5F}"/>
+                <a16:creationId xmlns="" xmlns:a16="http://schemas.microsoft.com/office/drawing/2014/main" id="{EB0FB5BC-9C65-5D5F-2FD9-093216A64F5F}"/>
               </a:ext>
             </a:extLst>
           </p:cNvPr>
@@ -21327,7 +21307,7 @@
           <p:cNvPr id="19" name="직선 화살표 연결선 18">
             <a:extLst>
               <a:ext uri="{FF2B5EF4-FFF2-40B4-BE49-F238E27FC236}">
-                <a16:creationId xmlns:a16="http://schemas.microsoft.com/office/drawing/2014/main" xmlns="" id="{D8A897A3-8F13-6ACA-4F2A-7EB45D9D2396}"/>
+                <a16:creationId xmlns="" xmlns:a16="http://schemas.microsoft.com/office/drawing/2014/main" id="{D8A897A3-8F13-6ACA-4F2A-7EB45D9D2396}"/>
               </a:ext>
             </a:extLst>
           </p:cNvPr>
@@ -21368,7 +21348,7 @@
           <p:cNvPr id="20" name="TextBox 19">
             <a:extLst>
               <a:ext uri="{FF2B5EF4-FFF2-40B4-BE49-F238E27FC236}">
-                <a16:creationId xmlns:a16="http://schemas.microsoft.com/office/drawing/2014/main" xmlns="" id="{0A21C7C3-4C50-4A69-5565-E89C2149F435}"/>
+                <a16:creationId xmlns="" xmlns:a16="http://schemas.microsoft.com/office/drawing/2014/main" id="{0A21C7C3-4C50-4A69-5565-E89C2149F435}"/>
               </a:ext>
             </a:extLst>
           </p:cNvPr>
@@ -21409,7 +21389,7 @@
           <p:cNvPr id="21" name="직선 화살표 연결선 20">
             <a:extLst>
               <a:ext uri="{FF2B5EF4-FFF2-40B4-BE49-F238E27FC236}">
-                <a16:creationId xmlns:a16="http://schemas.microsoft.com/office/drawing/2014/main" xmlns="" id="{23F93734-8BD6-64DE-46E6-E57EBDF30A72}"/>
+                <a16:creationId xmlns="" xmlns:a16="http://schemas.microsoft.com/office/drawing/2014/main" id="{23F93734-8BD6-64DE-46E6-E57EBDF30A72}"/>
               </a:ext>
             </a:extLst>
           </p:cNvPr>
@@ -21450,7 +21430,7 @@
           <p:cNvPr id="22" name="TextBox 21">
             <a:extLst>
               <a:ext uri="{FF2B5EF4-FFF2-40B4-BE49-F238E27FC236}">
-                <a16:creationId xmlns:a16="http://schemas.microsoft.com/office/drawing/2014/main" xmlns="" id="{4F425D1A-0C27-D876-7A56-0FE8EFA87EED}"/>
+                <a16:creationId xmlns="" xmlns:a16="http://schemas.microsoft.com/office/drawing/2014/main" id="{4F425D1A-0C27-D876-7A56-0FE8EFA87EED}"/>
               </a:ext>
             </a:extLst>
           </p:cNvPr>
@@ -21491,7 +21471,7 @@
           <p:cNvPr id="23" name="직선 화살표 연결선 22">
             <a:extLst>
               <a:ext uri="{FF2B5EF4-FFF2-40B4-BE49-F238E27FC236}">
-                <a16:creationId xmlns:a16="http://schemas.microsoft.com/office/drawing/2014/main" xmlns="" id="{330A9D0B-3C8F-402A-7BA7-2EC946DB89EE}"/>
+                <a16:creationId xmlns="" xmlns:a16="http://schemas.microsoft.com/office/drawing/2014/main" id="{330A9D0B-3C8F-402A-7BA7-2EC946DB89EE}"/>
               </a:ext>
             </a:extLst>
           </p:cNvPr>
@@ -21532,7 +21512,7 @@
           <p:cNvPr id="24" name="TextBox 23">
             <a:extLst>
               <a:ext uri="{FF2B5EF4-FFF2-40B4-BE49-F238E27FC236}">
-                <a16:creationId xmlns:a16="http://schemas.microsoft.com/office/drawing/2014/main" xmlns="" id="{A593069C-50D4-AB1E-0FDB-A518B3D76E09}"/>
+                <a16:creationId xmlns="" xmlns:a16="http://schemas.microsoft.com/office/drawing/2014/main" id="{A593069C-50D4-AB1E-0FDB-A518B3D76E09}"/>
               </a:ext>
             </a:extLst>
           </p:cNvPr>
@@ -21573,7 +21553,7 @@
           <p:cNvPr id="25" name="직선 화살표 연결선 24">
             <a:extLst>
               <a:ext uri="{FF2B5EF4-FFF2-40B4-BE49-F238E27FC236}">
-                <a16:creationId xmlns:a16="http://schemas.microsoft.com/office/drawing/2014/main" xmlns="" id="{BC062B0A-8437-0E4A-A6B3-E438A683CDFD}"/>
+                <a16:creationId xmlns="" xmlns:a16="http://schemas.microsoft.com/office/drawing/2014/main" id="{BC062B0A-8437-0E4A-A6B3-E438A683CDFD}"/>
               </a:ext>
             </a:extLst>
           </p:cNvPr>
@@ -21614,7 +21594,7 @@
           <p:cNvPr id="26" name="TextBox 25">
             <a:extLst>
               <a:ext uri="{FF2B5EF4-FFF2-40B4-BE49-F238E27FC236}">
-                <a16:creationId xmlns:a16="http://schemas.microsoft.com/office/drawing/2014/main" xmlns="" id="{711FC0EE-1C95-206E-C15B-D151481BE23D}"/>
+                <a16:creationId xmlns="" xmlns:a16="http://schemas.microsoft.com/office/drawing/2014/main" id="{711FC0EE-1C95-206E-C15B-D151481BE23D}"/>
               </a:ext>
             </a:extLst>
           </p:cNvPr>
@@ -21655,7 +21635,7 @@
           <p:cNvPr id="27" name="직선 화살표 연결선 26">
             <a:extLst>
               <a:ext uri="{FF2B5EF4-FFF2-40B4-BE49-F238E27FC236}">
-                <a16:creationId xmlns:a16="http://schemas.microsoft.com/office/drawing/2014/main" xmlns="" id="{A987C00D-7664-8877-9F04-6695E3776C86}"/>
+                <a16:creationId xmlns="" xmlns:a16="http://schemas.microsoft.com/office/drawing/2014/main" id="{A987C00D-7664-8877-9F04-6695E3776C86}"/>
               </a:ext>
             </a:extLst>
           </p:cNvPr>
@@ -21696,7 +21676,7 @@
           <p:cNvPr id="28" name="TextBox 27">
             <a:extLst>
               <a:ext uri="{FF2B5EF4-FFF2-40B4-BE49-F238E27FC236}">
-                <a16:creationId xmlns:a16="http://schemas.microsoft.com/office/drawing/2014/main" xmlns="" id="{41C50DFF-758F-2AB0-8E17-3183A8649935}"/>
+                <a16:creationId xmlns="" xmlns:a16="http://schemas.microsoft.com/office/drawing/2014/main" id="{41C50DFF-758F-2AB0-8E17-3183A8649935}"/>
               </a:ext>
             </a:extLst>
           </p:cNvPr>
@@ -21737,7 +21717,7 @@
           <p:cNvPr id="29" name="TextBox 28">
             <a:extLst>
               <a:ext uri="{FF2B5EF4-FFF2-40B4-BE49-F238E27FC236}">
-                <a16:creationId xmlns:a16="http://schemas.microsoft.com/office/drawing/2014/main" xmlns="" id="{5ADC00B6-990A-40DC-3CEA-505258F5E8DA}"/>
+                <a16:creationId xmlns="" xmlns:a16="http://schemas.microsoft.com/office/drawing/2014/main" id="{5ADC00B6-990A-40DC-3CEA-505258F5E8DA}"/>
               </a:ext>
             </a:extLst>
           </p:cNvPr>
@@ -22672,7 +22652,7 @@
           <p:cNvPr id="56" name="TextBox 55">
             <a:extLst>
               <a:ext uri="{FF2B5EF4-FFF2-40B4-BE49-F238E27FC236}">
-                <a16:creationId xmlns:a16="http://schemas.microsoft.com/office/drawing/2014/main" xmlns="" id="{A2AD056B-97A4-5BCC-4460-250160F3E171}"/>
+                <a16:creationId xmlns="" xmlns:a16="http://schemas.microsoft.com/office/drawing/2014/main" id="{A2AD056B-97A4-5BCC-4460-250160F3E171}"/>
               </a:ext>
             </a:extLst>
           </p:cNvPr>
@@ -22792,7 +22772,7 @@
           <p:cNvPr id="60" name="TextBox 59">
             <a:extLst>
               <a:ext uri="{FF2B5EF4-FFF2-40B4-BE49-F238E27FC236}">
-                <a16:creationId xmlns:a16="http://schemas.microsoft.com/office/drawing/2014/main" xmlns="" id="{5ADC00B6-990A-40DC-3CEA-505258F5E8DA}"/>
+                <a16:creationId xmlns="" xmlns:a16="http://schemas.microsoft.com/office/drawing/2014/main" id="{5ADC00B6-990A-40DC-3CEA-505258F5E8DA}"/>
               </a:ext>
             </a:extLst>
           </p:cNvPr>
@@ -22840,7 +22820,7 @@
           <p:cNvPr id="61" name="TextBox 60">
             <a:extLst>
               <a:ext uri="{FF2B5EF4-FFF2-40B4-BE49-F238E27FC236}">
-                <a16:creationId xmlns:a16="http://schemas.microsoft.com/office/drawing/2014/main" xmlns="" id="{5ADC00B6-990A-40DC-3CEA-505258F5E8DA}"/>
+                <a16:creationId xmlns="" xmlns:a16="http://schemas.microsoft.com/office/drawing/2014/main" id="{5ADC00B6-990A-40DC-3CEA-505258F5E8DA}"/>
               </a:ext>
             </a:extLst>
           </p:cNvPr>
@@ -22888,7 +22868,7 @@
           <p:cNvPr id="62" name="TextBox 61">
             <a:extLst>
               <a:ext uri="{FF2B5EF4-FFF2-40B4-BE49-F238E27FC236}">
-                <a16:creationId xmlns:a16="http://schemas.microsoft.com/office/drawing/2014/main" xmlns="" id="{5ADC00B6-990A-40DC-3CEA-505258F5E8DA}"/>
+                <a16:creationId xmlns="" xmlns:a16="http://schemas.microsoft.com/office/drawing/2014/main" id="{5ADC00B6-990A-40DC-3CEA-505258F5E8DA}"/>
               </a:ext>
             </a:extLst>
           </p:cNvPr>
@@ -22960,7 +22940,7 @@
           <p:cNvPr id="20" name="TextBox 19">
             <a:extLst>
               <a:ext uri="{FF2B5EF4-FFF2-40B4-BE49-F238E27FC236}">
-                <a16:creationId xmlns:a16="http://schemas.microsoft.com/office/drawing/2014/main" xmlns="" id="{5ADC00B6-990A-40DC-3CEA-505258F5E8DA}"/>
+                <a16:creationId xmlns="" xmlns:a16="http://schemas.microsoft.com/office/drawing/2014/main" id="{5ADC00B6-990A-40DC-3CEA-505258F5E8DA}"/>
               </a:ext>
             </a:extLst>
           </p:cNvPr>
@@ -23189,7 +23169,7 @@
           <p:cNvPr id="4" name="TextBox 3">
             <a:extLst>
               <a:ext uri="{FF2B5EF4-FFF2-40B4-BE49-F238E27FC236}">
-                <a16:creationId xmlns:a16="http://schemas.microsoft.com/office/drawing/2014/main" xmlns="" id="{5ADC00B6-990A-40DC-3CEA-505258F5E8DA}"/>
+                <a16:creationId xmlns="" xmlns:a16="http://schemas.microsoft.com/office/drawing/2014/main" id="{5ADC00B6-990A-40DC-3CEA-505258F5E8DA}"/>
               </a:ext>
             </a:extLst>
           </p:cNvPr>
@@ -23312,7 +23292,7 @@
           <p:cNvPr id="8" name="직선 화살표 연결선 7">
             <a:extLst>
               <a:ext uri="{FF2B5EF4-FFF2-40B4-BE49-F238E27FC236}">
-                <a16:creationId xmlns:a16="http://schemas.microsoft.com/office/drawing/2014/main" xmlns="" id="{299DF5EC-9DF4-5255-06AC-0A7CE4FF58C3}"/>
+                <a16:creationId xmlns="" xmlns:a16="http://schemas.microsoft.com/office/drawing/2014/main" id="{299DF5EC-9DF4-5255-06AC-0A7CE4FF58C3}"/>
               </a:ext>
             </a:extLst>
           </p:cNvPr>
@@ -23353,7 +23333,7 @@
           <p:cNvPr id="9" name="직선 화살표 연결선 8">
             <a:extLst>
               <a:ext uri="{FF2B5EF4-FFF2-40B4-BE49-F238E27FC236}">
-                <a16:creationId xmlns:a16="http://schemas.microsoft.com/office/drawing/2014/main" xmlns="" id="{299DF5EC-9DF4-5255-06AC-0A7CE4FF58C3}"/>
+                <a16:creationId xmlns="" xmlns:a16="http://schemas.microsoft.com/office/drawing/2014/main" id="{299DF5EC-9DF4-5255-06AC-0A7CE4FF58C3}"/>
               </a:ext>
             </a:extLst>
           </p:cNvPr>
@@ -23394,7 +23374,7 @@
           <p:cNvPr id="2" name="TextBox 1">
             <a:extLst>
               <a:ext uri="{FF2B5EF4-FFF2-40B4-BE49-F238E27FC236}">
-                <a16:creationId xmlns:a16="http://schemas.microsoft.com/office/drawing/2014/main" xmlns="" id="{DA0AA23B-8E9B-928B-3B9A-C98FAC47BA11}"/>
+                <a16:creationId xmlns="" xmlns:a16="http://schemas.microsoft.com/office/drawing/2014/main" id="{DA0AA23B-8E9B-928B-3B9A-C98FAC47BA11}"/>
               </a:ext>
             </a:extLst>
           </p:cNvPr>
@@ -23649,7 +23629,7 @@
           <p:cNvPr id="4" name="TextBox 3">
             <a:extLst>
               <a:ext uri="{FF2B5EF4-FFF2-40B4-BE49-F238E27FC236}">
-                <a16:creationId xmlns:a16="http://schemas.microsoft.com/office/drawing/2014/main" xmlns="" id="{5ADC00B6-990A-40DC-3CEA-505258F5E8DA}"/>
+                <a16:creationId xmlns="" xmlns:a16="http://schemas.microsoft.com/office/drawing/2014/main" id="{5ADC00B6-990A-40DC-3CEA-505258F5E8DA}"/>
               </a:ext>
             </a:extLst>
           </p:cNvPr>
@@ -23700,7 +23680,7 @@
           <p:cNvPr id="2" name="TextBox 1">
             <a:extLst>
               <a:ext uri="{FF2B5EF4-FFF2-40B4-BE49-F238E27FC236}">
-                <a16:creationId xmlns:a16="http://schemas.microsoft.com/office/drawing/2014/main" xmlns="" id="{30AEE48F-7A28-7E3D-4439-ED5287B35FBA}"/>
+                <a16:creationId xmlns="" xmlns:a16="http://schemas.microsoft.com/office/drawing/2014/main" id="{30AEE48F-7A28-7E3D-4439-ED5287B35FBA}"/>
               </a:ext>
             </a:extLst>
           </p:cNvPr>
@@ -24206,7 +24186,7 @@
           <p:cNvPr id="4" name="TextBox 3">
             <a:extLst>
               <a:ext uri="{FF2B5EF4-FFF2-40B4-BE49-F238E27FC236}">
-                <a16:creationId xmlns:a16="http://schemas.microsoft.com/office/drawing/2014/main" xmlns="" id="{30AEE48F-7A28-7E3D-4439-ED5287B35FBA}"/>
+                <a16:creationId xmlns="" xmlns:a16="http://schemas.microsoft.com/office/drawing/2014/main" id="{30AEE48F-7A28-7E3D-4439-ED5287B35FBA}"/>
               </a:ext>
             </a:extLst>
           </p:cNvPr>
@@ -24439,7 +24419,7 @@
           <p:cNvPr id="5" name="표 4">
             <a:extLst>
               <a:ext uri="{FF2B5EF4-FFF2-40B4-BE49-F238E27FC236}">
-                <a16:creationId xmlns:a16="http://schemas.microsoft.com/office/drawing/2014/main" xmlns="" id="{1B49E70D-ED3F-5AD0-12F8-196C680646A4}"/>
+                <a16:creationId xmlns="" xmlns:a16="http://schemas.microsoft.com/office/drawing/2014/main" id="{1B49E70D-ED3F-5AD0-12F8-196C680646A4}"/>
               </a:ext>
             </a:extLst>
           </p:cNvPr>
@@ -24468,21 +24448,21 @@
                 <a:gridCol w="1731833">
                   <a:extLst>
                     <a:ext uri="{9D8B030D-6E8A-4147-A177-3AD203B41FA5}">
-                      <a16:colId xmlns:a16="http://schemas.microsoft.com/office/drawing/2014/main" xmlns="" val="4032330398"/>
+                      <a16:colId xmlns="" xmlns:a16="http://schemas.microsoft.com/office/drawing/2014/main" val="4032330398"/>
                     </a:ext>
                   </a:extLst>
                 </a:gridCol>
                 <a:gridCol w="1752960">
                   <a:extLst>
                     <a:ext uri="{9D8B030D-6E8A-4147-A177-3AD203B41FA5}">
-                      <a16:colId xmlns:a16="http://schemas.microsoft.com/office/drawing/2014/main" xmlns="" val="2529553061"/>
+                      <a16:colId xmlns="" xmlns:a16="http://schemas.microsoft.com/office/drawing/2014/main" val="2529553061"/>
                     </a:ext>
                   </a:extLst>
                 </a:gridCol>
                 <a:gridCol w="2730951">
                   <a:extLst>
                     <a:ext uri="{9D8B030D-6E8A-4147-A177-3AD203B41FA5}">
-                      <a16:colId xmlns:a16="http://schemas.microsoft.com/office/drawing/2014/main" xmlns="" val="2764036319"/>
+                      <a16:colId xmlns="" xmlns:a16="http://schemas.microsoft.com/office/drawing/2014/main" val="2764036319"/>
                     </a:ext>
                   </a:extLst>
                 </a:gridCol>
@@ -24670,7 +24650,7 @@
                 </a:tc>
                 <a:extLst>
                   <a:ext uri="{0D108BD9-81ED-4DB2-BD59-A6C34878D82A}">
-                    <a16:rowId xmlns:a16="http://schemas.microsoft.com/office/drawing/2014/main" xmlns="" val="2120154440"/>
+                    <a16:rowId xmlns="" xmlns:a16="http://schemas.microsoft.com/office/drawing/2014/main" val="2120154440"/>
                   </a:ext>
                 </a:extLst>
               </a:tr>
@@ -24951,7 +24931,7 @@
                 </a:tc>
                 <a:extLst>
                   <a:ext uri="{0D108BD9-81ED-4DB2-BD59-A6C34878D82A}">
-                    <a16:rowId xmlns:a16="http://schemas.microsoft.com/office/drawing/2014/main" xmlns="" val="1372649246"/>
+                    <a16:rowId xmlns="" xmlns:a16="http://schemas.microsoft.com/office/drawing/2014/main" val="1372649246"/>
                   </a:ext>
                 </a:extLst>
               </a:tr>
@@ -25213,7 +25193,7 @@
                 </a:tc>
                 <a:extLst>
                   <a:ext uri="{0D108BD9-81ED-4DB2-BD59-A6C34878D82A}">
-                    <a16:rowId xmlns:a16="http://schemas.microsoft.com/office/drawing/2014/main" xmlns="" val="3494203728"/>
+                    <a16:rowId xmlns="" xmlns:a16="http://schemas.microsoft.com/office/drawing/2014/main" val="3494203728"/>
                   </a:ext>
                 </a:extLst>
               </a:tr>
@@ -25226,7 +25206,7 @@
           <p:cNvPr id="6" name="그림 5">
             <a:extLst>
               <a:ext uri="{FF2B5EF4-FFF2-40B4-BE49-F238E27FC236}">
-                <a16:creationId xmlns:a16="http://schemas.microsoft.com/office/drawing/2014/main" xmlns="" id="{BDF1B617-4E7D-BB57-42FB-DDFB8BB3FBA6}"/>
+                <a16:creationId xmlns="" xmlns:a16="http://schemas.microsoft.com/office/drawing/2014/main" id="{BDF1B617-4E7D-BB57-42FB-DDFB8BB3FBA6}"/>
               </a:ext>
             </a:extLst>
           </p:cNvPr>
@@ -25256,7 +25236,7 @@
           <p:cNvPr id="7" name="그림 6">
             <a:extLst>
               <a:ext uri="{FF2B5EF4-FFF2-40B4-BE49-F238E27FC236}">
-                <a16:creationId xmlns:a16="http://schemas.microsoft.com/office/drawing/2014/main" xmlns="" id="{41D29328-9FA6-680E-0899-868784F9AC5B}"/>
+                <a16:creationId xmlns="" xmlns:a16="http://schemas.microsoft.com/office/drawing/2014/main" id="{41D29328-9FA6-680E-0899-868784F9AC5B}"/>
               </a:ext>
             </a:extLst>
           </p:cNvPr>
@@ -25551,7 +25531,7 @@
           <p:cNvPr id="4" name="TextBox 3">
             <a:extLst>
               <a:ext uri="{FF2B5EF4-FFF2-40B4-BE49-F238E27FC236}">
-                <a16:creationId xmlns:a16="http://schemas.microsoft.com/office/drawing/2014/main" xmlns="" id="{98CF411D-9E2D-663E-FC78-EED7A746FB58}"/>
+                <a16:creationId xmlns="" xmlns:a16="http://schemas.microsoft.com/office/drawing/2014/main" id="{98CF411D-9E2D-663E-FC78-EED7A746FB58}"/>
               </a:ext>
             </a:extLst>
           </p:cNvPr>
@@ -25895,7 +25875,7 @@
           <p:cNvPr id="5" name="그림 4">
             <a:extLst>
               <a:ext uri="{FF2B5EF4-FFF2-40B4-BE49-F238E27FC236}">
-                <a16:creationId xmlns:a16="http://schemas.microsoft.com/office/drawing/2014/main" xmlns="" id="{5779F6B0-4E95-3623-F441-FDA7C6560C84}"/>
+                <a16:creationId xmlns="" xmlns:a16="http://schemas.microsoft.com/office/drawing/2014/main" id="{5779F6B0-4E95-3623-F441-FDA7C6560C84}"/>
               </a:ext>
             </a:extLst>
           </p:cNvPr>
@@ -25925,7 +25905,7 @@
           <p:cNvPr id="6" name="그림 5">
             <a:extLst>
               <a:ext uri="{FF2B5EF4-FFF2-40B4-BE49-F238E27FC236}">
-                <a16:creationId xmlns:a16="http://schemas.microsoft.com/office/drawing/2014/main" xmlns="" id="{27E05EAB-468B-59F1-A433-9D03E86F05E6}"/>
+                <a16:creationId xmlns="" xmlns:a16="http://schemas.microsoft.com/office/drawing/2014/main" id="{27E05EAB-468B-59F1-A433-9D03E86F05E6}"/>
               </a:ext>
             </a:extLst>
           </p:cNvPr>
@@ -26011,6 +25991,42 @@
           </a:prstGeom>
         </p:spPr>
       </p:pic>
+      <p:pic>
+        <p:nvPicPr>
+          <p:cNvPr id="3" name="그림 2"/>
+          <p:cNvPicPr>
+            <a:picLocks noChangeAspect="1"/>
+          </p:cNvPicPr>
+          <p:nvPr/>
+        </p:nvPicPr>
+        <p:blipFill>
+          <a:blip r:embed="rId3">
+            <a:extLst>
+              <a:ext uri="{BEBA8EAE-BF5A-486C-A8C5-ECC9F3942E4B}">
+                <a14:imgProps xmlns:a14="http://schemas.microsoft.com/office/drawing/2010/main">
+                  <a14:imgLayer r:embed="rId4">
+                    <a14:imgEffect>
+                      <a14:artisticGlass/>
+                    </a14:imgEffect>
+                  </a14:imgLayer>
+                </a14:imgProps>
+              </a:ext>
+            </a:extLst>
+          </a:blip>
+          <a:stretch>
+            <a:fillRect/>
+          </a:stretch>
+        </p:blipFill>
+        <p:spPr>
+          <a:xfrm>
+            <a:off x="2209800" y="2324100"/>
+            <a:ext cx="10058400" cy="3766550"/>
+          </a:xfrm>
+          <a:prstGeom prst="rect">
+            <a:avLst/>
+          </a:prstGeom>
+        </p:spPr>
+      </p:pic>
     </p:spTree>
     <p:extLst>
       <p:ext uri="{BB962C8B-B14F-4D97-AF65-F5344CB8AC3E}">
@@ -26024,7 +26040,75 @@
   <p:timing>
     <p:tnLst>
       <p:par>
-        <p:cTn id="1" dur="indefinite" restart="never" nodeType="tmRoot"/>
+        <p:cTn id="1" dur="indefinite" restart="never" nodeType="tmRoot">
+          <p:childTnLst>
+            <p:seq concurrent="1" nextAc="seek">
+              <p:cTn id="2" dur="indefinite" nodeType="mainSeq">
+                <p:childTnLst>
+                  <p:par>
+                    <p:cTn id="3" fill="hold">
+                      <p:stCondLst>
+                        <p:cond delay="indefinite"/>
+                      </p:stCondLst>
+                      <p:childTnLst>
+                        <p:par>
+                          <p:cTn id="4" fill="hold">
+                            <p:stCondLst>
+                              <p:cond delay="0"/>
+                            </p:stCondLst>
+                            <p:childTnLst>
+                              <p:par>
+                                <p:cTn id="5" presetID="1" presetClass="exit" presetSubtype="0" fill="hold" nodeType="clickEffect">
+                                  <p:stCondLst>
+                                    <p:cond delay="0"/>
+                                  </p:stCondLst>
+                                  <p:childTnLst>
+                                    <p:set>
+                                      <p:cBhvr>
+                                        <p:cTn id="6" dur="1" fill="hold">
+                                          <p:stCondLst>
+                                            <p:cond delay="0"/>
+                                          </p:stCondLst>
+                                        </p:cTn>
+                                        <p:tgtEl>
+                                          <p:spTgt spid="3"/>
+                                        </p:tgtEl>
+                                        <p:attrNameLst>
+                                          <p:attrName>style.visibility</p:attrName>
+                                        </p:attrNameLst>
+                                      </p:cBhvr>
+                                      <p:to>
+                                        <p:strVal val="hidden"/>
+                                      </p:to>
+                                    </p:set>
+                                  </p:childTnLst>
+                                </p:cTn>
+                              </p:par>
+                            </p:childTnLst>
+                          </p:cTn>
+                        </p:par>
+                      </p:childTnLst>
+                    </p:cTn>
+                  </p:par>
+                </p:childTnLst>
+              </p:cTn>
+              <p:prevCondLst>
+                <p:cond evt="onPrev" delay="0">
+                  <p:tgtEl>
+                    <p:sldTgt/>
+                  </p:tgtEl>
+                </p:cond>
+              </p:prevCondLst>
+              <p:nextCondLst>
+                <p:cond evt="onNext" delay="0">
+                  <p:tgtEl>
+                    <p:sldTgt/>
+                  </p:tgtEl>
+                </p:cond>
+              </p:nextCondLst>
+            </p:seq>
+          </p:childTnLst>
+        </p:cTn>
       </p:par>
     </p:tnLst>
   </p:timing>
@@ -26077,7 +26161,7 @@
           <p:cNvPr id="4" name="TextBox 3">
             <a:extLst>
               <a:ext uri="{FF2B5EF4-FFF2-40B4-BE49-F238E27FC236}">
-                <a16:creationId xmlns:a16="http://schemas.microsoft.com/office/drawing/2014/main" xmlns="" id="{98CF411D-9E2D-663E-FC78-EED7A746FB58}"/>
+                <a16:creationId xmlns="" xmlns:a16="http://schemas.microsoft.com/office/drawing/2014/main" id="{98CF411D-9E2D-663E-FC78-EED7A746FB58}"/>
               </a:ext>
             </a:extLst>
           </p:cNvPr>
@@ -27180,7 +27264,7 @@
           <p:cNvPr id="2" name="TextBox 1">
             <a:extLst>
               <a:ext uri="{FF2B5EF4-FFF2-40B4-BE49-F238E27FC236}">
-                <a16:creationId xmlns:a16="http://schemas.microsoft.com/office/drawing/2014/main" xmlns="" id="{715D88A2-BD52-978B-A00A-540446126E3D}"/>
+                <a16:creationId xmlns="" xmlns:a16="http://schemas.microsoft.com/office/drawing/2014/main" id="{715D88A2-BD52-978B-A00A-540446126E3D}"/>
               </a:ext>
             </a:extLst>
           </p:cNvPr>
@@ -27284,7 +27368,7 @@
           <p:cNvPr id="5" name="직선 화살표 연결선 4">
             <a:extLst>
               <a:ext uri="{FF2B5EF4-FFF2-40B4-BE49-F238E27FC236}">
-                <a16:creationId xmlns="" xmlns:a16="http://schemas.microsoft.com/office/drawing/2014/main" id="{299DF5EC-9DF4-5255-06AC-0A7CE4FF58C3}"/>
+                <a16:creationId xmlns:a16="http://schemas.microsoft.com/office/drawing/2014/main" xmlns="" id="{299DF5EC-9DF4-5255-06AC-0A7CE4FF58C3}"/>
               </a:ext>
             </a:extLst>
           </p:cNvPr>
@@ -27325,7 +27409,7 @@
           <p:cNvPr id="6" name="직사각형 5">
             <a:extLst>
               <a:ext uri="{FF2B5EF4-FFF2-40B4-BE49-F238E27FC236}">
-                <a16:creationId xmlns="" xmlns:a16="http://schemas.microsoft.com/office/drawing/2014/main" id="{FFF506F9-840A-0508-4CAF-3AC711D8D5CE}"/>
+                <a16:creationId xmlns:a16="http://schemas.microsoft.com/office/drawing/2014/main" xmlns="" id="{FFF506F9-840A-0508-4CAF-3AC711D8D5CE}"/>
               </a:ext>
             </a:extLst>
           </p:cNvPr>
@@ -27377,7 +27461,7 @@
           <p:cNvPr id="7" name="TextBox 6">
             <a:extLst>
               <a:ext uri="{FF2B5EF4-FFF2-40B4-BE49-F238E27FC236}">
-                <a16:creationId xmlns="" xmlns:a16="http://schemas.microsoft.com/office/drawing/2014/main" id="{C6D113C6-EA5C-788F-0C77-E7CE6EBB865F}"/>
+                <a16:creationId xmlns:a16="http://schemas.microsoft.com/office/drawing/2014/main" xmlns="" id="{C6D113C6-EA5C-788F-0C77-E7CE6EBB865F}"/>
               </a:ext>
             </a:extLst>
           </p:cNvPr>
@@ -27445,7 +27529,7 @@
           <p:cNvPr id="8" name="직선 화살표 연결선 7">
             <a:extLst>
               <a:ext uri="{FF2B5EF4-FFF2-40B4-BE49-F238E27FC236}">
-                <a16:creationId xmlns="" xmlns:a16="http://schemas.microsoft.com/office/drawing/2014/main" id="{299DF5EC-9DF4-5255-06AC-0A7CE4FF58C3}"/>
+                <a16:creationId xmlns:a16="http://schemas.microsoft.com/office/drawing/2014/main" xmlns="" id="{299DF5EC-9DF4-5255-06AC-0A7CE4FF58C3}"/>
               </a:ext>
             </a:extLst>
           </p:cNvPr>
@@ -27486,7 +27570,7 @@
           <p:cNvPr id="9" name="직사각형 8">
             <a:extLst>
               <a:ext uri="{FF2B5EF4-FFF2-40B4-BE49-F238E27FC236}">
-                <a16:creationId xmlns="" xmlns:a16="http://schemas.microsoft.com/office/drawing/2014/main" id="{FFF506F9-840A-0508-4CAF-3AC711D8D5CE}"/>
+                <a16:creationId xmlns:a16="http://schemas.microsoft.com/office/drawing/2014/main" xmlns="" id="{FFF506F9-840A-0508-4CAF-3AC711D8D5CE}"/>
               </a:ext>
             </a:extLst>
           </p:cNvPr>
@@ -27538,7 +27622,7 @@
           <p:cNvPr id="10" name="TextBox 9">
             <a:extLst>
               <a:ext uri="{FF2B5EF4-FFF2-40B4-BE49-F238E27FC236}">
-                <a16:creationId xmlns="" xmlns:a16="http://schemas.microsoft.com/office/drawing/2014/main" id="{C6D113C6-EA5C-788F-0C77-E7CE6EBB865F}"/>
+                <a16:creationId xmlns:a16="http://schemas.microsoft.com/office/drawing/2014/main" xmlns="" id="{C6D113C6-EA5C-788F-0C77-E7CE6EBB865F}"/>
               </a:ext>
             </a:extLst>
           </p:cNvPr>
@@ -27606,7 +27690,7 @@
           <p:cNvPr id="11" name="직선 화살표 연결선 10">
             <a:extLst>
               <a:ext uri="{FF2B5EF4-FFF2-40B4-BE49-F238E27FC236}">
-                <a16:creationId xmlns="" xmlns:a16="http://schemas.microsoft.com/office/drawing/2014/main" id="{299DF5EC-9DF4-5255-06AC-0A7CE4FF58C3}"/>
+                <a16:creationId xmlns:a16="http://schemas.microsoft.com/office/drawing/2014/main" xmlns="" id="{299DF5EC-9DF4-5255-06AC-0A7CE4FF58C3}"/>
               </a:ext>
             </a:extLst>
           </p:cNvPr>
@@ -27647,7 +27731,7 @@
           <p:cNvPr id="12" name="직사각형 11">
             <a:extLst>
               <a:ext uri="{FF2B5EF4-FFF2-40B4-BE49-F238E27FC236}">
-                <a16:creationId xmlns="" xmlns:a16="http://schemas.microsoft.com/office/drawing/2014/main" id="{FFF506F9-840A-0508-4CAF-3AC711D8D5CE}"/>
+                <a16:creationId xmlns:a16="http://schemas.microsoft.com/office/drawing/2014/main" xmlns="" id="{FFF506F9-840A-0508-4CAF-3AC711D8D5CE}"/>
               </a:ext>
             </a:extLst>
           </p:cNvPr>
@@ -27699,7 +27783,7 @@
           <p:cNvPr id="13" name="TextBox 12">
             <a:extLst>
               <a:ext uri="{FF2B5EF4-FFF2-40B4-BE49-F238E27FC236}">
-                <a16:creationId xmlns="" xmlns:a16="http://schemas.microsoft.com/office/drawing/2014/main" id="{C6D113C6-EA5C-788F-0C77-E7CE6EBB865F}"/>
+                <a16:creationId xmlns:a16="http://schemas.microsoft.com/office/drawing/2014/main" xmlns="" id="{C6D113C6-EA5C-788F-0C77-E7CE6EBB865F}"/>
               </a:ext>
             </a:extLst>
           </p:cNvPr>
@@ -27747,7 +27831,7 @@
           <p:cNvPr id="14" name="직선 화살표 연결선 13">
             <a:extLst>
               <a:ext uri="{FF2B5EF4-FFF2-40B4-BE49-F238E27FC236}">
-                <a16:creationId xmlns="" xmlns:a16="http://schemas.microsoft.com/office/drawing/2014/main" id="{299DF5EC-9DF4-5255-06AC-0A7CE4FF58C3}"/>
+                <a16:creationId xmlns:a16="http://schemas.microsoft.com/office/drawing/2014/main" xmlns="" id="{299DF5EC-9DF4-5255-06AC-0A7CE4FF58C3}"/>
               </a:ext>
             </a:extLst>
           </p:cNvPr>
@@ -27788,7 +27872,7 @@
           <p:cNvPr id="15" name="직사각형 14">
             <a:extLst>
               <a:ext uri="{FF2B5EF4-FFF2-40B4-BE49-F238E27FC236}">
-                <a16:creationId xmlns="" xmlns:a16="http://schemas.microsoft.com/office/drawing/2014/main" id="{FFF506F9-840A-0508-4CAF-3AC711D8D5CE}"/>
+                <a16:creationId xmlns:a16="http://schemas.microsoft.com/office/drawing/2014/main" xmlns="" id="{FFF506F9-840A-0508-4CAF-3AC711D8D5CE}"/>
               </a:ext>
             </a:extLst>
           </p:cNvPr>
@@ -27840,7 +27924,7 @@
           <p:cNvPr id="16" name="TextBox 15">
             <a:extLst>
               <a:ext uri="{FF2B5EF4-FFF2-40B4-BE49-F238E27FC236}">
-                <a16:creationId xmlns="" xmlns:a16="http://schemas.microsoft.com/office/drawing/2014/main" id="{C6D113C6-EA5C-788F-0C77-E7CE6EBB865F}"/>
+                <a16:creationId xmlns:a16="http://schemas.microsoft.com/office/drawing/2014/main" xmlns="" id="{C6D113C6-EA5C-788F-0C77-E7CE6EBB865F}"/>
               </a:ext>
             </a:extLst>
           </p:cNvPr>
@@ -27888,7 +27972,7 @@
           <p:cNvPr id="18" name="직선 화살표 연결선 17">
             <a:extLst>
               <a:ext uri="{FF2B5EF4-FFF2-40B4-BE49-F238E27FC236}">
-                <a16:creationId xmlns="" xmlns:a16="http://schemas.microsoft.com/office/drawing/2014/main" id="{299DF5EC-9DF4-5255-06AC-0A7CE4FF58C3}"/>
+                <a16:creationId xmlns:a16="http://schemas.microsoft.com/office/drawing/2014/main" xmlns="" id="{299DF5EC-9DF4-5255-06AC-0A7CE4FF58C3}"/>
               </a:ext>
             </a:extLst>
           </p:cNvPr>
@@ -27929,7 +28013,7 @@
           <p:cNvPr id="19" name="직사각형 18">
             <a:extLst>
               <a:ext uri="{FF2B5EF4-FFF2-40B4-BE49-F238E27FC236}">
-                <a16:creationId xmlns="" xmlns:a16="http://schemas.microsoft.com/office/drawing/2014/main" id="{FFF506F9-840A-0508-4CAF-3AC711D8D5CE}"/>
+                <a16:creationId xmlns:a16="http://schemas.microsoft.com/office/drawing/2014/main" xmlns="" id="{FFF506F9-840A-0508-4CAF-3AC711D8D5CE}"/>
               </a:ext>
             </a:extLst>
           </p:cNvPr>
@@ -27981,7 +28065,7 @@
           <p:cNvPr id="20" name="TextBox 19">
             <a:extLst>
               <a:ext uri="{FF2B5EF4-FFF2-40B4-BE49-F238E27FC236}">
-                <a16:creationId xmlns="" xmlns:a16="http://schemas.microsoft.com/office/drawing/2014/main" id="{C6D113C6-EA5C-788F-0C77-E7CE6EBB865F}"/>
+                <a16:creationId xmlns:a16="http://schemas.microsoft.com/office/drawing/2014/main" xmlns="" id="{C6D113C6-EA5C-788F-0C77-E7CE6EBB865F}"/>
               </a:ext>
             </a:extLst>
           </p:cNvPr>
@@ -28495,7 +28579,7 @@
           <p:cNvPr id="4" name="TextBox 3">
             <a:extLst>
               <a:ext uri="{FF2B5EF4-FFF2-40B4-BE49-F238E27FC236}">
-                <a16:creationId xmlns:a16="http://schemas.microsoft.com/office/drawing/2014/main" xmlns="" id="{5ADC00B6-990A-40DC-3CEA-505258F5E8DA}"/>
+                <a16:creationId xmlns="" xmlns:a16="http://schemas.microsoft.com/office/drawing/2014/main" id="{5ADC00B6-990A-40DC-3CEA-505258F5E8DA}"/>
               </a:ext>
             </a:extLst>
           </p:cNvPr>
@@ -28543,7 +28627,7 @@
           <p:cNvPr id="5" name="TextBox 4">
             <a:extLst>
               <a:ext uri="{FF2B5EF4-FFF2-40B4-BE49-F238E27FC236}">
-                <a16:creationId xmlns:a16="http://schemas.microsoft.com/office/drawing/2014/main" xmlns="" id="{A2AD056B-97A4-5BCC-4460-250160F3E171}"/>
+                <a16:creationId xmlns="" xmlns:a16="http://schemas.microsoft.com/office/drawing/2014/main" id="{A2AD056B-97A4-5BCC-4460-250160F3E171}"/>
               </a:ext>
             </a:extLst>
           </p:cNvPr>
@@ -28699,7 +28783,7 @@
           <p:cNvPr id="16" name="직선 화살표 연결선 15">
             <a:extLst>
               <a:ext uri="{FF2B5EF4-FFF2-40B4-BE49-F238E27FC236}">
-                <a16:creationId xmlns:a16="http://schemas.microsoft.com/office/drawing/2014/main" xmlns="" id="{299DF5EC-9DF4-5255-06AC-0A7CE4FF58C3}"/>
+                <a16:creationId xmlns="" xmlns:a16="http://schemas.microsoft.com/office/drawing/2014/main" id="{299DF5EC-9DF4-5255-06AC-0A7CE4FF58C3}"/>
               </a:ext>
             </a:extLst>
           </p:cNvPr>
@@ -28740,7 +28824,7 @@
           <p:cNvPr id="17" name="직사각형 16">
             <a:extLst>
               <a:ext uri="{FF2B5EF4-FFF2-40B4-BE49-F238E27FC236}">
-                <a16:creationId xmlns:a16="http://schemas.microsoft.com/office/drawing/2014/main" xmlns="" id="{FFF506F9-840A-0508-4CAF-3AC711D8D5CE}"/>
+                <a16:creationId xmlns="" xmlns:a16="http://schemas.microsoft.com/office/drawing/2014/main" id="{FFF506F9-840A-0508-4CAF-3AC711D8D5CE}"/>
               </a:ext>
             </a:extLst>
           </p:cNvPr>
@@ -28792,7 +28876,7 @@
           <p:cNvPr id="18" name="TextBox 17">
             <a:extLst>
               <a:ext uri="{FF2B5EF4-FFF2-40B4-BE49-F238E27FC236}">
-                <a16:creationId xmlns:a16="http://schemas.microsoft.com/office/drawing/2014/main" xmlns="" id="{C6D113C6-EA5C-788F-0C77-E7CE6EBB865F}"/>
+                <a16:creationId xmlns="" xmlns:a16="http://schemas.microsoft.com/office/drawing/2014/main" id="{C6D113C6-EA5C-788F-0C77-E7CE6EBB865F}"/>
               </a:ext>
             </a:extLst>
           </p:cNvPr>
@@ -28870,7 +28954,7 @@
           <p:cNvPr id="19" name="직사각형 18">
             <a:extLst>
               <a:ext uri="{FF2B5EF4-FFF2-40B4-BE49-F238E27FC236}">
-                <a16:creationId xmlns:a16="http://schemas.microsoft.com/office/drawing/2014/main" xmlns="" id="{FFF506F9-840A-0508-4CAF-3AC711D8D5CE}"/>
+                <a16:creationId xmlns="" xmlns:a16="http://schemas.microsoft.com/office/drawing/2014/main" id="{FFF506F9-840A-0508-4CAF-3AC711D8D5CE}"/>
               </a:ext>
             </a:extLst>
           </p:cNvPr>
@@ -28983,7 +29067,7 @@
           <p:cNvPr id="9" name="직선 화살표 연결선 8">
             <a:extLst>
               <a:ext uri="{FF2B5EF4-FFF2-40B4-BE49-F238E27FC236}">
-                <a16:creationId xmlns:a16="http://schemas.microsoft.com/office/drawing/2014/main" xmlns="" id="{299DF5EC-9DF4-5255-06AC-0A7CE4FF58C3}"/>
+                <a16:creationId xmlns="" xmlns:a16="http://schemas.microsoft.com/office/drawing/2014/main" id="{299DF5EC-9DF4-5255-06AC-0A7CE4FF58C3}"/>
               </a:ext>
             </a:extLst>
           </p:cNvPr>
@@ -29025,7 +29109,7 @@
           <p:cNvPr id="10" name="직사각형 9">
             <a:extLst>
               <a:ext uri="{FF2B5EF4-FFF2-40B4-BE49-F238E27FC236}">
-                <a16:creationId xmlns:a16="http://schemas.microsoft.com/office/drawing/2014/main" xmlns="" id="{FFF506F9-840A-0508-4CAF-3AC711D8D5CE}"/>
+                <a16:creationId xmlns="" xmlns:a16="http://schemas.microsoft.com/office/drawing/2014/main" id="{FFF506F9-840A-0508-4CAF-3AC711D8D5CE}"/>
               </a:ext>
             </a:extLst>
           </p:cNvPr>
@@ -29077,7 +29161,7 @@
           <p:cNvPr id="11" name="TextBox 10">
             <a:extLst>
               <a:ext uri="{FF2B5EF4-FFF2-40B4-BE49-F238E27FC236}">
-                <a16:creationId xmlns:a16="http://schemas.microsoft.com/office/drawing/2014/main" xmlns="" id="{C6D113C6-EA5C-788F-0C77-E7CE6EBB865F}"/>
+                <a16:creationId xmlns="" xmlns:a16="http://schemas.microsoft.com/office/drawing/2014/main" id="{C6D113C6-EA5C-788F-0C77-E7CE6EBB865F}"/>
               </a:ext>
             </a:extLst>
           </p:cNvPr>
@@ -29189,7 +29273,7 @@
           <p:cNvPr id="13" name="직선 화살표 연결선 12">
             <a:extLst>
               <a:ext uri="{FF2B5EF4-FFF2-40B4-BE49-F238E27FC236}">
-                <a16:creationId xmlns:a16="http://schemas.microsoft.com/office/drawing/2014/main" xmlns="" id="{299DF5EC-9DF4-5255-06AC-0A7CE4FF58C3}"/>
+                <a16:creationId xmlns="" xmlns:a16="http://schemas.microsoft.com/office/drawing/2014/main" id="{299DF5EC-9DF4-5255-06AC-0A7CE4FF58C3}"/>
               </a:ext>
             </a:extLst>
           </p:cNvPr>
@@ -29230,7 +29314,7 @@
           <p:cNvPr id="14" name="직사각형 13">
             <a:extLst>
               <a:ext uri="{FF2B5EF4-FFF2-40B4-BE49-F238E27FC236}">
-                <a16:creationId xmlns:a16="http://schemas.microsoft.com/office/drawing/2014/main" xmlns="" id="{FFF506F9-840A-0508-4CAF-3AC711D8D5CE}"/>
+                <a16:creationId xmlns="" xmlns:a16="http://schemas.microsoft.com/office/drawing/2014/main" id="{FFF506F9-840A-0508-4CAF-3AC711D8D5CE}"/>
               </a:ext>
             </a:extLst>
           </p:cNvPr>
@@ -29282,7 +29366,7 @@
           <p:cNvPr id="15" name="TextBox 14">
             <a:extLst>
               <a:ext uri="{FF2B5EF4-FFF2-40B4-BE49-F238E27FC236}">
-                <a16:creationId xmlns:a16="http://schemas.microsoft.com/office/drawing/2014/main" xmlns="" id="{C6D113C6-EA5C-788F-0C77-E7CE6EBB865F}"/>
+                <a16:creationId xmlns="" xmlns:a16="http://schemas.microsoft.com/office/drawing/2014/main" id="{C6D113C6-EA5C-788F-0C77-E7CE6EBB865F}"/>
               </a:ext>
             </a:extLst>
           </p:cNvPr>
@@ -29554,7 +29638,7 @@
           <p:cNvPr id="5" name="직사각형 4">
             <a:extLst>
               <a:ext uri="{FF2B5EF4-FFF2-40B4-BE49-F238E27FC236}">
-                <a16:creationId xmlns:a16="http://schemas.microsoft.com/office/drawing/2014/main" xmlns="" id="{FFF506F9-840A-0508-4CAF-3AC711D8D5CE}"/>
+                <a16:creationId xmlns="" xmlns:a16="http://schemas.microsoft.com/office/drawing/2014/main" id="{FFF506F9-840A-0508-4CAF-3AC711D8D5CE}"/>
               </a:ext>
             </a:extLst>
           </p:cNvPr>
@@ -29606,7 +29690,7 @@
           <p:cNvPr id="6" name="직선 화살표 연결선 5">
             <a:extLst>
               <a:ext uri="{FF2B5EF4-FFF2-40B4-BE49-F238E27FC236}">
-                <a16:creationId xmlns:a16="http://schemas.microsoft.com/office/drawing/2014/main" xmlns="" id="{299DF5EC-9DF4-5255-06AC-0A7CE4FF58C3}"/>
+                <a16:creationId xmlns="" xmlns:a16="http://schemas.microsoft.com/office/drawing/2014/main" id="{299DF5EC-9DF4-5255-06AC-0A7CE4FF58C3}"/>
               </a:ext>
             </a:extLst>
           </p:cNvPr>
@@ -29647,7 +29731,7 @@
           <p:cNvPr id="7" name="TextBox 6">
             <a:extLst>
               <a:ext uri="{FF2B5EF4-FFF2-40B4-BE49-F238E27FC236}">
-                <a16:creationId xmlns:a16="http://schemas.microsoft.com/office/drawing/2014/main" xmlns="" id="{C6D113C6-EA5C-788F-0C77-E7CE6EBB865F}"/>
+                <a16:creationId xmlns="" xmlns:a16="http://schemas.microsoft.com/office/drawing/2014/main" id="{C6D113C6-EA5C-788F-0C77-E7CE6EBB865F}"/>
               </a:ext>
             </a:extLst>
           </p:cNvPr>
@@ -29732,7 +29816,7 @@
           <p:cNvPr id="4" name="TextBox 3">
             <a:extLst>
               <a:ext uri="{FF2B5EF4-FFF2-40B4-BE49-F238E27FC236}">
-                <a16:creationId xmlns:a16="http://schemas.microsoft.com/office/drawing/2014/main" xmlns="" id="{5ADC00B6-990A-40DC-3CEA-505258F5E8DA}"/>
+                <a16:creationId xmlns="" xmlns:a16="http://schemas.microsoft.com/office/drawing/2014/main" id="{5ADC00B6-990A-40DC-3CEA-505258F5E8DA}"/>
               </a:ext>
             </a:extLst>
           </p:cNvPr>
@@ -29814,7 +29898,7 @@
           <p:cNvPr id="6" name="직사각형 5">
             <a:extLst>
               <a:ext uri="{FF2B5EF4-FFF2-40B4-BE49-F238E27FC236}">
-                <a16:creationId xmlns:a16="http://schemas.microsoft.com/office/drawing/2014/main" xmlns="" id="{FFF506F9-840A-0508-4CAF-3AC711D8D5CE}"/>
+                <a16:creationId xmlns="" xmlns:a16="http://schemas.microsoft.com/office/drawing/2014/main" id="{FFF506F9-840A-0508-4CAF-3AC711D8D5CE}"/>
               </a:ext>
             </a:extLst>
           </p:cNvPr>
@@ -29866,7 +29950,7 @@
           <p:cNvPr id="7" name="직사각형 6">
             <a:extLst>
               <a:ext uri="{FF2B5EF4-FFF2-40B4-BE49-F238E27FC236}">
-                <a16:creationId xmlns:a16="http://schemas.microsoft.com/office/drawing/2014/main" xmlns="" id="{FFF506F9-840A-0508-4CAF-3AC711D8D5CE}"/>
+                <a16:creationId xmlns="" xmlns:a16="http://schemas.microsoft.com/office/drawing/2014/main" id="{FFF506F9-840A-0508-4CAF-3AC711D8D5CE}"/>
               </a:ext>
             </a:extLst>
           </p:cNvPr>
@@ -29918,7 +30002,7 @@
           <p:cNvPr id="8" name="직사각형 7">
             <a:extLst>
               <a:ext uri="{FF2B5EF4-FFF2-40B4-BE49-F238E27FC236}">
-                <a16:creationId xmlns:a16="http://schemas.microsoft.com/office/drawing/2014/main" xmlns="" id="{FFF506F9-840A-0508-4CAF-3AC711D8D5CE}"/>
+                <a16:creationId xmlns="" xmlns:a16="http://schemas.microsoft.com/office/drawing/2014/main" id="{FFF506F9-840A-0508-4CAF-3AC711D8D5CE}"/>
               </a:ext>
             </a:extLst>
           </p:cNvPr>
@@ -29970,7 +30054,7 @@
           <p:cNvPr id="9" name="직선 화살표 연결선 8">
             <a:extLst>
               <a:ext uri="{FF2B5EF4-FFF2-40B4-BE49-F238E27FC236}">
-                <a16:creationId xmlns:a16="http://schemas.microsoft.com/office/drawing/2014/main" xmlns="" id="{299DF5EC-9DF4-5255-06AC-0A7CE4FF58C3}"/>
+                <a16:creationId xmlns="" xmlns:a16="http://schemas.microsoft.com/office/drawing/2014/main" id="{299DF5EC-9DF4-5255-06AC-0A7CE4FF58C3}"/>
               </a:ext>
             </a:extLst>
           </p:cNvPr>
@@ -30011,7 +30095,7 @@
           <p:cNvPr id="10" name="TextBox 9">
             <a:extLst>
               <a:ext uri="{FF2B5EF4-FFF2-40B4-BE49-F238E27FC236}">
-                <a16:creationId xmlns:a16="http://schemas.microsoft.com/office/drawing/2014/main" xmlns="" id="{C6D113C6-EA5C-788F-0C77-E7CE6EBB865F}"/>
+                <a16:creationId xmlns="" xmlns:a16="http://schemas.microsoft.com/office/drawing/2014/main" id="{C6D113C6-EA5C-788F-0C77-E7CE6EBB865F}"/>
               </a:ext>
             </a:extLst>
           </p:cNvPr>
@@ -30059,7 +30143,7 @@
           <p:cNvPr id="11" name="TextBox 10">
             <a:extLst>
               <a:ext uri="{FF2B5EF4-FFF2-40B4-BE49-F238E27FC236}">
-                <a16:creationId xmlns:a16="http://schemas.microsoft.com/office/drawing/2014/main" xmlns="" id="{A2AD056B-97A4-5BCC-4460-250160F3E171}"/>
+                <a16:creationId xmlns="" xmlns:a16="http://schemas.microsoft.com/office/drawing/2014/main" id="{A2AD056B-97A4-5BCC-4460-250160F3E171}"/>
               </a:ext>
             </a:extLst>
           </p:cNvPr>
@@ -30191,7 +30275,7 @@
           <p:cNvPr id="12" name="직선 화살표 연결선 11">
             <a:extLst>
               <a:ext uri="{FF2B5EF4-FFF2-40B4-BE49-F238E27FC236}">
-                <a16:creationId xmlns:a16="http://schemas.microsoft.com/office/drawing/2014/main" xmlns="" id="{299DF5EC-9DF4-5255-06AC-0A7CE4FF58C3}"/>
+                <a16:creationId xmlns="" xmlns:a16="http://schemas.microsoft.com/office/drawing/2014/main" id="{299DF5EC-9DF4-5255-06AC-0A7CE4FF58C3}"/>
               </a:ext>
             </a:extLst>
           </p:cNvPr>

--- a/JavaLecture/LectureFile/java 7강 멤버변수와메모리.pptx
+++ b/JavaLecture/LectureFile/java 7강 멤버변수와메모리.pptx
@@ -264,7 +264,7 @@
           <a:p>
             <a:fld id="{D79F2C30-10E1-4C46-91DC-BBDB9629E720}" type="datetimeFigureOut">
               <a:rPr lang="ko-KR" altLang="en-US" smtClean="0"/>
-              <a:t>2023-10-20</a:t>
+              <a:t>2023-10-25 Wednesday</a:t>
             </a:fld>
             <a:endParaRPr lang="ko-KR" altLang="en-US"/>
           </a:p>
@@ -724,7 +724,7 @@
           <a:p>
             <a:fld id="{F8166F1F-CE9B-4651-A6AA-CD717754106B}" type="datetimeFigureOut">
               <a:rPr lang="en-US" smtClean="0"/>
-              <a:t>10/20/2023</a:t>
+              <a:t>10/25/2023</a:t>
             </a:fld>
             <a:endParaRPr lang="en-US"/>
           </a:p>
@@ -927,7 +927,7 @@
           <a:p>
             <a:fld id="{A76116CE-C4A3-4A05-B2D7-7C2E9A889C0F}" type="datetimeFigureOut">
               <a:rPr lang="en-US" smtClean="0"/>
-              <a:t>10/20/2023</a:t>
+              <a:t>10/25/2023</a:t>
             </a:fld>
             <a:endParaRPr lang="en-US"/>
           </a:p>
@@ -1130,7 +1130,7 @@
           <a:p>
             <a:fld id="{A76116CE-C4A3-4A05-B2D7-7C2E9A889C0F}" type="datetimeFigureOut">
               <a:rPr lang="en-US" smtClean="0"/>
-              <a:t>10/20/2023</a:t>
+              <a:t>10/25/2023</a:t>
             </a:fld>
             <a:endParaRPr lang="en-US"/>
           </a:p>
@@ -1335,7 +1335,7 @@
           <a:p>
             <a:fld id="{A76116CE-C4A3-4A05-B2D7-7C2E9A889C0F}" type="datetimeFigureOut">
               <a:rPr lang="en-US" smtClean="0"/>
-              <a:t>10/20/2023</a:t>
+              <a:t>10/25/2023</a:t>
             </a:fld>
             <a:endParaRPr lang="en-US"/>
           </a:p>
@@ -1404,13 +1404,6 @@
   <p:clrMapOvr>
     <a:masterClrMapping/>
   </p:clrMapOvr>
-  <p:timing>
-    <p:tnLst>
-      <p:par>
-        <p:cTn id="1" dur="indefinite" restart="never" nodeType="tmRoot"/>
-      </p:par>
-    </p:tnLst>
-  </p:timing>
 </p:sldLayout>
 </file>
 
@@ -1612,7 +1605,7 @@
           <a:p>
             <a:fld id="{A76116CE-C4A3-4A05-B2D7-7C2E9A889C0F}" type="datetimeFigureOut">
               <a:rPr lang="en-US" smtClean="0"/>
-              <a:t>10/20/2023</a:t>
+              <a:t>10/25/2023</a:t>
             </a:fld>
             <a:endParaRPr lang="en-US"/>
           </a:p>
@@ -1930,7 +1923,7 @@
           <a:p>
             <a:fld id="{A76116CE-C4A3-4A05-B2D7-7C2E9A889C0F}" type="datetimeFigureOut">
               <a:rPr lang="en-US" smtClean="0"/>
-              <a:t>10/20/2023</a:t>
+              <a:t>10/25/2023</a:t>
             </a:fld>
             <a:endParaRPr lang="en-US"/>
           </a:p>
@@ -2388,7 +2381,7 @@
           <a:p>
             <a:fld id="{A76116CE-C4A3-4A05-B2D7-7C2E9A889C0F}" type="datetimeFigureOut">
               <a:rPr lang="en-US" smtClean="0"/>
-              <a:t>10/20/2023</a:t>
+              <a:t>10/25/2023</a:t>
             </a:fld>
             <a:endParaRPr lang="en-US"/>
           </a:p>
@@ -2532,7 +2525,7 @@
           <a:p>
             <a:fld id="{A76116CE-C4A3-4A05-B2D7-7C2E9A889C0F}" type="datetimeFigureOut">
               <a:rPr lang="en-US" smtClean="0"/>
-              <a:t>10/20/2023</a:t>
+              <a:t>10/25/2023</a:t>
             </a:fld>
             <a:endParaRPr lang="en-US"/>
           </a:p>
@@ -2646,7 +2639,7 @@
           <a:p>
             <a:fld id="{A76116CE-C4A3-4A05-B2D7-7C2E9A889C0F}" type="datetimeFigureOut">
               <a:rPr lang="en-US" smtClean="0"/>
-              <a:t>10/20/2023</a:t>
+              <a:t>10/25/2023</a:t>
             </a:fld>
             <a:endParaRPr lang="en-US"/>
           </a:p>
@@ -2949,7 +2942,7 @@
           <a:p>
             <a:fld id="{A76116CE-C4A3-4A05-B2D7-7C2E9A889C0F}" type="datetimeFigureOut">
               <a:rPr lang="en-US" smtClean="0"/>
-              <a:t>10/20/2023</a:t>
+              <a:t>10/25/2023</a:t>
             </a:fld>
             <a:endParaRPr lang="en-US"/>
           </a:p>
@@ -3229,7 +3222,7 @@
           <a:p>
             <a:fld id="{A76116CE-C4A3-4A05-B2D7-7C2E9A889C0F}" type="datetimeFigureOut">
               <a:rPr lang="en-US" smtClean="0"/>
-              <a:t>10/20/2023</a:t>
+              <a:t>10/25/2023</a:t>
             </a:fld>
             <a:endParaRPr lang="en-US"/>
           </a:p>
@@ -3346,7 +3339,7 @@
           <a:lstStyle/>
           <a:p>
             <a:r>
-              <a:rPr lang="en-US" altLang="ko-KR" sz="2800" smtClean="0">
+              <a:rPr lang="en-US" altLang="ko-KR" sz="2800">
                 <a:solidFill>
                   <a:srgbClr val="4C50BC">
                     <a:alpha val="20000"/>
@@ -3392,7 +3385,7 @@
           <a:lstStyle/>
           <a:p>
             <a:r>
-              <a:rPr lang="en-US" altLang="ko-KR" sz="2800" smtClean="0">
+              <a:rPr lang="en-US" altLang="ko-KR" sz="2800">
                 <a:solidFill>
                   <a:srgbClr val="4C50BC">
                     <a:alpha val="20000"/>
@@ -3431,13 +3424,6 @@
     <p:sldLayoutId id="2147483658" r:id="rId10"/>
     <p:sldLayoutId id="2147483659" r:id="rId11"/>
   </p:sldLayoutIdLst>
-  <p:timing>
-    <p:tnLst>
-      <p:par>
-        <p:cTn id="1" dur="indefinite" restart="never" nodeType="tmRoot"/>
-      </p:par>
-    </p:tnLst>
-  </p:timing>
   <p:txStyles>
     <p:titleStyle>
       <a:lvl1pPr algn="ctr" defTabSz="914400" rtl="0" eaLnBrk="1" latinLnBrk="0" hangingPunct="1">
@@ -3994,7 +3980,7 @@
           <p:cNvPr id="2" name="TextBox 1">
             <a:extLst>
               <a:ext uri="{FF2B5EF4-FFF2-40B4-BE49-F238E27FC236}">
-                <a16:creationId xmlns:a16="http://schemas.microsoft.com/office/drawing/2014/main" xmlns="" id="{E9A453A8-9968-67AB-7B4A-83EEB4662AA6}"/>
+                <a16:creationId xmlns:a16="http://schemas.microsoft.com/office/drawing/2014/main" id="{E9A453A8-9968-67AB-7B4A-83EEB4662AA6}"/>
               </a:ext>
             </a:extLst>
           </p:cNvPr>
@@ -4042,7 +4028,7 @@
           <p:cNvPr id="4" name="TextBox 3">
             <a:extLst>
               <a:ext uri="{FF2B5EF4-FFF2-40B4-BE49-F238E27FC236}">
-                <a16:creationId xmlns:a16="http://schemas.microsoft.com/office/drawing/2014/main" xmlns="" id="{F4B7A35A-8AAC-4622-64BC-CAD1472D4115}"/>
+                <a16:creationId xmlns:a16="http://schemas.microsoft.com/office/drawing/2014/main" id="{F4B7A35A-8AAC-4622-64BC-CAD1472D4115}"/>
               </a:ext>
             </a:extLst>
           </p:cNvPr>
@@ -4114,7 +4100,7 @@
           <p:cNvPr id="7" name="TextBox 6">
             <a:extLst>
               <a:ext uri="{FF2B5EF4-FFF2-40B4-BE49-F238E27FC236}">
-                <a16:creationId xmlns:a16="http://schemas.microsoft.com/office/drawing/2014/main" xmlns="" id="{3ACE900A-D779-4343-6623-8588B376F0A1}"/>
+                <a16:creationId xmlns:a16="http://schemas.microsoft.com/office/drawing/2014/main" id="{3ACE900A-D779-4343-6623-8588B376F0A1}"/>
               </a:ext>
             </a:extLst>
           </p:cNvPr>
@@ -4153,13 +4139,6 @@
   <p:clrMapOvr>
     <a:masterClrMapping/>
   </p:clrMapOvr>
-  <p:timing>
-    <p:tnLst>
-      <p:par>
-        <p:cTn id="1" dur="indefinite" restart="never" nodeType="tmRoot"/>
-      </p:par>
-    </p:tnLst>
-  </p:timing>
 </p:sld>
 </file>
 
@@ -4209,7 +4188,7 @@
           <p:cNvPr id="4" name="TextBox 3">
             <a:extLst>
               <a:ext uri="{FF2B5EF4-FFF2-40B4-BE49-F238E27FC236}">
-                <a16:creationId xmlns:a16="http://schemas.microsoft.com/office/drawing/2014/main" xmlns="" id="{5ADC00B6-990A-40DC-3CEA-505258F5E8DA}"/>
+                <a16:creationId xmlns:a16="http://schemas.microsoft.com/office/drawing/2014/main" id="{5ADC00B6-990A-40DC-3CEA-505258F5E8DA}"/>
               </a:ext>
             </a:extLst>
           </p:cNvPr>
@@ -4240,17 +4219,7 @@
                 <a:latin typeface="G마켓 산스 Medium" panose="02000000000000000000" pitchFamily="50" charset="-127"/>
                 <a:ea typeface="G마켓 산스 Medium" panose="02000000000000000000" pitchFamily="50" charset="-127"/>
               </a:rPr>
-              <a:t>인스턴스 </a:t>
-            </a:r>
-            <a:r>
-              <a:rPr lang="ko-KR" altLang="en-US" sz="4800" smtClean="0">
-                <a:solidFill>
-                  <a:srgbClr val="4C50BC"/>
-                </a:solidFill>
-                <a:latin typeface="G마켓 산스 Medium" panose="02000000000000000000" pitchFamily="50" charset="-127"/>
-                <a:ea typeface="G마켓 산스 Medium" panose="02000000000000000000" pitchFamily="50" charset="-127"/>
-              </a:rPr>
-              <a:t>변수</a:t>
+              <a:t>인스턴스 변수</a:t>
             </a:r>
             <a:endParaRPr lang="en-US" altLang="ko-KR" sz="4800" dirty="0">
               <a:solidFill>
@@ -4267,7 +4236,7 @@
           <p:cNvPr id="6" name="직사각형 5">
             <a:extLst>
               <a:ext uri="{FF2B5EF4-FFF2-40B4-BE49-F238E27FC236}">
-                <a16:creationId xmlns:a16="http://schemas.microsoft.com/office/drawing/2014/main" xmlns="" id="{FFF506F9-840A-0508-4CAF-3AC711D8D5CE}"/>
+                <a16:creationId xmlns:a16="http://schemas.microsoft.com/office/drawing/2014/main" id="{FFF506F9-840A-0508-4CAF-3AC711D8D5CE}"/>
               </a:ext>
             </a:extLst>
           </p:cNvPr>
@@ -4319,7 +4288,7 @@
           <p:cNvPr id="7" name="직사각형 6">
             <a:extLst>
               <a:ext uri="{FF2B5EF4-FFF2-40B4-BE49-F238E27FC236}">
-                <a16:creationId xmlns:a16="http://schemas.microsoft.com/office/drawing/2014/main" xmlns="" id="{FFF506F9-840A-0508-4CAF-3AC711D8D5CE}"/>
+                <a16:creationId xmlns:a16="http://schemas.microsoft.com/office/drawing/2014/main" id="{FFF506F9-840A-0508-4CAF-3AC711D8D5CE}"/>
               </a:ext>
             </a:extLst>
           </p:cNvPr>
@@ -4371,7 +4340,7 @@
           <p:cNvPr id="8" name="직사각형 7">
             <a:extLst>
               <a:ext uri="{FF2B5EF4-FFF2-40B4-BE49-F238E27FC236}">
-                <a16:creationId xmlns:a16="http://schemas.microsoft.com/office/drawing/2014/main" xmlns="" id="{FFF506F9-840A-0508-4CAF-3AC711D8D5CE}"/>
+                <a16:creationId xmlns:a16="http://schemas.microsoft.com/office/drawing/2014/main" id="{FFF506F9-840A-0508-4CAF-3AC711D8D5CE}"/>
               </a:ext>
             </a:extLst>
           </p:cNvPr>
@@ -4423,7 +4392,7 @@
           <p:cNvPr id="9" name="직선 화살표 연결선 8">
             <a:extLst>
               <a:ext uri="{FF2B5EF4-FFF2-40B4-BE49-F238E27FC236}">
-                <a16:creationId xmlns:a16="http://schemas.microsoft.com/office/drawing/2014/main" xmlns="" id="{299DF5EC-9DF4-5255-06AC-0A7CE4FF58C3}"/>
+                <a16:creationId xmlns:a16="http://schemas.microsoft.com/office/drawing/2014/main" id="{299DF5EC-9DF4-5255-06AC-0A7CE4FF58C3}"/>
               </a:ext>
             </a:extLst>
           </p:cNvPr>
@@ -4464,7 +4433,7 @@
           <p:cNvPr id="10" name="TextBox 9">
             <a:extLst>
               <a:ext uri="{FF2B5EF4-FFF2-40B4-BE49-F238E27FC236}">
-                <a16:creationId xmlns:a16="http://schemas.microsoft.com/office/drawing/2014/main" xmlns="" id="{C6D113C6-EA5C-788F-0C77-E7CE6EBB865F}"/>
+                <a16:creationId xmlns:a16="http://schemas.microsoft.com/office/drawing/2014/main" id="{C6D113C6-EA5C-788F-0C77-E7CE6EBB865F}"/>
               </a:ext>
             </a:extLst>
           </p:cNvPr>
@@ -4512,7 +4481,7 @@
           <p:cNvPr id="11" name="TextBox 10">
             <a:extLst>
               <a:ext uri="{FF2B5EF4-FFF2-40B4-BE49-F238E27FC236}">
-                <a16:creationId xmlns:a16="http://schemas.microsoft.com/office/drawing/2014/main" xmlns="" id="{A2AD056B-97A4-5BCC-4460-250160F3E171}"/>
+                <a16:creationId xmlns:a16="http://schemas.microsoft.com/office/drawing/2014/main" id="{A2AD056B-97A4-5BCC-4460-250160F3E171}"/>
               </a:ext>
             </a:extLst>
           </p:cNvPr>
@@ -4540,7 +4509,7 @@
               <a:buChar char="-"/>
             </a:pPr>
             <a:r>
-              <a:rPr lang="ko-KR" altLang="en-US" sz="4000" smtClean="0">
+              <a:rPr lang="ko-KR" altLang="en-US" sz="4000">
                 <a:solidFill>
                   <a:srgbClr val="FF0000"/>
                 </a:solidFill>
@@ -4550,7 +4519,7 @@
               <a:t>클래스 범위 </a:t>
             </a:r>
             <a:r>
-              <a:rPr lang="ko-KR" altLang="en-US" sz="4000" smtClean="0">
+              <a:rPr lang="ko-KR" altLang="en-US" sz="4000">
                 <a:solidFill>
                   <a:schemeClr val="tx1">
                     <a:lumMod val="50000"/>
@@ -4562,7 +4531,7 @@
               </a:rPr>
               <a:t>내에 생성된 변수</a:t>
             </a:r>
-            <a:endParaRPr lang="en-US" altLang="ko-KR" sz="4000" smtClean="0">
+            <a:endParaRPr lang="en-US" altLang="ko-KR" sz="4000">
               <a:solidFill>
                 <a:schemeClr val="tx1">
                   <a:lumMod val="50000"/>
@@ -4579,7 +4548,7 @@
               <a:buChar char="-"/>
             </a:pPr>
             <a:r>
-              <a:rPr lang="ko-KR" altLang="en-US" sz="4000" smtClean="0">
+              <a:rPr lang="ko-KR" altLang="en-US" sz="4000">
                 <a:solidFill>
                   <a:schemeClr val="tx1">
                     <a:lumMod val="50000"/>
@@ -4592,7 +4561,7 @@
               <a:t>클래스가 객체화 될때 </a:t>
             </a:r>
             <a:r>
-              <a:rPr lang="ko-KR" altLang="en-US" sz="4000" smtClean="0">
+              <a:rPr lang="ko-KR" altLang="en-US" sz="4000">
                 <a:solidFill>
                   <a:srgbClr val="FF0000"/>
                 </a:solidFill>
@@ -4602,7 +4571,7 @@
               <a:t>객체마다 별도로 생성</a:t>
             </a:r>
             <a:r>
-              <a:rPr lang="ko-KR" altLang="en-US" sz="4000" smtClean="0">
+              <a:rPr lang="ko-KR" altLang="en-US" sz="4000">
                 <a:solidFill>
                   <a:schemeClr val="tx1">
                     <a:lumMod val="50000"/>
@@ -4615,7 +4584,7 @@
               <a:t>된다</a:t>
             </a:r>
             <a:r>
-              <a:rPr lang="en-US" altLang="ko-KR" sz="4000" smtClean="0">
+              <a:rPr lang="en-US" altLang="ko-KR" sz="4000">
                 <a:solidFill>
                   <a:schemeClr val="tx1">
                     <a:lumMod val="50000"/>
@@ -4634,7 +4603,7 @@
               <a:buChar char="-"/>
             </a:pPr>
             <a:r>
-              <a:rPr lang="ko-KR" altLang="en-US" sz="4000" smtClean="0">
+              <a:rPr lang="ko-KR" altLang="en-US" sz="4000">
                 <a:solidFill>
                   <a:schemeClr val="tx1">
                     <a:lumMod val="50000"/>
@@ -4647,7 +4616,7 @@
               <a:t>메모리의 힙영역에 저장된다</a:t>
             </a:r>
             <a:r>
-              <a:rPr lang="en-US" altLang="ko-KR" sz="4000" smtClean="0">
+              <a:rPr lang="en-US" altLang="ko-KR" sz="4000">
                 <a:solidFill>
                   <a:schemeClr val="tx1">
                     <a:lumMod val="50000"/>
@@ -4677,7 +4646,7 @@
           <p:cNvPr id="12" name="직선 화살표 연결선 11">
             <a:extLst>
               <a:ext uri="{FF2B5EF4-FFF2-40B4-BE49-F238E27FC236}">
-                <a16:creationId xmlns:a16="http://schemas.microsoft.com/office/drawing/2014/main" xmlns="" id="{299DF5EC-9DF4-5255-06AC-0A7CE4FF58C3}"/>
+                <a16:creationId xmlns:a16="http://schemas.microsoft.com/office/drawing/2014/main" id="{299DF5EC-9DF4-5255-06AC-0A7CE4FF58C3}"/>
               </a:ext>
             </a:extLst>
           </p:cNvPr>
@@ -4724,13 +4693,6 @@
   <p:clrMapOvr>
     <a:masterClrMapping/>
   </p:clrMapOvr>
-  <p:timing>
-    <p:tnLst>
-      <p:par>
-        <p:cTn id="1" dur="indefinite" restart="never" nodeType="tmRoot"/>
-      </p:par>
-    </p:tnLst>
-  </p:timing>
 </p:sld>
 </file>
 
@@ -4780,7 +4742,7 @@
           <p:cNvPr id="5" name="직사각형 4">
             <a:extLst>
               <a:ext uri="{FF2B5EF4-FFF2-40B4-BE49-F238E27FC236}">
-                <a16:creationId xmlns:a16="http://schemas.microsoft.com/office/drawing/2014/main" xmlns="" id="{FFF506F9-840A-0508-4CAF-3AC711D8D5CE}"/>
+                <a16:creationId xmlns:a16="http://schemas.microsoft.com/office/drawing/2014/main" id="{FFF506F9-840A-0508-4CAF-3AC711D8D5CE}"/>
               </a:ext>
             </a:extLst>
           </p:cNvPr>
@@ -4832,7 +4794,7 @@
           <p:cNvPr id="6" name="직선 화살표 연결선 5">
             <a:extLst>
               <a:ext uri="{FF2B5EF4-FFF2-40B4-BE49-F238E27FC236}">
-                <a16:creationId xmlns:a16="http://schemas.microsoft.com/office/drawing/2014/main" xmlns="" id="{299DF5EC-9DF4-5255-06AC-0A7CE4FF58C3}"/>
+                <a16:creationId xmlns:a16="http://schemas.microsoft.com/office/drawing/2014/main" id="{299DF5EC-9DF4-5255-06AC-0A7CE4FF58C3}"/>
               </a:ext>
             </a:extLst>
           </p:cNvPr>
@@ -4873,7 +4835,7 @@
           <p:cNvPr id="7" name="TextBox 6">
             <a:extLst>
               <a:ext uri="{FF2B5EF4-FFF2-40B4-BE49-F238E27FC236}">
-                <a16:creationId xmlns:a16="http://schemas.microsoft.com/office/drawing/2014/main" xmlns="" id="{C6D113C6-EA5C-788F-0C77-E7CE6EBB865F}"/>
+                <a16:creationId xmlns:a16="http://schemas.microsoft.com/office/drawing/2014/main" id="{C6D113C6-EA5C-788F-0C77-E7CE6EBB865F}"/>
               </a:ext>
             </a:extLst>
           </p:cNvPr>
@@ -4897,7 +4859,7 @@
           <a:lstStyle/>
           <a:p>
             <a:r>
-              <a:rPr lang="ko-KR" altLang="en-US" sz="4000" smtClean="0">
+              <a:rPr lang="ko-KR" altLang="en-US" sz="4000">
                 <a:solidFill>
                   <a:srgbClr val="FF0000"/>
                 </a:solidFill>
@@ -4907,7 +4869,7 @@
               <a:t>객체마다 별도의 공간을 사용한다</a:t>
             </a:r>
             <a:r>
-              <a:rPr lang="en-US" altLang="ko-KR" sz="4000" smtClean="0">
+              <a:rPr lang="en-US" altLang="ko-KR" sz="4000">
                 <a:solidFill>
                   <a:srgbClr val="FF0000"/>
                 </a:solidFill>
@@ -4984,13 +4946,6 @@
   <p:clrMapOvr>
     <a:masterClrMapping/>
   </p:clrMapOvr>
-  <p:timing>
-    <p:tnLst>
-      <p:par>
-        <p:cTn id="1" dur="indefinite" restart="never" nodeType="tmRoot"/>
-      </p:par>
-    </p:tnLst>
-  </p:timing>
 </p:sld>
 </file>
 
@@ -5016,7 +4971,7 @@
           <p:cNvPr id="4" name="TextBox 3">
             <a:extLst>
               <a:ext uri="{FF2B5EF4-FFF2-40B4-BE49-F238E27FC236}">
-                <a16:creationId xmlns:a16="http://schemas.microsoft.com/office/drawing/2014/main" xmlns="" id="{5ADC00B6-990A-40DC-3CEA-505258F5E8DA}"/>
+                <a16:creationId xmlns:a16="http://schemas.microsoft.com/office/drawing/2014/main" id="{5ADC00B6-990A-40DC-3CEA-505258F5E8DA}"/>
               </a:ext>
             </a:extLst>
           </p:cNvPr>
@@ -5047,47 +5002,27 @@
                 <a:latin typeface="G마켓 산스 Bold" panose="02000000000000000000" pitchFamily="50" charset="-127"/>
                 <a:ea typeface="G마켓 산스 Bold" panose="02000000000000000000" pitchFamily="50" charset="-127"/>
               </a:rPr>
-              <a:t>인스턴스 </a:t>
-            </a:r>
-            <a:r>
-              <a:rPr lang="ko-KR" altLang="en-US" sz="6000" smtClean="0">
+              <a:t>인스턴스 변수 </a:t>
+            </a:r>
+            <a:r>
+              <a:rPr lang="en-US" altLang="ko-KR" sz="6000">
                 <a:solidFill>
                   <a:srgbClr val="4C50BC"/>
                 </a:solidFill>
                 <a:latin typeface="G마켓 산스 Bold" panose="02000000000000000000" pitchFamily="50" charset="-127"/>
                 <a:ea typeface="G마켓 산스 Bold" panose="02000000000000000000" pitchFamily="50" charset="-127"/>
               </a:rPr>
-              <a:t>변수 </a:t>
-            </a:r>
-            <a:r>
-              <a:rPr lang="en-US" altLang="ko-KR" sz="6000" smtClean="0">
+              <a:t>VS</a:t>
+            </a:r>
+            <a:r>
+              <a:rPr lang="ko-KR" altLang="en-US" sz="6000">
                 <a:solidFill>
                   <a:srgbClr val="4C50BC"/>
                 </a:solidFill>
                 <a:latin typeface="G마켓 산스 Bold" panose="02000000000000000000" pitchFamily="50" charset="-127"/>
                 <a:ea typeface="G마켓 산스 Bold" panose="02000000000000000000" pitchFamily="50" charset="-127"/>
               </a:rPr>
-              <a:t>VS</a:t>
-            </a:r>
-            <a:r>
-              <a:rPr lang="ko-KR" altLang="en-US" sz="6000" smtClean="0">
-                <a:solidFill>
-                  <a:srgbClr val="4C50BC"/>
-                </a:solidFill>
-                <a:latin typeface="G마켓 산스 Bold" panose="02000000000000000000" pitchFamily="50" charset="-127"/>
-                <a:ea typeface="G마켓 산스 Bold" panose="02000000000000000000" pitchFamily="50" charset="-127"/>
-              </a:rPr>
-              <a:t> </a:t>
-            </a:r>
-            <a:r>
-              <a:rPr lang="ko-KR" altLang="en-US" sz="6000">
-                <a:solidFill>
-                  <a:srgbClr val="4C50BC"/>
-                </a:solidFill>
-                <a:latin typeface="G마켓 산스 Bold" panose="02000000000000000000" pitchFamily="50" charset="-127"/>
-                <a:ea typeface="G마켓 산스 Bold" panose="02000000000000000000" pitchFamily="50" charset="-127"/>
-              </a:rPr>
-              <a:t>지역변수 </a:t>
+              <a:t> 지역변수 </a:t>
             </a:r>
             <a:endParaRPr lang="en-US" altLang="ko-KR" sz="6000" dirty="0">
               <a:solidFill>
@@ -5128,7 +5063,7 @@
           <p:cNvPr id="7" name="TextBox 6">
             <a:extLst>
               <a:ext uri="{FF2B5EF4-FFF2-40B4-BE49-F238E27FC236}">
-                <a16:creationId xmlns:a16="http://schemas.microsoft.com/office/drawing/2014/main" xmlns="" id="{A2AD056B-97A4-5BCC-4460-250160F3E171}"/>
+                <a16:creationId xmlns:a16="http://schemas.microsoft.com/office/drawing/2014/main" id="{A2AD056B-97A4-5BCC-4460-250160F3E171}"/>
               </a:ext>
             </a:extLst>
           </p:cNvPr>
@@ -5156,7 +5091,7 @@
               <a:buChar char="-"/>
             </a:pPr>
             <a:r>
-              <a:rPr lang="ko-KR" altLang="en-US" sz="4000" smtClean="0">
+              <a:rPr lang="ko-KR" altLang="en-US" sz="4000">
                 <a:solidFill>
                   <a:schemeClr val="tx1">
                     <a:lumMod val="50000"/>
@@ -5168,7 +5103,7 @@
               </a:rPr>
               <a:t>객체의 속성을 나타냄</a:t>
             </a:r>
-            <a:endParaRPr lang="en-US" altLang="ko-KR" sz="4000" smtClean="0">
+            <a:endParaRPr lang="en-US" altLang="ko-KR" sz="4000">
               <a:solidFill>
                 <a:schemeClr val="tx1">
                   <a:lumMod val="50000"/>
@@ -5185,7 +5120,7 @@
               <a:buChar char="-"/>
             </a:pPr>
             <a:r>
-              <a:rPr lang="ko-KR" altLang="en-US" sz="4000" smtClean="0">
+              <a:rPr lang="ko-KR" altLang="en-US" sz="4000">
                 <a:solidFill>
                   <a:schemeClr val="tx1">
                     <a:lumMod val="50000"/>
@@ -5198,7 +5133,7 @@
               <a:t>사람은 나이</a:t>
             </a:r>
             <a:r>
-              <a:rPr lang="en-US" altLang="ko-KR" sz="4000" smtClean="0">
+              <a:rPr lang="en-US" altLang="ko-KR" sz="4000">
                 <a:solidFill>
                   <a:schemeClr val="tx1">
                     <a:lumMod val="50000"/>
@@ -5211,7 +5146,7 @@
               <a:t>,</a:t>
             </a:r>
             <a:r>
-              <a:rPr lang="ko-KR" altLang="en-US" sz="4000" smtClean="0">
+              <a:rPr lang="ko-KR" altLang="en-US" sz="4000">
                 <a:solidFill>
                   <a:schemeClr val="tx1">
                     <a:lumMod val="50000"/>
@@ -5224,7 +5159,7 @@
               <a:t>주민번호</a:t>
             </a:r>
             <a:r>
-              <a:rPr lang="en-US" altLang="ko-KR" sz="4000" smtClean="0">
+              <a:rPr lang="en-US" altLang="ko-KR" sz="4000">
                 <a:solidFill>
                   <a:schemeClr val="tx1">
                     <a:lumMod val="50000"/>
@@ -5237,7 +5172,7 @@
               <a:t>,</a:t>
             </a:r>
             <a:r>
-              <a:rPr lang="ko-KR" altLang="en-US" sz="4000" smtClean="0">
+              <a:rPr lang="ko-KR" altLang="en-US" sz="4000">
                 <a:solidFill>
                   <a:schemeClr val="tx1">
                     <a:lumMod val="50000"/>
@@ -5250,7 +5185,7 @@
               <a:t>키 등등의 데이터를 지닌다</a:t>
             </a:r>
             <a:r>
-              <a:rPr lang="en-US" altLang="ko-KR" sz="4000" smtClean="0">
+              <a:rPr lang="en-US" altLang="ko-KR" sz="4000">
                 <a:solidFill>
                   <a:schemeClr val="tx1">
                     <a:lumMod val="50000"/>
@@ -5304,7 +5239,7 @@
           <p:cNvPr id="9" name="TextBox 8">
             <a:extLst>
               <a:ext uri="{FF2B5EF4-FFF2-40B4-BE49-F238E27FC236}">
-                <a16:creationId xmlns:a16="http://schemas.microsoft.com/office/drawing/2014/main" xmlns="" id="{A2AD056B-97A4-5BCC-4460-250160F3E171}"/>
+                <a16:creationId xmlns:a16="http://schemas.microsoft.com/office/drawing/2014/main" id="{A2AD056B-97A4-5BCC-4460-250160F3E171}"/>
               </a:ext>
             </a:extLst>
           </p:cNvPr>
@@ -5332,7 +5267,7 @@
               <a:buChar char="-"/>
             </a:pPr>
             <a:r>
-              <a:rPr lang="ko-KR" altLang="en-US" sz="4000" smtClean="0">
+              <a:rPr lang="ko-KR" altLang="en-US" sz="4000">
                 <a:solidFill>
                   <a:schemeClr val="tx1">
                     <a:lumMod val="50000"/>
@@ -5344,7 +5279,7 @@
               </a:rPr>
               <a:t>객체와는 관계 없이 메서드 내부에서 임시로 사용하는 목적</a:t>
             </a:r>
-            <a:endParaRPr lang="en-US" altLang="ko-KR" sz="4000" smtClean="0">
+            <a:endParaRPr lang="en-US" altLang="ko-KR" sz="4000">
               <a:solidFill>
                 <a:schemeClr val="tx1">
                   <a:lumMod val="50000"/>
@@ -5361,7 +5296,7 @@
               <a:buChar char="-"/>
             </a:pPr>
             <a:r>
-              <a:rPr lang="ko-KR" altLang="en-US" sz="4000" smtClean="0">
+              <a:rPr lang="ko-KR" altLang="en-US" sz="4000">
                 <a:solidFill>
                   <a:schemeClr val="tx1">
                     <a:lumMod val="50000"/>
@@ -5373,7 +5308,7 @@
               </a:rPr>
               <a:t>나이를 계산할때 잠깐 데이터를 저장하는용도</a:t>
             </a:r>
-            <a:endParaRPr lang="en-US" altLang="ko-KR" sz="4000" smtClean="0">
+            <a:endParaRPr lang="en-US" altLang="ko-KR" sz="4000">
               <a:solidFill>
                 <a:schemeClr val="tx1">
                   <a:lumMod val="50000"/>
@@ -5391,7 +5326,7 @@
           <p:cNvPr id="10" name="TextBox 9">
             <a:extLst>
               <a:ext uri="{FF2B5EF4-FFF2-40B4-BE49-F238E27FC236}">
-                <a16:creationId xmlns:a16="http://schemas.microsoft.com/office/drawing/2014/main" xmlns="" id="{C6D113C6-EA5C-788F-0C77-E7CE6EBB865F}"/>
+                <a16:creationId xmlns:a16="http://schemas.microsoft.com/office/drawing/2014/main" id="{C6D113C6-EA5C-788F-0C77-E7CE6EBB865F}"/>
               </a:ext>
             </a:extLst>
           </p:cNvPr>
@@ -5415,7 +5350,7 @@
           <a:lstStyle/>
           <a:p>
             <a:r>
-              <a:rPr lang="en-US" altLang="ko-KR" sz="4000" smtClean="0">
+              <a:rPr lang="en-US" altLang="ko-KR" sz="4000">
                 <a:solidFill>
                   <a:srgbClr val="FF0000"/>
                 </a:solidFill>
@@ -5425,7 +5360,7 @@
               <a:t>nowYear </a:t>
             </a:r>
             <a:r>
-              <a:rPr lang="ko-KR" altLang="en-US" sz="4000" smtClean="0">
+              <a:rPr lang="ko-KR" altLang="en-US" sz="4000">
                 <a:solidFill>
                   <a:srgbClr val="FF0000"/>
                 </a:solidFill>
@@ -5435,7 +5370,7 @@
               <a:t>를 멤버변수로 선언해도 기능상의 문제는 없지만 불필요한 메모리를 차지하며 코드결합도가 높아져 좋지 않다</a:t>
             </a:r>
             <a:r>
-              <a:rPr lang="en-US" altLang="ko-KR" sz="4000" smtClean="0">
+              <a:rPr lang="en-US" altLang="ko-KR" sz="4000">
                 <a:solidFill>
                   <a:srgbClr val="FF0000"/>
                 </a:solidFill>
@@ -5713,7 +5648,7 @@
           <p:cNvPr id="5" name="TextBox 4">
             <a:extLst>
               <a:ext uri="{FF2B5EF4-FFF2-40B4-BE49-F238E27FC236}">
-                <a16:creationId xmlns:a16="http://schemas.microsoft.com/office/drawing/2014/main" xmlns="" id="{5ADC00B6-990A-40DC-3CEA-505258F5E8DA}"/>
+                <a16:creationId xmlns:a16="http://schemas.microsoft.com/office/drawing/2014/main" id="{5ADC00B6-990A-40DC-3CEA-505258F5E8DA}"/>
               </a:ext>
             </a:extLst>
           </p:cNvPr>
@@ -5723,7 +5658,7 @@
         <p:spPr>
           <a:xfrm>
             <a:off x="2133600" y="4457700"/>
-            <a:ext cx="14478000" cy="1015663"/>
+            <a:ext cx="15849600" cy="1015663"/>
           </a:xfrm>
           <a:prstGeom prst="rect">
             <a:avLst/>
@@ -5737,7 +5672,7 @@
           <a:lstStyle/>
           <a:p>
             <a:r>
-              <a:rPr lang="ko-KR" altLang="en-US" sz="6000">
+              <a:rPr lang="ko-KR" altLang="en-US" sz="6000" dirty="0">
                 <a:solidFill>
                   <a:srgbClr val="4C50BC"/>
                 </a:solidFill>
@@ -5747,7 +5682,7 @@
               <a:t>인스턴스 변수 와 지역변수 이름이 같다면</a:t>
             </a:r>
             <a:r>
-              <a:rPr lang="en-US" altLang="ko-KR" sz="6000">
+              <a:rPr lang="en-US" altLang="ko-KR" sz="6000" dirty="0">
                 <a:solidFill>
                   <a:srgbClr val="4C50BC"/>
                 </a:solidFill>
@@ -5756,13 +5691,6 @@
               </a:rPr>
               <a:t>?</a:t>
             </a:r>
-            <a:endParaRPr lang="en-US" altLang="ko-KR" sz="6000" dirty="0">
-              <a:solidFill>
-                <a:srgbClr val="4C50BC"/>
-              </a:solidFill>
-              <a:latin typeface="G마켓 산스 Bold" panose="02000000000000000000" pitchFamily="50" charset="-127"/>
-              <a:ea typeface="G마켓 산스 Bold" panose="02000000000000000000" pitchFamily="50" charset="-127"/>
-            </a:endParaRPr>
           </a:p>
         </p:txBody>
       </p:sp>
@@ -5776,13 +5704,6 @@
   <p:clrMapOvr>
     <a:masterClrMapping/>
   </p:clrMapOvr>
-  <p:timing>
-    <p:tnLst>
-      <p:par>
-        <p:cTn id="1" dur="indefinite" restart="never" nodeType="tmRoot"/>
-      </p:par>
-    </p:tnLst>
-  </p:timing>
 </p:sld>
 </file>
 
@@ -5832,7 +5753,7 @@
           <p:cNvPr id="5" name="직사각형 4">
             <a:extLst>
               <a:ext uri="{FF2B5EF4-FFF2-40B4-BE49-F238E27FC236}">
-                <a16:creationId xmlns:a16="http://schemas.microsoft.com/office/drawing/2014/main" xmlns="" id="{FFF506F9-840A-0508-4CAF-3AC711D8D5CE}"/>
+                <a16:creationId xmlns:a16="http://schemas.microsoft.com/office/drawing/2014/main" id="{FFF506F9-840A-0508-4CAF-3AC711D8D5CE}"/>
               </a:ext>
             </a:extLst>
           </p:cNvPr>
@@ -5884,7 +5805,7 @@
           <p:cNvPr id="6" name="직선 화살표 연결선 5">
             <a:extLst>
               <a:ext uri="{FF2B5EF4-FFF2-40B4-BE49-F238E27FC236}">
-                <a16:creationId xmlns:a16="http://schemas.microsoft.com/office/drawing/2014/main" xmlns="" id="{299DF5EC-9DF4-5255-06AC-0A7CE4FF58C3}"/>
+                <a16:creationId xmlns:a16="http://schemas.microsoft.com/office/drawing/2014/main" id="{299DF5EC-9DF4-5255-06AC-0A7CE4FF58C3}"/>
               </a:ext>
             </a:extLst>
           </p:cNvPr>
@@ -5926,7 +5847,7 @@
           <p:cNvPr id="7" name="TextBox 6">
             <a:extLst>
               <a:ext uri="{FF2B5EF4-FFF2-40B4-BE49-F238E27FC236}">
-                <a16:creationId xmlns:a16="http://schemas.microsoft.com/office/drawing/2014/main" xmlns="" id="{C6D113C6-EA5C-788F-0C77-E7CE6EBB865F}"/>
+                <a16:creationId xmlns:a16="http://schemas.microsoft.com/office/drawing/2014/main" id="{C6D113C6-EA5C-788F-0C77-E7CE6EBB865F}"/>
               </a:ext>
             </a:extLst>
           </p:cNvPr>
@@ -5974,7 +5895,7 @@
           <p:cNvPr id="8" name="직사각형 7">
             <a:extLst>
               <a:ext uri="{FF2B5EF4-FFF2-40B4-BE49-F238E27FC236}">
-                <a16:creationId xmlns:a16="http://schemas.microsoft.com/office/drawing/2014/main" xmlns="" id="{FFF506F9-840A-0508-4CAF-3AC711D8D5CE}"/>
+                <a16:creationId xmlns:a16="http://schemas.microsoft.com/office/drawing/2014/main" id="{FFF506F9-840A-0508-4CAF-3AC711D8D5CE}"/>
               </a:ext>
             </a:extLst>
           </p:cNvPr>
@@ -6026,7 +5947,7 @@
           <p:cNvPr id="9" name="직선 화살표 연결선 8">
             <a:extLst>
               <a:ext uri="{FF2B5EF4-FFF2-40B4-BE49-F238E27FC236}">
-                <a16:creationId xmlns:a16="http://schemas.microsoft.com/office/drawing/2014/main" xmlns="" id="{299DF5EC-9DF4-5255-06AC-0A7CE4FF58C3}"/>
+                <a16:creationId xmlns:a16="http://schemas.microsoft.com/office/drawing/2014/main" id="{299DF5EC-9DF4-5255-06AC-0A7CE4FF58C3}"/>
               </a:ext>
             </a:extLst>
           </p:cNvPr>
@@ -6067,7 +5988,7 @@
           <p:cNvPr id="10" name="TextBox 9">
             <a:extLst>
               <a:ext uri="{FF2B5EF4-FFF2-40B4-BE49-F238E27FC236}">
-                <a16:creationId xmlns:a16="http://schemas.microsoft.com/office/drawing/2014/main" xmlns="" id="{C6D113C6-EA5C-788F-0C77-E7CE6EBB865F}"/>
+                <a16:creationId xmlns:a16="http://schemas.microsoft.com/office/drawing/2014/main" id="{C6D113C6-EA5C-788F-0C77-E7CE6EBB865F}"/>
               </a:ext>
             </a:extLst>
           </p:cNvPr>
@@ -6115,7 +6036,7 @@
           <p:cNvPr id="12" name="TextBox 11">
             <a:extLst>
               <a:ext uri="{FF2B5EF4-FFF2-40B4-BE49-F238E27FC236}">
-                <a16:creationId xmlns:a16="http://schemas.microsoft.com/office/drawing/2014/main" xmlns="" id="{C6D113C6-EA5C-788F-0C77-E7CE6EBB865F}"/>
+                <a16:creationId xmlns:a16="http://schemas.microsoft.com/office/drawing/2014/main" id="{C6D113C6-EA5C-788F-0C77-E7CE6EBB865F}"/>
               </a:ext>
             </a:extLst>
           </p:cNvPr>
@@ -6139,7 +6060,7 @@
           <a:lstStyle/>
           <a:p>
             <a:r>
-              <a:rPr lang="ko-KR" altLang="en-US" sz="4800" smtClean="0">
+              <a:rPr lang="ko-KR" altLang="en-US" sz="4800">
                 <a:solidFill>
                   <a:srgbClr val="FF0000"/>
                 </a:solidFill>
@@ -6149,7 +6070,7 @@
               <a:t>지역변수가 우선시 된다</a:t>
             </a:r>
             <a:r>
-              <a:rPr lang="en-US" altLang="ko-KR" sz="4800" smtClean="0">
+              <a:rPr lang="en-US" altLang="ko-KR" sz="4800">
                 <a:solidFill>
                   <a:srgbClr val="FF0000"/>
                 </a:solidFill>
@@ -6422,7 +6343,7 @@
           <p:cNvPr id="5" name="직선 화살표 연결선 4">
             <a:extLst>
               <a:ext uri="{FF2B5EF4-FFF2-40B4-BE49-F238E27FC236}">
-                <a16:creationId xmlns="" xmlns:a16="http://schemas.microsoft.com/office/drawing/2014/main" id="{299DF5EC-9DF4-5255-06AC-0A7CE4FF58C3}"/>
+                <a16:creationId xmlns:a16="http://schemas.microsoft.com/office/drawing/2014/main" id="{299DF5EC-9DF4-5255-06AC-0A7CE4FF58C3}"/>
               </a:ext>
             </a:extLst>
           </p:cNvPr>
@@ -6463,7 +6384,7 @@
           <p:cNvPr id="6" name="직사각형 5">
             <a:extLst>
               <a:ext uri="{FF2B5EF4-FFF2-40B4-BE49-F238E27FC236}">
-                <a16:creationId xmlns="" xmlns:a16="http://schemas.microsoft.com/office/drawing/2014/main" id="{FFF506F9-840A-0508-4CAF-3AC711D8D5CE}"/>
+                <a16:creationId xmlns:a16="http://schemas.microsoft.com/office/drawing/2014/main" id="{FFF506F9-840A-0508-4CAF-3AC711D8D5CE}"/>
               </a:ext>
             </a:extLst>
           </p:cNvPr>
@@ -6515,7 +6436,7 @@
           <p:cNvPr id="7" name="TextBox 6">
             <a:extLst>
               <a:ext uri="{FF2B5EF4-FFF2-40B4-BE49-F238E27FC236}">
-                <a16:creationId xmlns="" xmlns:a16="http://schemas.microsoft.com/office/drawing/2014/main" id="{C6D113C6-EA5C-788F-0C77-E7CE6EBB865F}"/>
+                <a16:creationId xmlns:a16="http://schemas.microsoft.com/office/drawing/2014/main" id="{C6D113C6-EA5C-788F-0C77-E7CE6EBB865F}"/>
               </a:ext>
             </a:extLst>
           </p:cNvPr>
@@ -6525,7 +6446,7 @@
         <p:spPr>
           <a:xfrm>
             <a:off x="-140074" y="4593104"/>
-            <a:ext cx="8839200" cy="646331"/>
+            <a:ext cx="8034998" cy="1200329"/>
           </a:xfrm>
           <a:prstGeom prst="rect">
             <a:avLst/>
@@ -6539,7 +6460,7 @@
           <a:lstStyle/>
           <a:p>
             <a:r>
-              <a:rPr lang="ko-KR" altLang="en-US" sz="3600" smtClean="0">
+              <a:rPr lang="ko-KR" altLang="en-US" sz="3600" dirty="0">
                 <a:solidFill>
                   <a:srgbClr val="FF0000"/>
                 </a:solidFill>
@@ -6549,7 +6470,7 @@
               <a:t>멤버변수도 선언과 동시에 초기화 가능하다</a:t>
             </a:r>
             <a:r>
-              <a:rPr lang="en-US" altLang="ko-KR" sz="3600" smtClean="0">
+              <a:rPr lang="en-US" altLang="ko-KR" sz="3600" dirty="0">
                 <a:solidFill>
                   <a:srgbClr val="FF0000"/>
                 </a:solidFill>
@@ -6558,13 +6479,6 @@
               </a:rPr>
               <a:t>.</a:t>
             </a:r>
-            <a:endParaRPr lang="en-US" altLang="ko-KR" sz="3600" dirty="0">
-              <a:solidFill>
-                <a:srgbClr val="FF0000"/>
-              </a:solidFill>
-              <a:latin typeface="G마켓 산스 Medium" panose="02000000000000000000" pitchFamily="50" charset="-127"/>
-              <a:ea typeface="G마켓 산스 Medium" panose="02000000000000000000" pitchFamily="50" charset="-127"/>
-            </a:endParaRPr>
           </a:p>
         </p:txBody>
       </p:sp>
@@ -6573,7 +6487,7 @@
           <p:cNvPr id="9" name="직사각형 8">
             <a:extLst>
               <a:ext uri="{FF2B5EF4-FFF2-40B4-BE49-F238E27FC236}">
-                <a16:creationId xmlns="" xmlns:a16="http://schemas.microsoft.com/office/drawing/2014/main" id="{FFF506F9-840A-0508-4CAF-3AC711D8D5CE}"/>
+                <a16:creationId xmlns:a16="http://schemas.microsoft.com/office/drawing/2014/main" id="{FFF506F9-840A-0508-4CAF-3AC711D8D5CE}"/>
               </a:ext>
             </a:extLst>
           </p:cNvPr>
@@ -6625,7 +6539,7 @@
           <p:cNvPr id="10" name="직선 화살표 연결선 9">
             <a:extLst>
               <a:ext uri="{FF2B5EF4-FFF2-40B4-BE49-F238E27FC236}">
-                <a16:creationId xmlns="" xmlns:a16="http://schemas.microsoft.com/office/drawing/2014/main" id="{299DF5EC-9DF4-5255-06AC-0A7CE4FF58C3}"/>
+                <a16:creationId xmlns:a16="http://schemas.microsoft.com/office/drawing/2014/main" id="{299DF5EC-9DF4-5255-06AC-0A7CE4FF58C3}"/>
               </a:ext>
             </a:extLst>
           </p:cNvPr>
@@ -6666,7 +6580,7 @@
           <p:cNvPr id="11" name="TextBox 10">
             <a:extLst>
               <a:ext uri="{FF2B5EF4-FFF2-40B4-BE49-F238E27FC236}">
-                <a16:creationId xmlns="" xmlns:a16="http://schemas.microsoft.com/office/drawing/2014/main" id="{C6D113C6-EA5C-788F-0C77-E7CE6EBB865F}"/>
+                <a16:creationId xmlns:a16="http://schemas.microsoft.com/office/drawing/2014/main" id="{C6D113C6-EA5C-788F-0C77-E7CE6EBB865F}"/>
               </a:ext>
             </a:extLst>
           </p:cNvPr>
@@ -6690,7 +6604,7 @@
           <a:lstStyle/>
           <a:p>
             <a:r>
-              <a:rPr lang="ko-KR" altLang="en-US" sz="3600" smtClean="0">
+              <a:rPr lang="ko-KR" altLang="en-US" sz="3600">
                 <a:solidFill>
                   <a:srgbClr val="FF0000"/>
                 </a:solidFill>
@@ -6700,7 +6614,7 @@
               <a:t>객체 생성시 기본값으로 가지고 있다</a:t>
             </a:r>
             <a:r>
-              <a:rPr lang="en-US" altLang="ko-KR" sz="3600" smtClean="0">
+              <a:rPr lang="en-US" altLang="ko-KR" sz="3600">
                 <a:solidFill>
                   <a:srgbClr val="FF0000"/>
                 </a:solidFill>
@@ -6724,7 +6638,7 @@
           <p:cNvPr id="14" name="TextBox 13">
             <a:extLst>
               <a:ext uri="{FF2B5EF4-FFF2-40B4-BE49-F238E27FC236}">
-                <a16:creationId xmlns:a16="http://schemas.microsoft.com/office/drawing/2014/main" xmlns="" id="{5ADC00B6-990A-40DC-3CEA-505258F5E8DA}"/>
+                <a16:creationId xmlns:a16="http://schemas.microsoft.com/office/drawing/2014/main" id="{5ADC00B6-990A-40DC-3CEA-505258F5E8DA}"/>
               </a:ext>
             </a:extLst>
           </p:cNvPr>
@@ -6748,7 +6662,7 @@
           <a:lstStyle/>
           <a:p>
             <a:r>
-              <a:rPr lang="ko-KR" altLang="en-US" sz="4800" smtClean="0">
+              <a:rPr lang="ko-KR" altLang="en-US" sz="4800">
                 <a:solidFill>
                   <a:srgbClr val="4C50BC"/>
                 </a:solidFill>
@@ -7010,7 +6924,7 @@
           <p:cNvPr id="6" name="직선 화살표 연결선 5">
             <a:extLst>
               <a:ext uri="{FF2B5EF4-FFF2-40B4-BE49-F238E27FC236}">
-                <a16:creationId xmlns="" xmlns:a16="http://schemas.microsoft.com/office/drawing/2014/main" id="{299DF5EC-9DF4-5255-06AC-0A7CE4FF58C3}"/>
+                <a16:creationId xmlns:a16="http://schemas.microsoft.com/office/drawing/2014/main" id="{299DF5EC-9DF4-5255-06AC-0A7CE4FF58C3}"/>
               </a:ext>
             </a:extLst>
           </p:cNvPr>
@@ -7051,7 +6965,7 @@
           <p:cNvPr id="7" name="TextBox 6">
             <a:extLst>
               <a:ext uri="{FF2B5EF4-FFF2-40B4-BE49-F238E27FC236}">
-                <a16:creationId xmlns="" xmlns:a16="http://schemas.microsoft.com/office/drawing/2014/main" id="{C6D113C6-EA5C-788F-0C77-E7CE6EBB865F}"/>
+                <a16:creationId xmlns:a16="http://schemas.microsoft.com/office/drawing/2014/main" id="{C6D113C6-EA5C-788F-0C77-E7CE6EBB865F}"/>
               </a:ext>
             </a:extLst>
           </p:cNvPr>
@@ -7075,7 +6989,7 @@
           <a:lstStyle/>
           <a:p>
             <a:r>
-              <a:rPr lang="ko-KR" altLang="en-US" sz="3600" smtClean="0">
+              <a:rPr lang="ko-KR" altLang="en-US" sz="3600">
                 <a:solidFill>
                   <a:srgbClr val="FF0000"/>
                 </a:solidFill>
@@ -7085,7 +6999,7 @@
               <a:t>지역변수는 초기화하지 않으면 사용할수 없다</a:t>
             </a:r>
             <a:r>
-              <a:rPr lang="en-US" altLang="ko-KR" sz="3600" smtClean="0">
+              <a:rPr lang="en-US" altLang="ko-KR" sz="3600">
                 <a:solidFill>
                   <a:srgbClr val="FF0000"/>
                 </a:solidFill>
@@ -7109,7 +7023,7 @@
           <p:cNvPr id="9" name="직선 화살표 연결선 8">
             <a:extLst>
               <a:ext uri="{FF2B5EF4-FFF2-40B4-BE49-F238E27FC236}">
-                <a16:creationId xmlns="" xmlns:a16="http://schemas.microsoft.com/office/drawing/2014/main" id="{299DF5EC-9DF4-5255-06AC-0A7CE4FF58C3}"/>
+                <a16:creationId xmlns:a16="http://schemas.microsoft.com/office/drawing/2014/main" id="{299DF5EC-9DF4-5255-06AC-0A7CE4FF58C3}"/>
               </a:ext>
             </a:extLst>
           </p:cNvPr>
@@ -7150,7 +7064,7 @@
           <p:cNvPr id="10" name="TextBox 9">
             <a:extLst>
               <a:ext uri="{FF2B5EF4-FFF2-40B4-BE49-F238E27FC236}">
-                <a16:creationId xmlns="" xmlns:a16="http://schemas.microsoft.com/office/drawing/2014/main" id="{C6D113C6-EA5C-788F-0C77-E7CE6EBB865F}"/>
+                <a16:creationId xmlns:a16="http://schemas.microsoft.com/office/drawing/2014/main" id="{C6D113C6-EA5C-788F-0C77-E7CE6EBB865F}"/>
               </a:ext>
             </a:extLst>
           </p:cNvPr>
@@ -7160,7 +7074,7 @@
         <p:spPr>
           <a:xfrm>
             <a:off x="8113376" y="1790700"/>
-            <a:ext cx="9946024" cy="646331"/>
+            <a:ext cx="10555624" cy="646331"/>
           </a:xfrm>
           <a:prstGeom prst="rect">
             <a:avLst/>
@@ -7174,7 +7088,7 @@
           <a:lstStyle/>
           <a:p>
             <a:r>
-              <a:rPr lang="ko-KR" altLang="en-US" sz="3600" smtClean="0">
+              <a:rPr lang="ko-KR" altLang="en-US" sz="3600" dirty="0">
                 <a:solidFill>
                   <a:srgbClr val="FF0000"/>
                 </a:solidFill>
@@ -7184,7 +7098,7 @@
               <a:t>멤버 변수가 기본형이라면 기본값이 들어가 있다</a:t>
             </a:r>
             <a:r>
-              <a:rPr lang="en-US" altLang="ko-KR" sz="3600" smtClean="0">
+              <a:rPr lang="en-US" altLang="ko-KR" sz="3600" dirty="0">
                 <a:solidFill>
                   <a:srgbClr val="FF0000"/>
                 </a:solidFill>
@@ -7193,13 +7107,6 @@
               </a:rPr>
               <a:t>.</a:t>
             </a:r>
-            <a:endParaRPr lang="en-US" altLang="ko-KR" sz="3600" dirty="0">
-              <a:solidFill>
-                <a:srgbClr val="FF0000"/>
-              </a:solidFill>
-              <a:latin typeface="G마켓 산스 Medium" panose="02000000000000000000" pitchFamily="50" charset="-127"/>
-              <a:ea typeface="G마켓 산스 Medium" panose="02000000000000000000" pitchFamily="50" charset="-127"/>
-            </a:endParaRPr>
           </a:p>
         </p:txBody>
       </p:sp>
@@ -7208,7 +7115,7 @@
           <p:cNvPr id="12" name="직선 화살표 연결선 11">
             <a:extLst>
               <a:ext uri="{FF2B5EF4-FFF2-40B4-BE49-F238E27FC236}">
-                <a16:creationId xmlns="" xmlns:a16="http://schemas.microsoft.com/office/drawing/2014/main" id="{299DF5EC-9DF4-5255-06AC-0A7CE4FF58C3}"/>
+                <a16:creationId xmlns:a16="http://schemas.microsoft.com/office/drawing/2014/main" id="{299DF5EC-9DF4-5255-06AC-0A7CE4FF58C3}"/>
               </a:ext>
             </a:extLst>
           </p:cNvPr>
@@ -7249,7 +7156,7 @@
           <p:cNvPr id="13" name="TextBox 12">
             <a:extLst>
               <a:ext uri="{FF2B5EF4-FFF2-40B4-BE49-F238E27FC236}">
-                <a16:creationId xmlns="" xmlns:a16="http://schemas.microsoft.com/office/drawing/2014/main" id="{C6D113C6-EA5C-788F-0C77-E7CE6EBB865F}"/>
+                <a16:creationId xmlns:a16="http://schemas.microsoft.com/office/drawing/2014/main" id="{C6D113C6-EA5C-788F-0C77-E7CE6EBB865F}"/>
               </a:ext>
             </a:extLst>
           </p:cNvPr>
@@ -7273,7 +7180,7 @@
           <a:lstStyle/>
           <a:p>
             <a:r>
-              <a:rPr lang="ko-KR" altLang="en-US" sz="3600" smtClean="0">
+              <a:rPr lang="ko-KR" altLang="en-US" sz="3600" dirty="0">
                 <a:solidFill>
                   <a:srgbClr val="FF0000"/>
                 </a:solidFill>
@@ -7283,7 +7190,7 @@
               <a:t>멤버 변수가 참조형이라면 </a:t>
             </a:r>
             <a:r>
-              <a:rPr lang="en-US" altLang="ko-KR" sz="3600" smtClean="0">
+              <a:rPr lang="en-US" altLang="ko-KR" sz="3600" dirty="0">
                 <a:solidFill>
                   <a:srgbClr val="FF0000"/>
                 </a:solidFill>
@@ -7293,7 +7200,7 @@
               <a:t>null</a:t>
             </a:r>
             <a:r>
-              <a:rPr lang="ko-KR" altLang="en-US" sz="3600" smtClean="0">
+              <a:rPr lang="ko-KR" altLang="en-US" sz="3600" dirty="0">
                 <a:solidFill>
                   <a:srgbClr val="FF0000"/>
                 </a:solidFill>
@@ -7303,7 +7210,7 @@
               <a:t>이 기본이다</a:t>
             </a:r>
             <a:r>
-              <a:rPr lang="en-US" altLang="ko-KR" sz="3600" smtClean="0">
+              <a:rPr lang="en-US" altLang="ko-KR" sz="3600" dirty="0">
                 <a:solidFill>
                   <a:srgbClr val="FF0000"/>
                 </a:solidFill>
@@ -7312,13 +7219,6 @@
               </a:rPr>
               <a:t>.</a:t>
             </a:r>
-            <a:endParaRPr lang="en-US" altLang="ko-KR" sz="3600" dirty="0">
-              <a:solidFill>
-                <a:srgbClr val="FF0000"/>
-              </a:solidFill>
-              <a:latin typeface="G마켓 산스 Medium" panose="02000000000000000000" pitchFamily="50" charset="-127"/>
-              <a:ea typeface="G마켓 산스 Medium" panose="02000000000000000000" pitchFamily="50" charset="-127"/>
-            </a:endParaRPr>
           </a:p>
         </p:txBody>
       </p:sp>
@@ -7653,7 +7553,7 @@
           <p:cNvPr id="4" name="TextBox 3">
             <a:extLst>
               <a:ext uri="{FF2B5EF4-FFF2-40B4-BE49-F238E27FC236}">
-                <a16:creationId xmlns:a16="http://schemas.microsoft.com/office/drawing/2014/main" xmlns="" id="{5ADC00B6-990A-40DC-3CEA-505258F5E8DA}"/>
+                <a16:creationId xmlns:a16="http://schemas.microsoft.com/office/drawing/2014/main" id="{5ADC00B6-990A-40DC-3CEA-505258F5E8DA}"/>
               </a:ext>
             </a:extLst>
           </p:cNvPr>
@@ -7677,7 +7577,7 @@
           <a:lstStyle/>
           <a:p>
             <a:r>
-              <a:rPr lang="en-US" altLang="ko-KR" sz="4800" smtClean="0">
+              <a:rPr lang="en-US" altLang="ko-KR" sz="4800">
                 <a:solidFill>
                   <a:srgbClr val="4C50BC"/>
                 </a:solidFill>
@@ -7687,7 +7587,7 @@
               <a:t>String </a:t>
             </a:r>
             <a:r>
-              <a:rPr lang="ko-KR" altLang="en-US" sz="4800" smtClean="0">
+              <a:rPr lang="ko-KR" altLang="en-US" sz="4800">
                 <a:solidFill>
                   <a:srgbClr val="4C50BC"/>
                 </a:solidFill>
@@ -7711,7 +7611,7 @@
           <p:cNvPr id="5" name="TextBox 4">
             <a:extLst>
               <a:ext uri="{FF2B5EF4-FFF2-40B4-BE49-F238E27FC236}">
-                <a16:creationId xmlns:a16="http://schemas.microsoft.com/office/drawing/2014/main" xmlns="" id="{A2AD056B-97A4-5BCC-4460-250160F3E171}"/>
+                <a16:creationId xmlns:a16="http://schemas.microsoft.com/office/drawing/2014/main" id="{A2AD056B-97A4-5BCC-4460-250160F3E171}"/>
               </a:ext>
             </a:extLst>
           </p:cNvPr>
@@ -7739,7 +7639,7 @@
               <a:buChar char="-"/>
             </a:pPr>
             <a:r>
-              <a:rPr lang="ko-KR" altLang="en-US" sz="4000" smtClean="0">
+              <a:rPr lang="ko-KR" altLang="en-US" sz="4000">
                 <a:solidFill>
                   <a:schemeClr val="tx1">
                     <a:lumMod val="50000"/>
@@ -7752,7 +7652,7 @@
               <a:t>문자열을 다루기 위한 클래스이다</a:t>
             </a:r>
             <a:r>
-              <a:rPr lang="en-US" altLang="ko-KR" sz="4000" smtClean="0">
+              <a:rPr lang="en-US" altLang="ko-KR" sz="4000">
                 <a:solidFill>
                   <a:schemeClr val="tx1">
                     <a:lumMod val="50000"/>
@@ -7771,7 +7671,7 @@
               <a:buChar char="-"/>
             </a:pPr>
             <a:r>
-              <a:rPr lang="ko-KR" altLang="en-US" sz="4000" smtClean="0">
+              <a:rPr lang="ko-KR" altLang="en-US" sz="4000">
                 <a:solidFill>
                   <a:schemeClr val="tx1">
                     <a:lumMod val="50000"/>
@@ -7784,7 +7684,7 @@
               <a:t>내부적으로 </a:t>
             </a:r>
             <a:r>
-              <a:rPr lang="en-US" altLang="ko-KR" sz="4000" smtClean="0">
+              <a:rPr lang="en-US" altLang="ko-KR" sz="4000">
                 <a:solidFill>
                   <a:schemeClr val="tx1">
                     <a:lumMod val="50000"/>
@@ -7797,7 +7697,7 @@
               <a:t>char[] </a:t>
             </a:r>
             <a:r>
-              <a:rPr lang="ko-KR" altLang="en-US" sz="4000" smtClean="0">
+              <a:rPr lang="ko-KR" altLang="en-US" sz="4000">
                 <a:solidFill>
                   <a:schemeClr val="tx1">
                     <a:lumMod val="50000"/>
@@ -7810,7 +7710,7 @@
               <a:t>을 이용하고 있다</a:t>
             </a:r>
             <a:r>
-              <a:rPr lang="en-US" altLang="ko-KR" sz="4000" smtClean="0">
+              <a:rPr lang="en-US" altLang="ko-KR" sz="4000">
                 <a:solidFill>
                   <a:schemeClr val="tx1">
                     <a:lumMod val="50000"/>
@@ -7829,7 +7729,7 @@
               <a:buChar char="-"/>
             </a:pPr>
             <a:r>
-              <a:rPr lang="ko-KR" altLang="en-US" sz="4000" smtClean="0">
+              <a:rPr lang="ko-KR" altLang="en-US" sz="4000">
                 <a:solidFill>
                   <a:schemeClr val="tx1">
                     <a:lumMod val="50000"/>
@@ -7842,7 +7742,7 @@
               <a:t>객체생성없이 사용할수 있게 만들어졌다</a:t>
             </a:r>
             <a:r>
-              <a:rPr lang="en-US" altLang="ko-KR" sz="4000" smtClean="0">
+              <a:rPr lang="en-US" altLang="ko-KR" sz="4000">
                 <a:solidFill>
                   <a:schemeClr val="tx1">
                     <a:lumMod val="50000"/>
@@ -8094,7 +7994,7 @@
           <p:cNvPr id="4" name="TextBox 3">
             <a:extLst>
               <a:ext uri="{FF2B5EF4-FFF2-40B4-BE49-F238E27FC236}">
-                <a16:creationId xmlns:a16="http://schemas.microsoft.com/office/drawing/2014/main" xmlns="" id="{5ADC00B6-990A-40DC-3CEA-505258F5E8DA}"/>
+                <a16:creationId xmlns:a16="http://schemas.microsoft.com/office/drawing/2014/main" id="{5ADC00B6-990A-40DC-3CEA-505258F5E8DA}"/>
               </a:ext>
             </a:extLst>
           </p:cNvPr>
@@ -8118,7 +8018,7 @@
           <a:lstStyle/>
           <a:p>
             <a:r>
-              <a:rPr lang="en-US" altLang="ko-KR" sz="4800" smtClean="0">
+              <a:rPr lang="en-US" altLang="ko-KR" sz="4800">
                 <a:solidFill>
                   <a:srgbClr val="4C50BC"/>
                 </a:solidFill>
@@ -8128,7 +8028,7 @@
               <a:t>String </a:t>
             </a:r>
             <a:r>
-              <a:rPr lang="ko-KR" altLang="en-US" sz="4800" smtClean="0">
+              <a:rPr lang="ko-KR" altLang="en-US" sz="4800">
                 <a:solidFill>
                   <a:srgbClr val="4C50BC"/>
                 </a:solidFill>
@@ -8138,7 +8038,7 @@
               <a:t>클래스 </a:t>
             </a:r>
             <a:r>
-              <a:rPr lang="en-US" altLang="ko-KR" sz="4800" smtClean="0">
+              <a:rPr lang="en-US" altLang="ko-KR" sz="4800">
                 <a:solidFill>
                   <a:srgbClr val="4C50BC"/>
                 </a:solidFill>
@@ -8148,7 +8048,7 @@
               <a:t>charAt </a:t>
             </a:r>
             <a:r>
-              <a:rPr lang="ko-KR" altLang="en-US" sz="4800" smtClean="0">
+              <a:rPr lang="ko-KR" altLang="en-US" sz="4800">
                 <a:solidFill>
                   <a:srgbClr val="4C50BC"/>
                 </a:solidFill>
@@ -8220,7 +8120,7 @@
           <p:cNvPr id="7" name="직선 화살표 연결선 6">
             <a:extLst>
               <a:ext uri="{FF2B5EF4-FFF2-40B4-BE49-F238E27FC236}">
-                <a16:creationId xmlns="" xmlns:a16="http://schemas.microsoft.com/office/drawing/2014/main" id="{299DF5EC-9DF4-5255-06AC-0A7CE4FF58C3}"/>
+                <a16:creationId xmlns:a16="http://schemas.microsoft.com/office/drawing/2014/main" id="{299DF5EC-9DF4-5255-06AC-0A7CE4FF58C3}"/>
               </a:ext>
             </a:extLst>
           </p:cNvPr>
@@ -8261,7 +8161,7 @@
           <p:cNvPr id="8" name="TextBox 7">
             <a:extLst>
               <a:ext uri="{FF2B5EF4-FFF2-40B4-BE49-F238E27FC236}">
-                <a16:creationId xmlns="" xmlns:a16="http://schemas.microsoft.com/office/drawing/2014/main" id="{C6D113C6-EA5C-788F-0C77-E7CE6EBB865F}"/>
+                <a16:creationId xmlns:a16="http://schemas.microsoft.com/office/drawing/2014/main" id="{C6D113C6-EA5C-788F-0C77-E7CE6EBB865F}"/>
               </a:ext>
             </a:extLst>
           </p:cNvPr>
@@ -8285,7 +8185,7 @@
           <a:lstStyle/>
           <a:p>
             <a:r>
-              <a:rPr lang="en-US" altLang="ko-KR" sz="3600" smtClean="0">
+              <a:rPr lang="en-US" altLang="ko-KR" sz="3600">
                 <a:solidFill>
                   <a:srgbClr val="FF0000"/>
                 </a:solidFill>
@@ -8295,7 +8195,7 @@
               <a:t>0</a:t>
             </a:r>
             <a:r>
-              <a:rPr lang="ko-KR" altLang="en-US" sz="3600" smtClean="0">
+              <a:rPr lang="ko-KR" altLang="en-US" sz="3600">
                 <a:solidFill>
                   <a:srgbClr val="FF0000"/>
                 </a:solidFill>
@@ -8305,7 +8205,7 @@
               <a:t>부터 시작하므로 </a:t>
             </a:r>
             <a:r>
-              <a:rPr lang="en-US" altLang="ko-KR" sz="3600" smtClean="0">
+              <a:rPr lang="en-US" altLang="ko-KR" sz="3600">
                 <a:solidFill>
                   <a:srgbClr val="FF0000"/>
                 </a:solidFill>
@@ -8315,7 +8215,7 @@
               <a:t>4</a:t>
             </a:r>
             <a:r>
-              <a:rPr lang="ko-KR" altLang="en-US" sz="3600" smtClean="0">
+              <a:rPr lang="ko-KR" altLang="en-US" sz="3600">
                 <a:solidFill>
                   <a:srgbClr val="FF0000"/>
                 </a:solidFill>
@@ -8344,13 +8244,6 @@
   <p:clrMapOvr>
     <a:masterClrMapping/>
   </p:clrMapOvr>
-  <p:timing>
-    <p:tnLst>
-      <p:par>
-        <p:cTn id="1" dur="indefinite" restart="never" nodeType="tmRoot"/>
-      </p:par>
-    </p:tnLst>
-  </p:timing>
 </p:sld>
 </file>
 
@@ -8400,7 +8293,7 @@
           <p:cNvPr id="6" name="직선 화살표 연결선 5">
             <a:extLst>
               <a:ext uri="{FF2B5EF4-FFF2-40B4-BE49-F238E27FC236}">
-                <a16:creationId xmlns="" xmlns:a16="http://schemas.microsoft.com/office/drawing/2014/main" id="{299DF5EC-9DF4-5255-06AC-0A7CE4FF58C3}"/>
+                <a16:creationId xmlns:a16="http://schemas.microsoft.com/office/drawing/2014/main" id="{299DF5EC-9DF4-5255-06AC-0A7CE4FF58C3}"/>
               </a:ext>
             </a:extLst>
           </p:cNvPr>
@@ -8442,7 +8335,7 @@
           <p:cNvPr id="7" name="직사각형 6">
             <a:extLst>
               <a:ext uri="{FF2B5EF4-FFF2-40B4-BE49-F238E27FC236}">
-                <a16:creationId xmlns="" xmlns:a16="http://schemas.microsoft.com/office/drawing/2014/main" id="{FFF506F9-840A-0508-4CAF-3AC711D8D5CE}"/>
+                <a16:creationId xmlns:a16="http://schemas.microsoft.com/office/drawing/2014/main" id="{FFF506F9-840A-0508-4CAF-3AC711D8D5CE}"/>
               </a:ext>
             </a:extLst>
           </p:cNvPr>
@@ -8494,7 +8387,7 @@
           <p:cNvPr id="8" name="TextBox 7">
             <a:extLst>
               <a:ext uri="{FF2B5EF4-FFF2-40B4-BE49-F238E27FC236}">
-                <a16:creationId xmlns="" xmlns:a16="http://schemas.microsoft.com/office/drawing/2014/main" id="{C6D113C6-EA5C-788F-0C77-E7CE6EBB865F}"/>
+                <a16:creationId xmlns:a16="http://schemas.microsoft.com/office/drawing/2014/main" id="{C6D113C6-EA5C-788F-0C77-E7CE6EBB865F}"/>
               </a:ext>
             </a:extLst>
           </p:cNvPr>
@@ -8518,7 +8411,7 @@
           <a:lstStyle/>
           <a:p>
             <a:r>
-              <a:rPr lang="en-US" altLang="ko-KR" sz="3600" smtClean="0">
+              <a:rPr lang="en-US" altLang="ko-KR" sz="3600">
                 <a:solidFill>
                   <a:srgbClr val="FF0000"/>
                 </a:solidFill>
@@ -8528,7 +8421,7 @@
               <a:t>0</a:t>
             </a:r>
             <a:r>
-              <a:rPr lang="ko-KR" altLang="en-US" sz="3600" smtClean="0">
+              <a:rPr lang="ko-KR" altLang="en-US" sz="3600">
                 <a:solidFill>
                   <a:srgbClr val="FF0000"/>
                 </a:solidFill>
@@ -8538,7 +8431,7 @@
               <a:t>번째 위치 부터 </a:t>
             </a:r>
             <a:r>
-              <a:rPr lang="en-US" altLang="ko-KR" sz="3600" smtClean="0">
+              <a:rPr lang="en-US" altLang="ko-KR" sz="3600">
                 <a:solidFill>
                   <a:srgbClr val="FF0000"/>
                 </a:solidFill>
@@ -8548,7 +8441,7 @@
               <a:t>2</a:t>
             </a:r>
             <a:r>
-              <a:rPr lang="ko-KR" altLang="en-US" sz="3600" smtClean="0">
+              <a:rPr lang="ko-KR" altLang="en-US" sz="3600">
                 <a:solidFill>
                   <a:srgbClr val="FF0000"/>
                 </a:solidFill>
@@ -8620,7 +8513,7 @@
           <p:cNvPr id="14" name="TextBox 13">
             <a:extLst>
               <a:ext uri="{FF2B5EF4-FFF2-40B4-BE49-F238E27FC236}">
-                <a16:creationId xmlns:a16="http://schemas.microsoft.com/office/drawing/2014/main" xmlns="" id="{5ADC00B6-990A-40DC-3CEA-505258F5E8DA}"/>
+                <a16:creationId xmlns:a16="http://schemas.microsoft.com/office/drawing/2014/main" id="{5ADC00B6-990A-40DC-3CEA-505258F5E8DA}"/>
               </a:ext>
             </a:extLst>
           </p:cNvPr>
@@ -8644,7 +8537,7 @@
           <a:lstStyle/>
           <a:p>
             <a:r>
-              <a:rPr lang="en-US" altLang="ko-KR" sz="4800" smtClean="0">
+              <a:rPr lang="en-US" altLang="ko-KR" sz="4800">
                 <a:solidFill>
                   <a:srgbClr val="4C50BC"/>
                 </a:solidFill>
@@ -8654,7 +8547,7 @@
               <a:t>String </a:t>
             </a:r>
             <a:r>
-              <a:rPr lang="ko-KR" altLang="en-US" sz="4800" smtClean="0">
+              <a:rPr lang="ko-KR" altLang="en-US" sz="4800">
                 <a:solidFill>
                   <a:srgbClr val="4C50BC"/>
                 </a:solidFill>
@@ -8664,7 +8557,7 @@
               <a:t>클래스 </a:t>
             </a:r>
             <a:r>
-              <a:rPr lang="en-US" altLang="ko-KR" sz="4800" smtClean="0">
+              <a:rPr lang="en-US" altLang="ko-KR" sz="4800">
                 <a:solidFill>
                   <a:srgbClr val="4C50BC"/>
                 </a:solidFill>
@@ -8674,7 +8567,7 @@
               <a:t>substring </a:t>
             </a:r>
             <a:r>
-              <a:rPr lang="ko-KR" altLang="en-US" sz="4800" smtClean="0">
+              <a:rPr lang="ko-KR" altLang="en-US" sz="4800">
                 <a:solidFill>
                   <a:srgbClr val="4C50BC"/>
                 </a:solidFill>
@@ -9021,7 +8914,7 @@
           <p:cNvPr id="11" name="TextBox 10">
             <a:extLst>
               <a:ext uri="{FF2B5EF4-FFF2-40B4-BE49-F238E27FC236}">
-                <a16:creationId xmlns:a16="http://schemas.microsoft.com/office/drawing/2014/main" xmlns="" id="{9F88F580-08BE-88C2-D640-13F0026591CB}"/>
+                <a16:creationId xmlns:a16="http://schemas.microsoft.com/office/drawing/2014/main" id="{9F88F580-08BE-88C2-D640-13F0026591CB}"/>
               </a:ext>
             </a:extLst>
           </p:cNvPr>
@@ -9079,7 +8972,7 @@
           <p:cNvPr id="13" name="TextBox 12">
             <a:extLst>
               <a:ext uri="{FF2B5EF4-FFF2-40B4-BE49-F238E27FC236}">
-                <a16:creationId xmlns:a16="http://schemas.microsoft.com/office/drawing/2014/main" xmlns="" id="{72769C28-9BB6-DE9C-7B6F-264B77B8DD0E}"/>
+                <a16:creationId xmlns:a16="http://schemas.microsoft.com/office/drawing/2014/main" id="{72769C28-9BB6-DE9C-7B6F-264B77B8DD0E}"/>
               </a:ext>
             </a:extLst>
           </p:cNvPr>
@@ -9103,7 +8996,7 @@
           <a:lstStyle/>
           <a:p>
             <a:r>
-              <a:rPr lang="ko-KR" altLang="en-US" sz="3200" smtClean="0">
+              <a:rPr lang="ko-KR" altLang="en-US" sz="3200">
                 <a:solidFill>
                   <a:srgbClr val="4D4848"/>
                 </a:solidFill>
@@ -9113,7 +9006,7 @@
               <a:t>지역변수</a:t>
             </a:r>
             <a:r>
-              <a:rPr lang="en-US" altLang="ko-KR" sz="3200" smtClean="0">
+              <a:rPr lang="en-US" altLang="ko-KR" sz="3200">
                 <a:solidFill>
                   <a:srgbClr val="4D4848"/>
                 </a:solidFill>
@@ -9123,7 +9016,7 @@
               <a:t>,</a:t>
             </a:r>
             <a:r>
-              <a:rPr lang="ko-KR" altLang="en-US" sz="3200" smtClean="0">
+              <a:rPr lang="ko-KR" altLang="en-US" sz="3200">
                 <a:solidFill>
                   <a:srgbClr val="4D4848"/>
                 </a:solidFill>
@@ -9147,7 +9040,7 @@
           <p:cNvPr id="14" name="TextBox 13">
             <a:extLst>
               <a:ext uri="{FF2B5EF4-FFF2-40B4-BE49-F238E27FC236}">
-                <a16:creationId xmlns:a16="http://schemas.microsoft.com/office/drawing/2014/main" xmlns="" id="{270FBB6A-01CE-5637-78DA-58F0C974145C}"/>
+                <a16:creationId xmlns:a16="http://schemas.microsoft.com/office/drawing/2014/main" id="{270FBB6A-01CE-5637-78DA-58F0C974145C}"/>
               </a:ext>
             </a:extLst>
           </p:cNvPr>
@@ -9171,7 +9064,7 @@
           <a:lstStyle/>
           <a:p>
             <a:r>
-              <a:rPr lang="ko-KR" altLang="en-US" sz="3200" smtClean="0">
+              <a:rPr lang="ko-KR" altLang="en-US" sz="3200">
                 <a:solidFill>
                   <a:srgbClr val="4D4848"/>
                 </a:solidFill>
@@ -9181,7 +9074,7 @@
               <a:t>클래스 변수</a:t>
             </a:r>
             <a:r>
-              <a:rPr lang="en-US" altLang="ko-KR" sz="3200" smtClean="0">
+              <a:rPr lang="en-US" altLang="ko-KR" sz="3200">
                 <a:solidFill>
                   <a:srgbClr val="4D4848"/>
                 </a:solidFill>
@@ -9191,7 +9084,7 @@
               <a:t>(static </a:t>
             </a:r>
             <a:r>
-              <a:rPr lang="ko-KR" altLang="en-US" sz="3200" smtClean="0">
+              <a:rPr lang="ko-KR" altLang="en-US" sz="3200">
                 <a:solidFill>
                   <a:srgbClr val="4D4848"/>
                 </a:solidFill>
@@ -9201,7 +9094,7 @@
               <a:t>변수</a:t>
             </a:r>
             <a:r>
-              <a:rPr lang="en-US" altLang="ko-KR" sz="3200" smtClean="0">
+              <a:rPr lang="en-US" altLang="ko-KR" sz="3200">
                 <a:solidFill>
                   <a:srgbClr val="4D4848"/>
                 </a:solidFill>
@@ -9225,7 +9118,7 @@
           <p:cNvPr id="2" name="Object 17">
             <a:extLst>
               <a:ext uri="{FF2B5EF4-FFF2-40B4-BE49-F238E27FC236}">
-                <a16:creationId xmlns:a16="http://schemas.microsoft.com/office/drawing/2014/main" xmlns="" id="{140B283D-FE58-FA6F-6F7C-E0F1DBB62A65}"/>
+                <a16:creationId xmlns:a16="http://schemas.microsoft.com/office/drawing/2014/main" id="{140B283D-FE58-FA6F-6F7C-E0F1DBB62A65}"/>
               </a:ext>
             </a:extLst>
           </p:cNvPr>
@@ -9255,7 +9148,7 @@
           <p:cNvPr id="4" name="TextBox 3">
             <a:extLst>
               <a:ext uri="{FF2B5EF4-FFF2-40B4-BE49-F238E27FC236}">
-                <a16:creationId xmlns:a16="http://schemas.microsoft.com/office/drawing/2014/main" xmlns="" id="{2C8D0998-79BC-6FD2-59D9-8052B4A25F65}"/>
+                <a16:creationId xmlns:a16="http://schemas.microsoft.com/office/drawing/2014/main" id="{2C8D0998-79BC-6FD2-59D9-8052B4A25F65}"/>
               </a:ext>
             </a:extLst>
           </p:cNvPr>
@@ -9303,7 +9196,7 @@
           <p:cNvPr id="5" name="Object 18">
             <a:extLst>
               <a:ext uri="{FF2B5EF4-FFF2-40B4-BE49-F238E27FC236}">
-                <a16:creationId xmlns:a16="http://schemas.microsoft.com/office/drawing/2014/main" xmlns="" id="{3F58EA3E-1018-64D3-FAB2-4F6B9618FA56}"/>
+                <a16:creationId xmlns:a16="http://schemas.microsoft.com/office/drawing/2014/main" id="{3F58EA3E-1018-64D3-FAB2-4F6B9618FA56}"/>
               </a:ext>
             </a:extLst>
           </p:cNvPr>
@@ -9333,7 +9226,7 @@
           <p:cNvPr id="8" name="TextBox 7">
             <a:extLst>
               <a:ext uri="{FF2B5EF4-FFF2-40B4-BE49-F238E27FC236}">
-                <a16:creationId xmlns:a16="http://schemas.microsoft.com/office/drawing/2014/main" xmlns="" id="{681D3F16-7DCF-41AD-F5F1-0558C78C0E4D}"/>
+                <a16:creationId xmlns:a16="http://schemas.microsoft.com/office/drawing/2014/main" id="{681D3F16-7DCF-41AD-F5F1-0558C78C0E4D}"/>
               </a:ext>
             </a:extLst>
           </p:cNvPr>
@@ -9381,13 +9274,6 @@
   <p:clrMapOvr>
     <a:masterClrMapping/>
   </p:clrMapOvr>
-  <p:timing>
-    <p:tnLst>
-      <p:par>
-        <p:cTn id="1" dur="indefinite" restart="never" nodeType="tmRoot"/>
-      </p:par>
-    </p:tnLst>
-  </p:timing>
 </p:sld>
 </file>
 
@@ -9485,7 +9371,7 @@
           <p:cNvPr id="7" name="TextBox 6">
             <a:extLst>
               <a:ext uri="{FF2B5EF4-FFF2-40B4-BE49-F238E27FC236}">
-                <a16:creationId xmlns:a16="http://schemas.microsoft.com/office/drawing/2014/main" xmlns="" id="{5ADC00B6-990A-40DC-3CEA-505258F5E8DA}"/>
+                <a16:creationId xmlns:a16="http://schemas.microsoft.com/office/drawing/2014/main" id="{5ADC00B6-990A-40DC-3CEA-505258F5E8DA}"/>
               </a:ext>
             </a:extLst>
           </p:cNvPr>
@@ -9509,7 +9395,7 @@
           <a:lstStyle/>
           <a:p>
             <a:r>
-              <a:rPr lang="en-US" altLang="ko-KR" sz="4800" smtClean="0">
+              <a:rPr lang="en-US" altLang="ko-KR" sz="4800">
                 <a:solidFill>
                   <a:srgbClr val="4C50BC"/>
                 </a:solidFill>
@@ -9519,7 +9405,7 @@
               <a:t>String </a:t>
             </a:r>
             <a:r>
-              <a:rPr lang="ko-KR" altLang="en-US" sz="4800" smtClean="0">
+              <a:rPr lang="ko-KR" altLang="en-US" sz="4800">
                 <a:solidFill>
                   <a:srgbClr val="4C50BC"/>
                 </a:solidFill>
@@ -9529,7 +9415,7 @@
               <a:t>클래스 </a:t>
             </a:r>
             <a:r>
-              <a:rPr lang="en-US" altLang="ko-KR" sz="4800" smtClean="0">
+              <a:rPr lang="en-US" altLang="ko-KR" sz="4800">
                 <a:solidFill>
                   <a:srgbClr val="4C50BC"/>
                 </a:solidFill>
@@ -9539,7 +9425,7 @@
               <a:t>split </a:t>
             </a:r>
             <a:r>
-              <a:rPr lang="ko-KR" altLang="en-US" sz="4800" smtClean="0">
+              <a:rPr lang="ko-KR" altLang="en-US" sz="4800">
                 <a:solidFill>
                   <a:srgbClr val="4C50BC"/>
                 </a:solidFill>
@@ -9851,7 +9737,7 @@
           <p:cNvPr id="2" name="TextBox 1">
             <a:extLst>
               <a:ext uri="{FF2B5EF4-FFF2-40B4-BE49-F238E27FC236}">
-                <a16:creationId xmlns:a16="http://schemas.microsoft.com/office/drawing/2014/main" xmlns="" id="{5ADC00B6-990A-40DC-3CEA-505258F5E8DA}"/>
+                <a16:creationId xmlns:a16="http://schemas.microsoft.com/office/drawing/2014/main" id="{5ADC00B6-990A-40DC-3CEA-505258F5E8DA}"/>
               </a:ext>
             </a:extLst>
           </p:cNvPr>
@@ -9875,7 +9761,7 @@
           <a:lstStyle/>
           <a:p>
             <a:r>
-              <a:rPr lang="en-US" altLang="ko-KR" sz="4800" smtClean="0">
+              <a:rPr lang="en-US" altLang="ko-KR" sz="4800">
                 <a:solidFill>
                   <a:srgbClr val="4C50BC"/>
                 </a:solidFill>
@@ -9885,7 +9771,7 @@
               <a:t>String </a:t>
             </a:r>
             <a:r>
-              <a:rPr lang="ko-KR" altLang="en-US" sz="4800" smtClean="0">
+              <a:rPr lang="ko-KR" altLang="en-US" sz="4800">
                 <a:solidFill>
                   <a:srgbClr val="4C50BC"/>
                 </a:solidFill>
@@ -9895,7 +9781,7 @@
               <a:t>클래스 </a:t>
             </a:r>
             <a:r>
-              <a:rPr lang="en-US" altLang="ko-KR" sz="4800" smtClean="0">
+              <a:rPr lang="en-US" altLang="ko-KR" sz="4800">
                 <a:solidFill>
                   <a:srgbClr val="4C50BC"/>
                 </a:solidFill>
@@ -9905,7 +9791,7 @@
               <a:t>equals </a:t>
             </a:r>
             <a:r>
-              <a:rPr lang="ko-KR" altLang="en-US" sz="4800" smtClean="0">
+              <a:rPr lang="ko-KR" altLang="en-US" sz="4800">
                 <a:solidFill>
                   <a:srgbClr val="4C50BC"/>
                 </a:solidFill>
@@ -10003,7 +9889,7 @@
           <p:cNvPr id="5" name="직선 화살표 연결선 4">
             <a:extLst>
               <a:ext uri="{FF2B5EF4-FFF2-40B4-BE49-F238E27FC236}">
-                <a16:creationId xmlns:a16="http://schemas.microsoft.com/office/drawing/2014/main" xmlns="" id="{299DF5EC-9DF4-5255-06AC-0A7CE4FF58C3}"/>
+                <a16:creationId xmlns:a16="http://schemas.microsoft.com/office/drawing/2014/main" id="{299DF5EC-9DF4-5255-06AC-0A7CE4FF58C3}"/>
               </a:ext>
             </a:extLst>
           </p:cNvPr>
@@ -10044,7 +9930,7 @@
           <p:cNvPr id="6" name="TextBox 5">
             <a:extLst>
               <a:ext uri="{FF2B5EF4-FFF2-40B4-BE49-F238E27FC236}">
-                <a16:creationId xmlns:a16="http://schemas.microsoft.com/office/drawing/2014/main" xmlns="" id="{C6D113C6-EA5C-788F-0C77-E7CE6EBB865F}"/>
+                <a16:creationId xmlns:a16="http://schemas.microsoft.com/office/drawing/2014/main" id="{C6D113C6-EA5C-788F-0C77-E7CE6EBB865F}"/>
               </a:ext>
             </a:extLst>
           </p:cNvPr>
@@ -10068,7 +9954,7 @@
           <a:lstStyle/>
           <a:p>
             <a:r>
-              <a:rPr lang="ko-KR" altLang="en-US" sz="3600" smtClean="0">
+              <a:rPr lang="ko-KR" altLang="en-US" sz="3600">
                 <a:solidFill>
                   <a:srgbClr val="FF0000"/>
                 </a:solidFill>
@@ -10078,7 +9964,7 @@
               <a:t>경우에 따라서 </a:t>
             </a:r>
             <a:r>
-              <a:rPr lang="en-US" altLang="ko-KR" sz="3600" smtClean="0">
+              <a:rPr lang="en-US" altLang="ko-KR" sz="3600">
                 <a:solidFill>
                   <a:srgbClr val="FF0000"/>
                 </a:solidFill>
@@ -10088,7 +9974,7 @@
               <a:t>false</a:t>
             </a:r>
             <a:r>
-              <a:rPr lang="ko-KR" altLang="en-US" sz="3600" smtClean="0">
+              <a:rPr lang="ko-KR" altLang="en-US" sz="3600">
                 <a:solidFill>
                   <a:srgbClr val="FF0000"/>
                 </a:solidFill>
@@ -10098,7 +9984,7 @@
               <a:t>가 나올수 있다</a:t>
             </a:r>
             <a:r>
-              <a:rPr lang="en-US" altLang="ko-KR" sz="3600" smtClean="0">
+              <a:rPr lang="en-US" altLang="ko-KR" sz="3600">
                 <a:solidFill>
                   <a:srgbClr val="FF0000"/>
                 </a:solidFill>
@@ -10108,7 +9994,7 @@
               <a:t>. </a:t>
             </a:r>
             <a:r>
-              <a:rPr lang="ko-KR" altLang="en-US" sz="3600" smtClean="0">
+              <a:rPr lang="ko-KR" altLang="en-US" sz="3600">
                 <a:solidFill>
                   <a:srgbClr val="FF0000"/>
                 </a:solidFill>
@@ -10118,7 +10004,7 @@
               <a:t>자세한건 </a:t>
             </a:r>
             <a:r>
-              <a:rPr lang="en-US" altLang="ko-KR" sz="3600" smtClean="0">
+              <a:rPr lang="en-US" altLang="ko-KR" sz="3600">
                 <a:solidFill>
                   <a:srgbClr val="FF0000"/>
                 </a:solidFill>
@@ -10128,7 +10014,7 @@
               <a:t>java2</a:t>
             </a:r>
             <a:r>
-              <a:rPr lang="ko-KR" altLang="en-US" sz="3600" smtClean="0">
+              <a:rPr lang="ko-KR" altLang="en-US" sz="3600">
                 <a:solidFill>
                   <a:srgbClr val="FF0000"/>
                 </a:solidFill>
@@ -10138,7 +10024,7 @@
               <a:t>에서 다룬다</a:t>
             </a:r>
             <a:r>
-              <a:rPr lang="en-US" altLang="ko-KR" sz="3600" smtClean="0">
+              <a:rPr lang="en-US" altLang="ko-KR" sz="3600">
                 <a:solidFill>
                   <a:srgbClr val="FF0000"/>
                 </a:solidFill>
@@ -10186,7 +10072,7 @@
           <p:cNvPr id="9" name="그룹 1008">
             <a:extLst>
               <a:ext uri="{FF2B5EF4-FFF2-40B4-BE49-F238E27FC236}">
-                <a16:creationId xmlns:a16="http://schemas.microsoft.com/office/drawing/2014/main" xmlns="" id="{E395BDE3-2EDE-065D-70E8-56E348228ACF}"/>
+                <a16:creationId xmlns:a16="http://schemas.microsoft.com/office/drawing/2014/main" id="{E395BDE3-2EDE-065D-70E8-56E348228ACF}"/>
               </a:ext>
             </a:extLst>
           </p:cNvPr>
@@ -10206,7 +10092,7 @@
             <p:cNvPr id="10" name="그룹 1009">
               <a:extLst>
                 <a:ext uri="{FF2B5EF4-FFF2-40B4-BE49-F238E27FC236}">
-                  <a16:creationId xmlns:a16="http://schemas.microsoft.com/office/drawing/2014/main" xmlns="" id="{852F4DEB-DB33-DB3F-9E9F-52A46CD0B10A}"/>
+                  <a16:creationId xmlns:a16="http://schemas.microsoft.com/office/drawing/2014/main" id="{852F4DEB-DB33-DB3F-9E9F-52A46CD0B10A}"/>
                 </a:ext>
               </a:extLst>
             </p:cNvPr>
@@ -10226,7 +10112,7 @@
               <p:cNvPr id="15" name="Object 29">
                 <a:extLst>
                   <a:ext uri="{FF2B5EF4-FFF2-40B4-BE49-F238E27FC236}">
-                    <a16:creationId xmlns:a16="http://schemas.microsoft.com/office/drawing/2014/main" xmlns="" id="{7E353D3B-14D4-8A64-5888-3F0C062C2CDD}"/>
+                    <a16:creationId xmlns:a16="http://schemas.microsoft.com/office/drawing/2014/main" id="{7E353D3B-14D4-8A64-5888-3F0C062C2CDD}"/>
                   </a:ext>
                 </a:extLst>
               </p:cNvPr>
@@ -10257,7 +10143,7 @@
             <p:cNvPr id="11" name="그룹 1010">
               <a:extLst>
                 <a:ext uri="{FF2B5EF4-FFF2-40B4-BE49-F238E27FC236}">
-                  <a16:creationId xmlns:a16="http://schemas.microsoft.com/office/drawing/2014/main" xmlns="" id="{001E38AB-1390-ABD0-BE01-9727136FEAEE}"/>
+                  <a16:creationId xmlns:a16="http://schemas.microsoft.com/office/drawing/2014/main" id="{001E38AB-1390-ABD0-BE01-9727136FEAEE}"/>
                 </a:ext>
               </a:extLst>
             </p:cNvPr>
@@ -10277,7 +10163,7 @@
               <p:cNvPr id="14" name="Object 32">
                 <a:extLst>
                   <a:ext uri="{FF2B5EF4-FFF2-40B4-BE49-F238E27FC236}">
-                    <a16:creationId xmlns:a16="http://schemas.microsoft.com/office/drawing/2014/main" xmlns="" id="{2ED1C30F-0D0B-F86C-8215-2598D332B5A3}"/>
+                    <a16:creationId xmlns:a16="http://schemas.microsoft.com/office/drawing/2014/main" id="{2ED1C30F-0D0B-F86C-8215-2598D332B5A3}"/>
                   </a:ext>
                 </a:extLst>
               </p:cNvPr>
@@ -10308,7 +10194,7 @@
             <p:cNvPr id="12" name="그룹 1011">
               <a:extLst>
                 <a:ext uri="{FF2B5EF4-FFF2-40B4-BE49-F238E27FC236}">
-                  <a16:creationId xmlns:a16="http://schemas.microsoft.com/office/drawing/2014/main" xmlns="" id="{1BCB8DE5-ABAF-4198-BC16-85BB76F2DB24}"/>
+                  <a16:creationId xmlns:a16="http://schemas.microsoft.com/office/drawing/2014/main" id="{1BCB8DE5-ABAF-4198-BC16-85BB76F2DB24}"/>
                 </a:ext>
               </a:extLst>
             </p:cNvPr>
@@ -10328,7 +10214,7 @@
               <p:cNvPr id="13" name="Object 35">
                 <a:extLst>
                   <a:ext uri="{FF2B5EF4-FFF2-40B4-BE49-F238E27FC236}">
-                    <a16:creationId xmlns:a16="http://schemas.microsoft.com/office/drawing/2014/main" xmlns="" id="{86E7BA23-0A1E-B581-CADC-06AB269DB2BD}"/>
+                    <a16:creationId xmlns:a16="http://schemas.microsoft.com/office/drawing/2014/main" id="{86E7BA23-0A1E-B581-CADC-06AB269DB2BD}"/>
                   </a:ext>
                 </a:extLst>
               </p:cNvPr>
@@ -10360,7 +10246,7 @@
           <p:cNvPr id="16" name="직사각형 15">
             <a:extLst>
               <a:ext uri="{FF2B5EF4-FFF2-40B4-BE49-F238E27FC236}">
-                <a16:creationId xmlns:a16="http://schemas.microsoft.com/office/drawing/2014/main" xmlns="" id="{FFF506F9-840A-0508-4CAF-3AC711D8D5CE}"/>
+                <a16:creationId xmlns:a16="http://schemas.microsoft.com/office/drawing/2014/main" id="{FFF506F9-840A-0508-4CAF-3AC711D8D5CE}"/>
               </a:ext>
             </a:extLst>
           </p:cNvPr>
@@ -10711,7 +10597,7 @@
           <p:cNvPr id="4" name="TextBox 3">
             <a:extLst>
               <a:ext uri="{FF2B5EF4-FFF2-40B4-BE49-F238E27FC236}">
-                <a16:creationId xmlns:a16="http://schemas.microsoft.com/office/drawing/2014/main" xmlns="" id="{5ADC00B6-990A-40DC-3CEA-505258F5E8DA}"/>
+                <a16:creationId xmlns:a16="http://schemas.microsoft.com/office/drawing/2014/main" id="{5ADC00B6-990A-40DC-3CEA-505258F5E8DA}"/>
               </a:ext>
             </a:extLst>
           </p:cNvPr>
@@ -10762,7 +10648,7 @@
           <p:cNvPr id="5" name="TextBox 4">
             <a:extLst>
               <a:ext uri="{FF2B5EF4-FFF2-40B4-BE49-F238E27FC236}">
-                <a16:creationId xmlns="" xmlns:a16="http://schemas.microsoft.com/office/drawing/2014/main" id="{F0FF9E4E-0550-E648-378E-A52F5B0499D4}"/>
+                <a16:creationId xmlns:a16="http://schemas.microsoft.com/office/drawing/2014/main" id="{F0FF9E4E-0550-E648-378E-A52F5B0499D4}"/>
               </a:ext>
             </a:extLst>
           </p:cNvPr>
@@ -10786,7 +10672,7 @@
           <a:lstStyle/>
           <a:p>
             <a:r>
-              <a:rPr lang="en-US" altLang="ko-KR" sz="3200" smtClean="0">
+              <a:rPr lang="en-US" altLang="ko-KR" sz="3200">
                 <a:solidFill>
                   <a:srgbClr val="4C50BC"/>
                 </a:solidFill>
@@ -10796,62 +10682,25 @@
               <a:t>1-1 Person </a:t>
             </a:r>
             <a:r>
-              <a:rPr lang="ko-KR" altLang="en-US" sz="3200" smtClean="0">
+              <a:rPr lang="ko-KR" altLang="en-US" sz="3200">
                 <a:solidFill>
                   <a:srgbClr val="4C50BC"/>
                 </a:solidFill>
                 <a:latin typeface="G마켓 산스 Medium" panose="02000000000000000000" pitchFamily="50" charset="-127"/>
                 <a:ea typeface="G마켓 산스 Medium" panose="02000000000000000000" pitchFamily="50" charset="-127"/>
               </a:rPr>
-              <a:t>클래스를 만들어 </a:t>
-            </a:r>
-            <a:r>
-              <a:rPr lang="ko-KR" altLang="en-US" sz="3200" smtClean="0">
-                <a:solidFill>
-                  <a:srgbClr val="4C50BC"/>
-                </a:solidFill>
-                <a:latin typeface="G마켓 산스 Medium" panose="02000000000000000000" pitchFamily="50" charset="-127"/>
-                <a:ea typeface="G마켓 산스 Medium" panose="02000000000000000000" pitchFamily="50" charset="-127"/>
-              </a:rPr>
-              <a:t>사용해보자</a:t>
-            </a:r>
-            <a:r>
-              <a:rPr lang="en-US" altLang="ko-KR" sz="3200" smtClean="0">
+              <a:t>클래스를 만들어 사용해보자</a:t>
+            </a:r>
+            <a:r>
+              <a:rPr lang="en-US" altLang="ko-KR" sz="3200">
                 <a:solidFill>
                   <a:srgbClr val="FF0000"/>
                 </a:solidFill>
                 <a:latin typeface="G마켓 산스 Medium" panose="02000000000000000000" pitchFamily="50" charset="-127"/>
                 <a:ea typeface="G마켓 산스 Medium" panose="02000000000000000000" pitchFamily="50" charset="-127"/>
               </a:rPr>
-              <a:t>(</a:t>
-            </a:r>
-            <a:r>
-              <a:rPr lang="en-US" altLang="ko-KR" sz="3200" smtClean="0">
-                <a:solidFill>
-                  <a:srgbClr val="FF0000"/>
-                </a:solidFill>
-                <a:latin typeface="G마켓 산스 Medium" panose="02000000000000000000" pitchFamily="50" charset="-127"/>
-                <a:ea typeface="G마켓 산스 Medium" panose="02000000000000000000" pitchFamily="50" charset="-127"/>
-              </a:rPr>
-              <a:t>normal</a:t>
-            </a:r>
-            <a:r>
-              <a:rPr lang="en-US" altLang="ko-KR" sz="3200" smtClean="0">
-                <a:solidFill>
-                  <a:srgbClr val="FF0000"/>
-                </a:solidFill>
-                <a:latin typeface="G마켓 산스 Medium" panose="02000000000000000000" pitchFamily="50" charset="-127"/>
-                <a:ea typeface="G마켓 산스 Medium" panose="02000000000000000000" pitchFamily="50" charset="-127"/>
-              </a:rPr>
-              <a:t>)</a:t>
-            </a:r>
-            <a:endParaRPr lang="en-US" altLang="ko-KR" sz="3200" smtClean="0">
-              <a:solidFill>
-                <a:srgbClr val="FF0000"/>
-              </a:solidFill>
-              <a:latin typeface="G마켓 산스 Medium" panose="02000000000000000000" pitchFamily="50" charset="-127"/>
-              <a:ea typeface="G마켓 산스 Medium" panose="02000000000000000000" pitchFamily="50" charset="-127"/>
-            </a:endParaRPr>
+              <a:t>(normal)</a:t>
+            </a:r>
           </a:p>
           <a:p>
             <a:r>
@@ -10864,10 +10713,10 @@
                 <a:latin typeface="G마켓 산스 Medium" panose="02000000000000000000" pitchFamily="50" charset="-127"/>
                 <a:ea typeface="G마켓 산스 Medium" panose="02000000000000000000" pitchFamily="50" charset="-127"/>
               </a:rPr>
-              <a:t> </a:t>
-            </a:r>
-            <a:r>
-              <a:rPr lang="en-US" altLang="ko-KR" sz="3200" smtClean="0">
+              <a:t>   - </a:t>
+            </a:r>
+            <a:r>
+              <a:rPr lang="ko-KR" altLang="en-US" sz="3200">
                 <a:solidFill>
                   <a:schemeClr val="bg1">
                     <a:lumMod val="50000"/>
@@ -10876,10 +10725,10 @@
                 <a:latin typeface="G마켓 산스 Medium" panose="02000000000000000000" pitchFamily="50" charset="-127"/>
                 <a:ea typeface="G마켓 산스 Medium" panose="02000000000000000000" pitchFamily="50" charset="-127"/>
               </a:rPr>
-              <a:t>  - </a:t>
-            </a:r>
-            <a:r>
-              <a:rPr lang="ko-KR" altLang="en-US" sz="3200" smtClean="0">
+              <a:t>멤버변수 </a:t>
+            </a:r>
+            <a:r>
+              <a:rPr lang="en-US" altLang="ko-KR" sz="3200">
                 <a:solidFill>
                   <a:schemeClr val="bg1">
                     <a:lumMod val="50000"/>
@@ -10888,10 +10737,10 @@
                 <a:latin typeface="G마켓 산스 Medium" panose="02000000000000000000" pitchFamily="50" charset="-127"/>
                 <a:ea typeface="G마켓 산스 Medium" panose="02000000000000000000" pitchFamily="50" charset="-127"/>
               </a:rPr>
-              <a:t>멤버변수 </a:t>
-            </a:r>
-            <a:r>
-              <a:rPr lang="en-US" altLang="ko-KR" sz="3200" smtClean="0">
+              <a:t>: String name ( </a:t>
+            </a:r>
+            <a:r>
+              <a:rPr lang="ko-KR" altLang="en-US" sz="3200">
                 <a:solidFill>
                   <a:schemeClr val="bg1">
                     <a:lumMod val="50000"/>
@@ -10900,10 +10749,10 @@
                 <a:latin typeface="G마켓 산스 Medium" panose="02000000000000000000" pitchFamily="50" charset="-127"/>
                 <a:ea typeface="G마켓 산스 Medium" panose="02000000000000000000" pitchFamily="50" charset="-127"/>
               </a:rPr>
-              <a:t>: String name ( </a:t>
-            </a:r>
-            <a:r>
-              <a:rPr lang="ko-KR" altLang="en-US" sz="3200" smtClean="0">
+              <a:t>이름</a:t>
+            </a:r>
+            <a:r>
+              <a:rPr lang="en-US" altLang="ko-KR" sz="3200">
                 <a:solidFill>
                   <a:schemeClr val="bg1">
                     <a:lumMod val="50000"/>
@@ -10912,10 +10761,12 @@
                 <a:latin typeface="G마켓 산스 Medium" panose="02000000000000000000" pitchFamily="50" charset="-127"/>
                 <a:ea typeface="G마켓 산스 Medium" panose="02000000000000000000" pitchFamily="50" charset="-127"/>
               </a:rPr>
-              <a:t>이름</a:t>
-            </a:r>
-            <a:r>
-              <a:rPr lang="en-US" altLang="ko-KR" sz="3200" smtClean="0">
+              <a:t>)</a:t>
+            </a:r>
+          </a:p>
+          <a:p>
+            <a:r>
+              <a:rPr lang="en-US" altLang="ko-KR" sz="3200">
                 <a:solidFill>
                   <a:schemeClr val="bg1">
                     <a:lumMod val="50000"/>
@@ -10924,12 +10775,10 @@
                 <a:latin typeface="G마켓 산스 Medium" panose="02000000000000000000" pitchFamily="50" charset="-127"/>
                 <a:ea typeface="G마켓 산스 Medium" panose="02000000000000000000" pitchFamily="50" charset="-127"/>
               </a:rPr>
-              <a:t>)</a:t>
-            </a:r>
-          </a:p>
-          <a:p>
-            <a:r>
-              <a:rPr lang="en-US" altLang="ko-KR" sz="3200">
+              <a:t>                      String  RRN  (</a:t>
+            </a:r>
+            <a:r>
+              <a:rPr lang="ko-KR" altLang="en-US" sz="3200">
                 <a:solidFill>
                   <a:schemeClr val="bg1">
                     <a:lumMod val="50000"/>
@@ -10938,34 +10787,10 @@
                 <a:latin typeface="G마켓 산스 Medium" panose="02000000000000000000" pitchFamily="50" charset="-127"/>
                 <a:ea typeface="G마켓 산스 Medium" panose="02000000000000000000" pitchFamily="50" charset="-127"/>
               </a:rPr>
-              <a:t> </a:t>
-            </a:r>
-            <a:r>
-              <a:rPr lang="en-US" altLang="ko-KR" sz="3200" smtClean="0">
-                <a:solidFill>
-                  <a:schemeClr val="bg1">
-                    <a:lumMod val="50000"/>
-                  </a:schemeClr>
-                </a:solidFill>
-                <a:latin typeface="G마켓 산스 Medium" panose="02000000000000000000" pitchFamily="50" charset="-127"/>
-                <a:ea typeface="G마켓 산스 Medium" panose="02000000000000000000" pitchFamily="50" charset="-127"/>
-              </a:rPr>
-              <a:t>                     String  RRN  (</a:t>
-            </a:r>
-            <a:r>
-              <a:rPr lang="ko-KR" altLang="en-US" sz="3200" smtClean="0">
-                <a:solidFill>
-                  <a:schemeClr val="bg1">
-                    <a:lumMod val="50000"/>
-                  </a:schemeClr>
-                </a:solidFill>
-                <a:latin typeface="G마켓 산스 Medium" panose="02000000000000000000" pitchFamily="50" charset="-127"/>
-                <a:ea typeface="G마켓 산스 Medium" panose="02000000000000000000" pitchFamily="50" charset="-127"/>
-              </a:rPr>
               <a:t>주민번호</a:t>
             </a:r>
             <a:r>
-              <a:rPr lang="en-US" altLang="ko-KR" sz="3200" smtClean="0">
+              <a:rPr lang="en-US" altLang="ko-KR" sz="3200">
                 <a:solidFill>
                   <a:schemeClr val="bg1">
                     <a:lumMod val="50000"/>
@@ -11037,13 +10862,6 @@
   <p:clrMapOvr>
     <a:masterClrMapping/>
   </p:clrMapOvr>
-  <p:timing>
-    <p:tnLst>
-      <p:par>
-        <p:cTn id="1" dur="indefinite" restart="never" nodeType="tmRoot"/>
-      </p:par>
-    </p:tnLst>
-  </p:timing>
 </p:sld>
 </file>
 
@@ -11069,7 +10887,7 @@
           <p:cNvPr id="4" name="TextBox 3">
             <a:extLst>
               <a:ext uri="{FF2B5EF4-FFF2-40B4-BE49-F238E27FC236}">
-                <a16:creationId xmlns:a16="http://schemas.microsoft.com/office/drawing/2014/main" xmlns="" id="{5ADC00B6-990A-40DC-3CEA-505258F5E8DA}"/>
+                <a16:creationId xmlns:a16="http://schemas.microsoft.com/office/drawing/2014/main" id="{5ADC00B6-990A-40DC-3CEA-505258F5E8DA}"/>
               </a:ext>
             </a:extLst>
           </p:cNvPr>
@@ -11093,7 +10911,7 @@
           <a:lstStyle/>
           <a:p>
             <a:r>
-              <a:rPr lang="ko-KR" altLang="en-US" sz="4800" smtClean="0">
+              <a:rPr lang="ko-KR" altLang="en-US" sz="4800">
                 <a:solidFill>
                   <a:srgbClr val="4C50BC"/>
                 </a:solidFill>
@@ -11141,7 +10959,7 @@
           <p:cNvPr id="6" name="TextBox 5">
             <a:extLst>
               <a:ext uri="{FF2B5EF4-FFF2-40B4-BE49-F238E27FC236}">
-                <a16:creationId xmlns:a16="http://schemas.microsoft.com/office/drawing/2014/main" xmlns="" id="{C6D113C6-EA5C-788F-0C77-E7CE6EBB865F}"/>
+                <a16:creationId xmlns:a16="http://schemas.microsoft.com/office/drawing/2014/main" id="{C6D113C6-EA5C-788F-0C77-E7CE6EBB865F}"/>
               </a:ext>
             </a:extLst>
           </p:cNvPr>
@@ -11165,7 +10983,7 @@
           <a:lstStyle/>
           <a:p>
             <a:r>
-              <a:rPr lang="ko-KR" altLang="en-US" sz="3600" smtClean="0">
+              <a:rPr lang="ko-KR" altLang="en-US" sz="3600">
                 <a:solidFill>
                   <a:srgbClr val="FF0000"/>
                 </a:solidFill>
@@ -11175,7 +10993,7 @@
               <a:t>외부에서 쓰기 위해선 멤버변수</a:t>
             </a:r>
             <a:r>
-              <a:rPr lang="en-US" altLang="ko-KR" sz="3600" smtClean="0">
+              <a:rPr lang="en-US" altLang="ko-KR" sz="3600">
                 <a:solidFill>
                   <a:srgbClr val="FF0000"/>
                 </a:solidFill>
@@ -11185,7 +11003,7 @@
               <a:t>(</a:t>
             </a:r>
             <a:r>
-              <a:rPr lang="ko-KR" altLang="en-US" sz="3600" smtClean="0">
+              <a:rPr lang="ko-KR" altLang="en-US" sz="3600">
                 <a:solidFill>
                   <a:srgbClr val="FF0000"/>
                 </a:solidFill>
@@ -11195,7 +11013,7 @@
               <a:t>인스턴스변수</a:t>
             </a:r>
             <a:r>
-              <a:rPr lang="en-US" altLang="ko-KR" sz="3600" smtClean="0">
+              <a:rPr lang="en-US" altLang="ko-KR" sz="3600">
                 <a:solidFill>
                   <a:srgbClr val="FF0000"/>
                 </a:solidFill>
@@ -11205,7 +11023,7 @@
               <a:t>)</a:t>
             </a:r>
             <a:r>
-              <a:rPr lang="ko-KR" altLang="en-US" sz="3600" smtClean="0">
+              <a:rPr lang="ko-KR" altLang="en-US" sz="3600">
                 <a:solidFill>
                   <a:srgbClr val="FF0000"/>
                 </a:solidFill>
@@ -11215,7 +11033,7 @@
               <a:t>로 선언해야 된다</a:t>
             </a:r>
             <a:r>
-              <a:rPr lang="en-US" altLang="ko-KR" sz="3600" smtClean="0">
+              <a:rPr lang="en-US" altLang="ko-KR" sz="3600">
                 <a:solidFill>
                   <a:srgbClr val="FF0000"/>
                 </a:solidFill>
@@ -11239,7 +11057,7 @@
           <p:cNvPr id="7" name="직선 화살표 연결선 6">
             <a:extLst>
               <a:ext uri="{FF2B5EF4-FFF2-40B4-BE49-F238E27FC236}">
-                <a16:creationId xmlns:a16="http://schemas.microsoft.com/office/drawing/2014/main" xmlns="" id="{299DF5EC-9DF4-5255-06AC-0A7CE4FF58C3}"/>
+                <a16:creationId xmlns:a16="http://schemas.microsoft.com/office/drawing/2014/main" id="{299DF5EC-9DF4-5255-06AC-0A7CE4FF58C3}"/>
               </a:ext>
             </a:extLst>
           </p:cNvPr>
@@ -11280,7 +11098,7 @@
           <p:cNvPr id="9" name="직사각형 8">
             <a:extLst>
               <a:ext uri="{FF2B5EF4-FFF2-40B4-BE49-F238E27FC236}">
-                <a16:creationId xmlns="" xmlns:a16="http://schemas.microsoft.com/office/drawing/2014/main" id="{361FA442-8171-4EBF-65A2-19C90654959D}"/>
+                <a16:creationId xmlns:a16="http://schemas.microsoft.com/office/drawing/2014/main" id="{361FA442-8171-4EBF-65A2-19C90654959D}"/>
               </a:ext>
             </a:extLst>
           </p:cNvPr>
@@ -11440,7 +11258,7 @@
           <p:cNvPr id="4" name="TextBox 3">
             <a:extLst>
               <a:ext uri="{FF2B5EF4-FFF2-40B4-BE49-F238E27FC236}">
-                <a16:creationId xmlns="" xmlns:a16="http://schemas.microsoft.com/office/drawing/2014/main" id="{F0FF9E4E-0550-E648-378E-A52F5B0499D4}"/>
+                <a16:creationId xmlns:a16="http://schemas.microsoft.com/office/drawing/2014/main" id="{F0FF9E4E-0550-E648-378E-A52F5B0499D4}"/>
               </a:ext>
             </a:extLst>
           </p:cNvPr>
@@ -11464,7 +11282,7 @@
           <a:lstStyle/>
           <a:p>
             <a:r>
-              <a:rPr lang="en-US" altLang="ko-KR" sz="3200" smtClean="0">
+              <a:rPr lang="en-US" altLang="ko-KR" sz="3200">
                 <a:solidFill>
                   <a:srgbClr val="4C50BC"/>
                 </a:solidFill>
@@ -11474,7 +11292,7 @@
               <a:t>1-2 </a:t>
             </a:r>
             <a:r>
-              <a:rPr lang="ko-KR" altLang="en-US" sz="3200" smtClean="0">
+              <a:rPr lang="ko-KR" altLang="en-US" sz="3200">
                 <a:solidFill>
                   <a:srgbClr val="4C50BC"/>
                 </a:solidFill>
@@ -11484,7 +11302,7 @@
               <a:t>앞서 만든 </a:t>
             </a:r>
             <a:r>
-              <a:rPr lang="en-US" altLang="ko-KR" sz="3200" smtClean="0">
+              <a:rPr lang="en-US" altLang="ko-KR" sz="3200">
                 <a:solidFill>
                   <a:srgbClr val="4C50BC"/>
                 </a:solidFill>
@@ -11494,27 +11312,17 @@
               <a:t>Person </a:t>
             </a:r>
             <a:r>
-              <a:rPr lang="ko-KR" altLang="en-US" sz="3200" smtClean="0">
+              <a:rPr lang="ko-KR" altLang="en-US" sz="3200">
                 <a:solidFill>
                   <a:srgbClr val="4C50BC"/>
                 </a:solidFill>
                 <a:latin typeface="G마켓 산스 Medium" panose="02000000000000000000" pitchFamily="50" charset="-127"/>
                 <a:ea typeface="G마켓 산스 Medium" panose="02000000000000000000" pitchFamily="50" charset="-127"/>
               </a:rPr>
-              <a:t>클래스에 기능을 </a:t>
-            </a:r>
-            <a:r>
-              <a:rPr lang="ko-KR" altLang="en-US" sz="3200" smtClean="0">
-                <a:solidFill>
-                  <a:srgbClr val="4C50BC"/>
-                </a:solidFill>
-                <a:latin typeface="G마켓 산스 Medium" panose="02000000000000000000" pitchFamily="50" charset="-127"/>
-                <a:ea typeface="G마켓 산스 Medium" panose="02000000000000000000" pitchFamily="50" charset="-127"/>
-              </a:rPr>
-              <a:t>추가해보자</a:t>
-            </a:r>
-            <a:r>
-              <a:rPr lang="en-US" altLang="ko-KR" sz="3200" smtClean="0">
+              <a:t>클래스에 기능을 추가해보자</a:t>
+            </a:r>
+            <a:r>
+              <a:rPr lang="en-US" altLang="ko-KR" sz="3200">
                 <a:solidFill>
                   <a:srgbClr val="FF0000"/>
                 </a:solidFill>
@@ -11523,17 +11331,10 @@
               </a:rPr>
               <a:t>(hard)</a:t>
             </a:r>
-            <a:endParaRPr lang="en-US" altLang="ko-KR" sz="3200" smtClean="0">
-              <a:solidFill>
-                <a:srgbClr val="FF0000"/>
-              </a:solidFill>
-              <a:latin typeface="G마켓 산스 Medium" panose="02000000000000000000" pitchFamily="50" charset="-127"/>
-              <a:ea typeface="G마켓 산스 Medium" panose="02000000000000000000" pitchFamily="50" charset="-127"/>
-            </a:endParaRPr>
           </a:p>
           <a:p>
             <a:r>
-              <a:rPr lang="en-US" altLang="ko-KR" sz="3200" smtClean="0">
+              <a:rPr lang="en-US" altLang="ko-KR" sz="3200">
                 <a:solidFill>
                   <a:schemeClr val="bg1">
                     <a:lumMod val="50000"/>
@@ -11545,7 +11346,7 @@
               <a:t>-  </a:t>
             </a:r>
             <a:r>
-              <a:rPr lang="ko-KR" altLang="en-US" sz="3200" smtClean="0">
+              <a:rPr lang="ko-KR" altLang="en-US" sz="3200">
                 <a:solidFill>
                   <a:schemeClr val="bg1">
                     <a:lumMod val="50000"/>
@@ -11557,7 +11358,7 @@
               <a:t>멤버 메서드 </a:t>
             </a:r>
             <a:r>
-              <a:rPr lang="en-US" altLang="ko-KR" sz="3200" smtClean="0">
+              <a:rPr lang="en-US" altLang="ko-KR" sz="3200">
                 <a:solidFill>
                   <a:schemeClr val="bg1">
                     <a:lumMod val="50000"/>
@@ -11569,7 +11370,7 @@
               <a:t>: void showState()          </a:t>
             </a:r>
             <a:r>
-              <a:rPr lang="ko-KR" altLang="en-US" sz="3200" smtClean="0">
+              <a:rPr lang="ko-KR" altLang="en-US" sz="3200">
                 <a:solidFill>
                   <a:schemeClr val="bg1">
                     <a:lumMod val="50000"/>
@@ -11580,7 +11381,7 @@
               </a:rPr>
               <a:t>이름과 주민번호를 출력한다</a:t>
             </a:r>
-            <a:endParaRPr lang="en-US" altLang="ko-KR" sz="3200" smtClean="0">
+            <a:endParaRPr lang="en-US" altLang="ko-KR" sz="3200">
               <a:solidFill>
                 <a:schemeClr val="bg1">
                   <a:lumMod val="50000"/>
@@ -11601,10 +11402,10 @@
                 <a:latin typeface="G마켓 산스 Medium" panose="02000000000000000000" pitchFamily="50" charset="-127"/>
                 <a:ea typeface="G마켓 산스 Medium" panose="02000000000000000000" pitchFamily="50" charset="-127"/>
               </a:rPr>
-              <a:t> </a:t>
-            </a:r>
-            <a:r>
-              <a:rPr lang="en-US" altLang="ko-KR" sz="3200" smtClean="0">
+              <a:t>                         String getGender()     </a:t>
+            </a:r>
+            <a:r>
+              <a:rPr lang="ko-KR" altLang="en-US" sz="3200">
                 <a:solidFill>
                   <a:schemeClr val="bg1">
                     <a:lumMod val="50000"/>
@@ -11613,70 +11414,10 @@
                 <a:latin typeface="G마켓 산스 Medium" panose="02000000000000000000" pitchFamily="50" charset="-127"/>
                 <a:ea typeface="G마켓 산스 Medium" panose="02000000000000000000" pitchFamily="50" charset="-127"/>
               </a:rPr>
-              <a:t>                        </a:t>
-            </a:r>
-            <a:r>
-              <a:rPr lang="en-US" altLang="ko-KR" sz="3200" smtClean="0">
-                <a:solidFill>
-                  <a:schemeClr val="bg1">
-                    <a:lumMod val="50000"/>
-                  </a:schemeClr>
-                </a:solidFill>
-                <a:latin typeface="G마켓 산스 Medium" panose="02000000000000000000" pitchFamily="50" charset="-127"/>
-                <a:ea typeface="G마켓 산스 Medium" panose="02000000000000000000" pitchFamily="50" charset="-127"/>
-              </a:rPr>
-              <a:t>String </a:t>
-            </a:r>
-            <a:r>
-              <a:rPr lang="en-US" altLang="ko-KR" sz="3200" smtClean="0">
-                <a:solidFill>
-                  <a:schemeClr val="bg1">
-                    <a:lumMod val="50000"/>
-                  </a:schemeClr>
-                </a:solidFill>
-                <a:latin typeface="G마켓 산스 Medium" panose="02000000000000000000" pitchFamily="50" charset="-127"/>
-                <a:ea typeface="G마켓 산스 Medium" panose="02000000000000000000" pitchFamily="50" charset="-127"/>
-              </a:rPr>
-              <a:t>getGender()</a:t>
+              <a:t>주민번호를 이용해 성별을 반환한다</a:t>
             </a:r>
             <a:r>
               <a:rPr lang="en-US" altLang="ko-KR" sz="3200">
-                <a:solidFill>
-                  <a:schemeClr val="bg1">
-                    <a:lumMod val="50000"/>
-                  </a:schemeClr>
-                </a:solidFill>
-                <a:latin typeface="G마켓 산스 Medium" panose="02000000000000000000" pitchFamily="50" charset="-127"/>
-                <a:ea typeface="G마켓 산스 Medium" panose="02000000000000000000" pitchFamily="50" charset="-127"/>
-              </a:rPr>
-              <a:t> </a:t>
-            </a:r>
-            <a:r>
-              <a:rPr lang="en-US" altLang="ko-KR" sz="3200" smtClean="0">
-                <a:solidFill>
-                  <a:schemeClr val="bg1">
-                    <a:lumMod val="50000"/>
-                  </a:schemeClr>
-                </a:solidFill>
-                <a:latin typeface="G마켓 산스 Medium" panose="02000000000000000000" pitchFamily="50" charset="-127"/>
-                <a:ea typeface="G마켓 산스 Medium" panose="02000000000000000000" pitchFamily="50" charset="-127"/>
-              </a:rPr>
-              <a:t>    </a:t>
-            </a:r>
-            <a:r>
-              <a:rPr lang="ko-KR" altLang="en-US" sz="3200" smtClean="0">
-                <a:solidFill>
-                  <a:schemeClr val="bg1">
-                    <a:lumMod val="50000"/>
-                  </a:schemeClr>
-                </a:solidFill>
-                <a:latin typeface="G마켓 산스 Medium" panose="02000000000000000000" pitchFamily="50" charset="-127"/>
-                <a:ea typeface="G마켓 산스 Medium" panose="02000000000000000000" pitchFamily="50" charset="-127"/>
-              </a:rPr>
-              <a:t>주민번호를 이용해 성별을 반환한다</a:t>
-            </a:r>
-            <a:r>
-              <a:rPr lang="en-US" altLang="ko-KR" sz="3200" smtClean="0">
                 <a:solidFill>
                   <a:schemeClr val="bg1">
                     <a:lumMod val="50000"/>
@@ -11694,7 +11435,7 @@
               <a:buChar char="-"/>
             </a:pPr>
             <a:r>
-              <a:rPr lang="ko-KR" altLang="en-US" sz="3200" smtClean="0">
+              <a:rPr lang="ko-KR" altLang="en-US" sz="3200">
                 <a:solidFill>
                   <a:schemeClr val="bg1">
                     <a:lumMod val="50000"/>
@@ -11706,7 +11447,7 @@
               <a:t>앞서만든 </a:t>
             </a:r>
             <a:r>
-              <a:rPr lang="en-US" altLang="ko-KR" sz="3200" smtClean="0">
+              <a:rPr lang="en-US" altLang="ko-KR" sz="3200">
                 <a:solidFill>
                   <a:schemeClr val="bg1">
                     <a:lumMod val="50000"/>
@@ -11718,7 +11459,7 @@
               <a:t>showState </a:t>
             </a:r>
             <a:r>
-              <a:rPr lang="ko-KR" altLang="en-US" sz="3200" smtClean="0">
+              <a:rPr lang="ko-KR" altLang="en-US" sz="3200">
                 <a:solidFill>
                   <a:schemeClr val="bg1">
                     <a:lumMod val="50000"/>
@@ -11730,7 +11471,7 @@
               <a:t>메서드 내부에서 </a:t>
             </a:r>
             <a:r>
-              <a:rPr lang="en-US" altLang="ko-KR" sz="3200" smtClean="0">
+              <a:rPr lang="en-US" altLang="ko-KR" sz="3200">
                 <a:solidFill>
                   <a:schemeClr val="bg1">
                     <a:lumMod val="50000"/>
@@ -11742,7 +11483,7 @@
               <a:t>getGender() </a:t>
             </a:r>
             <a:r>
-              <a:rPr lang="ko-KR" altLang="en-US" sz="3200" smtClean="0">
+              <a:rPr lang="ko-KR" altLang="en-US" sz="3200">
                 <a:solidFill>
                   <a:schemeClr val="bg1">
                     <a:lumMod val="50000"/>
@@ -11753,7 +11494,7 @@
               </a:rPr>
               <a:t>메서드를 이용해 성별도 같이 </a:t>
             </a:r>
-            <a:endParaRPr lang="en-US" altLang="ko-KR" sz="3200" smtClean="0">
+            <a:endParaRPr lang="en-US" altLang="ko-KR" sz="3200">
               <a:solidFill>
                 <a:schemeClr val="bg1">
                   <a:lumMod val="50000"/>
@@ -11774,10 +11515,10 @@
                 <a:latin typeface="G마켓 산스 Medium" panose="02000000000000000000" pitchFamily="50" charset="-127"/>
                 <a:ea typeface="G마켓 산스 Medium" panose="02000000000000000000" pitchFamily="50" charset="-127"/>
               </a:rPr>
-              <a:t> </a:t>
-            </a:r>
-            <a:r>
-              <a:rPr lang="en-US" altLang="ko-KR" sz="3200" smtClean="0">
+              <a:t>    </a:t>
+            </a:r>
+            <a:r>
+              <a:rPr lang="ko-KR" altLang="en-US" sz="3200">
                 <a:solidFill>
                   <a:schemeClr val="bg1">
                     <a:lumMod val="50000"/>
@@ -11786,21 +11527,9 @@
                 <a:latin typeface="G마켓 산스 Medium" panose="02000000000000000000" pitchFamily="50" charset="-127"/>
                 <a:ea typeface="G마켓 산스 Medium" panose="02000000000000000000" pitchFamily="50" charset="-127"/>
               </a:rPr>
-              <a:t>   </a:t>
-            </a:r>
-            <a:r>
-              <a:rPr lang="ko-KR" altLang="en-US" sz="3200" smtClean="0">
-                <a:solidFill>
-                  <a:schemeClr val="bg1">
-                    <a:lumMod val="50000"/>
-                  </a:schemeClr>
-                </a:solidFill>
-                <a:latin typeface="G마켓 산스 Medium" panose="02000000000000000000" pitchFamily="50" charset="-127"/>
-                <a:ea typeface="G마켓 산스 Medium" panose="02000000000000000000" pitchFamily="50" charset="-127"/>
-              </a:rPr>
               <a:t>나오도록 하자</a:t>
             </a:r>
-            <a:endParaRPr lang="en-US" altLang="ko-KR" sz="3200" smtClean="0">
+            <a:endParaRPr lang="en-US" altLang="ko-KR" sz="3200">
               <a:solidFill>
                 <a:srgbClr val="4C50BC"/>
               </a:solidFill>
@@ -11885,13 +11614,6 @@
   <p:clrMapOvr>
     <a:masterClrMapping/>
   </p:clrMapOvr>
-  <p:timing>
-    <p:tnLst>
-      <p:par>
-        <p:cTn id="1" dur="indefinite" restart="never" nodeType="tmRoot"/>
-      </p:par>
-    </p:tnLst>
-  </p:timing>
 </p:sld>
 </file>
 
@@ -11941,7 +11663,7 @@
           <p:cNvPr id="4" name="TextBox 3">
             <a:extLst>
               <a:ext uri="{FF2B5EF4-FFF2-40B4-BE49-F238E27FC236}">
-                <a16:creationId xmlns:a16="http://schemas.microsoft.com/office/drawing/2014/main" xmlns="" id="{5ADC00B6-990A-40DC-3CEA-505258F5E8DA}"/>
+                <a16:creationId xmlns:a16="http://schemas.microsoft.com/office/drawing/2014/main" id="{5ADC00B6-990A-40DC-3CEA-505258F5E8DA}"/>
               </a:ext>
             </a:extLst>
           </p:cNvPr>
@@ -11965,7 +11687,7 @@
           <a:lstStyle/>
           <a:p>
             <a:r>
-              <a:rPr lang="ko-KR" altLang="en-US" sz="4800" smtClean="0">
+              <a:rPr lang="ko-KR" altLang="en-US" sz="4800">
                 <a:solidFill>
                   <a:srgbClr val="4C50BC"/>
                 </a:solidFill>
@@ -11989,7 +11711,7 @@
           <p:cNvPr id="6" name="TextBox 5">
             <a:extLst>
               <a:ext uri="{FF2B5EF4-FFF2-40B4-BE49-F238E27FC236}">
-                <a16:creationId xmlns:a16="http://schemas.microsoft.com/office/drawing/2014/main" xmlns="" id="{C6D113C6-EA5C-788F-0C77-E7CE6EBB865F}"/>
+                <a16:creationId xmlns:a16="http://schemas.microsoft.com/office/drawing/2014/main" id="{C6D113C6-EA5C-788F-0C77-E7CE6EBB865F}"/>
               </a:ext>
             </a:extLst>
           </p:cNvPr>
@@ -12013,7 +11735,7 @@
           <a:lstStyle/>
           <a:p>
             <a:r>
-              <a:rPr lang="ko-KR" altLang="en-US" sz="3600" smtClean="0">
+              <a:rPr lang="ko-KR" altLang="en-US" sz="3600">
                 <a:solidFill>
                   <a:srgbClr val="FF0000"/>
                 </a:solidFill>
@@ -12023,7 +11745,7 @@
               <a:t>주민번호에서 성별 부분만 잘라낸다</a:t>
             </a:r>
             <a:r>
-              <a:rPr lang="en-US" altLang="ko-KR" sz="3600" smtClean="0">
+              <a:rPr lang="en-US" altLang="ko-KR" sz="3600">
                 <a:solidFill>
                   <a:srgbClr val="FF0000"/>
                 </a:solidFill>
@@ -12047,7 +11769,7 @@
           <p:cNvPr id="7" name="직선 화살표 연결선 6">
             <a:extLst>
               <a:ext uri="{FF2B5EF4-FFF2-40B4-BE49-F238E27FC236}">
-                <a16:creationId xmlns:a16="http://schemas.microsoft.com/office/drawing/2014/main" xmlns="" id="{299DF5EC-9DF4-5255-06AC-0A7CE4FF58C3}"/>
+                <a16:creationId xmlns:a16="http://schemas.microsoft.com/office/drawing/2014/main" id="{299DF5EC-9DF4-5255-06AC-0A7CE4FF58C3}"/>
               </a:ext>
             </a:extLst>
           </p:cNvPr>
@@ -12111,7 +11833,7 @@
           <p:cNvPr id="10" name="TextBox 9">
             <a:extLst>
               <a:ext uri="{FF2B5EF4-FFF2-40B4-BE49-F238E27FC236}">
-                <a16:creationId xmlns:a16="http://schemas.microsoft.com/office/drawing/2014/main" xmlns="" id="{C6D113C6-EA5C-788F-0C77-E7CE6EBB865F}"/>
+                <a16:creationId xmlns:a16="http://schemas.microsoft.com/office/drawing/2014/main" id="{C6D113C6-EA5C-788F-0C77-E7CE6EBB865F}"/>
               </a:ext>
             </a:extLst>
           </p:cNvPr>
@@ -12135,7 +11857,7 @@
           <a:lstStyle/>
           <a:p>
             <a:r>
-              <a:rPr lang="ko-KR" altLang="en-US" sz="3600" smtClean="0">
+              <a:rPr lang="ko-KR" altLang="en-US" sz="3600">
                 <a:solidFill>
                   <a:srgbClr val="FF0000"/>
                 </a:solidFill>
@@ -12159,7 +11881,7 @@
           <p:cNvPr id="11" name="직선 화살표 연결선 10">
             <a:extLst>
               <a:ext uri="{FF2B5EF4-FFF2-40B4-BE49-F238E27FC236}">
-                <a16:creationId xmlns:a16="http://schemas.microsoft.com/office/drawing/2014/main" xmlns="" id="{299DF5EC-9DF4-5255-06AC-0A7CE4FF58C3}"/>
+                <a16:creationId xmlns:a16="http://schemas.microsoft.com/office/drawing/2014/main" id="{299DF5EC-9DF4-5255-06AC-0A7CE4FF58C3}"/>
               </a:ext>
             </a:extLst>
           </p:cNvPr>
@@ -12200,7 +11922,7 @@
           <p:cNvPr id="12" name="TextBox 11">
             <a:extLst>
               <a:ext uri="{FF2B5EF4-FFF2-40B4-BE49-F238E27FC236}">
-                <a16:creationId xmlns:a16="http://schemas.microsoft.com/office/drawing/2014/main" xmlns="" id="{C6D113C6-EA5C-788F-0C77-E7CE6EBB865F}"/>
+                <a16:creationId xmlns:a16="http://schemas.microsoft.com/office/drawing/2014/main" id="{C6D113C6-EA5C-788F-0C77-E7CE6EBB865F}"/>
               </a:ext>
             </a:extLst>
           </p:cNvPr>
@@ -12224,7 +11946,7 @@
           <a:lstStyle/>
           <a:p>
             <a:r>
-              <a:rPr lang="ko-KR" altLang="en-US" sz="3600" smtClean="0">
+              <a:rPr lang="ko-KR" altLang="en-US" sz="3600">
                 <a:solidFill>
                   <a:srgbClr val="FF0000"/>
                 </a:solidFill>
@@ -12248,7 +11970,7 @@
           <p:cNvPr id="13" name="직선 화살표 연결선 12">
             <a:extLst>
               <a:ext uri="{FF2B5EF4-FFF2-40B4-BE49-F238E27FC236}">
-                <a16:creationId xmlns:a16="http://schemas.microsoft.com/office/drawing/2014/main" xmlns="" id="{299DF5EC-9DF4-5255-06AC-0A7CE4FF58C3}"/>
+                <a16:creationId xmlns:a16="http://schemas.microsoft.com/office/drawing/2014/main" id="{299DF5EC-9DF4-5255-06AC-0A7CE4FF58C3}"/>
               </a:ext>
             </a:extLst>
           </p:cNvPr>
@@ -12289,7 +12011,7 @@
           <p:cNvPr id="14" name="TextBox 13">
             <a:extLst>
               <a:ext uri="{FF2B5EF4-FFF2-40B4-BE49-F238E27FC236}">
-                <a16:creationId xmlns:a16="http://schemas.microsoft.com/office/drawing/2014/main" xmlns="" id="{C6D113C6-EA5C-788F-0C77-E7CE6EBB865F}"/>
+                <a16:creationId xmlns:a16="http://schemas.microsoft.com/office/drawing/2014/main" id="{C6D113C6-EA5C-788F-0C77-E7CE6EBB865F}"/>
               </a:ext>
             </a:extLst>
           </p:cNvPr>
@@ -12313,7 +12035,7 @@
           <a:lstStyle/>
           <a:p>
             <a:r>
-              <a:rPr lang="ko-KR" altLang="en-US" sz="3600" smtClean="0">
+              <a:rPr lang="ko-KR" altLang="en-US" sz="3600">
                 <a:solidFill>
                   <a:srgbClr val="FF0000"/>
                 </a:solidFill>
@@ -12323,7 +12045,7 @@
               <a:t>정해진 성별을 메서드 밖으로 반환한다</a:t>
             </a:r>
             <a:r>
-              <a:rPr lang="en-US" altLang="ko-KR" sz="3600" smtClean="0">
+              <a:rPr lang="en-US" altLang="ko-KR" sz="3600">
                 <a:solidFill>
                   <a:srgbClr val="FF0000"/>
                 </a:solidFill>
@@ -12347,7 +12069,7 @@
           <p:cNvPr id="15" name="직선 화살표 연결선 14">
             <a:extLst>
               <a:ext uri="{FF2B5EF4-FFF2-40B4-BE49-F238E27FC236}">
-                <a16:creationId xmlns:a16="http://schemas.microsoft.com/office/drawing/2014/main" xmlns="" id="{299DF5EC-9DF4-5255-06AC-0A7CE4FF58C3}"/>
+                <a16:creationId xmlns:a16="http://schemas.microsoft.com/office/drawing/2014/main" id="{299DF5EC-9DF4-5255-06AC-0A7CE4FF58C3}"/>
               </a:ext>
             </a:extLst>
           </p:cNvPr>
@@ -12388,7 +12110,7 @@
           <p:cNvPr id="16" name="TextBox 15">
             <a:extLst>
               <a:ext uri="{FF2B5EF4-FFF2-40B4-BE49-F238E27FC236}">
-                <a16:creationId xmlns:a16="http://schemas.microsoft.com/office/drawing/2014/main" xmlns="" id="{C6D113C6-EA5C-788F-0C77-E7CE6EBB865F}"/>
+                <a16:creationId xmlns:a16="http://schemas.microsoft.com/office/drawing/2014/main" id="{C6D113C6-EA5C-788F-0C77-E7CE6EBB865F}"/>
               </a:ext>
             </a:extLst>
           </p:cNvPr>
@@ -12412,7 +12134,7 @@
           <a:lstStyle/>
           <a:p>
             <a:r>
-              <a:rPr lang="ko-KR" altLang="en-US" sz="3600" smtClean="0">
+              <a:rPr lang="ko-KR" altLang="en-US" sz="3600">
                 <a:solidFill>
                   <a:srgbClr val="FF0000"/>
                 </a:solidFill>
@@ -12422,7 +12144,7 @@
               <a:t>성별을 출력할때 만들어 놓은 </a:t>
             </a:r>
             <a:r>
-              <a:rPr lang="en-US" altLang="ko-KR" sz="3600" smtClean="0">
+              <a:rPr lang="en-US" altLang="ko-KR" sz="3600">
                 <a:solidFill>
                   <a:srgbClr val="FF0000"/>
                 </a:solidFill>
@@ -12432,7 +12154,7 @@
               <a:t>getGender() </a:t>
             </a:r>
             <a:r>
-              <a:rPr lang="ko-KR" altLang="en-US" sz="3600" smtClean="0">
+              <a:rPr lang="ko-KR" altLang="en-US" sz="3600">
                 <a:solidFill>
                   <a:srgbClr val="FF0000"/>
                 </a:solidFill>
@@ -12442,7 +12164,7 @@
               <a:t>메서드를 활용하면 된다</a:t>
             </a:r>
             <a:r>
-              <a:rPr lang="en-US" altLang="ko-KR" sz="3600" smtClean="0">
+              <a:rPr lang="en-US" altLang="ko-KR" sz="3600">
                 <a:solidFill>
                   <a:srgbClr val="FF0000"/>
                 </a:solidFill>
@@ -12466,7 +12188,7 @@
           <p:cNvPr id="17" name="직선 화살표 연결선 16">
             <a:extLst>
               <a:ext uri="{FF2B5EF4-FFF2-40B4-BE49-F238E27FC236}">
-                <a16:creationId xmlns:a16="http://schemas.microsoft.com/office/drawing/2014/main" xmlns="" id="{299DF5EC-9DF4-5255-06AC-0A7CE4FF58C3}"/>
+                <a16:creationId xmlns:a16="http://schemas.microsoft.com/office/drawing/2014/main" id="{299DF5EC-9DF4-5255-06AC-0A7CE4FF58C3}"/>
               </a:ext>
             </a:extLst>
           </p:cNvPr>
@@ -12507,7 +12229,7 @@
           <p:cNvPr id="9" name="직사각형 8">
             <a:extLst>
               <a:ext uri="{FF2B5EF4-FFF2-40B4-BE49-F238E27FC236}">
-                <a16:creationId xmlns="" xmlns:a16="http://schemas.microsoft.com/office/drawing/2014/main" id="{361FA442-8171-4EBF-65A2-19C90654959D}"/>
+                <a16:creationId xmlns:a16="http://schemas.microsoft.com/office/drawing/2014/main" id="{361FA442-8171-4EBF-65A2-19C90654959D}"/>
               </a:ext>
             </a:extLst>
           </p:cNvPr>
@@ -12715,7 +12437,7 @@
           <p:cNvPr id="8" name="TextBox 7">
             <a:extLst>
               <a:ext uri="{FF2B5EF4-FFF2-40B4-BE49-F238E27FC236}">
-                <a16:creationId xmlns:a16="http://schemas.microsoft.com/office/drawing/2014/main" xmlns="" id="{C6D113C6-EA5C-788F-0C77-E7CE6EBB865F}"/>
+                <a16:creationId xmlns:a16="http://schemas.microsoft.com/office/drawing/2014/main" id="{C6D113C6-EA5C-788F-0C77-E7CE6EBB865F}"/>
               </a:ext>
             </a:extLst>
           </p:cNvPr>
@@ -12739,7 +12461,7 @@
           <a:lstStyle/>
           <a:p>
             <a:r>
-              <a:rPr lang="ko-KR" altLang="en-US" sz="4800" smtClean="0">
+              <a:rPr lang="ko-KR" altLang="en-US" sz="4800">
                 <a:solidFill>
                   <a:srgbClr val="FF0000"/>
                 </a:solidFill>
@@ -12749,7 +12471,7 @@
               <a:t>이런 경우 </a:t>
             </a:r>
             <a:r>
-              <a:rPr lang="en-US" altLang="ko-KR" sz="4800" smtClean="0">
+              <a:rPr lang="en-US" altLang="ko-KR" sz="4800">
                 <a:solidFill>
                   <a:srgbClr val="FF0000"/>
                 </a:solidFill>
@@ -12759,7 +12481,7 @@
               <a:t>switch</a:t>
             </a:r>
             <a:r>
-              <a:rPr lang="ko-KR" altLang="en-US" sz="4800" smtClean="0">
+              <a:rPr lang="ko-KR" altLang="en-US" sz="4800">
                 <a:solidFill>
                   <a:srgbClr val="FF0000"/>
                 </a:solidFill>
@@ -12769,7 +12491,7 @@
               <a:t>문이 좀더 간결하다</a:t>
             </a:r>
             <a:r>
-              <a:rPr lang="en-US" altLang="ko-KR" sz="4800" smtClean="0">
+              <a:rPr lang="en-US" altLang="ko-KR" sz="4800">
                 <a:solidFill>
                   <a:srgbClr val="FF0000"/>
                 </a:solidFill>
@@ -12793,7 +12515,7 @@
           <p:cNvPr id="7" name="직사각형 6">
             <a:extLst>
               <a:ext uri="{FF2B5EF4-FFF2-40B4-BE49-F238E27FC236}">
-                <a16:creationId xmlns="" xmlns:a16="http://schemas.microsoft.com/office/drawing/2014/main" id="{361FA442-8171-4EBF-65A2-19C90654959D}"/>
+                <a16:creationId xmlns:a16="http://schemas.microsoft.com/office/drawing/2014/main" id="{361FA442-8171-4EBF-65A2-19C90654959D}"/>
               </a:ext>
             </a:extLst>
           </p:cNvPr>
@@ -12845,7 +12567,7 @@
           <p:cNvPr id="9" name="TextBox 8">
             <a:extLst>
               <a:ext uri="{FF2B5EF4-FFF2-40B4-BE49-F238E27FC236}">
-                <a16:creationId xmlns:a16="http://schemas.microsoft.com/office/drawing/2014/main" xmlns="" id="{5ADC00B6-990A-40DC-3CEA-505258F5E8DA}"/>
+                <a16:creationId xmlns:a16="http://schemas.microsoft.com/office/drawing/2014/main" id="{5ADC00B6-990A-40DC-3CEA-505258F5E8DA}"/>
               </a:ext>
             </a:extLst>
           </p:cNvPr>
@@ -12869,7 +12591,7 @@
           <a:lstStyle/>
           <a:p>
             <a:r>
-              <a:rPr lang="ko-KR" altLang="en-US" sz="4800" smtClean="0">
+              <a:rPr lang="ko-KR" altLang="en-US" sz="4800">
                 <a:solidFill>
                   <a:srgbClr val="4C50BC"/>
                 </a:solidFill>
@@ -13029,7 +12751,7 @@
           <p:cNvPr id="4" name="TextBox 3">
             <a:extLst>
               <a:ext uri="{FF2B5EF4-FFF2-40B4-BE49-F238E27FC236}">
-                <a16:creationId xmlns="" xmlns:a16="http://schemas.microsoft.com/office/drawing/2014/main" id="{F0FF9E4E-0550-E648-378E-A52F5B0499D4}"/>
+                <a16:creationId xmlns:a16="http://schemas.microsoft.com/office/drawing/2014/main" id="{F0FF9E4E-0550-E648-378E-A52F5B0499D4}"/>
               </a:ext>
             </a:extLst>
           </p:cNvPr>
@@ -13053,7 +12775,7 @@
           <a:lstStyle/>
           <a:p>
             <a:r>
-              <a:rPr lang="en-US" altLang="ko-KR" sz="3200" smtClean="0">
+              <a:rPr lang="en-US" altLang="ko-KR" sz="3200">
                 <a:solidFill>
                   <a:srgbClr val="4C50BC"/>
                 </a:solidFill>
@@ -13063,7 +12785,7 @@
               <a:t>1-3 </a:t>
             </a:r>
             <a:r>
-              <a:rPr lang="ko-KR" altLang="en-US" sz="3200" smtClean="0">
+              <a:rPr lang="ko-KR" altLang="en-US" sz="3200">
                 <a:solidFill>
                   <a:srgbClr val="4C50BC"/>
                 </a:solidFill>
@@ -13073,7 +12795,7 @@
               <a:t>앞서 만든 </a:t>
             </a:r>
             <a:r>
-              <a:rPr lang="en-US" altLang="ko-KR" sz="3200" smtClean="0">
+              <a:rPr lang="en-US" altLang="ko-KR" sz="3200">
                 <a:solidFill>
                   <a:srgbClr val="4C50BC"/>
                 </a:solidFill>
@@ -13083,52 +12805,25 @@
               <a:t>Person </a:t>
             </a:r>
             <a:r>
-              <a:rPr lang="ko-KR" altLang="en-US" sz="3200" smtClean="0">
+              <a:rPr lang="ko-KR" altLang="en-US" sz="3200">
                 <a:solidFill>
                   <a:srgbClr val="4C50BC"/>
                 </a:solidFill>
                 <a:latin typeface="G마켓 산스 Medium" panose="02000000000000000000" pitchFamily="50" charset="-127"/>
                 <a:ea typeface="G마켓 산스 Medium" panose="02000000000000000000" pitchFamily="50" charset="-127"/>
               </a:rPr>
-              <a:t>클래스에 기능을 </a:t>
-            </a:r>
-            <a:r>
-              <a:rPr lang="ko-KR" altLang="en-US" sz="3200" smtClean="0">
-                <a:solidFill>
-                  <a:srgbClr val="4C50BC"/>
-                </a:solidFill>
-                <a:latin typeface="G마켓 산스 Medium" panose="02000000000000000000" pitchFamily="50" charset="-127"/>
-                <a:ea typeface="G마켓 산스 Medium" panose="02000000000000000000" pitchFamily="50" charset="-127"/>
-              </a:rPr>
-              <a:t>추가해보자</a:t>
-            </a:r>
-            <a:r>
-              <a:rPr lang="en-US" altLang="ko-KR" sz="3200" smtClean="0">
+              <a:t>클래스에 기능을 추가해보자</a:t>
+            </a:r>
+            <a:r>
+              <a:rPr lang="en-US" altLang="ko-KR" sz="3200">
                 <a:solidFill>
                   <a:srgbClr val="FF0000"/>
                 </a:solidFill>
                 <a:latin typeface="G마켓 산스 Medium" panose="02000000000000000000" pitchFamily="50" charset="-127"/>
                 <a:ea typeface="G마켓 산스 Medium" panose="02000000000000000000" pitchFamily="50" charset="-127"/>
               </a:rPr>
-              <a:t>(</a:t>
-            </a:r>
-            <a:r>
-              <a:rPr lang="en-US" altLang="ko-KR" sz="3200" smtClean="0">
-                <a:solidFill>
-                  <a:srgbClr val="FF0000"/>
-                </a:solidFill>
-                <a:latin typeface="G마켓 산스 Medium" panose="02000000000000000000" pitchFamily="50" charset="-127"/>
-                <a:ea typeface="G마켓 산스 Medium" panose="02000000000000000000" pitchFamily="50" charset="-127"/>
-              </a:rPr>
-              <a:t>expert)</a:t>
-            </a:r>
-            <a:endParaRPr lang="en-US" altLang="ko-KR" sz="3200" smtClean="0">
-              <a:solidFill>
-                <a:srgbClr val="FF0000"/>
-              </a:solidFill>
-              <a:latin typeface="G마켓 산스 Medium" panose="02000000000000000000" pitchFamily="50" charset="-127"/>
-              <a:ea typeface="G마켓 산스 Medium" panose="02000000000000000000" pitchFamily="50" charset="-127"/>
-            </a:endParaRPr>
+              <a:t>(expert)</a:t>
+            </a:r>
           </a:p>
           <a:p>
             <a:pPr marL="457200" indent="-457200">
@@ -13136,7 +12831,7 @@
               <a:buChar char="-"/>
             </a:pPr>
             <a:r>
-              <a:rPr lang="ko-KR" altLang="en-US" sz="3200" smtClean="0">
+              <a:rPr lang="ko-KR" altLang="en-US" sz="3200">
                 <a:solidFill>
                   <a:schemeClr val="bg1">
                     <a:lumMod val="50000"/>
@@ -13148,7 +12843,7 @@
               <a:t>멤버 메서드 </a:t>
             </a:r>
             <a:r>
-              <a:rPr lang="en-US" altLang="ko-KR" sz="3200" smtClean="0">
+              <a:rPr lang="en-US" altLang="ko-KR" sz="3200">
                 <a:solidFill>
                   <a:schemeClr val="bg1">
                     <a:lumMod val="50000"/>
@@ -13160,7 +12855,7 @@
               <a:t>: int getAge()                  </a:t>
             </a:r>
             <a:r>
-              <a:rPr lang="ko-KR" altLang="en-US" sz="3200" smtClean="0">
+              <a:rPr lang="ko-KR" altLang="en-US" sz="3200">
                 <a:solidFill>
                   <a:schemeClr val="bg1">
                     <a:lumMod val="50000"/>
@@ -13172,7 +12867,7 @@
               <a:t>주민번호를 이용해 나이를 반환한다</a:t>
             </a:r>
             <a:r>
-              <a:rPr lang="en-US" altLang="ko-KR" sz="3200" smtClean="0">
+              <a:rPr lang="en-US" altLang="ko-KR" sz="3200">
                 <a:solidFill>
                   <a:schemeClr val="bg1">
                     <a:lumMod val="50000"/>
@@ -13184,7 +12879,7 @@
               <a:t>.(</a:t>
             </a:r>
             <a:r>
-              <a:rPr lang="ko-KR" altLang="en-US" sz="3200" smtClean="0">
+              <a:rPr lang="ko-KR" altLang="en-US" sz="3200">
                 <a:solidFill>
                   <a:schemeClr val="bg1">
                     <a:lumMod val="50000"/>
@@ -13196,7 +12891,7 @@
               <a:t>만나이</a:t>
             </a:r>
             <a:r>
-              <a:rPr lang="en-US" altLang="ko-KR" sz="3200" smtClean="0">
+              <a:rPr lang="en-US" altLang="ko-KR" sz="3200">
                 <a:solidFill>
                   <a:schemeClr val="bg1">
                     <a:lumMod val="50000"/>
@@ -13207,15 +12902,6 @@
               </a:rPr>
               <a:t>)</a:t>
             </a:r>
-            <a:endParaRPr lang="en-US" altLang="ko-KR" sz="3200" smtClean="0">
-              <a:solidFill>
-                <a:schemeClr val="bg1">
-                  <a:lumMod val="50000"/>
-                </a:schemeClr>
-              </a:solidFill>
-              <a:latin typeface="G마켓 산스 Medium" panose="02000000000000000000" pitchFamily="50" charset="-127"/>
-              <a:ea typeface="G마켓 산스 Medium" panose="02000000000000000000" pitchFamily="50" charset="-127"/>
-            </a:endParaRPr>
           </a:p>
           <a:p>
             <a:pPr marL="457200" indent="-457200">
@@ -13223,7 +12909,7 @@
               <a:buChar char="-"/>
             </a:pPr>
             <a:r>
-              <a:rPr lang="ko-KR" altLang="en-US" sz="3200" smtClean="0">
+              <a:rPr lang="ko-KR" altLang="en-US" sz="3200">
                 <a:solidFill>
                   <a:schemeClr val="bg1">
                     <a:lumMod val="50000"/>
@@ -13235,7 +12921,7 @@
               <a:t>기존의 </a:t>
             </a:r>
             <a:r>
-              <a:rPr lang="en-US" altLang="ko-KR" sz="3200" smtClean="0">
+              <a:rPr lang="en-US" altLang="ko-KR" sz="3200">
                 <a:solidFill>
                   <a:schemeClr val="bg1">
                     <a:lumMod val="50000"/>
@@ -13247,7 +12933,7 @@
               <a:t>showState </a:t>
             </a:r>
             <a:r>
-              <a:rPr lang="ko-KR" altLang="en-US" sz="3200" smtClean="0">
+              <a:rPr lang="ko-KR" altLang="en-US" sz="3200">
                 <a:solidFill>
                   <a:schemeClr val="bg1">
                     <a:lumMod val="50000"/>
@@ -13259,7 +12945,7 @@
               <a:t>메서드에 </a:t>
             </a:r>
             <a:r>
-              <a:rPr lang="en-US" altLang="ko-KR" sz="3200" smtClean="0">
+              <a:rPr lang="en-US" altLang="ko-KR" sz="3200">
                 <a:solidFill>
                   <a:schemeClr val="bg1">
                     <a:lumMod val="50000"/>
@@ -13271,7 +12957,7 @@
               <a:t>getAge</a:t>
             </a:r>
             <a:r>
-              <a:rPr lang="ko-KR" altLang="en-US" sz="3200" smtClean="0">
+              <a:rPr lang="ko-KR" altLang="en-US" sz="3200">
                 <a:solidFill>
                   <a:schemeClr val="bg1">
                     <a:lumMod val="50000"/>
@@ -13283,7 +12969,7 @@
               <a:t>를 이용하여 나이도 출력 하도록 하자</a:t>
             </a:r>
             <a:r>
-              <a:rPr lang="en-US" altLang="ko-KR" sz="3200" smtClean="0">
+              <a:rPr lang="en-US" altLang="ko-KR" sz="3200">
                 <a:solidFill>
                   <a:schemeClr val="bg1">
                     <a:lumMod val="50000"/>
@@ -13301,7 +12987,7 @@
               <a:buChar char="-"/>
             </a:pPr>
             <a:r>
-              <a:rPr lang="ko-KR" altLang="en-US" sz="3200" smtClean="0">
+              <a:rPr lang="ko-KR" altLang="en-US" sz="3200">
                 <a:solidFill>
                   <a:schemeClr val="bg1">
                     <a:lumMod val="50000"/>
@@ -13313,7 +12999,7 @@
               <a:t>성별 코드로 몇세기인지를 파악해야 정확한 나이 계산이 가능하다</a:t>
             </a:r>
             <a:r>
-              <a:rPr lang="en-US" altLang="ko-KR" sz="3200" smtClean="0">
+              <a:rPr lang="en-US" altLang="ko-KR" sz="3200">
                 <a:solidFill>
                   <a:schemeClr val="bg1">
                     <a:lumMod val="50000"/>
@@ -13324,7 +13010,7 @@
               </a:rPr>
               <a:t>.</a:t>
             </a:r>
-            <a:endParaRPr lang="en-US" altLang="ko-KR" sz="3200" smtClean="0">
+            <a:endParaRPr lang="en-US" altLang="ko-KR" sz="3200">
               <a:solidFill>
                 <a:srgbClr val="4C50BC"/>
               </a:solidFill>
@@ -13363,80 +13049,70 @@
                 <a:latin typeface="G마켓 산스 Medium" panose="02000000000000000000" pitchFamily="50" charset="-127"/>
                 <a:ea typeface="G마켓 산스 Medium" panose="02000000000000000000" pitchFamily="50" charset="-127"/>
               </a:rPr>
-              <a:t>아래의 </a:t>
-            </a:r>
-            <a:r>
-              <a:rPr lang="ko-KR" altLang="en-US" sz="3200" smtClean="0">
+              <a:t>아래의 코드는 현재의 년</a:t>
+            </a:r>
+            <a:r>
+              <a:rPr lang="en-US" altLang="ko-KR" sz="3200">
                 <a:solidFill>
                   <a:srgbClr val="FF0000"/>
                 </a:solidFill>
                 <a:latin typeface="G마켓 산스 Medium" panose="02000000000000000000" pitchFamily="50" charset="-127"/>
                 <a:ea typeface="G마켓 산스 Medium" panose="02000000000000000000" pitchFamily="50" charset="-127"/>
               </a:rPr>
-              <a:t>코드는 현재의 년</a:t>
-            </a:r>
-            <a:r>
-              <a:rPr lang="en-US" altLang="ko-KR" sz="3200" smtClean="0">
+              <a:t>,</a:t>
+            </a:r>
+            <a:r>
+              <a:rPr lang="ko-KR" altLang="en-US" sz="3200">
                 <a:solidFill>
                   <a:srgbClr val="FF0000"/>
                 </a:solidFill>
                 <a:latin typeface="G마켓 산스 Medium" panose="02000000000000000000" pitchFamily="50" charset="-127"/>
                 <a:ea typeface="G마켓 산스 Medium" panose="02000000000000000000" pitchFamily="50" charset="-127"/>
               </a:rPr>
-              <a:t>,</a:t>
-            </a:r>
-            <a:r>
-              <a:rPr lang="ko-KR" altLang="en-US" sz="3200" smtClean="0">
+              <a:t>월</a:t>
+            </a:r>
+            <a:r>
+              <a:rPr lang="en-US" altLang="ko-KR" sz="3200">
                 <a:solidFill>
                   <a:srgbClr val="FF0000"/>
                 </a:solidFill>
                 <a:latin typeface="G마켓 산스 Medium" panose="02000000000000000000" pitchFamily="50" charset="-127"/>
                 <a:ea typeface="G마켓 산스 Medium" panose="02000000000000000000" pitchFamily="50" charset="-127"/>
               </a:rPr>
-              <a:t>월</a:t>
-            </a:r>
-            <a:r>
-              <a:rPr lang="en-US" altLang="ko-KR" sz="3200" smtClean="0">
+              <a:t>.</a:t>
+            </a:r>
+            <a:r>
+              <a:rPr lang="ko-KR" altLang="en-US" sz="3200">
                 <a:solidFill>
                   <a:srgbClr val="FF0000"/>
                 </a:solidFill>
                 <a:latin typeface="G마켓 산스 Medium" panose="02000000000000000000" pitchFamily="50" charset="-127"/>
                 <a:ea typeface="G마켓 산스 Medium" panose="02000000000000000000" pitchFamily="50" charset="-127"/>
               </a:rPr>
-              <a:t>.</a:t>
-            </a:r>
-            <a:r>
-              <a:rPr lang="ko-KR" altLang="en-US" sz="3200" smtClean="0">
+              <a:t>일을 </a:t>
+            </a:r>
+            <a:r>
+              <a:rPr lang="en-US" altLang="ko-KR" sz="3200">
                 <a:solidFill>
                   <a:srgbClr val="FF0000"/>
                 </a:solidFill>
                 <a:latin typeface="G마켓 산스 Medium" panose="02000000000000000000" pitchFamily="50" charset="-127"/>
                 <a:ea typeface="G마켓 산스 Medium" panose="02000000000000000000" pitchFamily="50" charset="-127"/>
               </a:rPr>
-              <a:t>일을 </a:t>
+              <a:t>int </a:t>
+            </a:r>
+            <a:r>
+              <a:rPr lang="ko-KR" altLang="en-US" sz="3200">
+                <a:solidFill>
+                  <a:srgbClr val="FF0000"/>
+                </a:solidFill>
+                <a:latin typeface="G마켓 산스 Medium" panose="02000000000000000000" pitchFamily="50" charset="-127"/>
+                <a:ea typeface="G마켓 산스 Medium" panose="02000000000000000000" pitchFamily="50" charset="-127"/>
+              </a:rPr>
+              <a:t>형태로 얻는 코드이다</a:t>
             </a:r>
             <a:r>
               <a:rPr lang="en-US" altLang="ko-KR" sz="3200">
-                <a:solidFill>
-                  <a:srgbClr val="FF0000"/>
-                </a:solidFill>
-                <a:latin typeface="G마켓 산스 Medium" panose="02000000000000000000" pitchFamily="50" charset="-127"/>
-                <a:ea typeface="G마켓 산스 Medium" panose="02000000000000000000" pitchFamily="50" charset="-127"/>
-              </a:rPr>
-              <a:t>int </a:t>
-            </a:r>
-            <a:r>
-              <a:rPr lang="ko-KR" altLang="en-US" sz="3200">
-                <a:solidFill>
-                  <a:srgbClr val="FF0000"/>
-                </a:solidFill>
-                <a:latin typeface="G마켓 산스 Medium" panose="02000000000000000000" pitchFamily="50" charset="-127"/>
-                <a:ea typeface="G마켓 산스 Medium" panose="02000000000000000000" pitchFamily="50" charset="-127"/>
-              </a:rPr>
-              <a:t>형태로 얻는 코드이다</a:t>
-            </a:r>
-            <a:r>
-              <a:rPr lang="en-US" altLang="ko-KR" sz="3200" smtClean="0">
                 <a:solidFill>
                   <a:srgbClr val="FF0000"/>
                 </a:solidFill>
@@ -13448,7 +13124,7 @@
           </a:p>
           <a:p>
             <a:r>
-              <a:rPr lang="ko-KR" altLang="en-US" sz="3200" smtClean="0">
+              <a:rPr lang="ko-KR" altLang="en-US" sz="3200">
                 <a:solidFill>
                   <a:srgbClr val="FF0000"/>
                 </a:solidFill>
@@ -13458,7 +13134,7 @@
               <a:t>나이계산에 활용하도록 하자</a:t>
             </a:r>
             <a:r>
-              <a:rPr lang="en-US" altLang="ko-KR" sz="3200" smtClean="0">
+              <a:rPr lang="en-US" altLang="ko-KR" sz="3200">
                 <a:solidFill>
                   <a:srgbClr val="FF0000"/>
                 </a:solidFill>
@@ -13467,13 +13143,6 @@
               </a:rPr>
               <a:t>.</a:t>
             </a:r>
-            <a:endParaRPr lang="en-US" altLang="ko-KR" sz="3200">
-              <a:solidFill>
-                <a:srgbClr val="FF0000"/>
-              </a:solidFill>
-              <a:latin typeface="G마켓 산스 Medium" panose="02000000000000000000" pitchFamily="50" charset="-127"/>
-              <a:ea typeface="G마켓 산스 Medium" panose="02000000000000000000" pitchFamily="50" charset="-127"/>
-            </a:endParaRPr>
           </a:p>
         </p:txBody>
       </p:sp>
@@ -13559,13 +13228,6 @@
   <p:clrMapOvr>
     <a:masterClrMapping/>
   </p:clrMapOvr>
-  <p:timing>
-    <p:tnLst>
-      <p:par>
-        <p:cTn id="1" dur="indefinite" restart="never" nodeType="tmRoot"/>
-      </p:par>
-    </p:tnLst>
-  </p:timing>
 </p:sld>
 </file>
 
@@ -13591,7 +13253,7 @@
           <p:cNvPr id="4" name="TextBox 3">
             <a:extLst>
               <a:ext uri="{FF2B5EF4-FFF2-40B4-BE49-F238E27FC236}">
-                <a16:creationId xmlns:a16="http://schemas.microsoft.com/office/drawing/2014/main" xmlns="" id="{5ADC00B6-990A-40DC-3CEA-505258F5E8DA}"/>
+                <a16:creationId xmlns:a16="http://schemas.microsoft.com/office/drawing/2014/main" id="{5ADC00B6-990A-40DC-3CEA-505258F5E8DA}"/>
               </a:ext>
             </a:extLst>
           </p:cNvPr>
@@ -13615,7 +13277,7 @@
           <a:lstStyle/>
           <a:p>
             <a:r>
-              <a:rPr lang="ko-KR" altLang="en-US" sz="4800" smtClean="0">
+              <a:rPr lang="ko-KR" altLang="en-US" sz="4800">
                 <a:solidFill>
                   <a:srgbClr val="4C50BC"/>
                 </a:solidFill>
@@ -13663,7 +13325,7 @@
           <p:cNvPr id="6" name="직사각형 5">
             <a:extLst>
               <a:ext uri="{FF2B5EF4-FFF2-40B4-BE49-F238E27FC236}">
-                <a16:creationId xmlns="" xmlns:a16="http://schemas.microsoft.com/office/drawing/2014/main" id="{361FA442-8171-4EBF-65A2-19C90654959D}"/>
+                <a16:creationId xmlns:a16="http://schemas.microsoft.com/office/drawing/2014/main" id="{361FA442-8171-4EBF-65A2-19C90654959D}"/>
               </a:ext>
             </a:extLst>
           </p:cNvPr>
@@ -14011,7 +13673,7 @@
           <p:cNvPr id="2" name="TextBox 1">
             <a:extLst>
               <a:ext uri="{FF2B5EF4-FFF2-40B4-BE49-F238E27FC236}">
-                <a16:creationId xmlns:a16="http://schemas.microsoft.com/office/drawing/2014/main" xmlns="" id="{76F36AE5-79B5-0B9F-E510-1C27AAC4B649}"/>
+                <a16:creationId xmlns:a16="http://schemas.microsoft.com/office/drawing/2014/main" id="{76F36AE5-79B5-0B9F-E510-1C27AAC4B649}"/>
               </a:ext>
             </a:extLst>
           </p:cNvPr>
@@ -14035,7 +13697,7 @@
           <a:lstStyle/>
           <a:p>
             <a:r>
-              <a:rPr lang="ko-KR" altLang="en-US" sz="6600" smtClean="0">
+              <a:rPr lang="ko-KR" altLang="en-US" sz="6600">
                 <a:solidFill>
                   <a:schemeClr val="bg1"/>
                 </a:solidFill>
@@ -14045,7 +13707,7 @@
               <a:t>클래스변수</a:t>
             </a:r>
             <a:r>
-              <a:rPr lang="en-US" altLang="ko-KR" sz="6600" smtClean="0">
+              <a:rPr lang="en-US" altLang="ko-KR" sz="6600">
                 <a:solidFill>
                   <a:schemeClr val="bg1"/>
                 </a:solidFill>
@@ -14055,7 +13717,7 @@
               <a:t>(static </a:t>
             </a:r>
             <a:r>
-              <a:rPr lang="ko-KR" altLang="en-US" sz="6600" smtClean="0">
+              <a:rPr lang="ko-KR" altLang="en-US" sz="6600">
                 <a:solidFill>
                   <a:schemeClr val="bg1"/>
                 </a:solidFill>
@@ -14065,7 +13727,7 @@
               <a:t>변수</a:t>
             </a:r>
             <a:r>
-              <a:rPr lang="en-US" altLang="ko-KR" sz="6600" smtClean="0">
+              <a:rPr lang="en-US" altLang="ko-KR" sz="6600">
                 <a:solidFill>
                   <a:schemeClr val="bg1"/>
                 </a:solidFill>
@@ -14094,13 +13756,6 @@
   <p:clrMapOvr>
     <a:masterClrMapping/>
   </p:clrMapOvr>
-  <p:timing>
-    <p:tnLst>
-      <p:par>
-        <p:cTn id="1" dur="indefinite" restart="never" nodeType="tmRoot"/>
-      </p:par>
-    </p:tnLst>
-  </p:timing>
 </p:sld>
 </file>
 
@@ -14314,7 +13969,7 @@
           <p:cNvPr id="2" name="TextBox 1">
             <a:extLst>
               <a:ext uri="{FF2B5EF4-FFF2-40B4-BE49-F238E27FC236}">
-                <a16:creationId xmlns:a16="http://schemas.microsoft.com/office/drawing/2014/main" xmlns="" id="{8D19D88B-9541-32D7-90F1-0C45C993E21C}"/>
+                <a16:creationId xmlns:a16="http://schemas.microsoft.com/office/drawing/2014/main" id="{8D19D88B-9541-32D7-90F1-0C45C993E21C}"/>
               </a:ext>
             </a:extLst>
           </p:cNvPr>
@@ -14338,7 +13993,7 @@
           <a:lstStyle/>
           <a:p>
             <a:r>
-              <a:rPr lang="ko-KR" altLang="en-US" sz="6600" smtClean="0">
+              <a:rPr lang="ko-KR" altLang="en-US" sz="6600">
                 <a:solidFill>
                   <a:schemeClr val="bg1"/>
                 </a:solidFill>
@@ -14348,7 +14003,7 @@
               <a:t>지역변수</a:t>
             </a:r>
             <a:r>
-              <a:rPr lang="en-US" altLang="ko-KR" sz="6600" smtClean="0">
+              <a:rPr lang="en-US" altLang="ko-KR" sz="6600">
                 <a:solidFill>
                   <a:schemeClr val="bg1"/>
                 </a:solidFill>
@@ -14358,7 +14013,7 @@
               <a:t>,</a:t>
             </a:r>
             <a:r>
-              <a:rPr lang="ko-KR" altLang="en-US" sz="6600" smtClean="0">
+              <a:rPr lang="ko-KR" altLang="en-US" sz="6600">
                 <a:solidFill>
                   <a:schemeClr val="bg1"/>
                 </a:solidFill>
@@ -14382,13 +14037,6 @@
   <p:clrMapOvr>
     <a:masterClrMapping/>
   </p:clrMapOvr>
-  <p:timing>
-    <p:tnLst>
-      <p:par>
-        <p:cTn id="1" dur="indefinite" restart="never" nodeType="tmRoot"/>
-      </p:par>
-    </p:tnLst>
-  </p:timing>
 </p:sld>
 </file>
 
@@ -14414,7 +14062,7 @@
           <p:cNvPr id="4" name="TextBox 3">
             <a:extLst>
               <a:ext uri="{FF2B5EF4-FFF2-40B4-BE49-F238E27FC236}">
-                <a16:creationId xmlns:a16="http://schemas.microsoft.com/office/drawing/2014/main" xmlns="" id="{5ADC00B6-990A-40DC-3CEA-505258F5E8DA}"/>
+                <a16:creationId xmlns:a16="http://schemas.microsoft.com/office/drawing/2014/main" id="{5ADC00B6-990A-40DC-3CEA-505258F5E8DA}"/>
               </a:ext>
             </a:extLst>
           </p:cNvPr>
@@ -14492,7 +14140,7 @@
           <p:cNvPr id="7" name="TextBox 6">
             <a:extLst>
               <a:ext uri="{FF2B5EF4-FFF2-40B4-BE49-F238E27FC236}">
-                <a16:creationId xmlns:a16="http://schemas.microsoft.com/office/drawing/2014/main" xmlns="" id="{A2AD056B-97A4-5BCC-4460-250160F3E171}"/>
+                <a16:creationId xmlns:a16="http://schemas.microsoft.com/office/drawing/2014/main" id="{A2AD056B-97A4-5BCC-4460-250160F3E171}"/>
               </a:ext>
             </a:extLst>
           </p:cNvPr>
@@ -14543,10 +14191,10 @@
                 <a:latin typeface="G마켓 산스 Medium" panose="02000000000000000000" pitchFamily="50" charset="-127"/>
                 <a:ea typeface="G마켓 산스 Medium" panose="02000000000000000000" pitchFamily="50" charset="-127"/>
               </a:rPr>
-              <a:t>키워드를 </a:t>
-            </a:r>
-            <a:r>
-              <a:rPr lang="ko-KR" altLang="en-US" sz="3600" smtClean="0">
+              <a:t>키워드를 사용하여</a:t>
+            </a:r>
+            <a:r>
+              <a:rPr lang="en-US" altLang="ko-KR" sz="3600">
                 <a:solidFill>
                   <a:schemeClr val="tx1">
                     <a:lumMod val="50000"/>
@@ -14556,10 +14204,10 @@
                 <a:latin typeface="G마켓 산스 Medium" panose="02000000000000000000" pitchFamily="50" charset="-127"/>
                 <a:ea typeface="G마켓 산스 Medium" panose="02000000000000000000" pitchFamily="50" charset="-127"/>
               </a:rPr>
-              <a:t>사용하여</a:t>
-            </a:r>
-            <a:r>
-              <a:rPr lang="en-US" altLang="ko-KR" sz="3600" smtClean="0">
+              <a:t> </a:t>
+            </a:r>
+            <a:r>
+              <a:rPr lang="ko-KR" altLang="en-US" sz="3600">
                 <a:solidFill>
                   <a:schemeClr val="tx1">
                     <a:lumMod val="50000"/>
@@ -14569,23 +14217,10 @@
                 <a:latin typeface="G마켓 산스 Medium" panose="02000000000000000000" pitchFamily="50" charset="-127"/>
                 <a:ea typeface="G마켓 산스 Medium" panose="02000000000000000000" pitchFamily="50" charset="-127"/>
               </a:rPr>
-              <a:t> </a:t>
-            </a:r>
-            <a:r>
-              <a:rPr lang="ko-KR" altLang="en-US" sz="3600" smtClean="0">
-                <a:solidFill>
-                  <a:schemeClr val="tx1">
-                    <a:lumMod val="50000"/>
-                    <a:lumOff val="50000"/>
-                  </a:schemeClr>
-                </a:solidFill>
-                <a:latin typeface="G마켓 산스 Medium" panose="02000000000000000000" pitchFamily="50" charset="-127"/>
-                <a:ea typeface="G마켓 산스 Medium" panose="02000000000000000000" pitchFamily="50" charset="-127"/>
-              </a:rPr>
               <a:t>멤버변수 영역에 선언한다</a:t>
             </a:r>
             <a:r>
-              <a:rPr lang="en-US" altLang="ko-KR" sz="3600" smtClean="0">
+              <a:rPr lang="en-US" altLang="ko-KR" sz="3600">
                 <a:solidFill>
                   <a:schemeClr val="tx1">
                     <a:lumMod val="50000"/>
@@ -14604,7 +14239,7 @@
               <a:buChar char="-"/>
             </a:pPr>
             <a:r>
-              <a:rPr lang="ko-KR" altLang="en-US" sz="3600" smtClean="0">
+              <a:rPr lang="ko-KR" altLang="en-US" sz="3600">
                 <a:solidFill>
                   <a:schemeClr val="tx1">
                     <a:lumMod val="50000"/>
@@ -14617,7 +14252,7 @@
               <a:t>프로그램이 실행될때 메모리에 올라간다</a:t>
             </a:r>
             <a:r>
-              <a:rPr lang="en-US" altLang="ko-KR" sz="3600" smtClean="0">
+              <a:rPr lang="en-US" altLang="ko-KR" sz="3600">
                 <a:solidFill>
                   <a:schemeClr val="tx1">
                     <a:lumMod val="50000"/>
@@ -14630,7 +14265,7 @@
               <a:t>(</a:t>
             </a:r>
             <a:r>
-              <a:rPr lang="ko-KR" altLang="en-US" sz="3600" smtClean="0">
+              <a:rPr lang="ko-KR" altLang="en-US" sz="3600">
                 <a:solidFill>
                   <a:schemeClr val="tx1">
                     <a:lumMod val="50000"/>
@@ -14643,7 +14278,7 @@
               <a:t>객체 생성 이전단계</a:t>
             </a:r>
             <a:r>
-              <a:rPr lang="en-US" altLang="ko-KR" sz="3600" smtClean="0">
+              <a:rPr lang="en-US" altLang="ko-KR" sz="3600">
                 <a:solidFill>
                   <a:schemeClr val="tx1">
                     <a:lumMod val="50000"/>
@@ -14665,29 +14300,19 @@
                 <a:latin typeface="G마켓 산스 Medium" panose="02000000000000000000" pitchFamily="50" charset="-127"/>
                 <a:ea typeface="G마켓 산스 Medium" panose="02000000000000000000" pitchFamily="50" charset="-127"/>
               </a:rPr>
-              <a:t> </a:t>
-            </a:r>
-            <a:r>
-              <a:rPr lang="en-US" altLang="ko-KR" sz="3600" smtClean="0">
+              <a:t>     </a:t>
+            </a:r>
+            <a:r>
+              <a:rPr lang="ko-KR" altLang="en-US" sz="3600">
                 <a:solidFill>
                   <a:srgbClr val="FF0000"/>
                 </a:solidFill>
                 <a:latin typeface="G마켓 산스 Medium" panose="02000000000000000000" pitchFamily="50" charset="-127"/>
                 <a:ea typeface="G마켓 산스 Medium" panose="02000000000000000000" pitchFamily="50" charset="-127"/>
               </a:rPr>
-              <a:t>    </a:t>
-            </a:r>
-            <a:r>
-              <a:rPr lang="ko-KR" altLang="en-US" sz="3600" smtClean="0">
-                <a:solidFill>
-                  <a:srgbClr val="FF0000"/>
-                </a:solidFill>
-                <a:latin typeface="G마켓 산스 Medium" panose="02000000000000000000" pitchFamily="50" charset="-127"/>
-                <a:ea typeface="G마켓 산스 Medium" panose="02000000000000000000" pitchFamily="50" charset="-127"/>
-              </a:rPr>
               <a:t>그러므로 객체 생성없이 사용가능하다</a:t>
             </a:r>
-            <a:endParaRPr lang="en-US" altLang="ko-KR" sz="3600" smtClean="0">
+            <a:endParaRPr lang="en-US" altLang="ko-KR" sz="3600">
               <a:solidFill>
                 <a:srgbClr val="FF0000"/>
               </a:solidFill>
@@ -14701,7 +14326,7 @@
               <a:buChar char="-"/>
             </a:pPr>
             <a:r>
-              <a:rPr lang="ko-KR" altLang="en-US" sz="3600" smtClean="0">
+              <a:rPr lang="ko-KR" altLang="en-US" sz="3600">
                 <a:solidFill>
                   <a:schemeClr val="tx1">
                     <a:lumMod val="50000"/>
@@ -14714,7 +14339,7 @@
               <a:t>객체들끼리 공유하는 변수이다</a:t>
             </a:r>
             <a:r>
-              <a:rPr lang="en-US" altLang="ko-KR" sz="3600" smtClean="0">
+              <a:rPr lang="en-US" altLang="ko-KR" sz="3600">
                 <a:solidFill>
                   <a:schemeClr val="tx1">
                     <a:lumMod val="50000"/>
@@ -14739,13 +14364,6 @@
   <p:clrMapOvr>
     <a:masterClrMapping/>
   </p:clrMapOvr>
-  <p:timing>
-    <p:tnLst>
-      <p:par>
-        <p:cTn id="1" dur="indefinite" restart="never" nodeType="tmRoot"/>
-      </p:par>
-    </p:tnLst>
-  </p:timing>
 </p:sld>
 </file>
 
@@ -14795,7 +14413,7 @@
           <p:cNvPr id="5" name="직사각형 4">
             <a:extLst>
               <a:ext uri="{FF2B5EF4-FFF2-40B4-BE49-F238E27FC236}">
-                <a16:creationId xmlns:a16="http://schemas.microsoft.com/office/drawing/2014/main" xmlns="" id="{FFF506F9-840A-0508-4CAF-3AC711D8D5CE}"/>
+                <a16:creationId xmlns:a16="http://schemas.microsoft.com/office/drawing/2014/main" id="{FFF506F9-840A-0508-4CAF-3AC711D8D5CE}"/>
               </a:ext>
             </a:extLst>
           </p:cNvPr>
@@ -14871,7 +14489,7 @@
           <p:cNvPr id="7" name="직선 화살표 연결선 6">
             <a:extLst>
               <a:ext uri="{FF2B5EF4-FFF2-40B4-BE49-F238E27FC236}">
-                <a16:creationId xmlns="" xmlns:a16="http://schemas.microsoft.com/office/drawing/2014/main" id="{299DF5EC-9DF4-5255-06AC-0A7CE4FF58C3}"/>
+                <a16:creationId xmlns:a16="http://schemas.microsoft.com/office/drawing/2014/main" id="{299DF5EC-9DF4-5255-06AC-0A7CE4FF58C3}"/>
               </a:ext>
             </a:extLst>
           </p:cNvPr>
@@ -14936,7 +14554,7 @@
           <p:cNvPr id="9" name="직선 화살표 연결선 8">
             <a:extLst>
               <a:ext uri="{FF2B5EF4-FFF2-40B4-BE49-F238E27FC236}">
-                <a16:creationId xmlns="" xmlns:a16="http://schemas.microsoft.com/office/drawing/2014/main" id="{299DF5EC-9DF4-5255-06AC-0A7CE4FF58C3}"/>
+                <a16:creationId xmlns:a16="http://schemas.microsoft.com/office/drawing/2014/main" id="{299DF5EC-9DF4-5255-06AC-0A7CE4FF58C3}"/>
               </a:ext>
             </a:extLst>
           </p:cNvPr>
@@ -14982,13 +14600,6 @@
   <p:clrMapOvr>
     <a:masterClrMapping/>
   </p:clrMapOvr>
-  <p:timing>
-    <p:tnLst>
-      <p:par>
-        <p:cTn id="1" dur="indefinite" restart="never" nodeType="tmRoot"/>
-      </p:par>
-    </p:tnLst>
-  </p:timing>
 </p:sld>
 </file>
 
@@ -15062,7 +14673,7 @@
           <p:cNvPr id="6" name="직선 화살표 연결선 5">
             <a:extLst>
               <a:ext uri="{FF2B5EF4-FFF2-40B4-BE49-F238E27FC236}">
-                <a16:creationId xmlns="" xmlns:a16="http://schemas.microsoft.com/office/drawing/2014/main" id="{299DF5EC-9DF4-5255-06AC-0A7CE4FF58C3}"/>
+                <a16:creationId xmlns:a16="http://schemas.microsoft.com/office/drawing/2014/main" id="{299DF5EC-9DF4-5255-06AC-0A7CE4FF58C3}"/>
               </a:ext>
             </a:extLst>
           </p:cNvPr>
@@ -15103,7 +14714,7 @@
           <p:cNvPr id="7" name="TextBox 6">
             <a:extLst>
               <a:ext uri="{FF2B5EF4-FFF2-40B4-BE49-F238E27FC236}">
-                <a16:creationId xmlns="" xmlns:a16="http://schemas.microsoft.com/office/drawing/2014/main" id="{C6D113C6-EA5C-788F-0C77-E7CE6EBB865F}"/>
+                <a16:creationId xmlns:a16="http://schemas.microsoft.com/office/drawing/2014/main" id="{C6D113C6-EA5C-788F-0C77-E7CE6EBB865F}"/>
               </a:ext>
             </a:extLst>
           </p:cNvPr>
@@ -15127,7 +14738,7 @@
           <a:lstStyle/>
           <a:p>
             <a:r>
-              <a:rPr lang="ko-KR" altLang="en-US" sz="3600" smtClean="0">
+              <a:rPr lang="ko-KR" altLang="en-US" sz="3600">
                 <a:solidFill>
                   <a:srgbClr val="FF0000"/>
                 </a:solidFill>
@@ -15137,7 +14748,7 @@
               <a:t>객체를 통해 접근해도 된다</a:t>
             </a:r>
             <a:r>
-              <a:rPr lang="en-US" altLang="ko-KR" sz="3600" smtClean="0">
+              <a:rPr lang="en-US" altLang="ko-KR" sz="3600">
                 <a:solidFill>
                   <a:srgbClr val="FF0000"/>
                 </a:solidFill>
@@ -15147,7 +14758,7 @@
               <a:t>.(</a:t>
             </a:r>
             <a:r>
-              <a:rPr lang="ko-KR" altLang="en-US" sz="3600" smtClean="0">
+              <a:rPr lang="ko-KR" altLang="en-US" sz="3600">
                 <a:solidFill>
                   <a:srgbClr val="FF0000"/>
                 </a:solidFill>
@@ -15157,7 +14768,7 @@
               <a:t>권장안함</a:t>
             </a:r>
             <a:r>
-              <a:rPr lang="en-US" altLang="ko-KR" sz="3600" smtClean="0">
+              <a:rPr lang="en-US" altLang="ko-KR" sz="3600">
                 <a:solidFill>
                   <a:srgbClr val="FF0000"/>
                 </a:solidFill>
@@ -15186,13 +14797,6 @@
   <p:clrMapOvr>
     <a:masterClrMapping/>
   </p:clrMapOvr>
-  <p:timing>
-    <p:tnLst>
-      <p:par>
-        <p:cTn id="1" dur="indefinite" restart="never" nodeType="tmRoot"/>
-      </p:par>
-    </p:tnLst>
-  </p:timing>
 </p:sld>
 </file>
 
@@ -15218,7 +14822,7 @@
           <p:cNvPr id="4" name="TextBox 3">
             <a:extLst>
               <a:ext uri="{FF2B5EF4-FFF2-40B4-BE49-F238E27FC236}">
-                <a16:creationId xmlns:a16="http://schemas.microsoft.com/office/drawing/2014/main" xmlns="" id="{5ADC00B6-990A-40DC-3CEA-505258F5E8DA}"/>
+                <a16:creationId xmlns:a16="http://schemas.microsoft.com/office/drawing/2014/main" id="{5ADC00B6-990A-40DC-3CEA-505258F5E8DA}"/>
               </a:ext>
             </a:extLst>
           </p:cNvPr>
@@ -15463,7 +15067,7 @@
           <p:cNvPr id="4" name="그룹 1018">
             <a:extLst>
               <a:ext uri="{FF2B5EF4-FFF2-40B4-BE49-F238E27FC236}">
-                <a16:creationId xmlns="" xmlns:a16="http://schemas.microsoft.com/office/drawing/2014/main" id="{0804D430-F42E-AE32-A065-FFA8C471F092}"/>
+                <a16:creationId xmlns:a16="http://schemas.microsoft.com/office/drawing/2014/main" id="{0804D430-F42E-AE32-A065-FFA8C471F092}"/>
               </a:ext>
             </a:extLst>
           </p:cNvPr>
@@ -15483,7 +15087,7 @@
             <p:cNvPr id="5" name="Object 61">
               <a:extLst>
                 <a:ext uri="{FF2B5EF4-FFF2-40B4-BE49-F238E27FC236}">
-                  <a16:creationId xmlns="" xmlns:a16="http://schemas.microsoft.com/office/drawing/2014/main" id="{334A4C3A-641C-7CD9-8FEE-5EC92B28D640}"/>
+                  <a16:creationId xmlns:a16="http://schemas.microsoft.com/office/drawing/2014/main" id="{334A4C3A-641C-7CD9-8FEE-5EC92B28D640}"/>
                 </a:ext>
               </a:extLst>
             </p:cNvPr>
@@ -15514,7 +15118,7 @@
           <p:cNvPr id="7" name="TextBox 6">
             <a:extLst>
               <a:ext uri="{FF2B5EF4-FFF2-40B4-BE49-F238E27FC236}">
-                <a16:creationId xmlns:a16="http://schemas.microsoft.com/office/drawing/2014/main" xmlns="" id="{5ADC00B6-990A-40DC-3CEA-505258F5E8DA}"/>
+                <a16:creationId xmlns:a16="http://schemas.microsoft.com/office/drawing/2014/main" id="{5ADC00B6-990A-40DC-3CEA-505258F5E8DA}"/>
               </a:ext>
             </a:extLst>
           </p:cNvPr>
@@ -15538,7 +15142,7 @@
           <a:lstStyle/>
           <a:p>
             <a:r>
-              <a:rPr lang="ko-KR" altLang="en-US" sz="4800" smtClean="0">
+              <a:rPr lang="ko-KR" altLang="en-US" sz="4800">
                 <a:solidFill>
                   <a:srgbClr val="4C50BC"/>
                 </a:solidFill>
@@ -15548,7 +15152,7 @@
               <a:t>객체</a:t>
             </a:r>
             <a:r>
-              <a:rPr lang="en-US" altLang="ko-KR" sz="4800" smtClean="0">
+              <a:rPr lang="en-US" altLang="ko-KR" sz="4800">
                 <a:solidFill>
                   <a:srgbClr val="4C50BC"/>
                 </a:solidFill>
@@ -15572,7 +15176,7 @@
           <p:cNvPr id="10" name="TextBox 9">
             <a:extLst>
               <a:ext uri="{FF2B5EF4-FFF2-40B4-BE49-F238E27FC236}">
-                <a16:creationId xmlns:a16="http://schemas.microsoft.com/office/drawing/2014/main" xmlns="" id="{5ADC00B6-990A-40DC-3CEA-505258F5E8DA}"/>
+                <a16:creationId xmlns:a16="http://schemas.microsoft.com/office/drawing/2014/main" id="{5ADC00B6-990A-40DC-3CEA-505258F5E8DA}"/>
               </a:ext>
             </a:extLst>
           </p:cNvPr>
@@ -15596,7 +15200,7 @@
           <a:lstStyle/>
           <a:p>
             <a:r>
-              <a:rPr lang="ko-KR" altLang="en-US" sz="4800" smtClean="0">
+              <a:rPr lang="ko-KR" altLang="en-US" sz="4800">
                 <a:solidFill>
                   <a:srgbClr val="4C50BC"/>
                 </a:solidFill>
@@ -15630,7 +15234,7 @@
           <p:cNvPr id="11" name="TextBox 10">
             <a:extLst>
               <a:ext uri="{FF2B5EF4-FFF2-40B4-BE49-F238E27FC236}">
-                <a16:creationId xmlns:a16="http://schemas.microsoft.com/office/drawing/2014/main" xmlns="" id="{5ADC00B6-990A-40DC-3CEA-505258F5E8DA}"/>
+                <a16:creationId xmlns:a16="http://schemas.microsoft.com/office/drawing/2014/main" id="{5ADC00B6-990A-40DC-3CEA-505258F5E8DA}"/>
               </a:ext>
             </a:extLst>
           </p:cNvPr>
@@ -15654,7 +15258,7 @@
           <a:lstStyle/>
           <a:p>
             <a:r>
-              <a:rPr lang="ko-KR" altLang="en-US" sz="4800" smtClean="0">
+              <a:rPr lang="ko-KR" altLang="en-US" sz="4800">
                 <a:solidFill>
                   <a:srgbClr val="4C50BC"/>
                 </a:solidFill>
@@ -15664,7 +15268,7 @@
               <a:t>객체</a:t>
             </a:r>
             <a:r>
-              <a:rPr lang="en-US" altLang="ko-KR" sz="4800" smtClean="0">
+              <a:rPr lang="en-US" altLang="ko-KR" sz="4800">
                 <a:solidFill>
                   <a:srgbClr val="4C50BC"/>
                 </a:solidFill>
@@ -15688,7 +15292,7 @@
           <p:cNvPr id="12" name="TextBox 11">
             <a:extLst>
               <a:ext uri="{FF2B5EF4-FFF2-40B4-BE49-F238E27FC236}">
-                <a16:creationId xmlns="" xmlns:a16="http://schemas.microsoft.com/office/drawing/2014/main" id="{52176D31-35F7-8916-46FA-6095EFEC1E49}"/>
+                <a16:creationId xmlns:a16="http://schemas.microsoft.com/office/drawing/2014/main" id="{52176D31-35F7-8916-46FA-6095EFEC1E49}"/>
               </a:ext>
             </a:extLst>
           </p:cNvPr>
@@ -15712,7 +15316,7 @@
           <a:lstStyle/>
           <a:p>
             <a:r>
-              <a:rPr lang="en-US" altLang="ko-KR" sz="4000" smtClean="0">
+              <a:rPr lang="en-US" altLang="ko-KR" sz="4000">
                 <a:solidFill>
                   <a:schemeClr val="tx1">
                     <a:lumMod val="50000"/>
@@ -15742,7 +15346,7 @@
           <p:cNvPr id="13" name="그룹 1018">
             <a:extLst>
               <a:ext uri="{FF2B5EF4-FFF2-40B4-BE49-F238E27FC236}">
-                <a16:creationId xmlns="" xmlns:a16="http://schemas.microsoft.com/office/drawing/2014/main" id="{0804D430-F42E-AE32-A065-FFA8C471F092}"/>
+                <a16:creationId xmlns:a16="http://schemas.microsoft.com/office/drawing/2014/main" id="{0804D430-F42E-AE32-A065-FFA8C471F092}"/>
               </a:ext>
             </a:extLst>
           </p:cNvPr>
@@ -15762,7 +15366,7 @@
             <p:cNvPr id="14" name="Object 61">
               <a:extLst>
                 <a:ext uri="{FF2B5EF4-FFF2-40B4-BE49-F238E27FC236}">
-                  <a16:creationId xmlns="" xmlns:a16="http://schemas.microsoft.com/office/drawing/2014/main" id="{334A4C3A-641C-7CD9-8FEE-5EC92B28D640}"/>
+                  <a16:creationId xmlns:a16="http://schemas.microsoft.com/office/drawing/2014/main" id="{334A4C3A-641C-7CD9-8FEE-5EC92B28D640}"/>
                 </a:ext>
               </a:extLst>
             </p:cNvPr>
@@ -15793,7 +15397,7 @@
           <p:cNvPr id="16" name="TextBox 15">
             <a:extLst>
               <a:ext uri="{FF2B5EF4-FFF2-40B4-BE49-F238E27FC236}">
-                <a16:creationId xmlns="" xmlns:a16="http://schemas.microsoft.com/office/drawing/2014/main" id="{52176D31-35F7-8916-46FA-6095EFEC1E49}"/>
+                <a16:creationId xmlns:a16="http://schemas.microsoft.com/office/drawing/2014/main" id="{52176D31-35F7-8916-46FA-6095EFEC1E49}"/>
               </a:ext>
             </a:extLst>
           </p:cNvPr>
@@ -15817,7 +15421,7 @@
           <a:lstStyle/>
           <a:p>
             <a:r>
-              <a:rPr lang="en-US" altLang="ko-KR" sz="4000" smtClean="0">
+              <a:rPr lang="en-US" altLang="ko-KR" sz="4000">
                 <a:solidFill>
                   <a:schemeClr val="tx1">
                     <a:lumMod val="50000"/>
@@ -15827,20 +15431,7 @@
                 <a:latin typeface="G마켓 산스 Medium" panose="02000000000000000000" pitchFamily="50" charset="-127"/>
                 <a:ea typeface="G마켓 산스 Medium" panose="02000000000000000000" pitchFamily="50" charset="-127"/>
               </a:rPr>
-              <a:t>int </a:t>
-            </a:r>
-            <a:r>
-              <a:rPr lang="en-US" altLang="ko-KR" sz="4000" smtClean="0">
-                <a:solidFill>
-                  <a:schemeClr val="tx1">
-                    <a:lumMod val="50000"/>
-                    <a:lumOff val="50000"/>
-                  </a:schemeClr>
-                </a:solidFill>
-                <a:latin typeface="G마켓 산스 Medium" panose="02000000000000000000" pitchFamily="50" charset="-127"/>
-                <a:ea typeface="G마켓 산스 Medium" panose="02000000000000000000" pitchFamily="50" charset="-127"/>
-              </a:rPr>
-              <a:t>iv</a:t>
+              <a:t>int iv</a:t>
             </a:r>
             <a:endParaRPr lang="en-US" altLang="ko-KR" sz="4000" dirty="0">
               <a:solidFill>
@@ -15860,7 +15451,7 @@
           <p:cNvPr id="17" name="그룹 1018">
             <a:extLst>
               <a:ext uri="{FF2B5EF4-FFF2-40B4-BE49-F238E27FC236}">
-                <a16:creationId xmlns="" xmlns:a16="http://schemas.microsoft.com/office/drawing/2014/main" id="{0804D430-F42E-AE32-A065-FFA8C471F092}"/>
+                <a16:creationId xmlns:a16="http://schemas.microsoft.com/office/drawing/2014/main" id="{0804D430-F42E-AE32-A065-FFA8C471F092}"/>
               </a:ext>
             </a:extLst>
           </p:cNvPr>
@@ -15880,7 +15471,7 @@
             <p:cNvPr id="18" name="Object 61">
               <a:extLst>
                 <a:ext uri="{FF2B5EF4-FFF2-40B4-BE49-F238E27FC236}">
-                  <a16:creationId xmlns="" xmlns:a16="http://schemas.microsoft.com/office/drawing/2014/main" id="{334A4C3A-641C-7CD9-8FEE-5EC92B28D640}"/>
+                  <a16:creationId xmlns:a16="http://schemas.microsoft.com/office/drawing/2014/main" id="{334A4C3A-641C-7CD9-8FEE-5EC92B28D640}"/>
                 </a:ext>
               </a:extLst>
             </p:cNvPr>
@@ -15911,7 +15502,7 @@
           <p:cNvPr id="19" name="TextBox 18">
             <a:extLst>
               <a:ext uri="{FF2B5EF4-FFF2-40B4-BE49-F238E27FC236}">
-                <a16:creationId xmlns="" xmlns:a16="http://schemas.microsoft.com/office/drawing/2014/main" id="{52176D31-35F7-8916-46FA-6095EFEC1E49}"/>
+                <a16:creationId xmlns:a16="http://schemas.microsoft.com/office/drawing/2014/main" id="{52176D31-35F7-8916-46FA-6095EFEC1E49}"/>
               </a:ext>
             </a:extLst>
           </p:cNvPr>
@@ -15935,7 +15526,7 @@
           <a:lstStyle/>
           <a:p>
             <a:r>
-              <a:rPr lang="en-US" altLang="ko-KR" sz="4000" smtClean="0">
+              <a:rPr lang="en-US" altLang="ko-KR" sz="4000">
                 <a:solidFill>
                   <a:schemeClr val="tx1">
                     <a:lumMod val="50000"/>
@@ -15945,20 +15536,7 @@
                 <a:latin typeface="G마켓 산스 Medium" panose="02000000000000000000" pitchFamily="50" charset="-127"/>
                 <a:ea typeface="G마켓 산스 Medium" panose="02000000000000000000" pitchFamily="50" charset="-127"/>
               </a:rPr>
-              <a:t>int </a:t>
-            </a:r>
-            <a:r>
-              <a:rPr lang="en-US" altLang="ko-KR" sz="4000" smtClean="0">
-                <a:solidFill>
-                  <a:schemeClr val="tx1">
-                    <a:lumMod val="50000"/>
-                    <a:lumOff val="50000"/>
-                  </a:schemeClr>
-                </a:solidFill>
-                <a:latin typeface="G마켓 산스 Medium" panose="02000000000000000000" pitchFamily="50" charset="-127"/>
-                <a:ea typeface="G마켓 산스 Medium" panose="02000000000000000000" pitchFamily="50" charset="-127"/>
-              </a:rPr>
-              <a:t>iv</a:t>
+              <a:t>int iv</a:t>
             </a:r>
             <a:endParaRPr lang="en-US" altLang="ko-KR" sz="4000" dirty="0">
               <a:solidFill>
@@ -15978,7 +15556,7 @@
           <p:cNvPr id="20" name="그룹 1018">
             <a:extLst>
               <a:ext uri="{FF2B5EF4-FFF2-40B4-BE49-F238E27FC236}">
-                <a16:creationId xmlns="" xmlns:a16="http://schemas.microsoft.com/office/drawing/2014/main" id="{0804D430-F42E-AE32-A065-FFA8C471F092}"/>
+                <a16:creationId xmlns:a16="http://schemas.microsoft.com/office/drawing/2014/main" id="{0804D430-F42E-AE32-A065-FFA8C471F092}"/>
               </a:ext>
             </a:extLst>
           </p:cNvPr>
@@ -15998,7 +15576,7 @@
             <p:cNvPr id="21" name="Object 61">
               <a:extLst>
                 <a:ext uri="{FF2B5EF4-FFF2-40B4-BE49-F238E27FC236}">
-                  <a16:creationId xmlns="" xmlns:a16="http://schemas.microsoft.com/office/drawing/2014/main" id="{334A4C3A-641C-7CD9-8FEE-5EC92B28D640}"/>
+                  <a16:creationId xmlns:a16="http://schemas.microsoft.com/office/drawing/2014/main" id="{334A4C3A-641C-7CD9-8FEE-5EC92B28D640}"/>
                 </a:ext>
               </a:extLst>
             </p:cNvPr>
@@ -16029,7 +15607,7 @@
           <p:cNvPr id="22" name="TextBox 21">
             <a:extLst>
               <a:ext uri="{FF2B5EF4-FFF2-40B4-BE49-F238E27FC236}">
-                <a16:creationId xmlns="" xmlns:a16="http://schemas.microsoft.com/office/drawing/2014/main" id="{52176D31-35F7-8916-46FA-6095EFEC1E49}"/>
+                <a16:creationId xmlns:a16="http://schemas.microsoft.com/office/drawing/2014/main" id="{52176D31-35F7-8916-46FA-6095EFEC1E49}"/>
               </a:ext>
             </a:extLst>
           </p:cNvPr>
@@ -16053,7 +15631,7 @@
           <a:lstStyle/>
           <a:p>
             <a:r>
-              <a:rPr lang="en-US" altLang="ko-KR" sz="4000" smtClean="0">
+              <a:rPr lang="en-US" altLang="ko-KR" sz="4000">
                 <a:solidFill>
                   <a:schemeClr val="tx1">
                     <a:lumMod val="50000"/>
@@ -16063,20 +15641,7 @@
                 <a:latin typeface="G마켓 산스 Medium" panose="02000000000000000000" pitchFamily="50" charset="-127"/>
                 <a:ea typeface="G마켓 산스 Medium" panose="02000000000000000000" pitchFamily="50" charset="-127"/>
               </a:rPr>
-              <a:t>int </a:t>
-            </a:r>
-            <a:r>
-              <a:rPr lang="en-US" altLang="ko-KR" sz="4000" smtClean="0">
-                <a:solidFill>
-                  <a:schemeClr val="tx1">
-                    <a:lumMod val="50000"/>
-                    <a:lumOff val="50000"/>
-                  </a:schemeClr>
-                </a:solidFill>
-                <a:latin typeface="G마켓 산스 Medium" panose="02000000000000000000" pitchFamily="50" charset="-127"/>
-                <a:ea typeface="G마켓 산스 Medium" panose="02000000000000000000" pitchFamily="50" charset="-127"/>
-              </a:rPr>
-              <a:t>iv</a:t>
+              <a:t>int iv</a:t>
             </a:r>
             <a:endParaRPr lang="en-US" altLang="ko-KR" sz="4000" dirty="0">
               <a:solidFill>
@@ -16096,7 +15661,7 @@
           <p:cNvPr id="23" name="직선 화살표 연결선 22">
             <a:extLst>
               <a:ext uri="{FF2B5EF4-FFF2-40B4-BE49-F238E27FC236}">
-                <a16:creationId xmlns="" xmlns:a16="http://schemas.microsoft.com/office/drawing/2014/main" id="{299DF5EC-9DF4-5255-06AC-0A7CE4FF58C3}"/>
+                <a16:creationId xmlns:a16="http://schemas.microsoft.com/office/drawing/2014/main" id="{299DF5EC-9DF4-5255-06AC-0A7CE4FF58C3}"/>
               </a:ext>
             </a:extLst>
           </p:cNvPr>
@@ -16137,7 +15702,7 @@
           <p:cNvPr id="26" name="직선 화살표 연결선 25">
             <a:extLst>
               <a:ext uri="{FF2B5EF4-FFF2-40B4-BE49-F238E27FC236}">
-                <a16:creationId xmlns="" xmlns:a16="http://schemas.microsoft.com/office/drawing/2014/main" id="{299DF5EC-9DF4-5255-06AC-0A7CE4FF58C3}"/>
+                <a16:creationId xmlns:a16="http://schemas.microsoft.com/office/drawing/2014/main" id="{299DF5EC-9DF4-5255-06AC-0A7CE4FF58C3}"/>
               </a:ext>
             </a:extLst>
           </p:cNvPr>
@@ -16179,7 +15744,7 @@
           <p:cNvPr id="28" name="직선 화살표 연결선 27">
             <a:extLst>
               <a:ext uri="{FF2B5EF4-FFF2-40B4-BE49-F238E27FC236}">
-                <a16:creationId xmlns="" xmlns:a16="http://schemas.microsoft.com/office/drawing/2014/main" id="{299DF5EC-9DF4-5255-06AC-0A7CE4FF58C3}"/>
+                <a16:creationId xmlns:a16="http://schemas.microsoft.com/office/drawing/2014/main" id="{299DF5EC-9DF4-5255-06AC-0A7CE4FF58C3}"/>
               </a:ext>
             </a:extLst>
           </p:cNvPr>
@@ -16249,13 +15814,6 @@
   <p:clrMapOvr>
     <a:masterClrMapping/>
   </p:clrMapOvr>
-  <p:timing>
-    <p:tnLst>
-      <p:par>
-        <p:cTn id="1" dur="indefinite" restart="never" nodeType="tmRoot"/>
-      </p:par>
-    </p:tnLst>
-  </p:timing>
 </p:sld>
 </file>
 
@@ -16289,7 +15847,7 @@
           <p:cNvPr id="4" name="Object 1">
             <a:extLst>
               <a:ext uri="{FF2B5EF4-FFF2-40B4-BE49-F238E27FC236}">
-                <a16:creationId xmlns:a16="http://schemas.microsoft.com/office/drawing/2014/main" xmlns="" id="{B0329035-BE76-33A8-0F2E-44624FCC1DED}"/>
+                <a16:creationId xmlns:a16="http://schemas.microsoft.com/office/drawing/2014/main" id="{B0329035-BE76-33A8-0F2E-44624FCC1DED}"/>
               </a:ext>
             </a:extLst>
           </p:cNvPr>
@@ -16319,7 +15877,7 @@
           <p:cNvPr id="7" name="그룹 1001">
             <a:extLst>
               <a:ext uri="{FF2B5EF4-FFF2-40B4-BE49-F238E27FC236}">
-                <a16:creationId xmlns:a16="http://schemas.microsoft.com/office/drawing/2014/main" xmlns="" id="{CD24CE9D-AC18-B6CD-F397-7E8E03D6FE26}"/>
+                <a16:creationId xmlns:a16="http://schemas.microsoft.com/office/drawing/2014/main" id="{CD24CE9D-AC18-B6CD-F397-7E8E03D6FE26}"/>
               </a:ext>
             </a:extLst>
           </p:cNvPr>
@@ -16339,7 +15897,7 @@
             <p:cNvPr id="8" name="Object 5">
               <a:extLst>
                 <a:ext uri="{FF2B5EF4-FFF2-40B4-BE49-F238E27FC236}">
-                  <a16:creationId xmlns:a16="http://schemas.microsoft.com/office/drawing/2014/main" xmlns="" id="{0EEF25E8-3BA8-EBAA-6DC2-66D70C3F9F4D}"/>
+                  <a16:creationId xmlns:a16="http://schemas.microsoft.com/office/drawing/2014/main" id="{0EEF25E8-3BA8-EBAA-6DC2-66D70C3F9F4D}"/>
                 </a:ext>
               </a:extLst>
             </p:cNvPr>
@@ -16370,7 +15928,7 @@
           <p:cNvPr id="9" name="그룹 1002">
             <a:extLst>
               <a:ext uri="{FF2B5EF4-FFF2-40B4-BE49-F238E27FC236}">
-                <a16:creationId xmlns:a16="http://schemas.microsoft.com/office/drawing/2014/main" xmlns="" id="{0F281BC9-DE1F-D1FE-E64C-C4640398F00C}"/>
+                <a16:creationId xmlns:a16="http://schemas.microsoft.com/office/drawing/2014/main" id="{0F281BC9-DE1F-D1FE-E64C-C4640398F00C}"/>
               </a:ext>
             </a:extLst>
           </p:cNvPr>
@@ -16390,7 +15948,7 @@
             <p:cNvPr id="10" name="Object 8">
               <a:extLst>
                 <a:ext uri="{FF2B5EF4-FFF2-40B4-BE49-F238E27FC236}">
-                  <a16:creationId xmlns:a16="http://schemas.microsoft.com/office/drawing/2014/main" xmlns="" id="{F669DCEF-04BB-7046-3F7F-5B513213556E}"/>
+                  <a16:creationId xmlns:a16="http://schemas.microsoft.com/office/drawing/2014/main" id="{F669DCEF-04BB-7046-3F7F-5B513213556E}"/>
                 </a:ext>
               </a:extLst>
             </p:cNvPr>
@@ -16421,7 +15979,7 @@
           <p:cNvPr id="11" name="그룹 1003">
             <a:extLst>
               <a:ext uri="{FF2B5EF4-FFF2-40B4-BE49-F238E27FC236}">
-                <a16:creationId xmlns:a16="http://schemas.microsoft.com/office/drawing/2014/main" xmlns="" id="{1F91EEF9-13EA-BB7F-B056-D35E7DB989AC}"/>
+                <a16:creationId xmlns:a16="http://schemas.microsoft.com/office/drawing/2014/main" id="{1F91EEF9-13EA-BB7F-B056-D35E7DB989AC}"/>
               </a:ext>
             </a:extLst>
           </p:cNvPr>
@@ -16441,7 +15999,7 @@
             <p:cNvPr id="12" name="Object 11">
               <a:extLst>
                 <a:ext uri="{FF2B5EF4-FFF2-40B4-BE49-F238E27FC236}">
-                  <a16:creationId xmlns:a16="http://schemas.microsoft.com/office/drawing/2014/main" xmlns="" id="{2CFFB217-AEFB-2C9E-5F86-6EE19510FFC6}"/>
+                  <a16:creationId xmlns:a16="http://schemas.microsoft.com/office/drawing/2014/main" id="{2CFFB217-AEFB-2C9E-5F86-6EE19510FFC6}"/>
                 </a:ext>
               </a:extLst>
             </p:cNvPr>
@@ -16472,7 +16030,7 @@
           <p:cNvPr id="13" name="그룹 1004">
             <a:extLst>
               <a:ext uri="{FF2B5EF4-FFF2-40B4-BE49-F238E27FC236}">
-                <a16:creationId xmlns:a16="http://schemas.microsoft.com/office/drawing/2014/main" xmlns="" id="{123B9C7E-94E8-E7E1-81BE-D59EA0299187}"/>
+                <a16:creationId xmlns:a16="http://schemas.microsoft.com/office/drawing/2014/main" id="{123B9C7E-94E8-E7E1-81BE-D59EA0299187}"/>
               </a:ext>
             </a:extLst>
           </p:cNvPr>
@@ -16492,7 +16050,7 @@
             <p:cNvPr id="14" name="Object 14">
               <a:extLst>
                 <a:ext uri="{FF2B5EF4-FFF2-40B4-BE49-F238E27FC236}">
-                  <a16:creationId xmlns:a16="http://schemas.microsoft.com/office/drawing/2014/main" xmlns="" id="{B6291552-2D89-A79F-7ACD-EA0EF9A4C389}"/>
+                  <a16:creationId xmlns:a16="http://schemas.microsoft.com/office/drawing/2014/main" id="{B6291552-2D89-A79F-7ACD-EA0EF9A4C389}"/>
                 </a:ext>
               </a:extLst>
             </p:cNvPr>
@@ -16523,7 +16081,7 @@
           <p:cNvPr id="15" name="TextBox 14">
             <a:extLst>
               <a:ext uri="{FF2B5EF4-FFF2-40B4-BE49-F238E27FC236}">
-                <a16:creationId xmlns:a16="http://schemas.microsoft.com/office/drawing/2014/main" xmlns="" id="{7D99763A-FC24-23F5-5BA9-D7B042E0F323}"/>
+                <a16:creationId xmlns:a16="http://schemas.microsoft.com/office/drawing/2014/main" id="{7D99763A-FC24-23F5-5BA9-D7B042E0F323}"/>
               </a:ext>
             </a:extLst>
           </p:cNvPr>
@@ -16576,13 +16134,6 @@
   <p:clrMapOvr>
     <a:masterClrMapping/>
   </p:clrMapOvr>
-  <p:timing>
-    <p:tnLst>
-      <p:par>
-        <p:cTn id="1" dur="indefinite" restart="never" nodeType="tmRoot"/>
-      </p:par>
-    </p:tnLst>
-  </p:timing>
 </p:sld>
 </file>
 
@@ -16608,7 +16159,7 @@
           <p:cNvPr id="4" name="TextBox 3">
             <a:extLst>
               <a:ext uri="{FF2B5EF4-FFF2-40B4-BE49-F238E27FC236}">
-                <a16:creationId xmlns:a16="http://schemas.microsoft.com/office/drawing/2014/main" xmlns="" id="{5ADC00B6-990A-40DC-3CEA-505258F5E8DA}"/>
+                <a16:creationId xmlns:a16="http://schemas.microsoft.com/office/drawing/2014/main" id="{5ADC00B6-990A-40DC-3CEA-505258F5E8DA}"/>
               </a:ext>
             </a:extLst>
           </p:cNvPr>
@@ -16689,14 +16240,14 @@
                 <a:gridCol w="1981200">
                   <a:extLst>
                     <a:ext uri="{9D8B030D-6E8A-4147-A177-3AD203B41FA5}">
-                      <a16:colId xmlns:a16="http://schemas.microsoft.com/office/drawing/2014/main" xmlns="" val="20000"/>
+                      <a16:colId xmlns:a16="http://schemas.microsoft.com/office/drawing/2014/main" val="20000"/>
                     </a:ext>
                   </a:extLst>
                 </a:gridCol>
                 <a:gridCol w="6019801">
                   <a:extLst>
                     <a:ext uri="{9D8B030D-6E8A-4147-A177-3AD203B41FA5}">
-                      <a16:colId xmlns:a16="http://schemas.microsoft.com/office/drawing/2014/main" xmlns="" val="20001"/>
+                      <a16:colId xmlns:a16="http://schemas.microsoft.com/office/drawing/2014/main" val="20001"/>
                     </a:ext>
                   </a:extLst>
                 </a:gridCol>
@@ -16834,7 +16385,7 @@
                 </a:tc>
                 <a:extLst>
                   <a:ext uri="{0D108BD9-81ED-4DB2-BD59-A6C34878D82A}">
-                    <a16:rowId xmlns:a16="http://schemas.microsoft.com/office/drawing/2014/main" xmlns="" val="10000"/>
+                    <a16:rowId xmlns:a16="http://schemas.microsoft.com/office/drawing/2014/main" val="10000"/>
                   </a:ext>
                 </a:extLst>
               </a:tr>
@@ -16995,7 +16546,7 @@
                 </a:tc>
                 <a:extLst>
                   <a:ext uri="{0D108BD9-81ED-4DB2-BD59-A6C34878D82A}">
-                    <a16:rowId xmlns:a16="http://schemas.microsoft.com/office/drawing/2014/main" xmlns="" val="10001"/>
+                    <a16:rowId xmlns:a16="http://schemas.microsoft.com/office/drawing/2014/main" val="10001"/>
                   </a:ext>
                 </a:extLst>
               </a:tr>
@@ -17135,7 +16686,7 @@
                 </a:tc>
                 <a:extLst>
                   <a:ext uri="{0D108BD9-81ED-4DB2-BD59-A6C34878D82A}">
-                    <a16:rowId xmlns:a16="http://schemas.microsoft.com/office/drawing/2014/main" xmlns="" val="10002"/>
+                    <a16:rowId xmlns:a16="http://schemas.microsoft.com/office/drawing/2014/main" val="10002"/>
                   </a:ext>
                 </a:extLst>
               </a:tr>
@@ -17148,7 +16699,7 @@
           <p:cNvPr id="5" name="TextBox 4">
             <a:extLst>
               <a:ext uri="{FF2B5EF4-FFF2-40B4-BE49-F238E27FC236}">
-                <a16:creationId xmlns="" xmlns:a16="http://schemas.microsoft.com/office/drawing/2014/main" id="{C6D113C6-EA5C-788F-0C77-E7CE6EBB865F}"/>
+                <a16:creationId xmlns:a16="http://schemas.microsoft.com/office/drawing/2014/main" id="{C6D113C6-EA5C-788F-0C77-E7CE6EBB865F}"/>
               </a:ext>
             </a:extLst>
           </p:cNvPr>
@@ -17157,7 +16708,7 @@
         </p:nvSpPr>
         <p:spPr>
           <a:xfrm>
-            <a:off x="1676400" y="7048500"/>
+            <a:off x="2667000" y="7048500"/>
             <a:ext cx="12420600" cy="646331"/>
           </a:xfrm>
           <a:prstGeom prst="rect">
@@ -17172,7 +16723,7 @@
           <a:lstStyle/>
           <a:p>
             <a:r>
-              <a:rPr lang="ko-KR" altLang="en-US" sz="3600" smtClean="0">
+              <a:rPr lang="ko-KR" altLang="en-US" sz="3600" dirty="0">
                 <a:solidFill>
                   <a:srgbClr val="FF0000"/>
                 </a:solidFill>
@@ -17182,7 +16733,7 @@
               <a:t>클래스의 정보들이 각메모리 영역에 나누어서 관리된다</a:t>
             </a:r>
             <a:r>
-              <a:rPr lang="en-US" altLang="ko-KR" sz="3600" smtClean="0">
+              <a:rPr lang="en-US" altLang="ko-KR" sz="3600" dirty="0">
                 <a:solidFill>
                   <a:srgbClr val="FF0000"/>
                 </a:solidFill>
@@ -17191,13 +16742,6 @@
               </a:rPr>
               <a:t>.</a:t>
             </a:r>
-            <a:endParaRPr lang="en-US" altLang="ko-KR" sz="3600" dirty="0">
-              <a:solidFill>
-                <a:srgbClr val="FF0000"/>
-              </a:solidFill>
-              <a:latin typeface="G마켓 산스 Medium" panose="02000000000000000000" pitchFamily="50" charset="-127"/>
-              <a:ea typeface="G마켓 산스 Medium" panose="02000000000000000000" pitchFamily="50" charset="-127"/>
-            </a:endParaRPr>
           </a:p>
         </p:txBody>
       </p:sp>
@@ -17211,13 +16755,6 @@
   <p:clrMapOvr>
     <a:masterClrMapping/>
   </p:clrMapOvr>
-  <p:timing>
-    <p:tnLst>
-      <p:par>
-        <p:cTn id="1" dur="indefinite" restart="never" nodeType="tmRoot"/>
-      </p:par>
-    </p:tnLst>
-  </p:timing>
 </p:sld>
 </file>
 
@@ -17289,7 +16826,7 @@
           <p:cNvPr id="5" name="TextBox 4">
             <a:extLst>
               <a:ext uri="{FF2B5EF4-FFF2-40B4-BE49-F238E27FC236}">
-                <a16:creationId xmlns="" xmlns:a16="http://schemas.microsoft.com/office/drawing/2014/main" id="{5ADC00B6-990A-40DC-3CEA-505258F5E8DA}"/>
+                <a16:creationId xmlns:a16="http://schemas.microsoft.com/office/drawing/2014/main" id="{5ADC00B6-990A-40DC-3CEA-505258F5E8DA}"/>
               </a:ext>
             </a:extLst>
           </p:cNvPr>
@@ -17313,7 +16850,7 @@
           <a:lstStyle/>
           <a:p>
             <a:r>
-              <a:rPr lang="ko-KR" altLang="en-US" sz="3600" smtClean="0">
+              <a:rPr lang="ko-KR" altLang="en-US" sz="3600">
                 <a:solidFill>
                   <a:srgbClr val="4C50BC"/>
                 </a:solidFill>
@@ -17383,7 +16920,7 @@
           <p:cNvPr id="7" name="TextBox 6">
             <a:extLst>
               <a:ext uri="{FF2B5EF4-FFF2-40B4-BE49-F238E27FC236}">
-                <a16:creationId xmlns="" xmlns:a16="http://schemas.microsoft.com/office/drawing/2014/main" id="{5ADC00B6-990A-40DC-3CEA-505258F5E8DA}"/>
+                <a16:creationId xmlns:a16="http://schemas.microsoft.com/office/drawing/2014/main" id="{5ADC00B6-990A-40DC-3CEA-505258F5E8DA}"/>
               </a:ext>
             </a:extLst>
           </p:cNvPr>
@@ -17407,7 +16944,7 @@
           <a:lstStyle/>
           <a:p>
             <a:r>
-              <a:rPr lang="ko-KR" altLang="en-US" sz="3600" smtClean="0">
+              <a:rPr lang="ko-KR" altLang="en-US" sz="3600">
                 <a:solidFill>
                   <a:srgbClr val="4C50BC"/>
                 </a:solidFill>
@@ -17477,7 +17014,7 @@
           <p:cNvPr id="9" name="TextBox 8">
             <a:extLst>
               <a:ext uri="{FF2B5EF4-FFF2-40B4-BE49-F238E27FC236}">
-                <a16:creationId xmlns="" xmlns:a16="http://schemas.microsoft.com/office/drawing/2014/main" id="{5ADC00B6-990A-40DC-3CEA-505258F5E8DA}"/>
+                <a16:creationId xmlns:a16="http://schemas.microsoft.com/office/drawing/2014/main" id="{5ADC00B6-990A-40DC-3CEA-505258F5E8DA}"/>
               </a:ext>
             </a:extLst>
           </p:cNvPr>
@@ -17508,17 +17045,7 @@
                 <a:latin typeface="G마켓 산스 Medium" panose="02000000000000000000" pitchFamily="50" charset="-127"/>
                 <a:ea typeface="G마켓 산스 Medium" panose="02000000000000000000" pitchFamily="50" charset="-127"/>
               </a:rPr>
-              <a:t>힙</a:t>
-            </a:r>
-            <a:r>
-              <a:rPr lang="ko-KR" altLang="en-US" sz="3600" smtClean="0">
-                <a:solidFill>
-                  <a:srgbClr val="4C50BC"/>
-                </a:solidFill>
-                <a:latin typeface="G마켓 산스 Medium" panose="02000000000000000000" pitchFamily="50" charset="-127"/>
-                <a:ea typeface="G마켓 산스 Medium" panose="02000000000000000000" pitchFamily="50" charset="-127"/>
-              </a:rPr>
-              <a:t> 영역</a:t>
+              <a:t>힙 영역</a:t>
             </a:r>
             <a:endParaRPr lang="en-US" altLang="ko-KR" sz="3600" dirty="0">
               <a:solidFill>
@@ -17754,7 +17281,7 @@
           <p:cNvPr id="20" name="TextBox 19">
             <a:extLst>
               <a:ext uri="{FF2B5EF4-FFF2-40B4-BE49-F238E27FC236}">
-                <a16:creationId xmlns="" xmlns:a16="http://schemas.microsoft.com/office/drawing/2014/main" id="{C6D113C6-EA5C-788F-0C77-E7CE6EBB865F}"/>
+                <a16:creationId xmlns:a16="http://schemas.microsoft.com/office/drawing/2014/main" id="{C6D113C6-EA5C-788F-0C77-E7CE6EBB865F}"/>
               </a:ext>
             </a:extLst>
           </p:cNvPr>
@@ -17778,7 +17305,7 @@
           <a:lstStyle/>
           <a:p>
             <a:r>
-              <a:rPr lang="en-US" altLang="ko-KR" sz="3600" smtClean="0">
+              <a:rPr lang="en-US" altLang="ko-KR" sz="3600">
                 <a:solidFill>
                   <a:srgbClr val="FF0000"/>
                 </a:solidFill>
@@ -17788,7 +17315,7 @@
               <a:t>static </a:t>
             </a:r>
             <a:r>
-              <a:rPr lang="ko-KR" altLang="en-US" sz="3600" smtClean="0">
+              <a:rPr lang="ko-KR" altLang="en-US" sz="3600">
                 <a:solidFill>
                   <a:srgbClr val="FF0000"/>
                 </a:solidFill>
@@ -17812,7 +17339,7 @@
           <p:cNvPr id="21" name="직선 화살표 연결선 20">
             <a:extLst>
               <a:ext uri="{FF2B5EF4-FFF2-40B4-BE49-F238E27FC236}">
-                <a16:creationId xmlns="" xmlns:a16="http://schemas.microsoft.com/office/drawing/2014/main" id="{299DF5EC-9DF4-5255-06AC-0A7CE4FF58C3}"/>
+                <a16:creationId xmlns:a16="http://schemas.microsoft.com/office/drawing/2014/main" id="{299DF5EC-9DF4-5255-06AC-0A7CE4FF58C3}"/>
               </a:ext>
             </a:extLst>
           </p:cNvPr>
@@ -17853,7 +17380,7 @@
           <p:cNvPr id="22" name="TextBox 21">
             <a:extLst>
               <a:ext uri="{FF2B5EF4-FFF2-40B4-BE49-F238E27FC236}">
-                <a16:creationId xmlns="" xmlns:a16="http://schemas.microsoft.com/office/drawing/2014/main" id="{C6D113C6-EA5C-788F-0C77-E7CE6EBB865F}"/>
+                <a16:creationId xmlns:a16="http://schemas.microsoft.com/office/drawing/2014/main" id="{C6D113C6-EA5C-788F-0C77-E7CE6EBB865F}"/>
               </a:ext>
             </a:extLst>
           </p:cNvPr>
@@ -17877,7 +17404,7 @@
           <a:lstStyle/>
           <a:p>
             <a:r>
-              <a:rPr lang="ko-KR" altLang="en-US" sz="3600" smtClean="0">
+              <a:rPr lang="ko-KR" altLang="en-US" sz="3600">
                 <a:solidFill>
                   <a:srgbClr val="FF0000"/>
                 </a:solidFill>
@@ -17886,7 +17413,7 @@
               </a:rPr>
               <a:t>프로그램 실행시 </a:t>
             </a:r>
-            <a:endParaRPr lang="en-US" altLang="ko-KR" sz="3600" smtClean="0">
+            <a:endParaRPr lang="en-US" altLang="ko-KR" sz="3600">
               <a:solidFill>
                 <a:srgbClr val="FF0000"/>
               </a:solidFill>
@@ -17896,7 +17423,7 @@
           </a:p>
           <a:p>
             <a:r>
-              <a:rPr lang="ko-KR" altLang="en-US" sz="3600" smtClean="0">
+              <a:rPr lang="ko-KR" altLang="en-US" sz="3600">
                 <a:solidFill>
                   <a:srgbClr val="FF0000"/>
                 </a:solidFill>
@@ -17906,7 +17433,7 @@
               <a:t>만들어진다</a:t>
             </a:r>
             <a:r>
-              <a:rPr lang="en-US" altLang="ko-KR" sz="3600" smtClean="0">
+              <a:rPr lang="en-US" altLang="ko-KR" sz="3600">
                 <a:solidFill>
                   <a:srgbClr val="FF0000"/>
                 </a:solidFill>
@@ -17930,7 +17457,7 @@
           <p:cNvPr id="25" name="직선 화살표 연결선 24">
             <a:extLst>
               <a:ext uri="{FF2B5EF4-FFF2-40B4-BE49-F238E27FC236}">
-                <a16:creationId xmlns="" xmlns:a16="http://schemas.microsoft.com/office/drawing/2014/main" id="{299DF5EC-9DF4-5255-06AC-0A7CE4FF58C3}"/>
+                <a16:creationId xmlns:a16="http://schemas.microsoft.com/office/drawing/2014/main" id="{299DF5EC-9DF4-5255-06AC-0A7CE4FF58C3}"/>
               </a:ext>
             </a:extLst>
           </p:cNvPr>
@@ -17971,7 +17498,7 @@
           <p:cNvPr id="26" name="TextBox 25">
             <a:extLst>
               <a:ext uri="{FF2B5EF4-FFF2-40B4-BE49-F238E27FC236}">
-                <a16:creationId xmlns="" xmlns:a16="http://schemas.microsoft.com/office/drawing/2014/main" id="{C6D113C6-EA5C-788F-0C77-E7CE6EBB865F}"/>
+                <a16:creationId xmlns:a16="http://schemas.microsoft.com/office/drawing/2014/main" id="{C6D113C6-EA5C-788F-0C77-E7CE6EBB865F}"/>
               </a:ext>
             </a:extLst>
           </p:cNvPr>
@@ -17995,7 +17522,7 @@
           <a:lstStyle/>
           <a:p>
             <a:r>
-              <a:rPr lang="ko-KR" altLang="en-US" sz="3600" smtClean="0">
+              <a:rPr lang="ko-KR" altLang="en-US" sz="3600">
                 <a:solidFill>
                   <a:srgbClr val="FF0000"/>
                 </a:solidFill>
@@ -18004,7 +17531,7 @@
               </a:rPr>
               <a:t>프로그램 실행중 </a:t>
             </a:r>
-            <a:endParaRPr lang="en-US" altLang="ko-KR" sz="3600" smtClean="0">
+            <a:endParaRPr lang="en-US" altLang="ko-KR" sz="3600">
               <a:solidFill>
                 <a:srgbClr val="FF0000"/>
               </a:solidFill>
@@ -18014,7 +17541,7 @@
           </a:p>
           <a:p>
             <a:r>
-              <a:rPr lang="ko-KR" altLang="en-US" sz="3600" smtClean="0">
+              <a:rPr lang="ko-KR" altLang="en-US" sz="3600">
                 <a:solidFill>
                   <a:srgbClr val="FF0000"/>
                 </a:solidFill>
@@ -18024,7 +17551,7 @@
               <a:t>객체 생성시 만들어 진다</a:t>
             </a:r>
             <a:r>
-              <a:rPr lang="en-US" altLang="ko-KR" sz="3600" smtClean="0">
+              <a:rPr lang="en-US" altLang="ko-KR" sz="3600">
                 <a:solidFill>
                   <a:srgbClr val="FF0000"/>
                 </a:solidFill>
@@ -18397,14 +17924,14 @@
                 <a:gridCol w="2898913">
                   <a:extLst>
                     <a:ext uri="{9D8B030D-6E8A-4147-A177-3AD203B41FA5}">
-                      <a16:colId xmlns:a16="http://schemas.microsoft.com/office/drawing/2014/main" xmlns="" val="20000"/>
+                      <a16:colId xmlns:a16="http://schemas.microsoft.com/office/drawing/2014/main" val="20000"/>
                     </a:ext>
                   </a:extLst>
                 </a:gridCol>
                 <a:gridCol w="5102088">
                   <a:extLst>
                     <a:ext uri="{9D8B030D-6E8A-4147-A177-3AD203B41FA5}">
-                      <a16:colId xmlns:a16="http://schemas.microsoft.com/office/drawing/2014/main" xmlns="" val="20001"/>
+                      <a16:colId xmlns:a16="http://schemas.microsoft.com/office/drawing/2014/main" val="20001"/>
                     </a:ext>
                   </a:extLst>
                 </a:gridCol>
@@ -18534,7 +18061,7 @@
                 </a:tc>
                 <a:extLst>
                   <a:ext uri="{0D108BD9-81ED-4DB2-BD59-A6C34878D82A}">
-                    <a16:rowId xmlns:a16="http://schemas.microsoft.com/office/drawing/2014/main" xmlns="" val="10000"/>
+                    <a16:rowId xmlns:a16="http://schemas.microsoft.com/office/drawing/2014/main" val="10000"/>
                   </a:ext>
                 </a:extLst>
               </a:tr>
@@ -18671,7 +18198,7 @@
                 </a:tc>
                 <a:extLst>
                   <a:ext uri="{0D108BD9-81ED-4DB2-BD59-A6C34878D82A}">
-                    <a16:rowId xmlns:a16="http://schemas.microsoft.com/office/drawing/2014/main" xmlns="" val="10001"/>
+                    <a16:rowId xmlns:a16="http://schemas.microsoft.com/office/drawing/2014/main" val="10001"/>
                   </a:ext>
                 </a:extLst>
               </a:tr>
@@ -18800,7 +18327,7 @@
                 </a:tc>
                 <a:extLst>
                   <a:ext uri="{0D108BD9-81ED-4DB2-BD59-A6C34878D82A}">
-                    <a16:rowId xmlns:a16="http://schemas.microsoft.com/office/drawing/2014/main" xmlns="" val="10002"/>
+                    <a16:rowId xmlns:a16="http://schemas.microsoft.com/office/drawing/2014/main" val="10002"/>
                   </a:ext>
                 </a:extLst>
               </a:tr>
@@ -18813,7 +18340,7 @@
           <p:cNvPr id="13" name="직선 화살표 연결선 12">
             <a:extLst>
               <a:ext uri="{FF2B5EF4-FFF2-40B4-BE49-F238E27FC236}">
-                <a16:creationId xmlns:a16="http://schemas.microsoft.com/office/drawing/2014/main" xmlns="" id="{299DF5EC-9DF4-5255-06AC-0A7CE4FF58C3}"/>
+                <a16:creationId xmlns:a16="http://schemas.microsoft.com/office/drawing/2014/main" id="{299DF5EC-9DF4-5255-06AC-0A7CE4FF58C3}"/>
               </a:ext>
             </a:extLst>
           </p:cNvPr>
@@ -18854,7 +18381,7 @@
           <p:cNvPr id="14" name="직선 화살표 연결선 13">
             <a:extLst>
               <a:ext uri="{FF2B5EF4-FFF2-40B4-BE49-F238E27FC236}">
-                <a16:creationId xmlns:a16="http://schemas.microsoft.com/office/drawing/2014/main" xmlns="" id="{299DF5EC-9DF4-5255-06AC-0A7CE4FF58C3}"/>
+                <a16:creationId xmlns:a16="http://schemas.microsoft.com/office/drawing/2014/main" id="{299DF5EC-9DF4-5255-06AC-0A7CE4FF58C3}"/>
               </a:ext>
             </a:extLst>
           </p:cNvPr>
@@ -18895,7 +18422,7 @@
           <p:cNvPr id="15" name="직선 화살표 연결선 14">
             <a:extLst>
               <a:ext uri="{FF2B5EF4-FFF2-40B4-BE49-F238E27FC236}">
-                <a16:creationId xmlns:a16="http://schemas.microsoft.com/office/drawing/2014/main" xmlns="" id="{299DF5EC-9DF4-5255-06AC-0A7CE4FF58C3}"/>
+                <a16:creationId xmlns:a16="http://schemas.microsoft.com/office/drawing/2014/main" id="{299DF5EC-9DF4-5255-06AC-0A7CE4FF58C3}"/>
               </a:ext>
             </a:extLst>
           </p:cNvPr>
@@ -19167,7 +18694,7 @@
           <p:cNvPr id="4" name="TextBox 3">
             <a:extLst>
               <a:ext uri="{FF2B5EF4-FFF2-40B4-BE49-F238E27FC236}">
-                <a16:creationId xmlns:a16="http://schemas.microsoft.com/office/drawing/2014/main" xmlns="" id="{5ADC00B6-990A-40DC-3CEA-505258F5E8DA}"/>
+                <a16:creationId xmlns:a16="http://schemas.microsoft.com/office/drawing/2014/main" id="{5ADC00B6-990A-40DC-3CEA-505258F5E8DA}"/>
               </a:ext>
             </a:extLst>
           </p:cNvPr>
@@ -19238,21 +18765,21 @@
                 <a:gridCol w="2187001">
                   <a:extLst>
                     <a:ext uri="{9D8B030D-6E8A-4147-A177-3AD203B41FA5}">
-                      <a16:colId xmlns:a16="http://schemas.microsoft.com/office/drawing/2014/main" xmlns="" val="20000"/>
+                      <a16:colId xmlns:a16="http://schemas.microsoft.com/office/drawing/2014/main" val="20000"/>
                     </a:ext>
                   </a:extLst>
                 </a:gridCol>
                 <a:gridCol w="3580299">
                   <a:extLst>
                     <a:ext uri="{9D8B030D-6E8A-4147-A177-3AD203B41FA5}">
-                      <a16:colId xmlns:a16="http://schemas.microsoft.com/office/drawing/2014/main" xmlns="" val="20001"/>
+                      <a16:colId xmlns:a16="http://schemas.microsoft.com/office/drawing/2014/main" val="20001"/>
                     </a:ext>
                   </a:extLst>
                 </a:gridCol>
                 <a:gridCol w="4519700">
                   <a:extLst>
                     <a:ext uri="{9D8B030D-6E8A-4147-A177-3AD203B41FA5}">
-                      <a16:colId xmlns:a16="http://schemas.microsoft.com/office/drawing/2014/main" xmlns="" val="20002"/>
+                      <a16:colId xmlns:a16="http://schemas.microsoft.com/office/drawing/2014/main" val="20002"/>
                     </a:ext>
                   </a:extLst>
                 </a:gridCol>
@@ -19455,7 +18982,7 @@
                 </a:tc>
                 <a:extLst>
                   <a:ext uri="{0D108BD9-81ED-4DB2-BD59-A6C34878D82A}">
-                    <a16:rowId xmlns:a16="http://schemas.microsoft.com/office/drawing/2014/main" xmlns="" val="10000"/>
+                    <a16:rowId xmlns:a16="http://schemas.microsoft.com/office/drawing/2014/main" val="10000"/>
                   </a:ext>
                 </a:extLst>
               </a:tr>
@@ -19714,7 +19241,7 @@
                 </a:tc>
                 <a:extLst>
                   <a:ext uri="{0D108BD9-81ED-4DB2-BD59-A6C34878D82A}">
-                    <a16:rowId xmlns:a16="http://schemas.microsoft.com/office/drawing/2014/main" xmlns="" val="10001"/>
+                    <a16:rowId xmlns:a16="http://schemas.microsoft.com/office/drawing/2014/main" val="10001"/>
                   </a:ext>
                 </a:extLst>
               </a:tr>
@@ -19940,7 +19467,7 @@
                 </a:tc>
                 <a:extLst>
                   <a:ext uri="{0D108BD9-81ED-4DB2-BD59-A6C34878D82A}">
-                    <a16:rowId xmlns:a16="http://schemas.microsoft.com/office/drawing/2014/main" xmlns="" val="10002"/>
+                    <a16:rowId xmlns:a16="http://schemas.microsoft.com/office/drawing/2014/main" val="10002"/>
                   </a:ext>
                 </a:extLst>
               </a:tr>
@@ -20175,7 +19702,7 @@
                 </a:tc>
                 <a:extLst>
                   <a:ext uri="{0D108BD9-81ED-4DB2-BD59-A6C34878D82A}">
-                    <a16:rowId xmlns:a16="http://schemas.microsoft.com/office/drawing/2014/main" xmlns="" val="10003"/>
+                    <a16:rowId xmlns:a16="http://schemas.microsoft.com/office/drawing/2014/main" val="10003"/>
                   </a:ext>
                 </a:extLst>
               </a:tr>
@@ -20217,13 +19744,6 @@
   <p:clrMapOvr>
     <a:masterClrMapping/>
   </p:clrMapOvr>
-  <p:timing>
-    <p:tnLst>
-      <p:par>
-        <p:cTn id="1" dur="indefinite" restart="never" nodeType="tmRoot"/>
-      </p:par>
-    </p:tnLst>
-  </p:timing>
 </p:sld>
 </file>
 
@@ -20288,7 +19808,7 @@
           <p:cNvPr id="56" name="TextBox 55">
             <a:extLst>
               <a:ext uri="{FF2B5EF4-FFF2-40B4-BE49-F238E27FC236}">
-                <a16:creationId xmlns:a16="http://schemas.microsoft.com/office/drawing/2014/main" xmlns="" id="{A2AD056B-97A4-5BCC-4460-250160F3E171}"/>
+                <a16:creationId xmlns:a16="http://schemas.microsoft.com/office/drawing/2014/main" id="{A2AD056B-97A4-5BCC-4460-250160F3E171}"/>
               </a:ext>
             </a:extLst>
           </p:cNvPr>
@@ -20371,8 +19891,8 @@
         </p:blipFill>
         <p:spPr>
           <a:xfrm>
-            <a:off x="7175201" y="7027708"/>
-            <a:ext cx="3393622" cy="1114286"/>
+            <a:off x="7175200" y="7027708"/>
+            <a:ext cx="3829657" cy="1114286"/>
           </a:xfrm>
           <a:prstGeom prst="rect">
             <a:avLst/>
@@ -20408,7 +19928,7 @@
           <p:cNvPr id="60" name="TextBox 59">
             <a:extLst>
               <a:ext uri="{FF2B5EF4-FFF2-40B4-BE49-F238E27FC236}">
-                <a16:creationId xmlns:a16="http://schemas.microsoft.com/office/drawing/2014/main" xmlns="" id="{5ADC00B6-990A-40DC-3CEA-505258F5E8DA}"/>
+                <a16:creationId xmlns:a16="http://schemas.microsoft.com/office/drawing/2014/main" id="{5ADC00B6-990A-40DC-3CEA-505258F5E8DA}"/>
               </a:ext>
             </a:extLst>
           </p:cNvPr>
@@ -20456,7 +19976,7 @@
           <p:cNvPr id="61" name="TextBox 60">
             <a:extLst>
               <a:ext uri="{FF2B5EF4-FFF2-40B4-BE49-F238E27FC236}">
-                <a16:creationId xmlns:a16="http://schemas.microsoft.com/office/drawing/2014/main" xmlns="" id="{5ADC00B6-990A-40DC-3CEA-505258F5E8DA}"/>
+                <a16:creationId xmlns:a16="http://schemas.microsoft.com/office/drawing/2014/main" id="{5ADC00B6-990A-40DC-3CEA-505258F5E8DA}"/>
               </a:ext>
             </a:extLst>
           </p:cNvPr>
@@ -20466,7 +19986,7 @@
         <p:spPr>
           <a:xfrm>
             <a:off x="7387261" y="7278451"/>
-            <a:ext cx="3393621" cy="707886"/>
+            <a:ext cx="4271339" cy="707886"/>
           </a:xfrm>
           <a:prstGeom prst="rect">
             <a:avLst/>
@@ -20504,7 +20024,7 @@
           <p:cNvPr id="62" name="TextBox 61">
             <a:extLst>
               <a:ext uri="{FF2B5EF4-FFF2-40B4-BE49-F238E27FC236}">
-                <a16:creationId xmlns:a16="http://schemas.microsoft.com/office/drawing/2014/main" xmlns="" id="{5ADC00B6-990A-40DC-3CEA-505258F5E8DA}"/>
+                <a16:creationId xmlns:a16="http://schemas.microsoft.com/office/drawing/2014/main" id="{5ADC00B6-990A-40DC-3CEA-505258F5E8DA}"/>
               </a:ext>
             </a:extLst>
           </p:cNvPr>
@@ -20576,7 +20096,7 @@
           <p:cNvPr id="20" name="TextBox 19">
             <a:extLst>
               <a:ext uri="{FF2B5EF4-FFF2-40B4-BE49-F238E27FC236}">
-                <a16:creationId xmlns:a16="http://schemas.microsoft.com/office/drawing/2014/main" xmlns="" id="{5ADC00B6-990A-40DC-3CEA-505258F5E8DA}"/>
+                <a16:creationId xmlns:a16="http://schemas.microsoft.com/office/drawing/2014/main" id="{5ADC00B6-990A-40DC-3CEA-505258F5E8DA}"/>
               </a:ext>
             </a:extLst>
           </p:cNvPr>
@@ -20600,7 +20120,7 @@
           <a:lstStyle/>
           <a:p>
             <a:r>
-              <a:rPr lang="ko-KR" altLang="en-US" sz="4000" smtClean="0">
+              <a:rPr lang="ko-KR" altLang="en-US" sz="4000">
                 <a:solidFill>
                   <a:srgbClr val="4C50BC"/>
                 </a:solidFill>
@@ -20623,6 +20143,7 @@
         <p:nvCxnSpPr>
           <p:cNvPr id="3" name="직선 연결선 2"/>
           <p:cNvCxnSpPr>
+            <a:cxnSpLocks/>
             <a:stCxn id="19" idx="2"/>
             <a:endCxn id="58" idx="0"/>
           </p:cNvCxnSpPr>
@@ -20630,8 +20151,8 @@
         </p:nvCxnSpPr>
         <p:spPr>
           <a:xfrm flipH="1">
-            <a:off x="8872012" y="5779794"/>
-            <a:ext cx="2490319" cy="1247914"/>
+            <a:off x="9090029" y="5779794"/>
+            <a:ext cx="2272302" cy="1247914"/>
           </a:xfrm>
           <a:prstGeom prst="line">
             <a:avLst/>
@@ -20773,13 +20294,6 @@
   <p:clrMapOvr>
     <a:masterClrMapping/>
   </p:clrMapOvr>
-  <p:timing>
-    <p:tnLst>
-      <p:par>
-        <p:cTn id="1" dur="indefinite" restart="never" nodeType="tmRoot"/>
-      </p:par>
-    </p:tnLst>
-  </p:timing>
 </p:sld>
 </file>
 
@@ -20829,7 +20343,7 @@
           <p:cNvPr id="5" name="직선 화살표 연결선 4">
             <a:extLst>
               <a:ext uri="{FF2B5EF4-FFF2-40B4-BE49-F238E27FC236}">
-                <a16:creationId xmlns:a16="http://schemas.microsoft.com/office/drawing/2014/main" xmlns="" id="{299DF5EC-9DF4-5255-06AC-0A7CE4FF58C3}"/>
+                <a16:creationId xmlns:a16="http://schemas.microsoft.com/office/drawing/2014/main" id="{299DF5EC-9DF4-5255-06AC-0A7CE4FF58C3}"/>
               </a:ext>
             </a:extLst>
           </p:cNvPr>
@@ -20870,7 +20384,7 @@
           <p:cNvPr id="6" name="직사각형 5">
             <a:extLst>
               <a:ext uri="{FF2B5EF4-FFF2-40B4-BE49-F238E27FC236}">
-                <a16:creationId xmlns:a16="http://schemas.microsoft.com/office/drawing/2014/main" xmlns="" id="{FFF506F9-840A-0508-4CAF-3AC711D8D5CE}"/>
+                <a16:creationId xmlns:a16="http://schemas.microsoft.com/office/drawing/2014/main" id="{FFF506F9-840A-0508-4CAF-3AC711D8D5CE}"/>
               </a:ext>
             </a:extLst>
           </p:cNvPr>
@@ -20922,7 +20436,7 @@
           <p:cNvPr id="7" name="TextBox 6">
             <a:extLst>
               <a:ext uri="{FF2B5EF4-FFF2-40B4-BE49-F238E27FC236}">
-                <a16:creationId xmlns:a16="http://schemas.microsoft.com/office/drawing/2014/main" xmlns="" id="{C6D113C6-EA5C-788F-0C77-E7CE6EBB865F}"/>
+                <a16:creationId xmlns:a16="http://schemas.microsoft.com/office/drawing/2014/main" id="{C6D113C6-EA5C-788F-0C77-E7CE6EBB865F}"/>
               </a:ext>
             </a:extLst>
           </p:cNvPr>
@@ -21054,7 +20568,7 @@
           <p:cNvPr id="10" name="직선 화살표 연결선 9">
             <a:extLst>
               <a:ext uri="{FF2B5EF4-FFF2-40B4-BE49-F238E27FC236}">
-                <a16:creationId xmlns="" xmlns:a16="http://schemas.microsoft.com/office/drawing/2014/main" id="{299DF5EC-9DF4-5255-06AC-0A7CE4FF58C3}"/>
+                <a16:creationId xmlns:a16="http://schemas.microsoft.com/office/drawing/2014/main" id="{299DF5EC-9DF4-5255-06AC-0A7CE4FF58C3}"/>
               </a:ext>
             </a:extLst>
           </p:cNvPr>
@@ -21095,7 +20609,7 @@
           <p:cNvPr id="11" name="TextBox 10">
             <a:extLst>
               <a:ext uri="{FF2B5EF4-FFF2-40B4-BE49-F238E27FC236}">
-                <a16:creationId xmlns="" xmlns:a16="http://schemas.microsoft.com/office/drawing/2014/main" id="{C6D113C6-EA5C-788F-0C77-E7CE6EBB865F}"/>
+                <a16:creationId xmlns:a16="http://schemas.microsoft.com/office/drawing/2014/main" id="{C6D113C6-EA5C-788F-0C77-E7CE6EBB865F}"/>
               </a:ext>
             </a:extLst>
           </p:cNvPr>
@@ -21119,7 +20633,7 @@
           <a:lstStyle/>
           <a:p>
             <a:r>
-              <a:rPr lang="en-US" altLang="ko-KR" sz="3600" smtClean="0">
+              <a:rPr lang="en-US" altLang="ko-KR" sz="3600">
                 <a:solidFill>
                   <a:srgbClr val="FF0000"/>
                 </a:solidFill>
@@ -21129,7 +20643,7 @@
               <a:t>static</a:t>
             </a:r>
             <a:r>
-              <a:rPr lang="ko-KR" altLang="en-US" sz="3600" smtClean="0">
+              <a:rPr lang="ko-KR" altLang="en-US" sz="3600">
                 <a:solidFill>
                   <a:srgbClr val="FF0000"/>
                 </a:solidFill>
@@ -21139,7 +20653,7 @@
               <a:t>의 의미와 맞지 않는 사용법이다</a:t>
             </a:r>
             <a:r>
-              <a:rPr lang="en-US" altLang="ko-KR" sz="3600" smtClean="0">
+              <a:rPr lang="en-US" altLang="ko-KR" sz="3600">
                 <a:solidFill>
                   <a:srgbClr val="FF0000"/>
                 </a:solidFill>
@@ -21413,7 +20927,7 @@
           <p:cNvPr id="4" name="TextBox 3">
             <a:extLst>
               <a:ext uri="{FF2B5EF4-FFF2-40B4-BE49-F238E27FC236}">
-                <a16:creationId xmlns:a16="http://schemas.microsoft.com/office/drawing/2014/main" xmlns="" id="{5ADC00B6-990A-40DC-3CEA-505258F5E8DA}"/>
+                <a16:creationId xmlns:a16="http://schemas.microsoft.com/office/drawing/2014/main" id="{5ADC00B6-990A-40DC-3CEA-505258F5E8DA}"/>
               </a:ext>
             </a:extLst>
           </p:cNvPr>
@@ -21461,7 +20975,7 @@
           <p:cNvPr id="6" name="직사각형 5">
             <a:extLst>
               <a:ext uri="{FF2B5EF4-FFF2-40B4-BE49-F238E27FC236}">
-                <a16:creationId xmlns:a16="http://schemas.microsoft.com/office/drawing/2014/main" xmlns="" id="{FFF506F9-840A-0508-4CAF-3AC711D8D5CE}"/>
+                <a16:creationId xmlns:a16="http://schemas.microsoft.com/office/drawing/2014/main" id="{FFF506F9-840A-0508-4CAF-3AC711D8D5CE}"/>
               </a:ext>
             </a:extLst>
           </p:cNvPr>
@@ -21809,7 +21323,7 @@
           <p:cNvPr id="4" name="TextBox 3">
             <a:extLst>
               <a:ext uri="{FF2B5EF4-FFF2-40B4-BE49-F238E27FC236}">
-                <a16:creationId xmlns:a16="http://schemas.microsoft.com/office/drawing/2014/main" xmlns="" id="{5ADC00B6-990A-40DC-3CEA-505258F5E8DA}"/>
+                <a16:creationId xmlns:a16="http://schemas.microsoft.com/office/drawing/2014/main" id="{5ADC00B6-990A-40DC-3CEA-505258F5E8DA}"/>
               </a:ext>
             </a:extLst>
           </p:cNvPr>
@@ -21882,13 +21396,6 @@
   <p:clrMapOvr>
     <a:masterClrMapping/>
   </p:clrMapOvr>
-  <p:timing>
-    <p:tnLst>
-      <p:par>
-        <p:cTn id="1" dur="indefinite" restart="never" nodeType="tmRoot"/>
-      </p:par>
-    </p:tnLst>
-  </p:timing>
 </p:sld>
 </file>
 
@@ -21938,7 +21445,7 @@
           <p:cNvPr id="7" name="직선 화살표 연결선 6">
             <a:extLst>
               <a:ext uri="{FF2B5EF4-FFF2-40B4-BE49-F238E27FC236}">
-                <a16:creationId xmlns="" xmlns:a16="http://schemas.microsoft.com/office/drawing/2014/main" id="{299DF5EC-9DF4-5255-06AC-0A7CE4FF58C3}"/>
+                <a16:creationId xmlns:a16="http://schemas.microsoft.com/office/drawing/2014/main" id="{299DF5EC-9DF4-5255-06AC-0A7CE4FF58C3}"/>
               </a:ext>
             </a:extLst>
           </p:cNvPr>
@@ -21979,7 +21486,7 @@
           <p:cNvPr id="8" name="TextBox 7">
             <a:extLst>
               <a:ext uri="{FF2B5EF4-FFF2-40B4-BE49-F238E27FC236}">
-                <a16:creationId xmlns="" xmlns:a16="http://schemas.microsoft.com/office/drawing/2014/main" id="{C6D113C6-EA5C-788F-0C77-E7CE6EBB865F}"/>
+                <a16:creationId xmlns:a16="http://schemas.microsoft.com/office/drawing/2014/main" id="{C6D113C6-EA5C-788F-0C77-E7CE6EBB865F}"/>
               </a:ext>
             </a:extLst>
           </p:cNvPr>
@@ -22003,7 +21510,7 @@
           <a:lstStyle/>
           <a:p>
             <a:r>
-              <a:rPr lang="ko-KR" altLang="en-US" sz="3600" smtClean="0">
+              <a:rPr lang="ko-KR" altLang="en-US" sz="3600">
                 <a:solidFill>
                   <a:srgbClr val="FF0000"/>
                 </a:solidFill>
@@ -22013,7 +21520,7 @@
               <a:t>객체 생성 이전부터 사용가능하다</a:t>
             </a:r>
             <a:r>
-              <a:rPr lang="en-US" altLang="ko-KR" sz="3600" smtClean="0">
+              <a:rPr lang="en-US" altLang="ko-KR" sz="3600">
                 <a:solidFill>
                   <a:srgbClr val="FF0000"/>
                 </a:solidFill>
@@ -22037,7 +21544,7 @@
           <p:cNvPr id="9" name="직선 화살표 연결선 8">
             <a:extLst>
               <a:ext uri="{FF2B5EF4-FFF2-40B4-BE49-F238E27FC236}">
-                <a16:creationId xmlns="" xmlns:a16="http://schemas.microsoft.com/office/drawing/2014/main" id="{299DF5EC-9DF4-5255-06AC-0A7CE4FF58C3}"/>
+                <a16:creationId xmlns:a16="http://schemas.microsoft.com/office/drawing/2014/main" id="{299DF5EC-9DF4-5255-06AC-0A7CE4FF58C3}"/>
               </a:ext>
             </a:extLst>
           </p:cNvPr>
@@ -22078,7 +21585,7 @@
           <p:cNvPr id="10" name="TextBox 9">
             <a:extLst>
               <a:ext uri="{FF2B5EF4-FFF2-40B4-BE49-F238E27FC236}">
-                <a16:creationId xmlns="" xmlns:a16="http://schemas.microsoft.com/office/drawing/2014/main" id="{C6D113C6-EA5C-788F-0C77-E7CE6EBB865F}"/>
+                <a16:creationId xmlns:a16="http://schemas.microsoft.com/office/drawing/2014/main" id="{C6D113C6-EA5C-788F-0C77-E7CE6EBB865F}"/>
               </a:ext>
             </a:extLst>
           </p:cNvPr>
@@ -22102,7 +21609,7 @@
           <a:lstStyle/>
           <a:p>
             <a:r>
-              <a:rPr lang="ko-KR" altLang="en-US" sz="3600" smtClean="0">
+              <a:rPr lang="ko-KR" altLang="en-US" sz="3600">
                 <a:solidFill>
                   <a:srgbClr val="FF0000"/>
                 </a:solidFill>
@@ -22112,7 +21619,7 @@
               <a:t>인스턴스 멤버변수는 아직 생성 안되었을수 있다</a:t>
             </a:r>
             <a:r>
-              <a:rPr lang="en-US" altLang="ko-KR" sz="3600" smtClean="0">
+              <a:rPr lang="en-US" altLang="ko-KR" sz="3600">
                 <a:solidFill>
                   <a:srgbClr val="FF0000"/>
                 </a:solidFill>
@@ -22751,7 +22258,7 @@
           <p:cNvPr id="81" name="TextBox 80">
             <a:extLst>
               <a:ext uri="{FF2B5EF4-FFF2-40B4-BE49-F238E27FC236}">
-                <a16:creationId xmlns:a16="http://schemas.microsoft.com/office/drawing/2014/main" xmlns="" id="{5ADC00B6-990A-40DC-3CEA-505258F5E8DA}"/>
+                <a16:creationId xmlns:a16="http://schemas.microsoft.com/office/drawing/2014/main" id="{5ADC00B6-990A-40DC-3CEA-505258F5E8DA}"/>
               </a:ext>
             </a:extLst>
           </p:cNvPr>
@@ -22799,7 +22306,7 @@
           <p:cNvPr id="82" name="TextBox 81">
             <a:extLst>
               <a:ext uri="{FF2B5EF4-FFF2-40B4-BE49-F238E27FC236}">
-                <a16:creationId xmlns:a16="http://schemas.microsoft.com/office/drawing/2014/main" xmlns="" id="{5ADC00B6-990A-40DC-3CEA-505258F5E8DA}"/>
+                <a16:creationId xmlns:a16="http://schemas.microsoft.com/office/drawing/2014/main" id="{5ADC00B6-990A-40DC-3CEA-505258F5E8DA}"/>
               </a:ext>
             </a:extLst>
           </p:cNvPr>
@@ -22847,7 +22354,7 @@
           <p:cNvPr id="83" name="TextBox 82">
             <a:extLst>
               <a:ext uri="{FF2B5EF4-FFF2-40B4-BE49-F238E27FC236}">
-                <a16:creationId xmlns:a16="http://schemas.microsoft.com/office/drawing/2014/main" xmlns="" id="{A2AD056B-97A4-5BCC-4460-250160F3E171}"/>
+                <a16:creationId xmlns:a16="http://schemas.microsoft.com/office/drawing/2014/main" id="{A2AD056B-97A4-5BCC-4460-250160F3E171}"/>
               </a:ext>
             </a:extLst>
           </p:cNvPr>
@@ -22901,7 +22408,7 @@
           <p:cNvPr id="84" name="TextBox 83">
             <a:extLst>
               <a:ext uri="{FF2B5EF4-FFF2-40B4-BE49-F238E27FC236}">
-                <a16:creationId xmlns:a16="http://schemas.microsoft.com/office/drawing/2014/main" xmlns="" id="{A2AD056B-97A4-5BCC-4460-250160F3E171}"/>
+                <a16:creationId xmlns:a16="http://schemas.microsoft.com/office/drawing/2014/main" id="{A2AD056B-97A4-5BCC-4460-250160F3E171}"/>
               </a:ext>
             </a:extLst>
           </p:cNvPr>
@@ -22955,7 +22462,7 @@
           <p:cNvPr id="85" name="TextBox 84">
             <a:extLst>
               <a:ext uri="{FF2B5EF4-FFF2-40B4-BE49-F238E27FC236}">
-                <a16:creationId xmlns:a16="http://schemas.microsoft.com/office/drawing/2014/main" xmlns="" id="{A2AD056B-97A4-5BCC-4460-250160F3E171}"/>
+                <a16:creationId xmlns:a16="http://schemas.microsoft.com/office/drawing/2014/main" id="{A2AD056B-97A4-5BCC-4460-250160F3E171}"/>
               </a:ext>
             </a:extLst>
           </p:cNvPr>
@@ -22965,7 +22472,7 @@
         <p:spPr>
           <a:xfrm>
             <a:off x="2285999" y="5655520"/>
-            <a:ext cx="6553201" cy="707886"/>
+            <a:ext cx="7162801" cy="707886"/>
           </a:xfrm>
           <a:prstGeom prst="rect">
             <a:avLst/>
@@ -22979,7 +22486,7 @@
           <a:lstStyle/>
           <a:p>
             <a:r>
-              <a:rPr lang="ko-KR" altLang="en-US" sz="4000">
+              <a:rPr lang="ko-KR" altLang="en-US" sz="4000" dirty="0">
                 <a:solidFill>
                   <a:schemeClr val="tx1">
                     <a:lumMod val="50000"/>
@@ -22989,33 +22496,7 @@
                 <a:latin typeface="G마켓 산스 Medium" panose="02000000000000000000" pitchFamily="50" charset="-127"/>
                 <a:ea typeface="G마켓 산스 Medium" panose="02000000000000000000" pitchFamily="50" charset="-127"/>
               </a:rPr>
-              <a:t>인스턴스 </a:t>
-            </a:r>
-            <a:r>
-              <a:rPr lang="ko-KR" altLang="en-US" sz="4000" smtClean="0">
-                <a:solidFill>
-                  <a:schemeClr val="tx1">
-                    <a:lumMod val="50000"/>
-                    <a:lumOff val="50000"/>
-                  </a:schemeClr>
-                </a:solidFill>
-                <a:latin typeface="G마켓 산스 Medium" panose="02000000000000000000" pitchFamily="50" charset="-127"/>
-                <a:ea typeface="G마켓 산스 Medium" panose="02000000000000000000" pitchFamily="50" charset="-127"/>
-              </a:rPr>
-              <a:t>멤버변수 </a:t>
-            </a:r>
-            <a:r>
-              <a:rPr lang="ko-KR" altLang="en-US" sz="4000" dirty="0">
-                <a:solidFill>
-                  <a:schemeClr val="tx1">
-                    <a:lumMod val="50000"/>
-                    <a:lumOff val="50000"/>
-                  </a:schemeClr>
-                </a:solidFill>
-                <a:latin typeface="G마켓 산스 Medium" panose="02000000000000000000" pitchFamily="50" charset="-127"/>
-                <a:ea typeface="G마켓 산스 Medium" panose="02000000000000000000" pitchFamily="50" charset="-127"/>
-              </a:rPr>
-              <a:t>사용 불가</a:t>
+              <a:t>인스턴스 멤버변수 사용 불가</a:t>
             </a:r>
             <a:endParaRPr lang="en-US" altLang="ko-KR" sz="4000" dirty="0">
               <a:solidFill>
@@ -23035,7 +22516,7 @@
           <p:cNvPr id="86" name="TextBox 85">
             <a:extLst>
               <a:ext uri="{FF2B5EF4-FFF2-40B4-BE49-F238E27FC236}">
-                <a16:creationId xmlns:a16="http://schemas.microsoft.com/office/drawing/2014/main" xmlns="" id="{A2AD056B-97A4-5BCC-4460-250160F3E171}"/>
+                <a16:creationId xmlns:a16="http://schemas.microsoft.com/office/drawing/2014/main" id="{A2AD056B-97A4-5BCC-4460-250160F3E171}"/>
               </a:ext>
             </a:extLst>
           </p:cNvPr>
@@ -23045,7 +22526,7 @@
         <p:spPr>
           <a:xfrm>
             <a:off x="11125200" y="5717646"/>
-            <a:ext cx="6553201" cy="584775"/>
+            <a:ext cx="6934200" cy="584775"/>
           </a:xfrm>
           <a:prstGeom prst="rect">
             <a:avLst/>
@@ -23059,7 +22540,7 @@
           <a:lstStyle/>
           <a:p>
             <a:r>
-              <a:rPr lang="ko-KR" altLang="en-US" sz="3200">
+              <a:rPr lang="ko-KR" altLang="en-US" sz="3200" dirty="0">
                 <a:solidFill>
                   <a:schemeClr val="tx1">
                     <a:lumMod val="50000"/>
@@ -23072,7 +22553,7 @@
               <a:t>클래스</a:t>
             </a:r>
             <a:r>
-              <a:rPr lang="en-US" altLang="ko-KR" sz="3200">
+              <a:rPr lang="en-US" altLang="ko-KR" sz="3200" dirty="0">
                 <a:solidFill>
                   <a:schemeClr val="tx1">
                     <a:lumMod val="50000"/>
@@ -23085,7 +22566,7 @@
               <a:t>, </a:t>
             </a:r>
             <a:r>
-              <a:rPr lang="ko-KR" altLang="en-US" sz="3200">
+              <a:rPr lang="ko-KR" altLang="en-US" sz="3200" dirty="0">
                 <a:solidFill>
                   <a:schemeClr val="tx1">
                     <a:lumMod val="50000"/>
@@ -23098,7 +22579,7 @@
               <a:t>인스턴스</a:t>
             </a:r>
             <a:r>
-              <a:rPr lang="en-US" altLang="ko-KR" sz="3200">
+              <a:rPr lang="en-US" altLang="ko-KR" sz="3200" dirty="0">
                 <a:solidFill>
                   <a:schemeClr val="tx1">
                     <a:lumMod val="50000"/>
@@ -23111,7 +22592,7 @@
               <a:t>, </a:t>
             </a:r>
             <a:r>
-              <a:rPr lang="ko-KR" altLang="en-US" sz="3200">
+              <a:rPr lang="ko-KR" altLang="en-US" sz="3200" dirty="0">
                 <a:solidFill>
                   <a:schemeClr val="tx1">
                     <a:lumMod val="50000"/>
@@ -23152,7 +22633,7 @@
         </p:blipFill>
         <p:spPr>
           <a:xfrm>
-            <a:off x="2438400" y="7370849"/>
+            <a:off x="2514600" y="8205018"/>
             <a:ext cx="3524363" cy="988541"/>
           </a:xfrm>
           <a:prstGeom prst="rect">
@@ -23165,7 +22646,7 @@
           <p:cNvPr id="89" name="TextBox 88">
             <a:extLst>
               <a:ext uri="{FF2B5EF4-FFF2-40B4-BE49-F238E27FC236}">
-                <a16:creationId xmlns:a16="http://schemas.microsoft.com/office/drawing/2014/main" xmlns="" id="{A2AD056B-97A4-5BCC-4460-250160F3E171}"/>
+                <a16:creationId xmlns:a16="http://schemas.microsoft.com/office/drawing/2014/main" id="{A2AD056B-97A4-5BCC-4460-250160F3E171}"/>
               </a:ext>
             </a:extLst>
           </p:cNvPr>
@@ -23174,8 +22655,8 @@
         </p:nvSpPr>
         <p:spPr>
           <a:xfrm>
-            <a:off x="2286001" y="6544027"/>
-            <a:ext cx="6990448" cy="707886"/>
+            <a:off x="2286000" y="6544027"/>
+            <a:ext cx="7543799" cy="707886"/>
           </a:xfrm>
           <a:prstGeom prst="rect">
             <a:avLst/>
@@ -23189,7 +22670,7 @@
           <a:lstStyle/>
           <a:p>
             <a:r>
-              <a:rPr lang="ko-KR" altLang="en-US" sz="4000">
+              <a:rPr lang="ko-KR" altLang="en-US" sz="4000" dirty="0">
                 <a:solidFill>
                   <a:schemeClr val="tx1">
                     <a:lumMod val="50000"/>
@@ -23202,7 +22683,7 @@
               <a:t>인스턴스 </a:t>
             </a:r>
             <a:r>
-              <a:rPr lang="ko-KR" altLang="en-US" sz="4000" smtClean="0">
+              <a:rPr lang="ko-KR" altLang="en-US" sz="4000" dirty="0" err="1">
                 <a:solidFill>
                   <a:schemeClr val="tx1">
                     <a:lumMod val="50000"/>
@@ -23212,10 +22693,10 @@
                 <a:latin typeface="G마켓 산스 Medium" panose="02000000000000000000" pitchFamily="50" charset="-127"/>
                 <a:ea typeface="G마켓 산스 Medium" panose="02000000000000000000" pitchFamily="50" charset="-127"/>
               </a:rPr>
-              <a:t>멤버메서드 </a:t>
-            </a:r>
-            <a:r>
-              <a:rPr lang="ko-KR" altLang="en-US" sz="4000">
+              <a:t>멤버메서드</a:t>
+            </a:r>
+            <a:r>
+              <a:rPr lang="ko-KR" altLang="en-US" sz="4000" dirty="0">
                 <a:solidFill>
                   <a:schemeClr val="tx1">
                     <a:lumMod val="50000"/>
@@ -23225,7 +22706,7 @@
                 <a:latin typeface="G마켓 산스 Medium" panose="02000000000000000000" pitchFamily="50" charset="-127"/>
                 <a:ea typeface="G마켓 산스 Medium" panose="02000000000000000000" pitchFamily="50" charset="-127"/>
               </a:rPr>
-              <a:t>사용불가</a:t>
+              <a:t> 사용불가</a:t>
             </a:r>
             <a:endParaRPr lang="en-US" altLang="ko-KR" sz="4000" dirty="0">
               <a:solidFill>
@@ -23245,7 +22726,7 @@
           <p:cNvPr id="90" name="TextBox 89">
             <a:extLst>
               <a:ext uri="{FF2B5EF4-FFF2-40B4-BE49-F238E27FC236}">
-                <a16:creationId xmlns:a16="http://schemas.microsoft.com/office/drawing/2014/main" xmlns="" id="{A2AD056B-97A4-5BCC-4460-250160F3E171}"/>
+                <a16:creationId xmlns:a16="http://schemas.microsoft.com/office/drawing/2014/main" id="{A2AD056B-97A4-5BCC-4460-250160F3E171}"/>
               </a:ext>
             </a:extLst>
           </p:cNvPr>
@@ -23255,7 +22736,7 @@
         <p:spPr>
           <a:xfrm>
             <a:off x="11125199" y="6591300"/>
-            <a:ext cx="6553201" cy="1323439"/>
+            <a:ext cx="6781801" cy="1323439"/>
           </a:xfrm>
           <a:prstGeom prst="rect">
             <a:avLst/>
@@ -23269,7 +22750,7 @@
           <a:lstStyle/>
           <a:p>
             <a:r>
-              <a:rPr lang="ko-KR" altLang="en-US" sz="4000">
+              <a:rPr lang="ko-KR" altLang="en-US" sz="4000" dirty="0">
                 <a:solidFill>
                   <a:schemeClr val="tx1">
                     <a:lumMod val="50000"/>
@@ -23282,7 +22763,7 @@
               <a:t>클래스</a:t>
             </a:r>
             <a:r>
-              <a:rPr lang="en-US" altLang="ko-KR" sz="4000">
+              <a:rPr lang="en-US" altLang="ko-KR" sz="4000" dirty="0">
                 <a:solidFill>
                   <a:schemeClr val="tx1">
                     <a:lumMod val="50000"/>
@@ -23295,7 +22776,7 @@
               <a:t>, </a:t>
             </a:r>
             <a:r>
-              <a:rPr lang="ko-KR" altLang="en-US" sz="4000">
+              <a:rPr lang="ko-KR" altLang="en-US" sz="4000" dirty="0">
                 <a:solidFill>
                   <a:schemeClr val="tx1">
                     <a:lumMod val="50000"/>
@@ -23305,7 +22786,59 @@
                 <a:latin typeface="G마켓 산스 Medium" panose="02000000000000000000" pitchFamily="50" charset="-127"/>
                 <a:ea typeface="G마켓 산스 Medium" panose="02000000000000000000" pitchFamily="50" charset="-127"/>
               </a:rPr>
-              <a:t>인스턴스 매서드 둘다 사용 가능</a:t>
+              <a:t>인스턴스 </a:t>
+            </a:r>
+            <a:r>
+              <a:rPr lang="ko-KR" altLang="en-US" sz="4000" dirty="0" err="1">
+                <a:solidFill>
+                  <a:schemeClr val="tx1">
+                    <a:lumMod val="50000"/>
+                    <a:lumOff val="50000"/>
+                  </a:schemeClr>
+                </a:solidFill>
+                <a:latin typeface="G마켓 산스 Medium" panose="02000000000000000000" pitchFamily="50" charset="-127"/>
+                <a:ea typeface="G마켓 산스 Medium" panose="02000000000000000000" pitchFamily="50" charset="-127"/>
+              </a:rPr>
+              <a:t>매서드</a:t>
+            </a:r>
+            <a:r>
+              <a:rPr lang="ko-KR" altLang="en-US" sz="4000" dirty="0">
+                <a:solidFill>
+                  <a:schemeClr val="tx1">
+                    <a:lumMod val="50000"/>
+                    <a:lumOff val="50000"/>
+                  </a:schemeClr>
+                </a:solidFill>
+                <a:latin typeface="G마켓 산스 Medium" panose="02000000000000000000" pitchFamily="50" charset="-127"/>
+                <a:ea typeface="G마켓 산스 Medium" panose="02000000000000000000" pitchFamily="50" charset="-127"/>
+              </a:rPr>
+              <a:t> </a:t>
+            </a:r>
+            <a:r>
+              <a:rPr lang="ko-KR" altLang="en-US" sz="4000" dirty="0" err="1">
+                <a:solidFill>
+                  <a:schemeClr val="tx1">
+                    <a:lumMod val="50000"/>
+                    <a:lumOff val="50000"/>
+                  </a:schemeClr>
+                </a:solidFill>
+                <a:latin typeface="G마켓 산스 Medium" panose="02000000000000000000" pitchFamily="50" charset="-127"/>
+                <a:ea typeface="G마켓 산스 Medium" panose="02000000000000000000" pitchFamily="50" charset="-127"/>
+              </a:rPr>
+              <a:t>둘다</a:t>
+            </a:r>
+            <a:r>
+              <a:rPr lang="ko-KR" altLang="en-US" sz="4000" dirty="0">
+                <a:solidFill>
+                  <a:schemeClr val="tx1">
+                    <a:lumMod val="50000"/>
+                    <a:lumOff val="50000"/>
+                  </a:schemeClr>
+                </a:solidFill>
+                <a:latin typeface="G마켓 산스 Medium" panose="02000000000000000000" pitchFamily="50" charset="-127"/>
+                <a:ea typeface="G마켓 산스 Medium" panose="02000000000000000000" pitchFamily="50" charset="-127"/>
+              </a:rPr>
+              <a:t> 사용 가능</a:t>
             </a:r>
             <a:endParaRPr lang="en-US" altLang="ko-KR" sz="4000" dirty="0">
               <a:solidFill>
@@ -23430,7 +22963,7 @@
           <p:cNvPr id="4" name="TextBox 3">
             <a:extLst>
               <a:ext uri="{FF2B5EF4-FFF2-40B4-BE49-F238E27FC236}">
-                <a16:creationId xmlns:a16="http://schemas.microsoft.com/office/drawing/2014/main" xmlns="" id="{5ADC00B6-990A-40DC-3CEA-505258F5E8DA}"/>
+                <a16:creationId xmlns:a16="http://schemas.microsoft.com/office/drawing/2014/main" id="{5ADC00B6-990A-40DC-3CEA-505258F5E8DA}"/>
               </a:ext>
             </a:extLst>
           </p:cNvPr>
@@ -23501,7 +23034,7 @@
                 <a:gridCol w="3200400">
                   <a:extLst>
                     <a:ext uri="{9D8B030D-6E8A-4147-A177-3AD203B41FA5}">
-                      <a16:colId xmlns:a16="http://schemas.microsoft.com/office/drawing/2014/main" xmlns="" val="20000"/>
+                      <a16:colId xmlns:a16="http://schemas.microsoft.com/office/drawing/2014/main" val="20000"/>
                     </a:ext>
                   </a:extLst>
                 </a:gridCol>
@@ -23565,7 +23098,7 @@
                 </a:tc>
                 <a:extLst>
                   <a:ext uri="{0D108BD9-81ED-4DB2-BD59-A6C34878D82A}">
-                    <a16:rowId xmlns:a16="http://schemas.microsoft.com/office/drawing/2014/main" xmlns="" val="10000"/>
+                    <a16:rowId xmlns:a16="http://schemas.microsoft.com/office/drawing/2014/main" val="10000"/>
                   </a:ext>
                 </a:extLst>
               </a:tr>
@@ -23621,7 +23154,7 @@
                 </a:tc>
                 <a:extLst>
                   <a:ext uri="{0D108BD9-81ED-4DB2-BD59-A6C34878D82A}">
-                    <a16:rowId xmlns:a16="http://schemas.microsoft.com/office/drawing/2014/main" xmlns="" val="10001"/>
+                    <a16:rowId xmlns:a16="http://schemas.microsoft.com/office/drawing/2014/main" val="10001"/>
                   </a:ext>
                 </a:extLst>
               </a:tr>
@@ -23677,7 +23210,7 @@
                 </a:tc>
                 <a:extLst>
                   <a:ext uri="{0D108BD9-81ED-4DB2-BD59-A6C34878D82A}">
-                    <a16:rowId xmlns:a16="http://schemas.microsoft.com/office/drawing/2014/main" xmlns="" val="10002"/>
+                    <a16:rowId xmlns:a16="http://schemas.microsoft.com/office/drawing/2014/main" val="10002"/>
                   </a:ext>
                 </a:extLst>
               </a:tr>
@@ -23733,7 +23266,7 @@
                 </a:tc>
                 <a:extLst>
                   <a:ext uri="{0D108BD9-81ED-4DB2-BD59-A6C34878D82A}">
-                    <a16:rowId xmlns:a16="http://schemas.microsoft.com/office/drawing/2014/main" xmlns="" val="10003"/>
+                    <a16:rowId xmlns:a16="http://schemas.microsoft.com/office/drawing/2014/main" val="10003"/>
                   </a:ext>
                 </a:extLst>
               </a:tr>
@@ -23789,7 +23322,7 @@
                 </a:tc>
                 <a:extLst>
                   <a:ext uri="{0D108BD9-81ED-4DB2-BD59-A6C34878D82A}">
-                    <a16:rowId xmlns:a16="http://schemas.microsoft.com/office/drawing/2014/main" xmlns="" val="10004"/>
+                    <a16:rowId xmlns:a16="http://schemas.microsoft.com/office/drawing/2014/main" val="10004"/>
                   </a:ext>
                 </a:extLst>
               </a:tr>
@@ -23845,7 +23378,7 @@
                 </a:tc>
                 <a:extLst>
                   <a:ext uri="{0D108BD9-81ED-4DB2-BD59-A6C34878D82A}">
-                    <a16:rowId xmlns:a16="http://schemas.microsoft.com/office/drawing/2014/main" xmlns="" val="10005"/>
+                    <a16:rowId xmlns:a16="http://schemas.microsoft.com/office/drawing/2014/main" val="10005"/>
                   </a:ext>
                 </a:extLst>
               </a:tr>
@@ -23901,7 +23434,7 @@
                 </a:tc>
                 <a:extLst>
                   <a:ext uri="{0D108BD9-81ED-4DB2-BD59-A6C34878D82A}">
-                    <a16:rowId xmlns:a16="http://schemas.microsoft.com/office/drawing/2014/main" xmlns="" val="10006"/>
+                    <a16:rowId xmlns:a16="http://schemas.microsoft.com/office/drawing/2014/main" val="10006"/>
                   </a:ext>
                 </a:extLst>
               </a:tr>
@@ -23914,7 +23447,7 @@
           <p:cNvPr id="6" name="TextBox 5">
             <a:extLst>
               <a:ext uri="{FF2B5EF4-FFF2-40B4-BE49-F238E27FC236}">
-                <a16:creationId xmlns:a16="http://schemas.microsoft.com/office/drawing/2014/main" xmlns="" id="{5ADC00B6-990A-40DC-3CEA-505258F5E8DA}"/>
+                <a16:creationId xmlns:a16="http://schemas.microsoft.com/office/drawing/2014/main" id="{5ADC00B6-990A-40DC-3CEA-505258F5E8DA}"/>
               </a:ext>
             </a:extLst>
           </p:cNvPr>
@@ -23962,7 +23495,7 @@
           <p:cNvPr id="7" name="TextBox 6">
             <a:extLst>
               <a:ext uri="{FF2B5EF4-FFF2-40B4-BE49-F238E27FC236}">
-                <a16:creationId xmlns:a16="http://schemas.microsoft.com/office/drawing/2014/main" xmlns="" id="{5ADC00B6-990A-40DC-3CEA-505258F5E8DA}"/>
+                <a16:creationId xmlns:a16="http://schemas.microsoft.com/office/drawing/2014/main" id="{5ADC00B6-990A-40DC-3CEA-505258F5E8DA}"/>
               </a:ext>
             </a:extLst>
           </p:cNvPr>
@@ -24010,7 +23543,7 @@
           <p:cNvPr id="8" name="TextBox 7">
             <a:extLst>
               <a:ext uri="{FF2B5EF4-FFF2-40B4-BE49-F238E27FC236}">
-                <a16:creationId xmlns:a16="http://schemas.microsoft.com/office/drawing/2014/main" xmlns="" id="{5ADC00B6-990A-40DC-3CEA-505258F5E8DA}"/>
+                <a16:creationId xmlns:a16="http://schemas.microsoft.com/office/drawing/2014/main" id="{5ADC00B6-990A-40DC-3CEA-505258F5E8DA}"/>
               </a:ext>
             </a:extLst>
           </p:cNvPr>
@@ -24058,7 +23591,7 @@
           <p:cNvPr id="9" name="TextBox 8">
             <a:extLst>
               <a:ext uri="{FF2B5EF4-FFF2-40B4-BE49-F238E27FC236}">
-                <a16:creationId xmlns:a16="http://schemas.microsoft.com/office/drawing/2014/main" xmlns="" id="{5ADC00B6-990A-40DC-3CEA-505258F5E8DA}"/>
+                <a16:creationId xmlns:a16="http://schemas.microsoft.com/office/drawing/2014/main" id="{5ADC00B6-990A-40DC-3CEA-505258F5E8DA}"/>
               </a:ext>
             </a:extLst>
           </p:cNvPr>
@@ -24135,14 +23668,6 @@
   <p:clrMapOvr>
     <a:masterClrMapping/>
   </p:clrMapOvr>
-  <mc:AlternateContent xmlns:mc="http://schemas.openxmlformats.org/markup-compatibility/2006">
-    <mc:Choice xmlns:p14="http://schemas.microsoft.com/office/powerpoint/2010/main" Requires="p14">
-      <p:transition spd="slow" p14:dur="2000"/>
-    </mc:Choice>
-    <mc:Fallback>
-      <p:transition spd="slow"/>
-    </mc:Fallback>
-  </mc:AlternateContent>
   <p:timing>
     <p:tnLst>
       <p:par>
@@ -24568,7 +24093,7 @@
           <p:cNvPr id="6" name="그림 5">
             <a:extLst>
               <a:ext uri="{FF2B5EF4-FFF2-40B4-BE49-F238E27FC236}">
-                <a16:creationId xmlns:a16="http://schemas.microsoft.com/office/drawing/2014/main" xmlns="" id="{CA4DBC7C-F3DD-2369-9B17-FFC82C613A75}"/>
+                <a16:creationId xmlns:a16="http://schemas.microsoft.com/office/drawing/2014/main" id="{CA4DBC7C-F3DD-2369-9B17-FFC82C613A75}"/>
               </a:ext>
             </a:extLst>
           </p:cNvPr>
@@ -24598,7 +24123,7 @@
           <p:cNvPr id="7" name="직사각형 6">
             <a:extLst>
               <a:ext uri="{FF2B5EF4-FFF2-40B4-BE49-F238E27FC236}">
-                <a16:creationId xmlns:a16="http://schemas.microsoft.com/office/drawing/2014/main" xmlns="" id="{074F1171-7AB6-ACDB-7D1C-9460BD827CDD}"/>
+                <a16:creationId xmlns:a16="http://schemas.microsoft.com/office/drawing/2014/main" id="{074F1171-7AB6-ACDB-7D1C-9460BD827CDD}"/>
               </a:ext>
             </a:extLst>
           </p:cNvPr>
@@ -24650,7 +24175,7 @@
           <p:cNvPr id="8" name="직선 화살표 연결선 7">
             <a:extLst>
               <a:ext uri="{FF2B5EF4-FFF2-40B4-BE49-F238E27FC236}">
-                <a16:creationId xmlns:a16="http://schemas.microsoft.com/office/drawing/2014/main" xmlns="" id="{D3A5A730-35DB-821C-D2FB-ECCC9DD140FC}"/>
+                <a16:creationId xmlns:a16="http://schemas.microsoft.com/office/drawing/2014/main" id="{D3A5A730-35DB-821C-D2FB-ECCC9DD140FC}"/>
               </a:ext>
             </a:extLst>
           </p:cNvPr>
@@ -24691,7 +24216,7 @@
           <p:cNvPr id="9" name="TextBox 8">
             <a:extLst>
               <a:ext uri="{FF2B5EF4-FFF2-40B4-BE49-F238E27FC236}">
-                <a16:creationId xmlns:a16="http://schemas.microsoft.com/office/drawing/2014/main" xmlns="" id="{4A6CCCA9-6EC0-4D95-14E0-C52B8BCB35CD}"/>
+                <a16:creationId xmlns:a16="http://schemas.microsoft.com/office/drawing/2014/main" id="{4A6CCCA9-6EC0-4D95-14E0-C52B8BCB35CD}"/>
               </a:ext>
             </a:extLst>
           </p:cNvPr>
@@ -24742,7 +24267,7 @@
           <p:cNvPr id="10" name="직사각형 9">
             <a:extLst>
               <a:ext uri="{FF2B5EF4-FFF2-40B4-BE49-F238E27FC236}">
-                <a16:creationId xmlns:a16="http://schemas.microsoft.com/office/drawing/2014/main" xmlns="" id="{062E7A12-CAAD-27E1-EECA-CAF1C640863E}"/>
+                <a16:creationId xmlns:a16="http://schemas.microsoft.com/office/drawing/2014/main" id="{062E7A12-CAAD-27E1-EECA-CAF1C640863E}"/>
               </a:ext>
             </a:extLst>
           </p:cNvPr>
@@ -24794,7 +24319,7 @@
           <p:cNvPr id="11" name="직선 화살표 연결선 10">
             <a:extLst>
               <a:ext uri="{FF2B5EF4-FFF2-40B4-BE49-F238E27FC236}">
-                <a16:creationId xmlns:a16="http://schemas.microsoft.com/office/drawing/2014/main" xmlns="" id="{73CB0C49-FC4B-3359-955B-AE204EE1E101}"/>
+                <a16:creationId xmlns:a16="http://schemas.microsoft.com/office/drawing/2014/main" id="{73CB0C49-FC4B-3359-955B-AE204EE1E101}"/>
               </a:ext>
             </a:extLst>
           </p:cNvPr>
@@ -24835,7 +24360,7 @@
           <p:cNvPr id="12" name="TextBox 11">
             <a:extLst>
               <a:ext uri="{FF2B5EF4-FFF2-40B4-BE49-F238E27FC236}">
-                <a16:creationId xmlns:a16="http://schemas.microsoft.com/office/drawing/2014/main" xmlns="" id="{F5C0A30E-DDBA-9F64-76A3-CF56A3C1944E}"/>
+                <a16:creationId xmlns:a16="http://schemas.microsoft.com/office/drawing/2014/main" id="{F5C0A30E-DDBA-9F64-76A3-CF56A3C1944E}"/>
               </a:ext>
             </a:extLst>
           </p:cNvPr>
@@ -24906,7 +24431,7 @@
           <p:cNvPr id="13" name="직선 화살표 연결선 12">
             <a:extLst>
               <a:ext uri="{FF2B5EF4-FFF2-40B4-BE49-F238E27FC236}">
-                <a16:creationId xmlns:a16="http://schemas.microsoft.com/office/drawing/2014/main" xmlns="" id="{65F0EDF6-1E41-CB51-AFB2-08A6F2144824}"/>
+                <a16:creationId xmlns:a16="http://schemas.microsoft.com/office/drawing/2014/main" id="{65F0EDF6-1E41-CB51-AFB2-08A6F2144824}"/>
               </a:ext>
             </a:extLst>
           </p:cNvPr>
@@ -24947,7 +24472,7 @@
           <p:cNvPr id="14" name="TextBox 13">
             <a:extLst>
               <a:ext uri="{FF2B5EF4-FFF2-40B4-BE49-F238E27FC236}">
-                <a16:creationId xmlns:a16="http://schemas.microsoft.com/office/drawing/2014/main" xmlns="" id="{48D7086E-3277-C9DD-BD08-4715F25C06FE}"/>
+                <a16:creationId xmlns:a16="http://schemas.microsoft.com/office/drawing/2014/main" id="{48D7086E-3277-C9DD-BD08-4715F25C06FE}"/>
               </a:ext>
             </a:extLst>
           </p:cNvPr>
@@ -24988,7 +24513,7 @@
           <p:cNvPr id="15" name="직선 화살표 연결선 14">
             <a:extLst>
               <a:ext uri="{FF2B5EF4-FFF2-40B4-BE49-F238E27FC236}">
-                <a16:creationId xmlns:a16="http://schemas.microsoft.com/office/drawing/2014/main" xmlns="" id="{65CC014E-083D-5A4B-3B0B-98DEC629CB0A}"/>
+                <a16:creationId xmlns:a16="http://schemas.microsoft.com/office/drawing/2014/main" id="{65CC014E-083D-5A4B-3B0B-98DEC629CB0A}"/>
               </a:ext>
             </a:extLst>
           </p:cNvPr>
@@ -25029,7 +24554,7 @@
           <p:cNvPr id="16" name="TextBox 15">
             <a:extLst>
               <a:ext uri="{FF2B5EF4-FFF2-40B4-BE49-F238E27FC236}">
-                <a16:creationId xmlns:a16="http://schemas.microsoft.com/office/drawing/2014/main" xmlns="" id="{33A626AE-FC68-649B-6162-121A7F57563E}"/>
+                <a16:creationId xmlns:a16="http://schemas.microsoft.com/office/drawing/2014/main" id="{33A626AE-FC68-649B-6162-121A7F57563E}"/>
               </a:ext>
             </a:extLst>
           </p:cNvPr>
@@ -25070,7 +24595,7 @@
           <p:cNvPr id="17" name="직선 화살표 연결선 16">
             <a:extLst>
               <a:ext uri="{FF2B5EF4-FFF2-40B4-BE49-F238E27FC236}">
-                <a16:creationId xmlns:a16="http://schemas.microsoft.com/office/drawing/2014/main" xmlns="" id="{8AE1C50C-C246-0522-431A-D207CA4DCE7E}"/>
+                <a16:creationId xmlns:a16="http://schemas.microsoft.com/office/drawing/2014/main" id="{8AE1C50C-C246-0522-431A-D207CA4DCE7E}"/>
               </a:ext>
             </a:extLst>
           </p:cNvPr>
@@ -25111,7 +24636,7 @@
           <p:cNvPr id="18" name="TextBox 17">
             <a:extLst>
               <a:ext uri="{FF2B5EF4-FFF2-40B4-BE49-F238E27FC236}">
-                <a16:creationId xmlns:a16="http://schemas.microsoft.com/office/drawing/2014/main" xmlns="" id="{EB0FB5BC-9C65-5D5F-2FD9-093216A64F5F}"/>
+                <a16:creationId xmlns:a16="http://schemas.microsoft.com/office/drawing/2014/main" id="{EB0FB5BC-9C65-5D5F-2FD9-093216A64F5F}"/>
               </a:ext>
             </a:extLst>
           </p:cNvPr>
@@ -25152,7 +24677,7 @@
           <p:cNvPr id="19" name="직선 화살표 연결선 18">
             <a:extLst>
               <a:ext uri="{FF2B5EF4-FFF2-40B4-BE49-F238E27FC236}">
-                <a16:creationId xmlns:a16="http://schemas.microsoft.com/office/drawing/2014/main" xmlns="" id="{D8A897A3-8F13-6ACA-4F2A-7EB45D9D2396}"/>
+                <a16:creationId xmlns:a16="http://schemas.microsoft.com/office/drawing/2014/main" id="{D8A897A3-8F13-6ACA-4F2A-7EB45D9D2396}"/>
               </a:ext>
             </a:extLst>
           </p:cNvPr>
@@ -25193,7 +24718,7 @@
           <p:cNvPr id="20" name="TextBox 19">
             <a:extLst>
               <a:ext uri="{FF2B5EF4-FFF2-40B4-BE49-F238E27FC236}">
-                <a16:creationId xmlns:a16="http://schemas.microsoft.com/office/drawing/2014/main" xmlns="" id="{0A21C7C3-4C50-4A69-5565-E89C2149F435}"/>
+                <a16:creationId xmlns:a16="http://schemas.microsoft.com/office/drawing/2014/main" id="{0A21C7C3-4C50-4A69-5565-E89C2149F435}"/>
               </a:ext>
             </a:extLst>
           </p:cNvPr>
@@ -25234,7 +24759,7 @@
           <p:cNvPr id="21" name="직선 화살표 연결선 20">
             <a:extLst>
               <a:ext uri="{FF2B5EF4-FFF2-40B4-BE49-F238E27FC236}">
-                <a16:creationId xmlns:a16="http://schemas.microsoft.com/office/drawing/2014/main" xmlns="" id="{23F93734-8BD6-64DE-46E6-E57EBDF30A72}"/>
+                <a16:creationId xmlns:a16="http://schemas.microsoft.com/office/drawing/2014/main" id="{23F93734-8BD6-64DE-46E6-E57EBDF30A72}"/>
               </a:ext>
             </a:extLst>
           </p:cNvPr>
@@ -25275,7 +24800,7 @@
           <p:cNvPr id="22" name="TextBox 21">
             <a:extLst>
               <a:ext uri="{FF2B5EF4-FFF2-40B4-BE49-F238E27FC236}">
-                <a16:creationId xmlns:a16="http://schemas.microsoft.com/office/drawing/2014/main" xmlns="" id="{4F425D1A-0C27-D876-7A56-0FE8EFA87EED}"/>
+                <a16:creationId xmlns:a16="http://schemas.microsoft.com/office/drawing/2014/main" id="{4F425D1A-0C27-D876-7A56-0FE8EFA87EED}"/>
               </a:ext>
             </a:extLst>
           </p:cNvPr>
@@ -25316,7 +24841,7 @@
           <p:cNvPr id="23" name="직선 화살표 연결선 22">
             <a:extLst>
               <a:ext uri="{FF2B5EF4-FFF2-40B4-BE49-F238E27FC236}">
-                <a16:creationId xmlns:a16="http://schemas.microsoft.com/office/drawing/2014/main" xmlns="" id="{330A9D0B-3C8F-402A-7BA7-2EC946DB89EE}"/>
+                <a16:creationId xmlns:a16="http://schemas.microsoft.com/office/drawing/2014/main" id="{330A9D0B-3C8F-402A-7BA7-2EC946DB89EE}"/>
               </a:ext>
             </a:extLst>
           </p:cNvPr>
@@ -25357,7 +24882,7 @@
           <p:cNvPr id="24" name="TextBox 23">
             <a:extLst>
               <a:ext uri="{FF2B5EF4-FFF2-40B4-BE49-F238E27FC236}">
-                <a16:creationId xmlns:a16="http://schemas.microsoft.com/office/drawing/2014/main" xmlns="" id="{A593069C-50D4-AB1E-0FDB-A518B3D76E09}"/>
+                <a16:creationId xmlns:a16="http://schemas.microsoft.com/office/drawing/2014/main" id="{A593069C-50D4-AB1E-0FDB-A518B3D76E09}"/>
               </a:ext>
             </a:extLst>
           </p:cNvPr>
@@ -25398,7 +24923,7 @@
           <p:cNvPr id="25" name="직선 화살표 연결선 24">
             <a:extLst>
               <a:ext uri="{FF2B5EF4-FFF2-40B4-BE49-F238E27FC236}">
-                <a16:creationId xmlns:a16="http://schemas.microsoft.com/office/drawing/2014/main" xmlns="" id="{BC062B0A-8437-0E4A-A6B3-E438A683CDFD}"/>
+                <a16:creationId xmlns:a16="http://schemas.microsoft.com/office/drawing/2014/main" id="{BC062B0A-8437-0E4A-A6B3-E438A683CDFD}"/>
               </a:ext>
             </a:extLst>
           </p:cNvPr>
@@ -25439,7 +24964,7 @@
           <p:cNvPr id="26" name="TextBox 25">
             <a:extLst>
               <a:ext uri="{FF2B5EF4-FFF2-40B4-BE49-F238E27FC236}">
-                <a16:creationId xmlns:a16="http://schemas.microsoft.com/office/drawing/2014/main" xmlns="" id="{711FC0EE-1C95-206E-C15B-D151481BE23D}"/>
+                <a16:creationId xmlns:a16="http://schemas.microsoft.com/office/drawing/2014/main" id="{711FC0EE-1C95-206E-C15B-D151481BE23D}"/>
               </a:ext>
             </a:extLst>
           </p:cNvPr>
@@ -25480,7 +25005,7 @@
           <p:cNvPr id="27" name="직선 화살표 연결선 26">
             <a:extLst>
               <a:ext uri="{FF2B5EF4-FFF2-40B4-BE49-F238E27FC236}">
-                <a16:creationId xmlns:a16="http://schemas.microsoft.com/office/drawing/2014/main" xmlns="" id="{A987C00D-7664-8877-9F04-6695E3776C86}"/>
+                <a16:creationId xmlns:a16="http://schemas.microsoft.com/office/drawing/2014/main" id="{A987C00D-7664-8877-9F04-6695E3776C86}"/>
               </a:ext>
             </a:extLst>
           </p:cNvPr>
@@ -25521,7 +25046,7 @@
           <p:cNvPr id="28" name="TextBox 27">
             <a:extLst>
               <a:ext uri="{FF2B5EF4-FFF2-40B4-BE49-F238E27FC236}">
-                <a16:creationId xmlns:a16="http://schemas.microsoft.com/office/drawing/2014/main" xmlns="" id="{41C50DFF-758F-2AB0-8E17-3183A8649935}"/>
+                <a16:creationId xmlns:a16="http://schemas.microsoft.com/office/drawing/2014/main" id="{41C50DFF-758F-2AB0-8E17-3183A8649935}"/>
               </a:ext>
             </a:extLst>
           </p:cNvPr>
@@ -25562,7 +25087,7 @@
           <p:cNvPr id="29" name="TextBox 28">
             <a:extLst>
               <a:ext uri="{FF2B5EF4-FFF2-40B4-BE49-F238E27FC236}">
-                <a16:creationId xmlns:a16="http://schemas.microsoft.com/office/drawing/2014/main" xmlns="" id="{5ADC00B6-990A-40DC-3CEA-505258F5E8DA}"/>
+                <a16:creationId xmlns:a16="http://schemas.microsoft.com/office/drawing/2014/main" id="{5ADC00B6-990A-40DC-3CEA-505258F5E8DA}"/>
               </a:ext>
             </a:extLst>
           </p:cNvPr>
@@ -25586,7 +25111,7 @@
           <a:lstStyle/>
           <a:p>
             <a:r>
-              <a:rPr lang="ko-KR" altLang="en-US" sz="4800" smtClean="0">
+              <a:rPr lang="ko-KR" altLang="en-US" sz="4800">
                 <a:solidFill>
                   <a:srgbClr val="4C50BC"/>
                 </a:solidFill>
@@ -26458,7 +25983,7 @@
           <p:cNvPr id="4" name="TextBox 3">
             <a:extLst>
               <a:ext uri="{FF2B5EF4-FFF2-40B4-BE49-F238E27FC236}">
-                <a16:creationId xmlns:a16="http://schemas.microsoft.com/office/drawing/2014/main" xmlns="" id="{5ADC00B6-990A-40DC-3CEA-505258F5E8DA}"/>
+                <a16:creationId xmlns:a16="http://schemas.microsoft.com/office/drawing/2014/main" id="{5ADC00B6-990A-40DC-3CEA-505258F5E8DA}"/>
               </a:ext>
             </a:extLst>
           </p:cNvPr>
@@ -26482,7 +26007,7 @@
           <a:lstStyle/>
           <a:p>
             <a:r>
-              <a:rPr lang="ko-KR" altLang="en-US" sz="4800" smtClean="0">
+              <a:rPr lang="ko-KR" altLang="en-US" sz="4800">
                 <a:solidFill>
                   <a:srgbClr val="4C50BC"/>
                 </a:solidFill>
@@ -26583,13 +26108,6 @@
   <p:clrMapOvr>
     <a:masterClrMapping/>
   </p:clrMapOvr>
-  <p:timing>
-    <p:tnLst>
-      <p:par>
-        <p:cTn id="1" dur="indefinite" restart="never" nodeType="tmRoot"/>
-      </p:par>
-    </p:tnLst>
-  </p:timing>
 </p:sld>
 </file>
 
@@ -26615,7 +26133,7 @@
           <p:cNvPr id="4" name="TextBox 3">
             <a:extLst>
               <a:ext uri="{FF2B5EF4-FFF2-40B4-BE49-F238E27FC236}">
-                <a16:creationId xmlns:a16="http://schemas.microsoft.com/office/drawing/2014/main" xmlns="" id="{5ADC00B6-990A-40DC-3CEA-505258F5E8DA}"/>
+                <a16:creationId xmlns:a16="http://schemas.microsoft.com/office/drawing/2014/main" id="{5ADC00B6-990A-40DC-3CEA-505258F5E8DA}"/>
               </a:ext>
             </a:extLst>
           </p:cNvPr>
@@ -26656,20 +26174,10 @@
                 <a:latin typeface="G마켓 산스 Medium" panose="02000000000000000000" pitchFamily="50" charset="-127"/>
                 <a:ea typeface="G마켓 산스 Medium" panose="02000000000000000000" pitchFamily="50" charset="-127"/>
               </a:rPr>
-              <a:t>리턴의 </a:t>
-            </a:r>
-            <a:r>
-              <a:rPr lang="ko-KR" altLang="en-US" sz="4800" smtClean="0">
-                <a:solidFill>
-                  <a:srgbClr val="4C50BC"/>
-                </a:solidFill>
-                <a:latin typeface="G마켓 산스 Medium" panose="02000000000000000000" pitchFamily="50" charset="-127"/>
-                <a:ea typeface="G마켓 산스 Medium" panose="02000000000000000000" pitchFamily="50" charset="-127"/>
-              </a:rPr>
-              <a:t>라이프사이클</a:t>
-            </a:r>
-            <a:r>
-              <a:rPr lang="en-US" altLang="ko-KR" sz="4800" smtClean="0">
+              <a:t>리턴의 라이프사이클</a:t>
+            </a:r>
+            <a:r>
+              <a:rPr lang="en-US" altLang="ko-KR" sz="4800">
                 <a:solidFill>
                   <a:srgbClr val="FF0000"/>
                 </a:solidFill>
@@ -26679,7 +26187,7 @@
               <a:t>(</a:t>
             </a:r>
             <a:r>
-              <a:rPr lang="ko-KR" altLang="en-US" sz="4800" smtClean="0">
+              <a:rPr lang="ko-KR" altLang="en-US" sz="4800">
                 <a:solidFill>
                   <a:srgbClr val="FF0000"/>
                 </a:solidFill>
@@ -26689,7 +26197,7 @@
               <a:t>심화</a:t>
             </a:r>
             <a:r>
-              <a:rPr lang="en-US" altLang="ko-KR" sz="4800" smtClean="0">
+              <a:rPr lang="en-US" altLang="ko-KR" sz="4800">
                 <a:solidFill>
                   <a:srgbClr val="FF0000"/>
                 </a:solidFill>
@@ -26785,7 +26293,7 @@
           <p:cNvPr id="8" name="직선 화살표 연결선 7">
             <a:extLst>
               <a:ext uri="{FF2B5EF4-FFF2-40B4-BE49-F238E27FC236}">
-                <a16:creationId xmlns:a16="http://schemas.microsoft.com/office/drawing/2014/main" xmlns="" id="{299DF5EC-9DF4-5255-06AC-0A7CE4FF58C3}"/>
+                <a16:creationId xmlns:a16="http://schemas.microsoft.com/office/drawing/2014/main" id="{299DF5EC-9DF4-5255-06AC-0A7CE4FF58C3}"/>
               </a:ext>
             </a:extLst>
           </p:cNvPr>
@@ -26826,7 +26334,7 @@
           <p:cNvPr id="9" name="직선 화살표 연결선 8">
             <a:extLst>
               <a:ext uri="{FF2B5EF4-FFF2-40B4-BE49-F238E27FC236}">
-                <a16:creationId xmlns:a16="http://schemas.microsoft.com/office/drawing/2014/main" xmlns="" id="{299DF5EC-9DF4-5255-06AC-0A7CE4FF58C3}"/>
+                <a16:creationId xmlns:a16="http://schemas.microsoft.com/office/drawing/2014/main" id="{299DF5EC-9DF4-5255-06AC-0A7CE4FF58C3}"/>
               </a:ext>
             </a:extLst>
           </p:cNvPr>
@@ -26867,7 +26375,7 @@
           <p:cNvPr id="2" name="TextBox 1">
             <a:extLst>
               <a:ext uri="{FF2B5EF4-FFF2-40B4-BE49-F238E27FC236}">
-                <a16:creationId xmlns:a16="http://schemas.microsoft.com/office/drawing/2014/main" xmlns="" id="{DA0AA23B-8E9B-928B-3B9A-C98FAC47BA11}"/>
+                <a16:creationId xmlns:a16="http://schemas.microsoft.com/office/drawing/2014/main" id="{DA0AA23B-8E9B-928B-3B9A-C98FAC47BA11}"/>
               </a:ext>
             </a:extLst>
           </p:cNvPr>
@@ -26920,14 +26428,6 @@
   <p:clrMapOvr>
     <a:masterClrMapping/>
   </p:clrMapOvr>
-  <mc:AlternateContent xmlns:mc="http://schemas.openxmlformats.org/markup-compatibility/2006">
-    <mc:Choice xmlns:p14="http://schemas.microsoft.com/office/powerpoint/2010/main" Requires="p14">
-      <p:transition spd="slow" p14:dur="2000"/>
-    </mc:Choice>
-    <mc:Fallback>
-      <p:transition spd="slow"/>
-    </mc:Fallback>
-  </mc:AlternateContent>
   <p:timing>
     <p:tnLst>
       <p:par>
@@ -27130,7 +26630,7 @@
           <p:cNvPr id="4" name="TextBox 3">
             <a:extLst>
               <a:ext uri="{FF2B5EF4-FFF2-40B4-BE49-F238E27FC236}">
-                <a16:creationId xmlns:a16="http://schemas.microsoft.com/office/drawing/2014/main" xmlns="" id="{5ADC00B6-990A-40DC-3CEA-505258F5E8DA}"/>
+                <a16:creationId xmlns:a16="http://schemas.microsoft.com/office/drawing/2014/main" id="{5ADC00B6-990A-40DC-3CEA-505258F5E8DA}"/>
               </a:ext>
             </a:extLst>
           </p:cNvPr>
@@ -27154,7 +26654,7 @@
           <a:lstStyle/>
           <a:p>
             <a:r>
-              <a:rPr lang="ko-KR" altLang="en-US" sz="4800" smtClean="0">
+              <a:rPr lang="ko-KR" altLang="en-US" sz="4800">
                 <a:solidFill>
                   <a:srgbClr val="4C50BC"/>
                 </a:solidFill>
@@ -27181,7 +26681,7 @@
           <p:cNvPr id="2" name="TextBox 1">
             <a:extLst>
               <a:ext uri="{FF2B5EF4-FFF2-40B4-BE49-F238E27FC236}">
-                <a16:creationId xmlns:a16="http://schemas.microsoft.com/office/drawing/2014/main" xmlns="" id="{30AEE48F-7A28-7E3D-4439-ED5287B35FBA}"/>
+                <a16:creationId xmlns:a16="http://schemas.microsoft.com/office/drawing/2014/main" id="{30AEE48F-7A28-7E3D-4439-ED5287B35FBA}"/>
               </a:ext>
             </a:extLst>
           </p:cNvPr>
@@ -27205,7 +26705,7 @@
           <a:lstStyle/>
           <a:p>
             <a:r>
-              <a:rPr lang="en-US" altLang="ko-KR" sz="4000" smtClean="0">
+              <a:rPr lang="en-US" altLang="ko-KR" sz="4000">
                 <a:solidFill>
                   <a:srgbClr val="4C50BC"/>
                 </a:solidFill>
@@ -27215,7 +26715,7 @@
               <a:t>2-1 Marine </a:t>
             </a:r>
             <a:r>
-              <a:rPr lang="ko-KR" altLang="en-US" sz="4000" smtClean="0">
+              <a:rPr lang="ko-KR" altLang="en-US" sz="4000">
                 <a:solidFill>
                   <a:srgbClr val="4C50BC"/>
                 </a:solidFill>
@@ -27225,7 +26725,7 @@
               <a:t>클래스를 만들고 객체를 생성하여 사용해보자</a:t>
             </a:r>
             <a:r>
-              <a:rPr lang="en-US" altLang="ko-KR" sz="4000" smtClean="0">
+              <a:rPr lang="en-US" altLang="ko-KR" sz="4000">
                 <a:solidFill>
                   <a:srgbClr val="4C50BC"/>
                 </a:solidFill>
@@ -27235,7 +26735,7 @@
               <a:t>.</a:t>
             </a:r>
             <a:r>
-              <a:rPr lang="en-US" altLang="ko-KR" sz="4000" smtClean="0">
+              <a:rPr lang="en-US" altLang="ko-KR" sz="4000">
                 <a:solidFill>
                   <a:srgbClr val="FF0000"/>
                 </a:solidFill>
@@ -27244,13 +26744,6 @@
               </a:rPr>
               <a:t>(normal)</a:t>
             </a:r>
-            <a:endParaRPr lang="en-US" altLang="ko-KR" sz="4000" smtClean="0">
-              <a:solidFill>
-                <a:srgbClr val="FF0000"/>
-              </a:solidFill>
-              <a:latin typeface="G마켓 산스 Medium" panose="02000000000000000000" pitchFamily="50" charset="-127"/>
-              <a:ea typeface="G마켓 산스 Medium" panose="02000000000000000000" pitchFamily="50" charset="-127"/>
-            </a:endParaRPr>
           </a:p>
           <a:p>
             <a:pPr marL="571500" indent="-571500">
@@ -27258,7 +26751,7 @@
               <a:buChar char="-"/>
             </a:pPr>
             <a:r>
-              <a:rPr lang="ko-KR" altLang="en-US" sz="4000" smtClean="0">
+              <a:rPr lang="ko-KR" altLang="en-US" sz="4000">
                 <a:solidFill>
                   <a:schemeClr val="bg1">
                     <a:lumMod val="50000"/>
@@ -27270,7 +26763,7 @@
               <a:t>멤버변수 </a:t>
             </a:r>
             <a:r>
-              <a:rPr lang="en-US" altLang="ko-KR" sz="4000" smtClean="0">
+              <a:rPr lang="en-US" altLang="ko-KR" sz="4000">
                 <a:solidFill>
                   <a:schemeClr val="bg1">
                     <a:lumMod val="50000"/>
@@ -27282,7 +26775,7 @@
               <a:t>: int hp , int power(</a:t>
             </a:r>
             <a:r>
-              <a:rPr lang="ko-KR" altLang="en-US" sz="4000" smtClean="0">
+              <a:rPr lang="ko-KR" altLang="en-US" sz="4000">
                 <a:solidFill>
                   <a:schemeClr val="bg1">
                     <a:lumMod val="50000"/>
@@ -27294,7 +26787,7 @@
               <a:t>공격력</a:t>
             </a:r>
             <a:r>
-              <a:rPr lang="en-US" altLang="ko-KR" sz="4000" smtClean="0">
+              <a:rPr lang="en-US" altLang="ko-KR" sz="4000">
                 <a:solidFill>
                   <a:schemeClr val="bg1">
                     <a:lumMod val="50000"/>
@@ -27306,7 +26799,7 @@
               <a:t>) ,int armor(</a:t>
             </a:r>
             <a:r>
-              <a:rPr lang="ko-KR" altLang="en-US" sz="4000" smtClean="0">
+              <a:rPr lang="ko-KR" altLang="en-US" sz="4000">
                 <a:solidFill>
                   <a:schemeClr val="bg1">
                     <a:lumMod val="50000"/>
@@ -27318,7 +26811,7 @@
               <a:t>방어력</a:t>
             </a:r>
             <a:r>
-              <a:rPr lang="en-US" altLang="ko-KR" sz="4000" smtClean="0">
+              <a:rPr lang="en-US" altLang="ko-KR" sz="4000">
                 <a:solidFill>
                   <a:schemeClr val="bg1">
                     <a:lumMod val="50000"/>
@@ -27336,7 +26829,7 @@
               <a:buChar char="-"/>
             </a:pPr>
             <a:r>
-              <a:rPr lang="ko-KR" altLang="en-US" sz="4000" smtClean="0">
+              <a:rPr lang="ko-KR" altLang="en-US" sz="4000">
                 <a:solidFill>
                   <a:schemeClr val="bg1">
                     <a:lumMod val="50000"/>
@@ -27348,7 +26841,7 @@
               <a:t>멤버메서드 </a:t>
             </a:r>
             <a:r>
-              <a:rPr lang="en-US" altLang="ko-KR" sz="4000" smtClean="0">
+              <a:rPr lang="en-US" altLang="ko-KR" sz="4000">
                 <a:solidFill>
                   <a:schemeClr val="bg1">
                     <a:lumMod val="50000"/>
@@ -27360,7 +26853,7 @@
               <a:t>: showState()  </a:t>
             </a:r>
             <a:r>
-              <a:rPr lang="ko-KR" altLang="en-US" sz="4000" smtClean="0">
+              <a:rPr lang="ko-KR" altLang="en-US" sz="4000">
                 <a:solidFill>
                   <a:schemeClr val="bg1">
                     <a:lumMod val="50000"/>
@@ -27372,7 +26865,7 @@
               <a:t>객체의 상태를 표시 한다</a:t>
             </a:r>
             <a:r>
-              <a:rPr lang="en-US" altLang="ko-KR" sz="4000" smtClean="0">
+              <a:rPr lang="en-US" altLang="ko-KR" sz="4000">
                 <a:solidFill>
                   <a:schemeClr val="bg1">
                     <a:lumMod val="50000"/>
@@ -27444,13 +26937,6 @@
   <p:clrMapOvr>
     <a:masterClrMapping/>
   </p:clrMapOvr>
-  <p:timing>
-    <p:tnLst>
-      <p:par>
-        <p:cTn id="1" dur="indefinite" restart="never" nodeType="tmRoot"/>
-      </p:par>
-    </p:tnLst>
-  </p:timing>
 </p:sld>
 </file>
 
@@ -27487,8 +26973,8 @@
         </p:blipFill>
         <p:spPr>
           <a:xfrm>
-            <a:off x="571500" y="95347"/>
-            <a:ext cx="7810500" cy="9543953"/>
+            <a:off x="571499" y="95347"/>
+            <a:ext cx="7839109" cy="9543953"/>
           </a:xfrm>
           <a:prstGeom prst="rect">
             <a:avLst/>
@@ -27500,7 +26986,7 @@
           <p:cNvPr id="5" name="직선 화살표 연결선 4">
             <a:extLst>
               <a:ext uri="{FF2B5EF4-FFF2-40B4-BE49-F238E27FC236}">
-                <a16:creationId xmlns="" xmlns:a16="http://schemas.microsoft.com/office/drawing/2014/main" id="{299DF5EC-9DF4-5255-06AC-0A7CE4FF58C3}"/>
+                <a16:creationId xmlns:a16="http://schemas.microsoft.com/office/drawing/2014/main" id="{299DF5EC-9DF4-5255-06AC-0A7CE4FF58C3}"/>
               </a:ext>
             </a:extLst>
           </p:cNvPr>
@@ -27512,7 +26998,7 @@
         <p:spPr>
           <a:xfrm>
             <a:off x="7239000" y="1333500"/>
-            <a:ext cx="1219200" cy="0"/>
+            <a:ext cx="1223666" cy="0"/>
           </a:xfrm>
           <a:prstGeom prst="straightConnector1">
             <a:avLst/>
@@ -27541,7 +27027,7 @@
           <p:cNvPr id="7" name="TextBox 6">
             <a:extLst>
               <a:ext uri="{FF2B5EF4-FFF2-40B4-BE49-F238E27FC236}">
-                <a16:creationId xmlns="" xmlns:a16="http://schemas.microsoft.com/office/drawing/2014/main" id="{C6D113C6-EA5C-788F-0C77-E7CE6EBB865F}"/>
+                <a16:creationId xmlns:a16="http://schemas.microsoft.com/office/drawing/2014/main" id="{C6D113C6-EA5C-788F-0C77-E7CE6EBB865F}"/>
               </a:ext>
             </a:extLst>
           </p:cNvPr>
@@ -27550,8 +27036,8 @@
         </p:nvSpPr>
         <p:spPr>
           <a:xfrm>
-            <a:off x="8534400" y="1028700"/>
-            <a:ext cx="6248400" cy="646331"/>
+            <a:off x="8534399" y="1028700"/>
+            <a:ext cx="6271287" cy="646331"/>
           </a:xfrm>
           <a:prstGeom prst="rect">
             <a:avLst/>
@@ -27565,7 +27051,7 @@
           <a:lstStyle/>
           <a:p>
             <a:r>
-              <a:rPr lang="ko-KR" altLang="en-US" sz="3600" smtClean="0">
+              <a:rPr lang="ko-KR" altLang="en-US" sz="3600">
                 <a:solidFill>
                   <a:srgbClr val="FF0000"/>
                 </a:solidFill>
@@ -27575,7 +27061,7 @@
               <a:t>멤버변수 </a:t>
             </a:r>
             <a:r>
-              <a:rPr lang="en-US" altLang="ko-KR" sz="3600" smtClean="0">
+              <a:rPr lang="en-US" altLang="ko-KR" sz="3600">
                 <a:solidFill>
                   <a:srgbClr val="FF0000"/>
                 </a:solidFill>
@@ -27585,7 +27071,7 @@
               <a:t>-</a:t>
             </a:r>
             <a:r>
-              <a:rPr lang="ko-KR" altLang="en-US" sz="3600" smtClean="0">
+              <a:rPr lang="ko-KR" altLang="en-US" sz="3600">
                 <a:solidFill>
                   <a:srgbClr val="FF0000"/>
                 </a:solidFill>
@@ -27609,7 +27095,7 @@
           <p:cNvPr id="8" name="직선 화살표 연결선 7">
             <a:extLst>
               <a:ext uri="{FF2B5EF4-FFF2-40B4-BE49-F238E27FC236}">
-                <a16:creationId xmlns="" xmlns:a16="http://schemas.microsoft.com/office/drawing/2014/main" id="{299DF5EC-9DF4-5255-06AC-0A7CE4FF58C3}"/>
+                <a16:creationId xmlns:a16="http://schemas.microsoft.com/office/drawing/2014/main" id="{299DF5EC-9DF4-5255-06AC-0A7CE4FF58C3}"/>
               </a:ext>
             </a:extLst>
           </p:cNvPr>
@@ -27621,7 +27107,7 @@
         <p:spPr>
           <a:xfrm>
             <a:off x="5791200" y="2400300"/>
-            <a:ext cx="1219200" cy="0"/>
+            <a:ext cx="1223666" cy="0"/>
           </a:xfrm>
           <a:prstGeom prst="straightConnector1">
             <a:avLst/>
@@ -27650,7 +27136,7 @@
           <p:cNvPr id="10" name="TextBox 9">
             <a:extLst>
               <a:ext uri="{FF2B5EF4-FFF2-40B4-BE49-F238E27FC236}">
-                <a16:creationId xmlns="" xmlns:a16="http://schemas.microsoft.com/office/drawing/2014/main" id="{C6D113C6-EA5C-788F-0C77-E7CE6EBB865F}"/>
+                <a16:creationId xmlns:a16="http://schemas.microsoft.com/office/drawing/2014/main" id="{C6D113C6-EA5C-788F-0C77-E7CE6EBB865F}"/>
               </a:ext>
             </a:extLst>
           </p:cNvPr>
@@ -27659,8 +27145,8 @@
         </p:nvSpPr>
         <p:spPr>
           <a:xfrm>
-            <a:off x="7086600" y="2095500"/>
-            <a:ext cx="6629400" cy="646331"/>
+            <a:off x="7086599" y="2095500"/>
+            <a:ext cx="6653683" cy="646331"/>
           </a:xfrm>
           <a:prstGeom prst="rect">
             <a:avLst/>
@@ -27674,7 +27160,7 @@
           <a:lstStyle/>
           <a:p>
             <a:r>
-              <a:rPr lang="ko-KR" altLang="en-US" sz="3600" smtClean="0">
+              <a:rPr lang="ko-KR" altLang="en-US" sz="3600">
                 <a:solidFill>
                   <a:srgbClr val="FF0000"/>
                 </a:solidFill>
@@ -27684,7 +27170,7 @@
               <a:t>멤버변수</a:t>
             </a:r>
             <a:r>
-              <a:rPr lang="en-US" altLang="ko-KR" sz="3600" smtClean="0">
+              <a:rPr lang="en-US" altLang="ko-KR" sz="3600">
                 <a:solidFill>
                   <a:srgbClr val="FF0000"/>
                 </a:solidFill>
@@ -27694,24 +27180,14 @@
               <a:t>,</a:t>
             </a:r>
             <a:r>
-              <a:rPr lang="ko-KR" altLang="en-US" sz="3600" smtClean="0">
+              <a:rPr lang="ko-KR" altLang="en-US" sz="3600">
                 <a:solidFill>
                   <a:srgbClr val="FF0000"/>
                 </a:solidFill>
                 <a:latin typeface="G마켓 산스 Medium" panose="02000000000000000000" pitchFamily="50" charset="-127"/>
                 <a:ea typeface="G마켓 산스 Medium" panose="02000000000000000000" pitchFamily="50" charset="-127"/>
               </a:rPr>
-              <a:t>인스턴스 </a:t>
-            </a:r>
-            <a:r>
-              <a:rPr lang="ko-KR" altLang="en-US" sz="3600" smtClean="0">
-                <a:solidFill>
-                  <a:srgbClr val="FF0000"/>
-                </a:solidFill>
-                <a:latin typeface="G마켓 산스 Medium" panose="02000000000000000000" pitchFamily="50" charset="-127"/>
-                <a:ea typeface="G마켓 산스 Medium" panose="02000000000000000000" pitchFamily="50" charset="-127"/>
-              </a:rPr>
-              <a:t>변수</a:t>
+              <a:t>인스턴스 변수</a:t>
             </a:r>
             <a:endParaRPr lang="en-US" altLang="ko-KR" sz="3600" dirty="0">
               <a:solidFill>
@@ -27728,7 +27204,7 @@
           <p:cNvPr id="11" name="직선 화살표 연결선 10">
             <a:extLst>
               <a:ext uri="{FF2B5EF4-FFF2-40B4-BE49-F238E27FC236}">
-                <a16:creationId xmlns="" xmlns:a16="http://schemas.microsoft.com/office/drawing/2014/main" id="{299DF5EC-9DF4-5255-06AC-0A7CE4FF58C3}"/>
+                <a16:creationId xmlns:a16="http://schemas.microsoft.com/office/drawing/2014/main" id="{299DF5EC-9DF4-5255-06AC-0A7CE4FF58C3}"/>
               </a:ext>
             </a:extLst>
           </p:cNvPr>
@@ -27740,7 +27216,7 @@
         <p:spPr>
           <a:xfrm>
             <a:off x="7924800" y="3238500"/>
-            <a:ext cx="1524000" cy="1854"/>
+            <a:ext cx="1529582" cy="2781"/>
           </a:xfrm>
           <a:prstGeom prst="straightConnector1">
             <a:avLst/>
@@ -27769,7 +27245,7 @@
           <p:cNvPr id="13" name="TextBox 12">
             <a:extLst>
               <a:ext uri="{FF2B5EF4-FFF2-40B4-BE49-F238E27FC236}">
-                <a16:creationId xmlns="" xmlns:a16="http://schemas.microsoft.com/office/drawing/2014/main" id="{C6D113C6-EA5C-788F-0C77-E7CE6EBB865F}"/>
+                <a16:creationId xmlns:a16="http://schemas.microsoft.com/office/drawing/2014/main" id="{C6D113C6-EA5C-788F-0C77-E7CE6EBB865F}"/>
               </a:ext>
             </a:extLst>
           </p:cNvPr>
@@ -27778,8 +27254,8 @@
         </p:nvSpPr>
         <p:spPr>
           <a:xfrm>
-            <a:off x="9525000" y="2935554"/>
-            <a:ext cx="1981200" cy="646331"/>
+            <a:off x="9524999" y="2935554"/>
+            <a:ext cx="2743201" cy="646331"/>
           </a:xfrm>
           <a:prstGeom prst="rect">
             <a:avLst/>
@@ -27793,7 +27269,7 @@
           <a:lstStyle/>
           <a:p>
             <a:r>
-              <a:rPr lang="ko-KR" altLang="en-US" sz="3600" smtClean="0">
+              <a:rPr lang="ko-KR" altLang="en-US" sz="3600" dirty="0">
                 <a:solidFill>
                   <a:srgbClr val="FF0000"/>
                 </a:solidFill>
@@ -27817,7 +27293,7 @@
           <p:cNvPr id="14" name="직선 화살표 연결선 13">
             <a:extLst>
               <a:ext uri="{FF2B5EF4-FFF2-40B4-BE49-F238E27FC236}">
-                <a16:creationId xmlns="" xmlns:a16="http://schemas.microsoft.com/office/drawing/2014/main" id="{299DF5EC-9DF4-5255-06AC-0A7CE4FF58C3}"/>
+                <a16:creationId xmlns:a16="http://schemas.microsoft.com/office/drawing/2014/main" id="{299DF5EC-9DF4-5255-06AC-0A7CE4FF58C3}"/>
               </a:ext>
             </a:extLst>
           </p:cNvPr>
@@ -27829,7 +27305,7 @@
         <p:spPr>
           <a:xfrm>
             <a:off x="6477000" y="4255114"/>
-            <a:ext cx="1219200" cy="0"/>
+            <a:ext cx="1223666" cy="0"/>
           </a:xfrm>
           <a:prstGeom prst="straightConnector1">
             <a:avLst/>
@@ -27858,7 +27334,7 @@
           <p:cNvPr id="16" name="TextBox 15">
             <a:extLst>
               <a:ext uri="{FF2B5EF4-FFF2-40B4-BE49-F238E27FC236}">
-                <a16:creationId xmlns="" xmlns:a16="http://schemas.microsoft.com/office/drawing/2014/main" id="{C6D113C6-EA5C-788F-0C77-E7CE6EBB865F}"/>
+                <a16:creationId xmlns:a16="http://schemas.microsoft.com/office/drawing/2014/main" id="{C6D113C6-EA5C-788F-0C77-E7CE6EBB865F}"/>
               </a:ext>
             </a:extLst>
           </p:cNvPr>
@@ -27867,8 +27343,8 @@
         </p:nvSpPr>
         <p:spPr>
           <a:xfrm>
-            <a:off x="7772400" y="3950314"/>
-            <a:ext cx="1981200" cy="646331"/>
+            <a:off x="7772399" y="3950314"/>
+            <a:ext cx="2743201" cy="646331"/>
           </a:xfrm>
           <a:prstGeom prst="rect">
             <a:avLst/>
@@ -27882,7 +27358,7 @@
           <a:lstStyle/>
           <a:p>
             <a:r>
-              <a:rPr lang="ko-KR" altLang="en-US" sz="3600" smtClean="0">
+              <a:rPr lang="ko-KR" altLang="en-US" sz="3600" dirty="0">
                 <a:solidFill>
                   <a:srgbClr val="FF0000"/>
                 </a:solidFill>
@@ -27906,7 +27382,7 @@
           <p:cNvPr id="18" name="직선 화살표 연결선 17">
             <a:extLst>
               <a:ext uri="{FF2B5EF4-FFF2-40B4-BE49-F238E27FC236}">
-                <a16:creationId xmlns="" xmlns:a16="http://schemas.microsoft.com/office/drawing/2014/main" id="{299DF5EC-9DF4-5255-06AC-0A7CE4FF58C3}"/>
+                <a16:creationId xmlns:a16="http://schemas.microsoft.com/office/drawing/2014/main" id="{299DF5EC-9DF4-5255-06AC-0A7CE4FF58C3}"/>
               </a:ext>
             </a:extLst>
           </p:cNvPr>
@@ -27947,7 +27423,7 @@
           <p:cNvPr id="20" name="TextBox 19">
             <a:extLst>
               <a:ext uri="{FF2B5EF4-FFF2-40B4-BE49-F238E27FC236}">
-                <a16:creationId xmlns="" xmlns:a16="http://schemas.microsoft.com/office/drawing/2014/main" id="{C6D113C6-EA5C-788F-0C77-E7CE6EBB865F}"/>
+                <a16:creationId xmlns:a16="http://schemas.microsoft.com/office/drawing/2014/main" id="{C6D113C6-EA5C-788F-0C77-E7CE6EBB865F}"/>
               </a:ext>
             </a:extLst>
           </p:cNvPr>
@@ -27956,8 +27432,8 @@
         </p:nvSpPr>
         <p:spPr>
           <a:xfrm>
-            <a:off x="6705600" y="6297302"/>
-            <a:ext cx="1981200" cy="646331"/>
+            <a:off x="6705599" y="6297302"/>
+            <a:ext cx="3810001" cy="646331"/>
           </a:xfrm>
           <a:prstGeom prst="rect">
             <a:avLst/>
@@ -27971,7 +27447,7 @@
           <a:lstStyle/>
           <a:p>
             <a:r>
-              <a:rPr lang="ko-KR" altLang="en-US" sz="3600" smtClean="0">
+              <a:rPr lang="ko-KR" altLang="en-US" sz="3600" dirty="0">
                 <a:solidFill>
                   <a:srgbClr val="FF0000"/>
                 </a:solidFill>
@@ -28470,7 +27946,7 @@
           <p:cNvPr id="8" name="TextBox 7">
             <a:extLst>
               <a:ext uri="{FF2B5EF4-FFF2-40B4-BE49-F238E27FC236}">
-                <a16:creationId xmlns:a16="http://schemas.microsoft.com/office/drawing/2014/main" xmlns="" id="{5ADC00B6-990A-40DC-3CEA-505258F5E8DA}"/>
+                <a16:creationId xmlns:a16="http://schemas.microsoft.com/office/drawing/2014/main" id="{5ADC00B6-990A-40DC-3CEA-505258F5E8DA}"/>
               </a:ext>
             </a:extLst>
           </p:cNvPr>
@@ -28494,7 +27970,7 @@
           <a:lstStyle/>
           <a:p>
             <a:r>
-              <a:rPr lang="ko-KR" altLang="en-US" sz="4800" smtClean="0">
+              <a:rPr lang="ko-KR" altLang="en-US" sz="4800">
                 <a:solidFill>
                   <a:srgbClr val="4C50BC"/>
                 </a:solidFill>
@@ -28518,7 +27994,7 @@
           <p:cNvPr id="9" name="직선 화살표 연결선 8">
             <a:extLst>
               <a:ext uri="{FF2B5EF4-FFF2-40B4-BE49-F238E27FC236}">
-                <a16:creationId xmlns:a16="http://schemas.microsoft.com/office/drawing/2014/main" xmlns="" id="{299DF5EC-9DF4-5255-06AC-0A7CE4FF58C3}"/>
+                <a16:creationId xmlns:a16="http://schemas.microsoft.com/office/drawing/2014/main" id="{299DF5EC-9DF4-5255-06AC-0A7CE4FF58C3}"/>
               </a:ext>
             </a:extLst>
           </p:cNvPr>
@@ -28559,7 +28035,7 @@
           <p:cNvPr id="10" name="TextBox 9">
             <a:extLst>
               <a:ext uri="{FF2B5EF4-FFF2-40B4-BE49-F238E27FC236}">
-                <a16:creationId xmlns:a16="http://schemas.microsoft.com/office/drawing/2014/main" xmlns="" id="{C6D113C6-EA5C-788F-0C77-E7CE6EBB865F}"/>
+                <a16:creationId xmlns:a16="http://schemas.microsoft.com/office/drawing/2014/main" id="{C6D113C6-EA5C-788F-0C77-E7CE6EBB865F}"/>
               </a:ext>
             </a:extLst>
           </p:cNvPr>
@@ -28583,7 +28059,7 @@
           <a:lstStyle/>
           <a:p>
             <a:r>
-              <a:rPr lang="ko-KR" altLang="en-US" sz="4000" smtClean="0">
+              <a:rPr lang="ko-KR" altLang="en-US" sz="4000">
                 <a:solidFill>
                   <a:srgbClr val="FF0000"/>
                 </a:solidFill>
@@ -28593,7 +28069,7 @@
               <a:t>멤버변수 선언과 동시에 초기화 하였기에 객체 생성시 기본값이 된다</a:t>
             </a:r>
             <a:r>
-              <a:rPr lang="en-US" altLang="ko-KR" sz="4000" smtClean="0">
+              <a:rPr lang="en-US" altLang="ko-KR" sz="4000">
                 <a:solidFill>
                   <a:srgbClr val="FF0000"/>
                 </a:solidFill>
@@ -28617,7 +28093,7 @@
           <p:cNvPr id="11" name="직사각형 10">
             <a:extLst>
               <a:ext uri="{FF2B5EF4-FFF2-40B4-BE49-F238E27FC236}">
-                <a16:creationId xmlns="" xmlns:a16="http://schemas.microsoft.com/office/drawing/2014/main" id="{361FA442-8171-4EBF-65A2-19C90654959D}"/>
+                <a16:creationId xmlns:a16="http://schemas.microsoft.com/office/drawing/2014/main" id="{361FA442-8171-4EBF-65A2-19C90654959D}"/>
               </a:ext>
             </a:extLst>
           </p:cNvPr>
@@ -28777,7 +28253,7 @@
           <p:cNvPr id="4" name="TextBox 3">
             <a:extLst>
               <a:ext uri="{FF2B5EF4-FFF2-40B4-BE49-F238E27FC236}">
-                <a16:creationId xmlns:a16="http://schemas.microsoft.com/office/drawing/2014/main" xmlns="" id="{30AEE48F-7A28-7E3D-4439-ED5287B35FBA}"/>
+                <a16:creationId xmlns:a16="http://schemas.microsoft.com/office/drawing/2014/main" id="{30AEE48F-7A28-7E3D-4439-ED5287B35FBA}"/>
               </a:ext>
             </a:extLst>
           </p:cNvPr>
@@ -28801,7 +28277,7 @@
           <a:lstStyle/>
           <a:p>
             <a:r>
-              <a:rPr lang="en-US" altLang="ko-KR" sz="4000" smtClean="0">
+              <a:rPr lang="en-US" altLang="ko-KR" sz="4000">
                 <a:solidFill>
                   <a:srgbClr val="4C50BC"/>
                 </a:solidFill>
@@ -28861,37 +28337,27 @@
               <a:t> </a:t>
             </a:r>
             <a:r>
-              <a:rPr lang="ko-KR" altLang="en-US" sz="4000" smtClean="0">
+              <a:rPr lang="ko-KR" altLang="en-US" sz="4000">
                 <a:solidFill>
                   <a:srgbClr val="4C50BC"/>
                 </a:solidFill>
                 <a:latin typeface="G마켓 산스 Medium" panose="02000000000000000000" pitchFamily="50" charset="-127"/>
                 <a:ea typeface="G마켓 산스 Medium" panose="02000000000000000000" pitchFamily="50" charset="-127"/>
               </a:rPr>
-              <a:t>메서드를 </a:t>
-            </a:r>
-            <a:r>
-              <a:rPr lang="ko-KR" altLang="en-US" sz="4000">
+              <a:t>메서드를 만들자</a:t>
+            </a:r>
+            <a:r>
+              <a:rPr lang="en-US" altLang="ko-KR" sz="4000">
                 <a:solidFill>
                   <a:srgbClr val="4C50BC"/>
                 </a:solidFill>
                 <a:latin typeface="G마켓 산스 Medium" panose="02000000000000000000" pitchFamily="50" charset="-127"/>
                 <a:ea typeface="G마켓 산스 Medium" panose="02000000000000000000" pitchFamily="50" charset="-127"/>
               </a:rPr>
-              <a:t>만들자</a:t>
-            </a:r>
-            <a:r>
-              <a:rPr lang="en-US" altLang="ko-KR" sz="4000" smtClean="0">
-                <a:solidFill>
-                  <a:srgbClr val="4C50BC"/>
-                </a:solidFill>
-                <a:latin typeface="G마켓 산스 Medium" panose="02000000000000000000" pitchFamily="50" charset="-127"/>
-                <a:ea typeface="G마켓 산스 Medium" panose="02000000000000000000" pitchFamily="50" charset="-127"/>
-              </a:rPr>
               <a:t>.</a:t>
             </a:r>
             <a:r>
-              <a:rPr lang="en-US" altLang="ko-KR" sz="4000" smtClean="0">
+              <a:rPr lang="en-US" altLang="ko-KR" sz="4000">
                 <a:solidFill>
                   <a:srgbClr val="FF0000"/>
                 </a:solidFill>
@@ -28914,7 +28380,7 @@
               <a:buChar char="-"/>
             </a:pPr>
             <a:r>
-              <a:rPr lang="ko-KR" altLang="en-US" sz="4000" smtClean="0">
+              <a:rPr lang="ko-KR" altLang="en-US" sz="4000">
                 <a:solidFill>
                   <a:schemeClr val="bg1">
                     <a:lumMod val="50000"/>
@@ -28950,7 +28416,7 @@
               <a:t>한다</a:t>
             </a:r>
             <a:r>
-              <a:rPr lang="en-US" altLang="ko-KR" sz="4000" smtClean="0">
+              <a:rPr lang="en-US" altLang="ko-KR" sz="4000">
                 <a:solidFill>
                   <a:schemeClr val="bg1">
                     <a:lumMod val="50000"/>
@@ -28968,7 +28434,7 @@
               <a:buChar char="-"/>
             </a:pPr>
             <a:r>
-              <a:rPr lang="en-US" altLang="ko-KR" sz="4000" smtClean="0">
+              <a:rPr lang="en-US" altLang="ko-KR" sz="4000">
                 <a:solidFill>
                   <a:schemeClr val="bg1">
                     <a:lumMod val="50000"/>
@@ -28980,7 +28446,7 @@
               <a:t>power , armor </a:t>
             </a:r>
             <a:r>
-              <a:rPr lang="ko-KR" altLang="en-US" sz="4000" smtClean="0">
+              <a:rPr lang="ko-KR" altLang="en-US" sz="4000">
                 <a:solidFill>
                   <a:schemeClr val="bg1">
                     <a:lumMod val="50000"/>
@@ -28992,7 +28458,7 @@
               <a:t>변수가 수정 되어야 한다</a:t>
             </a:r>
             <a:r>
-              <a:rPr lang="en-US" altLang="ko-KR" sz="4000" smtClean="0">
+              <a:rPr lang="en-US" altLang="ko-KR" sz="4000">
                 <a:solidFill>
                   <a:schemeClr val="bg1">
                     <a:lumMod val="50000"/>
@@ -29020,7 +28486,7 @@
           <p:cNvPr id="5" name="표 4">
             <a:extLst>
               <a:ext uri="{FF2B5EF4-FFF2-40B4-BE49-F238E27FC236}">
-                <a16:creationId xmlns:a16="http://schemas.microsoft.com/office/drawing/2014/main" xmlns="" id="{1B49E70D-ED3F-5AD0-12F8-196C680646A4}"/>
+                <a16:creationId xmlns:a16="http://schemas.microsoft.com/office/drawing/2014/main" id="{1B49E70D-ED3F-5AD0-12F8-196C680646A4}"/>
               </a:ext>
             </a:extLst>
           </p:cNvPr>
@@ -29049,21 +28515,21 @@
                 <a:gridCol w="1731833">
                   <a:extLst>
                     <a:ext uri="{9D8B030D-6E8A-4147-A177-3AD203B41FA5}">
-                      <a16:colId xmlns:a16="http://schemas.microsoft.com/office/drawing/2014/main" xmlns="" val="4032330398"/>
+                      <a16:colId xmlns:a16="http://schemas.microsoft.com/office/drawing/2014/main" val="4032330398"/>
                     </a:ext>
                   </a:extLst>
                 </a:gridCol>
                 <a:gridCol w="1752960">
                   <a:extLst>
                     <a:ext uri="{9D8B030D-6E8A-4147-A177-3AD203B41FA5}">
-                      <a16:colId xmlns:a16="http://schemas.microsoft.com/office/drawing/2014/main" xmlns="" val="2529553061"/>
+                      <a16:colId xmlns:a16="http://schemas.microsoft.com/office/drawing/2014/main" val="2529553061"/>
                     </a:ext>
                   </a:extLst>
                 </a:gridCol>
                 <a:gridCol w="2730951">
                   <a:extLst>
                     <a:ext uri="{9D8B030D-6E8A-4147-A177-3AD203B41FA5}">
-                      <a16:colId xmlns:a16="http://schemas.microsoft.com/office/drawing/2014/main" xmlns="" val="2764036319"/>
+                      <a16:colId xmlns:a16="http://schemas.microsoft.com/office/drawing/2014/main" val="2764036319"/>
                     </a:ext>
                   </a:extLst>
                 </a:gridCol>
@@ -29251,7 +28717,7 @@
                 </a:tc>
                 <a:extLst>
                   <a:ext uri="{0D108BD9-81ED-4DB2-BD59-A6C34878D82A}">
-                    <a16:rowId xmlns:a16="http://schemas.microsoft.com/office/drawing/2014/main" xmlns="" val="2120154440"/>
+                    <a16:rowId xmlns:a16="http://schemas.microsoft.com/office/drawing/2014/main" val="2120154440"/>
                   </a:ext>
                 </a:extLst>
               </a:tr>
@@ -29532,7 +28998,7 @@
                 </a:tc>
                 <a:extLst>
                   <a:ext uri="{0D108BD9-81ED-4DB2-BD59-A6C34878D82A}">
-                    <a16:rowId xmlns:a16="http://schemas.microsoft.com/office/drawing/2014/main" xmlns="" val="1372649246"/>
+                    <a16:rowId xmlns:a16="http://schemas.microsoft.com/office/drawing/2014/main" val="1372649246"/>
                   </a:ext>
                 </a:extLst>
               </a:tr>
@@ -29794,7 +29260,7 @@
                 </a:tc>
                 <a:extLst>
                   <a:ext uri="{0D108BD9-81ED-4DB2-BD59-A6C34878D82A}">
-                    <a16:rowId xmlns:a16="http://schemas.microsoft.com/office/drawing/2014/main" xmlns="" val="3494203728"/>
+                    <a16:rowId xmlns:a16="http://schemas.microsoft.com/office/drawing/2014/main" val="3494203728"/>
                   </a:ext>
                 </a:extLst>
               </a:tr>
@@ -29807,7 +29273,7 @@
           <p:cNvPr id="6" name="그림 5">
             <a:extLst>
               <a:ext uri="{FF2B5EF4-FFF2-40B4-BE49-F238E27FC236}">
-                <a16:creationId xmlns:a16="http://schemas.microsoft.com/office/drawing/2014/main" xmlns="" id="{BDF1B617-4E7D-BB57-42FB-DDFB8BB3FBA6}"/>
+                <a16:creationId xmlns:a16="http://schemas.microsoft.com/office/drawing/2014/main" id="{BDF1B617-4E7D-BB57-42FB-DDFB8BB3FBA6}"/>
               </a:ext>
             </a:extLst>
           </p:cNvPr>
@@ -29837,7 +29303,7 @@
           <p:cNvPr id="7" name="그림 6">
             <a:extLst>
               <a:ext uri="{FF2B5EF4-FFF2-40B4-BE49-F238E27FC236}">
-                <a16:creationId xmlns:a16="http://schemas.microsoft.com/office/drawing/2014/main" xmlns="" id="{41D29328-9FA6-680E-0899-868784F9AC5B}"/>
+                <a16:creationId xmlns:a16="http://schemas.microsoft.com/office/drawing/2014/main" id="{41D29328-9FA6-680E-0899-868784F9AC5B}"/>
               </a:ext>
             </a:extLst>
           </p:cNvPr>
@@ -29872,13 +29338,6 @@
   <p:clrMapOvr>
     <a:masterClrMapping/>
   </p:clrMapOvr>
-  <p:timing>
-    <p:tnLst>
-      <p:par>
-        <p:cTn id="1" dur="indefinite" restart="never" nodeType="tmRoot"/>
-      </p:par>
-    </p:tnLst>
-  </p:timing>
 </p:sld>
 </file>
 
@@ -29952,7 +29411,7 @@
           <p:cNvPr id="8" name="TextBox 7">
             <a:extLst>
               <a:ext uri="{FF2B5EF4-FFF2-40B4-BE49-F238E27FC236}">
-                <a16:creationId xmlns:a16="http://schemas.microsoft.com/office/drawing/2014/main" xmlns="" id="{5ADC00B6-990A-40DC-3CEA-505258F5E8DA}"/>
+                <a16:creationId xmlns:a16="http://schemas.microsoft.com/office/drawing/2014/main" id="{5ADC00B6-990A-40DC-3CEA-505258F5E8DA}"/>
               </a:ext>
             </a:extLst>
           </p:cNvPr>
@@ -29976,7 +29435,7 @@
           <a:lstStyle/>
           <a:p>
             <a:r>
-              <a:rPr lang="ko-KR" altLang="en-US" sz="4800" smtClean="0">
+              <a:rPr lang="ko-KR" altLang="en-US" sz="4800">
                 <a:solidFill>
                   <a:srgbClr val="4C50BC"/>
                 </a:solidFill>
@@ -30000,7 +29459,7 @@
           <p:cNvPr id="9" name="직선 화살표 연결선 8">
             <a:extLst>
               <a:ext uri="{FF2B5EF4-FFF2-40B4-BE49-F238E27FC236}">
-                <a16:creationId xmlns="" xmlns:a16="http://schemas.microsoft.com/office/drawing/2014/main" id="{299DF5EC-9DF4-5255-06AC-0A7CE4FF58C3}"/>
+                <a16:creationId xmlns:a16="http://schemas.microsoft.com/office/drawing/2014/main" id="{299DF5EC-9DF4-5255-06AC-0A7CE4FF58C3}"/>
               </a:ext>
             </a:extLst>
           </p:cNvPr>
@@ -30041,7 +29500,7 @@
           <p:cNvPr id="10" name="TextBox 9">
             <a:extLst>
               <a:ext uri="{FF2B5EF4-FFF2-40B4-BE49-F238E27FC236}">
-                <a16:creationId xmlns="" xmlns:a16="http://schemas.microsoft.com/office/drawing/2014/main" id="{C6D113C6-EA5C-788F-0C77-E7CE6EBB865F}"/>
+                <a16:creationId xmlns:a16="http://schemas.microsoft.com/office/drawing/2014/main" id="{C6D113C6-EA5C-788F-0C77-E7CE6EBB865F}"/>
               </a:ext>
             </a:extLst>
           </p:cNvPr>
@@ -30065,7 +29524,7 @@
           <a:lstStyle/>
           <a:p>
             <a:r>
-              <a:rPr lang="ko-KR" altLang="en-US" sz="3600" smtClean="0">
+              <a:rPr lang="ko-KR" altLang="en-US" sz="3600">
                 <a:solidFill>
                   <a:srgbClr val="FF0000"/>
                 </a:solidFill>
@@ -30075,7 +29534,7 @@
               <a:t>클래스변수</a:t>
             </a:r>
             <a:r>
-              <a:rPr lang="en-US" altLang="ko-KR" sz="3600" smtClean="0">
+              <a:rPr lang="en-US" altLang="ko-KR" sz="3600">
                 <a:solidFill>
                   <a:srgbClr val="FF0000"/>
                 </a:solidFill>
@@ -30085,7 +29544,7 @@
               <a:t>(static</a:t>
             </a:r>
             <a:r>
-              <a:rPr lang="ko-KR" altLang="en-US" sz="3600" smtClean="0">
+              <a:rPr lang="ko-KR" altLang="en-US" sz="3600">
                 <a:solidFill>
                   <a:srgbClr val="FF0000"/>
                 </a:solidFill>
@@ -30095,7 +29554,7 @@
               <a:t>변수</a:t>
             </a:r>
             <a:r>
-              <a:rPr lang="en-US" altLang="ko-KR" sz="3600" smtClean="0">
+              <a:rPr lang="en-US" altLang="ko-KR" sz="3600">
                 <a:solidFill>
                   <a:srgbClr val="FF0000"/>
                 </a:solidFill>
@@ -30105,7 +29564,7 @@
               <a:t>)</a:t>
             </a:r>
             <a:r>
-              <a:rPr lang="ko-KR" altLang="en-US" sz="3600" smtClean="0">
+              <a:rPr lang="ko-KR" altLang="en-US" sz="3600">
                 <a:solidFill>
                   <a:srgbClr val="FF0000"/>
                 </a:solidFill>
@@ -30115,7 +29574,7 @@
               <a:t>로 만들어야 모든 객체들이 공유해서 쓰는값이 된다</a:t>
             </a:r>
             <a:r>
-              <a:rPr lang="en-US" altLang="ko-KR" sz="3600" smtClean="0">
+              <a:rPr lang="en-US" altLang="ko-KR" sz="3600">
                 <a:solidFill>
                   <a:srgbClr val="FF0000"/>
                 </a:solidFill>
@@ -30139,7 +29598,7 @@
           <p:cNvPr id="11" name="직선 화살표 연결선 10">
             <a:extLst>
               <a:ext uri="{FF2B5EF4-FFF2-40B4-BE49-F238E27FC236}">
-                <a16:creationId xmlns="" xmlns:a16="http://schemas.microsoft.com/office/drawing/2014/main" id="{299DF5EC-9DF4-5255-06AC-0A7CE4FF58C3}"/>
+                <a16:creationId xmlns:a16="http://schemas.microsoft.com/office/drawing/2014/main" id="{299DF5EC-9DF4-5255-06AC-0A7CE4FF58C3}"/>
               </a:ext>
             </a:extLst>
           </p:cNvPr>
@@ -30180,7 +29639,7 @@
           <p:cNvPr id="12" name="TextBox 11">
             <a:extLst>
               <a:ext uri="{FF2B5EF4-FFF2-40B4-BE49-F238E27FC236}">
-                <a16:creationId xmlns="" xmlns:a16="http://schemas.microsoft.com/office/drawing/2014/main" id="{C6D113C6-EA5C-788F-0C77-E7CE6EBB865F}"/>
+                <a16:creationId xmlns:a16="http://schemas.microsoft.com/office/drawing/2014/main" id="{C6D113C6-EA5C-788F-0C77-E7CE6EBB865F}"/>
               </a:ext>
             </a:extLst>
           </p:cNvPr>
@@ -30204,7 +29663,7 @@
           <a:lstStyle/>
           <a:p>
             <a:r>
-              <a:rPr lang="ko-KR" altLang="en-US" sz="3600" smtClean="0">
+              <a:rPr lang="ko-KR" altLang="en-US" sz="3600">
                 <a:solidFill>
                   <a:srgbClr val="FF0000"/>
                 </a:solidFill>
@@ -30214,7 +29673,7 @@
               <a:t>인스턴스메서드는 제한없이 인스턴스변수</a:t>
             </a:r>
             <a:r>
-              <a:rPr lang="en-US" altLang="ko-KR" sz="3600" smtClean="0">
+              <a:rPr lang="en-US" altLang="ko-KR" sz="3600">
                 <a:solidFill>
                   <a:srgbClr val="FF0000"/>
                 </a:solidFill>
@@ -30224,7 +29683,7 @@
               <a:t>,</a:t>
             </a:r>
             <a:r>
-              <a:rPr lang="ko-KR" altLang="en-US" sz="3600" smtClean="0">
+              <a:rPr lang="ko-KR" altLang="en-US" sz="3600">
                 <a:solidFill>
                   <a:srgbClr val="FF0000"/>
                 </a:solidFill>
@@ -30234,7 +29693,7 @@
               <a:t>클래스변수 둘다 사용가능하다</a:t>
             </a:r>
             <a:r>
-              <a:rPr lang="en-US" altLang="ko-KR" sz="3600" smtClean="0">
+              <a:rPr lang="en-US" altLang="ko-KR" sz="3600">
                 <a:solidFill>
                   <a:srgbClr val="FF0000"/>
                 </a:solidFill>
@@ -30246,7 +29705,7 @@
           </a:p>
           <a:p>
             <a:r>
-              <a:rPr lang="ko-KR" altLang="en-US" sz="3600" smtClean="0">
+              <a:rPr lang="ko-KR" altLang="en-US" sz="3600">
                 <a:solidFill>
                   <a:srgbClr val="FF0000"/>
                 </a:solidFill>
@@ -30256,7 +29715,7 @@
               <a:t>물론 </a:t>
             </a:r>
             <a:r>
-              <a:rPr lang="en-US" altLang="ko-KR" sz="3600" smtClean="0">
+              <a:rPr lang="en-US" altLang="ko-KR" sz="3600">
                 <a:solidFill>
                   <a:srgbClr val="FF0000"/>
                 </a:solidFill>
@@ -30266,7 +29725,7 @@
               <a:t>powerUp</a:t>
             </a:r>
             <a:r>
-              <a:rPr lang="ko-KR" altLang="en-US" sz="3600" smtClean="0">
+              <a:rPr lang="ko-KR" altLang="en-US" sz="3600">
                 <a:solidFill>
                   <a:srgbClr val="FF0000"/>
                 </a:solidFill>
@@ -30276,7 +29735,7 @@
               <a:t>과 </a:t>
             </a:r>
             <a:r>
-              <a:rPr lang="en-US" altLang="ko-KR" sz="3600" smtClean="0">
+              <a:rPr lang="en-US" altLang="ko-KR" sz="3600">
                 <a:solidFill>
                   <a:srgbClr val="FF0000"/>
                 </a:solidFill>
@@ -30286,7 +29745,7 @@
               <a:t>armorUp</a:t>
             </a:r>
             <a:r>
-              <a:rPr lang="ko-KR" altLang="en-US" sz="3600" smtClean="0">
+              <a:rPr lang="ko-KR" altLang="en-US" sz="3600">
                 <a:solidFill>
                   <a:srgbClr val="FF0000"/>
                 </a:solidFill>
@@ -30296,7 +29755,7 @@
               <a:t>을 클래스메서드로 만들어도 된다</a:t>
             </a:r>
             <a:r>
-              <a:rPr lang="en-US" altLang="ko-KR" sz="3600" smtClean="0">
+              <a:rPr lang="en-US" altLang="ko-KR" sz="3600">
                 <a:solidFill>
                   <a:srgbClr val="FF0000"/>
                 </a:solidFill>
@@ -30320,7 +29779,7 @@
           <p:cNvPr id="13" name="직사각형 12">
             <a:extLst>
               <a:ext uri="{FF2B5EF4-FFF2-40B4-BE49-F238E27FC236}">
-                <a16:creationId xmlns="" xmlns:a16="http://schemas.microsoft.com/office/drawing/2014/main" id="{361FA442-8171-4EBF-65A2-19C90654959D}"/>
+                <a16:creationId xmlns:a16="http://schemas.microsoft.com/office/drawing/2014/main" id="{361FA442-8171-4EBF-65A2-19C90654959D}"/>
               </a:ext>
             </a:extLst>
           </p:cNvPr>
@@ -30480,7 +29939,7 @@
           <p:cNvPr id="4" name="TextBox 3">
             <a:extLst>
               <a:ext uri="{FF2B5EF4-FFF2-40B4-BE49-F238E27FC236}">
-                <a16:creationId xmlns:a16="http://schemas.microsoft.com/office/drawing/2014/main" xmlns="" id="{98CF411D-9E2D-663E-FC78-EED7A746FB58}"/>
+                <a16:creationId xmlns:a16="http://schemas.microsoft.com/office/drawing/2014/main" id="{98CF411D-9E2D-663E-FC78-EED7A746FB58}"/>
               </a:ext>
             </a:extLst>
           </p:cNvPr>
@@ -30504,7 +29963,7 @@
           <a:lstStyle/>
           <a:p>
             <a:r>
-              <a:rPr lang="en-US" altLang="ko-KR" sz="4000" smtClean="0">
+              <a:rPr lang="en-US" altLang="ko-KR" sz="4000">
                 <a:solidFill>
                   <a:srgbClr val="4C50BC"/>
                 </a:solidFill>
@@ -30551,49 +30010,29 @@
                 <a:latin typeface="G마켓 산스 Medium" panose="02000000000000000000" pitchFamily="50" charset="-127"/>
                 <a:ea typeface="G마켓 산스 Medium" panose="02000000000000000000" pitchFamily="50" charset="-127"/>
               </a:rPr>
-              <a:t>메서드를 </a:t>
-            </a:r>
-            <a:r>
-              <a:rPr lang="ko-KR" altLang="en-US" sz="4000" smtClean="0">
+              <a:t>메서드를 구현하자</a:t>
+            </a:r>
+            <a:r>
+              <a:rPr lang="en-US" altLang="ko-KR" sz="4000">
+                <a:solidFill>
+                  <a:srgbClr val="FF0000"/>
+                </a:solidFill>
+                <a:latin typeface="G마켓 산스 Medium" panose="02000000000000000000" pitchFamily="50" charset="-127"/>
+                <a:ea typeface="G마켓 산스 Medium" panose="02000000000000000000" pitchFamily="50" charset="-127"/>
+              </a:rPr>
+              <a:t>(hard)</a:t>
+            </a:r>
+            <a:r>
+              <a:rPr lang="ko-KR" altLang="en-US" sz="4000">
                 <a:solidFill>
                   <a:srgbClr val="4C50BC"/>
                 </a:solidFill>
                 <a:latin typeface="G마켓 산스 Medium" panose="02000000000000000000" pitchFamily="50" charset="-127"/>
                 <a:ea typeface="G마켓 산스 Medium" panose="02000000000000000000" pitchFamily="50" charset="-127"/>
               </a:rPr>
-              <a:t>구현하자</a:t>
-            </a:r>
-            <a:r>
-              <a:rPr lang="en-US" altLang="ko-KR" sz="4000" smtClean="0">
-                <a:solidFill>
-                  <a:srgbClr val="FF0000"/>
-                </a:solidFill>
-                <a:latin typeface="G마켓 산스 Medium" panose="02000000000000000000" pitchFamily="50" charset="-127"/>
-                <a:ea typeface="G마켓 산스 Medium" panose="02000000000000000000" pitchFamily="50" charset="-127"/>
-              </a:rPr>
-              <a:t>(</a:t>
-            </a:r>
-            <a:r>
-              <a:rPr lang="en-US" altLang="ko-KR" sz="4000" smtClean="0">
-                <a:solidFill>
-                  <a:srgbClr val="FF0000"/>
-                </a:solidFill>
-                <a:latin typeface="G마켓 산스 Medium" panose="02000000000000000000" pitchFamily="50" charset="-127"/>
-                <a:ea typeface="G마켓 산스 Medium" panose="02000000000000000000" pitchFamily="50" charset="-127"/>
-              </a:rPr>
-              <a:t>hard)</a:t>
-            </a:r>
-            <a:r>
-              <a:rPr lang="ko-KR" altLang="en-US" sz="4000" smtClean="0">
-                <a:solidFill>
-                  <a:srgbClr val="4C50BC"/>
-                </a:solidFill>
-                <a:latin typeface="G마켓 산스 Medium" panose="02000000000000000000" pitchFamily="50" charset="-127"/>
-                <a:ea typeface="G마켓 산스 Medium" panose="02000000000000000000" pitchFamily="50" charset="-127"/>
-              </a:rPr>
               <a:t> </a:t>
             </a:r>
-            <a:endParaRPr lang="en-US" altLang="ko-KR" sz="4000" smtClean="0">
+            <a:endParaRPr lang="en-US" altLang="ko-KR" sz="4000">
               <a:solidFill>
                 <a:srgbClr val="4C50BC"/>
               </a:solidFill>
@@ -30603,7 +30042,7 @@
           </a:p>
           <a:p>
             <a:r>
-              <a:rPr lang="en-US" altLang="ko-KR" sz="3600" smtClean="0">
+              <a:rPr lang="en-US" altLang="ko-KR" sz="3600">
                 <a:solidFill>
                   <a:schemeClr val="bg1">
                     <a:lumMod val="50000"/>
@@ -30615,7 +30054,7 @@
               <a:t>-  </a:t>
             </a:r>
             <a:r>
-              <a:rPr lang="ko-KR" altLang="en-US" sz="3600" smtClean="0">
+              <a:rPr lang="ko-KR" altLang="en-US" sz="3600">
                 <a:solidFill>
                   <a:schemeClr val="bg1">
                     <a:lumMod val="50000"/>
@@ -30627,7 +30066,7 @@
               <a:t>멤버메서드 </a:t>
             </a:r>
             <a:r>
-              <a:rPr lang="en-US" altLang="ko-KR" sz="3600" smtClean="0">
+              <a:rPr lang="en-US" altLang="ko-KR" sz="3600">
                 <a:solidFill>
                   <a:schemeClr val="bg1">
                     <a:lumMod val="50000"/>
@@ -30641,7 +30080,7 @@
           </a:p>
           <a:p>
             <a:r>
-              <a:rPr lang="en-US" altLang="ko-KR" sz="3600" smtClean="0">
+              <a:rPr lang="en-US" altLang="ko-KR" sz="3600">
                 <a:solidFill>
                   <a:schemeClr val="bg1">
                     <a:lumMod val="50000"/>
@@ -30653,7 +30092,7 @@
               <a:t>- </a:t>
             </a:r>
             <a:r>
-              <a:rPr lang="ko-KR" altLang="en-US" sz="3600" smtClean="0">
+              <a:rPr lang="ko-KR" altLang="en-US" sz="3600">
                 <a:solidFill>
                   <a:schemeClr val="tx1">
                     <a:lumMod val="50000"/>
@@ -30720,7 +30159,7 @@
           </a:p>
           <a:p>
             <a:r>
-              <a:rPr lang="en-US" altLang="ko-KR" sz="3600" smtClean="0">
+              <a:rPr lang="en-US" altLang="ko-KR" sz="3600">
                 <a:solidFill>
                   <a:schemeClr val="tx1">
                     <a:lumMod val="50000"/>
@@ -30733,7 +30172,7 @@
               <a:t>- </a:t>
             </a:r>
             <a:r>
-              <a:rPr lang="ko-KR" altLang="en-US" sz="3600" smtClean="0">
+              <a:rPr lang="ko-KR" altLang="en-US" sz="3600">
                 <a:solidFill>
                   <a:schemeClr val="tx1">
                     <a:lumMod val="50000"/>
@@ -30746,7 +30185,7 @@
               <a:t>공격시 </a:t>
             </a:r>
             <a:r>
-              <a:rPr lang="en-US" altLang="ko-KR" sz="3600" smtClean="0">
+              <a:rPr lang="en-US" altLang="ko-KR" sz="3600">
                 <a:solidFill>
                   <a:schemeClr val="tx1">
                     <a:lumMod val="50000"/>
@@ -30759,7 +30198,7 @@
               <a:t>(</a:t>
             </a:r>
             <a:r>
-              <a:rPr lang="ko-KR" altLang="en-US" sz="3600" smtClean="0">
+              <a:rPr lang="ko-KR" altLang="en-US" sz="3600">
                 <a:solidFill>
                   <a:schemeClr val="tx1">
                     <a:lumMod val="50000"/>
@@ -30772,7 +30211,7 @@
               <a:t>공격력 </a:t>
             </a:r>
             <a:r>
-              <a:rPr lang="en-US" altLang="ko-KR" sz="3600" smtClean="0">
+              <a:rPr lang="en-US" altLang="ko-KR" sz="3600">
                 <a:solidFill>
                   <a:schemeClr val="tx1">
                     <a:lumMod val="50000"/>
@@ -30785,7 +30224,7 @@
               <a:t>- </a:t>
             </a:r>
             <a:r>
-              <a:rPr lang="ko-KR" altLang="en-US" sz="3600" smtClean="0">
+              <a:rPr lang="ko-KR" altLang="en-US" sz="3600">
                 <a:solidFill>
                   <a:schemeClr val="tx1">
                     <a:lumMod val="50000"/>
@@ -30798,7 +30237,7 @@
               <a:t>상대방의 방어력</a:t>
             </a:r>
             <a:r>
-              <a:rPr lang="en-US" altLang="ko-KR" sz="3600" smtClean="0">
+              <a:rPr lang="en-US" altLang="ko-KR" sz="3600">
                 <a:solidFill>
                   <a:schemeClr val="tx1">
                     <a:lumMod val="50000"/>
@@ -30811,7 +30250,7 @@
               <a:t>)</a:t>
             </a:r>
             <a:r>
-              <a:rPr lang="ko-KR" altLang="en-US" sz="3600" smtClean="0">
+              <a:rPr lang="ko-KR" altLang="en-US" sz="3600">
                 <a:solidFill>
                   <a:schemeClr val="tx1">
                     <a:lumMod val="50000"/>
@@ -30824,7 +30263,7 @@
               <a:t> 만큼 상대 체력을 감소 시킨다</a:t>
             </a:r>
             <a:r>
-              <a:rPr lang="en-US" altLang="ko-KR" sz="3600" smtClean="0">
+              <a:rPr lang="en-US" altLang="ko-KR" sz="3600">
                 <a:solidFill>
                   <a:schemeClr val="tx1">
                     <a:lumMod val="50000"/>
@@ -30854,7 +30293,7 @@
           <p:cNvPr id="5" name="그림 4">
             <a:extLst>
               <a:ext uri="{FF2B5EF4-FFF2-40B4-BE49-F238E27FC236}">
-                <a16:creationId xmlns:a16="http://schemas.microsoft.com/office/drawing/2014/main" xmlns="" id="{5779F6B0-4E95-3623-F441-FDA7C6560C84}"/>
+                <a16:creationId xmlns:a16="http://schemas.microsoft.com/office/drawing/2014/main" id="{5779F6B0-4E95-3623-F441-FDA7C6560C84}"/>
               </a:ext>
             </a:extLst>
           </p:cNvPr>
@@ -30884,7 +30323,7 @@
           <p:cNvPr id="6" name="그림 5">
             <a:extLst>
               <a:ext uri="{FF2B5EF4-FFF2-40B4-BE49-F238E27FC236}">
-                <a16:creationId xmlns:a16="http://schemas.microsoft.com/office/drawing/2014/main" xmlns="" id="{27E05EAB-468B-59F1-A433-9D03E86F05E6}"/>
+                <a16:creationId xmlns:a16="http://schemas.microsoft.com/office/drawing/2014/main" id="{27E05EAB-468B-59F1-A433-9D03E86F05E6}"/>
               </a:ext>
             </a:extLst>
           </p:cNvPr>
@@ -30919,13 +30358,6 @@
   <p:clrMapOvr>
     <a:masterClrMapping/>
   </p:clrMapOvr>
-  <p:timing>
-    <p:tnLst>
-      <p:par>
-        <p:cTn id="1" dur="indefinite" restart="never" nodeType="tmRoot"/>
-      </p:par>
-    </p:tnLst>
-  </p:timing>
 </p:sld>
 </file>
 
@@ -30975,7 +30407,7 @@
           <p:cNvPr id="5" name="TextBox 4">
             <a:extLst>
               <a:ext uri="{FF2B5EF4-FFF2-40B4-BE49-F238E27FC236}">
-                <a16:creationId xmlns:a16="http://schemas.microsoft.com/office/drawing/2014/main" xmlns="" id="{5ADC00B6-990A-40DC-3CEA-505258F5E8DA}"/>
+                <a16:creationId xmlns:a16="http://schemas.microsoft.com/office/drawing/2014/main" id="{5ADC00B6-990A-40DC-3CEA-505258F5E8DA}"/>
               </a:ext>
             </a:extLst>
           </p:cNvPr>
@@ -30999,7 +30431,7 @@
           <a:lstStyle/>
           <a:p>
             <a:r>
-              <a:rPr lang="ko-KR" altLang="en-US" sz="4800" smtClean="0">
+              <a:rPr lang="ko-KR" altLang="en-US" sz="4800">
                 <a:solidFill>
                   <a:srgbClr val="4C50BC"/>
                 </a:solidFill>
@@ -31023,7 +30455,7 @@
           <p:cNvPr id="6" name="직선 화살표 연결선 5">
             <a:extLst>
               <a:ext uri="{FF2B5EF4-FFF2-40B4-BE49-F238E27FC236}">
-                <a16:creationId xmlns="" xmlns:a16="http://schemas.microsoft.com/office/drawing/2014/main" id="{299DF5EC-9DF4-5255-06AC-0A7CE4FF58C3}"/>
+                <a16:creationId xmlns:a16="http://schemas.microsoft.com/office/drawing/2014/main" id="{299DF5EC-9DF4-5255-06AC-0A7CE4FF58C3}"/>
               </a:ext>
             </a:extLst>
           </p:cNvPr>
@@ -31065,7 +30497,7 @@
           <p:cNvPr id="7" name="TextBox 6">
             <a:extLst>
               <a:ext uri="{FF2B5EF4-FFF2-40B4-BE49-F238E27FC236}">
-                <a16:creationId xmlns="" xmlns:a16="http://schemas.microsoft.com/office/drawing/2014/main" id="{C6D113C6-EA5C-788F-0C77-E7CE6EBB865F}"/>
+                <a16:creationId xmlns:a16="http://schemas.microsoft.com/office/drawing/2014/main" id="{C6D113C6-EA5C-788F-0C77-E7CE6EBB865F}"/>
               </a:ext>
             </a:extLst>
           </p:cNvPr>
@@ -31089,7 +30521,7 @@
           <a:lstStyle/>
           <a:p>
             <a:r>
-              <a:rPr lang="ko-KR" altLang="en-US" sz="3600" smtClean="0">
+              <a:rPr lang="ko-KR" altLang="en-US" sz="3600">
                 <a:solidFill>
                   <a:srgbClr val="FF0000"/>
                 </a:solidFill>
@@ -31099,7 +30531,7 @@
               <a:t>매개변수로 공격대상이 되는 객체를 받는다</a:t>
             </a:r>
             <a:r>
-              <a:rPr lang="en-US" altLang="ko-KR" sz="3600" smtClean="0">
+              <a:rPr lang="en-US" altLang="ko-KR" sz="3600">
                 <a:solidFill>
                   <a:srgbClr val="FF0000"/>
                 </a:solidFill>
@@ -31123,7 +30555,7 @@
           <p:cNvPr id="10" name="직선 화살표 연결선 9">
             <a:extLst>
               <a:ext uri="{FF2B5EF4-FFF2-40B4-BE49-F238E27FC236}">
-                <a16:creationId xmlns="" xmlns:a16="http://schemas.microsoft.com/office/drawing/2014/main" id="{299DF5EC-9DF4-5255-06AC-0A7CE4FF58C3}"/>
+                <a16:creationId xmlns:a16="http://schemas.microsoft.com/office/drawing/2014/main" id="{299DF5EC-9DF4-5255-06AC-0A7CE4FF58C3}"/>
               </a:ext>
             </a:extLst>
           </p:cNvPr>
@@ -31164,7 +30596,7 @@
           <p:cNvPr id="11" name="TextBox 10">
             <a:extLst>
               <a:ext uri="{FF2B5EF4-FFF2-40B4-BE49-F238E27FC236}">
-                <a16:creationId xmlns="" xmlns:a16="http://schemas.microsoft.com/office/drawing/2014/main" id="{C6D113C6-EA5C-788F-0C77-E7CE6EBB865F}"/>
+                <a16:creationId xmlns:a16="http://schemas.microsoft.com/office/drawing/2014/main" id="{C6D113C6-EA5C-788F-0C77-E7CE6EBB865F}"/>
               </a:ext>
             </a:extLst>
           </p:cNvPr>
@@ -31188,7 +30620,7 @@
           <a:lstStyle/>
           <a:p>
             <a:r>
-              <a:rPr lang="ko-KR" altLang="en-US" sz="3600" smtClean="0">
+              <a:rPr lang="ko-KR" altLang="en-US" sz="3600">
                 <a:solidFill>
                   <a:srgbClr val="FF0000"/>
                 </a:solidFill>
@@ -31198,7 +30630,7 @@
               <a:t>공격대상의 </a:t>
             </a:r>
             <a:r>
-              <a:rPr lang="en-US" altLang="ko-KR" sz="3600" smtClean="0">
+              <a:rPr lang="en-US" altLang="ko-KR" sz="3600">
                 <a:solidFill>
                   <a:srgbClr val="FF0000"/>
                 </a:solidFill>
@@ -31208,7 +30640,7 @@
               <a:t>hp</a:t>
             </a:r>
             <a:r>
-              <a:rPr lang="ko-KR" altLang="en-US" sz="3600" smtClean="0">
+              <a:rPr lang="ko-KR" altLang="en-US" sz="3600">
                 <a:solidFill>
                   <a:srgbClr val="FF0000"/>
                 </a:solidFill>
@@ -31218,7 +30650,7 @@
               <a:t>를 감소시킨다</a:t>
             </a:r>
             <a:r>
-              <a:rPr lang="en-US" altLang="ko-KR" sz="3600" smtClean="0">
+              <a:rPr lang="en-US" altLang="ko-KR" sz="3600">
                 <a:solidFill>
                   <a:srgbClr val="FF0000"/>
                 </a:solidFill>
@@ -31242,7 +30674,7 @@
           <p:cNvPr id="13" name="직사각형 12">
             <a:extLst>
               <a:ext uri="{FF2B5EF4-FFF2-40B4-BE49-F238E27FC236}">
-                <a16:creationId xmlns="" xmlns:a16="http://schemas.microsoft.com/office/drawing/2014/main" id="{361FA442-8171-4EBF-65A2-19C90654959D}"/>
+                <a16:creationId xmlns:a16="http://schemas.microsoft.com/office/drawing/2014/main" id="{361FA442-8171-4EBF-65A2-19C90654959D}"/>
               </a:ext>
             </a:extLst>
           </p:cNvPr>
@@ -31426,7 +30858,7 @@
           <p:cNvPr id="4" name="TextBox 3">
             <a:extLst>
               <a:ext uri="{FF2B5EF4-FFF2-40B4-BE49-F238E27FC236}">
-                <a16:creationId xmlns:a16="http://schemas.microsoft.com/office/drawing/2014/main" xmlns="" id="{98CF411D-9E2D-663E-FC78-EED7A746FB58}"/>
+                <a16:creationId xmlns:a16="http://schemas.microsoft.com/office/drawing/2014/main" id="{98CF411D-9E2D-663E-FC78-EED7A746FB58}"/>
               </a:ext>
             </a:extLst>
           </p:cNvPr>
@@ -31450,48 +30882,28 @@
           <a:lstStyle/>
           <a:p>
             <a:r>
-              <a:rPr lang="en-US" altLang="ko-KR" sz="4000" smtClean="0">
+              <a:rPr lang="en-US" altLang="ko-KR" sz="4000">
                 <a:solidFill>
                   <a:srgbClr val="4C50BC"/>
                 </a:solidFill>
                 <a:latin typeface="G마켓 산스 Medium" panose="02000000000000000000" pitchFamily="50" charset="-127"/>
                 <a:ea typeface="G마켓 산스 Medium" panose="02000000000000000000" pitchFamily="50" charset="-127"/>
               </a:rPr>
-              <a:t>2-4 </a:t>
+              <a:t>2-4 Marine </a:t>
+            </a:r>
+            <a:r>
+              <a:rPr lang="ko-KR" altLang="en-US" sz="4000">
+                <a:solidFill>
+                  <a:srgbClr val="4C50BC"/>
+                </a:solidFill>
+                <a:latin typeface="G마켓 산스 Medium" panose="02000000000000000000" pitchFamily="50" charset="-127"/>
+                <a:ea typeface="G마켓 산스 Medium" panose="02000000000000000000" pitchFamily="50" charset="-127"/>
+              </a:rPr>
+              <a:t>클래스에 기능을 추가하자</a:t>
             </a:r>
             <a:r>
               <a:rPr lang="en-US" altLang="ko-KR" sz="4000">
                 <a:solidFill>
-                  <a:srgbClr val="4C50BC"/>
-                </a:solidFill>
-                <a:latin typeface="G마켓 산스 Medium" panose="02000000000000000000" pitchFamily="50" charset="-127"/>
-                <a:ea typeface="G마켓 산스 Medium" panose="02000000000000000000" pitchFamily="50" charset="-127"/>
-              </a:rPr>
-              <a:t>Marine </a:t>
-            </a:r>
-            <a:r>
-              <a:rPr lang="ko-KR" altLang="en-US" sz="4000" smtClean="0">
-                <a:solidFill>
-                  <a:srgbClr val="4C50BC"/>
-                </a:solidFill>
-                <a:latin typeface="G마켓 산스 Medium" panose="02000000000000000000" pitchFamily="50" charset="-127"/>
-                <a:ea typeface="G마켓 산스 Medium" panose="02000000000000000000" pitchFamily="50" charset="-127"/>
-              </a:rPr>
-              <a:t>클래스에 기능을 </a:t>
-            </a:r>
-            <a:r>
-              <a:rPr lang="ko-KR" altLang="en-US" sz="4000" smtClean="0">
-                <a:solidFill>
-                  <a:srgbClr val="4C50BC"/>
-                </a:solidFill>
-                <a:latin typeface="G마켓 산스 Medium" panose="02000000000000000000" pitchFamily="50" charset="-127"/>
-                <a:ea typeface="G마켓 산스 Medium" panose="02000000000000000000" pitchFamily="50" charset="-127"/>
-              </a:rPr>
-              <a:t>추가하자</a:t>
-            </a:r>
-            <a:r>
-              <a:rPr lang="en-US" altLang="ko-KR" sz="4000" smtClean="0">
-                <a:solidFill>
                   <a:srgbClr val="FF0000"/>
                 </a:solidFill>
                 <a:latin typeface="G마켓 산스 Medium" panose="02000000000000000000" pitchFamily="50" charset="-127"/>
@@ -31499,13 +30911,6 @@
               </a:rPr>
               <a:t>(expert)</a:t>
             </a:r>
-            <a:endParaRPr lang="en-US" altLang="ko-KR" sz="4000" smtClean="0">
-              <a:solidFill>
-                <a:srgbClr val="FF0000"/>
-              </a:solidFill>
-              <a:latin typeface="G마켓 산스 Medium" panose="02000000000000000000" pitchFamily="50" charset="-127"/>
-              <a:ea typeface="G마켓 산스 Medium" panose="02000000000000000000" pitchFamily="50" charset="-127"/>
-            </a:endParaRPr>
           </a:p>
           <a:p>
             <a:pPr marL="571500" indent="-571500">
@@ -31513,7 +30918,7 @@
               <a:buChar char="-"/>
             </a:pPr>
             <a:r>
-              <a:rPr lang="ko-KR" altLang="en-US" sz="3200" smtClean="0">
+              <a:rPr lang="ko-KR" altLang="en-US" sz="3200">
                 <a:solidFill>
                   <a:schemeClr val="bg1">
                     <a:lumMod val="50000"/>
@@ -31525,7 +30930,7 @@
               <a:t>멤버변수</a:t>
             </a:r>
             <a:r>
-              <a:rPr lang="en-US" altLang="ko-KR" sz="3200" smtClean="0">
+              <a:rPr lang="en-US" altLang="ko-KR" sz="3200">
                 <a:solidFill>
                   <a:schemeClr val="bg1">
                     <a:lumMod val="50000"/>
@@ -31537,7 +30942,7 @@
               <a:t>:</a:t>
             </a:r>
             <a:r>
-              <a:rPr lang="ko-KR" altLang="en-US" sz="3200" smtClean="0">
+              <a:rPr lang="ko-KR" altLang="en-US" sz="3200">
                 <a:solidFill>
                   <a:schemeClr val="bg1">
                     <a:lumMod val="50000"/>
@@ -31549,7 +30954,7 @@
               <a:t> </a:t>
             </a:r>
             <a:r>
-              <a:rPr lang="en-US" altLang="ko-KR" sz="3200" smtClean="0">
+              <a:rPr lang="en-US" altLang="ko-KR" sz="3200">
                 <a:solidFill>
                   <a:schemeClr val="bg1">
                     <a:lumMod val="50000"/>
@@ -31561,7 +30966,7 @@
               <a:t>Point posision(</a:t>
             </a:r>
             <a:r>
-              <a:rPr lang="ko-KR" altLang="en-US" sz="3200" smtClean="0">
+              <a:rPr lang="ko-KR" altLang="en-US" sz="3200">
                 <a:solidFill>
                   <a:schemeClr val="bg1">
                     <a:lumMod val="50000"/>
@@ -31573,7 +30978,7 @@
               <a:t>유닛의 위치정보를 저장</a:t>
             </a:r>
             <a:r>
-              <a:rPr lang="en-US" altLang="ko-KR" sz="3200" smtClean="0">
+              <a:rPr lang="en-US" altLang="ko-KR" sz="3200">
                 <a:solidFill>
                   <a:schemeClr val="bg1">
                     <a:lumMod val="50000"/>
@@ -31587,7 +30992,7 @@
           </a:p>
           <a:p>
             <a:r>
-              <a:rPr lang="en-US" altLang="ko-KR" sz="3200" smtClean="0">
+              <a:rPr lang="en-US" altLang="ko-KR" sz="3200">
                 <a:solidFill>
                   <a:schemeClr val="bg1">
                     <a:lumMod val="50000"/>
@@ -31599,7 +31004,7 @@
               <a:t>                    int shootingRange(</a:t>
             </a:r>
             <a:r>
-              <a:rPr lang="ko-KR" altLang="en-US" sz="3200" smtClean="0">
+              <a:rPr lang="ko-KR" altLang="en-US" sz="3200">
                 <a:solidFill>
                   <a:schemeClr val="bg1">
                     <a:lumMod val="50000"/>
@@ -31611,7 +31016,7 @@
               <a:t>공격 사정거리</a:t>
             </a:r>
             <a:r>
-              <a:rPr lang="en-US" altLang="ko-KR" sz="3200" smtClean="0">
+              <a:rPr lang="en-US" altLang="ko-KR" sz="3200">
                 <a:solidFill>
                   <a:schemeClr val="bg1">
                     <a:lumMod val="50000"/>
@@ -31629,7 +31034,7 @@
               <a:buChar char="-"/>
             </a:pPr>
             <a:r>
-              <a:rPr lang="ko-KR" altLang="en-US" sz="3200" smtClean="0">
+              <a:rPr lang="ko-KR" altLang="en-US" sz="3200">
                 <a:solidFill>
                   <a:schemeClr val="bg1">
                     <a:lumMod val="50000"/>
@@ -31641,7 +31046,7 @@
               <a:t>멤버메서드 </a:t>
             </a:r>
             <a:r>
-              <a:rPr lang="en-US" altLang="ko-KR" sz="3200" smtClean="0">
+              <a:rPr lang="en-US" altLang="ko-KR" sz="3200">
                 <a:solidFill>
                   <a:schemeClr val="bg1">
                     <a:lumMod val="50000"/>
@@ -31653,7 +31058,7 @@
               <a:t>: int getDistance(Marine target)  </a:t>
             </a:r>
             <a:r>
-              <a:rPr lang="ko-KR" altLang="en-US" sz="3200" smtClean="0">
+              <a:rPr lang="ko-KR" altLang="en-US" sz="3200">
                 <a:solidFill>
                   <a:schemeClr val="bg1">
                     <a:lumMod val="50000"/>
@@ -31665,7 +31070,7 @@
               <a:t>매개변수로 받은 유닛과의 거리를 반환한다</a:t>
             </a:r>
             <a:r>
-              <a:rPr lang="en-US" altLang="ko-KR" sz="3200" smtClean="0">
+              <a:rPr lang="en-US" altLang="ko-KR" sz="3200">
                 <a:solidFill>
                   <a:schemeClr val="bg1">
                     <a:lumMod val="50000"/>
@@ -31683,7 +31088,7 @@
               <a:buChar char="-"/>
             </a:pPr>
             <a:r>
-              <a:rPr lang="en-US" altLang="ko-KR" sz="3200" smtClean="0">
+              <a:rPr lang="en-US" altLang="ko-KR" sz="3200">
                 <a:solidFill>
                   <a:schemeClr val="tx1">
                     <a:lumMod val="50000"/>
@@ -31696,7 +31101,7 @@
               <a:t>attack </a:t>
             </a:r>
             <a:r>
-              <a:rPr lang="ko-KR" altLang="en-US" sz="3200" smtClean="0">
+              <a:rPr lang="ko-KR" altLang="en-US" sz="3200">
                 <a:solidFill>
                   <a:schemeClr val="tx1">
                     <a:lumMod val="50000"/>
@@ -31709,7 +31114,7 @@
               <a:t>메서드에서 </a:t>
             </a:r>
             <a:r>
-              <a:rPr lang="en-US" altLang="ko-KR" sz="3200" smtClean="0">
+              <a:rPr lang="en-US" altLang="ko-KR" sz="3200">
                 <a:solidFill>
                   <a:schemeClr val="tx1">
                     <a:lumMod val="50000"/>
@@ -31722,7 +31127,7 @@
               <a:t>getDistance() </a:t>
             </a:r>
             <a:r>
-              <a:rPr lang="ko-KR" altLang="en-US" sz="3200" smtClean="0">
+              <a:rPr lang="ko-KR" altLang="en-US" sz="3200">
                 <a:solidFill>
                   <a:schemeClr val="tx1">
                     <a:lumMod val="50000"/>
@@ -31735,7 +31140,7 @@
               <a:t>와 </a:t>
             </a:r>
             <a:r>
-              <a:rPr lang="en-US" altLang="ko-KR" sz="3200" smtClean="0">
+              <a:rPr lang="en-US" altLang="ko-KR" sz="3200">
                 <a:solidFill>
                   <a:schemeClr val="tx1">
                     <a:lumMod val="50000"/>
@@ -31748,7 +31153,7 @@
               <a:t>shootingRange </a:t>
             </a:r>
             <a:r>
-              <a:rPr lang="ko-KR" altLang="en-US" sz="3200" smtClean="0">
+              <a:rPr lang="ko-KR" altLang="en-US" sz="3200">
                 <a:solidFill>
                   <a:schemeClr val="tx1">
                     <a:lumMod val="50000"/>
@@ -31760,7 +31165,7 @@
               </a:rPr>
               <a:t>변수를 이용하여 </a:t>
             </a:r>
-            <a:endParaRPr lang="en-US" altLang="ko-KR" sz="3200" smtClean="0">
+            <a:endParaRPr lang="en-US" altLang="ko-KR" sz="3200">
               <a:solidFill>
                 <a:schemeClr val="tx1">
                   <a:lumMod val="50000"/>
@@ -31773,7 +31178,7 @@
           </a:p>
           <a:p>
             <a:r>
-              <a:rPr lang="ko-KR" altLang="en-US" sz="3200" smtClean="0">
+              <a:rPr lang="ko-KR" altLang="en-US" sz="3200">
                 <a:solidFill>
                   <a:schemeClr val="tx1">
                     <a:lumMod val="50000"/>
@@ -31786,7 +31191,7 @@
               <a:t>공격 가능거리가 아니면 공격을 못한다고 출력하자</a:t>
             </a:r>
             <a:r>
-              <a:rPr lang="en-US" altLang="ko-KR" sz="3200" smtClean="0">
+              <a:rPr lang="en-US" altLang="ko-KR" sz="3200">
                 <a:solidFill>
                   <a:schemeClr val="tx1">
                     <a:lumMod val="50000"/>
@@ -31813,7 +31218,7 @@
           </a:p>
           <a:p>
             <a:r>
-              <a:rPr lang="en-US" altLang="ko-KR" sz="3600" smtClean="0">
+              <a:rPr lang="en-US" altLang="ko-KR" sz="3600">
                 <a:solidFill>
                   <a:srgbClr val="FF0000"/>
                 </a:solidFill>
@@ -31823,7 +31228,7 @@
               <a:t>Point </a:t>
             </a:r>
             <a:r>
-              <a:rPr lang="ko-KR" altLang="en-US" sz="3600" smtClean="0">
+              <a:rPr lang="ko-KR" altLang="en-US" sz="3600">
                 <a:solidFill>
                   <a:srgbClr val="FF0000"/>
                 </a:solidFill>
@@ -31833,7 +31238,7 @@
               <a:t>클래스를 사용하기 위해서 </a:t>
             </a:r>
             <a:r>
-              <a:rPr lang="en-US" altLang="ko-KR" sz="3600" smtClean="0">
+              <a:rPr lang="en-US" altLang="ko-KR" sz="3600">
                 <a:solidFill>
                   <a:srgbClr val="FF0000"/>
                 </a:solidFill>
@@ -31843,7 +31248,7 @@
               <a:t>java.awt.Point </a:t>
             </a:r>
             <a:r>
-              <a:rPr lang="ko-KR" altLang="en-US" sz="3600" smtClean="0">
+              <a:rPr lang="ko-KR" altLang="en-US" sz="3600">
                 <a:solidFill>
                   <a:srgbClr val="FF0000"/>
                 </a:solidFill>
@@ -31853,7 +31258,7 @@
               <a:t>를 </a:t>
             </a:r>
             <a:r>
-              <a:rPr lang="en-US" altLang="ko-KR" sz="3600" smtClean="0">
+              <a:rPr lang="en-US" altLang="ko-KR" sz="3600">
                 <a:solidFill>
                   <a:srgbClr val="FF0000"/>
                 </a:solidFill>
@@ -31863,7 +31268,7 @@
               <a:t>import </a:t>
             </a:r>
             <a:r>
-              <a:rPr lang="ko-KR" altLang="en-US" sz="3600" smtClean="0">
+              <a:rPr lang="ko-KR" altLang="en-US" sz="3600">
                 <a:solidFill>
                   <a:srgbClr val="FF0000"/>
                 </a:solidFill>
@@ -31873,7 +31278,7 @@
               <a:t>해야 한다</a:t>
             </a:r>
             <a:r>
-              <a:rPr lang="en-US" altLang="ko-KR" sz="3600" smtClean="0">
+              <a:rPr lang="en-US" altLang="ko-KR" sz="3600">
                 <a:solidFill>
                   <a:srgbClr val="FF0000"/>
                 </a:solidFill>
@@ -31885,7 +31290,7 @@
           </a:p>
           <a:p>
             <a:r>
-              <a:rPr lang="ko-KR" altLang="en-US" sz="3600" smtClean="0">
+              <a:rPr lang="ko-KR" altLang="en-US" sz="3600">
                 <a:solidFill>
                   <a:srgbClr val="FF0000"/>
                 </a:solidFill>
@@ -31895,7 +31300,7 @@
               <a:t>제곱근 </a:t>
             </a:r>
             <a:r>
-              <a:rPr lang="en-US" altLang="ko-KR" sz="3600" smtClean="0">
+              <a:rPr lang="en-US" altLang="ko-KR" sz="3600">
                 <a:solidFill>
                   <a:srgbClr val="FF0000"/>
                 </a:solidFill>
@@ -31905,7 +31310,7 @@
               <a:t>: Math.sqrt   </a:t>
             </a:r>
             <a:r>
-              <a:rPr lang="ko-KR" altLang="en-US" sz="3600" smtClean="0">
+              <a:rPr lang="ko-KR" altLang="en-US" sz="3600">
                 <a:solidFill>
                   <a:srgbClr val="FF0000"/>
                 </a:solidFill>
@@ -31915,7 +31320,7 @@
               <a:t>제곱 </a:t>
             </a:r>
             <a:r>
-              <a:rPr lang="en-US" altLang="ko-KR" sz="3600" smtClean="0">
+              <a:rPr lang="en-US" altLang="ko-KR" sz="3600">
                 <a:solidFill>
                   <a:srgbClr val="FF0000"/>
                 </a:solidFill>
@@ -31925,7 +31330,7 @@
               <a:t>: Math.pow(2,3) -&gt; 2</a:t>
             </a:r>
             <a:r>
-              <a:rPr lang="ko-KR" altLang="en-US" sz="3600" smtClean="0">
+              <a:rPr lang="ko-KR" altLang="en-US" sz="3600">
                 <a:solidFill>
                   <a:srgbClr val="FF0000"/>
                 </a:solidFill>
@@ -31935,7 +31340,7 @@
               <a:t>의</a:t>
             </a:r>
             <a:r>
-              <a:rPr lang="en-US" altLang="ko-KR" sz="3600" smtClean="0">
+              <a:rPr lang="en-US" altLang="ko-KR" sz="3600">
                 <a:solidFill>
                   <a:srgbClr val="FF0000"/>
                 </a:solidFill>
@@ -31945,7 +31350,7 @@
               <a:t>3</a:t>
             </a:r>
             <a:r>
-              <a:rPr lang="ko-KR" altLang="en-US" sz="3600" smtClean="0">
+              <a:rPr lang="ko-KR" altLang="en-US" sz="3600">
                 <a:solidFill>
                   <a:srgbClr val="FF0000"/>
                 </a:solidFill>
@@ -31955,7 +31360,7 @@
               <a:t>제곱 </a:t>
             </a:r>
             <a:r>
-              <a:rPr lang="en-US" altLang="ko-KR" sz="3600" smtClean="0">
+              <a:rPr lang="en-US" altLang="ko-KR" sz="3600">
                 <a:solidFill>
                   <a:srgbClr val="FF0000"/>
                 </a:solidFill>
@@ -32025,13 +31430,6 @@
   <p:clrMapOvr>
     <a:masterClrMapping/>
   </p:clrMapOvr>
-  <p:timing>
-    <p:tnLst>
-      <p:par>
-        <p:cTn id="1" dur="indefinite" restart="never" nodeType="tmRoot"/>
-      </p:par>
-    </p:tnLst>
-  </p:timing>
 </p:sld>
 </file>
 
@@ -32105,7 +31503,7 @@
           <p:cNvPr id="8" name="TextBox 7">
             <a:extLst>
               <a:ext uri="{FF2B5EF4-FFF2-40B4-BE49-F238E27FC236}">
-                <a16:creationId xmlns:a16="http://schemas.microsoft.com/office/drawing/2014/main" xmlns="" id="{5ADC00B6-990A-40DC-3CEA-505258F5E8DA}"/>
+                <a16:creationId xmlns:a16="http://schemas.microsoft.com/office/drawing/2014/main" id="{5ADC00B6-990A-40DC-3CEA-505258F5E8DA}"/>
               </a:ext>
             </a:extLst>
           </p:cNvPr>
@@ -32129,7 +31527,7 @@
           <a:lstStyle/>
           <a:p>
             <a:r>
-              <a:rPr lang="ko-KR" altLang="en-US" sz="4800" smtClean="0">
+              <a:rPr lang="ko-KR" altLang="en-US" sz="4800">
                 <a:solidFill>
                   <a:srgbClr val="4C50BC"/>
                 </a:solidFill>
@@ -32153,7 +31551,7 @@
           <p:cNvPr id="9" name="직사각형 8">
             <a:extLst>
               <a:ext uri="{FF2B5EF4-FFF2-40B4-BE49-F238E27FC236}">
-                <a16:creationId xmlns="" xmlns:a16="http://schemas.microsoft.com/office/drawing/2014/main" id="{361FA442-8171-4EBF-65A2-19C90654959D}"/>
+                <a16:creationId xmlns:a16="http://schemas.microsoft.com/office/drawing/2014/main" id="{361FA442-8171-4EBF-65A2-19C90654959D}"/>
               </a:ext>
             </a:extLst>
           </p:cNvPr>
@@ -32579,7 +31977,7 @@
           <p:cNvPr id="2" name="TextBox 1">
             <a:extLst>
               <a:ext uri="{FF2B5EF4-FFF2-40B4-BE49-F238E27FC236}">
-                <a16:creationId xmlns:a16="http://schemas.microsoft.com/office/drawing/2014/main" xmlns="" id="{715D88A2-BD52-978B-A00A-540446126E3D}"/>
+                <a16:creationId xmlns:a16="http://schemas.microsoft.com/office/drawing/2014/main" id="{715D88A2-BD52-978B-A00A-540446126E3D}"/>
               </a:ext>
             </a:extLst>
           </p:cNvPr>
@@ -32627,13 +32025,6 @@
   <p:clrMapOvr>
     <a:masterClrMapping/>
   </p:clrMapOvr>
-  <p:timing>
-    <p:tnLst>
-      <p:par>
-        <p:cTn id="1" dur="indefinite" restart="never" nodeType="tmRoot"/>
-      </p:par>
-    </p:tnLst>
-  </p:timing>
 </p:sld>
 </file>
 
@@ -32683,7 +32074,7 @@
           <p:cNvPr id="4" name="TextBox 3">
             <a:extLst>
               <a:ext uri="{FF2B5EF4-FFF2-40B4-BE49-F238E27FC236}">
-                <a16:creationId xmlns:a16="http://schemas.microsoft.com/office/drawing/2014/main" xmlns="" id="{5ADC00B6-990A-40DC-3CEA-505258F5E8DA}"/>
+                <a16:creationId xmlns:a16="http://schemas.microsoft.com/office/drawing/2014/main" id="{5ADC00B6-990A-40DC-3CEA-505258F5E8DA}"/>
               </a:ext>
             </a:extLst>
           </p:cNvPr>
@@ -32731,7 +32122,7 @@
           <p:cNvPr id="5" name="TextBox 4">
             <a:extLst>
               <a:ext uri="{FF2B5EF4-FFF2-40B4-BE49-F238E27FC236}">
-                <a16:creationId xmlns:a16="http://schemas.microsoft.com/office/drawing/2014/main" xmlns="" id="{A2AD056B-97A4-5BCC-4460-250160F3E171}"/>
+                <a16:creationId xmlns:a16="http://schemas.microsoft.com/office/drawing/2014/main" id="{A2AD056B-97A4-5BCC-4460-250160F3E171}"/>
               </a:ext>
             </a:extLst>
           </p:cNvPr>
@@ -32759,7 +32150,7 @@
               <a:buChar char="-"/>
             </a:pPr>
             <a:r>
-              <a:rPr lang="ko-KR" altLang="en-US" sz="4000" smtClean="0">
+              <a:rPr lang="ko-KR" altLang="en-US" sz="4000" dirty="0">
                 <a:solidFill>
                   <a:schemeClr val="tx1">
                     <a:lumMod val="50000"/>
@@ -32771,7 +32162,7 @@
               </a:rPr>
               <a:t>메서드 범위 내에서 생성된 변수</a:t>
             </a:r>
-            <a:endParaRPr lang="en-US" altLang="ko-KR" sz="4000">
+            <a:endParaRPr lang="en-US" altLang="ko-KR" sz="4000" dirty="0">
               <a:solidFill>
                 <a:schemeClr val="tx1">
                   <a:lumMod val="50000"/>
@@ -32788,7 +32179,7 @@
               <a:buChar char="-"/>
             </a:pPr>
             <a:r>
-              <a:rPr lang="ko-KR" altLang="en-US" sz="4000" smtClean="0">
+              <a:rPr lang="ko-KR" altLang="en-US" sz="4000" dirty="0">
                 <a:solidFill>
                   <a:schemeClr val="tx1">
                     <a:lumMod val="50000"/>
@@ -32798,10 +32189,36 @@
                 <a:latin typeface="G마켓 산스 Medium" panose="02000000000000000000" pitchFamily="50" charset="-127"/>
                 <a:ea typeface="G마켓 산스 Medium" panose="02000000000000000000" pitchFamily="50" charset="-127"/>
               </a:rPr>
-              <a:t>메서드 실행시 생성되며 메서드 영역이 끝나면 삭제된다</a:t>
-            </a:r>
-            <a:r>
-              <a:rPr lang="en-US" altLang="ko-KR" sz="4000" smtClean="0">
+              <a:t>메서드 </a:t>
+            </a:r>
+            <a:r>
+              <a:rPr lang="ko-KR" altLang="en-US" sz="4000" dirty="0" err="1">
+                <a:solidFill>
+                  <a:schemeClr val="tx1">
+                    <a:lumMod val="50000"/>
+                    <a:lumOff val="50000"/>
+                  </a:schemeClr>
+                </a:solidFill>
+                <a:latin typeface="G마켓 산스 Medium" panose="02000000000000000000" pitchFamily="50" charset="-127"/>
+                <a:ea typeface="G마켓 산스 Medium" panose="02000000000000000000" pitchFamily="50" charset="-127"/>
+              </a:rPr>
+              <a:t>실행시</a:t>
+            </a:r>
+            <a:r>
+              <a:rPr lang="ko-KR" altLang="en-US" sz="4000" dirty="0">
+                <a:solidFill>
+                  <a:schemeClr val="tx1">
+                    <a:lumMod val="50000"/>
+                    <a:lumOff val="50000"/>
+                  </a:schemeClr>
+                </a:solidFill>
+                <a:latin typeface="G마켓 산스 Medium" panose="02000000000000000000" pitchFamily="50" charset="-127"/>
+                <a:ea typeface="G마켓 산스 Medium" panose="02000000000000000000" pitchFamily="50" charset="-127"/>
+              </a:rPr>
+              <a:t> 생성되며 메서드 영역이 끝나면 삭제된다</a:t>
+            </a:r>
+            <a:r>
+              <a:rPr lang="en-US" altLang="ko-KR" sz="4000" dirty="0">
                 <a:solidFill>
                   <a:schemeClr val="tx1">
                     <a:lumMod val="50000"/>
@@ -32820,7 +32237,7 @@
               <a:buChar char="-"/>
             </a:pPr>
             <a:r>
-              <a:rPr lang="ko-KR" altLang="en-US" sz="4000" smtClean="0">
+              <a:rPr lang="ko-KR" altLang="en-US" sz="4000" dirty="0">
                 <a:solidFill>
                   <a:schemeClr val="tx1">
                     <a:lumMod val="50000"/>
@@ -32830,10 +32247,10 @@
                 <a:latin typeface="G마켓 산스 Medium" panose="02000000000000000000" pitchFamily="50" charset="-127"/>
                 <a:ea typeface="G마켓 산스 Medium" panose="02000000000000000000" pitchFamily="50" charset="-127"/>
               </a:rPr>
-              <a:t>메모리의 스택영역에 저장된다</a:t>
-            </a:r>
-            <a:r>
-              <a:rPr lang="en-US" altLang="ko-KR" sz="4000" smtClean="0">
+              <a:t>메모리의 스택 영역에 저장된다</a:t>
+            </a:r>
+            <a:r>
+              <a:rPr lang="en-US" altLang="ko-KR" sz="4000" dirty="0">
                 <a:solidFill>
                   <a:schemeClr val="tx1">
                     <a:lumMod val="50000"/>
@@ -32845,16 +32262,6 @@
               </a:rPr>
               <a:t>.</a:t>
             </a:r>
-            <a:endParaRPr lang="en-US" altLang="ko-KR" sz="4000" dirty="0">
-              <a:solidFill>
-                <a:schemeClr val="tx1">
-                  <a:lumMod val="50000"/>
-                  <a:lumOff val="50000"/>
-                </a:schemeClr>
-              </a:solidFill>
-              <a:latin typeface="G마켓 산스 Medium" panose="02000000000000000000" pitchFamily="50" charset="-127"/>
-              <a:ea typeface="G마켓 산스 Medium" panose="02000000000000000000" pitchFamily="50" charset="-127"/>
-            </a:endParaRPr>
           </a:p>
         </p:txBody>
       </p:sp>
@@ -32863,7 +32270,7 @@
           <p:cNvPr id="16" name="직선 화살표 연결선 15">
             <a:extLst>
               <a:ext uri="{FF2B5EF4-FFF2-40B4-BE49-F238E27FC236}">
-                <a16:creationId xmlns:a16="http://schemas.microsoft.com/office/drawing/2014/main" xmlns="" id="{299DF5EC-9DF4-5255-06AC-0A7CE4FF58C3}"/>
+                <a16:creationId xmlns:a16="http://schemas.microsoft.com/office/drawing/2014/main" id="{299DF5EC-9DF4-5255-06AC-0A7CE4FF58C3}"/>
               </a:ext>
             </a:extLst>
           </p:cNvPr>
@@ -32904,7 +32311,7 @@
           <p:cNvPr id="17" name="직사각형 16">
             <a:extLst>
               <a:ext uri="{FF2B5EF4-FFF2-40B4-BE49-F238E27FC236}">
-                <a16:creationId xmlns:a16="http://schemas.microsoft.com/office/drawing/2014/main" xmlns="" id="{FFF506F9-840A-0508-4CAF-3AC711D8D5CE}"/>
+                <a16:creationId xmlns:a16="http://schemas.microsoft.com/office/drawing/2014/main" id="{FFF506F9-840A-0508-4CAF-3AC711D8D5CE}"/>
               </a:ext>
             </a:extLst>
           </p:cNvPr>
@@ -32956,7 +32363,7 @@
           <p:cNvPr id="18" name="TextBox 17">
             <a:extLst>
               <a:ext uri="{FF2B5EF4-FFF2-40B4-BE49-F238E27FC236}">
-                <a16:creationId xmlns:a16="http://schemas.microsoft.com/office/drawing/2014/main" xmlns="" id="{C6D113C6-EA5C-788F-0C77-E7CE6EBB865F}"/>
+                <a16:creationId xmlns:a16="http://schemas.microsoft.com/office/drawing/2014/main" id="{C6D113C6-EA5C-788F-0C77-E7CE6EBB865F}"/>
               </a:ext>
             </a:extLst>
           </p:cNvPr>
@@ -32980,7 +32387,7 @@
           <a:lstStyle/>
           <a:p>
             <a:r>
-              <a:rPr lang="en-US" altLang="ko-KR" sz="4000" smtClean="0">
+              <a:rPr lang="en-US" altLang="ko-KR" sz="4000">
                 <a:solidFill>
                   <a:srgbClr val="FF0000"/>
                 </a:solidFill>
@@ -32990,7 +32397,7 @@
               <a:t>age</a:t>
             </a:r>
             <a:r>
-              <a:rPr lang="ko-KR" altLang="en-US" sz="4000" smtClean="0">
+              <a:rPr lang="ko-KR" altLang="en-US" sz="4000">
                 <a:solidFill>
                   <a:srgbClr val="FF0000"/>
                 </a:solidFill>
@@ -33000,7 +32407,7 @@
               <a:t>변수는 </a:t>
             </a:r>
             <a:r>
-              <a:rPr lang="en-US" altLang="ko-KR" sz="4000" smtClean="0">
+              <a:rPr lang="en-US" altLang="ko-KR" sz="4000">
                 <a:solidFill>
                   <a:srgbClr val="FF0000"/>
                 </a:solidFill>
@@ -33010,7 +32417,7 @@
               <a:t>test()</a:t>
             </a:r>
             <a:r>
-              <a:rPr lang="ko-KR" altLang="en-US" sz="4000" smtClean="0">
+              <a:rPr lang="ko-KR" altLang="en-US" sz="4000">
                 <a:solidFill>
                   <a:srgbClr val="FF0000"/>
                 </a:solidFill>
@@ -33034,7 +32441,7 @@
           <p:cNvPr id="19" name="직사각형 18">
             <a:extLst>
               <a:ext uri="{FF2B5EF4-FFF2-40B4-BE49-F238E27FC236}">
-                <a16:creationId xmlns:a16="http://schemas.microsoft.com/office/drawing/2014/main" xmlns="" id="{FFF506F9-840A-0508-4CAF-3AC711D8D5CE}"/>
+                <a16:creationId xmlns:a16="http://schemas.microsoft.com/office/drawing/2014/main" id="{FFF506F9-840A-0508-4CAF-3AC711D8D5CE}"/>
               </a:ext>
             </a:extLst>
           </p:cNvPr>
@@ -33091,13 +32498,6 @@
   <p:clrMapOvr>
     <a:masterClrMapping/>
   </p:clrMapOvr>
-  <p:timing>
-    <p:tnLst>
-      <p:par>
-        <p:cTn id="1" dur="indefinite" restart="never" nodeType="tmRoot"/>
-      </p:par>
-    </p:tnLst>
-  </p:timing>
 </p:sld>
 </file>
 
@@ -33147,7 +32547,7 @@
           <p:cNvPr id="9" name="직선 화살표 연결선 8">
             <a:extLst>
               <a:ext uri="{FF2B5EF4-FFF2-40B4-BE49-F238E27FC236}">
-                <a16:creationId xmlns:a16="http://schemas.microsoft.com/office/drawing/2014/main" xmlns="" id="{299DF5EC-9DF4-5255-06AC-0A7CE4FF58C3}"/>
+                <a16:creationId xmlns:a16="http://schemas.microsoft.com/office/drawing/2014/main" id="{299DF5EC-9DF4-5255-06AC-0A7CE4FF58C3}"/>
               </a:ext>
             </a:extLst>
           </p:cNvPr>
@@ -33188,7 +32588,7 @@
           <p:cNvPr id="10" name="직사각형 9">
             <a:extLst>
               <a:ext uri="{FF2B5EF4-FFF2-40B4-BE49-F238E27FC236}">
-                <a16:creationId xmlns:a16="http://schemas.microsoft.com/office/drawing/2014/main" xmlns="" id="{FFF506F9-840A-0508-4CAF-3AC711D8D5CE}"/>
+                <a16:creationId xmlns:a16="http://schemas.microsoft.com/office/drawing/2014/main" id="{FFF506F9-840A-0508-4CAF-3AC711D8D5CE}"/>
               </a:ext>
             </a:extLst>
           </p:cNvPr>
@@ -33240,7 +32640,7 @@
           <p:cNvPr id="11" name="TextBox 10">
             <a:extLst>
               <a:ext uri="{FF2B5EF4-FFF2-40B4-BE49-F238E27FC236}">
-                <a16:creationId xmlns:a16="http://schemas.microsoft.com/office/drawing/2014/main" xmlns="" id="{C6D113C6-EA5C-788F-0C77-E7CE6EBB865F}"/>
+                <a16:creationId xmlns:a16="http://schemas.microsoft.com/office/drawing/2014/main" id="{C6D113C6-EA5C-788F-0C77-E7CE6EBB865F}"/>
               </a:ext>
             </a:extLst>
           </p:cNvPr>
@@ -33264,7 +32664,7 @@
           <a:lstStyle/>
           <a:p>
             <a:r>
-              <a:rPr lang="en-US" altLang="ko-KR" sz="4000" smtClean="0">
+              <a:rPr lang="en-US" altLang="ko-KR" sz="4000">
                 <a:solidFill>
                   <a:srgbClr val="FF0000"/>
                 </a:solidFill>
@@ -33274,7 +32674,7 @@
               <a:t>for</a:t>
             </a:r>
             <a:r>
-              <a:rPr lang="ko-KR" altLang="en-US" sz="4000" smtClean="0">
+              <a:rPr lang="ko-KR" altLang="en-US" sz="4000">
                 <a:solidFill>
                   <a:srgbClr val="FF0000"/>
                 </a:solidFill>
@@ -33283,7 +32683,7 @@
               </a:rPr>
               <a:t>문 내에서 생성된 지역변수 </a:t>
             </a:r>
-            <a:endParaRPr lang="en-US" altLang="ko-KR" sz="4000" smtClean="0">
+            <a:endParaRPr lang="en-US" altLang="ko-KR" sz="4000">
               <a:solidFill>
                 <a:srgbClr val="FF0000"/>
               </a:solidFill>
@@ -33293,7 +32693,7 @@
           </a:p>
           <a:p>
             <a:r>
-              <a:rPr lang="ko-KR" altLang="en-US" sz="4000" smtClean="0">
+              <a:rPr lang="ko-KR" altLang="en-US" sz="4000">
                 <a:solidFill>
                   <a:srgbClr val="FF0000"/>
                 </a:solidFill>
@@ -33303,7 +32703,7 @@
               <a:t>이므로 </a:t>
             </a:r>
             <a:r>
-              <a:rPr lang="en-US" altLang="ko-KR" sz="4000" smtClean="0">
+              <a:rPr lang="en-US" altLang="ko-KR" sz="4000">
                 <a:solidFill>
                   <a:srgbClr val="FF0000"/>
                 </a:solidFill>
@@ -33313,7 +32713,7 @@
               <a:t>for </a:t>
             </a:r>
             <a:r>
-              <a:rPr lang="ko-KR" altLang="en-US" sz="4000" smtClean="0">
+              <a:rPr lang="ko-KR" altLang="en-US" sz="4000">
                 <a:solidFill>
                   <a:srgbClr val="FF0000"/>
                 </a:solidFill>
@@ -33323,7 +32723,7 @@
               <a:t>영역을 벗어나면 사라진다</a:t>
             </a:r>
             <a:r>
-              <a:rPr lang="en-US" altLang="ko-KR" sz="4000" smtClean="0">
+              <a:rPr lang="en-US" altLang="ko-KR" sz="4000">
                 <a:solidFill>
                   <a:srgbClr val="FF0000"/>
                 </a:solidFill>
@@ -33352,13 +32752,6 @@
   <p:clrMapOvr>
     <a:masterClrMapping/>
   </p:clrMapOvr>
-  <p:timing>
-    <p:tnLst>
-      <p:par>
-        <p:cTn id="1" dur="indefinite" restart="never" nodeType="tmRoot"/>
-      </p:par>
-    </p:tnLst>
-  </p:timing>
 </p:sld>
 </file>
 
@@ -33408,7 +32801,7 @@
           <p:cNvPr id="5" name="직선 화살표 연결선 4">
             <a:extLst>
               <a:ext uri="{FF2B5EF4-FFF2-40B4-BE49-F238E27FC236}">
-                <a16:creationId xmlns:a16="http://schemas.microsoft.com/office/drawing/2014/main" xmlns="" id="{299DF5EC-9DF4-5255-06AC-0A7CE4FF58C3}"/>
+                <a16:creationId xmlns:a16="http://schemas.microsoft.com/office/drawing/2014/main" id="{299DF5EC-9DF4-5255-06AC-0A7CE4FF58C3}"/>
               </a:ext>
             </a:extLst>
           </p:cNvPr>
@@ -33449,7 +32842,7 @@
           <p:cNvPr id="6" name="직사각형 5">
             <a:extLst>
               <a:ext uri="{FF2B5EF4-FFF2-40B4-BE49-F238E27FC236}">
-                <a16:creationId xmlns:a16="http://schemas.microsoft.com/office/drawing/2014/main" xmlns="" id="{FFF506F9-840A-0508-4CAF-3AC711D8D5CE}"/>
+                <a16:creationId xmlns:a16="http://schemas.microsoft.com/office/drawing/2014/main" id="{FFF506F9-840A-0508-4CAF-3AC711D8D5CE}"/>
               </a:ext>
             </a:extLst>
           </p:cNvPr>
@@ -33501,7 +32894,7 @@
           <p:cNvPr id="7" name="TextBox 6">
             <a:extLst>
               <a:ext uri="{FF2B5EF4-FFF2-40B4-BE49-F238E27FC236}">
-                <a16:creationId xmlns:a16="http://schemas.microsoft.com/office/drawing/2014/main" xmlns="" id="{C6D113C6-EA5C-788F-0C77-E7CE6EBB865F}"/>
+                <a16:creationId xmlns:a16="http://schemas.microsoft.com/office/drawing/2014/main" id="{C6D113C6-EA5C-788F-0C77-E7CE6EBB865F}"/>
               </a:ext>
             </a:extLst>
           </p:cNvPr>
@@ -33525,7 +32918,7 @@
           <a:lstStyle/>
           <a:p>
             <a:r>
-              <a:rPr lang="ko-KR" altLang="en-US" sz="4000" smtClean="0">
+              <a:rPr lang="ko-KR" altLang="en-US" sz="4000">
                 <a:solidFill>
                   <a:srgbClr val="FF0000"/>
                 </a:solidFill>
@@ -33535,7 +32928,7 @@
               <a:t>중괄호 내에서 생성되었고 범위를 벗어나면 사라진다</a:t>
             </a:r>
             <a:r>
-              <a:rPr lang="en-US" altLang="ko-KR" sz="4000" smtClean="0">
+              <a:rPr lang="en-US" altLang="ko-KR" sz="4000">
                 <a:solidFill>
                   <a:srgbClr val="FF0000"/>
                 </a:solidFill>
@@ -33564,21 +32957,6 @@
   <p:clrMapOvr>
     <a:masterClrMapping/>
   </p:clrMapOvr>
-  <mc:AlternateContent xmlns:mc="http://schemas.openxmlformats.org/markup-compatibility/2006">
-    <mc:Choice xmlns:p14="http://schemas.microsoft.com/office/powerpoint/2010/main" Requires="p14">
-      <p:transition spd="slow" p14:dur="2000"/>
-    </mc:Choice>
-    <mc:Fallback>
-      <p:transition spd="slow"/>
-    </mc:Fallback>
-  </mc:AlternateContent>
-  <p:timing>
-    <p:tnLst>
-      <p:par>
-        <p:cTn id="1" dur="indefinite" restart="never" nodeType="tmRoot"/>
-      </p:par>
-    </p:tnLst>
-  </p:timing>
 </p:sld>
 </file>
 
@@ -33628,7 +33006,7 @@
           <p:cNvPr id="5" name="직사각형 4">
             <a:extLst>
               <a:ext uri="{FF2B5EF4-FFF2-40B4-BE49-F238E27FC236}">
-                <a16:creationId xmlns:a16="http://schemas.microsoft.com/office/drawing/2014/main" xmlns="" id="{FFF506F9-840A-0508-4CAF-3AC711D8D5CE}"/>
+                <a16:creationId xmlns:a16="http://schemas.microsoft.com/office/drawing/2014/main" id="{FFF506F9-840A-0508-4CAF-3AC711D8D5CE}"/>
               </a:ext>
             </a:extLst>
           </p:cNvPr>
@@ -33680,7 +33058,7 @@
           <p:cNvPr id="6" name="직선 화살표 연결선 5">
             <a:extLst>
               <a:ext uri="{FF2B5EF4-FFF2-40B4-BE49-F238E27FC236}">
-                <a16:creationId xmlns:a16="http://schemas.microsoft.com/office/drawing/2014/main" xmlns="" id="{299DF5EC-9DF4-5255-06AC-0A7CE4FF58C3}"/>
+                <a16:creationId xmlns:a16="http://schemas.microsoft.com/office/drawing/2014/main" id="{299DF5EC-9DF4-5255-06AC-0A7CE4FF58C3}"/>
               </a:ext>
             </a:extLst>
           </p:cNvPr>
@@ -33721,7 +33099,7 @@
           <p:cNvPr id="7" name="TextBox 6">
             <a:extLst>
               <a:ext uri="{FF2B5EF4-FFF2-40B4-BE49-F238E27FC236}">
-                <a16:creationId xmlns:a16="http://schemas.microsoft.com/office/drawing/2014/main" xmlns="" id="{C6D113C6-EA5C-788F-0C77-E7CE6EBB865F}"/>
+                <a16:creationId xmlns:a16="http://schemas.microsoft.com/office/drawing/2014/main" id="{C6D113C6-EA5C-788F-0C77-E7CE6EBB865F}"/>
               </a:ext>
             </a:extLst>
           </p:cNvPr>
@@ -33745,24 +33123,14 @@
           <a:lstStyle/>
           <a:p>
             <a:r>
-              <a:rPr lang="ko-KR" altLang="en-US" sz="4000" smtClean="0">
+              <a:rPr lang="ko-KR" altLang="en-US" sz="4000">
                 <a:solidFill>
                   <a:srgbClr val="FF0000"/>
                 </a:solidFill>
                 <a:latin typeface="G마켓 산스 Medium" panose="02000000000000000000" pitchFamily="50" charset="-127"/>
                 <a:ea typeface="G마켓 산스 Medium" panose="02000000000000000000" pitchFamily="50" charset="-127"/>
               </a:rPr>
-              <a:t>매개변수 역시 </a:t>
-            </a:r>
-            <a:r>
-              <a:rPr lang="ko-KR" altLang="en-US" sz="4000" smtClean="0">
-                <a:solidFill>
-                  <a:srgbClr val="FF0000"/>
-                </a:solidFill>
-                <a:latin typeface="G마켓 산스 Medium" panose="02000000000000000000" pitchFamily="50" charset="-127"/>
-                <a:ea typeface="G마켓 산스 Medium" panose="02000000000000000000" pitchFamily="50" charset="-127"/>
-              </a:rPr>
-              <a:t>지역변수이므로 범위를 벗어나서 사용 불가</a:t>
+              <a:t>매개변수 역시 지역변수이므로 범위를 벗어나서 사용 불가</a:t>
             </a:r>
             <a:endParaRPr lang="en-US" altLang="ko-KR" sz="4000" dirty="0">
               <a:solidFill>
@@ -33779,7 +33147,7 @@
           <p:cNvPr id="8" name="직사각형 7">
             <a:extLst>
               <a:ext uri="{FF2B5EF4-FFF2-40B4-BE49-F238E27FC236}">
-                <a16:creationId xmlns:a16="http://schemas.microsoft.com/office/drawing/2014/main" xmlns="" id="{FFF506F9-840A-0508-4CAF-3AC711D8D5CE}"/>
+                <a16:creationId xmlns:a16="http://schemas.microsoft.com/office/drawing/2014/main" id="{FFF506F9-840A-0508-4CAF-3AC711D8D5CE}"/>
               </a:ext>
             </a:extLst>
           </p:cNvPr>
@@ -33836,13 +33204,6 @@
   <p:clrMapOvr>
     <a:masterClrMapping/>
   </p:clrMapOvr>
-  <p:timing>
-    <p:tnLst>
-      <p:par>
-        <p:cTn id="1" dur="indefinite" restart="never" nodeType="tmRoot"/>
-      </p:par>
-    </p:tnLst>
-  </p:timing>
 </p:sld>
 </file>
 

--- a/JavaLecture/LectureFile/java 7강 멤버변수와메모리.pptx
+++ b/JavaLecture/LectureFile/java 7강 멤버변수와메모리.pptx
@@ -264,7 +264,7 @@
           <a:p>
             <a:fld id="{D79F2C30-10E1-4C46-91DC-BBDB9629E720}" type="datetimeFigureOut">
               <a:rPr lang="ko-KR" altLang="en-US" smtClean="0"/>
-              <a:t>2023-10-25 Wednesday</a:t>
+              <a:t>2024-03-20 Wednesday</a:t>
             </a:fld>
             <a:endParaRPr lang="ko-KR" altLang="en-US"/>
           </a:p>
@@ -724,7 +724,7 @@
           <a:p>
             <a:fld id="{F8166F1F-CE9B-4651-A6AA-CD717754106B}" type="datetimeFigureOut">
               <a:rPr lang="en-US" smtClean="0"/>
-              <a:t>10/25/2023</a:t>
+              <a:t>3/20/2024</a:t>
             </a:fld>
             <a:endParaRPr lang="en-US"/>
           </a:p>
@@ -927,7 +927,7 @@
           <a:p>
             <a:fld id="{A76116CE-C4A3-4A05-B2D7-7C2E9A889C0F}" type="datetimeFigureOut">
               <a:rPr lang="en-US" smtClean="0"/>
-              <a:t>10/25/2023</a:t>
+              <a:t>3/20/2024</a:t>
             </a:fld>
             <a:endParaRPr lang="en-US"/>
           </a:p>
@@ -1130,7 +1130,7 @@
           <a:p>
             <a:fld id="{A76116CE-C4A3-4A05-B2D7-7C2E9A889C0F}" type="datetimeFigureOut">
               <a:rPr lang="en-US" smtClean="0"/>
-              <a:t>10/25/2023</a:t>
+              <a:t>3/20/2024</a:t>
             </a:fld>
             <a:endParaRPr lang="en-US"/>
           </a:p>
@@ -1335,7 +1335,7 @@
           <a:p>
             <a:fld id="{A76116CE-C4A3-4A05-B2D7-7C2E9A889C0F}" type="datetimeFigureOut">
               <a:rPr lang="en-US" smtClean="0"/>
-              <a:t>10/25/2023</a:t>
+              <a:t>3/20/2024</a:t>
             </a:fld>
             <a:endParaRPr lang="en-US"/>
           </a:p>
@@ -1605,7 +1605,7 @@
           <a:p>
             <a:fld id="{A76116CE-C4A3-4A05-B2D7-7C2E9A889C0F}" type="datetimeFigureOut">
               <a:rPr lang="en-US" smtClean="0"/>
-              <a:t>10/25/2023</a:t>
+              <a:t>3/20/2024</a:t>
             </a:fld>
             <a:endParaRPr lang="en-US"/>
           </a:p>
@@ -1923,7 +1923,7 @@
           <a:p>
             <a:fld id="{A76116CE-C4A3-4A05-B2D7-7C2E9A889C0F}" type="datetimeFigureOut">
               <a:rPr lang="en-US" smtClean="0"/>
-              <a:t>10/25/2023</a:t>
+              <a:t>3/20/2024</a:t>
             </a:fld>
             <a:endParaRPr lang="en-US"/>
           </a:p>
@@ -2381,7 +2381,7 @@
           <a:p>
             <a:fld id="{A76116CE-C4A3-4A05-B2D7-7C2E9A889C0F}" type="datetimeFigureOut">
               <a:rPr lang="en-US" smtClean="0"/>
-              <a:t>10/25/2023</a:t>
+              <a:t>3/20/2024</a:t>
             </a:fld>
             <a:endParaRPr lang="en-US"/>
           </a:p>
@@ -2525,7 +2525,7 @@
           <a:p>
             <a:fld id="{A76116CE-C4A3-4A05-B2D7-7C2E9A889C0F}" type="datetimeFigureOut">
               <a:rPr lang="en-US" smtClean="0"/>
-              <a:t>10/25/2023</a:t>
+              <a:t>3/20/2024</a:t>
             </a:fld>
             <a:endParaRPr lang="en-US"/>
           </a:p>
@@ -2639,7 +2639,7 @@
           <a:p>
             <a:fld id="{A76116CE-C4A3-4A05-B2D7-7C2E9A889C0F}" type="datetimeFigureOut">
               <a:rPr lang="en-US" smtClean="0"/>
-              <a:t>10/25/2023</a:t>
+              <a:t>3/20/2024</a:t>
             </a:fld>
             <a:endParaRPr lang="en-US"/>
           </a:p>
@@ -2942,7 +2942,7 @@
           <a:p>
             <a:fld id="{A76116CE-C4A3-4A05-B2D7-7C2E9A889C0F}" type="datetimeFigureOut">
               <a:rPr lang="en-US" smtClean="0"/>
-              <a:t>10/25/2023</a:t>
+              <a:t>3/20/2024</a:t>
             </a:fld>
             <a:endParaRPr lang="en-US"/>
           </a:p>
@@ -3222,7 +3222,7 @@
           <a:p>
             <a:fld id="{A76116CE-C4A3-4A05-B2D7-7C2E9A889C0F}" type="datetimeFigureOut">
               <a:rPr lang="en-US" smtClean="0"/>
-              <a:t>10/25/2023</a:t>
+              <a:t>3/20/2024</a:t>
             </a:fld>
             <a:endParaRPr lang="en-US"/>
           </a:p>
@@ -4185,54 +4185,6 @@
       </p:pic>
       <p:sp>
         <p:nvSpPr>
-          <p:cNvPr id="4" name="TextBox 3">
-            <a:extLst>
-              <a:ext uri="{FF2B5EF4-FFF2-40B4-BE49-F238E27FC236}">
-                <a16:creationId xmlns:a16="http://schemas.microsoft.com/office/drawing/2014/main" id="{5ADC00B6-990A-40DC-3CEA-505258F5E8DA}"/>
-              </a:ext>
-            </a:extLst>
-          </p:cNvPr>
-          <p:cNvSpPr txBox="1"/>
-          <p:nvPr/>
-        </p:nvSpPr>
-        <p:spPr>
-          <a:xfrm>
-            <a:off x="685800" y="314863"/>
-            <a:ext cx="4191000" cy="830997"/>
-          </a:xfrm>
-          <a:prstGeom prst="rect">
-            <a:avLst/>
-          </a:prstGeom>
-          <a:noFill/>
-        </p:spPr>
-        <p:txBody>
-          <a:bodyPr wrap="square" rtlCol="0">
-            <a:spAutoFit/>
-          </a:bodyPr>
-          <a:lstStyle/>
-          <a:p>
-            <a:r>
-              <a:rPr lang="ko-KR" altLang="en-US" sz="4800">
-                <a:solidFill>
-                  <a:srgbClr val="4C50BC"/>
-                </a:solidFill>
-                <a:latin typeface="G마켓 산스 Medium" panose="02000000000000000000" pitchFamily="50" charset="-127"/>
-                <a:ea typeface="G마켓 산스 Medium" panose="02000000000000000000" pitchFamily="50" charset="-127"/>
-              </a:rPr>
-              <a:t>인스턴스 변수</a:t>
-            </a:r>
-            <a:endParaRPr lang="en-US" altLang="ko-KR" sz="4800" dirty="0">
-              <a:solidFill>
-                <a:srgbClr val="4C50BC"/>
-              </a:solidFill>
-              <a:latin typeface="G마켓 산스 Medium" panose="02000000000000000000" pitchFamily="50" charset="-127"/>
-              <a:ea typeface="G마켓 산스 Medium" panose="02000000000000000000" pitchFamily="50" charset="-127"/>
-            </a:endParaRPr>
-          </a:p>
-        </p:txBody>
-      </p:sp>
-      <p:sp>
-        <p:nvSpPr>
           <p:cNvPr id="6" name="직사각형 5">
             <a:extLst>
               <a:ext uri="{FF2B5EF4-FFF2-40B4-BE49-F238E27FC236}">
@@ -4677,6 +4629,97 @@
           </a:fillRef>
           <a:effectRef idx="0">
             <a:schemeClr val="accent2"/>
+          </a:effectRef>
+          <a:fontRef idx="minor">
+            <a:schemeClr val="tx1"/>
+          </a:fontRef>
+        </p:style>
+      </p:cxnSp>
+      <p:sp>
+        <p:nvSpPr>
+          <p:cNvPr id="3" name="TextBox 2">
+            <a:extLst>
+              <a:ext uri="{FF2B5EF4-FFF2-40B4-BE49-F238E27FC236}">
+                <a16:creationId xmlns:a16="http://schemas.microsoft.com/office/drawing/2014/main" id="{ECB4B7F4-61CB-D079-08B8-281B19DB2CAF}"/>
+              </a:ext>
+            </a:extLst>
+          </p:cNvPr>
+          <p:cNvSpPr txBox="1"/>
+          <p:nvPr/>
+        </p:nvSpPr>
+        <p:spPr>
+          <a:xfrm>
+            <a:off x="304800" y="114300"/>
+            <a:ext cx="4343400" cy="923330"/>
+          </a:xfrm>
+          <a:prstGeom prst="rect">
+            <a:avLst/>
+          </a:prstGeom>
+          <a:noFill/>
+        </p:spPr>
+        <p:txBody>
+          <a:bodyPr wrap="square" rtlCol="0">
+            <a:spAutoFit/>
+          </a:bodyPr>
+          <a:lstStyle/>
+          <a:p>
+            <a:r>
+              <a:rPr lang="ko-KR" altLang="en-US" sz="5400" spc="-300" dirty="0">
+                <a:solidFill>
+                  <a:srgbClr val="4C50BC"/>
+                </a:solidFill>
+                <a:latin typeface="G마켓 산스 Bold" panose="02000000000000000000" pitchFamily="50" charset="-127"/>
+                <a:ea typeface="G마켓 산스 Bold" panose="02000000000000000000" pitchFamily="50" charset="-127"/>
+              </a:rPr>
+              <a:t>인스턴스 변수</a:t>
+            </a:r>
+            <a:endParaRPr lang="en-US" altLang="ko-KR" sz="5400" spc="-300" dirty="0">
+              <a:solidFill>
+                <a:srgbClr val="4C50BC"/>
+              </a:solidFill>
+              <a:latin typeface="G마켓 산스 Bold" panose="02000000000000000000" pitchFamily="50" charset="-127"/>
+              <a:ea typeface="G마켓 산스 Bold" panose="02000000000000000000" pitchFamily="50" charset="-127"/>
+            </a:endParaRPr>
+          </a:p>
+        </p:txBody>
+      </p:sp>
+      <p:cxnSp>
+        <p:nvCxnSpPr>
+          <p:cNvPr id="5" name="직선 연결선 4">
+            <a:extLst>
+              <a:ext uri="{FF2B5EF4-FFF2-40B4-BE49-F238E27FC236}">
+                <a16:creationId xmlns:a16="http://schemas.microsoft.com/office/drawing/2014/main" id="{8FC6F333-7327-CFB7-DCDC-8A1AC52672DE}"/>
+              </a:ext>
+            </a:extLst>
+          </p:cNvPr>
+          <p:cNvCxnSpPr>
+            <a:cxnSpLocks/>
+          </p:cNvCxnSpPr>
+          <p:nvPr/>
+        </p:nvCxnSpPr>
+        <p:spPr>
+          <a:xfrm flipH="1" flipV="1">
+            <a:off x="-13447" y="972511"/>
+            <a:ext cx="18288000" cy="65119"/>
+          </a:xfrm>
+          <a:prstGeom prst="line">
+            <a:avLst/>
+          </a:prstGeom>
+          <a:ln w="38100">
+            <a:solidFill>
+              <a:srgbClr val="4C50BC"/>
+            </a:solidFill>
+          </a:ln>
+        </p:spPr>
+        <p:style>
+          <a:lnRef idx="1">
+            <a:schemeClr val="accent1"/>
+          </a:lnRef>
+          <a:fillRef idx="0">
+            <a:schemeClr val="accent1"/>
+          </a:fillRef>
+          <a:effectRef idx="0">
+            <a:schemeClr val="accent1"/>
           </a:effectRef>
           <a:fontRef idx="minor">
             <a:schemeClr val="tx1"/>
@@ -4966,74 +5009,6 @@
           <a:chExt cx="0" cy="0"/>
         </a:xfrm>
       </p:grpSpPr>
-      <p:sp>
-        <p:nvSpPr>
-          <p:cNvPr id="4" name="TextBox 3">
-            <a:extLst>
-              <a:ext uri="{FF2B5EF4-FFF2-40B4-BE49-F238E27FC236}">
-                <a16:creationId xmlns:a16="http://schemas.microsoft.com/office/drawing/2014/main" id="{5ADC00B6-990A-40DC-3CEA-505258F5E8DA}"/>
-              </a:ext>
-            </a:extLst>
-          </p:cNvPr>
-          <p:cNvSpPr txBox="1"/>
-          <p:nvPr/>
-        </p:nvSpPr>
-        <p:spPr>
-          <a:xfrm>
-            <a:off x="3810000" y="342900"/>
-            <a:ext cx="10591800" cy="1015663"/>
-          </a:xfrm>
-          <a:prstGeom prst="rect">
-            <a:avLst/>
-          </a:prstGeom>
-          <a:noFill/>
-        </p:spPr>
-        <p:txBody>
-          <a:bodyPr wrap="square" rtlCol="0">
-            <a:spAutoFit/>
-          </a:bodyPr>
-          <a:lstStyle/>
-          <a:p>
-            <a:r>
-              <a:rPr lang="ko-KR" altLang="en-US" sz="6000">
-                <a:solidFill>
-                  <a:srgbClr val="4C50BC"/>
-                </a:solidFill>
-                <a:latin typeface="G마켓 산스 Bold" panose="02000000000000000000" pitchFamily="50" charset="-127"/>
-                <a:ea typeface="G마켓 산스 Bold" panose="02000000000000000000" pitchFamily="50" charset="-127"/>
-              </a:rPr>
-              <a:t>인스턴스 변수 </a:t>
-            </a:r>
-            <a:r>
-              <a:rPr lang="en-US" altLang="ko-KR" sz="6000">
-                <a:solidFill>
-                  <a:srgbClr val="4C50BC"/>
-                </a:solidFill>
-                <a:latin typeface="G마켓 산스 Bold" panose="02000000000000000000" pitchFamily="50" charset="-127"/>
-                <a:ea typeface="G마켓 산스 Bold" panose="02000000000000000000" pitchFamily="50" charset="-127"/>
-              </a:rPr>
-              <a:t>VS</a:t>
-            </a:r>
-            <a:r>
-              <a:rPr lang="ko-KR" altLang="en-US" sz="6000">
-                <a:solidFill>
-                  <a:srgbClr val="4C50BC"/>
-                </a:solidFill>
-                <a:latin typeface="G마켓 산스 Bold" panose="02000000000000000000" pitchFamily="50" charset="-127"/>
-                <a:ea typeface="G마켓 산스 Bold" panose="02000000000000000000" pitchFamily="50" charset="-127"/>
-              </a:rPr>
-              <a:t> 지역변수 </a:t>
-            </a:r>
-            <a:endParaRPr lang="en-US" altLang="ko-KR" sz="6000" dirty="0">
-              <a:solidFill>
-                <a:srgbClr val="4C50BC"/>
-              </a:solidFill>
-              <a:latin typeface="G마켓 산스 Bold" panose="02000000000000000000" pitchFamily="50" charset="-127"/>
-              <a:ea typeface="G마켓 산스 Bold" panose="02000000000000000000" pitchFamily="50" charset="-127"/>
-            </a:endParaRPr>
-          </a:p>
-        </p:txBody>
-      </p:sp>
       <p:pic>
         <p:nvPicPr>
           <p:cNvPr id="6" name="그림 5"/>
@@ -5050,7 +5025,7 @@
         </p:blipFill>
         <p:spPr>
           <a:xfrm>
-            <a:off x="2819400" y="1358563"/>
+            <a:off x="2819400" y="1485900"/>
             <a:ext cx="4343400" cy="3046863"/>
           </a:xfrm>
           <a:prstGeom prst="rect">
@@ -5072,8 +5047,8 @@
         </p:nvSpPr>
         <p:spPr>
           <a:xfrm>
-            <a:off x="1066800" y="4762500"/>
-            <a:ext cx="6096000" cy="1938992"/>
+            <a:off x="1066800" y="4889837"/>
+            <a:ext cx="7848600" cy="1938992"/>
           </a:xfrm>
           <a:prstGeom prst="rect">
             <a:avLst/>
@@ -5091,7 +5066,7 @@
               <a:buChar char="-"/>
             </a:pPr>
             <a:r>
-              <a:rPr lang="ko-KR" altLang="en-US" sz="4000">
+              <a:rPr lang="ko-KR" altLang="en-US" sz="4000" dirty="0">
                 <a:solidFill>
                   <a:schemeClr val="tx1">
                     <a:lumMod val="50000"/>
@@ -5103,7 +5078,7 @@
               </a:rPr>
               <a:t>객체의 속성을 나타냄</a:t>
             </a:r>
-            <a:endParaRPr lang="en-US" altLang="ko-KR" sz="4000">
+            <a:endParaRPr lang="en-US" altLang="ko-KR" sz="4000" dirty="0">
               <a:solidFill>
                 <a:schemeClr val="tx1">
                   <a:lumMod val="50000"/>
@@ -5120,7 +5095,7 @@
               <a:buChar char="-"/>
             </a:pPr>
             <a:r>
-              <a:rPr lang="ko-KR" altLang="en-US" sz="4000">
+              <a:rPr lang="ko-KR" altLang="en-US" sz="4000" dirty="0">
                 <a:solidFill>
                   <a:schemeClr val="tx1">
                     <a:lumMod val="50000"/>
@@ -5133,7 +5108,7 @@
               <a:t>사람은 나이</a:t>
             </a:r>
             <a:r>
-              <a:rPr lang="en-US" altLang="ko-KR" sz="4000">
+              <a:rPr lang="en-US" altLang="ko-KR" sz="4000" dirty="0">
                 <a:solidFill>
                   <a:schemeClr val="tx1">
                     <a:lumMod val="50000"/>
@@ -5146,7 +5121,7 @@
               <a:t>,</a:t>
             </a:r>
             <a:r>
-              <a:rPr lang="ko-KR" altLang="en-US" sz="4000">
+              <a:rPr lang="ko-KR" altLang="en-US" sz="4000" dirty="0">
                 <a:solidFill>
                   <a:schemeClr val="tx1">
                     <a:lumMod val="50000"/>
@@ -5159,7 +5134,7 @@
               <a:t>주민번호</a:t>
             </a:r>
             <a:r>
-              <a:rPr lang="en-US" altLang="ko-KR" sz="4000">
+              <a:rPr lang="en-US" altLang="ko-KR" sz="4000" dirty="0">
                 <a:solidFill>
                   <a:schemeClr val="tx1">
                     <a:lumMod val="50000"/>
@@ -5172,7 +5147,7 @@
               <a:t>,</a:t>
             </a:r>
             <a:r>
-              <a:rPr lang="ko-KR" altLang="en-US" sz="4000">
+              <a:rPr lang="ko-KR" altLang="en-US" sz="4000" dirty="0">
                 <a:solidFill>
                   <a:schemeClr val="tx1">
                     <a:lumMod val="50000"/>
@@ -5185,7 +5160,7 @@
               <a:t>키 등등의 데이터를 지닌다</a:t>
             </a:r>
             <a:r>
-              <a:rPr lang="en-US" altLang="ko-KR" sz="4000">
+              <a:rPr lang="en-US" altLang="ko-KR" sz="4000" dirty="0">
                 <a:solidFill>
                   <a:schemeClr val="tx1">
                     <a:lumMod val="50000"/>
@@ -5197,16 +5172,6 @@
               </a:rPr>
               <a:t>.</a:t>
             </a:r>
-            <a:endParaRPr lang="en-US" altLang="ko-KR" sz="4000" dirty="0">
-              <a:solidFill>
-                <a:schemeClr val="tx1">
-                  <a:lumMod val="50000"/>
-                  <a:lumOff val="50000"/>
-                </a:schemeClr>
-              </a:solidFill>
-              <a:latin typeface="G마켓 산스 Medium" panose="02000000000000000000" pitchFamily="50" charset="-127"/>
-              <a:ea typeface="G마켓 산스 Medium" panose="02000000000000000000" pitchFamily="50" charset="-127"/>
-            </a:endParaRPr>
           </a:p>
         </p:txBody>
       </p:sp>
@@ -5226,7 +5191,7 @@
         </p:blipFill>
         <p:spPr>
           <a:xfrm>
-            <a:off x="10134600" y="1358563"/>
+            <a:off x="10134600" y="1485900"/>
             <a:ext cx="6535882" cy="2819400"/>
           </a:xfrm>
           <a:prstGeom prst="rect">
@@ -5248,8 +5213,8 @@
         </p:nvSpPr>
         <p:spPr>
           <a:xfrm>
-            <a:off x="10134600" y="4686300"/>
-            <a:ext cx="7543800" cy="2554545"/>
+            <a:off x="10134600" y="4813637"/>
+            <a:ext cx="8153400" cy="2554545"/>
           </a:xfrm>
           <a:prstGeom prst="rect">
             <a:avLst/>
@@ -5267,7 +5232,7 @@
               <a:buChar char="-"/>
             </a:pPr>
             <a:r>
-              <a:rPr lang="ko-KR" altLang="en-US" sz="4000">
+              <a:rPr lang="ko-KR" altLang="en-US" sz="4000" dirty="0">
                 <a:solidFill>
                   <a:schemeClr val="tx1">
                     <a:lumMod val="50000"/>
@@ -5279,7 +5244,7 @@
               </a:rPr>
               <a:t>객체와는 관계 없이 메서드 내부에서 임시로 사용하는 목적</a:t>
             </a:r>
-            <a:endParaRPr lang="en-US" altLang="ko-KR" sz="4000">
+            <a:endParaRPr lang="en-US" altLang="ko-KR" sz="4000" dirty="0">
               <a:solidFill>
                 <a:schemeClr val="tx1">
                   <a:lumMod val="50000"/>
@@ -5296,7 +5261,7 @@
               <a:buChar char="-"/>
             </a:pPr>
             <a:r>
-              <a:rPr lang="ko-KR" altLang="en-US" sz="4000">
+              <a:rPr lang="ko-KR" altLang="en-US" sz="4000" dirty="0">
                 <a:solidFill>
                   <a:schemeClr val="tx1">
                     <a:lumMod val="50000"/>
@@ -5306,9 +5271,48 @@
                 <a:latin typeface="G마켓 산스 Medium" panose="02000000000000000000" pitchFamily="50" charset="-127"/>
                 <a:ea typeface="G마켓 산스 Medium" panose="02000000000000000000" pitchFamily="50" charset="-127"/>
               </a:rPr>
-              <a:t>나이를 계산할때 잠깐 데이터를 저장하는용도</a:t>
-            </a:r>
-            <a:endParaRPr lang="en-US" altLang="ko-KR" sz="4000">
+              <a:t>나이를 </a:t>
+            </a:r>
+            <a:r>
+              <a:rPr lang="ko-KR" altLang="en-US" sz="4000" dirty="0" err="1">
+                <a:solidFill>
+                  <a:schemeClr val="tx1">
+                    <a:lumMod val="50000"/>
+                    <a:lumOff val="50000"/>
+                  </a:schemeClr>
+                </a:solidFill>
+                <a:latin typeface="G마켓 산스 Medium" panose="02000000000000000000" pitchFamily="50" charset="-127"/>
+                <a:ea typeface="G마켓 산스 Medium" panose="02000000000000000000" pitchFamily="50" charset="-127"/>
+              </a:rPr>
+              <a:t>계산할때</a:t>
+            </a:r>
+            <a:r>
+              <a:rPr lang="ko-KR" altLang="en-US" sz="4000" dirty="0">
+                <a:solidFill>
+                  <a:schemeClr val="tx1">
+                    <a:lumMod val="50000"/>
+                    <a:lumOff val="50000"/>
+                  </a:schemeClr>
+                </a:solidFill>
+                <a:latin typeface="G마켓 산스 Medium" panose="02000000000000000000" pitchFamily="50" charset="-127"/>
+                <a:ea typeface="G마켓 산스 Medium" panose="02000000000000000000" pitchFamily="50" charset="-127"/>
+              </a:rPr>
+              <a:t> 잠깐 데이터를 </a:t>
+            </a:r>
+            <a:r>
+              <a:rPr lang="ko-KR" altLang="en-US" sz="4000" dirty="0" err="1">
+                <a:solidFill>
+                  <a:schemeClr val="tx1">
+                    <a:lumMod val="50000"/>
+                    <a:lumOff val="50000"/>
+                  </a:schemeClr>
+                </a:solidFill>
+                <a:latin typeface="G마켓 산스 Medium" panose="02000000000000000000" pitchFamily="50" charset="-127"/>
+                <a:ea typeface="G마켓 산스 Medium" panose="02000000000000000000" pitchFamily="50" charset="-127"/>
+              </a:rPr>
+              <a:t>저장하는용도</a:t>
+            </a:r>
+            <a:endParaRPr lang="en-US" altLang="ko-KR" sz="4000" dirty="0">
               <a:solidFill>
                 <a:schemeClr val="tx1">
                   <a:lumMod val="50000"/>
@@ -5335,7 +5339,7 @@
         </p:nvSpPr>
         <p:spPr>
           <a:xfrm>
-            <a:off x="1676400" y="7749182"/>
+            <a:off x="1676400" y="7876519"/>
             <a:ext cx="16413407" cy="1323439"/>
           </a:xfrm>
           <a:prstGeom prst="rect">
@@ -5389,6 +5393,117 @@
           </a:p>
         </p:txBody>
       </p:sp>
+      <p:sp>
+        <p:nvSpPr>
+          <p:cNvPr id="2" name="TextBox 1">
+            <a:extLst>
+              <a:ext uri="{FF2B5EF4-FFF2-40B4-BE49-F238E27FC236}">
+                <a16:creationId xmlns:a16="http://schemas.microsoft.com/office/drawing/2014/main" id="{6B7D2B54-5098-DA36-3C92-AB0CE4DED656}"/>
+              </a:ext>
+            </a:extLst>
+          </p:cNvPr>
+          <p:cNvSpPr txBox="1"/>
+          <p:nvPr/>
+        </p:nvSpPr>
+        <p:spPr>
+          <a:xfrm>
+            <a:off x="304800" y="114300"/>
+            <a:ext cx="12344400" cy="923330"/>
+          </a:xfrm>
+          <a:prstGeom prst="rect">
+            <a:avLst/>
+          </a:prstGeom>
+          <a:noFill/>
+        </p:spPr>
+        <p:txBody>
+          <a:bodyPr wrap="square" rtlCol="0">
+            <a:spAutoFit/>
+          </a:bodyPr>
+          <a:lstStyle/>
+          <a:p>
+            <a:r>
+              <a:rPr lang="ko-KR" altLang="en-US" sz="5400" spc="-300" dirty="0">
+                <a:solidFill>
+                  <a:srgbClr val="4C50BC"/>
+                </a:solidFill>
+                <a:latin typeface="G마켓 산스 Bold" panose="02000000000000000000" pitchFamily="50" charset="-127"/>
+                <a:ea typeface="G마켓 산스 Bold" panose="02000000000000000000" pitchFamily="50" charset="-127"/>
+              </a:rPr>
+              <a:t>인스턴스 변수 </a:t>
+            </a:r>
+            <a:r>
+              <a:rPr lang="en-US" altLang="ko-KR" sz="5400" spc="-300" dirty="0">
+                <a:solidFill>
+                  <a:srgbClr val="4C50BC"/>
+                </a:solidFill>
+                <a:latin typeface="G마켓 산스 Bold" panose="02000000000000000000" pitchFamily="50" charset="-127"/>
+                <a:ea typeface="G마켓 산스 Bold" panose="02000000000000000000" pitchFamily="50" charset="-127"/>
+              </a:rPr>
+              <a:t>vs </a:t>
+            </a:r>
+            <a:r>
+              <a:rPr lang="ko-KR" altLang="en-US" sz="5400" spc="-300" dirty="0">
+                <a:solidFill>
+                  <a:srgbClr val="4C50BC"/>
+                </a:solidFill>
+                <a:latin typeface="G마켓 산스 Bold" panose="02000000000000000000" pitchFamily="50" charset="-127"/>
+                <a:ea typeface="G마켓 산스 Bold" panose="02000000000000000000" pitchFamily="50" charset="-127"/>
+              </a:rPr>
+              <a:t>지역변수</a:t>
+            </a:r>
+            <a:endParaRPr lang="en-US" altLang="ko-KR" sz="5400" spc="-300" dirty="0">
+              <a:solidFill>
+                <a:srgbClr val="4C50BC"/>
+              </a:solidFill>
+              <a:latin typeface="G마켓 산스 Bold" panose="02000000000000000000" pitchFamily="50" charset="-127"/>
+              <a:ea typeface="G마켓 산스 Bold" panose="02000000000000000000" pitchFamily="50" charset="-127"/>
+            </a:endParaRPr>
+          </a:p>
+        </p:txBody>
+      </p:sp>
+      <p:cxnSp>
+        <p:nvCxnSpPr>
+          <p:cNvPr id="3" name="직선 연결선 2">
+            <a:extLst>
+              <a:ext uri="{FF2B5EF4-FFF2-40B4-BE49-F238E27FC236}">
+                <a16:creationId xmlns:a16="http://schemas.microsoft.com/office/drawing/2014/main" id="{716B552F-107F-D3D2-E20E-D494FF40D0E5}"/>
+              </a:ext>
+            </a:extLst>
+          </p:cNvPr>
+          <p:cNvCxnSpPr>
+            <a:cxnSpLocks/>
+          </p:cNvCxnSpPr>
+          <p:nvPr/>
+        </p:nvCxnSpPr>
+        <p:spPr>
+          <a:xfrm flipH="1" flipV="1">
+            <a:off x="-13447" y="972511"/>
+            <a:ext cx="18288000" cy="65119"/>
+          </a:xfrm>
+          <a:prstGeom prst="line">
+            <a:avLst/>
+          </a:prstGeom>
+          <a:ln w="38100">
+            <a:solidFill>
+              <a:srgbClr val="4C50BC"/>
+            </a:solidFill>
+          </a:ln>
+        </p:spPr>
+        <p:style>
+          <a:lnRef idx="1">
+            <a:schemeClr val="accent1"/>
+          </a:lnRef>
+          <a:fillRef idx="0">
+            <a:schemeClr val="accent1"/>
+          </a:fillRef>
+          <a:effectRef idx="0">
+            <a:schemeClr val="accent1"/>
+          </a:effectRef>
+          <a:fontRef idx="minor">
+            <a:schemeClr val="tx1"/>
+          </a:fontRef>
+        </p:style>
+      </p:cxnSp>
     </p:spTree>
     <p:extLst>
       <p:ext uri="{BB962C8B-B14F-4D97-AF65-F5344CB8AC3E}">
@@ -5856,8 +5971,8 @@
         </p:nvSpPr>
         <p:spPr>
           <a:xfrm>
-            <a:off x="4493143" y="625614"/>
-            <a:ext cx="3276600" cy="707886"/>
+            <a:off x="4493142" y="625614"/>
+            <a:ext cx="5336657" cy="707886"/>
           </a:xfrm>
           <a:prstGeom prst="rect">
             <a:avLst/>
@@ -5871,7 +5986,7 @@
           <a:lstStyle/>
           <a:p>
             <a:r>
-              <a:rPr lang="ko-KR" altLang="en-US" sz="4000">
+              <a:rPr lang="ko-KR" altLang="en-US" sz="4000" dirty="0">
                 <a:solidFill>
                   <a:srgbClr val="FF0000"/>
                 </a:solidFill>
@@ -6012,7 +6127,7 @@
           <a:lstStyle/>
           <a:p>
             <a:r>
-              <a:rPr lang="ko-KR" altLang="en-US" sz="4000">
+              <a:rPr lang="ko-KR" altLang="en-US" sz="4000" dirty="0">
                 <a:solidFill>
                   <a:srgbClr val="FF0000"/>
                 </a:solidFill>
@@ -6306,7 +6421,7 @@
         </p:blipFill>
         <p:spPr>
           <a:xfrm>
-            <a:off x="7573108" y="1866900"/>
+            <a:off x="7573108" y="2782664"/>
             <a:ext cx="10358545" cy="5105400"/>
           </a:xfrm>
           <a:prstGeom prst="rect">
@@ -6330,7 +6445,7 @@
         </p:blipFill>
         <p:spPr>
           <a:xfrm>
-            <a:off x="838200" y="1562100"/>
+            <a:off x="838200" y="2477864"/>
             <a:ext cx="6541929" cy="5715000"/>
           </a:xfrm>
           <a:prstGeom prst="rect">
@@ -6354,7 +6469,7 @@
         </p:nvCxnSpPr>
         <p:spPr>
           <a:xfrm flipH="1">
-            <a:off x="4419600" y="2922989"/>
+            <a:off x="4419600" y="3838753"/>
             <a:ext cx="1741329" cy="1687111"/>
           </a:xfrm>
           <a:prstGeom prst="straightConnector1">
@@ -6393,7 +6508,7 @@
         </p:nvSpPr>
         <p:spPr>
           <a:xfrm>
-            <a:off x="4953000" y="2465203"/>
+            <a:off x="4953000" y="3380967"/>
             <a:ext cx="2590800" cy="457200"/>
           </a:xfrm>
           <a:prstGeom prst="rect">
@@ -6445,7 +6560,7 @@
         </p:nvSpPr>
         <p:spPr>
           <a:xfrm>
-            <a:off x="-140074" y="4593104"/>
+            <a:off x="-140074" y="5508868"/>
             <a:ext cx="8034998" cy="1200329"/>
           </a:xfrm>
           <a:prstGeom prst="rect">
@@ -6496,7 +6611,7 @@
         </p:nvSpPr>
         <p:spPr>
           <a:xfrm>
-            <a:off x="7894924" y="6349386"/>
+            <a:off x="7894924" y="7265150"/>
             <a:ext cx="838200" cy="457200"/>
           </a:xfrm>
           <a:prstGeom prst="rect">
@@ -6550,7 +6665,7 @@
         </p:nvCxnSpPr>
         <p:spPr>
           <a:xfrm>
-            <a:off x="8386690" y="6934205"/>
+            <a:off x="8386690" y="7849969"/>
             <a:ext cx="634253" cy="990600"/>
           </a:xfrm>
           <a:prstGeom prst="straightConnector1">
@@ -6589,7 +6704,7 @@
         </p:nvSpPr>
         <p:spPr>
           <a:xfrm>
-            <a:off x="9097143" y="7620005"/>
+            <a:off x="9097143" y="8535769"/>
             <a:ext cx="8839200" cy="646331"/>
           </a:xfrm>
           <a:prstGeom prst="rect">
@@ -6635,10 +6750,10 @@
       </p:sp>
       <p:sp>
         <p:nvSpPr>
-          <p:cNvPr id="14" name="TextBox 13">
+          <p:cNvPr id="2" name="TextBox 1">
             <a:extLst>
               <a:ext uri="{FF2B5EF4-FFF2-40B4-BE49-F238E27FC236}">
-                <a16:creationId xmlns:a16="http://schemas.microsoft.com/office/drawing/2014/main" id="{5ADC00B6-990A-40DC-3CEA-505258F5E8DA}"/>
+                <a16:creationId xmlns:a16="http://schemas.microsoft.com/office/drawing/2014/main" id="{CE9F720B-FC73-8918-A5E4-813EE57DD808}"/>
               </a:ext>
             </a:extLst>
           </p:cNvPr>
@@ -6647,8 +6762,8 @@
         </p:nvSpPr>
         <p:spPr>
           <a:xfrm>
-            <a:off x="762000" y="350103"/>
-            <a:ext cx="6096000" cy="830997"/>
+            <a:off x="304800" y="114300"/>
+            <a:ext cx="7391400" cy="923330"/>
           </a:xfrm>
           <a:prstGeom prst="rect">
             <a:avLst/>
@@ -6662,25 +6777,68 @@
           <a:lstStyle/>
           <a:p>
             <a:r>
-              <a:rPr lang="ko-KR" altLang="en-US" sz="4800">
+              <a:rPr lang="ko-KR" altLang="en-US" sz="5400" spc="-300" dirty="0">
                 <a:solidFill>
                   <a:srgbClr val="4C50BC"/>
                 </a:solidFill>
-                <a:latin typeface="G마켓 산스 Medium" panose="02000000000000000000" pitchFamily="50" charset="-127"/>
-                <a:ea typeface="G마켓 산스 Medium" panose="02000000000000000000" pitchFamily="50" charset="-127"/>
+                <a:latin typeface="G마켓 산스 Bold" panose="02000000000000000000" pitchFamily="50" charset="-127"/>
+                <a:ea typeface="G마켓 산스 Bold" panose="02000000000000000000" pitchFamily="50" charset="-127"/>
               </a:rPr>
               <a:t>멤버변수의 초기화</a:t>
             </a:r>
-            <a:endParaRPr lang="en-US" altLang="ko-KR" sz="4800" dirty="0">
+            <a:endParaRPr lang="en-US" altLang="ko-KR" sz="5400" spc="-300" dirty="0">
               <a:solidFill>
                 <a:srgbClr val="4C50BC"/>
               </a:solidFill>
-              <a:latin typeface="G마켓 산스 Medium" panose="02000000000000000000" pitchFamily="50" charset="-127"/>
-              <a:ea typeface="G마켓 산스 Medium" panose="02000000000000000000" pitchFamily="50" charset="-127"/>
+              <a:latin typeface="G마켓 산스 Bold" panose="02000000000000000000" pitchFamily="50" charset="-127"/>
+              <a:ea typeface="G마켓 산스 Bold" panose="02000000000000000000" pitchFamily="50" charset="-127"/>
             </a:endParaRPr>
           </a:p>
         </p:txBody>
       </p:sp>
+      <p:cxnSp>
+        <p:nvCxnSpPr>
+          <p:cNvPr id="3" name="직선 연결선 2">
+            <a:extLst>
+              <a:ext uri="{FF2B5EF4-FFF2-40B4-BE49-F238E27FC236}">
+                <a16:creationId xmlns:a16="http://schemas.microsoft.com/office/drawing/2014/main" id="{19196CFA-E7E1-074A-0473-0DE41C1E1A27}"/>
+              </a:ext>
+            </a:extLst>
+          </p:cNvPr>
+          <p:cNvCxnSpPr>
+            <a:cxnSpLocks/>
+          </p:cNvCxnSpPr>
+          <p:nvPr/>
+        </p:nvCxnSpPr>
+        <p:spPr>
+          <a:xfrm flipH="1" flipV="1">
+            <a:off x="-13447" y="972511"/>
+            <a:ext cx="18288000" cy="65119"/>
+          </a:xfrm>
+          <a:prstGeom prst="line">
+            <a:avLst/>
+          </a:prstGeom>
+          <a:ln w="38100">
+            <a:solidFill>
+              <a:srgbClr val="4C50BC"/>
+            </a:solidFill>
+          </a:ln>
+        </p:spPr>
+        <p:style>
+          <a:lnRef idx="1">
+            <a:schemeClr val="accent1"/>
+          </a:lnRef>
+          <a:fillRef idx="0">
+            <a:schemeClr val="accent1"/>
+          </a:fillRef>
+          <a:effectRef idx="0">
+            <a:schemeClr val="accent1"/>
+          </a:effectRef>
+          <a:fontRef idx="minor">
+            <a:schemeClr val="tx1"/>
+          </a:fontRef>
+        </p:style>
+      </p:cxnSp>
     </p:spTree>
     <p:extLst>
       <p:ext uri="{BB962C8B-B14F-4D97-AF65-F5344CB8AC3E}">
@@ -7548,12 +7706,84 @@
           <a:chExt cx="0" cy="0"/>
         </a:xfrm>
       </p:grpSpPr>
+      <p:pic>
+        <p:nvPicPr>
+          <p:cNvPr id="11" name="그림 10"/>
+          <p:cNvPicPr>
+            <a:picLocks noChangeAspect="1"/>
+          </p:cNvPicPr>
+          <p:nvPr/>
+        </p:nvPicPr>
+        <p:blipFill>
+          <a:blip r:embed="rId2"/>
+          <a:stretch>
+            <a:fillRect/>
+          </a:stretch>
+        </p:blipFill>
+        <p:spPr>
+          <a:xfrm>
+            <a:off x="738554" y="3390900"/>
+            <a:ext cx="15152914" cy="1453019"/>
+          </a:xfrm>
+          <a:prstGeom prst="rect">
+            <a:avLst/>
+          </a:prstGeom>
+        </p:spPr>
+      </p:pic>
+      <p:pic>
+        <p:nvPicPr>
+          <p:cNvPr id="12" name="그림 11"/>
+          <p:cNvPicPr>
+            <a:picLocks noChangeAspect="1"/>
+          </p:cNvPicPr>
+          <p:nvPr/>
+        </p:nvPicPr>
+        <p:blipFill>
+          <a:blip r:embed="rId3"/>
+          <a:stretch>
+            <a:fillRect/>
+          </a:stretch>
+        </p:blipFill>
+        <p:spPr>
+          <a:xfrm>
+            <a:off x="1066800" y="5147036"/>
+            <a:ext cx="12549392" cy="2206264"/>
+          </a:xfrm>
+          <a:prstGeom prst="rect">
+            <a:avLst/>
+          </a:prstGeom>
+        </p:spPr>
+      </p:pic>
+      <p:pic>
+        <p:nvPicPr>
+          <p:cNvPr id="13" name="그림 12"/>
+          <p:cNvPicPr>
+            <a:picLocks noChangeAspect="1"/>
+          </p:cNvPicPr>
+          <p:nvPr/>
+        </p:nvPicPr>
+        <p:blipFill>
+          <a:blip r:embed="rId4"/>
+          <a:stretch>
+            <a:fillRect/>
+          </a:stretch>
+        </p:blipFill>
+        <p:spPr>
+          <a:xfrm>
+            <a:off x="1070317" y="7656416"/>
+            <a:ext cx="6777734" cy="1830483"/>
+          </a:xfrm>
+          <a:prstGeom prst="rect">
+            <a:avLst/>
+          </a:prstGeom>
+        </p:spPr>
+      </p:pic>
       <p:sp>
         <p:nvSpPr>
-          <p:cNvPr id="4" name="TextBox 3">
+          <p:cNvPr id="2" name="TextBox 1">
             <a:extLst>
               <a:ext uri="{FF2B5EF4-FFF2-40B4-BE49-F238E27FC236}">
-                <a16:creationId xmlns:a16="http://schemas.microsoft.com/office/drawing/2014/main" id="{5ADC00B6-990A-40DC-3CEA-505258F5E8DA}"/>
+                <a16:creationId xmlns:a16="http://schemas.microsoft.com/office/drawing/2014/main" id="{4DB63A9D-B2D7-E2B9-6F6D-94874268F747}"/>
               </a:ext>
             </a:extLst>
           </p:cNvPr>
@@ -7562,8 +7792,8 @@
         </p:nvSpPr>
         <p:spPr>
           <a:xfrm>
-            <a:off x="762000" y="266700"/>
-            <a:ext cx="6096000" cy="830997"/>
+            <a:off x="304800" y="114300"/>
+            <a:ext cx="4343400" cy="923330"/>
           </a:xfrm>
           <a:prstGeom prst="rect">
             <a:avLst/>
@@ -7577,41 +7807,84 @@
           <a:lstStyle/>
           <a:p>
             <a:r>
-              <a:rPr lang="en-US" altLang="ko-KR" sz="4800">
+              <a:rPr lang="en-US" altLang="ko-KR" sz="5400" spc="-300" dirty="0">
                 <a:solidFill>
                   <a:srgbClr val="4C50BC"/>
                 </a:solidFill>
-                <a:latin typeface="G마켓 산스 Medium" panose="02000000000000000000" pitchFamily="50" charset="-127"/>
-                <a:ea typeface="G마켓 산스 Medium" panose="02000000000000000000" pitchFamily="50" charset="-127"/>
+                <a:latin typeface="G마켓 산스 Bold" panose="02000000000000000000" pitchFamily="50" charset="-127"/>
+                <a:ea typeface="G마켓 산스 Bold" panose="02000000000000000000" pitchFamily="50" charset="-127"/>
               </a:rPr>
               <a:t>String </a:t>
             </a:r>
             <a:r>
-              <a:rPr lang="ko-KR" altLang="en-US" sz="4800">
+              <a:rPr lang="ko-KR" altLang="en-US" sz="5400" spc="-300" dirty="0">
                 <a:solidFill>
                   <a:srgbClr val="4C50BC"/>
                 </a:solidFill>
-                <a:latin typeface="G마켓 산스 Medium" panose="02000000000000000000" pitchFamily="50" charset="-127"/>
-                <a:ea typeface="G마켓 산스 Medium" panose="02000000000000000000" pitchFamily="50" charset="-127"/>
+                <a:latin typeface="G마켓 산스 Bold" panose="02000000000000000000" pitchFamily="50" charset="-127"/>
+                <a:ea typeface="G마켓 산스 Bold" panose="02000000000000000000" pitchFamily="50" charset="-127"/>
               </a:rPr>
               <a:t>클래스</a:t>
             </a:r>
-            <a:endParaRPr lang="en-US" altLang="ko-KR" sz="4800" dirty="0">
+            <a:endParaRPr lang="en-US" altLang="ko-KR" sz="5400" spc="-300" dirty="0">
               <a:solidFill>
                 <a:srgbClr val="4C50BC"/>
               </a:solidFill>
-              <a:latin typeface="G마켓 산스 Medium" panose="02000000000000000000" pitchFamily="50" charset="-127"/>
-              <a:ea typeface="G마켓 산스 Medium" panose="02000000000000000000" pitchFamily="50" charset="-127"/>
+              <a:latin typeface="G마켓 산스 Bold" panose="02000000000000000000" pitchFamily="50" charset="-127"/>
+              <a:ea typeface="G마켓 산스 Bold" panose="02000000000000000000" pitchFamily="50" charset="-127"/>
             </a:endParaRPr>
           </a:p>
         </p:txBody>
       </p:sp>
+      <p:cxnSp>
+        <p:nvCxnSpPr>
+          <p:cNvPr id="3" name="직선 연결선 2">
+            <a:extLst>
+              <a:ext uri="{FF2B5EF4-FFF2-40B4-BE49-F238E27FC236}">
+                <a16:creationId xmlns:a16="http://schemas.microsoft.com/office/drawing/2014/main" id="{BC55FD7E-64F0-7CCD-3626-F6C976DEBDEC}"/>
+              </a:ext>
+            </a:extLst>
+          </p:cNvPr>
+          <p:cNvCxnSpPr>
+            <a:cxnSpLocks/>
+          </p:cNvCxnSpPr>
+          <p:nvPr/>
+        </p:nvCxnSpPr>
+        <p:spPr>
+          <a:xfrm flipH="1" flipV="1">
+            <a:off x="-13447" y="972511"/>
+            <a:ext cx="18288000" cy="65119"/>
+          </a:xfrm>
+          <a:prstGeom prst="line">
+            <a:avLst/>
+          </a:prstGeom>
+          <a:ln w="38100">
+            <a:solidFill>
+              <a:srgbClr val="4C50BC"/>
+            </a:solidFill>
+          </a:ln>
+        </p:spPr>
+        <p:style>
+          <a:lnRef idx="1">
+            <a:schemeClr val="accent1"/>
+          </a:lnRef>
+          <a:fillRef idx="0">
+            <a:schemeClr val="accent1"/>
+          </a:fillRef>
+          <a:effectRef idx="0">
+            <a:schemeClr val="accent1"/>
+          </a:effectRef>
+          <a:fontRef idx="minor">
+            <a:schemeClr val="tx1"/>
+          </a:fontRef>
+        </p:style>
+      </p:cxnSp>
       <p:sp>
         <p:nvSpPr>
-          <p:cNvPr id="5" name="TextBox 4">
+          <p:cNvPr id="6" name="TextBox 5">
             <a:extLst>
               <a:ext uri="{FF2B5EF4-FFF2-40B4-BE49-F238E27FC236}">
-                <a16:creationId xmlns:a16="http://schemas.microsoft.com/office/drawing/2014/main" id="{A2AD056B-97A4-5BCC-4460-250160F3E171}"/>
+                <a16:creationId xmlns:a16="http://schemas.microsoft.com/office/drawing/2014/main" id="{8229828E-33A7-D431-09FC-ADFD689BBFDF}"/>
               </a:ext>
             </a:extLst>
           </p:cNvPr>
@@ -7620,8 +7893,8 @@
         </p:nvSpPr>
         <p:spPr>
           <a:xfrm>
-            <a:off x="1632986" y="1148791"/>
-            <a:ext cx="12768814" cy="1938992"/>
+            <a:off x="762000" y="1201111"/>
+            <a:ext cx="14167562" cy="1754326"/>
           </a:xfrm>
           <a:prstGeom prst="rect">
             <a:avLst/>
@@ -7635,11 +7908,11 @@
           <a:lstStyle/>
           <a:p>
             <a:pPr marL="571500" indent="-571500">
-              <a:buFontTx/>
-              <a:buChar char="-"/>
+              <a:buFont typeface="Arial" panose="020B0604020202020204" pitchFamily="34" charset="0"/>
+              <a:buChar char="•"/>
             </a:pPr>
             <a:r>
-              <a:rPr lang="ko-KR" altLang="en-US" sz="4000">
+              <a:rPr lang="ko-KR" altLang="en-US" sz="3600" dirty="0">
                 <a:solidFill>
                   <a:schemeClr val="tx1">
                     <a:lumMod val="50000"/>
@@ -7649,112 +7922,9 @@
                 <a:latin typeface="G마켓 산스 Medium" panose="02000000000000000000" pitchFamily="50" charset="-127"/>
                 <a:ea typeface="G마켓 산스 Medium" panose="02000000000000000000" pitchFamily="50" charset="-127"/>
               </a:rPr>
-              <a:t>문자열을 다루기 위한 클래스이다</a:t>
-            </a:r>
-            <a:r>
-              <a:rPr lang="en-US" altLang="ko-KR" sz="4000">
-                <a:solidFill>
-                  <a:schemeClr val="tx1">
-                    <a:lumMod val="50000"/>
-                    <a:lumOff val="50000"/>
-                  </a:schemeClr>
-                </a:solidFill>
-                <a:latin typeface="G마켓 산스 Medium" panose="02000000000000000000" pitchFamily="50" charset="-127"/>
-                <a:ea typeface="G마켓 산스 Medium" panose="02000000000000000000" pitchFamily="50" charset="-127"/>
-              </a:rPr>
-              <a:t>.</a:t>
-            </a:r>
-          </a:p>
-          <a:p>
-            <a:pPr marL="571500" indent="-571500">
-              <a:buFontTx/>
-              <a:buChar char="-"/>
-            </a:pPr>
-            <a:r>
-              <a:rPr lang="ko-KR" altLang="en-US" sz="4000">
-                <a:solidFill>
-                  <a:schemeClr val="tx1">
-                    <a:lumMod val="50000"/>
-                    <a:lumOff val="50000"/>
-                  </a:schemeClr>
-                </a:solidFill>
-                <a:latin typeface="G마켓 산스 Medium" panose="02000000000000000000" pitchFamily="50" charset="-127"/>
-                <a:ea typeface="G마켓 산스 Medium" panose="02000000000000000000" pitchFamily="50" charset="-127"/>
-              </a:rPr>
-              <a:t>내부적으로 </a:t>
-            </a:r>
-            <a:r>
-              <a:rPr lang="en-US" altLang="ko-KR" sz="4000">
-                <a:solidFill>
-                  <a:schemeClr val="tx1">
-                    <a:lumMod val="50000"/>
-                    <a:lumOff val="50000"/>
-                  </a:schemeClr>
-                </a:solidFill>
-                <a:latin typeface="G마켓 산스 Medium" panose="02000000000000000000" pitchFamily="50" charset="-127"/>
-                <a:ea typeface="G마켓 산스 Medium" panose="02000000000000000000" pitchFamily="50" charset="-127"/>
-              </a:rPr>
-              <a:t>char[] </a:t>
-            </a:r>
-            <a:r>
-              <a:rPr lang="ko-KR" altLang="en-US" sz="4000">
-                <a:solidFill>
-                  <a:schemeClr val="tx1">
-                    <a:lumMod val="50000"/>
-                    <a:lumOff val="50000"/>
-                  </a:schemeClr>
-                </a:solidFill>
-                <a:latin typeface="G마켓 산스 Medium" panose="02000000000000000000" pitchFamily="50" charset="-127"/>
-                <a:ea typeface="G마켓 산스 Medium" panose="02000000000000000000" pitchFamily="50" charset="-127"/>
-              </a:rPr>
-              <a:t>을 이용하고 있다</a:t>
-            </a:r>
-            <a:r>
-              <a:rPr lang="en-US" altLang="ko-KR" sz="4000">
-                <a:solidFill>
-                  <a:schemeClr val="tx1">
-                    <a:lumMod val="50000"/>
-                    <a:lumOff val="50000"/>
-                  </a:schemeClr>
-                </a:solidFill>
-                <a:latin typeface="G마켓 산스 Medium" panose="02000000000000000000" pitchFamily="50" charset="-127"/>
-                <a:ea typeface="G마켓 산스 Medium" panose="02000000000000000000" pitchFamily="50" charset="-127"/>
-              </a:rPr>
-              <a:t>.</a:t>
-            </a:r>
-          </a:p>
-          <a:p>
-            <a:pPr marL="571500" indent="-571500">
-              <a:buFontTx/>
-              <a:buChar char="-"/>
-            </a:pPr>
-            <a:r>
-              <a:rPr lang="ko-KR" altLang="en-US" sz="4000">
-                <a:solidFill>
-                  <a:schemeClr val="tx1">
-                    <a:lumMod val="50000"/>
-                    <a:lumOff val="50000"/>
-                  </a:schemeClr>
-                </a:solidFill>
-                <a:latin typeface="G마켓 산스 Medium" panose="02000000000000000000" pitchFamily="50" charset="-127"/>
-                <a:ea typeface="G마켓 산스 Medium" panose="02000000000000000000" pitchFamily="50" charset="-127"/>
-              </a:rPr>
-              <a:t>객체생성없이 사용할수 있게 만들어졌다</a:t>
-            </a:r>
-            <a:r>
-              <a:rPr lang="en-US" altLang="ko-KR" sz="4000">
-                <a:solidFill>
-                  <a:schemeClr val="tx1">
-                    <a:lumMod val="50000"/>
-                    <a:lumOff val="50000"/>
-                  </a:schemeClr>
-                </a:solidFill>
-                <a:latin typeface="G마켓 산스 Medium" panose="02000000000000000000" pitchFamily="50" charset="-127"/>
-                <a:ea typeface="G마켓 산스 Medium" panose="02000000000000000000" pitchFamily="50" charset="-127"/>
-              </a:rPr>
-              <a:t>.</a:t>
-            </a:r>
-            <a:endParaRPr lang="en-US" altLang="ko-KR" sz="4000" dirty="0">
+              <a:t>문자열을 다루기 위한 클래스</a:t>
+            </a:r>
+            <a:endParaRPr lang="en-US" altLang="ko-KR" sz="3600" dirty="0">
               <a:solidFill>
                 <a:schemeClr val="tx1">
                   <a:lumMod val="50000"/>
@@ -7765,80 +7935,98 @@
               <a:ea typeface="G마켓 산스 Medium" panose="02000000000000000000" pitchFamily="50" charset="-127"/>
             </a:endParaRPr>
           </a:p>
+          <a:p>
+            <a:pPr marL="571500" indent="-571500">
+              <a:buFont typeface="Arial" panose="020B0604020202020204" pitchFamily="34" charset="0"/>
+              <a:buChar char="•"/>
+            </a:pPr>
+            <a:r>
+              <a:rPr lang="ko-KR" altLang="en-US" sz="3600" dirty="0">
+                <a:solidFill>
+                  <a:schemeClr val="tx1">
+                    <a:lumMod val="50000"/>
+                    <a:lumOff val="50000"/>
+                  </a:schemeClr>
+                </a:solidFill>
+                <a:latin typeface="G마켓 산스 Medium" panose="02000000000000000000" pitchFamily="50" charset="-127"/>
+                <a:ea typeface="G마켓 산스 Medium" panose="02000000000000000000" pitchFamily="50" charset="-127"/>
+              </a:rPr>
+              <a:t>내부적으로 </a:t>
+            </a:r>
+            <a:r>
+              <a:rPr lang="en-US" altLang="ko-KR" sz="3600" dirty="0">
+                <a:solidFill>
+                  <a:schemeClr val="tx1">
+                    <a:lumMod val="50000"/>
+                    <a:lumOff val="50000"/>
+                  </a:schemeClr>
+                </a:solidFill>
+                <a:latin typeface="G마켓 산스 Medium" panose="02000000000000000000" pitchFamily="50" charset="-127"/>
+                <a:ea typeface="G마켓 산스 Medium" panose="02000000000000000000" pitchFamily="50" charset="-127"/>
+              </a:rPr>
+              <a:t>char[]</a:t>
+            </a:r>
+            <a:r>
+              <a:rPr lang="ko-KR" altLang="en-US" sz="3600" dirty="0">
+                <a:solidFill>
+                  <a:schemeClr val="tx1">
+                    <a:lumMod val="50000"/>
+                    <a:lumOff val="50000"/>
+                  </a:schemeClr>
+                </a:solidFill>
+                <a:latin typeface="G마켓 산스 Medium" panose="02000000000000000000" pitchFamily="50" charset="-127"/>
+                <a:ea typeface="G마켓 산스 Medium" panose="02000000000000000000" pitchFamily="50" charset="-127"/>
+              </a:rPr>
+              <a:t>을 이용하고 있다</a:t>
+            </a:r>
+            <a:r>
+              <a:rPr lang="en-US" altLang="ko-KR" sz="3600" dirty="0">
+                <a:solidFill>
+                  <a:schemeClr val="tx1">
+                    <a:lumMod val="50000"/>
+                    <a:lumOff val="50000"/>
+                  </a:schemeClr>
+                </a:solidFill>
+                <a:latin typeface="G마켓 산스 Medium" panose="02000000000000000000" pitchFamily="50" charset="-127"/>
+                <a:ea typeface="G마켓 산스 Medium" panose="02000000000000000000" pitchFamily="50" charset="-127"/>
+              </a:rPr>
+              <a:t>.</a:t>
+            </a:r>
+          </a:p>
+          <a:p>
+            <a:pPr marL="571500" indent="-571500">
+              <a:buFont typeface="Arial" panose="020B0604020202020204" pitchFamily="34" charset="0"/>
+              <a:buChar char="•"/>
+            </a:pPr>
+            <a:r>
+              <a:rPr lang="ko-KR" altLang="en-US" sz="3600" dirty="0">
+                <a:solidFill>
+                  <a:schemeClr val="tx1">
+                    <a:lumMod val="50000"/>
+                    <a:lumOff val="50000"/>
+                  </a:schemeClr>
+                </a:solidFill>
+                <a:latin typeface="G마켓 산스 Medium" panose="02000000000000000000" pitchFamily="50" charset="-127"/>
+                <a:ea typeface="G마켓 산스 Medium" panose="02000000000000000000" pitchFamily="50" charset="-127"/>
+              </a:rPr>
+              <a:t>객체 생성 없이 사용 할 수 있게 만들어졌다</a:t>
+            </a:r>
+            <a:r>
+              <a:rPr lang="en-US" altLang="ko-KR" sz="3600" dirty="0">
+                <a:solidFill>
+                  <a:schemeClr val="tx1">
+                    <a:lumMod val="50000"/>
+                    <a:lumOff val="50000"/>
+                  </a:schemeClr>
+                </a:solidFill>
+                <a:latin typeface="G마켓 산스 Medium" panose="02000000000000000000" pitchFamily="50" charset="-127"/>
+                <a:ea typeface="G마켓 산스 Medium" panose="02000000000000000000" pitchFamily="50" charset="-127"/>
+              </a:rPr>
+              <a:t>.</a:t>
+            </a:r>
+          </a:p>
         </p:txBody>
       </p:sp>
-      <p:pic>
-        <p:nvPicPr>
-          <p:cNvPr id="11" name="그림 10"/>
-          <p:cNvPicPr>
-            <a:picLocks noChangeAspect="1"/>
-          </p:cNvPicPr>
-          <p:nvPr/>
-        </p:nvPicPr>
-        <p:blipFill>
-          <a:blip r:embed="rId2"/>
-          <a:stretch>
-            <a:fillRect/>
-          </a:stretch>
-        </p:blipFill>
-        <p:spPr>
-          <a:xfrm>
-            <a:off x="738554" y="3390900"/>
-            <a:ext cx="15152914" cy="1453019"/>
-          </a:xfrm>
-          <a:prstGeom prst="rect">
-            <a:avLst/>
-          </a:prstGeom>
-        </p:spPr>
-      </p:pic>
-      <p:pic>
-        <p:nvPicPr>
-          <p:cNvPr id="12" name="그림 11"/>
-          <p:cNvPicPr>
-            <a:picLocks noChangeAspect="1"/>
-          </p:cNvPicPr>
-          <p:nvPr/>
-        </p:nvPicPr>
-        <p:blipFill>
-          <a:blip r:embed="rId3"/>
-          <a:stretch>
-            <a:fillRect/>
-          </a:stretch>
-        </p:blipFill>
-        <p:spPr>
-          <a:xfrm>
-            <a:off x="1066800" y="5147036"/>
-            <a:ext cx="12549392" cy="2206264"/>
-          </a:xfrm>
-          <a:prstGeom prst="rect">
-            <a:avLst/>
-          </a:prstGeom>
-        </p:spPr>
-      </p:pic>
-      <p:pic>
-        <p:nvPicPr>
-          <p:cNvPr id="13" name="그림 12"/>
-          <p:cNvPicPr>
-            <a:picLocks noChangeAspect="1"/>
-          </p:cNvPicPr>
-          <p:nvPr/>
-        </p:nvPicPr>
-        <p:blipFill>
-          <a:blip r:embed="rId4"/>
-          <a:stretch>
-            <a:fillRect/>
-          </a:stretch>
-        </p:blipFill>
-        <p:spPr>
-          <a:xfrm>
-            <a:off x="1070317" y="7656416"/>
-            <a:ext cx="6777734" cy="1830483"/>
-          </a:xfrm>
-          <a:prstGeom prst="rect">
-            <a:avLst/>
-          </a:prstGeom>
-        </p:spPr>
-      </p:pic>
     </p:spTree>
     <p:extLst>
       <p:ext uri="{BB962C8B-B14F-4D97-AF65-F5344CB8AC3E}">
@@ -7989,84 +8177,6 @@
           <a:chExt cx="0" cy="0"/>
         </a:xfrm>
       </p:grpSpPr>
-      <p:sp>
-        <p:nvSpPr>
-          <p:cNvPr id="4" name="TextBox 3">
-            <a:extLst>
-              <a:ext uri="{FF2B5EF4-FFF2-40B4-BE49-F238E27FC236}">
-                <a16:creationId xmlns:a16="http://schemas.microsoft.com/office/drawing/2014/main" id="{5ADC00B6-990A-40DC-3CEA-505258F5E8DA}"/>
-              </a:ext>
-            </a:extLst>
-          </p:cNvPr>
-          <p:cNvSpPr txBox="1"/>
-          <p:nvPr/>
-        </p:nvSpPr>
-        <p:spPr>
-          <a:xfrm>
-            <a:off x="762000" y="266700"/>
-            <a:ext cx="10744200" cy="830997"/>
-          </a:xfrm>
-          <a:prstGeom prst="rect">
-            <a:avLst/>
-          </a:prstGeom>
-          <a:noFill/>
-        </p:spPr>
-        <p:txBody>
-          <a:bodyPr wrap="square" rtlCol="0">
-            <a:spAutoFit/>
-          </a:bodyPr>
-          <a:lstStyle/>
-          <a:p>
-            <a:r>
-              <a:rPr lang="en-US" altLang="ko-KR" sz="4800">
-                <a:solidFill>
-                  <a:srgbClr val="4C50BC"/>
-                </a:solidFill>
-                <a:latin typeface="G마켓 산스 Medium" panose="02000000000000000000" pitchFamily="50" charset="-127"/>
-                <a:ea typeface="G마켓 산스 Medium" panose="02000000000000000000" pitchFamily="50" charset="-127"/>
-              </a:rPr>
-              <a:t>String </a:t>
-            </a:r>
-            <a:r>
-              <a:rPr lang="ko-KR" altLang="en-US" sz="4800">
-                <a:solidFill>
-                  <a:srgbClr val="4C50BC"/>
-                </a:solidFill>
-                <a:latin typeface="G마켓 산스 Medium" panose="02000000000000000000" pitchFamily="50" charset="-127"/>
-                <a:ea typeface="G마켓 산스 Medium" panose="02000000000000000000" pitchFamily="50" charset="-127"/>
-              </a:rPr>
-              <a:t>클래스 </a:t>
-            </a:r>
-            <a:r>
-              <a:rPr lang="en-US" altLang="ko-KR" sz="4800">
-                <a:solidFill>
-                  <a:srgbClr val="4C50BC"/>
-                </a:solidFill>
-                <a:latin typeface="G마켓 산스 Medium" panose="02000000000000000000" pitchFamily="50" charset="-127"/>
-                <a:ea typeface="G마켓 산스 Medium" panose="02000000000000000000" pitchFamily="50" charset="-127"/>
-              </a:rPr>
-              <a:t>charAt </a:t>
-            </a:r>
-            <a:r>
-              <a:rPr lang="ko-KR" altLang="en-US" sz="4800">
-                <a:solidFill>
-                  <a:srgbClr val="4C50BC"/>
-                </a:solidFill>
-                <a:latin typeface="G마켓 산스 Medium" panose="02000000000000000000" pitchFamily="50" charset="-127"/>
-                <a:ea typeface="G마켓 산스 Medium" panose="02000000000000000000" pitchFamily="50" charset="-127"/>
-              </a:rPr>
-              <a:t>메서드</a:t>
-            </a:r>
-            <a:endParaRPr lang="en-US" altLang="ko-KR" sz="4800" dirty="0">
-              <a:solidFill>
-                <a:srgbClr val="4C50BC"/>
-              </a:solidFill>
-              <a:latin typeface="G마켓 산스 Medium" panose="02000000000000000000" pitchFamily="50" charset="-127"/>
-              <a:ea typeface="G마켓 산스 Medium" panose="02000000000000000000" pitchFamily="50" charset="-127"/>
-            </a:endParaRPr>
-          </a:p>
-        </p:txBody>
-      </p:sp>
       <p:pic>
         <p:nvPicPr>
           <p:cNvPr id="5" name="그림 4"/>
@@ -8234,6 +8344,137 @@
           </a:p>
         </p:txBody>
       </p:sp>
+      <p:sp>
+        <p:nvSpPr>
+          <p:cNvPr id="2" name="TextBox 1">
+            <a:extLst>
+              <a:ext uri="{FF2B5EF4-FFF2-40B4-BE49-F238E27FC236}">
+                <a16:creationId xmlns:a16="http://schemas.microsoft.com/office/drawing/2014/main" id="{543DA49B-E2B9-82F3-FA6C-75B73114E062}"/>
+              </a:ext>
+            </a:extLst>
+          </p:cNvPr>
+          <p:cNvSpPr txBox="1"/>
+          <p:nvPr/>
+        </p:nvSpPr>
+        <p:spPr>
+          <a:xfrm>
+            <a:off x="304800" y="114300"/>
+            <a:ext cx="9982200" cy="923330"/>
+          </a:xfrm>
+          <a:prstGeom prst="rect">
+            <a:avLst/>
+          </a:prstGeom>
+          <a:noFill/>
+        </p:spPr>
+        <p:txBody>
+          <a:bodyPr wrap="square" rtlCol="0">
+            <a:spAutoFit/>
+          </a:bodyPr>
+          <a:lstStyle/>
+          <a:p>
+            <a:r>
+              <a:rPr lang="en-US" altLang="ko-KR" sz="5400" spc="-300" dirty="0">
+                <a:solidFill>
+                  <a:srgbClr val="4C50BC"/>
+                </a:solidFill>
+                <a:latin typeface="G마켓 산스 Bold" panose="02000000000000000000" pitchFamily="50" charset="-127"/>
+                <a:ea typeface="G마켓 산스 Bold" panose="02000000000000000000" pitchFamily="50" charset="-127"/>
+              </a:rPr>
+              <a:t>String </a:t>
+            </a:r>
+            <a:r>
+              <a:rPr lang="ko-KR" altLang="en-US" sz="5400" spc="-300" dirty="0">
+                <a:solidFill>
+                  <a:srgbClr val="4C50BC"/>
+                </a:solidFill>
+                <a:latin typeface="G마켓 산스 Bold" panose="02000000000000000000" pitchFamily="50" charset="-127"/>
+                <a:ea typeface="G마켓 산스 Bold" panose="02000000000000000000" pitchFamily="50" charset="-127"/>
+              </a:rPr>
+              <a:t>클래스의 </a:t>
+            </a:r>
+            <a:r>
+              <a:rPr lang="en-US" altLang="ko-KR" sz="5400" spc="-300" dirty="0" err="1">
+                <a:solidFill>
+                  <a:srgbClr val="4C50BC"/>
+                </a:solidFill>
+                <a:latin typeface="G마켓 산스 Bold" panose="02000000000000000000" pitchFamily="50" charset="-127"/>
+                <a:ea typeface="G마켓 산스 Bold" panose="02000000000000000000" pitchFamily="50" charset="-127"/>
+              </a:rPr>
+              <a:t>charAt</a:t>
+            </a:r>
+            <a:r>
+              <a:rPr lang="en-US" altLang="ko-KR" sz="5400" spc="-300" dirty="0">
+                <a:solidFill>
+                  <a:srgbClr val="4C50BC"/>
+                </a:solidFill>
+                <a:latin typeface="G마켓 산스 Bold" panose="02000000000000000000" pitchFamily="50" charset="-127"/>
+                <a:ea typeface="G마켓 산스 Bold" panose="02000000000000000000" pitchFamily="50" charset="-127"/>
+              </a:rPr>
+              <a:t> </a:t>
+            </a:r>
+            <a:r>
+              <a:rPr lang="ko-KR" altLang="en-US" sz="5400" spc="-300" dirty="0">
+                <a:solidFill>
+                  <a:srgbClr val="4C50BC"/>
+                </a:solidFill>
+                <a:latin typeface="G마켓 산스 Bold" panose="02000000000000000000" pitchFamily="50" charset="-127"/>
+                <a:ea typeface="G마켓 산스 Bold" panose="02000000000000000000" pitchFamily="50" charset="-127"/>
+              </a:rPr>
+              <a:t>메서드</a:t>
+            </a:r>
+            <a:endParaRPr lang="en-US" altLang="ko-KR" sz="5400" spc="-300" dirty="0">
+              <a:solidFill>
+                <a:srgbClr val="4C50BC"/>
+              </a:solidFill>
+              <a:latin typeface="G마켓 산스 Bold" panose="02000000000000000000" pitchFamily="50" charset="-127"/>
+              <a:ea typeface="G마켓 산스 Bold" panose="02000000000000000000" pitchFamily="50" charset="-127"/>
+            </a:endParaRPr>
+          </a:p>
+        </p:txBody>
+      </p:sp>
+      <p:cxnSp>
+        <p:nvCxnSpPr>
+          <p:cNvPr id="3" name="직선 연결선 2">
+            <a:extLst>
+              <a:ext uri="{FF2B5EF4-FFF2-40B4-BE49-F238E27FC236}">
+                <a16:creationId xmlns:a16="http://schemas.microsoft.com/office/drawing/2014/main" id="{6232CE12-5AF3-F585-3D62-0AF645DE8B5A}"/>
+              </a:ext>
+            </a:extLst>
+          </p:cNvPr>
+          <p:cNvCxnSpPr>
+            <a:cxnSpLocks/>
+          </p:cNvCxnSpPr>
+          <p:nvPr/>
+        </p:nvCxnSpPr>
+        <p:spPr>
+          <a:xfrm flipH="1" flipV="1">
+            <a:off x="-13447" y="972511"/>
+            <a:ext cx="18288000" cy="65119"/>
+          </a:xfrm>
+          <a:prstGeom prst="line">
+            <a:avLst/>
+          </a:prstGeom>
+          <a:ln w="38100">
+            <a:solidFill>
+              <a:srgbClr val="4C50BC"/>
+            </a:solidFill>
+          </a:ln>
+        </p:spPr>
+        <p:style>
+          <a:lnRef idx="1">
+            <a:schemeClr val="accent1"/>
+          </a:lnRef>
+          <a:fillRef idx="0">
+            <a:schemeClr val="accent1"/>
+          </a:fillRef>
+          <a:effectRef idx="0">
+            <a:schemeClr val="accent1"/>
+          </a:effectRef>
+          <a:fontRef idx="minor">
+            <a:schemeClr val="tx1"/>
+          </a:fontRef>
+        </p:style>
+      </p:cxnSp>
     </p:spTree>
     <p:extLst>
       <p:ext uri="{BB962C8B-B14F-4D97-AF65-F5344CB8AC3E}">
@@ -8280,7 +8521,7 @@
         </p:blipFill>
         <p:spPr>
           <a:xfrm>
-            <a:off x="1219200" y="2503453"/>
+            <a:off x="1219200" y="2247900"/>
             <a:ext cx="8839200" cy="4544096"/>
           </a:xfrm>
           <a:prstGeom prst="rect">
@@ -8305,7 +8546,7 @@
         </p:nvCxnSpPr>
         <p:spPr>
           <a:xfrm flipV="1">
-            <a:off x="8839200" y="3218171"/>
+            <a:off x="8839200" y="2962618"/>
             <a:ext cx="1676400" cy="885482"/>
           </a:xfrm>
           <a:prstGeom prst="straightConnector1">
@@ -8344,7 +8585,7 @@
         </p:nvSpPr>
         <p:spPr>
           <a:xfrm>
-            <a:off x="8077200" y="4103653"/>
+            <a:off x="8077200" y="3848100"/>
             <a:ext cx="1295400" cy="457200"/>
           </a:xfrm>
           <a:prstGeom prst="rect">
@@ -8396,7 +8637,7 @@
         </p:nvSpPr>
         <p:spPr>
           <a:xfrm>
-            <a:off x="10515600" y="2895005"/>
+            <a:off x="10515600" y="2639452"/>
             <a:ext cx="7924800" cy="646331"/>
           </a:xfrm>
           <a:prstGeom prst="rect">
@@ -8476,7 +8717,7 @@
         </p:blipFill>
         <p:spPr>
           <a:xfrm>
-            <a:off x="9906000" y="5421023"/>
+            <a:off x="9906000" y="5165470"/>
             <a:ext cx="1935333" cy="1271790"/>
           </a:xfrm>
           <a:prstGeom prst="rect">
@@ -8500,7 +8741,7 @@
         </p:blipFill>
         <p:spPr>
           <a:xfrm>
-            <a:off x="9906000" y="7700194"/>
+            <a:off x="9906000" y="7444641"/>
             <a:ext cx="1590675" cy="872306"/>
           </a:xfrm>
           <a:prstGeom prst="rect">
@@ -8510,10 +8751,10 @@
       </p:pic>
       <p:sp>
         <p:nvSpPr>
-          <p:cNvPr id="14" name="TextBox 13">
+          <p:cNvPr id="2" name="TextBox 1">
             <a:extLst>
               <a:ext uri="{FF2B5EF4-FFF2-40B4-BE49-F238E27FC236}">
-                <a16:creationId xmlns:a16="http://schemas.microsoft.com/office/drawing/2014/main" id="{5ADC00B6-990A-40DC-3CEA-505258F5E8DA}"/>
+                <a16:creationId xmlns:a16="http://schemas.microsoft.com/office/drawing/2014/main" id="{6C99CECF-1F55-000E-0F6A-76147024D206}"/>
               </a:ext>
             </a:extLst>
           </p:cNvPr>
@@ -8522,8 +8763,8 @@
         </p:nvSpPr>
         <p:spPr>
           <a:xfrm>
-            <a:off x="762000" y="266700"/>
-            <a:ext cx="9829800" cy="830997"/>
+            <a:off x="304800" y="114300"/>
+            <a:ext cx="10972800" cy="923330"/>
           </a:xfrm>
           <a:prstGeom prst="rect">
             <a:avLst/>
@@ -8537,55 +8778,98 @@
           <a:lstStyle/>
           <a:p>
             <a:r>
-              <a:rPr lang="en-US" altLang="ko-KR" sz="4800">
+              <a:rPr lang="en-US" altLang="ko-KR" sz="5400" spc="-300" dirty="0">
                 <a:solidFill>
                   <a:srgbClr val="4C50BC"/>
                 </a:solidFill>
-                <a:latin typeface="G마켓 산스 Medium" panose="02000000000000000000" pitchFamily="50" charset="-127"/>
-                <a:ea typeface="G마켓 산스 Medium" panose="02000000000000000000" pitchFamily="50" charset="-127"/>
+                <a:latin typeface="G마켓 산스 Bold" panose="02000000000000000000" pitchFamily="50" charset="-127"/>
+                <a:ea typeface="G마켓 산스 Bold" panose="02000000000000000000" pitchFamily="50" charset="-127"/>
               </a:rPr>
               <a:t>String </a:t>
             </a:r>
             <a:r>
-              <a:rPr lang="ko-KR" altLang="en-US" sz="4800">
+              <a:rPr lang="ko-KR" altLang="en-US" sz="5400" spc="-300" dirty="0">
                 <a:solidFill>
                   <a:srgbClr val="4C50BC"/>
                 </a:solidFill>
-                <a:latin typeface="G마켓 산스 Medium" panose="02000000000000000000" pitchFamily="50" charset="-127"/>
-                <a:ea typeface="G마켓 산스 Medium" panose="02000000000000000000" pitchFamily="50" charset="-127"/>
-              </a:rPr>
-              <a:t>클래스 </a:t>
-            </a:r>
-            <a:r>
-              <a:rPr lang="en-US" altLang="ko-KR" sz="4800">
+                <a:latin typeface="G마켓 산스 Bold" panose="02000000000000000000" pitchFamily="50" charset="-127"/>
+                <a:ea typeface="G마켓 산스 Bold" panose="02000000000000000000" pitchFamily="50" charset="-127"/>
+              </a:rPr>
+              <a:t>클래스의 </a:t>
+            </a:r>
+            <a:r>
+              <a:rPr lang="en-US" altLang="ko-KR" sz="5400" spc="-300" dirty="0">
                 <a:solidFill>
                   <a:srgbClr val="4C50BC"/>
                 </a:solidFill>
-                <a:latin typeface="G마켓 산스 Medium" panose="02000000000000000000" pitchFamily="50" charset="-127"/>
-                <a:ea typeface="G마켓 산스 Medium" panose="02000000000000000000" pitchFamily="50" charset="-127"/>
-              </a:rPr>
-              <a:t>substring </a:t>
-            </a:r>
-            <a:r>
-              <a:rPr lang="ko-KR" altLang="en-US" sz="4800">
+                <a:latin typeface="G마켓 산스 Bold" panose="02000000000000000000" pitchFamily="50" charset="-127"/>
+                <a:ea typeface="G마켓 산스 Bold" panose="02000000000000000000" pitchFamily="50" charset="-127"/>
+              </a:rPr>
+              <a:t>substring</a:t>
+            </a:r>
+            <a:r>
+              <a:rPr lang="ko-KR" altLang="en-US" sz="5400" spc="-300" dirty="0">
                 <a:solidFill>
                   <a:srgbClr val="4C50BC"/>
                 </a:solidFill>
-                <a:latin typeface="G마켓 산스 Medium" panose="02000000000000000000" pitchFamily="50" charset="-127"/>
-                <a:ea typeface="G마켓 산스 Medium" panose="02000000000000000000" pitchFamily="50" charset="-127"/>
+                <a:latin typeface="G마켓 산스 Bold" panose="02000000000000000000" pitchFamily="50" charset="-127"/>
+                <a:ea typeface="G마켓 산스 Bold" panose="02000000000000000000" pitchFamily="50" charset="-127"/>
               </a:rPr>
               <a:t>메서드</a:t>
             </a:r>
-            <a:endParaRPr lang="en-US" altLang="ko-KR" sz="4800" dirty="0">
+            <a:endParaRPr lang="en-US" altLang="ko-KR" sz="5400" spc="-300" dirty="0">
               <a:solidFill>
                 <a:srgbClr val="4C50BC"/>
               </a:solidFill>
-              <a:latin typeface="G마켓 산스 Medium" panose="02000000000000000000" pitchFamily="50" charset="-127"/>
-              <a:ea typeface="G마켓 산스 Medium" panose="02000000000000000000" pitchFamily="50" charset="-127"/>
+              <a:latin typeface="G마켓 산스 Bold" panose="02000000000000000000" pitchFamily="50" charset="-127"/>
+              <a:ea typeface="G마켓 산스 Bold" panose="02000000000000000000" pitchFamily="50" charset="-127"/>
             </a:endParaRPr>
           </a:p>
         </p:txBody>
       </p:sp>
+      <p:cxnSp>
+        <p:nvCxnSpPr>
+          <p:cNvPr id="3" name="직선 연결선 2">
+            <a:extLst>
+              <a:ext uri="{FF2B5EF4-FFF2-40B4-BE49-F238E27FC236}">
+                <a16:creationId xmlns:a16="http://schemas.microsoft.com/office/drawing/2014/main" id="{0DC05069-BFFD-FAC0-66C5-6832916482A6}"/>
+              </a:ext>
+            </a:extLst>
+          </p:cNvPr>
+          <p:cNvCxnSpPr>
+            <a:cxnSpLocks/>
+          </p:cNvCxnSpPr>
+          <p:nvPr/>
+        </p:nvCxnSpPr>
+        <p:spPr>
+          <a:xfrm flipH="1" flipV="1">
+            <a:off x="-13447" y="972511"/>
+            <a:ext cx="18288000" cy="65119"/>
+          </a:xfrm>
+          <a:prstGeom prst="line">
+            <a:avLst/>
+          </a:prstGeom>
+          <a:ln w="38100">
+            <a:solidFill>
+              <a:srgbClr val="4C50BC"/>
+            </a:solidFill>
+          </a:ln>
+        </p:spPr>
+        <p:style>
+          <a:lnRef idx="1">
+            <a:schemeClr val="accent1"/>
+          </a:lnRef>
+          <a:fillRef idx="0">
+            <a:schemeClr val="accent1"/>
+          </a:fillRef>
+          <a:effectRef idx="0">
+            <a:schemeClr val="accent1"/>
+          </a:effectRef>
+          <a:fontRef idx="minor">
+            <a:schemeClr val="tx1"/>
+          </a:fontRef>
+        </p:style>
+      </p:cxnSp>
     </p:spTree>
     <p:extLst>
       <p:ext uri="{BB962C8B-B14F-4D97-AF65-F5344CB8AC3E}">
@@ -9366,84 +9650,6 @@
           </a:prstGeom>
         </p:spPr>
       </p:pic>
-      <p:sp>
-        <p:nvSpPr>
-          <p:cNvPr id="7" name="TextBox 6">
-            <a:extLst>
-              <a:ext uri="{FF2B5EF4-FFF2-40B4-BE49-F238E27FC236}">
-                <a16:creationId xmlns:a16="http://schemas.microsoft.com/office/drawing/2014/main" id="{5ADC00B6-990A-40DC-3CEA-505258F5E8DA}"/>
-              </a:ext>
-            </a:extLst>
-          </p:cNvPr>
-          <p:cNvSpPr txBox="1"/>
-          <p:nvPr/>
-        </p:nvSpPr>
-        <p:spPr>
-          <a:xfrm>
-            <a:off x="762000" y="266700"/>
-            <a:ext cx="9220200" cy="830997"/>
-          </a:xfrm>
-          <a:prstGeom prst="rect">
-            <a:avLst/>
-          </a:prstGeom>
-          <a:noFill/>
-        </p:spPr>
-        <p:txBody>
-          <a:bodyPr wrap="square" rtlCol="0">
-            <a:spAutoFit/>
-          </a:bodyPr>
-          <a:lstStyle/>
-          <a:p>
-            <a:r>
-              <a:rPr lang="en-US" altLang="ko-KR" sz="4800">
-                <a:solidFill>
-                  <a:srgbClr val="4C50BC"/>
-                </a:solidFill>
-                <a:latin typeface="G마켓 산스 Medium" panose="02000000000000000000" pitchFamily="50" charset="-127"/>
-                <a:ea typeface="G마켓 산스 Medium" panose="02000000000000000000" pitchFamily="50" charset="-127"/>
-              </a:rPr>
-              <a:t>String </a:t>
-            </a:r>
-            <a:r>
-              <a:rPr lang="ko-KR" altLang="en-US" sz="4800">
-                <a:solidFill>
-                  <a:srgbClr val="4C50BC"/>
-                </a:solidFill>
-                <a:latin typeface="G마켓 산스 Medium" panose="02000000000000000000" pitchFamily="50" charset="-127"/>
-                <a:ea typeface="G마켓 산스 Medium" panose="02000000000000000000" pitchFamily="50" charset="-127"/>
-              </a:rPr>
-              <a:t>클래스 </a:t>
-            </a:r>
-            <a:r>
-              <a:rPr lang="en-US" altLang="ko-KR" sz="4800">
-                <a:solidFill>
-                  <a:srgbClr val="4C50BC"/>
-                </a:solidFill>
-                <a:latin typeface="G마켓 산스 Medium" panose="02000000000000000000" pitchFamily="50" charset="-127"/>
-                <a:ea typeface="G마켓 산스 Medium" panose="02000000000000000000" pitchFamily="50" charset="-127"/>
-              </a:rPr>
-              <a:t>split </a:t>
-            </a:r>
-            <a:r>
-              <a:rPr lang="ko-KR" altLang="en-US" sz="4800">
-                <a:solidFill>
-                  <a:srgbClr val="4C50BC"/>
-                </a:solidFill>
-                <a:latin typeface="G마켓 산스 Medium" panose="02000000000000000000" pitchFamily="50" charset="-127"/>
-                <a:ea typeface="G마켓 산스 Medium" panose="02000000000000000000" pitchFamily="50" charset="-127"/>
-              </a:rPr>
-              <a:t>메서드</a:t>
-            </a:r>
-            <a:endParaRPr lang="en-US" altLang="ko-KR" sz="4800" dirty="0">
-              <a:solidFill>
-                <a:srgbClr val="4C50BC"/>
-              </a:solidFill>
-              <a:latin typeface="G마켓 산스 Medium" panose="02000000000000000000" pitchFamily="50" charset="-127"/>
-              <a:ea typeface="G마켓 산스 Medium" panose="02000000000000000000" pitchFamily="50" charset="-127"/>
-            </a:endParaRPr>
-          </a:p>
-        </p:txBody>
-      </p:sp>
       <p:pic>
         <p:nvPicPr>
           <p:cNvPr id="8" name="그림 7"/>
@@ -9492,6 +9698,127 @@
           </a:prstGeom>
         </p:spPr>
       </p:pic>
+      <p:sp>
+        <p:nvSpPr>
+          <p:cNvPr id="2" name="TextBox 1">
+            <a:extLst>
+              <a:ext uri="{FF2B5EF4-FFF2-40B4-BE49-F238E27FC236}">
+                <a16:creationId xmlns:a16="http://schemas.microsoft.com/office/drawing/2014/main" id="{4F97836C-DF49-1820-009C-8BD275954223}"/>
+              </a:ext>
+            </a:extLst>
+          </p:cNvPr>
+          <p:cNvSpPr txBox="1"/>
+          <p:nvPr/>
+        </p:nvSpPr>
+        <p:spPr>
+          <a:xfrm>
+            <a:off x="304800" y="114300"/>
+            <a:ext cx="11201400" cy="923330"/>
+          </a:xfrm>
+          <a:prstGeom prst="rect">
+            <a:avLst/>
+          </a:prstGeom>
+          <a:noFill/>
+        </p:spPr>
+        <p:txBody>
+          <a:bodyPr wrap="square" rtlCol="0">
+            <a:spAutoFit/>
+          </a:bodyPr>
+          <a:lstStyle/>
+          <a:p>
+            <a:r>
+              <a:rPr lang="en-US" altLang="ko-KR" sz="5400" spc="-300" dirty="0">
+                <a:solidFill>
+                  <a:srgbClr val="4C50BC"/>
+                </a:solidFill>
+                <a:latin typeface="G마켓 산스 Bold" panose="02000000000000000000" pitchFamily="50" charset="-127"/>
+                <a:ea typeface="G마켓 산스 Bold" panose="02000000000000000000" pitchFamily="50" charset="-127"/>
+              </a:rPr>
+              <a:t>String </a:t>
+            </a:r>
+            <a:r>
+              <a:rPr lang="ko-KR" altLang="en-US" sz="5400" spc="-300" dirty="0">
+                <a:solidFill>
+                  <a:srgbClr val="4C50BC"/>
+                </a:solidFill>
+                <a:latin typeface="G마켓 산스 Bold" panose="02000000000000000000" pitchFamily="50" charset="-127"/>
+                <a:ea typeface="G마켓 산스 Bold" panose="02000000000000000000" pitchFamily="50" charset="-127"/>
+              </a:rPr>
+              <a:t>클래스의 </a:t>
+            </a:r>
+            <a:r>
+              <a:rPr lang="en-US" altLang="ko-KR" sz="5400" spc="-300" dirty="0">
+                <a:solidFill>
+                  <a:srgbClr val="4C50BC"/>
+                </a:solidFill>
+                <a:latin typeface="G마켓 산스 Bold" panose="02000000000000000000" pitchFamily="50" charset="-127"/>
+                <a:ea typeface="G마켓 산스 Bold" panose="02000000000000000000" pitchFamily="50" charset="-127"/>
+              </a:rPr>
+              <a:t>split </a:t>
+            </a:r>
+            <a:r>
+              <a:rPr lang="ko-KR" altLang="en-US" sz="5400" spc="-300" dirty="0">
+                <a:solidFill>
+                  <a:srgbClr val="4C50BC"/>
+                </a:solidFill>
+                <a:latin typeface="G마켓 산스 Bold" panose="02000000000000000000" pitchFamily="50" charset="-127"/>
+                <a:ea typeface="G마켓 산스 Bold" panose="02000000000000000000" pitchFamily="50" charset="-127"/>
+              </a:rPr>
+              <a:t>메서드</a:t>
+            </a:r>
+            <a:endParaRPr lang="en-US" altLang="ko-KR" sz="5400" spc="-300" dirty="0">
+              <a:solidFill>
+                <a:srgbClr val="4C50BC"/>
+              </a:solidFill>
+              <a:latin typeface="G마켓 산스 Bold" panose="02000000000000000000" pitchFamily="50" charset="-127"/>
+              <a:ea typeface="G마켓 산스 Bold" panose="02000000000000000000" pitchFamily="50" charset="-127"/>
+            </a:endParaRPr>
+          </a:p>
+        </p:txBody>
+      </p:sp>
+      <p:cxnSp>
+        <p:nvCxnSpPr>
+          <p:cNvPr id="3" name="직선 연결선 2">
+            <a:extLst>
+              <a:ext uri="{FF2B5EF4-FFF2-40B4-BE49-F238E27FC236}">
+                <a16:creationId xmlns:a16="http://schemas.microsoft.com/office/drawing/2014/main" id="{A96D398E-979B-035D-19D1-8AF18337BC06}"/>
+              </a:ext>
+            </a:extLst>
+          </p:cNvPr>
+          <p:cNvCxnSpPr>
+            <a:cxnSpLocks/>
+          </p:cNvCxnSpPr>
+          <p:nvPr/>
+        </p:nvCxnSpPr>
+        <p:spPr>
+          <a:xfrm flipH="1" flipV="1">
+            <a:off x="-13447" y="972511"/>
+            <a:ext cx="18288000" cy="65119"/>
+          </a:xfrm>
+          <a:prstGeom prst="line">
+            <a:avLst/>
+          </a:prstGeom>
+          <a:ln w="38100">
+            <a:solidFill>
+              <a:srgbClr val="4C50BC"/>
+            </a:solidFill>
+          </a:ln>
+        </p:spPr>
+        <p:style>
+          <a:lnRef idx="1">
+            <a:schemeClr val="accent1"/>
+          </a:lnRef>
+          <a:fillRef idx="0">
+            <a:schemeClr val="accent1"/>
+          </a:fillRef>
+          <a:effectRef idx="0">
+            <a:schemeClr val="accent1"/>
+          </a:effectRef>
+          <a:fontRef idx="minor">
+            <a:schemeClr val="tx1"/>
+          </a:fontRef>
+        </p:style>
+      </p:cxnSp>
     </p:spTree>
     <p:extLst>
       <p:ext uri="{BB962C8B-B14F-4D97-AF65-F5344CB8AC3E}">
@@ -9732,84 +10059,6 @@
           <a:chExt cx="0" cy="0"/>
         </a:xfrm>
       </p:grpSpPr>
-      <p:sp>
-        <p:nvSpPr>
-          <p:cNvPr id="2" name="TextBox 1">
-            <a:extLst>
-              <a:ext uri="{FF2B5EF4-FFF2-40B4-BE49-F238E27FC236}">
-                <a16:creationId xmlns:a16="http://schemas.microsoft.com/office/drawing/2014/main" id="{5ADC00B6-990A-40DC-3CEA-505258F5E8DA}"/>
-              </a:ext>
-            </a:extLst>
-          </p:cNvPr>
-          <p:cNvSpPr txBox="1"/>
-          <p:nvPr/>
-        </p:nvSpPr>
-        <p:spPr>
-          <a:xfrm>
-            <a:off x="762000" y="266700"/>
-            <a:ext cx="9220200" cy="830997"/>
-          </a:xfrm>
-          <a:prstGeom prst="rect">
-            <a:avLst/>
-          </a:prstGeom>
-          <a:noFill/>
-        </p:spPr>
-        <p:txBody>
-          <a:bodyPr wrap="square" rtlCol="0">
-            <a:spAutoFit/>
-          </a:bodyPr>
-          <a:lstStyle/>
-          <a:p>
-            <a:r>
-              <a:rPr lang="en-US" altLang="ko-KR" sz="4800">
-                <a:solidFill>
-                  <a:srgbClr val="4C50BC"/>
-                </a:solidFill>
-                <a:latin typeface="G마켓 산스 Medium" panose="02000000000000000000" pitchFamily="50" charset="-127"/>
-                <a:ea typeface="G마켓 산스 Medium" panose="02000000000000000000" pitchFamily="50" charset="-127"/>
-              </a:rPr>
-              <a:t>String </a:t>
-            </a:r>
-            <a:r>
-              <a:rPr lang="ko-KR" altLang="en-US" sz="4800">
-                <a:solidFill>
-                  <a:srgbClr val="4C50BC"/>
-                </a:solidFill>
-                <a:latin typeface="G마켓 산스 Medium" panose="02000000000000000000" pitchFamily="50" charset="-127"/>
-                <a:ea typeface="G마켓 산스 Medium" panose="02000000000000000000" pitchFamily="50" charset="-127"/>
-              </a:rPr>
-              <a:t>클래스 </a:t>
-            </a:r>
-            <a:r>
-              <a:rPr lang="en-US" altLang="ko-KR" sz="4800">
-                <a:solidFill>
-                  <a:srgbClr val="4C50BC"/>
-                </a:solidFill>
-                <a:latin typeface="G마켓 산스 Medium" panose="02000000000000000000" pitchFamily="50" charset="-127"/>
-                <a:ea typeface="G마켓 산스 Medium" panose="02000000000000000000" pitchFamily="50" charset="-127"/>
-              </a:rPr>
-              <a:t>equals </a:t>
-            </a:r>
-            <a:r>
-              <a:rPr lang="ko-KR" altLang="en-US" sz="4800">
-                <a:solidFill>
-                  <a:srgbClr val="4C50BC"/>
-                </a:solidFill>
-                <a:latin typeface="G마켓 산스 Medium" panose="02000000000000000000" pitchFamily="50" charset="-127"/>
-                <a:ea typeface="G마켓 산스 Medium" panose="02000000000000000000" pitchFamily="50" charset="-127"/>
-              </a:rPr>
-              <a:t>메서드</a:t>
-            </a:r>
-            <a:endParaRPr lang="en-US" altLang="ko-KR" sz="4800" dirty="0">
-              <a:solidFill>
-                <a:srgbClr val="4C50BC"/>
-              </a:solidFill>
-              <a:latin typeface="G마켓 산스 Medium" panose="02000000000000000000" pitchFamily="50" charset="-127"/>
-              <a:ea typeface="G마켓 산스 Medium" panose="02000000000000000000" pitchFamily="50" charset="-127"/>
-            </a:endParaRPr>
-          </a:p>
-        </p:txBody>
-      </p:sp>
       <p:pic>
         <p:nvPicPr>
           <p:cNvPr id="3" name="그림 2"/>
@@ -9826,7 +10075,7 @@
         </p:blipFill>
         <p:spPr>
           <a:xfrm>
-            <a:off x="1152525" y="1714500"/>
+            <a:off x="1152525" y="1866900"/>
             <a:ext cx="11154355" cy="2895600"/>
           </a:xfrm>
           <a:prstGeom prst="rect">
@@ -9842,7 +10091,7 @@
         </p:nvSpPr>
         <p:spPr>
           <a:xfrm>
-            <a:off x="2743200" y="2476500"/>
+            <a:off x="2743200" y="2628900"/>
             <a:ext cx="2057400" cy="1698846"/>
           </a:xfrm>
           <a:prstGeom prst="mathMultiply">
@@ -9900,7 +10149,7 @@
         </p:nvCxnSpPr>
         <p:spPr>
           <a:xfrm flipV="1">
-            <a:off x="4572000" y="2792437"/>
+            <a:off x="4572000" y="2944837"/>
             <a:ext cx="2820420" cy="341531"/>
           </a:xfrm>
           <a:prstGeom prst="straightConnector1">
@@ -9939,7 +10188,7 @@
         </p:nvSpPr>
         <p:spPr>
           <a:xfrm>
-            <a:off x="7468620" y="2487637"/>
+            <a:off x="7468620" y="2640037"/>
             <a:ext cx="8380980" cy="1200329"/>
           </a:xfrm>
           <a:prstGeom prst="rect">
@@ -10059,7 +10308,7 @@
         </p:blipFill>
         <p:spPr>
           <a:xfrm>
-            <a:off x="1150180" y="5688037"/>
+            <a:off x="1150180" y="5840437"/>
             <a:ext cx="11782253" cy="3208313"/>
           </a:xfrm>
           <a:prstGeom prst="rect">
@@ -10081,7 +10330,7 @@
         </p:nvGrpSpPr>
         <p:grpSpPr>
           <a:xfrm rot="5400000">
-            <a:off x="6379100" y="4694165"/>
+            <a:off x="6379100" y="4846565"/>
             <a:ext cx="720996" cy="587007"/>
             <a:chOff x="9011713" y="5350533"/>
             <a:chExt cx="720996" cy="587007"/>
@@ -10255,7 +10504,7 @@
         </p:nvSpPr>
         <p:spPr>
           <a:xfrm>
-            <a:off x="2209800" y="7063592"/>
+            <a:off x="2209800" y="7215992"/>
             <a:ext cx="5943600" cy="823107"/>
           </a:xfrm>
           <a:prstGeom prst="rect">
@@ -10293,6 +10542,127 @@
           </a:p>
         </p:txBody>
       </p:sp>
+      <p:sp>
+        <p:nvSpPr>
+          <p:cNvPr id="7" name="TextBox 6">
+            <a:extLst>
+              <a:ext uri="{FF2B5EF4-FFF2-40B4-BE49-F238E27FC236}">
+                <a16:creationId xmlns:a16="http://schemas.microsoft.com/office/drawing/2014/main" id="{5A9DF844-BBD3-6AFB-465C-8F3EAE15943E}"/>
+              </a:ext>
+            </a:extLst>
+          </p:cNvPr>
+          <p:cNvSpPr txBox="1"/>
+          <p:nvPr/>
+        </p:nvSpPr>
+        <p:spPr>
+          <a:xfrm>
+            <a:off x="304800" y="114300"/>
+            <a:ext cx="10972800" cy="923330"/>
+          </a:xfrm>
+          <a:prstGeom prst="rect">
+            <a:avLst/>
+          </a:prstGeom>
+          <a:noFill/>
+        </p:spPr>
+        <p:txBody>
+          <a:bodyPr wrap="square" rtlCol="0">
+            <a:spAutoFit/>
+          </a:bodyPr>
+          <a:lstStyle/>
+          <a:p>
+            <a:r>
+              <a:rPr lang="en-US" altLang="ko-KR" sz="5400" spc="-300" dirty="0">
+                <a:solidFill>
+                  <a:srgbClr val="4C50BC"/>
+                </a:solidFill>
+                <a:latin typeface="G마켓 산스 Bold" panose="02000000000000000000" pitchFamily="50" charset="-127"/>
+                <a:ea typeface="G마켓 산스 Bold" panose="02000000000000000000" pitchFamily="50" charset="-127"/>
+              </a:rPr>
+              <a:t>String </a:t>
+            </a:r>
+            <a:r>
+              <a:rPr lang="ko-KR" altLang="en-US" sz="5400" spc="-300" dirty="0">
+                <a:solidFill>
+                  <a:srgbClr val="4C50BC"/>
+                </a:solidFill>
+                <a:latin typeface="G마켓 산스 Bold" panose="02000000000000000000" pitchFamily="50" charset="-127"/>
+                <a:ea typeface="G마켓 산스 Bold" panose="02000000000000000000" pitchFamily="50" charset="-127"/>
+              </a:rPr>
+              <a:t>클래스 </a:t>
+            </a:r>
+            <a:r>
+              <a:rPr lang="en-US" altLang="ko-KR" sz="5400" spc="-300" dirty="0">
+                <a:solidFill>
+                  <a:srgbClr val="4C50BC"/>
+                </a:solidFill>
+                <a:latin typeface="G마켓 산스 Bold" panose="02000000000000000000" pitchFamily="50" charset="-127"/>
+                <a:ea typeface="G마켓 산스 Bold" panose="02000000000000000000" pitchFamily="50" charset="-127"/>
+              </a:rPr>
+              <a:t>equals </a:t>
+            </a:r>
+            <a:r>
+              <a:rPr lang="ko-KR" altLang="en-US" sz="5400" spc="-300" dirty="0">
+                <a:solidFill>
+                  <a:srgbClr val="4C50BC"/>
+                </a:solidFill>
+                <a:latin typeface="G마켓 산스 Bold" panose="02000000000000000000" pitchFamily="50" charset="-127"/>
+                <a:ea typeface="G마켓 산스 Bold" panose="02000000000000000000" pitchFamily="50" charset="-127"/>
+              </a:rPr>
+              <a:t>메서드</a:t>
+            </a:r>
+            <a:endParaRPr lang="en-US" altLang="ko-KR" sz="5400" spc="-300" dirty="0">
+              <a:solidFill>
+                <a:srgbClr val="4C50BC"/>
+              </a:solidFill>
+              <a:latin typeface="G마켓 산스 Bold" panose="02000000000000000000" pitchFamily="50" charset="-127"/>
+              <a:ea typeface="G마켓 산스 Bold" panose="02000000000000000000" pitchFamily="50" charset="-127"/>
+            </a:endParaRPr>
+          </a:p>
+        </p:txBody>
+      </p:sp>
+      <p:cxnSp>
+        <p:nvCxnSpPr>
+          <p:cNvPr id="17" name="직선 연결선 16">
+            <a:extLst>
+              <a:ext uri="{FF2B5EF4-FFF2-40B4-BE49-F238E27FC236}">
+                <a16:creationId xmlns:a16="http://schemas.microsoft.com/office/drawing/2014/main" id="{4CDABAFE-7B0D-8856-A711-EFE68BDB756F}"/>
+              </a:ext>
+            </a:extLst>
+          </p:cNvPr>
+          <p:cNvCxnSpPr>
+            <a:cxnSpLocks/>
+          </p:cNvCxnSpPr>
+          <p:nvPr/>
+        </p:nvCxnSpPr>
+        <p:spPr>
+          <a:xfrm flipH="1" flipV="1">
+            <a:off x="-13447" y="972511"/>
+            <a:ext cx="18288000" cy="65119"/>
+          </a:xfrm>
+          <a:prstGeom prst="line">
+            <a:avLst/>
+          </a:prstGeom>
+          <a:ln w="38100">
+            <a:solidFill>
+              <a:srgbClr val="4C50BC"/>
+            </a:solidFill>
+          </a:ln>
+        </p:spPr>
+        <p:style>
+          <a:lnRef idx="1">
+            <a:schemeClr val="accent1"/>
+          </a:lnRef>
+          <a:fillRef idx="0">
+            <a:schemeClr val="accent1"/>
+          </a:fillRef>
+          <a:effectRef idx="0">
+            <a:schemeClr val="accent1"/>
+          </a:effectRef>
+          <a:fontRef idx="minor">
+            <a:schemeClr val="tx1"/>
+          </a:fontRef>
+        </p:style>
+      </p:cxnSp>
     </p:spTree>
     <p:extLst>
       <p:ext uri="{BB962C8B-B14F-4D97-AF65-F5344CB8AC3E}">
@@ -10594,57 +10964,6 @@
       </p:grpSpPr>
       <p:sp>
         <p:nvSpPr>
-          <p:cNvPr id="4" name="TextBox 3">
-            <a:extLst>
-              <a:ext uri="{FF2B5EF4-FFF2-40B4-BE49-F238E27FC236}">
-                <a16:creationId xmlns:a16="http://schemas.microsoft.com/office/drawing/2014/main" id="{5ADC00B6-990A-40DC-3CEA-505258F5E8DA}"/>
-              </a:ext>
-            </a:extLst>
-          </p:cNvPr>
-          <p:cNvSpPr txBox="1"/>
-          <p:nvPr/>
-        </p:nvSpPr>
-        <p:spPr>
-          <a:xfrm>
-            <a:off x="762000" y="266700"/>
-            <a:ext cx="3894040" cy="830997"/>
-          </a:xfrm>
-          <a:prstGeom prst="rect">
-            <a:avLst/>
-          </a:prstGeom>
-          <a:noFill/>
-        </p:spPr>
-        <p:txBody>
-          <a:bodyPr wrap="square" rtlCol="0">
-            <a:spAutoFit/>
-          </a:bodyPr>
-          <a:lstStyle/>
-          <a:p>
-            <a:r>
-              <a:rPr lang="ko-KR" altLang="en-US" sz="4800" dirty="0">
-                <a:solidFill>
-                  <a:srgbClr val="4C50BC"/>
-                </a:solidFill>
-                <a:latin typeface="G마켓 산스 Medium" panose="02000000000000000000" pitchFamily="50" charset="-127"/>
-                <a:ea typeface="G마켓 산스 Medium" panose="02000000000000000000" pitchFamily="50" charset="-127"/>
-              </a:rPr>
-              <a:t>실습문제</a:t>
-            </a:r>
-            <a:r>
-              <a:rPr lang="en-US" altLang="ko-KR" sz="4800" dirty="0">
-                <a:solidFill>
-                  <a:srgbClr val="4C50BC"/>
-                </a:solidFill>
-                <a:latin typeface="G마켓 산스 Medium" panose="02000000000000000000" pitchFamily="50" charset="-127"/>
-                <a:ea typeface="G마켓 산스 Medium" panose="02000000000000000000" pitchFamily="50" charset="-127"/>
-              </a:rPr>
-              <a:t>1</a:t>
-            </a:r>
-          </a:p>
-        </p:txBody>
-      </p:sp>
-      <p:sp>
-        <p:nvSpPr>
           <p:cNvPr id="5" name="TextBox 4">
             <a:extLst>
               <a:ext uri="{FF2B5EF4-FFF2-40B4-BE49-F238E27FC236}">
@@ -10657,7 +10976,7 @@
         </p:nvSpPr>
         <p:spPr>
           <a:xfrm>
-            <a:off x="1066800" y="1072492"/>
+            <a:off x="838200" y="1111011"/>
             <a:ext cx="10134600" cy="1569660"/>
           </a:xfrm>
           <a:prstGeom prst="rect">
@@ -10672,17 +10991,17 @@
           <a:lstStyle/>
           <a:p>
             <a:r>
-              <a:rPr lang="en-US" altLang="ko-KR" sz="3200">
+              <a:rPr lang="en-US" altLang="ko-KR" sz="3200" dirty="0">
                 <a:solidFill>
                   <a:srgbClr val="4C50BC"/>
                 </a:solidFill>
                 <a:latin typeface="G마켓 산스 Medium" panose="02000000000000000000" pitchFamily="50" charset="-127"/>
                 <a:ea typeface="G마켓 산스 Medium" panose="02000000000000000000" pitchFamily="50" charset="-127"/>
               </a:rPr>
-              <a:t>1-1 Person </a:t>
-            </a:r>
-            <a:r>
-              <a:rPr lang="ko-KR" altLang="en-US" sz="3200">
+              <a:t>Person </a:t>
+            </a:r>
+            <a:r>
+              <a:rPr lang="ko-KR" altLang="en-US" sz="3200" dirty="0">
                 <a:solidFill>
                   <a:srgbClr val="4C50BC"/>
                 </a:solidFill>
@@ -10691,20 +11010,17 @@
               </a:rPr>
               <a:t>클래스를 만들어 사용해보자</a:t>
             </a:r>
-            <a:r>
-              <a:rPr lang="en-US" altLang="ko-KR" sz="3200">
-                <a:solidFill>
-                  <a:srgbClr val="FF0000"/>
-                </a:solidFill>
-                <a:latin typeface="G마켓 산스 Medium" panose="02000000000000000000" pitchFamily="50" charset="-127"/>
-                <a:ea typeface="G마켓 산스 Medium" panose="02000000000000000000" pitchFamily="50" charset="-127"/>
-              </a:rPr>
-              <a:t>(normal)</a:t>
-            </a:r>
+            <a:endParaRPr lang="en-US" altLang="ko-KR" sz="3200" dirty="0">
+              <a:solidFill>
+                <a:srgbClr val="FF0000"/>
+              </a:solidFill>
+              <a:latin typeface="G마켓 산스 Medium" panose="02000000000000000000" pitchFamily="50" charset="-127"/>
+              <a:ea typeface="G마켓 산스 Medium" panose="02000000000000000000" pitchFamily="50" charset="-127"/>
+            </a:endParaRPr>
           </a:p>
           <a:p>
             <a:r>
-              <a:rPr lang="en-US" altLang="ko-KR" sz="3200">
+              <a:rPr lang="en-US" altLang="ko-KR" sz="3200" dirty="0">
                 <a:solidFill>
                   <a:schemeClr val="bg1">
                     <a:lumMod val="50000"/>
@@ -10716,7 +11032,7 @@
               <a:t>   - </a:t>
             </a:r>
             <a:r>
-              <a:rPr lang="ko-KR" altLang="en-US" sz="3200">
+              <a:rPr lang="ko-KR" altLang="en-US" sz="3200" dirty="0">
                 <a:solidFill>
                   <a:schemeClr val="bg1">
                     <a:lumMod val="50000"/>
@@ -10728,7 +11044,7 @@
               <a:t>멤버변수 </a:t>
             </a:r>
             <a:r>
-              <a:rPr lang="en-US" altLang="ko-KR" sz="3200">
+              <a:rPr lang="en-US" altLang="ko-KR" sz="3200" dirty="0">
                 <a:solidFill>
                   <a:schemeClr val="bg1">
                     <a:lumMod val="50000"/>
@@ -10740,7 +11056,7 @@
               <a:t>: String name ( </a:t>
             </a:r>
             <a:r>
-              <a:rPr lang="ko-KR" altLang="en-US" sz="3200">
+              <a:rPr lang="ko-KR" altLang="en-US" sz="3200" dirty="0">
                 <a:solidFill>
                   <a:schemeClr val="bg1">
                     <a:lumMod val="50000"/>
@@ -10752,7 +11068,7 @@
               <a:t>이름</a:t>
             </a:r>
             <a:r>
-              <a:rPr lang="en-US" altLang="ko-KR" sz="3200">
+              <a:rPr lang="en-US" altLang="ko-KR" sz="3200" dirty="0">
                 <a:solidFill>
                   <a:schemeClr val="bg1">
                     <a:lumMod val="50000"/>
@@ -10766,7 +11082,7 @@
           </a:p>
           <a:p>
             <a:r>
-              <a:rPr lang="en-US" altLang="ko-KR" sz="3200">
+              <a:rPr lang="en-US" altLang="ko-KR" sz="3200" dirty="0">
                 <a:solidFill>
                   <a:schemeClr val="bg1">
                     <a:lumMod val="50000"/>
@@ -10778,7 +11094,7 @@
               <a:t>                      String  RRN  (</a:t>
             </a:r>
             <a:r>
-              <a:rPr lang="ko-KR" altLang="en-US" sz="3200">
+              <a:rPr lang="ko-KR" altLang="en-US" sz="3200" dirty="0">
                 <a:solidFill>
                   <a:schemeClr val="bg1">
                     <a:lumMod val="50000"/>
@@ -10790,7 +11106,7 @@
               <a:t>주민번호</a:t>
             </a:r>
             <a:r>
-              <a:rPr lang="en-US" altLang="ko-KR" sz="3200">
+              <a:rPr lang="en-US" altLang="ko-KR" sz="3200" dirty="0">
                 <a:solidFill>
                   <a:schemeClr val="bg1">
                     <a:lumMod val="50000"/>
@@ -10852,6 +11168,120 @@
           </a:prstGeom>
         </p:spPr>
       </p:pic>
+      <p:sp>
+        <p:nvSpPr>
+          <p:cNvPr id="3" name="TextBox 2">
+            <a:extLst>
+              <a:ext uri="{FF2B5EF4-FFF2-40B4-BE49-F238E27FC236}">
+                <a16:creationId xmlns:a16="http://schemas.microsoft.com/office/drawing/2014/main" id="{2172AD44-D844-B563-FF56-552427646AA9}"/>
+              </a:ext>
+            </a:extLst>
+          </p:cNvPr>
+          <p:cNvSpPr txBox="1"/>
+          <p:nvPr/>
+        </p:nvSpPr>
+        <p:spPr>
+          <a:xfrm>
+            <a:off x="304800" y="114300"/>
+            <a:ext cx="10972800" cy="923330"/>
+          </a:xfrm>
+          <a:prstGeom prst="rect">
+            <a:avLst/>
+          </a:prstGeom>
+          <a:noFill/>
+        </p:spPr>
+        <p:txBody>
+          <a:bodyPr wrap="square" rtlCol="0">
+            <a:spAutoFit/>
+          </a:bodyPr>
+          <a:lstStyle/>
+          <a:p>
+            <a:r>
+              <a:rPr lang="en-US" altLang="ko-KR" sz="5400" spc="-300" dirty="0">
+                <a:solidFill>
+                  <a:srgbClr val="4C50BC"/>
+                </a:solidFill>
+                <a:latin typeface="G마켓 산스 Bold" panose="02000000000000000000" pitchFamily="50" charset="-127"/>
+                <a:ea typeface="G마켓 산스 Bold" panose="02000000000000000000" pitchFamily="50" charset="-127"/>
+              </a:rPr>
+              <a:t>1-1 </a:t>
+            </a:r>
+            <a:r>
+              <a:rPr lang="ko-KR" altLang="en-US" sz="5400" spc="-300" dirty="0">
+                <a:solidFill>
+                  <a:srgbClr val="4C50BC"/>
+                </a:solidFill>
+                <a:latin typeface="G마켓 산스 Bold" panose="02000000000000000000" pitchFamily="50" charset="-127"/>
+                <a:ea typeface="G마켓 산스 Bold" panose="02000000000000000000" pitchFamily="50" charset="-127"/>
+              </a:rPr>
+              <a:t>실습문제</a:t>
+            </a:r>
+            <a:r>
+              <a:rPr lang="en-US" altLang="ko-KR" sz="5400" spc="-300" dirty="0">
+                <a:solidFill>
+                  <a:srgbClr val="4C50BC"/>
+                </a:solidFill>
+                <a:latin typeface="G마켓 산스 Bold" panose="02000000000000000000" pitchFamily="50" charset="-127"/>
+                <a:ea typeface="G마켓 산스 Bold" panose="02000000000000000000" pitchFamily="50" charset="-127"/>
+              </a:rPr>
+              <a:t> </a:t>
+            </a:r>
+            <a:r>
+              <a:rPr lang="en-US" altLang="ko-KR" sz="5400" spc="-300" dirty="0">
+                <a:solidFill>
+                  <a:srgbClr val="FF0000"/>
+                </a:solidFill>
+                <a:latin typeface="G마켓 산스 Bold" panose="02000000000000000000" pitchFamily="50" charset="-127"/>
+                <a:ea typeface="G마켓 산스 Bold" panose="02000000000000000000" pitchFamily="50" charset="-127"/>
+              </a:rPr>
+              <a:t>(normal)</a:t>
+            </a:r>
+          </a:p>
+        </p:txBody>
+      </p:sp>
+      <p:cxnSp>
+        <p:nvCxnSpPr>
+          <p:cNvPr id="6" name="직선 연결선 5">
+            <a:extLst>
+              <a:ext uri="{FF2B5EF4-FFF2-40B4-BE49-F238E27FC236}">
+                <a16:creationId xmlns:a16="http://schemas.microsoft.com/office/drawing/2014/main" id="{6F83B7E5-7F39-FA7D-6474-4F0BE34BAB57}"/>
+              </a:ext>
+            </a:extLst>
+          </p:cNvPr>
+          <p:cNvCxnSpPr>
+            <a:cxnSpLocks/>
+          </p:cNvCxnSpPr>
+          <p:nvPr/>
+        </p:nvCxnSpPr>
+        <p:spPr>
+          <a:xfrm flipH="1" flipV="1">
+            <a:off x="-13447" y="972511"/>
+            <a:ext cx="18288000" cy="65119"/>
+          </a:xfrm>
+          <a:prstGeom prst="line">
+            <a:avLst/>
+          </a:prstGeom>
+          <a:ln w="38100">
+            <a:solidFill>
+              <a:srgbClr val="4C50BC"/>
+            </a:solidFill>
+          </a:ln>
+        </p:spPr>
+        <p:style>
+          <a:lnRef idx="1">
+            <a:schemeClr val="accent1"/>
+          </a:lnRef>
+          <a:fillRef idx="0">
+            <a:schemeClr val="accent1"/>
+          </a:fillRef>
+          <a:effectRef idx="0">
+            <a:schemeClr val="accent1"/>
+          </a:effectRef>
+          <a:fontRef idx="minor">
+            <a:schemeClr val="tx1"/>
+          </a:fontRef>
+        </p:style>
+      </p:cxnSp>
     </p:spTree>
     <p:extLst>
       <p:ext uri="{BB962C8B-B14F-4D97-AF65-F5344CB8AC3E}">
@@ -10882,54 +11312,6 @@
           <a:chExt cx="0" cy="0"/>
         </a:xfrm>
       </p:grpSpPr>
-      <p:sp>
-        <p:nvSpPr>
-          <p:cNvPr id="4" name="TextBox 3">
-            <a:extLst>
-              <a:ext uri="{FF2B5EF4-FFF2-40B4-BE49-F238E27FC236}">
-                <a16:creationId xmlns:a16="http://schemas.microsoft.com/office/drawing/2014/main" id="{5ADC00B6-990A-40DC-3CEA-505258F5E8DA}"/>
-              </a:ext>
-            </a:extLst>
-          </p:cNvPr>
-          <p:cNvSpPr txBox="1"/>
-          <p:nvPr/>
-        </p:nvSpPr>
-        <p:spPr>
-          <a:xfrm>
-            <a:off x="762000" y="266700"/>
-            <a:ext cx="3894040" cy="830997"/>
-          </a:xfrm>
-          <a:prstGeom prst="rect">
-            <a:avLst/>
-          </a:prstGeom>
-          <a:noFill/>
-        </p:spPr>
-        <p:txBody>
-          <a:bodyPr wrap="square" rtlCol="0">
-            <a:spAutoFit/>
-          </a:bodyPr>
-          <a:lstStyle/>
-          <a:p>
-            <a:r>
-              <a:rPr lang="ko-KR" altLang="en-US" sz="4800">
-                <a:solidFill>
-                  <a:srgbClr val="4C50BC"/>
-                </a:solidFill>
-                <a:latin typeface="G마켓 산스 Medium" panose="02000000000000000000" pitchFamily="50" charset="-127"/>
-                <a:ea typeface="G마켓 산스 Medium" panose="02000000000000000000" pitchFamily="50" charset="-127"/>
-              </a:rPr>
-              <a:t>정답</a:t>
-            </a:r>
-            <a:endParaRPr lang="en-US" altLang="ko-KR" sz="4800" dirty="0">
-              <a:solidFill>
-                <a:srgbClr val="4C50BC"/>
-              </a:solidFill>
-              <a:latin typeface="G마켓 산스 Medium" panose="02000000000000000000" pitchFamily="50" charset="-127"/>
-              <a:ea typeface="G마켓 산스 Medium" panose="02000000000000000000" pitchFamily="50" charset="-127"/>
-            </a:endParaRPr>
-          </a:p>
-        </p:txBody>
-      </p:sp>
       <p:pic>
         <p:nvPicPr>
           <p:cNvPr id="5" name="그림 4"/>
@@ -11145,6 +11527,120 @@
           </a:p>
         </p:txBody>
       </p:sp>
+      <p:sp>
+        <p:nvSpPr>
+          <p:cNvPr id="2" name="TextBox 1">
+            <a:extLst>
+              <a:ext uri="{FF2B5EF4-FFF2-40B4-BE49-F238E27FC236}">
+                <a16:creationId xmlns:a16="http://schemas.microsoft.com/office/drawing/2014/main" id="{770F0548-634E-4093-D570-F1C2F6CE2F23}"/>
+              </a:ext>
+            </a:extLst>
+          </p:cNvPr>
+          <p:cNvSpPr txBox="1"/>
+          <p:nvPr/>
+        </p:nvSpPr>
+        <p:spPr>
+          <a:xfrm>
+            <a:off x="304800" y="114300"/>
+            <a:ext cx="10972800" cy="923330"/>
+          </a:xfrm>
+          <a:prstGeom prst="rect">
+            <a:avLst/>
+          </a:prstGeom>
+          <a:noFill/>
+        </p:spPr>
+        <p:txBody>
+          <a:bodyPr wrap="square" rtlCol="0">
+            <a:spAutoFit/>
+          </a:bodyPr>
+          <a:lstStyle/>
+          <a:p>
+            <a:r>
+              <a:rPr lang="en-US" altLang="ko-KR" sz="5400" spc="-300" dirty="0">
+                <a:solidFill>
+                  <a:srgbClr val="4C50BC"/>
+                </a:solidFill>
+                <a:latin typeface="G마켓 산스 Bold" panose="02000000000000000000" pitchFamily="50" charset="-127"/>
+                <a:ea typeface="G마켓 산스 Bold" panose="02000000000000000000" pitchFamily="50" charset="-127"/>
+              </a:rPr>
+              <a:t>1-1 </a:t>
+            </a:r>
+            <a:r>
+              <a:rPr lang="ko-KR" altLang="en-US" sz="5400" spc="-300" dirty="0">
+                <a:solidFill>
+                  <a:srgbClr val="4C50BC"/>
+                </a:solidFill>
+                <a:latin typeface="G마켓 산스 Bold" panose="02000000000000000000" pitchFamily="50" charset="-127"/>
+                <a:ea typeface="G마켓 산스 Bold" panose="02000000000000000000" pitchFamily="50" charset="-127"/>
+              </a:rPr>
+              <a:t>문제풀이</a:t>
+            </a:r>
+            <a:r>
+              <a:rPr lang="en-US" altLang="ko-KR" sz="5400" spc="-300" dirty="0">
+                <a:solidFill>
+                  <a:srgbClr val="4C50BC"/>
+                </a:solidFill>
+                <a:latin typeface="G마켓 산스 Bold" panose="02000000000000000000" pitchFamily="50" charset="-127"/>
+                <a:ea typeface="G마켓 산스 Bold" panose="02000000000000000000" pitchFamily="50" charset="-127"/>
+              </a:rPr>
+              <a:t> </a:t>
+            </a:r>
+            <a:r>
+              <a:rPr lang="en-US" altLang="ko-KR" sz="5400" spc="-300" dirty="0">
+                <a:solidFill>
+                  <a:srgbClr val="FF0000"/>
+                </a:solidFill>
+                <a:latin typeface="G마켓 산스 Bold" panose="02000000000000000000" pitchFamily="50" charset="-127"/>
+                <a:ea typeface="G마켓 산스 Bold" panose="02000000000000000000" pitchFamily="50" charset="-127"/>
+              </a:rPr>
+              <a:t>(normal)</a:t>
+            </a:r>
+          </a:p>
+        </p:txBody>
+      </p:sp>
+      <p:cxnSp>
+        <p:nvCxnSpPr>
+          <p:cNvPr id="3" name="직선 연결선 2">
+            <a:extLst>
+              <a:ext uri="{FF2B5EF4-FFF2-40B4-BE49-F238E27FC236}">
+                <a16:creationId xmlns:a16="http://schemas.microsoft.com/office/drawing/2014/main" id="{2580270F-8DC7-18E6-61E6-A9755211FB23}"/>
+              </a:ext>
+            </a:extLst>
+          </p:cNvPr>
+          <p:cNvCxnSpPr>
+            <a:cxnSpLocks/>
+          </p:cNvCxnSpPr>
+          <p:nvPr/>
+        </p:nvCxnSpPr>
+        <p:spPr>
+          <a:xfrm flipH="1" flipV="1">
+            <a:off x="-13447" y="972511"/>
+            <a:ext cx="18288000" cy="65119"/>
+          </a:xfrm>
+          <a:prstGeom prst="line">
+            <a:avLst/>
+          </a:prstGeom>
+          <a:ln w="38100">
+            <a:solidFill>
+              <a:srgbClr val="4C50BC"/>
+            </a:solidFill>
+          </a:ln>
+        </p:spPr>
+        <p:style>
+          <a:lnRef idx="1">
+            <a:schemeClr val="accent1"/>
+          </a:lnRef>
+          <a:fillRef idx="0">
+            <a:schemeClr val="accent1"/>
+          </a:fillRef>
+          <a:effectRef idx="0">
+            <a:schemeClr val="accent1"/>
+          </a:effectRef>
+          <a:fontRef idx="minor">
+            <a:schemeClr val="tx1"/>
+          </a:fontRef>
+        </p:style>
+      </p:cxnSp>
     </p:spTree>
     <p:extLst>
       <p:ext uri="{BB962C8B-B14F-4D97-AF65-F5344CB8AC3E}">
@@ -11267,7 +11763,7 @@
         </p:nvSpPr>
         <p:spPr>
           <a:xfrm>
-            <a:off x="381000" y="114300"/>
+            <a:off x="381000" y="1104900"/>
             <a:ext cx="17526000" cy="2554545"/>
           </a:xfrm>
           <a:prstGeom prst="rect">
@@ -11282,59 +11778,46 @@
           <a:lstStyle/>
           <a:p>
             <a:r>
-              <a:rPr lang="en-US" altLang="ko-KR" sz="3200">
+              <a:rPr lang="ko-KR" altLang="en-US" sz="3200" dirty="0">
                 <a:solidFill>
                   <a:srgbClr val="4C50BC"/>
                 </a:solidFill>
                 <a:latin typeface="G마켓 산스 Medium" panose="02000000000000000000" pitchFamily="50" charset="-127"/>
                 <a:ea typeface="G마켓 산스 Medium" panose="02000000000000000000" pitchFamily="50" charset="-127"/>
               </a:rPr>
-              <a:t>1-2 </a:t>
-            </a:r>
-            <a:r>
-              <a:rPr lang="ko-KR" altLang="en-US" sz="3200">
+              <a:t>앞서 만든 </a:t>
+            </a:r>
+            <a:r>
+              <a:rPr lang="en-US" altLang="ko-KR" sz="3200" dirty="0">
                 <a:solidFill>
                   <a:srgbClr val="4C50BC"/>
                 </a:solidFill>
                 <a:latin typeface="G마켓 산스 Medium" panose="02000000000000000000" pitchFamily="50" charset="-127"/>
                 <a:ea typeface="G마켓 산스 Medium" panose="02000000000000000000" pitchFamily="50" charset="-127"/>
               </a:rPr>
-              <a:t>앞서 만든 </a:t>
-            </a:r>
-            <a:r>
-              <a:rPr lang="en-US" altLang="ko-KR" sz="3200">
+              <a:t>Person </a:t>
+            </a:r>
+            <a:r>
+              <a:rPr lang="ko-KR" altLang="en-US" sz="3200" dirty="0">
                 <a:solidFill>
                   <a:srgbClr val="4C50BC"/>
                 </a:solidFill>
                 <a:latin typeface="G마켓 산스 Medium" panose="02000000000000000000" pitchFamily="50" charset="-127"/>
                 <a:ea typeface="G마켓 산스 Medium" panose="02000000000000000000" pitchFamily="50" charset="-127"/>
               </a:rPr>
-              <a:t>Person </a:t>
-            </a:r>
-            <a:r>
-              <a:rPr lang="ko-KR" altLang="en-US" sz="3200">
-                <a:solidFill>
-                  <a:srgbClr val="4C50BC"/>
-                </a:solidFill>
-                <a:latin typeface="G마켓 산스 Medium" panose="02000000000000000000" pitchFamily="50" charset="-127"/>
-                <a:ea typeface="G마켓 산스 Medium" panose="02000000000000000000" pitchFamily="50" charset="-127"/>
-              </a:rPr>
               <a:t>클래스에 기능을 추가해보자</a:t>
             </a:r>
-            <a:r>
-              <a:rPr lang="en-US" altLang="ko-KR" sz="3200">
-                <a:solidFill>
-                  <a:srgbClr val="FF0000"/>
-                </a:solidFill>
-                <a:latin typeface="G마켓 산스 Medium" panose="02000000000000000000" pitchFamily="50" charset="-127"/>
-                <a:ea typeface="G마켓 산스 Medium" panose="02000000000000000000" pitchFamily="50" charset="-127"/>
-              </a:rPr>
-              <a:t>(hard)</a:t>
-            </a:r>
+            <a:endParaRPr lang="en-US" altLang="ko-KR" sz="3200" dirty="0">
+              <a:solidFill>
+                <a:srgbClr val="FF0000"/>
+              </a:solidFill>
+              <a:latin typeface="G마켓 산스 Medium" panose="02000000000000000000" pitchFamily="50" charset="-127"/>
+              <a:ea typeface="G마켓 산스 Medium" panose="02000000000000000000" pitchFamily="50" charset="-127"/>
+            </a:endParaRPr>
           </a:p>
           <a:p>
             <a:r>
-              <a:rPr lang="en-US" altLang="ko-KR" sz="3200">
+              <a:rPr lang="en-US" altLang="ko-KR" sz="3200" dirty="0">
                 <a:solidFill>
                   <a:schemeClr val="bg1">
                     <a:lumMod val="50000"/>
@@ -11346,7 +11829,7 @@
               <a:t>-  </a:t>
             </a:r>
             <a:r>
-              <a:rPr lang="ko-KR" altLang="en-US" sz="3200">
+              <a:rPr lang="ko-KR" altLang="en-US" sz="3200" dirty="0">
                 <a:solidFill>
                   <a:schemeClr val="bg1">
                     <a:lumMod val="50000"/>
@@ -11358,7 +11841,7 @@
               <a:t>멤버 메서드 </a:t>
             </a:r>
             <a:r>
-              <a:rPr lang="en-US" altLang="ko-KR" sz="3200">
+              <a:rPr lang="en-US" altLang="ko-KR" sz="3200" dirty="0">
                 <a:solidFill>
                   <a:schemeClr val="bg1">
                     <a:lumMod val="50000"/>
@@ -11367,10 +11850,10 @@
                 <a:latin typeface="G마켓 산스 Medium" panose="02000000000000000000" pitchFamily="50" charset="-127"/>
                 <a:ea typeface="G마켓 산스 Medium" panose="02000000000000000000" pitchFamily="50" charset="-127"/>
               </a:rPr>
-              <a:t>: void showState()          </a:t>
-            </a:r>
-            <a:r>
-              <a:rPr lang="ko-KR" altLang="en-US" sz="3200">
+              <a:t>: void </a:t>
+            </a:r>
+            <a:r>
+              <a:rPr lang="en-US" altLang="ko-KR" sz="3200" dirty="0" err="1">
                 <a:solidFill>
                   <a:schemeClr val="bg1">
                     <a:lumMod val="50000"/>
@@ -11379,9 +11862,33 @@
                 <a:latin typeface="G마켓 산스 Medium" panose="02000000000000000000" pitchFamily="50" charset="-127"/>
                 <a:ea typeface="G마켓 산스 Medium" panose="02000000000000000000" pitchFamily="50" charset="-127"/>
               </a:rPr>
+              <a:t>showState</a:t>
+            </a:r>
+            <a:r>
+              <a:rPr lang="en-US" altLang="ko-KR" sz="3200" dirty="0">
+                <a:solidFill>
+                  <a:schemeClr val="bg1">
+                    <a:lumMod val="50000"/>
+                  </a:schemeClr>
+                </a:solidFill>
+                <a:latin typeface="G마켓 산스 Medium" panose="02000000000000000000" pitchFamily="50" charset="-127"/>
+                <a:ea typeface="G마켓 산스 Medium" panose="02000000000000000000" pitchFamily="50" charset="-127"/>
+              </a:rPr>
+              <a:t>()          </a:t>
+            </a:r>
+            <a:r>
+              <a:rPr lang="ko-KR" altLang="en-US" sz="3200" dirty="0">
+                <a:solidFill>
+                  <a:schemeClr val="bg1">
+                    <a:lumMod val="50000"/>
+                  </a:schemeClr>
+                </a:solidFill>
+                <a:latin typeface="G마켓 산스 Medium" panose="02000000000000000000" pitchFamily="50" charset="-127"/>
+                <a:ea typeface="G마켓 산스 Medium" panose="02000000000000000000" pitchFamily="50" charset="-127"/>
+              </a:rPr>
               <a:t>이름과 주민번호를 출력한다</a:t>
             </a:r>
-            <a:endParaRPr lang="en-US" altLang="ko-KR" sz="3200">
+            <a:endParaRPr lang="en-US" altLang="ko-KR" sz="3200" dirty="0">
               <a:solidFill>
                 <a:schemeClr val="bg1">
                   <a:lumMod val="50000"/>
@@ -11393,7 +11900,7 @@
           </a:p>
           <a:p>
             <a:r>
-              <a:rPr lang="en-US" altLang="ko-KR" sz="3200">
+              <a:rPr lang="en-US" altLang="ko-KR" sz="3200" dirty="0">
                 <a:solidFill>
                   <a:schemeClr val="bg1">
                     <a:lumMod val="50000"/>
@@ -11402,10 +11909,10 @@
                 <a:latin typeface="G마켓 산스 Medium" panose="02000000000000000000" pitchFamily="50" charset="-127"/>
                 <a:ea typeface="G마켓 산스 Medium" panose="02000000000000000000" pitchFamily="50" charset="-127"/>
               </a:rPr>
-              <a:t>                         String getGender()     </a:t>
-            </a:r>
-            <a:r>
-              <a:rPr lang="ko-KR" altLang="en-US" sz="3200">
+              <a:t>                      String </a:t>
+            </a:r>
+            <a:r>
+              <a:rPr lang="en-US" altLang="ko-KR" sz="3200" dirty="0" err="1">
                 <a:solidFill>
                   <a:schemeClr val="bg1">
                     <a:lumMod val="50000"/>
@@ -11414,10 +11921,34 @@
                 <a:latin typeface="G마켓 산스 Medium" panose="02000000000000000000" pitchFamily="50" charset="-127"/>
                 <a:ea typeface="G마켓 산스 Medium" panose="02000000000000000000" pitchFamily="50" charset="-127"/>
               </a:rPr>
+              <a:t>getGender</a:t>
+            </a:r>
+            <a:r>
+              <a:rPr lang="en-US" altLang="ko-KR" sz="3200" dirty="0">
+                <a:solidFill>
+                  <a:schemeClr val="bg1">
+                    <a:lumMod val="50000"/>
+                  </a:schemeClr>
+                </a:solidFill>
+                <a:latin typeface="G마켓 산스 Medium" panose="02000000000000000000" pitchFamily="50" charset="-127"/>
+                <a:ea typeface="G마켓 산스 Medium" panose="02000000000000000000" pitchFamily="50" charset="-127"/>
+              </a:rPr>
+              <a:t>()     </a:t>
+            </a:r>
+            <a:r>
+              <a:rPr lang="ko-KR" altLang="en-US" sz="3200" dirty="0">
+                <a:solidFill>
+                  <a:schemeClr val="bg1">
+                    <a:lumMod val="50000"/>
+                  </a:schemeClr>
+                </a:solidFill>
+                <a:latin typeface="G마켓 산스 Medium" panose="02000000000000000000" pitchFamily="50" charset="-127"/>
+                <a:ea typeface="G마켓 산스 Medium" panose="02000000000000000000" pitchFamily="50" charset="-127"/>
+              </a:rPr>
               <a:t>주민번호를 이용해 성별을 반환한다</a:t>
             </a:r>
             <a:r>
-              <a:rPr lang="en-US" altLang="ko-KR" sz="3200">
+              <a:rPr lang="en-US" altLang="ko-KR" sz="3200" dirty="0">
                 <a:solidFill>
                   <a:schemeClr val="bg1">
                     <a:lumMod val="50000"/>
@@ -11435,7 +11966,7 @@
               <a:buChar char="-"/>
             </a:pPr>
             <a:r>
-              <a:rPr lang="ko-KR" altLang="en-US" sz="3200">
+              <a:rPr lang="ko-KR" altLang="en-US" sz="3200" dirty="0">
                 <a:solidFill>
                   <a:schemeClr val="bg1">
                     <a:lumMod val="50000"/>
@@ -11444,10 +11975,10 @@
                 <a:latin typeface="G마켓 산스 Medium" panose="02000000000000000000" pitchFamily="50" charset="-127"/>
                 <a:ea typeface="G마켓 산스 Medium" panose="02000000000000000000" pitchFamily="50" charset="-127"/>
               </a:rPr>
-              <a:t>앞서만든 </a:t>
-            </a:r>
-            <a:r>
-              <a:rPr lang="en-US" altLang="ko-KR" sz="3200">
+              <a:t>앞서 만든 </a:t>
+            </a:r>
+            <a:r>
+              <a:rPr lang="en-US" altLang="ko-KR" sz="3200" dirty="0" err="1">
                 <a:solidFill>
                   <a:schemeClr val="bg1">
                     <a:lumMod val="50000"/>
@@ -11456,10 +11987,10 @@
                 <a:latin typeface="G마켓 산스 Medium" panose="02000000000000000000" pitchFamily="50" charset="-127"/>
                 <a:ea typeface="G마켓 산스 Medium" panose="02000000000000000000" pitchFamily="50" charset="-127"/>
               </a:rPr>
-              <a:t>showState </a:t>
-            </a:r>
-            <a:r>
-              <a:rPr lang="ko-KR" altLang="en-US" sz="3200">
+              <a:t>showState</a:t>
+            </a:r>
+            <a:r>
+              <a:rPr lang="en-US" altLang="ko-KR" sz="3200" dirty="0">
                 <a:solidFill>
                   <a:schemeClr val="bg1">
                     <a:lumMod val="50000"/>
@@ -11468,10 +11999,10 @@
                 <a:latin typeface="G마켓 산스 Medium" panose="02000000000000000000" pitchFamily="50" charset="-127"/>
                 <a:ea typeface="G마켓 산스 Medium" panose="02000000000000000000" pitchFamily="50" charset="-127"/>
               </a:rPr>
-              <a:t>메서드 내부에서 </a:t>
-            </a:r>
-            <a:r>
-              <a:rPr lang="en-US" altLang="ko-KR" sz="3200">
+              <a:t> </a:t>
+            </a:r>
+            <a:r>
+              <a:rPr lang="ko-KR" altLang="en-US" sz="3200" dirty="0">
                 <a:solidFill>
                   <a:schemeClr val="bg1">
                     <a:lumMod val="50000"/>
@@ -11480,10 +12011,10 @@
                 <a:latin typeface="G마켓 산스 Medium" panose="02000000000000000000" pitchFamily="50" charset="-127"/>
                 <a:ea typeface="G마켓 산스 Medium" panose="02000000000000000000" pitchFamily="50" charset="-127"/>
               </a:rPr>
-              <a:t>getGender() </a:t>
-            </a:r>
-            <a:r>
-              <a:rPr lang="ko-KR" altLang="en-US" sz="3200">
+              <a:t>메서드 내부에서 </a:t>
+            </a:r>
+            <a:r>
+              <a:rPr lang="en-US" altLang="ko-KR" sz="3200" dirty="0" err="1">
                 <a:solidFill>
                   <a:schemeClr val="bg1">
                     <a:lumMod val="50000"/>
@@ -11492,9 +12023,33 @@
                 <a:latin typeface="G마켓 산스 Medium" panose="02000000000000000000" pitchFamily="50" charset="-127"/>
                 <a:ea typeface="G마켓 산스 Medium" panose="02000000000000000000" pitchFamily="50" charset="-127"/>
               </a:rPr>
+              <a:t>getGender</a:t>
+            </a:r>
+            <a:r>
+              <a:rPr lang="en-US" altLang="ko-KR" sz="3200" dirty="0">
+                <a:solidFill>
+                  <a:schemeClr val="bg1">
+                    <a:lumMod val="50000"/>
+                  </a:schemeClr>
+                </a:solidFill>
+                <a:latin typeface="G마켓 산스 Medium" panose="02000000000000000000" pitchFamily="50" charset="-127"/>
+                <a:ea typeface="G마켓 산스 Medium" panose="02000000000000000000" pitchFamily="50" charset="-127"/>
+              </a:rPr>
+              <a:t>() </a:t>
+            </a:r>
+            <a:r>
+              <a:rPr lang="ko-KR" altLang="en-US" sz="3200" dirty="0">
+                <a:solidFill>
+                  <a:schemeClr val="bg1">
+                    <a:lumMod val="50000"/>
+                  </a:schemeClr>
+                </a:solidFill>
+                <a:latin typeface="G마켓 산스 Medium" panose="02000000000000000000" pitchFamily="50" charset="-127"/>
+                <a:ea typeface="G마켓 산스 Medium" panose="02000000000000000000" pitchFamily="50" charset="-127"/>
+              </a:rPr>
               <a:t>메서드를 이용해 성별도 같이 </a:t>
             </a:r>
-            <a:endParaRPr lang="en-US" altLang="ko-KR" sz="3200">
+            <a:endParaRPr lang="en-US" altLang="ko-KR" sz="3200" dirty="0">
               <a:solidFill>
                 <a:schemeClr val="bg1">
                   <a:lumMod val="50000"/>
@@ -11506,7 +12061,7 @@
           </a:p>
           <a:p>
             <a:r>
-              <a:rPr lang="en-US" altLang="ko-KR" sz="3200">
+              <a:rPr lang="en-US" altLang="ko-KR" sz="3200" dirty="0">
                 <a:solidFill>
                   <a:schemeClr val="bg1">
                     <a:lumMod val="50000"/>
@@ -11518,7 +12073,7 @@
               <a:t>    </a:t>
             </a:r>
             <a:r>
-              <a:rPr lang="ko-KR" altLang="en-US" sz="3200">
+              <a:rPr lang="ko-KR" altLang="en-US" sz="3200" dirty="0">
                 <a:solidFill>
                   <a:schemeClr val="bg1">
                     <a:lumMod val="50000"/>
@@ -11529,7 +12084,7 @@
               </a:rPr>
               <a:t>나오도록 하자</a:t>
             </a:r>
-            <a:endParaRPr lang="en-US" altLang="ko-KR" sz="3200">
+            <a:endParaRPr lang="en-US" altLang="ko-KR" sz="3200" dirty="0">
               <a:solidFill>
                 <a:srgbClr val="4C50BC"/>
               </a:solidFill>
@@ -11562,7 +12117,7 @@
         </p:blipFill>
         <p:spPr bwMode="auto">
           <a:xfrm>
-            <a:off x="533400" y="2781300"/>
+            <a:off x="533400" y="4695712"/>
             <a:ext cx="6313116" cy="4267200"/>
           </a:xfrm>
           <a:prstGeom prst="rect">
@@ -11596,7 +12151,7 @@
         </p:blipFill>
         <p:spPr>
           <a:xfrm>
-            <a:off x="7924800" y="2247900"/>
+            <a:off x="7924800" y="4162312"/>
             <a:ext cx="6273779" cy="5705588"/>
           </a:xfrm>
           <a:prstGeom prst="rect">
@@ -11604,6 +12159,120 @@
           </a:prstGeom>
         </p:spPr>
       </p:pic>
+      <p:sp>
+        <p:nvSpPr>
+          <p:cNvPr id="2" name="TextBox 1">
+            <a:extLst>
+              <a:ext uri="{FF2B5EF4-FFF2-40B4-BE49-F238E27FC236}">
+                <a16:creationId xmlns:a16="http://schemas.microsoft.com/office/drawing/2014/main" id="{44AFB792-5C7A-3697-3B54-B061C83EA420}"/>
+              </a:ext>
+            </a:extLst>
+          </p:cNvPr>
+          <p:cNvSpPr txBox="1"/>
+          <p:nvPr/>
+        </p:nvSpPr>
+        <p:spPr>
+          <a:xfrm>
+            <a:off x="304800" y="114300"/>
+            <a:ext cx="10972800" cy="923330"/>
+          </a:xfrm>
+          <a:prstGeom prst="rect">
+            <a:avLst/>
+          </a:prstGeom>
+          <a:noFill/>
+        </p:spPr>
+        <p:txBody>
+          <a:bodyPr wrap="square" rtlCol="0">
+            <a:spAutoFit/>
+          </a:bodyPr>
+          <a:lstStyle/>
+          <a:p>
+            <a:r>
+              <a:rPr lang="en-US" altLang="ko-KR" sz="5400" spc="-300" dirty="0">
+                <a:solidFill>
+                  <a:srgbClr val="4C50BC"/>
+                </a:solidFill>
+                <a:latin typeface="G마켓 산스 Bold" panose="02000000000000000000" pitchFamily="50" charset="-127"/>
+                <a:ea typeface="G마켓 산스 Bold" panose="02000000000000000000" pitchFamily="50" charset="-127"/>
+              </a:rPr>
+              <a:t>1-2 </a:t>
+            </a:r>
+            <a:r>
+              <a:rPr lang="ko-KR" altLang="en-US" sz="5400" spc="-300" dirty="0">
+                <a:solidFill>
+                  <a:srgbClr val="4C50BC"/>
+                </a:solidFill>
+                <a:latin typeface="G마켓 산스 Bold" panose="02000000000000000000" pitchFamily="50" charset="-127"/>
+                <a:ea typeface="G마켓 산스 Bold" panose="02000000000000000000" pitchFamily="50" charset="-127"/>
+              </a:rPr>
+              <a:t>실습문제</a:t>
+            </a:r>
+            <a:r>
+              <a:rPr lang="en-US" altLang="ko-KR" sz="5400" spc="-300" dirty="0">
+                <a:solidFill>
+                  <a:srgbClr val="4C50BC"/>
+                </a:solidFill>
+                <a:latin typeface="G마켓 산스 Bold" panose="02000000000000000000" pitchFamily="50" charset="-127"/>
+                <a:ea typeface="G마켓 산스 Bold" panose="02000000000000000000" pitchFamily="50" charset="-127"/>
+              </a:rPr>
+              <a:t> </a:t>
+            </a:r>
+            <a:r>
+              <a:rPr lang="en-US" altLang="ko-KR" sz="5400" spc="-300" dirty="0">
+                <a:solidFill>
+                  <a:srgbClr val="FF0000"/>
+                </a:solidFill>
+                <a:latin typeface="G마켓 산스 Bold" panose="02000000000000000000" pitchFamily="50" charset="-127"/>
+                <a:ea typeface="G마켓 산스 Bold" panose="02000000000000000000" pitchFamily="50" charset="-127"/>
+              </a:rPr>
+              <a:t>(hard)</a:t>
+            </a:r>
+          </a:p>
+        </p:txBody>
+      </p:sp>
+      <p:cxnSp>
+        <p:nvCxnSpPr>
+          <p:cNvPr id="5" name="직선 연결선 4">
+            <a:extLst>
+              <a:ext uri="{FF2B5EF4-FFF2-40B4-BE49-F238E27FC236}">
+                <a16:creationId xmlns:a16="http://schemas.microsoft.com/office/drawing/2014/main" id="{D830601E-E96B-B795-2943-78DA2411AADB}"/>
+              </a:ext>
+            </a:extLst>
+          </p:cNvPr>
+          <p:cNvCxnSpPr>
+            <a:cxnSpLocks/>
+          </p:cNvCxnSpPr>
+          <p:nvPr/>
+        </p:nvCxnSpPr>
+        <p:spPr>
+          <a:xfrm flipH="1" flipV="1">
+            <a:off x="-13447" y="972511"/>
+            <a:ext cx="18288000" cy="65119"/>
+          </a:xfrm>
+          <a:prstGeom prst="line">
+            <a:avLst/>
+          </a:prstGeom>
+          <a:ln w="38100">
+            <a:solidFill>
+              <a:srgbClr val="4C50BC"/>
+            </a:solidFill>
+          </a:ln>
+        </p:spPr>
+        <p:style>
+          <a:lnRef idx="1">
+            <a:schemeClr val="accent1"/>
+          </a:lnRef>
+          <a:fillRef idx="0">
+            <a:schemeClr val="accent1"/>
+          </a:fillRef>
+          <a:effectRef idx="0">
+            <a:schemeClr val="accent1"/>
+          </a:effectRef>
+          <a:fontRef idx="minor">
+            <a:schemeClr val="tx1"/>
+          </a:fontRef>
+        </p:style>
+      </p:cxnSp>
     </p:spTree>
     <p:extLst>
       <p:ext uri="{BB962C8B-B14F-4D97-AF65-F5344CB8AC3E}">
@@ -11650,7 +12319,7 @@
         </p:blipFill>
         <p:spPr>
           <a:xfrm>
-            <a:off x="904874" y="1074836"/>
+            <a:off x="904874" y="1608236"/>
             <a:ext cx="6105525" cy="5083883"/>
           </a:xfrm>
           <a:prstGeom prst="rect">
@@ -11658,54 +12327,6 @@
           </a:prstGeom>
         </p:spPr>
       </p:pic>
-      <p:sp>
-        <p:nvSpPr>
-          <p:cNvPr id="4" name="TextBox 3">
-            <a:extLst>
-              <a:ext uri="{FF2B5EF4-FFF2-40B4-BE49-F238E27FC236}">
-                <a16:creationId xmlns:a16="http://schemas.microsoft.com/office/drawing/2014/main" id="{5ADC00B6-990A-40DC-3CEA-505258F5E8DA}"/>
-              </a:ext>
-            </a:extLst>
-          </p:cNvPr>
-          <p:cNvSpPr txBox="1"/>
-          <p:nvPr/>
-        </p:nvSpPr>
-        <p:spPr>
-          <a:xfrm>
-            <a:off x="762000" y="266700"/>
-            <a:ext cx="3894040" cy="830997"/>
-          </a:xfrm>
-          <a:prstGeom prst="rect">
-            <a:avLst/>
-          </a:prstGeom>
-          <a:noFill/>
-        </p:spPr>
-        <p:txBody>
-          <a:bodyPr wrap="square" rtlCol="0">
-            <a:spAutoFit/>
-          </a:bodyPr>
-          <a:lstStyle/>
-          <a:p>
-            <a:r>
-              <a:rPr lang="ko-KR" altLang="en-US" sz="4800">
-                <a:solidFill>
-                  <a:srgbClr val="4C50BC"/>
-                </a:solidFill>
-                <a:latin typeface="G마켓 산스 Medium" panose="02000000000000000000" pitchFamily="50" charset="-127"/>
-                <a:ea typeface="G마켓 산스 Medium" panose="02000000000000000000" pitchFamily="50" charset="-127"/>
-              </a:rPr>
-              <a:t>정답</a:t>
-            </a:r>
-            <a:endParaRPr lang="en-US" altLang="ko-KR" sz="4800" dirty="0">
-              <a:solidFill>
-                <a:srgbClr val="4C50BC"/>
-              </a:solidFill>
-              <a:latin typeface="G마켓 산스 Medium" panose="02000000000000000000" pitchFamily="50" charset="-127"/>
-              <a:ea typeface="G마켓 산스 Medium" panose="02000000000000000000" pitchFamily="50" charset="-127"/>
-            </a:endParaRPr>
-          </a:p>
-        </p:txBody>
-      </p:sp>
       <p:sp>
         <p:nvSpPr>
           <p:cNvPr id="6" name="TextBox 5">
@@ -11720,7 +12341,7 @@
         </p:nvSpPr>
         <p:spPr>
           <a:xfrm>
-            <a:off x="7848600" y="1982569"/>
+            <a:off x="7848600" y="2515969"/>
             <a:ext cx="8380980" cy="646331"/>
           </a:xfrm>
           <a:prstGeom prst="rect">
@@ -11780,7 +12401,7 @@
         </p:nvCxnSpPr>
         <p:spPr>
           <a:xfrm flipV="1">
-            <a:off x="6760698" y="2247899"/>
+            <a:off x="6760698" y="2781299"/>
             <a:ext cx="1011702" cy="1"/>
           </a:xfrm>
           <a:prstGeom prst="straightConnector1">
@@ -11820,7 +12441,7 @@
         </p:blipFill>
         <p:spPr>
           <a:xfrm>
-            <a:off x="762000" y="6703500"/>
+            <a:off x="762000" y="7236900"/>
             <a:ext cx="15423488" cy="1820230"/>
           </a:xfrm>
           <a:prstGeom prst="rect">
@@ -11842,7 +12463,7 @@
         </p:nvSpPr>
         <p:spPr>
           <a:xfrm>
-            <a:off x="7010399" y="3097797"/>
+            <a:off x="7010399" y="3631197"/>
             <a:ext cx="8380980" cy="646331"/>
           </a:xfrm>
           <a:prstGeom prst="rect">
@@ -11892,7 +12513,7 @@
         </p:nvCxnSpPr>
         <p:spPr>
           <a:xfrm flipV="1">
-            <a:off x="5922497" y="3363127"/>
+            <a:off x="5922497" y="3896527"/>
             <a:ext cx="1011702" cy="1"/>
           </a:xfrm>
           <a:prstGeom prst="straightConnector1">
@@ -11931,7 +12552,7 @@
         </p:nvSpPr>
         <p:spPr>
           <a:xfrm>
-            <a:off x="5181600" y="4243384"/>
+            <a:off x="5181600" y="4776784"/>
             <a:ext cx="8380980" cy="646331"/>
           </a:xfrm>
           <a:prstGeom prst="rect">
@@ -11981,7 +12602,7 @@
         </p:nvCxnSpPr>
         <p:spPr>
           <a:xfrm flipV="1">
-            <a:off x="4093698" y="4508714"/>
+            <a:off x="4093698" y="5042114"/>
             <a:ext cx="1011702" cy="1"/>
           </a:xfrm>
           <a:prstGeom prst="straightConnector1">
@@ -12020,7 +12641,7 @@
         </p:nvSpPr>
         <p:spPr>
           <a:xfrm>
-            <a:off x="4093698" y="5435082"/>
+            <a:off x="4093698" y="5968482"/>
             <a:ext cx="8380980" cy="646331"/>
           </a:xfrm>
           <a:prstGeom prst="rect">
@@ -12080,7 +12701,7 @@
         </p:nvCxnSpPr>
         <p:spPr>
           <a:xfrm flipV="1">
-            <a:off x="3005796" y="5700412"/>
+            <a:off x="3005796" y="6233812"/>
             <a:ext cx="1011702" cy="1"/>
           </a:xfrm>
           <a:prstGeom prst="straightConnector1">
@@ -12119,7 +12740,7 @@
         </p:nvSpPr>
         <p:spPr>
           <a:xfrm>
-            <a:off x="3485856" y="8846099"/>
+            <a:off x="3485856" y="9379499"/>
             <a:ext cx="14802144" cy="646331"/>
           </a:xfrm>
           <a:prstGeom prst="rect">
@@ -12199,7 +12820,7 @@
         </p:nvCxnSpPr>
         <p:spPr>
           <a:xfrm flipH="1">
-            <a:off x="14401290" y="8039102"/>
+            <a:off x="14401290" y="8572502"/>
             <a:ext cx="484238" cy="634088"/>
           </a:xfrm>
           <a:prstGeom prst="straightConnector1">
@@ -12238,8 +12859,8 @@
         </p:nvSpPr>
         <p:spPr>
           <a:xfrm>
-            <a:off x="1143000" y="1103739"/>
-            <a:ext cx="16383000" cy="8535561"/>
+            <a:off x="762000" y="1637139"/>
+            <a:ext cx="16764000" cy="8535561"/>
           </a:xfrm>
           <a:prstGeom prst="rect">
             <a:avLst/>
@@ -12276,6 +12897,120 @@
           </a:p>
         </p:txBody>
       </p:sp>
+      <p:sp>
+        <p:nvSpPr>
+          <p:cNvPr id="5" name="TextBox 4">
+            <a:extLst>
+              <a:ext uri="{FF2B5EF4-FFF2-40B4-BE49-F238E27FC236}">
+                <a16:creationId xmlns:a16="http://schemas.microsoft.com/office/drawing/2014/main" id="{9B75B127-C341-157C-280E-8CC485BFFBBB}"/>
+              </a:ext>
+            </a:extLst>
+          </p:cNvPr>
+          <p:cNvSpPr txBox="1"/>
+          <p:nvPr/>
+        </p:nvSpPr>
+        <p:spPr>
+          <a:xfrm>
+            <a:off x="304800" y="114300"/>
+            <a:ext cx="10972800" cy="923330"/>
+          </a:xfrm>
+          <a:prstGeom prst="rect">
+            <a:avLst/>
+          </a:prstGeom>
+          <a:noFill/>
+        </p:spPr>
+        <p:txBody>
+          <a:bodyPr wrap="square" rtlCol="0">
+            <a:spAutoFit/>
+          </a:bodyPr>
+          <a:lstStyle/>
+          <a:p>
+            <a:r>
+              <a:rPr lang="en-US" altLang="ko-KR" sz="5400" spc="-300" dirty="0">
+                <a:solidFill>
+                  <a:srgbClr val="4C50BC"/>
+                </a:solidFill>
+                <a:latin typeface="G마켓 산스 Bold" panose="02000000000000000000" pitchFamily="50" charset="-127"/>
+                <a:ea typeface="G마켓 산스 Bold" panose="02000000000000000000" pitchFamily="50" charset="-127"/>
+              </a:rPr>
+              <a:t>1-2 </a:t>
+            </a:r>
+            <a:r>
+              <a:rPr lang="ko-KR" altLang="en-US" sz="5400" spc="-300" dirty="0">
+                <a:solidFill>
+                  <a:srgbClr val="4C50BC"/>
+                </a:solidFill>
+                <a:latin typeface="G마켓 산스 Bold" panose="02000000000000000000" pitchFamily="50" charset="-127"/>
+                <a:ea typeface="G마켓 산스 Bold" panose="02000000000000000000" pitchFamily="50" charset="-127"/>
+              </a:rPr>
+              <a:t>문제풀이</a:t>
+            </a:r>
+            <a:r>
+              <a:rPr lang="en-US" altLang="ko-KR" sz="5400" spc="-300" dirty="0">
+                <a:solidFill>
+                  <a:srgbClr val="4C50BC"/>
+                </a:solidFill>
+                <a:latin typeface="G마켓 산스 Bold" panose="02000000000000000000" pitchFamily="50" charset="-127"/>
+                <a:ea typeface="G마켓 산스 Bold" panose="02000000000000000000" pitchFamily="50" charset="-127"/>
+              </a:rPr>
+              <a:t> </a:t>
+            </a:r>
+            <a:r>
+              <a:rPr lang="en-US" altLang="ko-KR" sz="5400" spc="-300" dirty="0">
+                <a:solidFill>
+                  <a:srgbClr val="FF0000"/>
+                </a:solidFill>
+                <a:latin typeface="G마켓 산스 Bold" panose="02000000000000000000" pitchFamily="50" charset="-127"/>
+                <a:ea typeface="G마켓 산스 Bold" panose="02000000000000000000" pitchFamily="50" charset="-127"/>
+              </a:rPr>
+              <a:t>(hard)</a:t>
+            </a:r>
+          </a:p>
+        </p:txBody>
+      </p:sp>
+      <p:cxnSp>
+        <p:nvCxnSpPr>
+          <p:cNvPr id="8" name="직선 연결선 7">
+            <a:extLst>
+              <a:ext uri="{FF2B5EF4-FFF2-40B4-BE49-F238E27FC236}">
+                <a16:creationId xmlns:a16="http://schemas.microsoft.com/office/drawing/2014/main" id="{9C7E54FA-4D1A-1A12-121B-0ACCB5CEF07F}"/>
+              </a:ext>
+            </a:extLst>
+          </p:cNvPr>
+          <p:cNvCxnSpPr>
+            <a:cxnSpLocks/>
+          </p:cNvCxnSpPr>
+          <p:nvPr/>
+        </p:nvCxnSpPr>
+        <p:spPr>
+          <a:xfrm flipH="1" flipV="1">
+            <a:off x="-13447" y="972511"/>
+            <a:ext cx="18288000" cy="65119"/>
+          </a:xfrm>
+          <a:prstGeom prst="line">
+            <a:avLst/>
+          </a:prstGeom>
+          <a:ln w="38100">
+            <a:solidFill>
+              <a:srgbClr val="4C50BC"/>
+            </a:solidFill>
+          </a:ln>
+        </p:spPr>
+        <p:style>
+          <a:lnRef idx="1">
+            <a:schemeClr val="accent1"/>
+          </a:lnRef>
+          <a:fillRef idx="0">
+            <a:schemeClr val="accent1"/>
+          </a:fillRef>
+          <a:effectRef idx="0">
+            <a:schemeClr val="accent1"/>
+          </a:effectRef>
+          <a:fontRef idx="minor">
+            <a:schemeClr val="tx1"/>
+          </a:fontRef>
+        </p:style>
+      </p:cxnSp>
     </p:spTree>
     <p:extLst>
       <p:ext uri="{BB962C8B-B14F-4D97-AF65-F5344CB8AC3E}">
@@ -12400,7 +13135,7 @@
         </p:blipFill>
         <p:spPr>
           <a:xfrm>
-            <a:off x="9601200" y="2552700"/>
+            <a:off x="9601200" y="3543300"/>
             <a:ext cx="5334000" cy="3602383"/>
           </a:xfrm>
           <a:prstGeom prst="rect">
@@ -12424,7 +13159,7 @@
         </p:blipFill>
         <p:spPr>
           <a:xfrm>
-            <a:off x="1905000" y="2734926"/>
+            <a:off x="1905000" y="3725526"/>
             <a:ext cx="5132466" cy="3497470"/>
           </a:xfrm>
           <a:prstGeom prst="rect">
@@ -12446,7 +13181,7 @@
         </p:nvSpPr>
         <p:spPr>
           <a:xfrm>
-            <a:off x="3810000" y="7048500"/>
+            <a:off x="3810000" y="8039100"/>
             <a:ext cx="12954000" cy="830997"/>
           </a:xfrm>
           <a:prstGeom prst="rect">
@@ -12524,7 +13259,7 @@
         </p:nvSpPr>
         <p:spPr>
           <a:xfrm>
-            <a:off x="1143000" y="1760794"/>
+            <a:off x="1143000" y="2751394"/>
             <a:ext cx="15163800" cy="6659306"/>
           </a:xfrm>
           <a:prstGeom prst="rect">
@@ -12564,10 +13299,10 @@
       </p:sp>
       <p:sp>
         <p:nvSpPr>
-          <p:cNvPr id="9" name="TextBox 8">
+          <p:cNvPr id="2" name="TextBox 1">
             <a:extLst>
               <a:ext uri="{FF2B5EF4-FFF2-40B4-BE49-F238E27FC236}">
-                <a16:creationId xmlns:a16="http://schemas.microsoft.com/office/drawing/2014/main" id="{5ADC00B6-990A-40DC-3CEA-505258F5E8DA}"/>
+                <a16:creationId xmlns:a16="http://schemas.microsoft.com/office/drawing/2014/main" id="{E803E72E-9E92-FB7C-50A7-0D29E0D0CC77}"/>
               </a:ext>
             </a:extLst>
           </p:cNvPr>
@@ -12576,8 +13311,8 @@
         </p:nvSpPr>
         <p:spPr>
           <a:xfrm>
-            <a:off x="762000" y="266700"/>
-            <a:ext cx="3894040" cy="830997"/>
+            <a:off x="304800" y="114300"/>
+            <a:ext cx="10972800" cy="923330"/>
           </a:xfrm>
           <a:prstGeom prst="rect">
             <a:avLst/>
@@ -12591,25 +13326,91 @@
           <a:lstStyle/>
           <a:p>
             <a:r>
-              <a:rPr lang="ko-KR" altLang="en-US" sz="4800">
+              <a:rPr lang="en-US" altLang="ko-KR" sz="5400" spc="-300" dirty="0">
                 <a:solidFill>
                   <a:srgbClr val="4C50BC"/>
                 </a:solidFill>
-                <a:latin typeface="G마켓 산스 Medium" panose="02000000000000000000" pitchFamily="50" charset="-127"/>
-                <a:ea typeface="G마켓 산스 Medium" panose="02000000000000000000" pitchFamily="50" charset="-127"/>
-              </a:rPr>
-              <a:t>정답</a:t>
-            </a:r>
-            <a:endParaRPr lang="en-US" altLang="ko-KR" sz="4800" dirty="0">
-              <a:solidFill>
-                <a:srgbClr val="4C50BC"/>
-              </a:solidFill>
-              <a:latin typeface="G마켓 산스 Medium" panose="02000000000000000000" pitchFamily="50" charset="-127"/>
-              <a:ea typeface="G마켓 산스 Medium" panose="02000000000000000000" pitchFamily="50" charset="-127"/>
-            </a:endParaRPr>
+                <a:latin typeface="G마켓 산스 Bold" panose="02000000000000000000" pitchFamily="50" charset="-127"/>
+                <a:ea typeface="G마켓 산스 Bold" panose="02000000000000000000" pitchFamily="50" charset="-127"/>
+              </a:rPr>
+              <a:t>1-2 </a:t>
+            </a:r>
+            <a:r>
+              <a:rPr lang="ko-KR" altLang="en-US" sz="5400" spc="-300" dirty="0">
+                <a:solidFill>
+                  <a:srgbClr val="4C50BC"/>
+                </a:solidFill>
+                <a:latin typeface="G마켓 산스 Bold" panose="02000000000000000000" pitchFamily="50" charset="-127"/>
+                <a:ea typeface="G마켓 산스 Bold" panose="02000000000000000000" pitchFamily="50" charset="-127"/>
+              </a:rPr>
+              <a:t>문제풀이</a:t>
+            </a:r>
+            <a:r>
+              <a:rPr lang="en-US" altLang="ko-KR" sz="5400" spc="-300" dirty="0">
+                <a:solidFill>
+                  <a:srgbClr val="4C50BC"/>
+                </a:solidFill>
+                <a:latin typeface="G마켓 산스 Bold" panose="02000000000000000000" pitchFamily="50" charset="-127"/>
+                <a:ea typeface="G마켓 산스 Bold" panose="02000000000000000000" pitchFamily="50" charset="-127"/>
+              </a:rPr>
+              <a:t> </a:t>
+            </a:r>
+            <a:r>
+              <a:rPr lang="en-US" altLang="ko-KR" sz="5400" spc="-300" dirty="0">
+                <a:solidFill>
+                  <a:srgbClr val="FF0000"/>
+                </a:solidFill>
+                <a:latin typeface="G마켓 산스 Bold" panose="02000000000000000000" pitchFamily="50" charset="-127"/>
+                <a:ea typeface="G마켓 산스 Bold" panose="02000000000000000000" pitchFamily="50" charset="-127"/>
+              </a:rPr>
+              <a:t>(hard)</a:t>
+            </a:r>
           </a:p>
         </p:txBody>
       </p:sp>
+      <p:cxnSp>
+        <p:nvCxnSpPr>
+          <p:cNvPr id="3" name="직선 연결선 2">
+            <a:extLst>
+              <a:ext uri="{FF2B5EF4-FFF2-40B4-BE49-F238E27FC236}">
+                <a16:creationId xmlns:a16="http://schemas.microsoft.com/office/drawing/2014/main" id="{9D10398C-3F76-9F1E-D547-4E974797F05B}"/>
+              </a:ext>
+            </a:extLst>
+          </p:cNvPr>
+          <p:cNvCxnSpPr>
+            <a:cxnSpLocks/>
+          </p:cNvCxnSpPr>
+          <p:nvPr/>
+        </p:nvCxnSpPr>
+        <p:spPr>
+          <a:xfrm flipH="1" flipV="1">
+            <a:off x="-13447" y="972511"/>
+            <a:ext cx="18288000" cy="65119"/>
+          </a:xfrm>
+          <a:prstGeom prst="line">
+            <a:avLst/>
+          </a:prstGeom>
+          <a:ln w="38100">
+            <a:solidFill>
+              <a:srgbClr val="4C50BC"/>
+            </a:solidFill>
+          </a:ln>
+        </p:spPr>
+        <p:style>
+          <a:lnRef idx="1">
+            <a:schemeClr val="accent1"/>
+          </a:lnRef>
+          <a:fillRef idx="0">
+            <a:schemeClr val="accent1"/>
+          </a:fillRef>
+          <a:effectRef idx="0">
+            <a:schemeClr val="accent1"/>
+          </a:effectRef>
+          <a:fontRef idx="minor">
+            <a:schemeClr val="tx1"/>
+          </a:fontRef>
+        </p:style>
+      </p:cxnSp>
     </p:spTree>
     <p:extLst>
       <p:ext uri="{BB962C8B-B14F-4D97-AF65-F5344CB8AC3E}">
@@ -12760,7 +13561,7 @@
         </p:nvSpPr>
         <p:spPr>
           <a:xfrm>
-            <a:off x="381000" y="419100"/>
+            <a:off x="381000" y="1182858"/>
             <a:ext cx="17526000" cy="2062103"/>
           </a:xfrm>
           <a:prstGeom prst="rect">
@@ -12775,55 +13576,42 @@
           <a:lstStyle/>
           <a:p>
             <a:r>
-              <a:rPr lang="en-US" altLang="ko-KR" sz="3200">
+              <a:rPr lang="ko-KR" altLang="en-US" sz="3200" dirty="0">
                 <a:solidFill>
                   <a:srgbClr val="4C50BC"/>
                 </a:solidFill>
                 <a:latin typeface="G마켓 산스 Medium" panose="02000000000000000000" pitchFamily="50" charset="-127"/>
                 <a:ea typeface="G마켓 산스 Medium" panose="02000000000000000000" pitchFamily="50" charset="-127"/>
               </a:rPr>
-              <a:t>1-3 </a:t>
-            </a:r>
-            <a:r>
-              <a:rPr lang="ko-KR" altLang="en-US" sz="3200">
+              <a:t>앞서 만든 </a:t>
+            </a:r>
+            <a:r>
+              <a:rPr lang="en-US" altLang="ko-KR" sz="3200" dirty="0">
                 <a:solidFill>
                   <a:srgbClr val="4C50BC"/>
                 </a:solidFill>
                 <a:latin typeface="G마켓 산스 Medium" panose="02000000000000000000" pitchFamily="50" charset="-127"/>
                 <a:ea typeface="G마켓 산스 Medium" panose="02000000000000000000" pitchFamily="50" charset="-127"/>
               </a:rPr>
-              <a:t>앞서 만든 </a:t>
-            </a:r>
-            <a:r>
-              <a:rPr lang="en-US" altLang="ko-KR" sz="3200">
+              <a:t>Person </a:t>
+            </a:r>
+            <a:r>
+              <a:rPr lang="ko-KR" altLang="en-US" sz="3200" dirty="0">
                 <a:solidFill>
                   <a:srgbClr val="4C50BC"/>
                 </a:solidFill>
                 <a:latin typeface="G마켓 산스 Medium" panose="02000000000000000000" pitchFamily="50" charset="-127"/>
                 <a:ea typeface="G마켓 산스 Medium" panose="02000000000000000000" pitchFamily="50" charset="-127"/>
               </a:rPr>
-              <a:t>Person </a:t>
-            </a:r>
-            <a:r>
-              <a:rPr lang="ko-KR" altLang="en-US" sz="3200">
-                <a:solidFill>
-                  <a:srgbClr val="4C50BC"/>
-                </a:solidFill>
-                <a:latin typeface="G마켓 산스 Medium" panose="02000000000000000000" pitchFamily="50" charset="-127"/>
-                <a:ea typeface="G마켓 산스 Medium" panose="02000000000000000000" pitchFamily="50" charset="-127"/>
-              </a:rPr>
               <a:t>클래스에 기능을 추가해보자</a:t>
             </a:r>
-            <a:r>
-              <a:rPr lang="en-US" altLang="ko-KR" sz="3200">
-                <a:solidFill>
-                  <a:srgbClr val="FF0000"/>
-                </a:solidFill>
-                <a:latin typeface="G마켓 산스 Medium" panose="02000000000000000000" pitchFamily="50" charset="-127"/>
-                <a:ea typeface="G마켓 산스 Medium" panose="02000000000000000000" pitchFamily="50" charset="-127"/>
-              </a:rPr>
-              <a:t>(expert)</a:t>
-            </a:r>
+            <a:endParaRPr lang="en-US" altLang="ko-KR" sz="3200" dirty="0">
+              <a:solidFill>
+                <a:srgbClr val="FF0000"/>
+              </a:solidFill>
+              <a:latin typeface="G마켓 산스 Medium" panose="02000000000000000000" pitchFamily="50" charset="-127"/>
+              <a:ea typeface="G마켓 산스 Medium" panose="02000000000000000000" pitchFamily="50" charset="-127"/>
+            </a:endParaRPr>
           </a:p>
           <a:p>
             <a:pPr marL="457200" indent="-457200">
@@ -12831,7 +13619,7 @@
               <a:buChar char="-"/>
             </a:pPr>
             <a:r>
-              <a:rPr lang="ko-KR" altLang="en-US" sz="3200">
+              <a:rPr lang="ko-KR" altLang="en-US" sz="3200" dirty="0">
                 <a:solidFill>
                   <a:schemeClr val="bg1">
                     <a:lumMod val="50000"/>
@@ -12843,7 +13631,7 @@
               <a:t>멤버 메서드 </a:t>
             </a:r>
             <a:r>
-              <a:rPr lang="en-US" altLang="ko-KR" sz="3200">
+              <a:rPr lang="en-US" altLang="ko-KR" sz="3200" dirty="0">
                 <a:solidFill>
                   <a:schemeClr val="bg1">
                     <a:lumMod val="50000"/>
@@ -12852,10 +13640,10 @@
                 <a:latin typeface="G마켓 산스 Medium" panose="02000000000000000000" pitchFamily="50" charset="-127"/>
                 <a:ea typeface="G마켓 산스 Medium" panose="02000000000000000000" pitchFamily="50" charset="-127"/>
               </a:rPr>
-              <a:t>: int getAge()                  </a:t>
-            </a:r>
-            <a:r>
-              <a:rPr lang="ko-KR" altLang="en-US" sz="3200">
+              <a:t>: int </a:t>
+            </a:r>
+            <a:r>
+              <a:rPr lang="en-US" altLang="ko-KR" sz="3200" dirty="0" err="1">
                 <a:solidFill>
                   <a:schemeClr val="bg1">
                     <a:lumMod val="50000"/>
@@ -12864,10 +13652,10 @@
                 <a:latin typeface="G마켓 산스 Medium" panose="02000000000000000000" pitchFamily="50" charset="-127"/>
                 <a:ea typeface="G마켓 산스 Medium" panose="02000000000000000000" pitchFamily="50" charset="-127"/>
               </a:rPr>
-              <a:t>주민번호를 이용해 나이를 반환한다</a:t>
-            </a:r>
-            <a:r>
-              <a:rPr lang="en-US" altLang="ko-KR" sz="3200">
+              <a:t>getAge</a:t>
+            </a:r>
+            <a:r>
+              <a:rPr lang="en-US" altLang="ko-KR" sz="3200" dirty="0">
                 <a:solidFill>
                   <a:schemeClr val="bg1">
                     <a:lumMod val="50000"/>
@@ -12876,10 +13664,10 @@
                 <a:latin typeface="G마켓 산스 Medium" panose="02000000000000000000" pitchFamily="50" charset="-127"/>
                 <a:ea typeface="G마켓 산스 Medium" panose="02000000000000000000" pitchFamily="50" charset="-127"/>
               </a:rPr>
-              <a:t>.(</a:t>
-            </a:r>
-            <a:r>
-              <a:rPr lang="ko-KR" altLang="en-US" sz="3200">
+              <a:t>()                  </a:t>
+            </a:r>
+            <a:r>
+              <a:rPr lang="ko-KR" altLang="en-US" sz="3200" dirty="0">
                 <a:solidFill>
                   <a:schemeClr val="bg1">
                     <a:lumMod val="50000"/>
@@ -12888,10 +13676,34 @@
                 <a:latin typeface="G마켓 산스 Medium" panose="02000000000000000000" pitchFamily="50" charset="-127"/>
                 <a:ea typeface="G마켓 산스 Medium" panose="02000000000000000000" pitchFamily="50" charset="-127"/>
               </a:rPr>
+              <a:t>주민번호를 이용해 나이를 반환한다</a:t>
+            </a:r>
+            <a:r>
+              <a:rPr lang="en-US" altLang="ko-KR" sz="3200" dirty="0">
+                <a:solidFill>
+                  <a:schemeClr val="bg1">
+                    <a:lumMod val="50000"/>
+                  </a:schemeClr>
+                </a:solidFill>
+                <a:latin typeface="G마켓 산스 Medium" panose="02000000000000000000" pitchFamily="50" charset="-127"/>
+                <a:ea typeface="G마켓 산스 Medium" panose="02000000000000000000" pitchFamily="50" charset="-127"/>
+              </a:rPr>
+              <a:t>.(</a:t>
+            </a:r>
+            <a:r>
+              <a:rPr lang="ko-KR" altLang="en-US" sz="3200" dirty="0">
+                <a:solidFill>
+                  <a:schemeClr val="bg1">
+                    <a:lumMod val="50000"/>
+                  </a:schemeClr>
+                </a:solidFill>
+                <a:latin typeface="G마켓 산스 Medium" panose="02000000000000000000" pitchFamily="50" charset="-127"/>
+                <a:ea typeface="G마켓 산스 Medium" panose="02000000000000000000" pitchFamily="50" charset="-127"/>
+              </a:rPr>
               <a:t>만나이</a:t>
             </a:r>
             <a:r>
-              <a:rPr lang="en-US" altLang="ko-KR" sz="3200">
+              <a:rPr lang="en-US" altLang="ko-KR" sz="3200" dirty="0">
                 <a:solidFill>
                   <a:schemeClr val="bg1">
                     <a:lumMod val="50000"/>
@@ -12909,7 +13721,7 @@
               <a:buChar char="-"/>
             </a:pPr>
             <a:r>
-              <a:rPr lang="ko-KR" altLang="en-US" sz="3200">
+              <a:rPr lang="ko-KR" altLang="en-US" sz="3200" dirty="0">
                 <a:solidFill>
                   <a:schemeClr val="bg1">
                     <a:lumMod val="50000"/>
@@ -12921,7 +13733,7 @@
               <a:t>기존의 </a:t>
             </a:r>
             <a:r>
-              <a:rPr lang="en-US" altLang="ko-KR" sz="3200">
+              <a:rPr lang="en-US" altLang="ko-KR" sz="3200" dirty="0" err="1">
                 <a:solidFill>
                   <a:schemeClr val="bg1">
                     <a:lumMod val="50000"/>
@@ -12930,10 +13742,10 @@
                 <a:latin typeface="G마켓 산스 Medium" panose="02000000000000000000" pitchFamily="50" charset="-127"/>
                 <a:ea typeface="G마켓 산스 Medium" panose="02000000000000000000" pitchFamily="50" charset="-127"/>
               </a:rPr>
-              <a:t>showState </a:t>
-            </a:r>
-            <a:r>
-              <a:rPr lang="ko-KR" altLang="en-US" sz="3200">
+              <a:t>showState</a:t>
+            </a:r>
+            <a:r>
+              <a:rPr lang="en-US" altLang="ko-KR" sz="3200" dirty="0">
                 <a:solidFill>
                   <a:schemeClr val="bg1">
                     <a:lumMod val="50000"/>
@@ -12942,10 +13754,10 @@
                 <a:latin typeface="G마켓 산스 Medium" panose="02000000000000000000" pitchFamily="50" charset="-127"/>
                 <a:ea typeface="G마켓 산스 Medium" panose="02000000000000000000" pitchFamily="50" charset="-127"/>
               </a:rPr>
-              <a:t>메서드에 </a:t>
-            </a:r>
-            <a:r>
-              <a:rPr lang="en-US" altLang="ko-KR" sz="3200">
+              <a:t> </a:t>
+            </a:r>
+            <a:r>
+              <a:rPr lang="ko-KR" altLang="en-US" sz="3200" dirty="0">
                 <a:solidFill>
                   <a:schemeClr val="bg1">
                     <a:lumMod val="50000"/>
@@ -12954,10 +13766,10 @@
                 <a:latin typeface="G마켓 산스 Medium" panose="02000000000000000000" pitchFamily="50" charset="-127"/>
                 <a:ea typeface="G마켓 산스 Medium" panose="02000000000000000000" pitchFamily="50" charset="-127"/>
               </a:rPr>
-              <a:t>getAge</a:t>
-            </a:r>
-            <a:r>
-              <a:rPr lang="ko-KR" altLang="en-US" sz="3200">
+              <a:t>메서드에 </a:t>
+            </a:r>
+            <a:r>
+              <a:rPr lang="en-US" altLang="ko-KR" sz="3200" dirty="0" err="1">
                 <a:solidFill>
                   <a:schemeClr val="bg1">
                     <a:lumMod val="50000"/>
@@ -12966,10 +13778,22 @@
                 <a:latin typeface="G마켓 산스 Medium" panose="02000000000000000000" pitchFamily="50" charset="-127"/>
                 <a:ea typeface="G마켓 산스 Medium" panose="02000000000000000000" pitchFamily="50" charset="-127"/>
               </a:rPr>
+              <a:t>getAge</a:t>
+            </a:r>
+            <a:r>
+              <a:rPr lang="ko-KR" altLang="en-US" sz="3200" dirty="0">
+                <a:solidFill>
+                  <a:schemeClr val="bg1">
+                    <a:lumMod val="50000"/>
+                  </a:schemeClr>
+                </a:solidFill>
+                <a:latin typeface="G마켓 산스 Medium" panose="02000000000000000000" pitchFamily="50" charset="-127"/>
+                <a:ea typeface="G마켓 산스 Medium" panose="02000000000000000000" pitchFamily="50" charset="-127"/>
+              </a:rPr>
               <a:t>를 이용하여 나이도 출력 하도록 하자</a:t>
             </a:r>
             <a:r>
-              <a:rPr lang="en-US" altLang="ko-KR" sz="3200">
+              <a:rPr lang="en-US" altLang="ko-KR" sz="3200" dirty="0">
                 <a:solidFill>
                   <a:schemeClr val="bg1">
                     <a:lumMod val="50000"/>
@@ -12987,7 +13811,7 @@
               <a:buChar char="-"/>
             </a:pPr>
             <a:r>
-              <a:rPr lang="ko-KR" altLang="en-US" sz="3200">
+              <a:rPr lang="ko-KR" altLang="en-US" sz="3200" dirty="0">
                 <a:solidFill>
                   <a:schemeClr val="bg1">
                     <a:lumMod val="50000"/>
@@ -12996,10 +13820,10 @@
                 <a:latin typeface="G마켓 산스 Medium" panose="02000000000000000000" pitchFamily="50" charset="-127"/>
                 <a:ea typeface="G마켓 산스 Medium" panose="02000000000000000000" pitchFamily="50" charset="-127"/>
               </a:rPr>
-              <a:t>성별 코드로 몇세기인지를 파악해야 정확한 나이 계산이 가능하다</a:t>
-            </a:r>
-            <a:r>
-              <a:rPr lang="en-US" altLang="ko-KR" sz="3200">
+              <a:t>성별 코드로 </a:t>
+            </a:r>
+            <a:r>
+              <a:rPr lang="ko-KR" altLang="en-US" sz="3200" dirty="0" err="1">
                 <a:solidFill>
                   <a:schemeClr val="bg1">
                     <a:lumMod val="50000"/>
@@ -13008,9 +13832,33 @@
                 <a:latin typeface="G마켓 산스 Medium" panose="02000000000000000000" pitchFamily="50" charset="-127"/>
                 <a:ea typeface="G마켓 산스 Medium" panose="02000000000000000000" pitchFamily="50" charset="-127"/>
               </a:rPr>
+              <a:t>몇세기인지를</a:t>
+            </a:r>
+            <a:r>
+              <a:rPr lang="ko-KR" altLang="en-US" sz="3200" dirty="0">
+                <a:solidFill>
+                  <a:schemeClr val="bg1">
+                    <a:lumMod val="50000"/>
+                  </a:schemeClr>
+                </a:solidFill>
+                <a:latin typeface="G마켓 산스 Medium" panose="02000000000000000000" pitchFamily="50" charset="-127"/>
+                <a:ea typeface="G마켓 산스 Medium" panose="02000000000000000000" pitchFamily="50" charset="-127"/>
+              </a:rPr>
+              <a:t> 파악해야 정확한 나이 계산이 가능하다</a:t>
+            </a:r>
+            <a:r>
+              <a:rPr lang="en-US" altLang="ko-KR" sz="3200" dirty="0">
+                <a:solidFill>
+                  <a:schemeClr val="bg1">
+                    <a:lumMod val="50000"/>
+                  </a:schemeClr>
+                </a:solidFill>
+                <a:latin typeface="G마켓 산스 Medium" panose="02000000000000000000" pitchFamily="50" charset="-127"/>
+                <a:ea typeface="G마켓 산스 Medium" panose="02000000000000000000" pitchFamily="50" charset="-127"/>
+              </a:rPr>
               <a:t>.</a:t>
             </a:r>
-            <a:endParaRPr lang="en-US" altLang="ko-KR" sz="3200">
+            <a:endParaRPr lang="en-US" altLang="ko-KR" sz="3200" dirty="0">
               <a:solidFill>
                 <a:srgbClr val="4C50BC"/>
               </a:solidFill>
@@ -13028,7 +13876,7 @@
         </p:nvSpPr>
         <p:spPr>
           <a:xfrm>
-            <a:off x="304800" y="3122973"/>
+            <a:off x="304800" y="3886731"/>
             <a:ext cx="10530447" cy="1077218"/>
           </a:xfrm>
           <a:prstGeom prst="rect">
@@ -13162,7 +14010,7 @@
         </p:blipFill>
         <p:spPr>
           <a:xfrm>
-            <a:off x="11125200" y="3086100"/>
+            <a:off x="11125200" y="3849858"/>
             <a:ext cx="6797052" cy="4308285"/>
           </a:xfrm>
           <a:prstGeom prst="rect">
@@ -13186,7 +14034,7 @@
         </p:blipFill>
         <p:spPr>
           <a:xfrm>
-            <a:off x="7391400" y="8115300"/>
+            <a:off x="7391400" y="8879058"/>
             <a:ext cx="10403797" cy="1293642"/>
           </a:xfrm>
           <a:prstGeom prst="rect">
@@ -13210,7 +14058,7 @@
         </p:blipFill>
         <p:spPr>
           <a:xfrm>
-            <a:off x="381000" y="4378229"/>
+            <a:off x="381000" y="5141987"/>
             <a:ext cx="8577177" cy="2822671"/>
           </a:xfrm>
           <a:prstGeom prst="rect">
@@ -13218,6 +14066,120 @@
           </a:prstGeom>
         </p:spPr>
       </p:pic>
+      <p:sp>
+        <p:nvSpPr>
+          <p:cNvPr id="7" name="TextBox 6">
+            <a:extLst>
+              <a:ext uri="{FF2B5EF4-FFF2-40B4-BE49-F238E27FC236}">
+                <a16:creationId xmlns:a16="http://schemas.microsoft.com/office/drawing/2014/main" id="{D7E63493-F836-DEEE-6833-99780A1DDFEB}"/>
+              </a:ext>
+            </a:extLst>
+          </p:cNvPr>
+          <p:cNvSpPr txBox="1"/>
+          <p:nvPr/>
+        </p:nvSpPr>
+        <p:spPr>
+          <a:xfrm>
+            <a:off x="304800" y="114300"/>
+            <a:ext cx="10972800" cy="923330"/>
+          </a:xfrm>
+          <a:prstGeom prst="rect">
+            <a:avLst/>
+          </a:prstGeom>
+          <a:noFill/>
+        </p:spPr>
+        <p:txBody>
+          <a:bodyPr wrap="square" rtlCol="0">
+            <a:spAutoFit/>
+          </a:bodyPr>
+          <a:lstStyle/>
+          <a:p>
+            <a:r>
+              <a:rPr lang="en-US" altLang="ko-KR" sz="5400" spc="-300" dirty="0">
+                <a:solidFill>
+                  <a:srgbClr val="4C50BC"/>
+                </a:solidFill>
+                <a:latin typeface="G마켓 산스 Bold" panose="02000000000000000000" pitchFamily="50" charset="-127"/>
+                <a:ea typeface="G마켓 산스 Bold" panose="02000000000000000000" pitchFamily="50" charset="-127"/>
+              </a:rPr>
+              <a:t>1-3 </a:t>
+            </a:r>
+            <a:r>
+              <a:rPr lang="ko-KR" altLang="en-US" sz="5400" spc="-300" dirty="0">
+                <a:solidFill>
+                  <a:srgbClr val="4C50BC"/>
+                </a:solidFill>
+                <a:latin typeface="G마켓 산스 Bold" panose="02000000000000000000" pitchFamily="50" charset="-127"/>
+                <a:ea typeface="G마켓 산스 Bold" panose="02000000000000000000" pitchFamily="50" charset="-127"/>
+              </a:rPr>
+              <a:t>실습문제</a:t>
+            </a:r>
+            <a:r>
+              <a:rPr lang="en-US" altLang="ko-KR" sz="5400" spc="-300" dirty="0">
+                <a:solidFill>
+                  <a:srgbClr val="4C50BC"/>
+                </a:solidFill>
+                <a:latin typeface="G마켓 산스 Bold" panose="02000000000000000000" pitchFamily="50" charset="-127"/>
+                <a:ea typeface="G마켓 산스 Bold" panose="02000000000000000000" pitchFamily="50" charset="-127"/>
+              </a:rPr>
+              <a:t> </a:t>
+            </a:r>
+            <a:r>
+              <a:rPr lang="en-US" altLang="ko-KR" sz="5400" spc="-300" dirty="0">
+                <a:solidFill>
+                  <a:srgbClr val="FF0000"/>
+                </a:solidFill>
+                <a:latin typeface="G마켓 산스 Bold" panose="02000000000000000000" pitchFamily="50" charset="-127"/>
+                <a:ea typeface="G마켓 산스 Bold" panose="02000000000000000000" pitchFamily="50" charset="-127"/>
+              </a:rPr>
+              <a:t>(expert)</a:t>
+            </a:r>
+          </a:p>
+        </p:txBody>
+      </p:sp>
+      <p:cxnSp>
+        <p:nvCxnSpPr>
+          <p:cNvPr id="8" name="직선 연결선 7">
+            <a:extLst>
+              <a:ext uri="{FF2B5EF4-FFF2-40B4-BE49-F238E27FC236}">
+                <a16:creationId xmlns:a16="http://schemas.microsoft.com/office/drawing/2014/main" id="{1EFA0F17-E0D2-5AEF-EA12-96176A1B2FF2}"/>
+              </a:ext>
+            </a:extLst>
+          </p:cNvPr>
+          <p:cNvCxnSpPr>
+            <a:cxnSpLocks/>
+          </p:cNvCxnSpPr>
+          <p:nvPr/>
+        </p:nvCxnSpPr>
+        <p:spPr>
+          <a:xfrm flipH="1" flipV="1">
+            <a:off x="-13447" y="972511"/>
+            <a:ext cx="18288000" cy="65119"/>
+          </a:xfrm>
+          <a:prstGeom prst="line">
+            <a:avLst/>
+          </a:prstGeom>
+          <a:ln w="38100">
+            <a:solidFill>
+              <a:srgbClr val="4C50BC"/>
+            </a:solidFill>
+          </a:ln>
+        </p:spPr>
+        <p:style>
+          <a:lnRef idx="1">
+            <a:schemeClr val="accent1"/>
+          </a:lnRef>
+          <a:fillRef idx="0">
+            <a:schemeClr val="accent1"/>
+          </a:fillRef>
+          <a:effectRef idx="0">
+            <a:schemeClr val="accent1"/>
+          </a:effectRef>
+          <a:fontRef idx="minor">
+            <a:schemeClr val="tx1"/>
+          </a:fontRef>
+        </p:style>
+      </p:cxnSp>
     </p:spTree>
     <p:extLst>
       <p:ext uri="{BB962C8B-B14F-4D97-AF65-F5344CB8AC3E}">
@@ -13248,54 +14210,6 @@
           <a:chExt cx="0" cy="0"/>
         </a:xfrm>
       </p:grpSpPr>
-      <p:sp>
-        <p:nvSpPr>
-          <p:cNvPr id="4" name="TextBox 3">
-            <a:extLst>
-              <a:ext uri="{FF2B5EF4-FFF2-40B4-BE49-F238E27FC236}">
-                <a16:creationId xmlns:a16="http://schemas.microsoft.com/office/drawing/2014/main" id="{5ADC00B6-990A-40DC-3CEA-505258F5E8DA}"/>
-              </a:ext>
-            </a:extLst>
-          </p:cNvPr>
-          <p:cNvSpPr txBox="1"/>
-          <p:nvPr/>
-        </p:nvSpPr>
-        <p:spPr>
-          <a:xfrm>
-            <a:off x="762000" y="419100"/>
-            <a:ext cx="3894040" cy="830997"/>
-          </a:xfrm>
-          <a:prstGeom prst="rect">
-            <a:avLst/>
-          </a:prstGeom>
-          <a:noFill/>
-        </p:spPr>
-        <p:txBody>
-          <a:bodyPr wrap="square" rtlCol="0">
-            <a:spAutoFit/>
-          </a:bodyPr>
-          <a:lstStyle/>
-          <a:p>
-            <a:r>
-              <a:rPr lang="ko-KR" altLang="en-US" sz="4800">
-                <a:solidFill>
-                  <a:srgbClr val="4C50BC"/>
-                </a:solidFill>
-                <a:latin typeface="G마켓 산스 Medium" panose="02000000000000000000" pitchFamily="50" charset="-127"/>
-                <a:ea typeface="G마켓 산스 Medium" panose="02000000000000000000" pitchFamily="50" charset="-127"/>
-              </a:rPr>
-              <a:t>정답</a:t>
-            </a:r>
-            <a:endParaRPr lang="en-US" altLang="ko-KR" sz="4800" dirty="0">
-              <a:solidFill>
-                <a:srgbClr val="4C50BC"/>
-              </a:solidFill>
-              <a:latin typeface="G마켓 산스 Medium" panose="02000000000000000000" pitchFamily="50" charset="-127"/>
-              <a:ea typeface="G마켓 산스 Medium" panose="02000000000000000000" pitchFamily="50" charset="-127"/>
-            </a:endParaRPr>
-          </a:p>
-        </p:txBody>
-      </p:sp>
       <p:pic>
         <p:nvPicPr>
           <p:cNvPr id="5" name="그림 4"/>
@@ -13312,8 +14226,8 @@
         </p:blipFill>
         <p:spPr>
           <a:xfrm>
-            <a:off x="2590800" y="419100"/>
-            <a:ext cx="11734800" cy="9593002"/>
+            <a:off x="2590800" y="1042022"/>
+            <a:ext cx="10972800" cy="8970080"/>
           </a:xfrm>
           <a:prstGeom prst="rect">
             <a:avLst/>
@@ -13334,8 +14248,8 @@
         </p:nvSpPr>
         <p:spPr>
           <a:xfrm>
-            <a:off x="2438400" y="419100"/>
-            <a:ext cx="15163800" cy="9593002"/>
+            <a:off x="2061562" y="800100"/>
+            <a:ext cx="11502037" cy="9212002"/>
           </a:xfrm>
           <a:prstGeom prst="rect">
             <a:avLst/>
@@ -13372,6 +14286,120 @@
           </a:p>
         </p:txBody>
       </p:sp>
+      <p:sp>
+        <p:nvSpPr>
+          <p:cNvPr id="2" name="TextBox 1">
+            <a:extLst>
+              <a:ext uri="{FF2B5EF4-FFF2-40B4-BE49-F238E27FC236}">
+                <a16:creationId xmlns:a16="http://schemas.microsoft.com/office/drawing/2014/main" id="{DD2B86CD-306F-6D8B-1BA0-7B4EE0BC19D2}"/>
+              </a:ext>
+            </a:extLst>
+          </p:cNvPr>
+          <p:cNvSpPr txBox="1"/>
+          <p:nvPr/>
+        </p:nvSpPr>
+        <p:spPr>
+          <a:xfrm>
+            <a:off x="304800" y="114300"/>
+            <a:ext cx="10972800" cy="923330"/>
+          </a:xfrm>
+          <a:prstGeom prst="rect">
+            <a:avLst/>
+          </a:prstGeom>
+          <a:noFill/>
+        </p:spPr>
+        <p:txBody>
+          <a:bodyPr wrap="square" rtlCol="0">
+            <a:spAutoFit/>
+          </a:bodyPr>
+          <a:lstStyle/>
+          <a:p>
+            <a:r>
+              <a:rPr lang="en-US" altLang="ko-KR" sz="5400" spc="-300" dirty="0">
+                <a:solidFill>
+                  <a:srgbClr val="4C50BC"/>
+                </a:solidFill>
+                <a:latin typeface="G마켓 산스 Bold" panose="02000000000000000000" pitchFamily="50" charset="-127"/>
+                <a:ea typeface="G마켓 산스 Bold" panose="02000000000000000000" pitchFamily="50" charset="-127"/>
+              </a:rPr>
+              <a:t>1-3 </a:t>
+            </a:r>
+            <a:r>
+              <a:rPr lang="ko-KR" altLang="en-US" sz="5400" spc="-300" dirty="0">
+                <a:solidFill>
+                  <a:srgbClr val="4C50BC"/>
+                </a:solidFill>
+                <a:latin typeface="G마켓 산스 Bold" panose="02000000000000000000" pitchFamily="50" charset="-127"/>
+                <a:ea typeface="G마켓 산스 Bold" panose="02000000000000000000" pitchFamily="50" charset="-127"/>
+              </a:rPr>
+              <a:t>문제풀이</a:t>
+            </a:r>
+            <a:r>
+              <a:rPr lang="en-US" altLang="ko-KR" sz="5400" spc="-300" dirty="0">
+                <a:solidFill>
+                  <a:srgbClr val="4C50BC"/>
+                </a:solidFill>
+                <a:latin typeface="G마켓 산스 Bold" panose="02000000000000000000" pitchFamily="50" charset="-127"/>
+                <a:ea typeface="G마켓 산스 Bold" panose="02000000000000000000" pitchFamily="50" charset="-127"/>
+              </a:rPr>
+              <a:t> </a:t>
+            </a:r>
+            <a:r>
+              <a:rPr lang="en-US" altLang="ko-KR" sz="5400" spc="-300" dirty="0">
+                <a:solidFill>
+                  <a:srgbClr val="FF0000"/>
+                </a:solidFill>
+                <a:latin typeface="G마켓 산스 Bold" panose="02000000000000000000" pitchFamily="50" charset="-127"/>
+                <a:ea typeface="G마켓 산스 Bold" panose="02000000000000000000" pitchFamily="50" charset="-127"/>
+              </a:rPr>
+              <a:t>(expert)</a:t>
+            </a:r>
+          </a:p>
+        </p:txBody>
+      </p:sp>
+      <p:cxnSp>
+        <p:nvCxnSpPr>
+          <p:cNvPr id="3" name="직선 연결선 2">
+            <a:extLst>
+              <a:ext uri="{FF2B5EF4-FFF2-40B4-BE49-F238E27FC236}">
+                <a16:creationId xmlns:a16="http://schemas.microsoft.com/office/drawing/2014/main" id="{1C805682-2688-9C26-EF61-4248AAD27632}"/>
+              </a:ext>
+            </a:extLst>
+          </p:cNvPr>
+          <p:cNvCxnSpPr>
+            <a:cxnSpLocks/>
+          </p:cNvCxnSpPr>
+          <p:nvPr/>
+        </p:nvCxnSpPr>
+        <p:spPr>
+          <a:xfrm flipH="1" flipV="1">
+            <a:off x="-13447" y="972511"/>
+            <a:ext cx="18288000" cy="65119"/>
+          </a:xfrm>
+          <a:prstGeom prst="line">
+            <a:avLst/>
+          </a:prstGeom>
+          <a:ln w="38100">
+            <a:solidFill>
+              <a:srgbClr val="4C50BC"/>
+            </a:solidFill>
+          </a:ln>
+        </p:spPr>
+        <p:style>
+          <a:lnRef idx="1">
+            <a:schemeClr val="accent1"/>
+          </a:lnRef>
+          <a:fillRef idx="0">
+            <a:schemeClr val="accent1"/>
+          </a:fillRef>
+          <a:effectRef idx="0">
+            <a:schemeClr val="accent1"/>
+          </a:effectRef>
+          <a:fontRef idx="minor">
+            <a:schemeClr val="tx1"/>
+          </a:fontRef>
+        </p:style>
+      </p:cxnSp>
     </p:spTree>
     <p:extLst>
       <p:ext uri="{BB962C8B-B14F-4D97-AF65-F5344CB8AC3E}">
@@ -14059,10 +15087,10 @@
       </p:grpSpPr>
       <p:sp>
         <p:nvSpPr>
-          <p:cNvPr id="4" name="TextBox 3">
+          <p:cNvPr id="2" name="TextBox 1">
             <a:extLst>
               <a:ext uri="{FF2B5EF4-FFF2-40B4-BE49-F238E27FC236}">
-                <a16:creationId xmlns:a16="http://schemas.microsoft.com/office/drawing/2014/main" id="{5ADC00B6-990A-40DC-3CEA-505258F5E8DA}"/>
+                <a16:creationId xmlns:a16="http://schemas.microsoft.com/office/drawing/2014/main" id="{2DCD85CA-7E73-262A-5EC2-00CFFC3C9E89}"/>
               </a:ext>
             </a:extLst>
           </p:cNvPr>
@@ -14071,8 +15099,8 @@
         </p:nvSpPr>
         <p:spPr>
           <a:xfrm>
-            <a:off x="3243814" y="3162300"/>
-            <a:ext cx="7239000" cy="830997"/>
+            <a:off x="304800" y="114300"/>
+            <a:ext cx="14325600" cy="923330"/>
           </a:xfrm>
           <a:prstGeom prst="rect">
             <a:avLst/>
@@ -14086,61 +15114,97 @@
           <a:lstStyle/>
           <a:p>
             <a:r>
-              <a:rPr lang="ko-KR" altLang="en-US" sz="4800">
+              <a:rPr lang="ko-KR" altLang="en-US" sz="5400" spc="-300" dirty="0">
                 <a:solidFill>
                   <a:srgbClr val="4C50BC"/>
                 </a:solidFill>
-                <a:latin typeface="G마켓 산스 Medium" panose="02000000000000000000" pitchFamily="50" charset="-127"/>
-                <a:ea typeface="G마켓 산스 Medium" panose="02000000000000000000" pitchFamily="50" charset="-127"/>
+                <a:latin typeface="G마켓 산스 Bold" panose="02000000000000000000" pitchFamily="50" charset="-127"/>
+                <a:ea typeface="G마켓 산스 Bold" panose="02000000000000000000" pitchFamily="50" charset="-127"/>
               </a:rPr>
               <a:t>클래스 변수</a:t>
             </a:r>
             <a:r>
-              <a:rPr lang="en-US" altLang="ko-KR" sz="4800">
+              <a:rPr lang="en-US" altLang="ko-KR" sz="5400" spc="-300" dirty="0">
                 <a:solidFill>
                   <a:srgbClr val="4C50BC"/>
                 </a:solidFill>
-                <a:latin typeface="G마켓 산스 Medium" panose="02000000000000000000" pitchFamily="50" charset="-127"/>
-                <a:ea typeface="G마켓 산스 Medium" panose="02000000000000000000" pitchFamily="50" charset="-127"/>
+                <a:latin typeface="G마켓 산스 Bold" panose="02000000000000000000" pitchFamily="50" charset="-127"/>
+                <a:ea typeface="G마켓 산스 Bold" panose="02000000000000000000" pitchFamily="50" charset="-127"/>
               </a:rPr>
               <a:t>(static </a:t>
             </a:r>
             <a:r>
-              <a:rPr lang="ko-KR" altLang="en-US" sz="4800">
+              <a:rPr lang="ko-KR" altLang="en-US" sz="5400" spc="-300" dirty="0">
                 <a:solidFill>
                   <a:srgbClr val="4C50BC"/>
                 </a:solidFill>
-                <a:latin typeface="G마켓 산스 Medium" panose="02000000000000000000" pitchFamily="50" charset="-127"/>
-                <a:ea typeface="G마켓 산스 Medium" panose="02000000000000000000" pitchFamily="50" charset="-127"/>
+                <a:latin typeface="G마켓 산스 Bold" panose="02000000000000000000" pitchFamily="50" charset="-127"/>
+                <a:ea typeface="G마켓 산스 Bold" panose="02000000000000000000" pitchFamily="50" charset="-127"/>
               </a:rPr>
               <a:t>변수</a:t>
             </a:r>
             <a:r>
-              <a:rPr lang="en-US" altLang="ko-KR" sz="4800">
+              <a:rPr lang="en-US" altLang="ko-KR" sz="5400" spc="-300" dirty="0">
                 <a:solidFill>
                   <a:srgbClr val="4C50BC"/>
                 </a:solidFill>
-                <a:latin typeface="G마켓 산스 Medium" panose="02000000000000000000" pitchFamily="50" charset="-127"/>
-                <a:ea typeface="G마켓 산스 Medium" panose="02000000000000000000" pitchFamily="50" charset="-127"/>
+                <a:latin typeface="G마켓 산스 Bold" panose="02000000000000000000" pitchFamily="50" charset="-127"/>
+                <a:ea typeface="G마켓 산스 Bold" panose="02000000000000000000" pitchFamily="50" charset="-127"/>
               </a:rPr>
               <a:t>)</a:t>
             </a:r>
-            <a:endParaRPr lang="en-US" altLang="ko-KR" sz="4800" dirty="0">
-              <a:solidFill>
-                <a:srgbClr val="4C50BC"/>
-              </a:solidFill>
-              <a:latin typeface="G마켓 산스 Medium" panose="02000000000000000000" pitchFamily="50" charset="-127"/>
-              <a:ea typeface="G마켓 산스 Medium" panose="02000000000000000000" pitchFamily="50" charset="-127"/>
-            </a:endParaRPr>
           </a:p>
         </p:txBody>
       </p:sp>
+      <p:cxnSp>
+        <p:nvCxnSpPr>
+          <p:cNvPr id="3" name="직선 연결선 2">
+            <a:extLst>
+              <a:ext uri="{FF2B5EF4-FFF2-40B4-BE49-F238E27FC236}">
+                <a16:creationId xmlns:a16="http://schemas.microsoft.com/office/drawing/2014/main" id="{94D7B051-E2C5-5BB1-D9BC-D5E450111071}"/>
+              </a:ext>
+            </a:extLst>
+          </p:cNvPr>
+          <p:cNvCxnSpPr>
+            <a:cxnSpLocks/>
+          </p:cNvCxnSpPr>
+          <p:nvPr/>
+        </p:nvCxnSpPr>
+        <p:spPr>
+          <a:xfrm flipH="1" flipV="1">
+            <a:off x="-13447" y="972511"/>
+            <a:ext cx="18288000" cy="65119"/>
+          </a:xfrm>
+          <a:prstGeom prst="line">
+            <a:avLst/>
+          </a:prstGeom>
+          <a:ln w="38100">
+            <a:solidFill>
+              <a:srgbClr val="4C50BC"/>
+            </a:solidFill>
+          </a:ln>
+        </p:spPr>
+        <p:style>
+          <a:lnRef idx="1">
+            <a:schemeClr val="accent1"/>
+          </a:lnRef>
+          <a:fillRef idx="0">
+            <a:schemeClr val="accent1"/>
+          </a:fillRef>
+          <a:effectRef idx="0">
+            <a:schemeClr val="accent1"/>
+          </a:effectRef>
+          <a:fontRef idx="minor">
+            <a:schemeClr val="tx1"/>
+          </a:fontRef>
+        </p:style>
+      </p:cxnSp>
       <p:sp>
         <p:nvSpPr>
-          <p:cNvPr id="7" name="TextBox 6">
+          <p:cNvPr id="5" name="TextBox 4">
             <a:extLst>
               <a:ext uri="{FF2B5EF4-FFF2-40B4-BE49-F238E27FC236}">
-                <a16:creationId xmlns:a16="http://schemas.microsoft.com/office/drawing/2014/main" id="{A2AD056B-97A4-5BCC-4460-250160F3E171}"/>
+                <a16:creationId xmlns:a16="http://schemas.microsoft.com/office/drawing/2014/main" id="{4C98EF6E-B6DF-E5B2-A412-6C7F4D98954A}"/>
               </a:ext>
             </a:extLst>
           </p:cNvPr>
@@ -14149,8 +15213,8 @@
         </p:nvSpPr>
         <p:spPr>
           <a:xfrm>
-            <a:off x="4038600" y="3924300"/>
-            <a:ext cx="12768814" cy="2308324"/>
+            <a:off x="762000" y="1201111"/>
+            <a:ext cx="14167562" cy="2308324"/>
           </a:xfrm>
           <a:prstGeom prst="rect">
             <a:avLst/>
@@ -14164,11 +15228,11 @@
           <a:lstStyle/>
           <a:p>
             <a:pPr marL="571500" indent="-571500">
-              <a:buFontTx/>
-              <a:buChar char="-"/>
+              <a:buFont typeface="Arial" panose="020B0604020202020204" pitchFamily="34" charset="0"/>
+              <a:buChar char="•"/>
             </a:pPr>
             <a:r>
-              <a:rPr lang="en-US" altLang="ko-KR" sz="3600">
+              <a:rPr lang="en-US" altLang="ko-KR" sz="3600" dirty="0">
                 <a:solidFill>
                   <a:schemeClr val="tx1">
                     <a:lumMod val="50000"/>
@@ -14181,7 +15245,7 @@
               <a:t>static </a:t>
             </a:r>
             <a:r>
-              <a:rPr lang="ko-KR" altLang="en-US" sz="3600">
+              <a:rPr lang="ko-KR" altLang="en-US" sz="3600" dirty="0">
                 <a:solidFill>
                   <a:schemeClr val="tx1">
                     <a:lumMod val="50000"/>
@@ -14191,10 +15255,10 @@
                 <a:latin typeface="G마켓 산스 Medium" panose="02000000000000000000" pitchFamily="50" charset="-127"/>
                 <a:ea typeface="G마켓 산스 Medium" panose="02000000000000000000" pitchFamily="50" charset="-127"/>
               </a:rPr>
-              <a:t>키워드를 사용하여</a:t>
-            </a:r>
-            <a:r>
-              <a:rPr lang="en-US" altLang="ko-KR" sz="3600">
+              <a:t>키워드를 사용하여 멤버변수 영역에 선언한다</a:t>
+            </a:r>
+            <a:r>
+              <a:rPr lang="en-US" altLang="ko-KR" sz="3600" dirty="0">
                 <a:solidFill>
                   <a:schemeClr val="tx1">
                     <a:lumMod val="50000"/>
@@ -14204,10 +15268,16 @@
                 <a:latin typeface="G마켓 산스 Medium" panose="02000000000000000000" pitchFamily="50" charset="-127"/>
                 <a:ea typeface="G마켓 산스 Medium" panose="02000000000000000000" pitchFamily="50" charset="-127"/>
               </a:rPr>
-              <a:t> </a:t>
-            </a:r>
-            <a:r>
-              <a:rPr lang="ko-KR" altLang="en-US" sz="3600">
+              <a:t>.</a:t>
+            </a:r>
+          </a:p>
+          <a:p>
+            <a:pPr marL="571500" indent="-571500">
+              <a:buFont typeface="Arial" panose="020B0604020202020204" pitchFamily="34" charset="0"/>
+              <a:buChar char="•"/>
+            </a:pPr>
+            <a:r>
+              <a:rPr lang="ko-KR" altLang="en-US" sz="3600" dirty="0">
                 <a:solidFill>
                   <a:schemeClr val="tx1">
                     <a:lumMod val="50000"/>
@@ -14217,10 +15287,10 @@
                 <a:latin typeface="G마켓 산스 Medium" panose="02000000000000000000" pitchFamily="50" charset="-127"/>
                 <a:ea typeface="G마켓 산스 Medium" panose="02000000000000000000" pitchFamily="50" charset="-127"/>
               </a:rPr>
-              <a:t>멤버변수 영역에 선언한다</a:t>
-            </a:r>
-            <a:r>
-              <a:rPr lang="en-US" altLang="ko-KR" sz="3600">
+              <a:t>프로그램이 실행될 때 메모리에 올라간다</a:t>
+            </a:r>
+            <a:r>
+              <a:rPr lang="en-US" altLang="ko-KR" sz="3600" dirty="0">
                 <a:solidFill>
                   <a:schemeClr val="tx1">
                     <a:lumMod val="50000"/>
@@ -14230,16 +15300,10 @@
                 <a:latin typeface="G마켓 산스 Medium" panose="02000000000000000000" pitchFamily="50" charset="-127"/>
                 <a:ea typeface="G마켓 산스 Medium" panose="02000000000000000000" pitchFamily="50" charset="-127"/>
               </a:rPr>
-              <a:t>.</a:t>
-            </a:r>
-          </a:p>
-          <a:p>
-            <a:pPr marL="571500" indent="-571500">
-              <a:buFontTx/>
-              <a:buChar char="-"/>
-            </a:pPr>
-            <a:r>
-              <a:rPr lang="ko-KR" altLang="en-US" sz="3600">
+              <a:t>(</a:t>
+            </a:r>
+            <a:r>
+              <a:rPr lang="ko-KR" altLang="en-US" sz="3600" dirty="0">
                 <a:solidFill>
                   <a:schemeClr val="tx1">
                     <a:lumMod val="50000"/>
@@ -14249,10 +15313,10 @@
                 <a:latin typeface="G마켓 산스 Medium" panose="02000000000000000000" pitchFamily="50" charset="-127"/>
                 <a:ea typeface="G마켓 산스 Medium" panose="02000000000000000000" pitchFamily="50" charset="-127"/>
               </a:rPr>
-              <a:t>프로그램이 실행될때 메모리에 올라간다</a:t>
-            </a:r>
-            <a:r>
-              <a:rPr lang="en-US" altLang="ko-KR" sz="3600">
+              <a:t>객체 생성 이전단계</a:t>
+            </a:r>
+            <a:r>
+              <a:rPr lang="en-US" altLang="ko-KR" sz="3600" dirty="0">
                 <a:solidFill>
                   <a:schemeClr val="tx1">
                     <a:lumMod val="50000"/>
@@ -14262,10 +15326,68 @@
                 <a:latin typeface="G마켓 산스 Medium" panose="02000000000000000000" pitchFamily="50" charset="-127"/>
                 <a:ea typeface="G마켓 산스 Medium" panose="02000000000000000000" pitchFamily="50" charset="-127"/>
               </a:rPr>
-              <a:t>(</a:t>
-            </a:r>
-            <a:r>
-              <a:rPr lang="ko-KR" altLang="en-US" sz="3600">
+              <a:t>)</a:t>
+            </a:r>
+          </a:p>
+          <a:p>
+            <a:r>
+              <a:rPr lang="en-US" altLang="ko-KR" sz="3600" dirty="0">
+                <a:solidFill>
+                  <a:srgbClr val="FF0000"/>
+                </a:solidFill>
+                <a:latin typeface="G마켓 산스 Medium" panose="02000000000000000000" pitchFamily="50" charset="-127"/>
+                <a:ea typeface="G마켓 산스 Medium" panose="02000000000000000000" pitchFamily="50" charset="-127"/>
+              </a:rPr>
+              <a:t>    </a:t>
+            </a:r>
+            <a:r>
+              <a:rPr lang="ko-KR" altLang="en-US" sz="3600" dirty="0">
+                <a:solidFill>
+                  <a:srgbClr val="FF0000"/>
+                </a:solidFill>
+                <a:latin typeface="G마켓 산스 Medium" panose="02000000000000000000" pitchFamily="50" charset="-127"/>
+                <a:ea typeface="G마켓 산스 Medium" panose="02000000000000000000" pitchFamily="50" charset="-127"/>
+              </a:rPr>
+              <a:t>그러므로 객체 </a:t>
+            </a:r>
+            <a:r>
+              <a:rPr lang="ko-KR" altLang="en-US" sz="3600" dirty="0" err="1">
+                <a:solidFill>
+                  <a:srgbClr val="FF0000"/>
+                </a:solidFill>
+                <a:latin typeface="G마켓 산스 Medium" panose="02000000000000000000" pitchFamily="50" charset="-127"/>
+                <a:ea typeface="G마켓 산스 Medium" panose="02000000000000000000" pitchFamily="50" charset="-127"/>
+              </a:rPr>
+              <a:t>생성없이</a:t>
+            </a:r>
+            <a:r>
+              <a:rPr lang="ko-KR" altLang="en-US" sz="3600" dirty="0">
+                <a:solidFill>
+                  <a:srgbClr val="FF0000"/>
+                </a:solidFill>
+                <a:latin typeface="G마켓 산스 Medium" panose="02000000000000000000" pitchFamily="50" charset="-127"/>
+                <a:ea typeface="G마켓 산스 Medium" panose="02000000000000000000" pitchFamily="50" charset="-127"/>
+              </a:rPr>
+              <a:t> 사용 가능하다</a:t>
+            </a:r>
+            <a:r>
+              <a:rPr lang="en-US" altLang="ko-KR" sz="3600" dirty="0">
+                <a:solidFill>
+                  <a:srgbClr val="FF0000"/>
+                </a:solidFill>
+                <a:latin typeface="G마켓 산스 Medium" panose="02000000000000000000" pitchFamily="50" charset="-127"/>
+                <a:ea typeface="G마켓 산스 Medium" panose="02000000000000000000" pitchFamily="50" charset="-127"/>
+              </a:rPr>
+              <a:t>.</a:t>
+            </a:r>
+          </a:p>
+          <a:p>
+            <a:pPr marL="571500" indent="-571500">
+              <a:buFont typeface="Arial" panose="020B0604020202020204" pitchFamily="34" charset="0"/>
+              <a:buChar char="•"/>
+            </a:pPr>
+            <a:r>
+              <a:rPr lang="ko-KR" altLang="en-US" sz="3600" dirty="0">
                 <a:solidFill>
                   <a:schemeClr val="tx1">
                     <a:lumMod val="50000"/>
@@ -14275,71 +15397,10 @@
                 <a:latin typeface="G마켓 산스 Medium" panose="02000000000000000000" pitchFamily="50" charset="-127"/>
                 <a:ea typeface="G마켓 산스 Medium" panose="02000000000000000000" pitchFamily="50" charset="-127"/>
               </a:rPr>
-              <a:t>객체 생성 이전단계</a:t>
-            </a:r>
-            <a:r>
-              <a:rPr lang="en-US" altLang="ko-KR" sz="3600">
-                <a:solidFill>
-                  <a:schemeClr val="tx1">
-                    <a:lumMod val="50000"/>
-                    <a:lumOff val="50000"/>
-                  </a:schemeClr>
-                </a:solidFill>
-                <a:latin typeface="G마켓 산스 Medium" panose="02000000000000000000" pitchFamily="50" charset="-127"/>
-                <a:ea typeface="G마켓 산스 Medium" panose="02000000000000000000" pitchFamily="50" charset="-127"/>
-              </a:rPr>
-              <a:t>)</a:t>
-            </a:r>
-          </a:p>
-          <a:p>
-            <a:r>
-              <a:rPr lang="en-US" altLang="ko-KR" sz="3600">
-                <a:solidFill>
-                  <a:srgbClr val="FF0000"/>
-                </a:solidFill>
-                <a:latin typeface="G마켓 산스 Medium" panose="02000000000000000000" pitchFamily="50" charset="-127"/>
-                <a:ea typeface="G마켓 산스 Medium" panose="02000000000000000000" pitchFamily="50" charset="-127"/>
-              </a:rPr>
-              <a:t>     </a:t>
-            </a:r>
-            <a:r>
-              <a:rPr lang="ko-KR" altLang="en-US" sz="3600">
-                <a:solidFill>
-                  <a:srgbClr val="FF0000"/>
-                </a:solidFill>
-                <a:latin typeface="G마켓 산스 Medium" panose="02000000000000000000" pitchFamily="50" charset="-127"/>
-                <a:ea typeface="G마켓 산스 Medium" panose="02000000000000000000" pitchFamily="50" charset="-127"/>
-              </a:rPr>
-              <a:t>그러므로 객체 생성없이 사용가능하다</a:t>
-            </a:r>
-            <a:endParaRPr lang="en-US" altLang="ko-KR" sz="3600">
-              <a:solidFill>
-                <a:srgbClr val="FF0000"/>
-              </a:solidFill>
-              <a:latin typeface="G마켓 산스 Medium" panose="02000000000000000000" pitchFamily="50" charset="-127"/>
-              <a:ea typeface="G마켓 산스 Medium" panose="02000000000000000000" pitchFamily="50" charset="-127"/>
-            </a:endParaRPr>
-          </a:p>
-          <a:p>
-            <a:pPr marL="571500" indent="-571500">
-              <a:buFontTx/>
-              <a:buChar char="-"/>
-            </a:pPr>
-            <a:r>
-              <a:rPr lang="ko-KR" altLang="en-US" sz="3600">
-                <a:solidFill>
-                  <a:schemeClr val="tx1">
-                    <a:lumMod val="50000"/>
-                    <a:lumOff val="50000"/>
-                  </a:schemeClr>
-                </a:solidFill>
-                <a:latin typeface="G마켓 산스 Medium" panose="02000000000000000000" pitchFamily="50" charset="-127"/>
-                <a:ea typeface="G마켓 산스 Medium" panose="02000000000000000000" pitchFamily="50" charset="-127"/>
-              </a:rPr>
               <a:t>객체들끼리 공유하는 변수이다</a:t>
             </a:r>
             <a:r>
-              <a:rPr lang="en-US" altLang="ko-KR" sz="3600">
+              <a:rPr lang="en-US" altLang="ko-KR" sz="3600" dirty="0">
                 <a:solidFill>
                   <a:schemeClr val="tx1">
                     <a:lumMod val="50000"/>
@@ -14817,74 +15878,6 @@
           <a:chExt cx="0" cy="0"/>
         </a:xfrm>
       </p:grpSpPr>
-      <p:sp>
-        <p:nvSpPr>
-          <p:cNvPr id="4" name="TextBox 3">
-            <a:extLst>
-              <a:ext uri="{FF2B5EF4-FFF2-40B4-BE49-F238E27FC236}">
-                <a16:creationId xmlns:a16="http://schemas.microsoft.com/office/drawing/2014/main" id="{5ADC00B6-990A-40DC-3CEA-505258F5E8DA}"/>
-              </a:ext>
-            </a:extLst>
-          </p:cNvPr>
-          <p:cNvSpPr txBox="1"/>
-          <p:nvPr/>
-        </p:nvSpPr>
-        <p:spPr>
-          <a:xfrm>
-            <a:off x="4500562" y="342900"/>
-            <a:ext cx="9525000" cy="830997"/>
-          </a:xfrm>
-          <a:prstGeom prst="rect">
-            <a:avLst/>
-          </a:prstGeom>
-          <a:noFill/>
-        </p:spPr>
-        <p:txBody>
-          <a:bodyPr wrap="square" rtlCol="0">
-            <a:spAutoFit/>
-          </a:bodyPr>
-          <a:lstStyle/>
-          <a:p>
-            <a:r>
-              <a:rPr lang="ko-KR" altLang="en-US" sz="4800">
-                <a:solidFill>
-                  <a:srgbClr val="4C50BC"/>
-                </a:solidFill>
-                <a:latin typeface="G마켓 산스 Medium" panose="02000000000000000000" pitchFamily="50" charset="-127"/>
-                <a:ea typeface="G마켓 산스 Medium" panose="02000000000000000000" pitchFamily="50" charset="-127"/>
-              </a:rPr>
-              <a:t>인스턴스 변수 </a:t>
-            </a:r>
-            <a:r>
-              <a:rPr lang="en-US" altLang="ko-KR" sz="4800">
-                <a:solidFill>
-                  <a:srgbClr val="4C50BC"/>
-                </a:solidFill>
-                <a:latin typeface="G마켓 산스 Medium" panose="02000000000000000000" pitchFamily="50" charset="-127"/>
-                <a:ea typeface="G마켓 산스 Medium" panose="02000000000000000000" pitchFamily="50" charset="-127"/>
-              </a:rPr>
-              <a:t>vs </a:t>
-            </a:r>
-            <a:r>
-              <a:rPr lang="ko-KR" altLang="en-US" sz="4800">
-                <a:solidFill>
-                  <a:srgbClr val="4C50BC"/>
-                </a:solidFill>
-                <a:latin typeface="G마켓 산스 Medium" panose="02000000000000000000" pitchFamily="50" charset="-127"/>
-                <a:ea typeface="G마켓 산스 Medium" panose="02000000000000000000" pitchFamily="50" charset="-127"/>
-              </a:rPr>
-              <a:t>클래스 변수</a:t>
-            </a:r>
-            <a:endParaRPr lang="en-US" altLang="ko-KR" sz="4800" dirty="0">
-              <a:solidFill>
-                <a:srgbClr val="4C50BC"/>
-              </a:solidFill>
-              <a:latin typeface="G마켓 산스 Medium" panose="02000000000000000000" pitchFamily="50" charset="-127"/>
-              <a:ea typeface="G마켓 산스 Medium" panose="02000000000000000000" pitchFamily="50" charset="-127"/>
-            </a:endParaRPr>
-          </a:p>
-        </p:txBody>
-      </p:sp>
       <p:pic>
         <p:nvPicPr>
           <p:cNvPr id="3" name="그림 2"/>
@@ -14901,7 +15894,7 @@
         </p:blipFill>
         <p:spPr>
           <a:xfrm>
-            <a:off x="12649200" y="3162300"/>
+            <a:off x="12649200" y="5219700"/>
             <a:ext cx="2438400" cy="4567707"/>
           </a:xfrm>
           <a:prstGeom prst="rect">
@@ -14925,7 +15918,7 @@
         </p:blipFill>
         <p:spPr>
           <a:xfrm>
-            <a:off x="185603" y="1173896"/>
+            <a:off x="185603" y="3231296"/>
             <a:ext cx="4297832" cy="2979003"/>
           </a:xfrm>
           <a:prstGeom prst="rect">
@@ -14949,7 +15942,7 @@
         </p:blipFill>
         <p:spPr>
           <a:xfrm>
-            <a:off x="5029200" y="1409700"/>
+            <a:off x="5029200" y="3467100"/>
             <a:ext cx="7351346" cy="6553200"/>
           </a:xfrm>
           <a:prstGeom prst="rect">
@@ -14957,6 +15950,117 @@
           </a:prstGeom>
         </p:spPr>
       </p:pic>
+      <p:sp>
+        <p:nvSpPr>
+          <p:cNvPr id="2" name="TextBox 1">
+            <a:extLst>
+              <a:ext uri="{FF2B5EF4-FFF2-40B4-BE49-F238E27FC236}">
+                <a16:creationId xmlns:a16="http://schemas.microsoft.com/office/drawing/2014/main" id="{63CBC990-6F73-B67C-A0D6-089D4B83B98A}"/>
+              </a:ext>
+            </a:extLst>
+          </p:cNvPr>
+          <p:cNvSpPr txBox="1"/>
+          <p:nvPr/>
+        </p:nvSpPr>
+        <p:spPr>
+          <a:xfrm>
+            <a:off x="304800" y="114300"/>
+            <a:ext cx="14325600" cy="923330"/>
+          </a:xfrm>
+          <a:prstGeom prst="rect">
+            <a:avLst/>
+          </a:prstGeom>
+          <a:noFill/>
+        </p:spPr>
+        <p:txBody>
+          <a:bodyPr wrap="square" rtlCol="0">
+            <a:spAutoFit/>
+          </a:bodyPr>
+          <a:lstStyle/>
+          <a:p>
+            <a:r>
+              <a:rPr lang="ko-KR" altLang="en-US" sz="5400" spc="-300" dirty="0">
+                <a:solidFill>
+                  <a:srgbClr val="4C50BC"/>
+                </a:solidFill>
+                <a:latin typeface="G마켓 산스 Bold" panose="02000000000000000000" pitchFamily="50" charset="-127"/>
+                <a:ea typeface="G마켓 산스 Bold" panose="02000000000000000000" pitchFamily="50" charset="-127"/>
+              </a:rPr>
+              <a:t>인스턴스 변수 </a:t>
+            </a:r>
+            <a:r>
+              <a:rPr lang="en-US" altLang="ko-KR" sz="5400" spc="-300" dirty="0">
+                <a:solidFill>
+                  <a:srgbClr val="4C50BC"/>
+                </a:solidFill>
+                <a:latin typeface="G마켓 산스 Bold" panose="02000000000000000000" pitchFamily="50" charset="-127"/>
+                <a:ea typeface="G마켓 산스 Bold" panose="02000000000000000000" pitchFamily="50" charset="-127"/>
+              </a:rPr>
+              <a:t>vs </a:t>
+            </a:r>
+            <a:r>
+              <a:rPr lang="ko-KR" altLang="en-US" sz="5400" spc="-300" dirty="0">
+                <a:solidFill>
+                  <a:srgbClr val="4C50BC"/>
+                </a:solidFill>
+                <a:latin typeface="G마켓 산스 Bold" panose="02000000000000000000" pitchFamily="50" charset="-127"/>
+                <a:ea typeface="G마켓 산스 Bold" panose="02000000000000000000" pitchFamily="50" charset="-127"/>
+              </a:rPr>
+              <a:t>클래스 변수</a:t>
+            </a:r>
+            <a:endParaRPr lang="en-US" altLang="ko-KR" sz="5400" spc="-300" dirty="0">
+              <a:solidFill>
+                <a:srgbClr val="4C50BC"/>
+              </a:solidFill>
+              <a:latin typeface="G마켓 산스 Bold" panose="02000000000000000000" pitchFamily="50" charset="-127"/>
+              <a:ea typeface="G마켓 산스 Bold" panose="02000000000000000000" pitchFamily="50" charset="-127"/>
+            </a:endParaRPr>
+          </a:p>
+        </p:txBody>
+      </p:sp>
+      <p:cxnSp>
+        <p:nvCxnSpPr>
+          <p:cNvPr id="6" name="직선 연결선 5">
+            <a:extLst>
+              <a:ext uri="{FF2B5EF4-FFF2-40B4-BE49-F238E27FC236}">
+                <a16:creationId xmlns:a16="http://schemas.microsoft.com/office/drawing/2014/main" id="{B6718AF9-E7DB-79BF-728E-08A850844EFA}"/>
+              </a:ext>
+            </a:extLst>
+          </p:cNvPr>
+          <p:cNvCxnSpPr>
+            <a:cxnSpLocks/>
+          </p:cNvCxnSpPr>
+          <p:nvPr/>
+        </p:nvCxnSpPr>
+        <p:spPr>
+          <a:xfrm flipH="1" flipV="1">
+            <a:off x="-13447" y="972511"/>
+            <a:ext cx="18288000" cy="65119"/>
+          </a:xfrm>
+          <a:prstGeom prst="line">
+            <a:avLst/>
+          </a:prstGeom>
+          <a:ln w="38100">
+            <a:solidFill>
+              <a:srgbClr val="4C50BC"/>
+            </a:solidFill>
+          </a:ln>
+        </p:spPr>
+        <p:style>
+          <a:lnRef idx="1">
+            <a:schemeClr val="accent1"/>
+          </a:lnRef>
+          <a:fillRef idx="0">
+            <a:schemeClr val="accent1"/>
+          </a:fillRef>
+          <a:effectRef idx="0">
+            <a:schemeClr val="accent1"/>
+          </a:effectRef>
+          <a:fontRef idx="minor">
+            <a:schemeClr val="tx1"/>
+          </a:fontRef>
+        </p:style>
+      </p:cxnSp>
     </p:spTree>
     <p:extLst>
       <p:ext uri="{BB962C8B-B14F-4D97-AF65-F5344CB8AC3E}">
@@ -16154,64 +17258,6 @@
           <a:chExt cx="0" cy="0"/>
         </a:xfrm>
       </p:grpSpPr>
-      <p:sp>
-        <p:nvSpPr>
-          <p:cNvPr id="4" name="TextBox 3">
-            <a:extLst>
-              <a:ext uri="{FF2B5EF4-FFF2-40B4-BE49-F238E27FC236}">
-                <a16:creationId xmlns:a16="http://schemas.microsoft.com/office/drawing/2014/main" id="{5ADC00B6-990A-40DC-3CEA-505258F5E8DA}"/>
-              </a:ext>
-            </a:extLst>
-          </p:cNvPr>
-          <p:cNvSpPr txBox="1"/>
-          <p:nvPr/>
-        </p:nvSpPr>
-        <p:spPr>
-          <a:xfrm>
-            <a:off x="762000" y="419100"/>
-            <a:ext cx="5943600" cy="830997"/>
-          </a:xfrm>
-          <a:prstGeom prst="rect">
-            <a:avLst/>
-          </a:prstGeom>
-          <a:noFill/>
-        </p:spPr>
-        <p:txBody>
-          <a:bodyPr wrap="square" rtlCol="0">
-            <a:spAutoFit/>
-          </a:bodyPr>
-          <a:lstStyle/>
-          <a:p>
-            <a:r>
-              <a:rPr lang="en-US" altLang="ko-KR" sz="4800">
-                <a:solidFill>
-                  <a:srgbClr val="4C50BC"/>
-                </a:solidFill>
-                <a:latin typeface="G마켓 산스 Medium" panose="02000000000000000000" pitchFamily="50" charset="-127"/>
-                <a:ea typeface="G마켓 산스 Medium" panose="02000000000000000000" pitchFamily="50" charset="-127"/>
-              </a:rPr>
-              <a:t>JVM</a:t>
-            </a:r>
-            <a:r>
-              <a:rPr lang="ko-KR" altLang="en-US" sz="4800">
-                <a:solidFill>
-                  <a:srgbClr val="4C50BC"/>
-                </a:solidFill>
-                <a:latin typeface="G마켓 산스 Medium" panose="02000000000000000000" pitchFamily="50" charset="-127"/>
-                <a:ea typeface="G마켓 산스 Medium" panose="02000000000000000000" pitchFamily="50" charset="-127"/>
-              </a:rPr>
-              <a:t>의 메모리 구조</a:t>
-            </a:r>
-            <a:endParaRPr lang="en-US" altLang="ko-KR" sz="4800" dirty="0">
-              <a:solidFill>
-                <a:srgbClr val="4C50BC"/>
-              </a:solidFill>
-              <a:latin typeface="G마켓 산스 Medium" panose="02000000000000000000" pitchFamily="50" charset="-127"/>
-              <a:ea typeface="G마켓 산스 Medium" panose="02000000000000000000" pitchFamily="50" charset="-127"/>
-            </a:endParaRPr>
-          </a:p>
-        </p:txBody>
-      </p:sp>
       <p:graphicFrame>
         <p:nvGraphicFramePr>
           <p:cNvPr id="11" name="표 10"/>
@@ -16221,13 +17267,13 @@
           <p:nvPr>
             <p:extLst>
               <p:ext uri="{D42A27DB-BD31-4B8C-83A1-F6EECF244321}">
-                <p14:modId xmlns:p14="http://schemas.microsoft.com/office/powerpoint/2010/main" val="3071884220"/>
+                <p14:modId xmlns:p14="http://schemas.microsoft.com/office/powerpoint/2010/main" val="862075079"/>
               </p:ext>
             </p:extLst>
           </p:nvPr>
         </p:nvGraphicFramePr>
         <p:xfrm>
-          <a:off x="4572000" y="3009900"/>
+          <a:off x="4572000" y="2705100"/>
           <a:ext cx="8001001" cy="3505200"/>
         </p:xfrm>
         <a:graphic>
@@ -16708,7 +17754,7 @@
         </p:nvSpPr>
         <p:spPr>
           <a:xfrm>
-            <a:off x="2667000" y="7048500"/>
+            <a:off x="2667000" y="6743700"/>
             <a:ext cx="12420600" cy="646331"/>
           </a:xfrm>
           <a:prstGeom prst="rect">
@@ -16745,6 +17791,107 @@
           </a:p>
         </p:txBody>
       </p:sp>
+      <p:sp>
+        <p:nvSpPr>
+          <p:cNvPr id="2" name="TextBox 1">
+            <a:extLst>
+              <a:ext uri="{FF2B5EF4-FFF2-40B4-BE49-F238E27FC236}">
+                <a16:creationId xmlns:a16="http://schemas.microsoft.com/office/drawing/2014/main" id="{CD36FC90-EA69-48A9-2CD3-E79894B074BF}"/>
+              </a:ext>
+            </a:extLst>
+          </p:cNvPr>
+          <p:cNvSpPr txBox="1"/>
+          <p:nvPr/>
+        </p:nvSpPr>
+        <p:spPr>
+          <a:xfrm>
+            <a:off x="304800" y="114300"/>
+            <a:ext cx="14325600" cy="923330"/>
+          </a:xfrm>
+          <a:prstGeom prst="rect">
+            <a:avLst/>
+          </a:prstGeom>
+          <a:noFill/>
+        </p:spPr>
+        <p:txBody>
+          <a:bodyPr wrap="square" rtlCol="0">
+            <a:spAutoFit/>
+          </a:bodyPr>
+          <a:lstStyle/>
+          <a:p>
+            <a:r>
+              <a:rPr lang="en-US" altLang="ko-KR" sz="5400" spc="-300" dirty="0">
+                <a:solidFill>
+                  <a:srgbClr val="4C50BC"/>
+                </a:solidFill>
+                <a:latin typeface="G마켓 산스 Bold" panose="02000000000000000000" pitchFamily="50" charset="-127"/>
+                <a:ea typeface="G마켓 산스 Bold" panose="02000000000000000000" pitchFamily="50" charset="-127"/>
+              </a:rPr>
+              <a:t>JVM</a:t>
+            </a:r>
+            <a:r>
+              <a:rPr lang="ko-KR" altLang="en-US" sz="5400" spc="-300" dirty="0">
+                <a:solidFill>
+                  <a:srgbClr val="4C50BC"/>
+                </a:solidFill>
+                <a:latin typeface="G마켓 산스 Bold" panose="02000000000000000000" pitchFamily="50" charset="-127"/>
+                <a:ea typeface="G마켓 산스 Bold" panose="02000000000000000000" pitchFamily="50" charset="-127"/>
+              </a:rPr>
+              <a:t>의 메모리 구조</a:t>
+            </a:r>
+            <a:endParaRPr lang="en-US" altLang="ko-KR" sz="5400" spc="-300" dirty="0">
+              <a:solidFill>
+                <a:srgbClr val="4C50BC"/>
+              </a:solidFill>
+              <a:latin typeface="G마켓 산스 Bold" panose="02000000000000000000" pitchFamily="50" charset="-127"/>
+              <a:ea typeface="G마켓 산스 Bold" panose="02000000000000000000" pitchFamily="50" charset="-127"/>
+            </a:endParaRPr>
+          </a:p>
+        </p:txBody>
+      </p:sp>
+      <p:cxnSp>
+        <p:nvCxnSpPr>
+          <p:cNvPr id="3" name="직선 연결선 2">
+            <a:extLst>
+              <a:ext uri="{FF2B5EF4-FFF2-40B4-BE49-F238E27FC236}">
+                <a16:creationId xmlns:a16="http://schemas.microsoft.com/office/drawing/2014/main" id="{57DA941F-D9EC-2B50-E891-56D59D6AB4F6}"/>
+              </a:ext>
+            </a:extLst>
+          </p:cNvPr>
+          <p:cNvCxnSpPr>
+            <a:cxnSpLocks/>
+          </p:cNvCxnSpPr>
+          <p:nvPr/>
+        </p:nvCxnSpPr>
+        <p:spPr>
+          <a:xfrm flipH="1" flipV="1">
+            <a:off x="-13447" y="972511"/>
+            <a:ext cx="18288000" cy="65119"/>
+          </a:xfrm>
+          <a:prstGeom prst="line">
+            <a:avLst/>
+          </a:prstGeom>
+          <a:ln w="38100">
+            <a:solidFill>
+              <a:srgbClr val="4C50BC"/>
+            </a:solidFill>
+          </a:ln>
+        </p:spPr>
+        <p:style>
+          <a:lnRef idx="1">
+            <a:schemeClr val="accent1"/>
+          </a:lnRef>
+          <a:fillRef idx="0">
+            <a:schemeClr val="accent1"/>
+          </a:fillRef>
+          <a:effectRef idx="0">
+            <a:schemeClr val="accent1"/>
+          </a:effectRef>
+          <a:fontRef idx="minor">
+            <a:schemeClr val="tx1"/>
+          </a:fontRef>
+        </p:style>
+      </p:cxnSp>
     </p:spTree>
     <p:extLst>
       <p:ext uri="{BB962C8B-B14F-4D97-AF65-F5344CB8AC3E}">
@@ -18689,54 +19836,6 @@
           <a:chExt cx="0" cy="0"/>
         </a:xfrm>
       </p:grpSpPr>
-      <p:sp>
-        <p:nvSpPr>
-          <p:cNvPr id="4" name="TextBox 3">
-            <a:extLst>
-              <a:ext uri="{FF2B5EF4-FFF2-40B4-BE49-F238E27FC236}">
-                <a16:creationId xmlns:a16="http://schemas.microsoft.com/office/drawing/2014/main" id="{5ADC00B6-990A-40DC-3CEA-505258F5E8DA}"/>
-              </a:ext>
-            </a:extLst>
-          </p:cNvPr>
-          <p:cNvSpPr txBox="1"/>
-          <p:nvPr/>
-        </p:nvSpPr>
-        <p:spPr>
-          <a:xfrm>
-            <a:off x="762000" y="419100"/>
-            <a:ext cx="6934200" cy="830997"/>
-          </a:xfrm>
-          <a:prstGeom prst="rect">
-            <a:avLst/>
-          </a:prstGeom>
-          <a:noFill/>
-        </p:spPr>
-        <p:txBody>
-          <a:bodyPr wrap="square" rtlCol="0">
-            <a:spAutoFit/>
-          </a:bodyPr>
-          <a:lstStyle/>
-          <a:p>
-            <a:r>
-              <a:rPr lang="ko-KR" altLang="en-US" sz="4800">
-                <a:solidFill>
-                  <a:srgbClr val="4C50BC"/>
-                </a:solidFill>
-                <a:latin typeface="G마켓 산스 Medium" panose="02000000000000000000" pitchFamily="50" charset="-127"/>
-                <a:ea typeface="G마켓 산스 Medium" panose="02000000000000000000" pitchFamily="50" charset="-127"/>
-              </a:rPr>
-              <a:t>스코프와 라이프사이클</a:t>
-            </a:r>
-            <a:endParaRPr lang="en-US" altLang="ko-KR" sz="4800" dirty="0">
-              <a:solidFill>
-                <a:srgbClr val="4C50BC"/>
-              </a:solidFill>
-              <a:latin typeface="G마켓 산스 Medium" panose="02000000000000000000" pitchFamily="50" charset="-127"/>
-              <a:ea typeface="G마켓 산스 Medium" panose="02000000000000000000" pitchFamily="50" charset="-127"/>
-            </a:endParaRPr>
-          </a:p>
-        </p:txBody>
-      </p:sp>
       <p:graphicFrame>
         <p:nvGraphicFramePr>
           <p:cNvPr id="5" name="표 4"/>
@@ -18746,13 +19845,13 @@
           <p:nvPr>
             <p:extLst>
               <p:ext uri="{D42A27DB-BD31-4B8C-83A1-F6EECF244321}">
-                <p14:modId xmlns:p14="http://schemas.microsoft.com/office/powerpoint/2010/main" val="3734104737"/>
+                <p14:modId xmlns:p14="http://schemas.microsoft.com/office/powerpoint/2010/main" val="223801118"/>
               </p:ext>
             </p:extLst>
           </p:nvPr>
         </p:nvGraphicFramePr>
         <p:xfrm>
-          <a:off x="7848600" y="2324100"/>
+          <a:off x="7848600" y="2466504"/>
           <a:ext cx="10287000" cy="4876799"/>
         </p:xfrm>
         <a:graphic>
@@ -19726,7 +20825,7 @@
         </p:blipFill>
         <p:spPr>
           <a:xfrm>
-            <a:off x="457200" y="1485899"/>
+            <a:off x="457200" y="1628303"/>
             <a:ext cx="6781800" cy="8620597"/>
           </a:xfrm>
           <a:prstGeom prst="rect">
@@ -19734,6 +20833,107 @@
           </a:prstGeom>
         </p:spPr>
       </p:pic>
+      <p:sp>
+        <p:nvSpPr>
+          <p:cNvPr id="2" name="TextBox 1">
+            <a:extLst>
+              <a:ext uri="{FF2B5EF4-FFF2-40B4-BE49-F238E27FC236}">
+                <a16:creationId xmlns:a16="http://schemas.microsoft.com/office/drawing/2014/main" id="{EACE5DA4-2967-0F49-4E2C-FD0A531C866E}"/>
+              </a:ext>
+            </a:extLst>
+          </p:cNvPr>
+          <p:cNvSpPr txBox="1"/>
+          <p:nvPr/>
+        </p:nvSpPr>
+        <p:spPr>
+          <a:xfrm>
+            <a:off x="304800" y="114300"/>
+            <a:ext cx="14325600" cy="923330"/>
+          </a:xfrm>
+          <a:prstGeom prst="rect">
+            <a:avLst/>
+          </a:prstGeom>
+          <a:noFill/>
+        </p:spPr>
+        <p:txBody>
+          <a:bodyPr wrap="square" rtlCol="0">
+            <a:spAutoFit/>
+          </a:bodyPr>
+          <a:lstStyle/>
+          <a:p>
+            <a:r>
+              <a:rPr lang="ko-KR" altLang="en-US" sz="5400" spc="-300" dirty="0" err="1">
+                <a:solidFill>
+                  <a:srgbClr val="4C50BC"/>
+                </a:solidFill>
+                <a:latin typeface="G마켓 산스 Bold" panose="02000000000000000000" pitchFamily="50" charset="-127"/>
+                <a:ea typeface="G마켓 산스 Bold" panose="02000000000000000000" pitchFamily="50" charset="-127"/>
+              </a:rPr>
+              <a:t>스코프와</a:t>
+            </a:r>
+            <a:r>
+              <a:rPr lang="ko-KR" altLang="en-US" sz="5400" spc="-300" dirty="0">
+                <a:solidFill>
+                  <a:srgbClr val="4C50BC"/>
+                </a:solidFill>
+                <a:latin typeface="G마켓 산스 Bold" panose="02000000000000000000" pitchFamily="50" charset="-127"/>
+                <a:ea typeface="G마켓 산스 Bold" panose="02000000000000000000" pitchFamily="50" charset="-127"/>
+              </a:rPr>
+              <a:t> 라이프사이클</a:t>
+            </a:r>
+            <a:endParaRPr lang="en-US" altLang="ko-KR" sz="5400" spc="-300" dirty="0">
+              <a:solidFill>
+                <a:srgbClr val="4C50BC"/>
+              </a:solidFill>
+              <a:latin typeface="G마켓 산스 Bold" panose="02000000000000000000" pitchFamily="50" charset="-127"/>
+              <a:ea typeface="G마켓 산스 Bold" panose="02000000000000000000" pitchFamily="50" charset="-127"/>
+            </a:endParaRPr>
+          </a:p>
+        </p:txBody>
+      </p:sp>
+      <p:cxnSp>
+        <p:nvCxnSpPr>
+          <p:cNvPr id="6" name="직선 연결선 5">
+            <a:extLst>
+              <a:ext uri="{FF2B5EF4-FFF2-40B4-BE49-F238E27FC236}">
+                <a16:creationId xmlns:a16="http://schemas.microsoft.com/office/drawing/2014/main" id="{D9B93947-0CA2-C64B-74D5-FDC547FCE730}"/>
+              </a:ext>
+            </a:extLst>
+          </p:cNvPr>
+          <p:cNvCxnSpPr>
+            <a:cxnSpLocks/>
+          </p:cNvCxnSpPr>
+          <p:nvPr/>
+        </p:nvCxnSpPr>
+        <p:spPr>
+          <a:xfrm flipH="1" flipV="1">
+            <a:off x="-13447" y="972511"/>
+            <a:ext cx="18288000" cy="65119"/>
+          </a:xfrm>
+          <a:prstGeom prst="line">
+            <a:avLst/>
+          </a:prstGeom>
+          <a:ln w="38100">
+            <a:solidFill>
+              <a:srgbClr val="4C50BC"/>
+            </a:solidFill>
+          </a:ln>
+        </p:spPr>
+        <p:style>
+          <a:lnRef idx="1">
+            <a:schemeClr val="accent1"/>
+          </a:lnRef>
+          <a:fillRef idx="0">
+            <a:schemeClr val="accent1"/>
+          </a:fillRef>
+          <a:effectRef idx="0">
+            <a:schemeClr val="accent1"/>
+          </a:effectRef>
+          <a:fontRef idx="minor">
+            <a:schemeClr val="tx1"/>
+          </a:fontRef>
+        </p:style>
+      </p:cxnSp>
     </p:spTree>
     <p:extLst>
       <p:ext uri="{BB962C8B-B14F-4D97-AF65-F5344CB8AC3E}">
@@ -19772,7 +20972,7 @@
         </p:nvGrpSpPr>
         <p:grpSpPr>
           <a:xfrm>
-            <a:off x="5826578" y="1257300"/>
+            <a:off x="5826578" y="2678406"/>
             <a:ext cx="3753082" cy="785575"/>
             <a:chOff x="7305119" y="3255660"/>
             <a:chExt cx="3753082" cy="785575"/>
@@ -19817,7 +21017,7 @@
         </p:nvSpPr>
         <p:spPr>
           <a:xfrm>
-            <a:off x="7177546" y="1257300"/>
+            <a:off x="7177546" y="2678406"/>
             <a:ext cx="1249913" cy="707886"/>
           </a:xfrm>
           <a:prstGeom prst="rect">
@@ -19867,7 +21067,7 @@
         </p:blipFill>
         <p:spPr>
           <a:xfrm>
-            <a:off x="2819400" y="4675025"/>
+            <a:off x="2819400" y="6096131"/>
             <a:ext cx="3393622" cy="1114286"/>
           </a:xfrm>
           <a:prstGeom prst="rect">
@@ -19891,7 +21091,7 @@
         </p:blipFill>
         <p:spPr>
           <a:xfrm>
-            <a:off x="7175200" y="7027708"/>
+            <a:off x="7175200" y="8448814"/>
             <a:ext cx="3829657" cy="1114286"/>
           </a:xfrm>
           <a:prstGeom prst="rect">
@@ -19915,7 +21115,7 @@
         </p:blipFill>
         <p:spPr>
           <a:xfrm>
-            <a:off x="11797844" y="7027708"/>
+            <a:off x="11797844" y="8448814"/>
             <a:ext cx="3393622" cy="1114286"/>
           </a:xfrm>
           <a:prstGeom prst="rect">
@@ -19937,7 +21137,7 @@
         </p:nvSpPr>
         <p:spPr>
           <a:xfrm>
-            <a:off x="3200400" y="4845903"/>
+            <a:off x="3200400" y="6267009"/>
             <a:ext cx="2626178" cy="769441"/>
           </a:xfrm>
           <a:prstGeom prst="rect">
@@ -19985,7 +21185,7 @@
         </p:nvSpPr>
         <p:spPr>
           <a:xfrm>
-            <a:off x="7387261" y="7278451"/>
+            <a:off x="7387261" y="8699557"/>
             <a:ext cx="4271339" cy="707886"/>
           </a:xfrm>
           <a:prstGeom prst="rect">
@@ -20033,7 +21233,7 @@
         </p:nvSpPr>
         <p:spPr>
           <a:xfrm>
-            <a:off x="12115800" y="7200900"/>
+            <a:off x="12115800" y="8622006"/>
             <a:ext cx="3433139" cy="707886"/>
           </a:xfrm>
           <a:prstGeom prst="rect">
@@ -20083,7 +21283,7 @@
         </p:blipFill>
         <p:spPr>
           <a:xfrm>
-            <a:off x="9665520" y="4665508"/>
+            <a:off x="9665520" y="6086614"/>
             <a:ext cx="3393622" cy="1114286"/>
           </a:xfrm>
           <a:prstGeom prst="rect">
@@ -20105,7 +21305,7 @@
         </p:nvSpPr>
         <p:spPr>
           <a:xfrm>
-            <a:off x="9906000" y="4916251"/>
+            <a:off x="9906000" y="6337357"/>
             <a:ext cx="3000220" cy="707886"/>
           </a:xfrm>
           <a:prstGeom prst="rect">
@@ -20151,7 +21351,7 @@
         </p:nvCxnSpPr>
         <p:spPr>
           <a:xfrm flipH="1">
-            <a:off x="9090029" y="5779794"/>
+            <a:off x="9090029" y="7200900"/>
             <a:ext cx="2272302" cy="1247914"/>
           </a:xfrm>
           <a:prstGeom prst="line">
@@ -20187,7 +21387,7 @@
         </p:nvCxnSpPr>
         <p:spPr>
           <a:xfrm>
-            <a:off x="11362331" y="5779794"/>
+            <a:off x="11362331" y="7200900"/>
             <a:ext cx="2132324" cy="1247914"/>
           </a:xfrm>
           <a:prstGeom prst="line">
@@ -20223,7 +21423,7 @@
         </p:nvCxnSpPr>
         <p:spPr>
           <a:xfrm flipH="1">
-            <a:off x="4516211" y="2042875"/>
+            <a:off x="4516211" y="3463981"/>
             <a:ext cx="3186908" cy="2632150"/>
           </a:xfrm>
           <a:prstGeom prst="line">
@@ -20259,7 +21459,7 @@
         </p:nvCxnSpPr>
         <p:spPr>
           <a:xfrm>
-            <a:off x="7703119" y="2042875"/>
+            <a:off x="7703119" y="3463981"/>
             <a:ext cx="3659212" cy="2622633"/>
           </a:xfrm>
           <a:prstGeom prst="line">
@@ -20277,6 +21477,97 @@
             <a:schemeClr val="accent1"/>
           </a:fillRef>
           <a:effectRef idx="2">
+            <a:schemeClr val="accent1"/>
+          </a:effectRef>
+          <a:fontRef idx="minor">
+            <a:schemeClr val="tx1"/>
+          </a:fontRef>
+        </p:style>
+      </p:cxnSp>
+      <p:sp>
+        <p:nvSpPr>
+          <p:cNvPr id="2" name="TextBox 1">
+            <a:extLst>
+              <a:ext uri="{FF2B5EF4-FFF2-40B4-BE49-F238E27FC236}">
+                <a16:creationId xmlns:a16="http://schemas.microsoft.com/office/drawing/2014/main" id="{4BB664F7-4769-5C31-F47A-40564445C3F7}"/>
+              </a:ext>
+            </a:extLst>
+          </p:cNvPr>
+          <p:cNvSpPr txBox="1"/>
+          <p:nvPr/>
+        </p:nvSpPr>
+        <p:spPr>
+          <a:xfrm>
+            <a:off x="304800" y="114300"/>
+            <a:ext cx="4343400" cy="923330"/>
+          </a:xfrm>
+          <a:prstGeom prst="rect">
+            <a:avLst/>
+          </a:prstGeom>
+          <a:noFill/>
+        </p:spPr>
+        <p:txBody>
+          <a:bodyPr wrap="square" rtlCol="0">
+            <a:spAutoFit/>
+          </a:bodyPr>
+          <a:lstStyle/>
+          <a:p>
+            <a:r>
+              <a:rPr lang="ko-KR" altLang="en-US" sz="5400" spc="-300" dirty="0">
+                <a:solidFill>
+                  <a:srgbClr val="4C50BC"/>
+                </a:solidFill>
+                <a:latin typeface="G마켓 산스 Bold" panose="02000000000000000000" pitchFamily="50" charset="-127"/>
+                <a:ea typeface="G마켓 산스 Bold" panose="02000000000000000000" pitchFamily="50" charset="-127"/>
+              </a:rPr>
+              <a:t>변수의 종류</a:t>
+            </a:r>
+            <a:endParaRPr lang="en-US" altLang="ko-KR" sz="5400" spc="-300" dirty="0">
+              <a:solidFill>
+                <a:srgbClr val="4C50BC"/>
+              </a:solidFill>
+              <a:latin typeface="G마켓 산스 Bold" panose="02000000000000000000" pitchFamily="50" charset="-127"/>
+              <a:ea typeface="G마켓 산스 Bold" panose="02000000000000000000" pitchFamily="50" charset="-127"/>
+            </a:endParaRPr>
+          </a:p>
+        </p:txBody>
+      </p:sp>
+      <p:cxnSp>
+        <p:nvCxnSpPr>
+          <p:cNvPr id="4" name="직선 연결선 3">
+            <a:extLst>
+              <a:ext uri="{FF2B5EF4-FFF2-40B4-BE49-F238E27FC236}">
+                <a16:creationId xmlns:a16="http://schemas.microsoft.com/office/drawing/2014/main" id="{99294D4F-C769-DA1C-5022-FDCA6E5DA5DE}"/>
+              </a:ext>
+            </a:extLst>
+          </p:cNvPr>
+          <p:cNvCxnSpPr>
+            <a:cxnSpLocks/>
+          </p:cNvCxnSpPr>
+          <p:nvPr/>
+        </p:nvCxnSpPr>
+        <p:spPr>
+          <a:xfrm flipH="1" flipV="1">
+            <a:off x="-13447" y="972511"/>
+            <a:ext cx="18288000" cy="65119"/>
+          </a:xfrm>
+          <a:prstGeom prst="line">
+            <a:avLst/>
+          </a:prstGeom>
+          <a:ln w="38100">
+            <a:solidFill>
+              <a:srgbClr val="4C50BC"/>
+            </a:solidFill>
+          </a:ln>
+        </p:spPr>
+        <p:style>
+          <a:lnRef idx="1">
+            <a:schemeClr val="accent1"/>
+          </a:lnRef>
+          <a:fillRef idx="0">
+            <a:schemeClr val="accent1"/>
+          </a:fillRef>
+          <a:effectRef idx="0">
             <a:schemeClr val="accent1"/>
           </a:effectRef>
           <a:fontRef idx="minor">
@@ -20914,7 +22205,7 @@
         </p:blipFill>
         <p:spPr>
           <a:xfrm>
-            <a:off x="457200" y="1478696"/>
+            <a:off x="457200" y="1638300"/>
             <a:ext cx="9666126" cy="6560403"/>
           </a:xfrm>
           <a:prstGeom prst="rect">
@@ -20922,54 +22213,6 @@
           </a:prstGeom>
         </p:spPr>
       </p:pic>
-      <p:sp>
-        <p:nvSpPr>
-          <p:cNvPr id="4" name="TextBox 3">
-            <a:extLst>
-              <a:ext uri="{FF2B5EF4-FFF2-40B4-BE49-F238E27FC236}">
-                <a16:creationId xmlns:a16="http://schemas.microsoft.com/office/drawing/2014/main" id="{5ADC00B6-990A-40DC-3CEA-505258F5E8DA}"/>
-              </a:ext>
-            </a:extLst>
-          </p:cNvPr>
-          <p:cNvSpPr txBox="1"/>
-          <p:nvPr/>
-        </p:nvSpPr>
-        <p:spPr>
-          <a:xfrm>
-            <a:off x="762000" y="647700"/>
-            <a:ext cx="4114800" cy="830997"/>
-          </a:xfrm>
-          <a:prstGeom prst="rect">
-            <a:avLst/>
-          </a:prstGeom>
-          <a:noFill/>
-        </p:spPr>
-        <p:txBody>
-          <a:bodyPr wrap="square" rtlCol="0">
-            <a:spAutoFit/>
-          </a:bodyPr>
-          <a:lstStyle/>
-          <a:p>
-            <a:r>
-              <a:rPr lang="ko-KR" altLang="en-US" sz="4800">
-                <a:solidFill>
-                  <a:srgbClr val="4C50BC"/>
-                </a:solidFill>
-                <a:latin typeface="G마켓 산스 Medium" panose="02000000000000000000" pitchFamily="50" charset="-127"/>
-                <a:ea typeface="G마켓 산스 Medium" panose="02000000000000000000" pitchFamily="50" charset="-127"/>
-              </a:rPr>
-              <a:t>클래스 메서드</a:t>
-            </a:r>
-            <a:endParaRPr lang="en-US" altLang="ko-KR" sz="4800" dirty="0">
-              <a:solidFill>
-                <a:srgbClr val="4C50BC"/>
-              </a:solidFill>
-              <a:latin typeface="G마켓 산스 Medium" panose="02000000000000000000" pitchFamily="50" charset="-127"/>
-              <a:ea typeface="G마켓 산스 Medium" panose="02000000000000000000" pitchFamily="50" charset="-127"/>
-            </a:endParaRPr>
-          </a:p>
-        </p:txBody>
-      </p:sp>
       <p:sp>
         <p:nvSpPr>
           <p:cNvPr id="6" name="직사각형 5">
@@ -20984,7 +22227,7 @@
         </p:nvSpPr>
         <p:spPr>
           <a:xfrm>
-            <a:off x="1371600" y="6134100"/>
+            <a:off x="1371600" y="6293704"/>
             <a:ext cx="1447800" cy="457200"/>
           </a:xfrm>
           <a:prstGeom prst="rect">
@@ -21038,7 +22281,7 @@
         </p:blipFill>
         <p:spPr>
           <a:xfrm>
-            <a:off x="11554326" y="1600200"/>
+            <a:off x="11554326" y="1759804"/>
             <a:ext cx="4870191" cy="1607403"/>
           </a:xfrm>
           <a:prstGeom prst="rect">
@@ -21062,7 +22305,7 @@
         </p:blipFill>
         <p:spPr>
           <a:xfrm>
-            <a:off x="11554326" y="3512403"/>
+            <a:off x="11554326" y="3672007"/>
             <a:ext cx="4981074" cy="1371600"/>
           </a:xfrm>
           <a:prstGeom prst="rect">
@@ -21078,7 +22321,7 @@
         </p:nvSpPr>
         <p:spPr>
           <a:xfrm>
-            <a:off x="11554326" y="3749454"/>
+            <a:off x="11554326" y="3909058"/>
             <a:ext cx="2057400" cy="1698846"/>
           </a:xfrm>
           <a:prstGeom prst="mathMultiply">
@@ -21120,6 +22363,97 @@
           </a:p>
         </p:txBody>
       </p:sp>
+      <p:sp>
+        <p:nvSpPr>
+          <p:cNvPr id="3" name="TextBox 2">
+            <a:extLst>
+              <a:ext uri="{FF2B5EF4-FFF2-40B4-BE49-F238E27FC236}">
+                <a16:creationId xmlns:a16="http://schemas.microsoft.com/office/drawing/2014/main" id="{FBBAFB0E-4AC7-D1A2-D3E8-80368AEA04DA}"/>
+              </a:ext>
+            </a:extLst>
+          </p:cNvPr>
+          <p:cNvSpPr txBox="1"/>
+          <p:nvPr/>
+        </p:nvSpPr>
+        <p:spPr>
+          <a:xfrm>
+            <a:off x="304800" y="114300"/>
+            <a:ext cx="14325600" cy="923330"/>
+          </a:xfrm>
+          <a:prstGeom prst="rect">
+            <a:avLst/>
+          </a:prstGeom>
+          <a:noFill/>
+        </p:spPr>
+        <p:txBody>
+          <a:bodyPr wrap="square" rtlCol="0">
+            <a:spAutoFit/>
+          </a:bodyPr>
+          <a:lstStyle/>
+          <a:p>
+            <a:r>
+              <a:rPr lang="ko-KR" altLang="en-US" sz="5400" spc="-300" dirty="0">
+                <a:solidFill>
+                  <a:srgbClr val="4C50BC"/>
+                </a:solidFill>
+                <a:latin typeface="G마켓 산스 Bold" panose="02000000000000000000" pitchFamily="50" charset="-127"/>
+                <a:ea typeface="G마켓 산스 Bold" panose="02000000000000000000" pitchFamily="50" charset="-127"/>
+              </a:rPr>
+              <a:t>클래스 메서드</a:t>
+            </a:r>
+            <a:endParaRPr lang="en-US" altLang="ko-KR" sz="5400" spc="-300" dirty="0">
+              <a:solidFill>
+                <a:srgbClr val="4C50BC"/>
+              </a:solidFill>
+              <a:latin typeface="G마켓 산스 Bold" panose="02000000000000000000" pitchFamily="50" charset="-127"/>
+              <a:ea typeface="G마켓 산스 Bold" panose="02000000000000000000" pitchFamily="50" charset="-127"/>
+            </a:endParaRPr>
+          </a:p>
+        </p:txBody>
+      </p:sp>
+      <p:cxnSp>
+        <p:nvCxnSpPr>
+          <p:cNvPr id="5" name="직선 연결선 4">
+            <a:extLst>
+              <a:ext uri="{FF2B5EF4-FFF2-40B4-BE49-F238E27FC236}">
+                <a16:creationId xmlns:a16="http://schemas.microsoft.com/office/drawing/2014/main" id="{F01F05B9-1323-66CA-B8FD-22B25FB7AA8A}"/>
+              </a:ext>
+            </a:extLst>
+          </p:cNvPr>
+          <p:cNvCxnSpPr>
+            <a:cxnSpLocks/>
+          </p:cNvCxnSpPr>
+          <p:nvPr/>
+        </p:nvCxnSpPr>
+        <p:spPr>
+          <a:xfrm flipH="1" flipV="1">
+            <a:off x="-13447" y="972511"/>
+            <a:ext cx="18288000" cy="65119"/>
+          </a:xfrm>
+          <a:prstGeom prst="line">
+            <a:avLst/>
+          </a:prstGeom>
+          <a:ln w="38100">
+            <a:solidFill>
+              <a:srgbClr val="4C50BC"/>
+            </a:solidFill>
+          </a:ln>
+        </p:spPr>
+        <p:style>
+          <a:lnRef idx="1">
+            <a:schemeClr val="accent1"/>
+          </a:lnRef>
+          <a:fillRef idx="0">
+            <a:schemeClr val="accent1"/>
+          </a:fillRef>
+          <a:effectRef idx="0">
+            <a:schemeClr val="accent1"/>
+          </a:effectRef>
+          <a:fontRef idx="minor">
+            <a:schemeClr val="tx1"/>
+          </a:fontRef>
+        </p:style>
+      </p:cxnSp>
     </p:spTree>
     <p:extLst>
       <p:ext uri="{BB962C8B-B14F-4D97-AF65-F5344CB8AC3E}">
@@ -24110,7 +25444,7 @@
         </p:blipFill>
         <p:spPr>
           <a:xfrm>
-            <a:off x="438150" y="956079"/>
+            <a:off x="438150" y="1077903"/>
             <a:ext cx="4667250" cy="9170997"/>
           </a:xfrm>
           <a:prstGeom prst="rect">
@@ -24132,7 +25466,7 @@
         </p:nvSpPr>
         <p:spPr>
           <a:xfrm>
-            <a:off x="1066800" y="2171700"/>
+            <a:off x="1066800" y="2293524"/>
             <a:ext cx="1752600" cy="457200"/>
           </a:xfrm>
           <a:prstGeom prst="rect">
@@ -24186,7 +25520,7 @@
         </p:nvCxnSpPr>
         <p:spPr>
           <a:xfrm>
-            <a:off x="2819400" y="2358614"/>
+            <a:off x="2819400" y="2480438"/>
             <a:ext cx="1219200" cy="0"/>
           </a:xfrm>
           <a:prstGeom prst="straightConnector1">
@@ -24225,7 +25559,7 @@
         </p:nvSpPr>
         <p:spPr>
           <a:xfrm>
-            <a:off x="4193657" y="1943100"/>
+            <a:off x="4193657" y="2064924"/>
             <a:ext cx="1597544" cy="707886"/>
           </a:xfrm>
           <a:prstGeom prst="rect">
@@ -24276,7 +25610,7 @@
         </p:nvSpPr>
         <p:spPr>
           <a:xfrm>
-            <a:off x="1066800" y="2705100"/>
+            <a:off x="1066800" y="2826924"/>
             <a:ext cx="2667000" cy="457200"/>
           </a:xfrm>
           <a:prstGeom prst="rect">
@@ -24330,7 +25664,7 @@
         </p:nvCxnSpPr>
         <p:spPr>
           <a:xfrm>
-            <a:off x="3733800" y="3098528"/>
+            <a:off x="3733800" y="3220352"/>
             <a:ext cx="1219200" cy="0"/>
           </a:xfrm>
           <a:prstGeom prst="straightConnector1">
@@ -24369,7 +25703,7 @@
         </p:nvSpPr>
         <p:spPr>
           <a:xfrm>
-            <a:off x="5108056" y="2683014"/>
+            <a:off x="5108056" y="2804838"/>
             <a:ext cx="12113143" cy="707886"/>
           </a:xfrm>
           <a:prstGeom prst="rect">
@@ -24442,7 +25776,7 @@
         </p:nvCxnSpPr>
         <p:spPr>
           <a:xfrm>
-            <a:off x="4800601" y="3848100"/>
+            <a:off x="4800601" y="3969924"/>
             <a:ext cx="1219200" cy="0"/>
           </a:xfrm>
           <a:prstGeom prst="straightConnector1">
@@ -24481,7 +25815,7 @@
         </p:nvSpPr>
         <p:spPr>
           <a:xfrm>
-            <a:off x="6174857" y="3491925"/>
+            <a:off x="6174857" y="3613749"/>
             <a:ext cx="2054743" cy="584775"/>
           </a:xfrm>
           <a:prstGeom prst="rect">
@@ -24524,7 +25858,7 @@
         </p:nvCxnSpPr>
         <p:spPr>
           <a:xfrm>
-            <a:off x="4495800" y="7692614"/>
+            <a:off x="4495800" y="7814438"/>
             <a:ext cx="1219200" cy="0"/>
           </a:xfrm>
           <a:prstGeom prst="straightConnector1">
@@ -24563,7 +25897,7 @@
         </p:nvSpPr>
         <p:spPr>
           <a:xfrm>
-            <a:off x="5870056" y="7454325"/>
+            <a:off x="5870056" y="7576149"/>
             <a:ext cx="2054743" cy="584775"/>
           </a:xfrm>
           <a:prstGeom prst="rect">
@@ -24606,7 +25940,7 @@
         </p:nvCxnSpPr>
         <p:spPr>
           <a:xfrm>
-            <a:off x="4800601" y="4202043"/>
+            <a:off x="4800601" y="4323867"/>
             <a:ext cx="1219200" cy="0"/>
           </a:xfrm>
           <a:prstGeom prst="straightConnector1">
@@ -24645,7 +25979,7 @@
         </p:nvSpPr>
         <p:spPr>
           <a:xfrm>
-            <a:off x="6174857" y="3897243"/>
+            <a:off x="6174857" y="4019067"/>
             <a:ext cx="2054743" cy="584775"/>
           </a:xfrm>
           <a:prstGeom prst="rect">
@@ -24688,7 +26022,7 @@
         </p:nvCxnSpPr>
         <p:spPr>
           <a:xfrm>
-            <a:off x="4876800" y="5600700"/>
+            <a:off x="4876800" y="5722524"/>
             <a:ext cx="1219200" cy="0"/>
           </a:xfrm>
           <a:prstGeom prst="straightConnector1">
@@ -24727,7 +26061,7 @@
         </p:nvSpPr>
         <p:spPr>
           <a:xfrm>
-            <a:off x="6251056" y="5295900"/>
+            <a:off x="6251056" y="5417724"/>
             <a:ext cx="2054743" cy="584775"/>
           </a:xfrm>
           <a:prstGeom prst="rect">
@@ -24770,7 +26104,7 @@
         </p:nvCxnSpPr>
         <p:spPr>
           <a:xfrm>
-            <a:off x="4876800" y="6057900"/>
+            <a:off x="4876800" y="6179724"/>
             <a:ext cx="1219200" cy="0"/>
           </a:xfrm>
           <a:prstGeom prst="straightConnector1">
@@ -24809,7 +26143,7 @@
         </p:nvSpPr>
         <p:spPr>
           <a:xfrm>
-            <a:off x="6251056" y="5753100"/>
+            <a:off x="6251056" y="5874924"/>
             <a:ext cx="2054743" cy="584775"/>
           </a:xfrm>
           <a:prstGeom prst="rect">
@@ -24852,7 +26186,7 @@
         </p:nvCxnSpPr>
         <p:spPr>
           <a:xfrm>
-            <a:off x="4495800" y="7301925"/>
+            <a:off x="4495800" y="7423749"/>
             <a:ext cx="1219200" cy="0"/>
           </a:xfrm>
           <a:prstGeom prst="straightConnector1">
@@ -24891,7 +26225,7 @@
         </p:nvSpPr>
         <p:spPr>
           <a:xfrm>
-            <a:off x="5870056" y="6972300"/>
+            <a:off x="5870056" y="7094124"/>
             <a:ext cx="2054743" cy="584775"/>
           </a:xfrm>
           <a:prstGeom prst="rect">
@@ -24934,7 +26268,7 @@
         </p:nvCxnSpPr>
         <p:spPr>
           <a:xfrm>
-            <a:off x="4343400" y="8953500"/>
+            <a:off x="4343400" y="9075324"/>
             <a:ext cx="1219200" cy="0"/>
           </a:xfrm>
           <a:prstGeom prst="straightConnector1">
@@ -24973,7 +26307,7 @@
         </p:nvSpPr>
         <p:spPr>
           <a:xfrm>
-            <a:off x="5717656" y="8749725"/>
+            <a:off x="5717656" y="8871549"/>
             <a:ext cx="2054743" cy="584775"/>
           </a:xfrm>
           <a:prstGeom prst="rect">
@@ -25016,7 +26350,7 @@
         </p:nvCxnSpPr>
         <p:spPr>
           <a:xfrm>
-            <a:off x="4343400" y="9410700"/>
+            <a:off x="4343400" y="9532524"/>
             <a:ext cx="1219200" cy="0"/>
           </a:xfrm>
           <a:prstGeom prst="straightConnector1">
@@ -25055,7 +26389,7 @@
         </p:nvSpPr>
         <p:spPr>
           <a:xfrm>
-            <a:off x="5717656" y="9206925"/>
+            <a:off x="5717656" y="9328749"/>
             <a:ext cx="2054743" cy="584775"/>
           </a:xfrm>
           <a:prstGeom prst="rect">
@@ -25084,10 +26418,10 @@
       </p:sp>
       <p:sp>
         <p:nvSpPr>
-          <p:cNvPr id="29" name="TextBox 28">
+          <p:cNvPr id="2" name="TextBox 1">
             <a:extLst>
               <a:ext uri="{FF2B5EF4-FFF2-40B4-BE49-F238E27FC236}">
-                <a16:creationId xmlns:a16="http://schemas.microsoft.com/office/drawing/2014/main" id="{5ADC00B6-990A-40DC-3CEA-505258F5E8DA}"/>
+                <a16:creationId xmlns:a16="http://schemas.microsoft.com/office/drawing/2014/main" id="{7BB0413A-83A7-68BD-7614-3FE87C0C6647}"/>
               </a:ext>
             </a:extLst>
           </p:cNvPr>
@@ -25096,8 +26430,8 @@
         </p:nvSpPr>
         <p:spPr>
           <a:xfrm>
-            <a:off x="838200" y="125668"/>
-            <a:ext cx="2209800" cy="830997"/>
+            <a:off x="304800" y="114300"/>
+            <a:ext cx="14325600" cy="923330"/>
           </a:xfrm>
           <a:prstGeom prst="rect">
             <a:avLst/>
@@ -25111,25 +26445,68 @@
           <a:lstStyle/>
           <a:p>
             <a:r>
-              <a:rPr lang="ko-KR" altLang="en-US" sz="4800">
+              <a:rPr lang="ko-KR" altLang="en-US" sz="5400" spc="-300" dirty="0">
                 <a:solidFill>
                   <a:srgbClr val="4C50BC"/>
                 </a:solidFill>
-                <a:latin typeface="G마켓 산스 Medium" panose="02000000000000000000" pitchFamily="50" charset="-127"/>
-                <a:ea typeface="G마켓 산스 Medium" panose="02000000000000000000" pitchFamily="50" charset="-127"/>
+                <a:latin typeface="G마켓 산스 Bold" panose="02000000000000000000" pitchFamily="50" charset="-127"/>
+                <a:ea typeface="G마켓 산스 Bold" panose="02000000000000000000" pitchFamily="50" charset="-127"/>
               </a:rPr>
               <a:t>퀴즈</a:t>
             </a:r>
-            <a:endParaRPr lang="en-US" altLang="ko-KR" sz="4800" dirty="0">
+            <a:endParaRPr lang="en-US" altLang="ko-KR" sz="5400" spc="-300" dirty="0">
               <a:solidFill>
                 <a:srgbClr val="4C50BC"/>
               </a:solidFill>
-              <a:latin typeface="G마켓 산스 Medium" panose="02000000000000000000" pitchFamily="50" charset="-127"/>
-              <a:ea typeface="G마켓 산스 Medium" panose="02000000000000000000" pitchFamily="50" charset="-127"/>
+              <a:latin typeface="G마켓 산스 Bold" panose="02000000000000000000" pitchFamily="50" charset="-127"/>
+              <a:ea typeface="G마켓 산스 Bold" panose="02000000000000000000" pitchFamily="50" charset="-127"/>
             </a:endParaRPr>
           </a:p>
         </p:txBody>
       </p:sp>
+      <p:cxnSp>
+        <p:nvCxnSpPr>
+          <p:cNvPr id="3" name="직선 연결선 2">
+            <a:extLst>
+              <a:ext uri="{FF2B5EF4-FFF2-40B4-BE49-F238E27FC236}">
+                <a16:creationId xmlns:a16="http://schemas.microsoft.com/office/drawing/2014/main" id="{B80089EC-A6B0-76AA-4F79-E529CE6A5E77}"/>
+              </a:ext>
+            </a:extLst>
+          </p:cNvPr>
+          <p:cNvCxnSpPr>
+            <a:cxnSpLocks/>
+          </p:cNvCxnSpPr>
+          <p:nvPr/>
+        </p:nvCxnSpPr>
+        <p:spPr>
+          <a:xfrm flipH="1" flipV="1">
+            <a:off x="-13447" y="972511"/>
+            <a:ext cx="18288000" cy="65119"/>
+          </a:xfrm>
+          <a:prstGeom prst="line">
+            <a:avLst/>
+          </a:prstGeom>
+          <a:ln w="38100">
+            <a:solidFill>
+              <a:srgbClr val="4C50BC"/>
+            </a:solidFill>
+          </a:ln>
+        </p:spPr>
+        <p:style>
+          <a:lnRef idx="1">
+            <a:schemeClr val="accent1"/>
+          </a:lnRef>
+          <a:fillRef idx="0">
+            <a:schemeClr val="accent1"/>
+          </a:fillRef>
+          <a:effectRef idx="0">
+            <a:schemeClr val="accent1"/>
+          </a:effectRef>
+          <a:fontRef idx="minor">
+            <a:schemeClr val="tx1"/>
+          </a:fontRef>
+        </p:style>
+      </p:cxnSp>
     </p:spTree>
     <p:extLst>
       <p:ext uri="{BB962C8B-B14F-4D97-AF65-F5344CB8AC3E}">
@@ -25978,54 +27355,6 @@
           <a:chExt cx="0" cy="0"/>
         </a:xfrm>
       </p:grpSpPr>
-      <p:sp>
-        <p:nvSpPr>
-          <p:cNvPr id="4" name="TextBox 3">
-            <a:extLst>
-              <a:ext uri="{FF2B5EF4-FFF2-40B4-BE49-F238E27FC236}">
-                <a16:creationId xmlns:a16="http://schemas.microsoft.com/office/drawing/2014/main" id="{5ADC00B6-990A-40DC-3CEA-505258F5E8DA}"/>
-              </a:ext>
-            </a:extLst>
-          </p:cNvPr>
-          <p:cNvSpPr txBox="1"/>
-          <p:nvPr/>
-        </p:nvSpPr>
-        <p:spPr>
-          <a:xfrm>
-            <a:off x="762000" y="419100"/>
-            <a:ext cx="11658600" cy="830997"/>
-          </a:xfrm>
-          <a:prstGeom prst="rect">
-            <a:avLst/>
-          </a:prstGeom>
-          <a:noFill/>
-        </p:spPr>
-        <p:txBody>
-          <a:bodyPr wrap="square" rtlCol="0">
-            <a:spAutoFit/>
-          </a:bodyPr>
-          <a:lstStyle/>
-          <a:p>
-            <a:r>
-              <a:rPr lang="ko-KR" altLang="en-US" sz="4800">
-                <a:solidFill>
-                  <a:srgbClr val="4C50BC"/>
-                </a:solidFill>
-                <a:latin typeface="G마켓 산스 Medium" panose="02000000000000000000" pitchFamily="50" charset="-127"/>
-                <a:ea typeface="G마켓 산스 Medium" panose="02000000000000000000" pitchFamily="50" charset="-127"/>
-              </a:rPr>
-              <a:t>참조형 타입의 매개변수</a:t>
-            </a:r>
-            <a:endParaRPr lang="en-US" altLang="ko-KR" sz="4800" dirty="0">
-              <a:solidFill>
-                <a:srgbClr val="FF0000"/>
-              </a:solidFill>
-              <a:latin typeface="G마켓 산스 Medium" panose="02000000000000000000" pitchFamily="50" charset="-127"/>
-              <a:ea typeface="G마켓 산스 Medium" panose="02000000000000000000" pitchFamily="50" charset="-127"/>
-            </a:endParaRPr>
-          </a:p>
-        </p:txBody>
-      </p:sp>
       <p:pic>
         <p:nvPicPr>
           <p:cNvPr id="5" name="그림 4"/>
@@ -26042,7 +27371,7 @@
         </p:blipFill>
         <p:spPr>
           <a:xfrm>
-            <a:off x="228600" y="1714500"/>
+            <a:off x="228600" y="2550064"/>
             <a:ext cx="8509946" cy="4419600"/>
           </a:xfrm>
           <a:prstGeom prst="rect">
@@ -26066,7 +27395,7 @@
         </p:blipFill>
         <p:spPr>
           <a:xfrm>
-            <a:off x="8991600" y="419100"/>
+            <a:off x="8991600" y="1254664"/>
             <a:ext cx="8464089" cy="6477000"/>
           </a:xfrm>
           <a:prstGeom prst="rect">
@@ -26090,14 +27419,105 @@
         </p:blipFill>
         <p:spPr>
           <a:xfrm>
-            <a:off x="8968154" y="6896100"/>
-            <a:ext cx="3757246" cy="3126836"/>
+            <a:off x="9133114" y="7729734"/>
+            <a:ext cx="2919046" cy="2429273"/>
           </a:xfrm>
           <a:prstGeom prst="rect">
             <a:avLst/>
           </a:prstGeom>
         </p:spPr>
       </p:pic>
+      <p:sp>
+        <p:nvSpPr>
+          <p:cNvPr id="2" name="TextBox 1">
+            <a:extLst>
+              <a:ext uri="{FF2B5EF4-FFF2-40B4-BE49-F238E27FC236}">
+                <a16:creationId xmlns:a16="http://schemas.microsoft.com/office/drawing/2014/main" id="{EB8CFA6B-896F-8EE0-BE97-CB87DF6D5973}"/>
+              </a:ext>
+            </a:extLst>
+          </p:cNvPr>
+          <p:cNvSpPr txBox="1"/>
+          <p:nvPr/>
+        </p:nvSpPr>
+        <p:spPr>
+          <a:xfrm>
+            <a:off x="304800" y="114300"/>
+            <a:ext cx="14325600" cy="923330"/>
+          </a:xfrm>
+          <a:prstGeom prst="rect">
+            <a:avLst/>
+          </a:prstGeom>
+          <a:noFill/>
+        </p:spPr>
+        <p:txBody>
+          <a:bodyPr wrap="square" rtlCol="0">
+            <a:spAutoFit/>
+          </a:bodyPr>
+          <a:lstStyle/>
+          <a:p>
+            <a:r>
+              <a:rPr lang="ko-KR" altLang="en-US" sz="5400" spc="-300" dirty="0">
+                <a:solidFill>
+                  <a:srgbClr val="4C50BC"/>
+                </a:solidFill>
+                <a:latin typeface="G마켓 산스 Bold" panose="02000000000000000000" pitchFamily="50" charset="-127"/>
+                <a:ea typeface="G마켓 산스 Bold" panose="02000000000000000000" pitchFamily="50" charset="-127"/>
+              </a:rPr>
+              <a:t>참조형 타입의 매개변수</a:t>
+            </a:r>
+            <a:endParaRPr lang="en-US" altLang="ko-KR" sz="5400" spc="-300" dirty="0">
+              <a:solidFill>
+                <a:srgbClr val="4C50BC"/>
+              </a:solidFill>
+              <a:latin typeface="G마켓 산스 Bold" panose="02000000000000000000" pitchFamily="50" charset="-127"/>
+              <a:ea typeface="G마켓 산스 Bold" panose="02000000000000000000" pitchFamily="50" charset="-127"/>
+            </a:endParaRPr>
+          </a:p>
+        </p:txBody>
+      </p:sp>
+      <p:cxnSp>
+        <p:nvCxnSpPr>
+          <p:cNvPr id="3" name="직선 연결선 2">
+            <a:extLst>
+              <a:ext uri="{FF2B5EF4-FFF2-40B4-BE49-F238E27FC236}">
+                <a16:creationId xmlns:a16="http://schemas.microsoft.com/office/drawing/2014/main" id="{E691CE99-4491-C880-B87C-C724ADEC5C8D}"/>
+              </a:ext>
+            </a:extLst>
+          </p:cNvPr>
+          <p:cNvCxnSpPr>
+            <a:cxnSpLocks/>
+          </p:cNvCxnSpPr>
+          <p:nvPr/>
+        </p:nvCxnSpPr>
+        <p:spPr>
+          <a:xfrm flipH="1" flipV="1">
+            <a:off x="-13447" y="972511"/>
+            <a:ext cx="18288000" cy="65119"/>
+          </a:xfrm>
+          <a:prstGeom prst="line">
+            <a:avLst/>
+          </a:prstGeom>
+          <a:ln w="38100">
+            <a:solidFill>
+              <a:srgbClr val="4C50BC"/>
+            </a:solidFill>
+          </a:ln>
+        </p:spPr>
+        <p:style>
+          <a:lnRef idx="1">
+            <a:schemeClr val="accent1"/>
+          </a:lnRef>
+          <a:fillRef idx="0">
+            <a:schemeClr val="accent1"/>
+          </a:fillRef>
+          <a:effectRef idx="0">
+            <a:schemeClr val="accent1"/>
+          </a:effectRef>
+          <a:fontRef idx="minor">
+            <a:schemeClr val="tx1"/>
+          </a:fontRef>
+        </p:style>
+      </p:cxnSp>
     </p:spTree>
     <p:extLst>
       <p:ext uri="{BB962C8B-B14F-4D97-AF65-F5344CB8AC3E}">
@@ -26627,57 +28047,6 @@
       </p:grpSpPr>
       <p:sp>
         <p:nvSpPr>
-          <p:cNvPr id="4" name="TextBox 3">
-            <a:extLst>
-              <a:ext uri="{FF2B5EF4-FFF2-40B4-BE49-F238E27FC236}">
-                <a16:creationId xmlns:a16="http://schemas.microsoft.com/office/drawing/2014/main" id="{5ADC00B6-990A-40DC-3CEA-505258F5E8DA}"/>
-              </a:ext>
-            </a:extLst>
-          </p:cNvPr>
-          <p:cNvSpPr txBox="1"/>
-          <p:nvPr/>
-        </p:nvSpPr>
-        <p:spPr>
-          <a:xfrm>
-            <a:off x="762000" y="266700"/>
-            <a:ext cx="3894040" cy="830997"/>
-          </a:xfrm>
-          <a:prstGeom prst="rect">
-            <a:avLst/>
-          </a:prstGeom>
-          <a:noFill/>
-        </p:spPr>
-        <p:txBody>
-          <a:bodyPr wrap="square" rtlCol="0">
-            <a:spAutoFit/>
-          </a:bodyPr>
-          <a:lstStyle/>
-          <a:p>
-            <a:r>
-              <a:rPr lang="ko-KR" altLang="en-US" sz="4800">
-                <a:solidFill>
-                  <a:srgbClr val="4C50BC"/>
-                </a:solidFill>
-                <a:latin typeface="G마켓 산스 Medium" panose="02000000000000000000" pitchFamily="50" charset="-127"/>
-                <a:ea typeface="G마켓 산스 Medium" panose="02000000000000000000" pitchFamily="50" charset="-127"/>
-              </a:rPr>
-              <a:t>실습문제</a:t>
-            </a:r>
-            <a:r>
-              <a:rPr lang="en-US" altLang="ko-KR" sz="4800" dirty="0">
-                <a:solidFill>
-                  <a:srgbClr val="4C50BC"/>
-                </a:solidFill>
-                <a:latin typeface="G마켓 산스 Medium" panose="02000000000000000000" pitchFamily="50" charset="-127"/>
-                <a:ea typeface="G마켓 산스 Medium" panose="02000000000000000000" pitchFamily="50" charset="-127"/>
-              </a:rPr>
-              <a:t>2</a:t>
-            </a:r>
-          </a:p>
-        </p:txBody>
-      </p:sp>
-      <p:sp>
-        <p:nvSpPr>
           <p:cNvPr id="2" name="TextBox 1">
             <a:extLst>
               <a:ext uri="{FF2B5EF4-FFF2-40B4-BE49-F238E27FC236}">
@@ -26690,7 +28059,7 @@
         </p:nvSpPr>
         <p:spPr>
           <a:xfrm>
-            <a:off x="533400" y="1181100"/>
+            <a:off x="533400" y="1485900"/>
             <a:ext cx="16916400" cy="1938992"/>
           </a:xfrm>
           <a:prstGeom prst="rect">
@@ -26705,17 +28074,17 @@
           <a:lstStyle/>
           <a:p>
             <a:r>
-              <a:rPr lang="en-US" altLang="ko-KR" sz="4000">
+              <a:rPr lang="en-US" altLang="ko-KR" sz="4000" dirty="0">
                 <a:solidFill>
                   <a:srgbClr val="4C50BC"/>
                 </a:solidFill>
                 <a:latin typeface="G마켓 산스 Medium" panose="02000000000000000000" pitchFamily="50" charset="-127"/>
                 <a:ea typeface="G마켓 산스 Medium" panose="02000000000000000000" pitchFamily="50" charset="-127"/>
               </a:rPr>
-              <a:t>2-1 Marine </a:t>
-            </a:r>
-            <a:r>
-              <a:rPr lang="ko-KR" altLang="en-US" sz="4000">
+              <a:t>Marine </a:t>
+            </a:r>
+            <a:r>
+              <a:rPr lang="ko-KR" altLang="en-US" sz="4000" dirty="0">
                 <a:solidFill>
                   <a:srgbClr val="4C50BC"/>
                 </a:solidFill>
@@ -26725,7 +28094,7 @@
               <a:t>클래스를 만들고 객체를 생성하여 사용해보자</a:t>
             </a:r>
             <a:r>
-              <a:rPr lang="en-US" altLang="ko-KR" sz="4000">
+              <a:rPr lang="en-US" altLang="ko-KR" sz="4000" dirty="0">
                 <a:solidFill>
                   <a:srgbClr val="4C50BC"/>
                 </a:solidFill>
@@ -26734,16 +28103,13 @@
               </a:rPr>
               <a:t>.</a:t>
             </a:r>
-            <a:r>
-              <a:rPr lang="en-US" altLang="ko-KR" sz="4000">
-                <a:solidFill>
-                  <a:srgbClr val="FF0000"/>
-                </a:solidFill>
-                <a:latin typeface="G마켓 산스 Medium" panose="02000000000000000000" pitchFamily="50" charset="-127"/>
-                <a:ea typeface="G마켓 산스 Medium" panose="02000000000000000000" pitchFamily="50" charset="-127"/>
-              </a:rPr>
-              <a:t>(normal)</a:t>
-            </a:r>
+            <a:endParaRPr lang="en-US" altLang="ko-KR" sz="4000" dirty="0">
+              <a:solidFill>
+                <a:srgbClr val="FF0000"/>
+              </a:solidFill>
+              <a:latin typeface="G마켓 산스 Medium" panose="02000000000000000000" pitchFamily="50" charset="-127"/>
+              <a:ea typeface="G마켓 산스 Medium" panose="02000000000000000000" pitchFamily="50" charset="-127"/>
+            </a:endParaRPr>
           </a:p>
           <a:p>
             <a:pPr marL="571500" indent="-571500">
@@ -26751,7 +28117,7 @@
               <a:buChar char="-"/>
             </a:pPr>
             <a:r>
-              <a:rPr lang="ko-KR" altLang="en-US" sz="4000">
+              <a:rPr lang="ko-KR" altLang="en-US" sz="4000" dirty="0">
                 <a:solidFill>
                   <a:schemeClr val="bg1">
                     <a:lumMod val="50000"/>
@@ -26763,7 +28129,7 @@
               <a:t>멤버변수 </a:t>
             </a:r>
             <a:r>
-              <a:rPr lang="en-US" altLang="ko-KR" sz="4000">
+              <a:rPr lang="en-US" altLang="ko-KR" sz="4000" dirty="0">
                 <a:solidFill>
                   <a:schemeClr val="bg1">
                     <a:lumMod val="50000"/>
@@ -26775,7 +28141,7 @@
               <a:t>: int hp , int power(</a:t>
             </a:r>
             <a:r>
-              <a:rPr lang="ko-KR" altLang="en-US" sz="4000">
+              <a:rPr lang="ko-KR" altLang="en-US" sz="4000" dirty="0">
                 <a:solidFill>
                   <a:schemeClr val="bg1">
                     <a:lumMod val="50000"/>
@@ -26787,7 +28153,7 @@
               <a:t>공격력</a:t>
             </a:r>
             <a:r>
-              <a:rPr lang="en-US" altLang="ko-KR" sz="4000">
+              <a:rPr lang="en-US" altLang="ko-KR" sz="4000" dirty="0">
                 <a:solidFill>
                   <a:schemeClr val="bg1">
                     <a:lumMod val="50000"/>
@@ -26799,7 +28165,7 @@
               <a:t>) ,int armor(</a:t>
             </a:r>
             <a:r>
-              <a:rPr lang="ko-KR" altLang="en-US" sz="4000">
+              <a:rPr lang="ko-KR" altLang="en-US" sz="4000" dirty="0">
                 <a:solidFill>
                   <a:schemeClr val="bg1">
                     <a:lumMod val="50000"/>
@@ -26811,7 +28177,7 @@
               <a:t>방어력</a:t>
             </a:r>
             <a:r>
-              <a:rPr lang="en-US" altLang="ko-KR" sz="4000">
+              <a:rPr lang="en-US" altLang="ko-KR" sz="4000" dirty="0">
                 <a:solidFill>
                   <a:schemeClr val="bg1">
                     <a:lumMod val="50000"/>
@@ -26829,7 +28195,7 @@
               <a:buChar char="-"/>
             </a:pPr>
             <a:r>
-              <a:rPr lang="ko-KR" altLang="en-US" sz="4000">
+              <a:rPr lang="ko-KR" altLang="en-US" sz="4000" dirty="0" err="1">
                 <a:solidFill>
                   <a:schemeClr val="bg1">
                     <a:lumMod val="50000"/>
@@ -26838,10 +28204,10 @@
                 <a:latin typeface="G마켓 산스 Medium" panose="02000000000000000000" pitchFamily="50" charset="-127"/>
                 <a:ea typeface="G마켓 산스 Medium" panose="02000000000000000000" pitchFamily="50" charset="-127"/>
               </a:rPr>
-              <a:t>멤버메서드 </a:t>
-            </a:r>
-            <a:r>
-              <a:rPr lang="en-US" altLang="ko-KR" sz="4000">
+              <a:t>멤버메서드</a:t>
+            </a:r>
+            <a:r>
+              <a:rPr lang="ko-KR" altLang="en-US" sz="4000" dirty="0">
                 <a:solidFill>
                   <a:schemeClr val="bg1">
                     <a:lumMod val="50000"/>
@@ -26850,10 +28216,10 @@
                 <a:latin typeface="G마켓 산스 Medium" panose="02000000000000000000" pitchFamily="50" charset="-127"/>
                 <a:ea typeface="G마켓 산스 Medium" panose="02000000000000000000" pitchFamily="50" charset="-127"/>
               </a:rPr>
-              <a:t>: showState()  </a:t>
-            </a:r>
-            <a:r>
-              <a:rPr lang="ko-KR" altLang="en-US" sz="4000">
+              <a:t> </a:t>
+            </a:r>
+            <a:r>
+              <a:rPr lang="en-US" altLang="ko-KR" sz="4000" dirty="0">
                 <a:solidFill>
                   <a:schemeClr val="bg1">
                     <a:lumMod val="50000"/>
@@ -26862,10 +28228,46 @@
                 <a:latin typeface="G마켓 산스 Medium" panose="02000000000000000000" pitchFamily="50" charset="-127"/>
                 <a:ea typeface="G마켓 산스 Medium" panose="02000000000000000000" pitchFamily="50" charset="-127"/>
               </a:rPr>
+              <a:t>: </a:t>
+            </a:r>
+            <a:r>
+              <a:rPr lang="en-US" altLang="ko-KR" sz="4000" dirty="0" err="1">
+                <a:solidFill>
+                  <a:schemeClr val="bg1">
+                    <a:lumMod val="50000"/>
+                  </a:schemeClr>
+                </a:solidFill>
+                <a:latin typeface="G마켓 산스 Medium" panose="02000000000000000000" pitchFamily="50" charset="-127"/>
+                <a:ea typeface="G마켓 산스 Medium" panose="02000000000000000000" pitchFamily="50" charset="-127"/>
+              </a:rPr>
+              <a:t>showState</a:t>
+            </a:r>
+            <a:r>
+              <a:rPr lang="en-US" altLang="ko-KR" sz="4000" dirty="0">
+                <a:solidFill>
+                  <a:schemeClr val="bg1">
+                    <a:lumMod val="50000"/>
+                  </a:schemeClr>
+                </a:solidFill>
+                <a:latin typeface="G마켓 산스 Medium" panose="02000000000000000000" pitchFamily="50" charset="-127"/>
+                <a:ea typeface="G마켓 산스 Medium" panose="02000000000000000000" pitchFamily="50" charset="-127"/>
+              </a:rPr>
+              <a:t>()  </a:t>
+            </a:r>
+            <a:r>
+              <a:rPr lang="ko-KR" altLang="en-US" sz="4000" dirty="0">
+                <a:solidFill>
+                  <a:schemeClr val="bg1">
+                    <a:lumMod val="50000"/>
+                  </a:schemeClr>
+                </a:solidFill>
+                <a:latin typeface="G마켓 산스 Medium" panose="02000000000000000000" pitchFamily="50" charset="-127"/>
+                <a:ea typeface="G마켓 산스 Medium" panose="02000000000000000000" pitchFamily="50" charset="-127"/>
+              </a:rPr>
               <a:t>객체의 상태를 표시 한다</a:t>
             </a:r>
             <a:r>
-              <a:rPr lang="en-US" altLang="ko-KR" sz="4000">
+              <a:rPr lang="en-US" altLang="ko-KR" sz="4000" dirty="0">
                 <a:solidFill>
                   <a:schemeClr val="bg1">
                     <a:lumMod val="50000"/>
@@ -26895,7 +28297,7 @@
         </p:blipFill>
         <p:spPr>
           <a:xfrm>
-            <a:off x="8763000" y="3695700"/>
+            <a:off x="8763000" y="4000500"/>
             <a:ext cx="7645400" cy="2362200"/>
           </a:xfrm>
           <a:prstGeom prst="rect">
@@ -26919,7 +28321,7 @@
         </p:blipFill>
         <p:spPr>
           <a:xfrm>
-            <a:off x="228599" y="3582572"/>
+            <a:off x="228599" y="3887372"/>
             <a:ext cx="7665379" cy="3999328"/>
           </a:xfrm>
           <a:prstGeom prst="rect">
@@ -26927,6 +28329,120 @@
           </a:prstGeom>
         </p:spPr>
       </p:pic>
+      <p:sp>
+        <p:nvSpPr>
+          <p:cNvPr id="3" name="TextBox 2">
+            <a:extLst>
+              <a:ext uri="{FF2B5EF4-FFF2-40B4-BE49-F238E27FC236}">
+                <a16:creationId xmlns:a16="http://schemas.microsoft.com/office/drawing/2014/main" id="{7B9F2F30-02E6-4C77-F025-5E4C7622751F}"/>
+              </a:ext>
+            </a:extLst>
+          </p:cNvPr>
+          <p:cNvSpPr txBox="1"/>
+          <p:nvPr/>
+        </p:nvSpPr>
+        <p:spPr>
+          <a:xfrm>
+            <a:off x="304800" y="114300"/>
+            <a:ext cx="10972800" cy="923330"/>
+          </a:xfrm>
+          <a:prstGeom prst="rect">
+            <a:avLst/>
+          </a:prstGeom>
+          <a:noFill/>
+        </p:spPr>
+        <p:txBody>
+          <a:bodyPr wrap="square" rtlCol="0">
+            <a:spAutoFit/>
+          </a:bodyPr>
+          <a:lstStyle/>
+          <a:p>
+            <a:r>
+              <a:rPr lang="en-US" altLang="ko-KR" sz="5400" spc="-300" dirty="0">
+                <a:solidFill>
+                  <a:srgbClr val="4C50BC"/>
+                </a:solidFill>
+                <a:latin typeface="G마켓 산스 Bold" panose="02000000000000000000" pitchFamily="50" charset="-127"/>
+                <a:ea typeface="G마켓 산스 Bold" panose="02000000000000000000" pitchFamily="50" charset="-127"/>
+              </a:rPr>
+              <a:t>2-1 </a:t>
+            </a:r>
+            <a:r>
+              <a:rPr lang="ko-KR" altLang="en-US" sz="5400" spc="-300" dirty="0">
+                <a:solidFill>
+                  <a:srgbClr val="4C50BC"/>
+                </a:solidFill>
+                <a:latin typeface="G마켓 산스 Bold" panose="02000000000000000000" pitchFamily="50" charset="-127"/>
+                <a:ea typeface="G마켓 산스 Bold" panose="02000000000000000000" pitchFamily="50" charset="-127"/>
+              </a:rPr>
+              <a:t>실습문제</a:t>
+            </a:r>
+            <a:r>
+              <a:rPr lang="en-US" altLang="ko-KR" sz="5400" spc="-300" dirty="0">
+                <a:solidFill>
+                  <a:srgbClr val="4C50BC"/>
+                </a:solidFill>
+                <a:latin typeface="G마켓 산스 Bold" panose="02000000000000000000" pitchFamily="50" charset="-127"/>
+                <a:ea typeface="G마켓 산스 Bold" panose="02000000000000000000" pitchFamily="50" charset="-127"/>
+              </a:rPr>
+              <a:t> </a:t>
+            </a:r>
+            <a:r>
+              <a:rPr lang="en-US" altLang="ko-KR" sz="5400" spc="-300" dirty="0">
+                <a:solidFill>
+                  <a:srgbClr val="FF0000"/>
+                </a:solidFill>
+                <a:latin typeface="G마켓 산스 Bold" panose="02000000000000000000" pitchFamily="50" charset="-127"/>
+                <a:ea typeface="G마켓 산스 Bold" panose="02000000000000000000" pitchFamily="50" charset="-127"/>
+              </a:rPr>
+              <a:t>(normal)</a:t>
+            </a:r>
+          </a:p>
+        </p:txBody>
+      </p:sp>
+      <p:cxnSp>
+        <p:nvCxnSpPr>
+          <p:cNvPr id="6" name="직선 연결선 5">
+            <a:extLst>
+              <a:ext uri="{FF2B5EF4-FFF2-40B4-BE49-F238E27FC236}">
+                <a16:creationId xmlns:a16="http://schemas.microsoft.com/office/drawing/2014/main" id="{6729D70D-4A0D-6675-0E53-7406FFEFAF5D}"/>
+              </a:ext>
+            </a:extLst>
+          </p:cNvPr>
+          <p:cNvCxnSpPr>
+            <a:cxnSpLocks/>
+          </p:cNvCxnSpPr>
+          <p:nvPr/>
+        </p:nvCxnSpPr>
+        <p:spPr>
+          <a:xfrm flipH="1" flipV="1">
+            <a:off x="-13447" y="972511"/>
+            <a:ext cx="18288000" cy="65119"/>
+          </a:xfrm>
+          <a:prstGeom prst="line">
+            <a:avLst/>
+          </a:prstGeom>
+          <a:ln w="38100">
+            <a:solidFill>
+              <a:srgbClr val="4C50BC"/>
+            </a:solidFill>
+          </a:ln>
+        </p:spPr>
+        <p:style>
+          <a:lnRef idx="1">
+            <a:schemeClr val="accent1"/>
+          </a:lnRef>
+          <a:fillRef idx="0">
+            <a:schemeClr val="accent1"/>
+          </a:fillRef>
+          <a:effectRef idx="0">
+            <a:schemeClr val="accent1"/>
+          </a:effectRef>
+          <a:fontRef idx="minor">
+            <a:schemeClr val="tx1"/>
+          </a:fontRef>
+        </p:style>
+      </p:cxnSp>
     </p:spTree>
     <p:extLst>
       <p:ext uri="{BB962C8B-B14F-4D97-AF65-F5344CB8AC3E}">
@@ -26973,7 +28489,7 @@
         </p:blipFill>
         <p:spPr>
           <a:xfrm>
-            <a:off x="571499" y="95347"/>
+            <a:off x="571499" y="704947"/>
             <a:ext cx="7839109" cy="9543953"/>
           </a:xfrm>
           <a:prstGeom prst="rect">
@@ -26997,7 +28513,7 @@
         </p:nvCxnSpPr>
         <p:spPr>
           <a:xfrm>
-            <a:off x="7239000" y="1333500"/>
+            <a:off x="7239000" y="1943100"/>
             <a:ext cx="1223666" cy="0"/>
           </a:xfrm>
           <a:prstGeom prst="straightConnector1">
@@ -27036,7 +28552,7 @@
         </p:nvSpPr>
         <p:spPr>
           <a:xfrm>
-            <a:off x="8534399" y="1028700"/>
+            <a:off x="8534399" y="1638300"/>
             <a:ext cx="6271287" cy="646331"/>
           </a:xfrm>
           <a:prstGeom prst="rect">
@@ -27106,7 +28622,7 @@
         </p:nvCxnSpPr>
         <p:spPr>
           <a:xfrm>
-            <a:off x="5791200" y="2400300"/>
+            <a:off x="5791200" y="3009900"/>
             <a:ext cx="1223666" cy="0"/>
           </a:xfrm>
           <a:prstGeom prst="straightConnector1">
@@ -27145,7 +28661,7 @@
         </p:nvSpPr>
         <p:spPr>
           <a:xfrm>
-            <a:off x="7086599" y="2095500"/>
+            <a:off x="7086599" y="2705100"/>
             <a:ext cx="6653683" cy="646331"/>
           </a:xfrm>
           <a:prstGeom prst="rect">
@@ -27215,7 +28731,7 @@
         </p:nvCxnSpPr>
         <p:spPr>
           <a:xfrm>
-            <a:off x="7924800" y="3238500"/>
+            <a:off x="7924800" y="3848100"/>
             <a:ext cx="1529582" cy="2781"/>
           </a:xfrm>
           <a:prstGeom prst="straightConnector1">
@@ -27254,7 +28770,7 @@
         </p:nvSpPr>
         <p:spPr>
           <a:xfrm>
-            <a:off x="9524999" y="2935554"/>
+            <a:off x="9524999" y="3545154"/>
             <a:ext cx="2743201" cy="646331"/>
           </a:xfrm>
           <a:prstGeom prst="rect">
@@ -27304,7 +28820,7 @@
         </p:nvCxnSpPr>
         <p:spPr>
           <a:xfrm>
-            <a:off x="6477000" y="4255114"/>
+            <a:off x="6477000" y="4864714"/>
             <a:ext cx="1223666" cy="0"/>
           </a:xfrm>
           <a:prstGeom prst="straightConnector1">
@@ -27343,7 +28859,7 @@
         </p:nvSpPr>
         <p:spPr>
           <a:xfrm>
-            <a:off x="7772399" y="3950314"/>
+            <a:off x="7772399" y="4559914"/>
             <a:ext cx="2743201" cy="646331"/>
           </a:xfrm>
           <a:prstGeom prst="rect">
@@ -27393,7 +28909,7 @@
         </p:nvCxnSpPr>
         <p:spPr>
           <a:xfrm>
-            <a:off x="4800600" y="5905500"/>
+            <a:off x="4800600" y="6515100"/>
             <a:ext cx="1981200" cy="457200"/>
           </a:xfrm>
           <a:prstGeom prst="straightConnector1">
@@ -27432,7 +28948,7 @@
         </p:nvSpPr>
         <p:spPr>
           <a:xfrm>
-            <a:off x="6705599" y="6297302"/>
+            <a:off x="6705599" y="6906902"/>
             <a:ext cx="3810001" cy="646331"/>
           </a:xfrm>
           <a:prstGeom prst="rect">
@@ -27941,54 +29457,6 @@
           </a:prstGeom>
         </p:spPr>
       </p:pic>
-      <p:sp>
-        <p:nvSpPr>
-          <p:cNvPr id="8" name="TextBox 7">
-            <a:extLst>
-              <a:ext uri="{FF2B5EF4-FFF2-40B4-BE49-F238E27FC236}">
-                <a16:creationId xmlns:a16="http://schemas.microsoft.com/office/drawing/2014/main" id="{5ADC00B6-990A-40DC-3CEA-505258F5E8DA}"/>
-              </a:ext>
-            </a:extLst>
-          </p:cNvPr>
-          <p:cNvSpPr txBox="1"/>
-          <p:nvPr/>
-        </p:nvSpPr>
-        <p:spPr>
-          <a:xfrm>
-            <a:off x="762000" y="419100"/>
-            <a:ext cx="3894040" cy="830997"/>
-          </a:xfrm>
-          <a:prstGeom prst="rect">
-            <a:avLst/>
-          </a:prstGeom>
-          <a:noFill/>
-        </p:spPr>
-        <p:txBody>
-          <a:bodyPr wrap="square" rtlCol="0">
-            <a:spAutoFit/>
-          </a:bodyPr>
-          <a:lstStyle/>
-          <a:p>
-            <a:r>
-              <a:rPr lang="ko-KR" altLang="en-US" sz="4800">
-                <a:solidFill>
-                  <a:srgbClr val="4C50BC"/>
-                </a:solidFill>
-                <a:latin typeface="G마켓 산스 Medium" panose="02000000000000000000" pitchFamily="50" charset="-127"/>
-                <a:ea typeface="G마켓 산스 Medium" panose="02000000000000000000" pitchFamily="50" charset="-127"/>
-              </a:rPr>
-              <a:t>정답</a:t>
-            </a:r>
-            <a:endParaRPr lang="en-US" altLang="ko-KR" sz="4800" dirty="0">
-              <a:solidFill>
-                <a:srgbClr val="4C50BC"/>
-              </a:solidFill>
-              <a:latin typeface="G마켓 산스 Medium" panose="02000000000000000000" pitchFamily="50" charset="-127"/>
-              <a:ea typeface="G마켓 산스 Medium" panose="02000000000000000000" pitchFamily="50" charset="-127"/>
-            </a:endParaRPr>
-          </a:p>
-        </p:txBody>
-      </p:sp>
       <p:cxnSp>
         <p:nvCxnSpPr>
           <p:cNvPr id="9" name="직선 화살표 연결선 8">
@@ -28140,6 +29608,120 @@
           </a:p>
         </p:txBody>
       </p:sp>
+      <p:sp>
+        <p:nvSpPr>
+          <p:cNvPr id="2" name="TextBox 1">
+            <a:extLst>
+              <a:ext uri="{FF2B5EF4-FFF2-40B4-BE49-F238E27FC236}">
+                <a16:creationId xmlns:a16="http://schemas.microsoft.com/office/drawing/2014/main" id="{31ED2965-837B-DCF1-A07A-AFFE44C4A1A4}"/>
+              </a:ext>
+            </a:extLst>
+          </p:cNvPr>
+          <p:cNvSpPr txBox="1"/>
+          <p:nvPr/>
+        </p:nvSpPr>
+        <p:spPr>
+          <a:xfrm>
+            <a:off x="304800" y="114300"/>
+            <a:ext cx="10972800" cy="923330"/>
+          </a:xfrm>
+          <a:prstGeom prst="rect">
+            <a:avLst/>
+          </a:prstGeom>
+          <a:noFill/>
+        </p:spPr>
+        <p:txBody>
+          <a:bodyPr wrap="square" rtlCol="0">
+            <a:spAutoFit/>
+          </a:bodyPr>
+          <a:lstStyle/>
+          <a:p>
+            <a:r>
+              <a:rPr lang="en-US" altLang="ko-KR" sz="5400" spc="-300" dirty="0">
+                <a:solidFill>
+                  <a:srgbClr val="4C50BC"/>
+                </a:solidFill>
+                <a:latin typeface="G마켓 산스 Bold" panose="02000000000000000000" pitchFamily="50" charset="-127"/>
+                <a:ea typeface="G마켓 산스 Bold" panose="02000000000000000000" pitchFamily="50" charset="-127"/>
+              </a:rPr>
+              <a:t>2-1 </a:t>
+            </a:r>
+            <a:r>
+              <a:rPr lang="ko-KR" altLang="en-US" sz="5400" spc="-300" dirty="0">
+                <a:solidFill>
+                  <a:srgbClr val="4C50BC"/>
+                </a:solidFill>
+                <a:latin typeface="G마켓 산스 Bold" panose="02000000000000000000" pitchFamily="50" charset="-127"/>
+                <a:ea typeface="G마켓 산스 Bold" panose="02000000000000000000" pitchFamily="50" charset="-127"/>
+              </a:rPr>
+              <a:t>문제풀이</a:t>
+            </a:r>
+            <a:r>
+              <a:rPr lang="en-US" altLang="ko-KR" sz="5400" spc="-300" dirty="0">
+                <a:solidFill>
+                  <a:srgbClr val="4C50BC"/>
+                </a:solidFill>
+                <a:latin typeface="G마켓 산스 Bold" panose="02000000000000000000" pitchFamily="50" charset="-127"/>
+                <a:ea typeface="G마켓 산스 Bold" panose="02000000000000000000" pitchFamily="50" charset="-127"/>
+              </a:rPr>
+              <a:t> </a:t>
+            </a:r>
+            <a:r>
+              <a:rPr lang="en-US" altLang="ko-KR" sz="5400" spc="-300" dirty="0">
+                <a:solidFill>
+                  <a:srgbClr val="FF0000"/>
+                </a:solidFill>
+                <a:latin typeface="G마켓 산스 Bold" panose="02000000000000000000" pitchFamily="50" charset="-127"/>
+                <a:ea typeface="G마켓 산스 Bold" panose="02000000000000000000" pitchFamily="50" charset="-127"/>
+              </a:rPr>
+              <a:t>(normal)</a:t>
+            </a:r>
+          </a:p>
+        </p:txBody>
+      </p:sp>
+      <p:cxnSp>
+        <p:nvCxnSpPr>
+          <p:cNvPr id="3" name="직선 연결선 2">
+            <a:extLst>
+              <a:ext uri="{FF2B5EF4-FFF2-40B4-BE49-F238E27FC236}">
+                <a16:creationId xmlns:a16="http://schemas.microsoft.com/office/drawing/2014/main" id="{30812423-2B86-C454-3D60-F6523A4F2F63}"/>
+              </a:ext>
+            </a:extLst>
+          </p:cNvPr>
+          <p:cNvCxnSpPr>
+            <a:cxnSpLocks/>
+          </p:cNvCxnSpPr>
+          <p:nvPr/>
+        </p:nvCxnSpPr>
+        <p:spPr>
+          <a:xfrm flipH="1" flipV="1">
+            <a:off x="-13447" y="972511"/>
+            <a:ext cx="18288000" cy="65119"/>
+          </a:xfrm>
+          <a:prstGeom prst="line">
+            <a:avLst/>
+          </a:prstGeom>
+          <a:ln w="38100">
+            <a:solidFill>
+              <a:srgbClr val="4C50BC"/>
+            </a:solidFill>
+          </a:ln>
+        </p:spPr>
+        <p:style>
+          <a:lnRef idx="1">
+            <a:schemeClr val="accent1"/>
+          </a:lnRef>
+          <a:fillRef idx="0">
+            <a:schemeClr val="accent1"/>
+          </a:fillRef>
+          <a:effectRef idx="0">
+            <a:schemeClr val="accent1"/>
+          </a:effectRef>
+          <a:fontRef idx="minor">
+            <a:schemeClr val="tx1"/>
+          </a:fontRef>
+        </p:style>
+      </p:cxnSp>
     </p:spTree>
     <p:extLst>
       <p:ext uri="{BB962C8B-B14F-4D97-AF65-F5344CB8AC3E}">
@@ -28262,7 +29844,7 @@
         </p:nvSpPr>
         <p:spPr>
           <a:xfrm>
-            <a:off x="217712" y="266700"/>
+            <a:off x="217712" y="1104900"/>
             <a:ext cx="17308288" cy="2554545"/>
           </a:xfrm>
           <a:prstGeom prst="rect">
@@ -28277,14 +29859,14 @@
           <a:lstStyle/>
           <a:p>
             <a:r>
-              <a:rPr lang="en-US" altLang="ko-KR" sz="4000">
+              <a:rPr lang="en-US" altLang="ko-KR" sz="4000" dirty="0">
                 <a:solidFill>
                   <a:srgbClr val="4C50BC"/>
                 </a:solidFill>
                 <a:latin typeface="G마켓 산스 Medium" panose="02000000000000000000" pitchFamily="50" charset="-127"/>
                 <a:ea typeface="G마켓 산스 Medium" panose="02000000000000000000" pitchFamily="50" charset="-127"/>
               </a:rPr>
-              <a:t>2-2 Marine </a:t>
+              <a:t>Marine </a:t>
             </a:r>
             <a:r>
               <a:rPr lang="ko-KR" altLang="en-US" sz="4000" dirty="0">
@@ -28317,7 +29899,7 @@
               <a:t>, </a:t>
             </a:r>
             <a:r>
-              <a:rPr lang="en-US" altLang="ko-KR" sz="4000" err="1">
+              <a:rPr lang="en-US" altLang="ko-KR" sz="4000" dirty="0" err="1">
                 <a:solidFill>
                   <a:srgbClr val="4C50BC"/>
                 </a:solidFill>
@@ -28327,7 +29909,7 @@
               <a:t>armorUp</a:t>
             </a:r>
             <a:r>
-              <a:rPr lang="en-US" altLang="ko-KR" sz="4000">
+              <a:rPr lang="en-US" altLang="ko-KR" sz="4000" dirty="0">
                 <a:solidFill>
                   <a:srgbClr val="4C50BC"/>
                 </a:solidFill>
@@ -28337,7 +29919,7 @@
               <a:t> </a:t>
             </a:r>
             <a:r>
-              <a:rPr lang="ko-KR" altLang="en-US" sz="4000">
+              <a:rPr lang="ko-KR" altLang="en-US" sz="4000" dirty="0">
                 <a:solidFill>
                   <a:srgbClr val="4C50BC"/>
                 </a:solidFill>
@@ -28347,7 +29929,7 @@
               <a:t>메서드를 만들자</a:t>
             </a:r>
             <a:r>
-              <a:rPr lang="en-US" altLang="ko-KR" sz="4000">
+              <a:rPr lang="en-US" altLang="ko-KR" sz="4000" dirty="0">
                 <a:solidFill>
                   <a:srgbClr val="4C50BC"/>
                 </a:solidFill>
@@ -28355,16 +29937,6 @@
                 <a:ea typeface="G마켓 산스 Medium" panose="02000000000000000000" pitchFamily="50" charset="-127"/>
               </a:rPr>
               <a:t>.</a:t>
-            </a:r>
-            <a:r>
-              <a:rPr lang="en-US" altLang="ko-KR" sz="4000">
-                <a:solidFill>
-                  <a:srgbClr val="FF0000"/>
-                </a:solidFill>
-                <a:latin typeface="G마켓 산스 Medium" panose="02000000000000000000" pitchFamily="50" charset="-127"/>
-                <a:ea typeface="G마켓 산스 Medium" panose="02000000000000000000" pitchFamily="50" charset="-127"/>
-              </a:rPr>
-              <a:t>(hard)</a:t>
             </a:r>
             <a:endParaRPr lang="en-US" altLang="ko-KR" sz="4000" dirty="0">
               <a:solidFill>
@@ -28380,7 +29952,7 @@
               <a:buChar char="-"/>
             </a:pPr>
             <a:r>
-              <a:rPr lang="ko-KR" altLang="en-US" sz="4000">
+              <a:rPr lang="ko-KR" altLang="en-US" sz="4000" dirty="0">
                 <a:solidFill>
                   <a:schemeClr val="bg1">
                     <a:lumMod val="50000"/>
@@ -28389,34 +29961,10 @@
                 <a:latin typeface="G마켓 산스 Medium" panose="02000000000000000000" pitchFamily="50" charset="-127"/>
                 <a:ea typeface="G마켓 산스 Medium" panose="02000000000000000000" pitchFamily="50" charset="-127"/>
               </a:rPr>
-              <a:t>모든 </a:t>
-            </a:r>
-            <a:r>
-              <a:rPr lang="ko-KR" altLang="en-US" sz="4000" dirty="0">
-                <a:solidFill>
-                  <a:schemeClr val="bg1">
-                    <a:lumMod val="50000"/>
-                  </a:schemeClr>
-                </a:solidFill>
-                <a:latin typeface="G마켓 산스 Medium" panose="02000000000000000000" pitchFamily="50" charset="-127"/>
-                <a:ea typeface="G마켓 산스 Medium" panose="02000000000000000000" pitchFamily="50" charset="-127"/>
-              </a:rPr>
-              <a:t>객체가 같은 공격력과 방어력을 가지며 업그레이드시 모든 객체가 다같이 올라가야 </a:t>
-            </a:r>
-            <a:r>
-              <a:rPr lang="ko-KR" altLang="en-US" sz="4000">
-                <a:solidFill>
-                  <a:schemeClr val="bg1">
-                    <a:lumMod val="50000"/>
-                  </a:schemeClr>
-                </a:solidFill>
-                <a:latin typeface="G마켓 산스 Medium" panose="02000000000000000000" pitchFamily="50" charset="-127"/>
-                <a:ea typeface="G마켓 산스 Medium" panose="02000000000000000000" pitchFamily="50" charset="-127"/>
-              </a:rPr>
-              <a:t>한다</a:t>
-            </a:r>
-            <a:r>
-              <a:rPr lang="en-US" altLang="ko-KR" sz="4000">
+              <a:t>모든 객체가 같은 공격력과 방어력을 가지며 업그레이드시 모든 객체가 다같이 올라가야 한다</a:t>
+            </a:r>
+            <a:r>
+              <a:rPr lang="en-US" altLang="ko-KR" sz="4000" dirty="0">
                 <a:solidFill>
                   <a:schemeClr val="bg1">
                     <a:lumMod val="50000"/>
@@ -28434,7 +29982,7 @@
               <a:buChar char="-"/>
             </a:pPr>
             <a:r>
-              <a:rPr lang="en-US" altLang="ko-KR" sz="4000">
+              <a:rPr lang="en-US" altLang="ko-KR" sz="4000" dirty="0">
                 <a:solidFill>
                   <a:schemeClr val="bg1">
                     <a:lumMod val="50000"/>
@@ -28446,7 +29994,7 @@
               <a:t>power , armor </a:t>
             </a:r>
             <a:r>
-              <a:rPr lang="ko-KR" altLang="en-US" sz="4000">
+              <a:rPr lang="ko-KR" altLang="en-US" sz="4000" dirty="0">
                 <a:solidFill>
                   <a:schemeClr val="bg1">
                     <a:lumMod val="50000"/>
@@ -28458,7 +30006,7 @@
               <a:t>변수가 수정 되어야 한다</a:t>
             </a:r>
             <a:r>
-              <a:rPr lang="en-US" altLang="ko-KR" sz="4000">
+              <a:rPr lang="en-US" altLang="ko-KR" sz="4000" dirty="0">
                 <a:solidFill>
                   <a:schemeClr val="bg1">
                     <a:lumMod val="50000"/>
@@ -28469,15 +30017,6 @@
               </a:rPr>
               <a:t>.</a:t>
             </a:r>
-            <a:endParaRPr lang="en-US" altLang="ko-KR" sz="4000" dirty="0">
-              <a:solidFill>
-                <a:schemeClr val="bg1">
-                  <a:lumMod val="50000"/>
-                </a:schemeClr>
-              </a:solidFill>
-              <a:latin typeface="G마켓 산스 Medium" panose="02000000000000000000" pitchFamily="50" charset="-127"/>
-              <a:ea typeface="G마켓 산스 Medium" panose="02000000000000000000" pitchFamily="50" charset="-127"/>
-            </a:endParaRPr>
           </a:p>
         </p:txBody>
       </p:sp>
@@ -28496,13 +30035,13 @@
           <p:nvPr>
             <p:extLst>
               <p:ext uri="{D42A27DB-BD31-4B8C-83A1-F6EECF244321}">
-                <p14:modId xmlns:p14="http://schemas.microsoft.com/office/powerpoint/2010/main" val="1637034470"/>
+                <p14:modId xmlns:p14="http://schemas.microsoft.com/office/powerpoint/2010/main" val="3140680690"/>
               </p:ext>
             </p:extLst>
           </p:nvPr>
         </p:nvGraphicFramePr>
         <p:xfrm>
-          <a:off x="10363200" y="2842260"/>
+          <a:off x="10363200" y="3680460"/>
           <a:ext cx="6215744" cy="3048000"/>
         </p:xfrm>
         <a:graphic>
@@ -29290,8 +30829,8 @@
         </p:blipFill>
         <p:spPr>
           <a:xfrm>
-            <a:off x="457200" y="2784436"/>
-            <a:ext cx="8458200" cy="4416464"/>
+            <a:off x="457200" y="3622636"/>
+            <a:ext cx="7772400" cy="4058372"/>
           </a:xfrm>
           <a:prstGeom prst="rect">
             <a:avLst/>
@@ -29320,14 +30859,128 @@
         </p:blipFill>
         <p:spPr>
           <a:xfrm>
-            <a:off x="457199" y="7350288"/>
-            <a:ext cx="8513807" cy="2593812"/>
+            <a:off x="457200" y="7804765"/>
+            <a:ext cx="7772400" cy="2367935"/>
           </a:xfrm>
           <a:prstGeom prst="rect">
             <a:avLst/>
           </a:prstGeom>
         </p:spPr>
       </p:pic>
+      <p:sp>
+        <p:nvSpPr>
+          <p:cNvPr id="8" name="TextBox 7">
+            <a:extLst>
+              <a:ext uri="{FF2B5EF4-FFF2-40B4-BE49-F238E27FC236}">
+                <a16:creationId xmlns:a16="http://schemas.microsoft.com/office/drawing/2014/main" id="{43E2BE20-24BF-B938-0872-6CFB72DD860B}"/>
+              </a:ext>
+            </a:extLst>
+          </p:cNvPr>
+          <p:cNvSpPr txBox="1"/>
+          <p:nvPr/>
+        </p:nvSpPr>
+        <p:spPr>
+          <a:xfrm>
+            <a:off x="304800" y="114300"/>
+            <a:ext cx="10972800" cy="923330"/>
+          </a:xfrm>
+          <a:prstGeom prst="rect">
+            <a:avLst/>
+          </a:prstGeom>
+          <a:noFill/>
+        </p:spPr>
+        <p:txBody>
+          <a:bodyPr wrap="square" rtlCol="0">
+            <a:spAutoFit/>
+          </a:bodyPr>
+          <a:lstStyle/>
+          <a:p>
+            <a:r>
+              <a:rPr lang="en-US" altLang="ko-KR" sz="5400" spc="-300" dirty="0">
+                <a:solidFill>
+                  <a:srgbClr val="4C50BC"/>
+                </a:solidFill>
+                <a:latin typeface="G마켓 산스 Bold" panose="02000000000000000000" pitchFamily="50" charset="-127"/>
+                <a:ea typeface="G마켓 산스 Bold" panose="02000000000000000000" pitchFamily="50" charset="-127"/>
+              </a:rPr>
+              <a:t>2-2 </a:t>
+            </a:r>
+            <a:r>
+              <a:rPr lang="ko-KR" altLang="en-US" sz="5400" spc="-300" dirty="0">
+                <a:solidFill>
+                  <a:srgbClr val="4C50BC"/>
+                </a:solidFill>
+                <a:latin typeface="G마켓 산스 Bold" panose="02000000000000000000" pitchFamily="50" charset="-127"/>
+                <a:ea typeface="G마켓 산스 Bold" panose="02000000000000000000" pitchFamily="50" charset="-127"/>
+              </a:rPr>
+              <a:t>실습문제</a:t>
+            </a:r>
+            <a:r>
+              <a:rPr lang="en-US" altLang="ko-KR" sz="5400" spc="-300" dirty="0">
+                <a:solidFill>
+                  <a:srgbClr val="4C50BC"/>
+                </a:solidFill>
+                <a:latin typeface="G마켓 산스 Bold" panose="02000000000000000000" pitchFamily="50" charset="-127"/>
+                <a:ea typeface="G마켓 산스 Bold" panose="02000000000000000000" pitchFamily="50" charset="-127"/>
+              </a:rPr>
+              <a:t> </a:t>
+            </a:r>
+            <a:r>
+              <a:rPr lang="en-US" altLang="ko-KR" sz="5400" spc="-300" dirty="0">
+                <a:solidFill>
+                  <a:srgbClr val="FF0000"/>
+                </a:solidFill>
+                <a:latin typeface="G마켓 산스 Bold" panose="02000000000000000000" pitchFamily="50" charset="-127"/>
+                <a:ea typeface="G마켓 산스 Bold" panose="02000000000000000000" pitchFamily="50" charset="-127"/>
+              </a:rPr>
+              <a:t>(hard)</a:t>
+            </a:r>
+          </a:p>
+        </p:txBody>
+      </p:sp>
+      <p:cxnSp>
+        <p:nvCxnSpPr>
+          <p:cNvPr id="9" name="직선 연결선 8">
+            <a:extLst>
+              <a:ext uri="{FF2B5EF4-FFF2-40B4-BE49-F238E27FC236}">
+                <a16:creationId xmlns:a16="http://schemas.microsoft.com/office/drawing/2014/main" id="{EE685E03-672A-17EC-A089-709C0E55C4BB}"/>
+              </a:ext>
+            </a:extLst>
+          </p:cNvPr>
+          <p:cNvCxnSpPr>
+            <a:cxnSpLocks/>
+          </p:cNvCxnSpPr>
+          <p:nvPr/>
+        </p:nvCxnSpPr>
+        <p:spPr>
+          <a:xfrm flipH="1" flipV="1">
+            <a:off x="-13447" y="972511"/>
+            <a:ext cx="18288000" cy="65119"/>
+          </a:xfrm>
+          <a:prstGeom prst="line">
+            <a:avLst/>
+          </a:prstGeom>
+          <a:ln w="38100">
+            <a:solidFill>
+              <a:srgbClr val="4C50BC"/>
+            </a:solidFill>
+          </a:ln>
+        </p:spPr>
+        <p:style>
+          <a:lnRef idx="1">
+            <a:schemeClr val="accent1"/>
+          </a:lnRef>
+          <a:fillRef idx="0">
+            <a:schemeClr val="accent1"/>
+          </a:fillRef>
+          <a:effectRef idx="0">
+            <a:schemeClr val="accent1"/>
+          </a:effectRef>
+          <a:fontRef idx="minor">
+            <a:schemeClr val="tx1"/>
+          </a:fontRef>
+        </p:style>
+      </p:cxnSp>
     </p:spTree>
     <p:extLst>
       <p:ext uri="{BB962C8B-B14F-4D97-AF65-F5344CB8AC3E}">
@@ -29406,54 +31059,6 @@
           </a:prstGeom>
         </p:spPr>
       </p:pic>
-      <p:sp>
-        <p:nvSpPr>
-          <p:cNvPr id="8" name="TextBox 7">
-            <a:extLst>
-              <a:ext uri="{FF2B5EF4-FFF2-40B4-BE49-F238E27FC236}">
-                <a16:creationId xmlns:a16="http://schemas.microsoft.com/office/drawing/2014/main" id="{5ADC00B6-990A-40DC-3CEA-505258F5E8DA}"/>
-              </a:ext>
-            </a:extLst>
-          </p:cNvPr>
-          <p:cNvSpPr txBox="1"/>
-          <p:nvPr/>
-        </p:nvSpPr>
-        <p:spPr>
-          <a:xfrm>
-            <a:off x="762000" y="419100"/>
-            <a:ext cx="3894040" cy="830997"/>
-          </a:xfrm>
-          <a:prstGeom prst="rect">
-            <a:avLst/>
-          </a:prstGeom>
-          <a:noFill/>
-        </p:spPr>
-        <p:txBody>
-          <a:bodyPr wrap="square" rtlCol="0">
-            <a:spAutoFit/>
-          </a:bodyPr>
-          <a:lstStyle/>
-          <a:p>
-            <a:r>
-              <a:rPr lang="ko-KR" altLang="en-US" sz="4800">
-                <a:solidFill>
-                  <a:srgbClr val="4C50BC"/>
-                </a:solidFill>
-                <a:latin typeface="G마켓 산스 Medium" panose="02000000000000000000" pitchFamily="50" charset="-127"/>
-                <a:ea typeface="G마켓 산스 Medium" panose="02000000000000000000" pitchFamily="50" charset="-127"/>
-              </a:rPr>
-              <a:t>정답</a:t>
-            </a:r>
-            <a:endParaRPr lang="en-US" altLang="ko-KR" sz="4800" dirty="0">
-              <a:solidFill>
-                <a:srgbClr val="4C50BC"/>
-              </a:solidFill>
-              <a:latin typeface="G마켓 산스 Medium" panose="02000000000000000000" pitchFamily="50" charset="-127"/>
-              <a:ea typeface="G마켓 산스 Medium" panose="02000000000000000000" pitchFamily="50" charset="-127"/>
-            </a:endParaRPr>
-          </a:p>
-        </p:txBody>
-      </p:sp>
       <p:cxnSp>
         <p:nvCxnSpPr>
           <p:cNvPr id="9" name="직선 화살표 연결선 8">
@@ -29826,6 +31431,120 @@
           </a:p>
         </p:txBody>
       </p:sp>
+      <p:sp>
+        <p:nvSpPr>
+          <p:cNvPr id="2" name="TextBox 1">
+            <a:extLst>
+              <a:ext uri="{FF2B5EF4-FFF2-40B4-BE49-F238E27FC236}">
+                <a16:creationId xmlns:a16="http://schemas.microsoft.com/office/drawing/2014/main" id="{9309890E-A429-D70B-8FC5-21D4B14478A5}"/>
+              </a:ext>
+            </a:extLst>
+          </p:cNvPr>
+          <p:cNvSpPr txBox="1"/>
+          <p:nvPr/>
+        </p:nvSpPr>
+        <p:spPr>
+          <a:xfrm>
+            <a:off x="304800" y="114300"/>
+            <a:ext cx="10972800" cy="923330"/>
+          </a:xfrm>
+          <a:prstGeom prst="rect">
+            <a:avLst/>
+          </a:prstGeom>
+          <a:noFill/>
+        </p:spPr>
+        <p:txBody>
+          <a:bodyPr wrap="square" rtlCol="0">
+            <a:spAutoFit/>
+          </a:bodyPr>
+          <a:lstStyle/>
+          <a:p>
+            <a:r>
+              <a:rPr lang="en-US" altLang="ko-KR" sz="5400" spc="-300" dirty="0">
+                <a:solidFill>
+                  <a:srgbClr val="4C50BC"/>
+                </a:solidFill>
+                <a:latin typeface="G마켓 산스 Bold" panose="02000000000000000000" pitchFamily="50" charset="-127"/>
+                <a:ea typeface="G마켓 산스 Bold" panose="02000000000000000000" pitchFamily="50" charset="-127"/>
+              </a:rPr>
+              <a:t>2-2 </a:t>
+            </a:r>
+            <a:r>
+              <a:rPr lang="ko-KR" altLang="en-US" sz="5400" spc="-300" dirty="0">
+                <a:solidFill>
+                  <a:srgbClr val="4C50BC"/>
+                </a:solidFill>
+                <a:latin typeface="G마켓 산스 Bold" panose="02000000000000000000" pitchFamily="50" charset="-127"/>
+                <a:ea typeface="G마켓 산스 Bold" panose="02000000000000000000" pitchFamily="50" charset="-127"/>
+              </a:rPr>
+              <a:t>문제풀이</a:t>
+            </a:r>
+            <a:r>
+              <a:rPr lang="en-US" altLang="ko-KR" sz="5400" spc="-300" dirty="0">
+                <a:solidFill>
+                  <a:srgbClr val="4C50BC"/>
+                </a:solidFill>
+                <a:latin typeface="G마켓 산스 Bold" panose="02000000000000000000" pitchFamily="50" charset="-127"/>
+                <a:ea typeface="G마켓 산스 Bold" panose="02000000000000000000" pitchFamily="50" charset="-127"/>
+              </a:rPr>
+              <a:t> </a:t>
+            </a:r>
+            <a:r>
+              <a:rPr lang="en-US" altLang="ko-KR" sz="5400" spc="-300" dirty="0">
+                <a:solidFill>
+                  <a:srgbClr val="FF0000"/>
+                </a:solidFill>
+                <a:latin typeface="G마켓 산스 Bold" panose="02000000000000000000" pitchFamily="50" charset="-127"/>
+                <a:ea typeface="G마켓 산스 Bold" panose="02000000000000000000" pitchFamily="50" charset="-127"/>
+              </a:rPr>
+              <a:t>(hard)</a:t>
+            </a:r>
+          </a:p>
+        </p:txBody>
+      </p:sp>
+      <p:cxnSp>
+        <p:nvCxnSpPr>
+          <p:cNvPr id="3" name="직선 연결선 2">
+            <a:extLst>
+              <a:ext uri="{FF2B5EF4-FFF2-40B4-BE49-F238E27FC236}">
+                <a16:creationId xmlns:a16="http://schemas.microsoft.com/office/drawing/2014/main" id="{6851E93B-A398-6A56-B3DA-66358A261B6C}"/>
+              </a:ext>
+            </a:extLst>
+          </p:cNvPr>
+          <p:cNvCxnSpPr>
+            <a:cxnSpLocks/>
+          </p:cNvCxnSpPr>
+          <p:nvPr/>
+        </p:nvCxnSpPr>
+        <p:spPr>
+          <a:xfrm flipH="1" flipV="1">
+            <a:off x="-13447" y="972511"/>
+            <a:ext cx="18288000" cy="65119"/>
+          </a:xfrm>
+          <a:prstGeom prst="line">
+            <a:avLst/>
+          </a:prstGeom>
+          <a:ln w="38100">
+            <a:solidFill>
+              <a:srgbClr val="4C50BC"/>
+            </a:solidFill>
+          </a:ln>
+        </p:spPr>
+        <p:style>
+          <a:lnRef idx="1">
+            <a:schemeClr val="accent1"/>
+          </a:lnRef>
+          <a:fillRef idx="0">
+            <a:schemeClr val="accent1"/>
+          </a:fillRef>
+          <a:effectRef idx="0">
+            <a:schemeClr val="accent1"/>
+          </a:effectRef>
+          <a:fontRef idx="minor">
+            <a:schemeClr val="tx1"/>
+          </a:fontRef>
+        </p:style>
+      </p:cxnSp>
     </p:spTree>
     <p:extLst>
       <p:ext uri="{BB962C8B-B14F-4D97-AF65-F5344CB8AC3E}">
@@ -29948,7 +31667,7 @@
         </p:nvSpPr>
         <p:spPr>
           <a:xfrm>
-            <a:off x="685800" y="411420"/>
+            <a:off x="685800" y="1249620"/>
             <a:ext cx="16002000" cy="2369880"/>
           </a:xfrm>
           <a:prstGeom prst="rect">
@@ -29963,14 +31682,24 @@
           <a:lstStyle/>
           <a:p>
             <a:r>
-              <a:rPr lang="en-US" altLang="ko-KR" sz="4000">
+              <a:rPr lang="en-US" altLang="ko-KR" sz="4000" dirty="0">
                 <a:solidFill>
                   <a:srgbClr val="4C50BC"/>
                 </a:solidFill>
                 <a:latin typeface="G마켓 산스 Medium" panose="02000000000000000000" pitchFamily="50" charset="-127"/>
                 <a:ea typeface="G마켓 산스 Medium" panose="02000000000000000000" pitchFamily="50" charset="-127"/>
               </a:rPr>
-              <a:t>2-3 </a:t>
+              <a:t>Marine </a:t>
+            </a:r>
+            <a:r>
+              <a:rPr lang="ko-KR" altLang="en-US" sz="4000" dirty="0">
+                <a:solidFill>
+                  <a:srgbClr val="4C50BC"/>
+                </a:solidFill>
+                <a:latin typeface="G마켓 산스 Medium" panose="02000000000000000000" pitchFamily="50" charset="-127"/>
+                <a:ea typeface="G마켓 산스 Medium" panose="02000000000000000000" pitchFamily="50" charset="-127"/>
+              </a:rPr>
+              <a:t>클래스에 </a:t>
             </a:r>
             <a:r>
               <a:rPr lang="en-US" altLang="ko-KR" sz="4000" dirty="0">
@@ -29980,7 +31709,7 @@
                 <a:latin typeface="G마켓 산스 Medium" panose="02000000000000000000" pitchFamily="50" charset="-127"/>
                 <a:ea typeface="G마켓 산스 Medium" panose="02000000000000000000" pitchFamily="50" charset="-127"/>
               </a:rPr>
-              <a:t>Marine </a:t>
+              <a:t>attack </a:t>
             </a:r>
             <a:r>
               <a:rPr lang="ko-KR" altLang="en-US" sz="4000" dirty="0">
@@ -29990,49 +31719,9 @@
                 <a:latin typeface="G마켓 산스 Medium" panose="02000000000000000000" pitchFamily="50" charset="-127"/>
                 <a:ea typeface="G마켓 산스 Medium" panose="02000000000000000000" pitchFamily="50" charset="-127"/>
               </a:rPr>
-              <a:t>클래스에 </a:t>
-            </a:r>
-            <a:r>
-              <a:rPr lang="en-US" altLang="ko-KR" sz="4000" dirty="0">
-                <a:solidFill>
-                  <a:srgbClr val="4C50BC"/>
-                </a:solidFill>
-                <a:latin typeface="G마켓 산스 Medium" panose="02000000000000000000" pitchFamily="50" charset="-127"/>
-                <a:ea typeface="G마켓 산스 Medium" panose="02000000000000000000" pitchFamily="50" charset="-127"/>
-              </a:rPr>
-              <a:t>attack </a:t>
-            </a:r>
-            <a:r>
-              <a:rPr lang="ko-KR" altLang="en-US" sz="4000">
-                <a:solidFill>
-                  <a:srgbClr val="4C50BC"/>
-                </a:solidFill>
-                <a:latin typeface="G마켓 산스 Medium" panose="02000000000000000000" pitchFamily="50" charset="-127"/>
-                <a:ea typeface="G마켓 산스 Medium" panose="02000000000000000000" pitchFamily="50" charset="-127"/>
-              </a:rPr>
               <a:t>메서드를 구현하자</a:t>
             </a:r>
-            <a:r>
-              <a:rPr lang="en-US" altLang="ko-KR" sz="4000">
-                <a:solidFill>
-                  <a:srgbClr val="FF0000"/>
-                </a:solidFill>
-                <a:latin typeface="G마켓 산스 Medium" panose="02000000000000000000" pitchFamily="50" charset="-127"/>
-                <a:ea typeface="G마켓 산스 Medium" panose="02000000000000000000" pitchFamily="50" charset="-127"/>
-              </a:rPr>
-              <a:t>(hard)</a:t>
-            </a:r>
-            <a:r>
-              <a:rPr lang="ko-KR" altLang="en-US" sz="4000">
-                <a:solidFill>
-                  <a:srgbClr val="4C50BC"/>
-                </a:solidFill>
-                <a:latin typeface="G마켓 산스 Medium" panose="02000000000000000000" pitchFamily="50" charset="-127"/>
-                <a:ea typeface="G마켓 산스 Medium" panose="02000000000000000000" pitchFamily="50" charset="-127"/>
-              </a:rPr>
-              <a:t> </a:t>
-            </a:r>
-            <a:endParaRPr lang="en-US" altLang="ko-KR" sz="4000">
+            <a:endParaRPr lang="en-US" altLang="ko-KR" sz="4000" dirty="0">
               <a:solidFill>
                 <a:srgbClr val="4C50BC"/>
               </a:solidFill>
@@ -30042,7 +31731,7 @@
           </a:p>
           <a:p>
             <a:r>
-              <a:rPr lang="en-US" altLang="ko-KR" sz="3600">
+              <a:rPr lang="en-US" altLang="ko-KR" sz="3600" dirty="0">
                 <a:solidFill>
                   <a:schemeClr val="bg1">
                     <a:lumMod val="50000"/>
@@ -30054,7 +31743,7 @@
               <a:t>-  </a:t>
             </a:r>
             <a:r>
-              <a:rPr lang="ko-KR" altLang="en-US" sz="3600">
+              <a:rPr lang="ko-KR" altLang="en-US" sz="3600" dirty="0" err="1">
                 <a:solidFill>
                   <a:schemeClr val="bg1">
                     <a:lumMod val="50000"/>
@@ -30063,10 +31752,10 @@
                 <a:latin typeface="G마켓 산스 Medium" panose="02000000000000000000" pitchFamily="50" charset="-127"/>
                 <a:ea typeface="G마켓 산스 Medium" panose="02000000000000000000" pitchFamily="50" charset="-127"/>
               </a:rPr>
-              <a:t>멤버메서드 </a:t>
-            </a:r>
-            <a:r>
-              <a:rPr lang="en-US" altLang="ko-KR" sz="3600">
+              <a:t>멤버메서드</a:t>
+            </a:r>
+            <a:r>
+              <a:rPr lang="ko-KR" altLang="en-US" sz="3600" dirty="0">
                 <a:solidFill>
                   <a:schemeClr val="bg1">
                     <a:lumMod val="50000"/>
@@ -30075,12 +31764,10 @@
                 <a:latin typeface="G마켓 산스 Medium" panose="02000000000000000000" pitchFamily="50" charset="-127"/>
                 <a:ea typeface="G마켓 산스 Medium" panose="02000000000000000000" pitchFamily="50" charset="-127"/>
               </a:rPr>
-              <a:t>: void attack(Marine target)</a:t>
-            </a:r>
-          </a:p>
-          <a:p>
-            <a:r>
-              <a:rPr lang="en-US" altLang="ko-KR" sz="3600">
+              <a:t> </a:t>
+            </a:r>
+            <a:r>
+              <a:rPr lang="en-US" altLang="ko-KR" sz="3600" dirty="0">
                 <a:solidFill>
                   <a:schemeClr val="bg1">
                     <a:lumMod val="50000"/>
@@ -30089,10 +31776,24 @@
                 <a:latin typeface="G마켓 산스 Medium" panose="02000000000000000000" pitchFamily="50" charset="-127"/>
                 <a:ea typeface="G마켓 산스 Medium" panose="02000000000000000000" pitchFamily="50" charset="-127"/>
               </a:rPr>
+              <a:t>: void attack(Marine target)</a:t>
+            </a:r>
+          </a:p>
+          <a:p>
+            <a:r>
+              <a:rPr lang="en-US" altLang="ko-KR" sz="3600" dirty="0">
+                <a:solidFill>
+                  <a:schemeClr val="bg1">
+                    <a:lumMod val="50000"/>
+                  </a:schemeClr>
+                </a:solidFill>
+                <a:latin typeface="G마켓 산스 Medium" panose="02000000000000000000" pitchFamily="50" charset="-127"/>
+                <a:ea typeface="G마켓 산스 Medium" panose="02000000000000000000" pitchFamily="50" charset="-127"/>
+              </a:rPr>
               <a:t>- </a:t>
             </a:r>
             <a:r>
-              <a:rPr lang="ko-KR" altLang="en-US" sz="3600">
+              <a:rPr lang="ko-KR" altLang="en-US" sz="3600" dirty="0">
                 <a:solidFill>
                   <a:schemeClr val="tx1">
                     <a:lumMod val="50000"/>
@@ -30102,10 +31803,10 @@
                 <a:latin typeface="G마켓 산스 Medium" panose="02000000000000000000" pitchFamily="50" charset="-127"/>
                 <a:ea typeface="G마켓 산스 Medium" panose="02000000000000000000" pitchFamily="50" charset="-127"/>
               </a:rPr>
-              <a:t>매개변수로 </a:t>
-            </a:r>
-            <a:r>
-              <a:rPr lang="ko-KR" altLang="en-US" sz="3600" dirty="0">
+              <a:t>매개변수로 받은 </a:t>
+            </a:r>
+            <a:r>
+              <a:rPr lang="en-US" altLang="ko-KR" sz="3600" dirty="0">
                 <a:solidFill>
                   <a:schemeClr val="tx1">
                     <a:lumMod val="50000"/>
@@ -30115,10 +31816,10 @@
                 <a:latin typeface="G마켓 산스 Medium" panose="02000000000000000000" pitchFamily="50" charset="-127"/>
                 <a:ea typeface="G마켓 산스 Medium" panose="02000000000000000000" pitchFamily="50" charset="-127"/>
               </a:rPr>
-              <a:t>받은 </a:t>
-            </a:r>
-            <a:r>
-              <a:rPr lang="en-US" altLang="ko-KR" sz="3600" dirty="0">
+              <a:t>Marine </a:t>
+            </a:r>
+            <a:r>
+              <a:rPr lang="ko-KR" altLang="en-US" sz="3600" dirty="0">
                 <a:solidFill>
                   <a:schemeClr val="tx1">
                     <a:lumMod val="50000"/>
@@ -30128,10 +31829,10 @@
                 <a:latin typeface="G마켓 산스 Medium" panose="02000000000000000000" pitchFamily="50" charset="-127"/>
                 <a:ea typeface="G마켓 산스 Medium" panose="02000000000000000000" pitchFamily="50" charset="-127"/>
               </a:rPr>
-              <a:t>Marine </a:t>
-            </a:r>
-            <a:r>
-              <a:rPr lang="ko-KR" altLang="en-US" sz="3600" dirty="0">
+              <a:t>객체의 체력을 감소시킨다</a:t>
+            </a:r>
+            <a:r>
+              <a:rPr lang="en-US" altLang="ko-KR" sz="3600" dirty="0">
                 <a:solidFill>
                   <a:schemeClr val="tx1">
                     <a:lumMod val="50000"/>
@@ -30141,8 +31842,10 @@
                 <a:latin typeface="G마켓 산스 Medium" panose="02000000000000000000" pitchFamily="50" charset="-127"/>
                 <a:ea typeface="G마켓 산스 Medium" panose="02000000000000000000" pitchFamily="50" charset="-127"/>
               </a:rPr>
-              <a:t>객체의 체력을 감소시킨다</a:t>
-            </a:r>
+              <a:t>.</a:t>
+            </a:r>
+          </a:p>
+          <a:p>
             <a:r>
               <a:rPr lang="en-US" altLang="ko-KR" sz="3600" dirty="0">
                 <a:solidFill>
@@ -30154,12 +31857,10 @@
                 <a:latin typeface="G마켓 산스 Medium" panose="02000000000000000000" pitchFamily="50" charset="-127"/>
                 <a:ea typeface="G마켓 산스 Medium" panose="02000000000000000000" pitchFamily="50" charset="-127"/>
               </a:rPr>
-              <a:t>.</a:t>
-            </a:r>
-          </a:p>
-          <a:p>
-            <a:r>
-              <a:rPr lang="en-US" altLang="ko-KR" sz="3600">
+              <a:t>- </a:t>
+            </a:r>
+            <a:r>
+              <a:rPr lang="ko-KR" altLang="en-US" sz="3600" dirty="0" err="1">
                 <a:solidFill>
                   <a:schemeClr val="tx1">
                     <a:lumMod val="50000"/>
@@ -30169,10 +31870,10 @@
                 <a:latin typeface="G마켓 산스 Medium" panose="02000000000000000000" pitchFamily="50" charset="-127"/>
                 <a:ea typeface="G마켓 산스 Medium" panose="02000000000000000000" pitchFamily="50" charset="-127"/>
               </a:rPr>
-              <a:t>- </a:t>
-            </a:r>
-            <a:r>
-              <a:rPr lang="ko-KR" altLang="en-US" sz="3600">
+              <a:t>공격시</a:t>
+            </a:r>
+            <a:r>
+              <a:rPr lang="ko-KR" altLang="en-US" sz="3600" dirty="0">
                 <a:solidFill>
                   <a:schemeClr val="tx1">
                     <a:lumMod val="50000"/>
@@ -30182,10 +31883,10 @@
                 <a:latin typeface="G마켓 산스 Medium" panose="02000000000000000000" pitchFamily="50" charset="-127"/>
                 <a:ea typeface="G마켓 산스 Medium" panose="02000000000000000000" pitchFamily="50" charset="-127"/>
               </a:rPr>
-              <a:t>공격시 </a:t>
-            </a:r>
-            <a:r>
-              <a:rPr lang="en-US" altLang="ko-KR" sz="3600">
+              <a:t> </a:t>
+            </a:r>
+            <a:r>
+              <a:rPr lang="en-US" altLang="ko-KR" sz="3600" dirty="0">
                 <a:solidFill>
                   <a:schemeClr val="tx1">
                     <a:lumMod val="50000"/>
@@ -30198,7 +31899,7 @@
               <a:t>(</a:t>
             </a:r>
             <a:r>
-              <a:rPr lang="ko-KR" altLang="en-US" sz="3600">
+              <a:rPr lang="ko-KR" altLang="en-US" sz="3600" dirty="0">
                 <a:solidFill>
                   <a:schemeClr val="tx1">
                     <a:lumMod val="50000"/>
@@ -30211,7 +31912,7 @@
               <a:t>공격력 </a:t>
             </a:r>
             <a:r>
-              <a:rPr lang="en-US" altLang="ko-KR" sz="3600">
+              <a:rPr lang="en-US" altLang="ko-KR" sz="3600" dirty="0">
                 <a:solidFill>
                   <a:schemeClr val="tx1">
                     <a:lumMod val="50000"/>
@@ -30224,7 +31925,7 @@
               <a:t>- </a:t>
             </a:r>
             <a:r>
-              <a:rPr lang="ko-KR" altLang="en-US" sz="3600">
+              <a:rPr lang="ko-KR" altLang="en-US" sz="3600" dirty="0">
                 <a:solidFill>
                   <a:schemeClr val="tx1">
                     <a:lumMod val="50000"/>
@@ -30237,7 +31938,7 @@
               <a:t>상대방의 방어력</a:t>
             </a:r>
             <a:r>
-              <a:rPr lang="en-US" altLang="ko-KR" sz="3600">
+              <a:rPr lang="en-US" altLang="ko-KR" sz="3600" dirty="0">
                 <a:solidFill>
                   <a:schemeClr val="tx1">
                     <a:lumMod val="50000"/>
@@ -30250,7 +31951,7 @@
               <a:t>)</a:t>
             </a:r>
             <a:r>
-              <a:rPr lang="ko-KR" altLang="en-US" sz="3600">
+              <a:rPr lang="ko-KR" altLang="en-US" sz="3600" dirty="0">
                 <a:solidFill>
                   <a:schemeClr val="tx1">
                     <a:lumMod val="50000"/>
@@ -30263,7 +31964,7 @@
               <a:t> 만큼 상대 체력을 감소 시킨다</a:t>
             </a:r>
             <a:r>
-              <a:rPr lang="en-US" altLang="ko-KR" sz="3600">
+              <a:rPr lang="en-US" altLang="ko-KR" sz="3600" dirty="0">
                 <a:solidFill>
                   <a:schemeClr val="tx1">
                     <a:lumMod val="50000"/>
@@ -30275,16 +31976,6 @@
               </a:rPr>
               <a:t>.</a:t>
             </a:r>
-            <a:endParaRPr lang="en-US" altLang="ko-KR" sz="3600" dirty="0">
-              <a:solidFill>
-                <a:schemeClr val="tx1">
-                  <a:lumMod val="50000"/>
-                  <a:lumOff val="50000"/>
-                </a:schemeClr>
-              </a:solidFill>
-              <a:latin typeface="G마켓 산스 Medium" panose="02000000000000000000" pitchFamily="50" charset="-127"/>
-              <a:ea typeface="G마켓 산스 Medium" panose="02000000000000000000" pitchFamily="50" charset="-127"/>
-            </a:endParaRPr>
           </a:p>
         </p:txBody>
       </p:sp>
@@ -30310,7 +32001,7 @@
         </p:blipFill>
         <p:spPr>
           <a:xfrm>
-            <a:off x="682282" y="3136656"/>
+            <a:off x="682282" y="3974856"/>
             <a:ext cx="7819941" cy="5664444"/>
           </a:xfrm>
           <a:prstGeom prst="rect">
@@ -30340,7 +32031,7 @@
         </p:blipFill>
         <p:spPr>
           <a:xfrm>
-            <a:off x="8839200" y="6864201"/>
+            <a:off x="8839200" y="7702401"/>
             <a:ext cx="6314070" cy="1902316"/>
           </a:xfrm>
           <a:prstGeom prst="rect">
@@ -30348,6 +32039,120 @@
           </a:prstGeom>
         </p:spPr>
       </p:pic>
+      <p:sp>
+        <p:nvSpPr>
+          <p:cNvPr id="2" name="TextBox 1">
+            <a:extLst>
+              <a:ext uri="{FF2B5EF4-FFF2-40B4-BE49-F238E27FC236}">
+                <a16:creationId xmlns:a16="http://schemas.microsoft.com/office/drawing/2014/main" id="{5A6EE76B-C409-EA79-CCAE-314BB2676F7A}"/>
+              </a:ext>
+            </a:extLst>
+          </p:cNvPr>
+          <p:cNvSpPr txBox="1"/>
+          <p:nvPr/>
+        </p:nvSpPr>
+        <p:spPr>
+          <a:xfrm>
+            <a:off x="304800" y="114300"/>
+            <a:ext cx="10972800" cy="923330"/>
+          </a:xfrm>
+          <a:prstGeom prst="rect">
+            <a:avLst/>
+          </a:prstGeom>
+          <a:noFill/>
+        </p:spPr>
+        <p:txBody>
+          <a:bodyPr wrap="square" rtlCol="0">
+            <a:spAutoFit/>
+          </a:bodyPr>
+          <a:lstStyle/>
+          <a:p>
+            <a:r>
+              <a:rPr lang="en-US" altLang="ko-KR" sz="5400" spc="-300" dirty="0">
+                <a:solidFill>
+                  <a:srgbClr val="4C50BC"/>
+                </a:solidFill>
+                <a:latin typeface="G마켓 산스 Bold" panose="02000000000000000000" pitchFamily="50" charset="-127"/>
+                <a:ea typeface="G마켓 산스 Bold" panose="02000000000000000000" pitchFamily="50" charset="-127"/>
+              </a:rPr>
+              <a:t>2-3 </a:t>
+            </a:r>
+            <a:r>
+              <a:rPr lang="ko-KR" altLang="en-US" sz="5400" spc="-300" dirty="0">
+                <a:solidFill>
+                  <a:srgbClr val="4C50BC"/>
+                </a:solidFill>
+                <a:latin typeface="G마켓 산스 Bold" panose="02000000000000000000" pitchFamily="50" charset="-127"/>
+                <a:ea typeface="G마켓 산스 Bold" panose="02000000000000000000" pitchFamily="50" charset="-127"/>
+              </a:rPr>
+              <a:t>실습문제</a:t>
+            </a:r>
+            <a:r>
+              <a:rPr lang="en-US" altLang="ko-KR" sz="5400" spc="-300" dirty="0">
+                <a:solidFill>
+                  <a:srgbClr val="4C50BC"/>
+                </a:solidFill>
+                <a:latin typeface="G마켓 산스 Bold" panose="02000000000000000000" pitchFamily="50" charset="-127"/>
+                <a:ea typeface="G마켓 산스 Bold" panose="02000000000000000000" pitchFamily="50" charset="-127"/>
+              </a:rPr>
+              <a:t> </a:t>
+            </a:r>
+            <a:r>
+              <a:rPr lang="en-US" altLang="ko-KR" sz="5400" spc="-300" dirty="0">
+                <a:solidFill>
+                  <a:srgbClr val="FF0000"/>
+                </a:solidFill>
+                <a:latin typeface="G마켓 산스 Bold" panose="02000000000000000000" pitchFamily="50" charset="-127"/>
+                <a:ea typeface="G마켓 산스 Bold" panose="02000000000000000000" pitchFamily="50" charset="-127"/>
+              </a:rPr>
+              <a:t>(hard)</a:t>
+            </a:r>
+          </a:p>
+        </p:txBody>
+      </p:sp>
+      <p:cxnSp>
+        <p:nvCxnSpPr>
+          <p:cNvPr id="3" name="직선 연결선 2">
+            <a:extLst>
+              <a:ext uri="{FF2B5EF4-FFF2-40B4-BE49-F238E27FC236}">
+                <a16:creationId xmlns:a16="http://schemas.microsoft.com/office/drawing/2014/main" id="{BFDFD86F-6D71-FE5A-3143-978FE036981A}"/>
+              </a:ext>
+            </a:extLst>
+          </p:cNvPr>
+          <p:cNvCxnSpPr>
+            <a:cxnSpLocks/>
+          </p:cNvCxnSpPr>
+          <p:nvPr/>
+        </p:nvCxnSpPr>
+        <p:spPr>
+          <a:xfrm flipH="1" flipV="1">
+            <a:off x="-13447" y="972511"/>
+            <a:ext cx="18288000" cy="65119"/>
+          </a:xfrm>
+          <a:prstGeom prst="line">
+            <a:avLst/>
+          </a:prstGeom>
+          <a:ln w="38100">
+            <a:solidFill>
+              <a:srgbClr val="4C50BC"/>
+            </a:solidFill>
+          </a:ln>
+        </p:spPr>
+        <p:style>
+          <a:lnRef idx="1">
+            <a:schemeClr val="accent1"/>
+          </a:lnRef>
+          <a:fillRef idx="0">
+            <a:schemeClr val="accent1"/>
+          </a:fillRef>
+          <a:effectRef idx="0">
+            <a:schemeClr val="accent1"/>
+          </a:effectRef>
+          <a:fontRef idx="minor">
+            <a:schemeClr val="tx1"/>
+          </a:fontRef>
+        </p:style>
+      </p:cxnSp>
     </p:spTree>
     <p:extLst>
       <p:ext uri="{BB962C8B-B14F-4D97-AF65-F5344CB8AC3E}">
@@ -30402,54 +32207,6 @@
           </a:prstGeom>
         </p:spPr>
       </p:pic>
-      <p:sp>
-        <p:nvSpPr>
-          <p:cNvPr id="5" name="TextBox 4">
-            <a:extLst>
-              <a:ext uri="{FF2B5EF4-FFF2-40B4-BE49-F238E27FC236}">
-                <a16:creationId xmlns:a16="http://schemas.microsoft.com/office/drawing/2014/main" id="{5ADC00B6-990A-40DC-3CEA-505258F5E8DA}"/>
-              </a:ext>
-            </a:extLst>
-          </p:cNvPr>
-          <p:cNvSpPr txBox="1"/>
-          <p:nvPr/>
-        </p:nvSpPr>
-        <p:spPr>
-          <a:xfrm>
-            <a:off x="762000" y="419100"/>
-            <a:ext cx="3894040" cy="830997"/>
-          </a:xfrm>
-          <a:prstGeom prst="rect">
-            <a:avLst/>
-          </a:prstGeom>
-          <a:noFill/>
-        </p:spPr>
-        <p:txBody>
-          <a:bodyPr wrap="square" rtlCol="0">
-            <a:spAutoFit/>
-          </a:bodyPr>
-          <a:lstStyle/>
-          <a:p>
-            <a:r>
-              <a:rPr lang="ko-KR" altLang="en-US" sz="4800">
-                <a:solidFill>
-                  <a:srgbClr val="4C50BC"/>
-                </a:solidFill>
-                <a:latin typeface="G마켓 산스 Medium" panose="02000000000000000000" pitchFamily="50" charset="-127"/>
-                <a:ea typeface="G마켓 산스 Medium" panose="02000000000000000000" pitchFamily="50" charset="-127"/>
-              </a:rPr>
-              <a:t>정답</a:t>
-            </a:r>
-            <a:endParaRPr lang="en-US" altLang="ko-KR" sz="4800" dirty="0">
-              <a:solidFill>
-                <a:srgbClr val="4C50BC"/>
-              </a:solidFill>
-              <a:latin typeface="G마켓 산스 Medium" panose="02000000000000000000" pitchFamily="50" charset="-127"/>
-              <a:ea typeface="G마켓 산스 Medium" panose="02000000000000000000" pitchFamily="50" charset="-127"/>
-            </a:endParaRPr>
-          </a:p>
-        </p:txBody>
-      </p:sp>
       <p:cxnSp>
         <p:nvCxnSpPr>
           <p:cNvPr id="6" name="직선 화살표 연결선 5">
@@ -30721,6 +32478,120 @@
           </a:p>
         </p:txBody>
       </p:sp>
+      <p:sp>
+        <p:nvSpPr>
+          <p:cNvPr id="2" name="TextBox 1">
+            <a:extLst>
+              <a:ext uri="{FF2B5EF4-FFF2-40B4-BE49-F238E27FC236}">
+                <a16:creationId xmlns:a16="http://schemas.microsoft.com/office/drawing/2014/main" id="{99B8015F-2DDB-2EC5-E0A9-3B0EE0D5B3AA}"/>
+              </a:ext>
+            </a:extLst>
+          </p:cNvPr>
+          <p:cNvSpPr txBox="1"/>
+          <p:nvPr/>
+        </p:nvSpPr>
+        <p:spPr>
+          <a:xfrm>
+            <a:off x="304800" y="114300"/>
+            <a:ext cx="10972800" cy="923330"/>
+          </a:xfrm>
+          <a:prstGeom prst="rect">
+            <a:avLst/>
+          </a:prstGeom>
+          <a:noFill/>
+        </p:spPr>
+        <p:txBody>
+          <a:bodyPr wrap="square" rtlCol="0">
+            <a:spAutoFit/>
+          </a:bodyPr>
+          <a:lstStyle/>
+          <a:p>
+            <a:r>
+              <a:rPr lang="en-US" altLang="ko-KR" sz="5400" spc="-300" dirty="0">
+                <a:solidFill>
+                  <a:srgbClr val="4C50BC"/>
+                </a:solidFill>
+                <a:latin typeface="G마켓 산스 Bold" panose="02000000000000000000" pitchFamily="50" charset="-127"/>
+                <a:ea typeface="G마켓 산스 Bold" panose="02000000000000000000" pitchFamily="50" charset="-127"/>
+              </a:rPr>
+              <a:t>2-3 </a:t>
+            </a:r>
+            <a:r>
+              <a:rPr lang="ko-KR" altLang="en-US" sz="5400" spc="-300" dirty="0">
+                <a:solidFill>
+                  <a:srgbClr val="4C50BC"/>
+                </a:solidFill>
+                <a:latin typeface="G마켓 산스 Bold" panose="02000000000000000000" pitchFamily="50" charset="-127"/>
+                <a:ea typeface="G마켓 산스 Bold" panose="02000000000000000000" pitchFamily="50" charset="-127"/>
+              </a:rPr>
+              <a:t>문제풀이</a:t>
+            </a:r>
+            <a:r>
+              <a:rPr lang="en-US" altLang="ko-KR" sz="5400" spc="-300" dirty="0">
+                <a:solidFill>
+                  <a:srgbClr val="4C50BC"/>
+                </a:solidFill>
+                <a:latin typeface="G마켓 산스 Bold" panose="02000000000000000000" pitchFamily="50" charset="-127"/>
+                <a:ea typeface="G마켓 산스 Bold" panose="02000000000000000000" pitchFamily="50" charset="-127"/>
+              </a:rPr>
+              <a:t> </a:t>
+            </a:r>
+            <a:r>
+              <a:rPr lang="en-US" altLang="ko-KR" sz="5400" spc="-300" dirty="0">
+                <a:solidFill>
+                  <a:srgbClr val="FF0000"/>
+                </a:solidFill>
+                <a:latin typeface="G마켓 산스 Bold" panose="02000000000000000000" pitchFamily="50" charset="-127"/>
+                <a:ea typeface="G마켓 산스 Bold" panose="02000000000000000000" pitchFamily="50" charset="-127"/>
+              </a:rPr>
+              <a:t>(hard)</a:t>
+            </a:r>
+          </a:p>
+        </p:txBody>
+      </p:sp>
+      <p:cxnSp>
+        <p:nvCxnSpPr>
+          <p:cNvPr id="3" name="직선 연결선 2">
+            <a:extLst>
+              <a:ext uri="{FF2B5EF4-FFF2-40B4-BE49-F238E27FC236}">
+                <a16:creationId xmlns:a16="http://schemas.microsoft.com/office/drawing/2014/main" id="{9C287DBF-59BF-D53D-9A34-4F935A6B1B61}"/>
+              </a:ext>
+            </a:extLst>
+          </p:cNvPr>
+          <p:cNvCxnSpPr>
+            <a:cxnSpLocks/>
+          </p:cNvCxnSpPr>
+          <p:nvPr/>
+        </p:nvCxnSpPr>
+        <p:spPr>
+          <a:xfrm flipH="1" flipV="1">
+            <a:off x="-13447" y="972511"/>
+            <a:ext cx="18288000" cy="65119"/>
+          </a:xfrm>
+          <a:prstGeom prst="line">
+            <a:avLst/>
+          </a:prstGeom>
+          <a:ln w="38100">
+            <a:solidFill>
+              <a:srgbClr val="4C50BC"/>
+            </a:solidFill>
+          </a:ln>
+        </p:spPr>
+        <p:style>
+          <a:lnRef idx="1">
+            <a:schemeClr val="accent1"/>
+          </a:lnRef>
+          <a:fillRef idx="0">
+            <a:schemeClr val="accent1"/>
+          </a:fillRef>
+          <a:effectRef idx="0">
+            <a:schemeClr val="accent1"/>
+          </a:effectRef>
+          <a:fontRef idx="minor">
+            <a:schemeClr val="tx1"/>
+          </a:fontRef>
+        </p:style>
+      </p:cxnSp>
     </p:spTree>
     <p:extLst>
       <p:ext uri="{BB962C8B-B14F-4D97-AF65-F5344CB8AC3E}">
@@ -30845,7 +32716,7 @@
         </p:blipFill>
         <p:spPr>
           <a:xfrm>
-            <a:off x="9168032" y="5448300"/>
+            <a:off x="9168032" y="6169182"/>
             <a:ext cx="7680547" cy="1981200"/>
           </a:xfrm>
           <a:prstGeom prst="rect">
@@ -30867,7 +32738,7 @@
         </p:nvSpPr>
         <p:spPr>
           <a:xfrm>
-            <a:off x="378654" y="342900"/>
+            <a:off x="378654" y="1063782"/>
             <a:ext cx="17909346" cy="4832092"/>
           </a:xfrm>
           <a:prstGeom prst="rect">
@@ -30882,17 +32753,17 @@
           <a:lstStyle/>
           <a:p>
             <a:r>
-              <a:rPr lang="en-US" altLang="ko-KR" sz="4000">
+              <a:rPr lang="en-US" altLang="ko-KR" sz="4000" dirty="0">
                 <a:solidFill>
                   <a:srgbClr val="4C50BC"/>
                 </a:solidFill>
                 <a:latin typeface="G마켓 산스 Medium" panose="02000000000000000000" pitchFamily="50" charset="-127"/>
                 <a:ea typeface="G마켓 산스 Medium" panose="02000000000000000000" pitchFamily="50" charset="-127"/>
               </a:rPr>
-              <a:t>2-4 Marine </a:t>
-            </a:r>
-            <a:r>
-              <a:rPr lang="ko-KR" altLang="en-US" sz="4000">
+              <a:t>Marine </a:t>
+            </a:r>
+            <a:r>
+              <a:rPr lang="ko-KR" altLang="en-US" sz="4000" dirty="0">
                 <a:solidFill>
                   <a:srgbClr val="4C50BC"/>
                 </a:solidFill>
@@ -30901,16 +32772,13 @@
               </a:rPr>
               <a:t>클래스에 기능을 추가하자</a:t>
             </a:r>
-            <a:r>
-              <a:rPr lang="en-US" altLang="ko-KR" sz="4000">
-                <a:solidFill>
-                  <a:srgbClr val="FF0000"/>
-                </a:solidFill>
-                <a:latin typeface="G마켓 산스 Medium" panose="02000000000000000000" pitchFamily="50" charset="-127"/>
-                <a:ea typeface="G마켓 산스 Medium" panose="02000000000000000000" pitchFamily="50" charset="-127"/>
-              </a:rPr>
-              <a:t>(expert)</a:t>
-            </a:r>
+            <a:endParaRPr lang="en-US" altLang="ko-KR" sz="4000" dirty="0">
+              <a:solidFill>
+                <a:srgbClr val="FF0000"/>
+              </a:solidFill>
+              <a:latin typeface="G마켓 산스 Medium" panose="02000000000000000000" pitchFamily="50" charset="-127"/>
+              <a:ea typeface="G마켓 산스 Medium" panose="02000000000000000000" pitchFamily="50" charset="-127"/>
+            </a:endParaRPr>
           </a:p>
           <a:p>
             <a:pPr marL="571500" indent="-571500">
@@ -30918,7 +32786,7 @@
               <a:buChar char="-"/>
             </a:pPr>
             <a:r>
-              <a:rPr lang="ko-KR" altLang="en-US" sz="3200">
+              <a:rPr lang="ko-KR" altLang="en-US" sz="3200" dirty="0">
                 <a:solidFill>
                   <a:schemeClr val="bg1">
                     <a:lumMod val="50000"/>
@@ -30930,7 +32798,7 @@
               <a:t>멤버변수</a:t>
             </a:r>
             <a:r>
-              <a:rPr lang="en-US" altLang="ko-KR" sz="3200">
+              <a:rPr lang="en-US" altLang="ko-KR" sz="3200" dirty="0">
                 <a:solidFill>
                   <a:schemeClr val="bg1">
                     <a:lumMod val="50000"/>
@@ -30942,7 +32810,7 @@
               <a:t>:</a:t>
             </a:r>
             <a:r>
-              <a:rPr lang="ko-KR" altLang="en-US" sz="3200">
+              <a:rPr lang="ko-KR" altLang="en-US" sz="3200" dirty="0">
                 <a:solidFill>
                   <a:schemeClr val="bg1">
                     <a:lumMod val="50000"/>
@@ -30954,7 +32822,7 @@
               <a:t> </a:t>
             </a:r>
             <a:r>
-              <a:rPr lang="en-US" altLang="ko-KR" sz="3200">
+              <a:rPr lang="en-US" altLang="ko-KR" sz="3200" dirty="0">
                 <a:solidFill>
                   <a:schemeClr val="bg1">
                     <a:lumMod val="50000"/>
@@ -30963,10 +32831,10 @@
                 <a:latin typeface="G마켓 산스 Medium" panose="02000000000000000000" pitchFamily="50" charset="-127"/>
                 <a:ea typeface="G마켓 산스 Medium" panose="02000000000000000000" pitchFamily="50" charset="-127"/>
               </a:rPr>
-              <a:t>Point posision(</a:t>
-            </a:r>
-            <a:r>
-              <a:rPr lang="ko-KR" altLang="en-US" sz="3200">
+              <a:t>Point </a:t>
+            </a:r>
+            <a:r>
+              <a:rPr lang="en-US" altLang="ko-KR" sz="3200" dirty="0" err="1">
                 <a:solidFill>
                   <a:schemeClr val="bg1">
                     <a:lumMod val="50000"/>
@@ -30975,10 +32843,10 @@
                 <a:latin typeface="G마켓 산스 Medium" panose="02000000000000000000" pitchFamily="50" charset="-127"/>
                 <a:ea typeface="G마켓 산스 Medium" panose="02000000000000000000" pitchFamily="50" charset="-127"/>
               </a:rPr>
-              <a:t>유닛의 위치정보를 저장</a:t>
-            </a:r>
-            <a:r>
-              <a:rPr lang="en-US" altLang="ko-KR" sz="3200">
+              <a:t>posision</a:t>
+            </a:r>
+            <a:r>
+              <a:rPr lang="en-US" altLang="ko-KR" sz="3200" dirty="0">
                 <a:solidFill>
                   <a:schemeClr val="bg1">
                     <a:lumMod val="50000"/>
@@ -30987,12 +32855,10 @@
                 <a:latin typeface="G마켓 산스 Medium" panose="02000000000000000000" pitchFamily="50" charset="-127"/>
                 <a:ea typeface="G마켓 산스 Medium" panose="02000000000000000000" pitchFamily="50" charset="-127"/>
               </a:rPr>
-              <a:t>)</a:t>
-            </a:r>
-          </a:p>
-          <a:p>
-            <a:r>
-              <a:rPr lang="en-US" altLang="ko-KR" sz="3200">
+              <a:t>(</a:t>
+            </a:r>
+            <a:r>
+              <a:rPr lang="ko-KR" altLang="en-US" sz="3200" dirty="0">
                 <a:solidFill>
                   <a:schemeClr val="bg1">
                     <a:lumMod val="50000"/>
@@ -31001,10 +32867,10 @@
                 <a:latin typeface="G마켓 산스 Medium" panose="02000000000000000000" pitchFamily="50" charset="-127"/>
                 <a:ea typeface="G마켓 산스 Medium" panose="02000000000000000000" pitchFamily="50" charset="-127"/>
               </a:rPr>
-              <a:t>                    int shootingRange(</a:t>
-            </a:r>
-            <a:r>
-              <a:rPr lang="ko-KR" altLang="en-US" sz="3200">
+              <a:t>유닛의 위치정보를 저장</a:t>
+            </a:r>
+            <a:r>
+              <a:rPr lang="en-US" altLang="ko-KR" sz="3200" dirty="0">
                 <a:solidFill>
                   <a:schemeClr val="bg1">
                     <a:lumMod val="50000"/>
@@ -31013,10 +32879,60 @@
                 <a:latin typeface="G마켓 산스 Medium" panose="02000000000000000000" pitchFamily="50" charset="-127"/>
                 <a:ea typeface="G마켓 산스 Medium" panose="02000000000000000000" pitchFamily="50" charset="-127"/>
               </a:rPr>
+              <a:t>)</a:t>
+            </a:r>
+          </a:p>
+          <a:p>
+            <a:r>
+              <a:rPr lang="en-US" altLang="ko-KR" sz="3200" dirty="0">
+                <a:solidFill>
+                  <a:schemeClr val="bg1">
+                    <a:lumMod val="50000"/>
+                  </a:schemeClr>
+                </a:solidFill>
+                <a:latin typeface="G마켓 산스 Medium" panose="02000000000000000000" pitchFamily="50" charset="-127"/>
+                <a:ea typeface="G마켓 산스 Medium" panose="02000000000000000000" pitchFamily="50" charset="-127"/>
+              </a:rPr>
+              <a:t>                    int </a:t>
+            </a:r>
+            <a:r>
+              <a:rPr lang="en-US" altLang="ko-KR" sz="3200" dirty="0" err="1">
+                <a:solidFill>
+                  <a:schemeClr val="bg1">
+                    <a:lumMod val="50000"/>
+                  </a:schemeClr>
+                </a:solidFill>
+                <a:latin typeface="G마켓 산스 Medium" panose="02000000000000000000" pitchFamily="50" charset="-127"/>
+                <a:ea typeface="G마켓 산스 Medium" panose="02000000000000000000" pitchFamily="50" charset="-127"/>
+              </a:rPr>
+              <a:t>shootingRange</a:t>
+            </a:r>
+            <a:r>
+              <a:rPr lang="en-US" altLang="ko-KR" sz="3200" dirty="0">
+                <a:solidFill>
+                  <a:schemeClr val="bg1">
+                    <a:lumMod val="50000"/>
+                  </a:schemeClr>
+                </a:solidFill>
+                <a:latin typeface="G마켓 산스 Medium" panose="02000000000000000000" pitchFamily="50" charset="-127"/>
+                <a:ea typeface="G마켓 산스 Medium" panose="02000000000000000000" pitchFamily="50" charset="-127"/>
+              </a:rPr>
+              <a:t>(</a:t>
+            </a:r>
+            <a:r>
+              <a:rPr lang="ko-KR" altLang="en-US" sz="3200" dirty="0">
+                <a:solidFill>
+                  <a:schemeClr val="bg1">
+                    <a:lumMod val="50000"/>
+                  </a:schemeClr>
+                </a:solidFill>
+                <a:latin typeface="G마켓 산스 Medium" panose="02000000000000000000" pitchFamily="50" charset="-127"/>
+                <a:ea typeface="G마켓 산스 Medium" panose="02000000000000000000" pitchFamily="50" charset="-127"/>
+              </a:rPr>
               <a:t>공격 사정거리</a:t>
             </a:r>
             <a:r>
-              <a:rPr lang="en-US" altLang="ko-KR" sz="3200">
+              <a:rPr lang="en-US" altLang="ko-KR" sz="3200" dirty="0">
                 <a:solidFill>
                   <a:schemeClr val="bg1">
                     <a:lumMod val="50000"/>
@@ -31034,7 +32950,7 @@
               <a:buChar char="-"/>
             </a:pPr>
             <a:r>
-              <a:rPr lang="ko-KR" altLang="en-US" sz="3200">
+              <a:rPr lang="ko-KR" altLang="en-US" sz="3200" dirty="0" err="1">
                 <a:solidFill>
                   <a:schemeClr val="bg1">
                     <a:lumMod val="50000"/>
@@ -31043,10 +32959,10 @@
                 <a:latin typeface="G마켓 산스 Medium" panose="02000000000000000000" pitchFamily="50" charset="-127"/>
                 <a:ea typeface="G마켓 산스 Medium" panose="02000000000000000000" pitchFamily="50" charset="-127"/>
               </a:rPr>
-              <a:t>멤버메서드 </a:t>
-            </a:r>
-            <a:r>
-              <a:rPr lang="en-US" altLang="ko-KR" sz="3200">
+              <a:t>멤버메서드</a:t>
+            </a:r>
+            <a:r>
+              <a:rPr lang="ko-KR" altLang="en-US" sz="3200" dirty="0">
                 <a:solidFill>
                   <a:schemeClr val="bg1">
                     <a:lumMod val="50000"/>
@@ -31055,10 +32971,10 @@
                 <a:latin typeface="G마켓 산스 Medium" panose="02000000000000000000" pitchFamily="50" charset="-127"/>
                 <a:ea typeface="G마켓 산스 Medium" panose="02000000000000000000" pitchFamily="50" charset="-127"/>
               </a:rPr>
-              <a:t>: int getDistance(Marine target)  </a:t>
-            </a:r>
-            <a:r>
-              <a:rPr lang="ko-KR" altLang="en-US" sz="3200">
+              <a:t> </a:t>
+            </a:r>
+            <a:r>
+              <a:rPr lang="en-US" altLang="ko-KR" sz="3200" dirty="0">
                 <a:solidFill>
                   <a:schemeClr val="bg1">
                     <a:lumMod val="50000"/>
@@ -31067,10 +32983,46 @@
                 <a:latin typeface="G마켓 산스 Medium" panose="02000000000000000000" pitchFamily="50" charset="-127"/>
                 <a:ea typeface="G마켓 산스 Medium" panose="02000000000000000000" pitchFamily="50" charset="-127"/>
               </a:rPr>
+              <a:t>: int </a:t>
+            </a:r>
+            <a:r>
+              <a:rPr lang="en-US" altLang="ko-KR" sz="3200" dirty="0" err="1">
+                <a:solidFill>
+                  <a:schemeClr val="bg1">
+                    <a:lumMod val="50000"/>
+                  </a:schemeClr>
+                </a:solidFill>
+                <a:latin typeface="G마켓 산스 Medium" panose="02000000000000000000" pitchFamily="50" charset="-127"/>
+                <a:ea typeface="G마켓 산스 Medium" panose="02000000000000000000" pitchFamily="50" charset="-127"/>
+              </a:rPr>
+              <a:t>getDistance</a:t>
+            </a:r>
+            <a:r>
+              <a:rPr lang="en-US" altLang="ko-KR" sz="3200" dirty="0">
+                <a:solidFill>
+                  <a:schemeClr val="bg1">
+                    <a:lumMod val="50000"/>
+                  </a:schemeClr>
+                </a:solidFill>
+                <a:latin typeface="G마켓 산스 Medium" panose="02000000000000000000" pitchFamily="50" charset="-127"/>
+                <a:ea typeface="G마켓 산스 Medium" panose="02000000000000000000" pitchFamily="50" charset="-127"/>
+              </a:rPr>
+              <a:t>(Marine target)  </a:t>
+            </a:r>
+            <a:r>
+              <a:rPr lang="ko-KR" altLang="en-US" sz="3200" dirty="0">
+                <a:solidFill>
+                  <a:schemeClr val="bg1">
+                    <a:lumMod val="50000"/>
+                  </a:schemeClr>
+                </a:solidFill>
+                <a:latin typeface="G마켓 산스 Medium" panose="02000000000000000000" pitchFamily="50" charset="-127"/>
+                <a:ea typeface="G마켓 산스 Medium" panose="02000000000000000000" pitchFamily="50" charset="-127"/>
+              </a:rPr>
               <a:t>매개변수로 받은 유닛과의 거리를 반환한다</a:t>
             </a:r>
             <a:r>
-              <a:rPr lang="en-US" altLang="ko-KR" sz="3200">
+              <a:rPr lang="en-US" altLang="ko-KR" sz="3200" dirty="0">
                 <a:solidFill>
                   <a:schemeClr val="bg1">
                     <a:lumMod val="50000"/>
@@ -31088,7 +33040,7 @@
               <a:buChar char="-"/>
             </a:pPr>
             <a:r>
-              <a:rPr lang="en-US" altLang="ko-KR" sz="3200">
+              <a:rPr lang="en-US" altLang="ko-KR" sz="3200" dirty="0">
                 <a:solidFill>
                   <a:schemeClr val="tx1">
                     <a:lumMod val="50000"/>
@@ -31101,7 +33053,7 @@
               <a:t>attack </a:t>
             </a:r>
             <a:r>
-              <a:rPr lang="ko-KR" altLang="en-US" sz="3200">
+              <a:rPr lang="ko-KR" altLang="en-US" sz="3200" dirty="0">
                 <a:solidFill>
                   <a:schemeClr val="tx1">
                     <a:lumMod val="50000"/>
@@ -31114,7 +33066,7 @@
               <a:t>메서드에서 </a:t>
             </a:r>
             <a:r>
-              <a:rPr lang="en-US" altLang="ko-KR" sz="3200">
+              <a:rPr lang="en-US" altLang="ko-KR" sz="3200" dirty="0" err="1">
                 <a:solidFill>
                   <a:schemeClr val="tx1">
                     <a:lumMod val="50000"/>
@@ -31124,10 +33076,10 @@
                 <a:latin typeface="G마켓 산스 Medium" panose="02000000000000000000" pitchFamily="50" charset="-127"/>
                 <a:ea typeface="G마켓 산스 Medium" panose="02000000000000000000" pitchFamily="50" charset="-127"/>
               </a:rPr>
-              <a:t>getDistance() </a:t>
-            </a:r>
-            <a:r>
-              <a:rPr lang="ko-KR" altLang="en-US" sz="3200">
+              <a:t>getDistance</a:t>
+            </a:r>
+            <a:r>
+              <a:rPr lang="en-US" altLang="ko-KR" sz="3200" dirty="0">
                 <a:solidFill>
                   <a:schemeClr val="tx1">
                     <a:lumMod val="50000"/>
@@ -31137,10 +33089,10 @@
                 <a:latin typeface="G마켓 산스 Medium" panose="02000000000000000000" pitchFamily="50" charset="-127"/>
                 <a:ea typeface="G마켓 산스 Medium" panose="02000000000000000000" pitchFamily="50" charset="-127"/>
               </a:rPr>
-              <a:t>와 </a:t>
-            </a:r>
-            <a:r>
-              <a:rPr lang="en-US" altLang="ko-KR" sz="3200">
+              <a:t>() </a:t>
+            </a:r>
+            <a:r>
+              <a:rPr lang="ko-KR" altLang="en-US" sz="3200" dirty="0">
                 <a:solidFill>
                   <a:schemeClr val="tx1">
                     <a:lumMod val="50000"/>
@@ -31150,10 +33102,10 @@
                 <a:latin typeface="G마켓 산스 Medium" panose="02000000000000000000" pitchFamily="50" charset="-127"/>
                 <a:ea typeface="G마켓 산스 Medium" panose="02000000000000000000" pitchFamily="50" charset="-127"/>
               </a:rPr>
-              <a:t>shootingRange </a:t>
-            </a:r>
-            <a:r>
-              <a:rPr lang="ko-KR" altLang="en-US" sz="3200">
+              <a:t>와 </a:t>
+            </a:r>
+            <a:r>
+              <a:rPr lang="en-US" altLang="ko-KR" sz="3200" dirty="0" err="1">
                 <a:solidFill>
                   <a:schemeClr val="tx1">
                     <a:lumMod val="50000"/>
@@ -31163,9 +33115,35 @@
                 <a:latin typeface="G마켓 산스 Medium" panose="02000000000000000000" pitchFamily="50" charset="-127"/>
                 <a:ea typeface="G마켓 산스 Medium" panose="02000000000000000000" pitchFamily="50" charset="-127"/>
               </a:rPr>
+              <a:t>shootingRange</a:t>
+            </a:r>
+            <a:r>
+              <a:rPr lang="en-US" altLang="ko-KR" sz="3200" dirty="0">
+                <a:solidFill>
+                  <a:schemeClr val="tx1">
+                    <a:lumMod val="50000"/>
+                    <a:lumOff val="50000"/>
+                  </a:schemeClr>
+                </a:solidFill>
+                <a:latin typeface="G마켓 산스 Medium" panose="02000000000000000000" pitchFamily="50" charset="-127"/>
+                <a:ea typeface="G마켓 산스 Medium" panose="02000000000000000000" pitchFamily="50" charset="-127"/>
+              </a:rPr>
+              <a:t> </a:t>
+            </a:r>
+            <a:r>
+              <a:rPr lang="ko-KR" altLang="en-US" sz="3200" dirty="0">
+                <a:solidFill>
+                  <a:schemeClr val="tx1">
+                    <a:lumMod val="50000"/>
+                    <a:lumOff val="50000"/>
+                  </a:schemeClr>
+                </a:solidFill>
+                <a:latin typeface="G마켓 산스 Medium" panose="02000000000000000000" pitchFamily="50" charset="-127"/>
+                <a:ea typeface="G마켓 산스 Medium" panose="02000000000000000000" pitchFamily="50" charset="-127"/>
+              </a:rPr>
               <a:t>변수를 이용하여 </a:t>
             </a:r>
-            <a:endParaRPr lang="en-US" altLang="ko-KR" sz="3200">
+            <a:endParaRPr lang="en-US" altLang="ko-KR" sz="3200" dirty="0">
               <a:solidFill>
                 <a:schemeClr val="tx1">
                   <a:lumMod val="50000"/>
@@ -31178,7 +33156,7 @@
           </a:p>
           <a:p>
             <a:r>
-              <a:rPr lang="ko-KR" altLang="en-US" sz="3200">
+              <a:rPr lang="ko-KR" altLang="en-US" sz="3200" dirty="0">
                 <a:solidFill>
                   <a:schemeClr val="tx1">
                     <a:lumMod val="50000"/>
@@ -31191,7 +33169,7 @@
               <a:t>공격 가능거리가 아니면 공격을 못한다고 출력하자</a:t>
             </a:r>
             <a:r>
-              <a:rPr lang="en-US" altLang="ko-KR" sz="3200">
+              <a:rPr lang="en-US" altLang="ko-KR" sz="3200" dirty="0">
                 <a:solidFill>
                   <a:schemeClr val="tx1">
                     <a:lumMod val="50000"/>
@@ -31205,7 +33183,7 @@
             </a:r>
           </a:p>
           <a:p>
-            <a:endParaRPr lang="en-US" altLang="ko-KR" sz="3600">
+            <a:endParaRPr lang="en-US" altLang="ko-KR" sz="3600" dirty="0">
               <a:solidFill>
                 <a:schemeClr val="tx1">
                   <a:lumMod val="50000"/>
@@ -31218,7 +33196,7 @@
           </a:p>
           <a:p>
             <a:r>
-              <a:rPr lang="en-US" altLang="ko-KR" sz="3600">
+              <a:rPr lang="en-US" altLang="ko-KR" sz="3600" dirty="0">
                 <a:solidFill>
                   <a:srgbClr val="FF0000"/>
                 </a:solidFill>
@@ -31228,7 +33206,7 @@
               <a:t>Point </a:t>
             </a:r>
             <a:r>
-              <a:rPr lang="ko-KR" altLang="en-US" sz="3600">
+              <a:rPr lang="ko-KR" altLang="en-US" sz="3600" dirty="0">
                 <a:solidFill>
                   <a:srgbClr val="FF0000"/>
                 </a:solidFill>
@@ -31238,27 +33216,37 @@
               <a:t>클래스를 사용하기 위해서 </a:t>
             </a:r>
             <a:r>
-              <a:rPr lang="en-US" altLang="ko-KR" sz="3600">
+              <a:rPr lang="en-US" altLang="ko-KR" sz="3600" dirty="0" err="1">
                 <a:solidFill>
                   <a:srgbClr val="FF0000"/>
                 </a:solidFill>
                 <a:latin typeface="G마켓 산스 Medium" panose="02000000000000000000" pitchFamily="50" charset="-127"/>
                 <a:ea typeface="G마켓 산스 Medium" panose="02000000000000000000" pitchFamily="50" charset="-127"/>
               </a:rPr>
-              <a:t>java.awt.Point </a:t>
-            </a:r>
-            <a:r>
-              <a:rPr lang="ko-KR" altLang="en-US" sz="3600">
+              <a:t>java.awt.Point</a:t>
+            </a:r>
+            <a:r>
+              <a:rPr lang="en-US" altLang="ko-KR" sz="3600" dirty="0">
                 <a:solidFill>
                   <a:srgbClr val="FF0000"/>
                 </a:solidFill>
                 <a:latin typeface="G마켓 산스 Medium" panose="02000000000000000000" pitchFamily="50" charset="-127"/>
                 <a:ea typeface="G마켓 산스 Medium" panose="02000000000000000000" pitchFamily="50" charset="-127"/>
               </a:rPr>
+              <a:t> </a:t>
+            </a:r>
+            <a:r>
+              <a:rPr lang="ko-KR" altLang="en-US" sz="3600" dirty="0">
+                <a:solidFill>
+                  <a:srgbClr val="FF0000"/>
+                </a:solidFill>
+                <a:latin typeface="G마켓 산스 Medium" panose="02000000000000000000" pitchFamily="50" charset="-127"/>
+                <a:ea typeface="G마켓 산스 Medium" panose="02000000000000000000" pitchFamily="50" charset="-127"/>
+              </a:rPr>
               <a:t>를 </a:t>
             </a:r>
             <a:r>
-              <a:rPr lang="en-US" altLang="ko-KR" sz="3600">
+              <a:rPr lang="en-US" altLang="ko-KR" sz="3600" dirty="0">
                 <a:solidFill>
                   <a:srgbClr val="FF0000"/>
                 </a:solidFill>
@@ -31268,7 +33256,7 @@
               <a:t>import </a:t>
             </a:r>
             <a:r>
-              <a:rPr lang="ko-KR" altLang="en-US" sz="3600">
+              <a:rPr lang="ko-KR" altLang="en-US" sz="3600" dirty="0">
                 <a:solidFill>
                   <a:srgbClr val="FF0000"/>
                 </a:solidFill>
@@ -31278,7 +33266,7 @@
               <a:t>해야 한다</a:t>
             </a:r>
             <a:r>
-              <a:rPr lang="en-US" altLang="ko-KR" sz="3600">
+              <a:rPr lang="en-US" altLang="ko-KR" sz="3600" dirty="0">
                 <a:solidFill>
                   <a:srgbClr val="FF0000"/>
                 </a:solidFill>
@@ -31290,7 +33278,7 @@
           </a:p>
           <a:p>
             <a:r>
-              <a:rPr lang="ko-KR" altLang="en-US" sz="3600">
+              <a:rPr lang="ko-KR" altLang="en-US" sz="3600" dirty="0">
                 <a:solidFill>
                   <a:srgbClr val="FF0000"/>
                 </a:solidFill>
@@ -31300,47 +33288,87 @@
               <a:t>제곱근 </a:t>
             </a:r>
             <a:r>
-              <a:rPr lang="en-US" altLang="ko-KR" sz="3600">
+              <a:rPr lang="en-US" altLang="ko-KR" sz="3600" dirty="0">
                 <a:solidFill>
                   <a:srgbClr val="FF0000"/>
                 </a:solidFill>
                 <a:latin typeface="G마켓 산스 Medium" panose="02000000000000000000" pitchFamily="50" charset="-127"/>
                 <a:ea typeface="G마켓 산스 Medium" panose="02000000000000000000" pitchFamily="50" charset="-127"/>
               </a:rPr>
-              <a:t>: Math.sqrt   </a:t>
-            </a:r>
-            <a:r>
-              <a:rPr lang="ko-KR" altLang="en-US" sz="3600">
+              <a:t>: </a:t>
+            </a:r>
+            <a:r>
+              <a:rPr lang="en-US" altLang="ko-KR" sz="3600" dirty="0" err="1">
                 <a:solidFill>
                   <a:srgbClr val="FF0000"/>
                 </a:solidFill>
                 <a:latin typeface="G마켓 산스 Medium" panose="02000000000000000000" pitchFamily="50" charset="-127"/>
                 <a:ea typeface="G마켓 산스 Medium" panose="02000000000000000000" pitchFamily="50" charset="-127"/>
               </a:rPr>
+              <a:t>Math.sqrt</a:t>
+            </a:r>
+            <a:r>
+              <a:rPr lang="en-US" altLang="ko-KR" sz="3600" dirty="0">
+                <a:solidFill>
+                  <a:srgbClr val="FF0000"/>
+                </a:solidFill>
+                <a:latin typeface="G마켓 산스 Medium" panose="02000000000000000000" pitchFamily="50" charset="-127"/>
+                <a:ea typeface="G마켓 산스 Medium" panose="02000000000000000000" pitchFamily="50" charset="-127"/>
+              </a:rPr>
+              <a:t>   </a:t>
+            </a:r>
+            <a:r>
+              <a:rPr lang="ko-KR" altLang="en-US" sz="3600" dirty="0">
+                <a:solidFill>
+                  <a:srgbClr val="FF0000"/>
+                </a:solidFill>
+                <a:latin typeface="G마켓 산스 Medium" panose="02000000000000000000" pitchFamily="50" charset="-127"/>
+                <a:ea typeface="G마켓 산스 Medium" panose="02000000000000000000" pitchFamily="50" charset="-127"/>
+              </a:rPr>
               <a:t>제곱 </a:t>
             </a:r>
             <a:r>
-              <a:rPr lang="en-US" altLang="ko-KR" sz="3600">
+              <a:rPr lang="en-US" altLang="ko-KR" sz="3600" dirty="0">
                 <a:solidFill>
                   <a:srgbClr val="FF0000"/>
                 </a:solidFill>
                 <a:latin typeface="G마켓 산스 Medium" panose="02000000000000000000" pitchFamily="50" charset="-127"/>
                 <a:ea typeface="G마켓 산스 Medium" panose="02000000000000000000" pitchFamily="50" charset="-127"/>
               </a:rPr>
-              <a:t>: Math.pow(2,3) -&gt; 2</a:t>
-            </a:r>
-            <a:r>
-              <a:rPr lang="ko-KR" altLang="en-US" sz="3600">
+              <a:t>: </a:t>
+            </a:r>
+            <a:r>
+              <a:rPr lang="en-US" altLang="ko-KR" sz="3600" dirty="0" err="1">
                 <a:solidFill>
                   <a:srgbClr val="FF0000"/>
                 </a:solidFill>
                 <a:latin typeface="G마켓 산스 Medium" panose="02000000000000000000" pitchFamily="50" charset="-127"/>
                 <a:ea typeface="G마켓 산스 Medium" panose="02000000000000000000" pitchFamily="50" charset="-127"/>
               </a:rPr>
+              <a:t>Math.pow</a:t>
+            </a:r>
+            <a:r>
+              <a:rPr lang="en-US" altLang="ko-KR" sz="3600" dirty="0">
+                <a:solidFill>
+                  <a:srgbClr val="FF0000"/>
+                </a:solidFill>
+                <a:latin typeface="G마켓 산스 Medium" panose="02000000000000000000" pitchFamily="50" charset="-127"/>
+                <a:ea typeface="G마켓 산스 Medium" panose="02000000000000000000" pitchFamily="50" charset="-127"/>
+              </a:rPr>
+              <a:t>(2,3) -&gt; 2</a:t>
+            </a:r>
+            <a:r>
+              <a:rPr lang="ko-KR" altLang="en-US" sz="3600" dirty="0">
+                <a:solidFill>
+                  <a:srgbClr val="FF0000"/>
+                </a:solidFill>
+                <a:latin typeface="G마켓 산스 Medium" panose="02000000000000000000" pitchFamily="50" charset="-127"/>
+                <a:ea typeface="G마켓 산스 Medium" panose="02000000000000000000" pitchFamily="50" charset="-127"/>
+              </a:rPr>
               <a:t>의</a:t>
             </a:r>
             <a:r>
-              <a:rPr lang="en-US" altLang="ko-KR" sz="3600">
+              <a:rPr lang="en-US" altLang="ko-KR" sz="3600" dirty="0">
                 <a:solidFill>
                   <a:srgbClr val="FF0000"/>
                 </a:solidFill>
@@ -31350,7 +33378,7 @@
               <a:t>3</a:t>
             </a:r>
             <a:r>
-              <a:rPr lang="ko-KR" altLang="en-US" sz="3600">
+              <a:rPr lang="ko-KR" altLang="en-US" sz="3600" dirty="0">
                 <a:solidFill>
                   <a:srgbClr val="FF0000"/>
                 </a:solidFill>
@@ -31360,7 +33388,7 @@
               <a:t>제곱 </a:t>
             </a:r>
             <a:r>
-              <a:rPr lang="en-US" altLang="ko-KR" sz="3600">
+              <a:rPr lang="en-US" altLang="ko-KR" sz="3600" dirty="0">
                 <a:solidFill>
                   <a:srgbClr val="FF0000"/>
                 </a:solidFill>
@@ -31388,8 +33416,8 @@
         </p:blipFill>
         <p:spPr>
           <a:xfrm>
-            <a:off x="304800" y="5295900"/>
-            <a:ext cx="8082487" cy="4643597"/>
+            <a:off x="304801" y="5981700"/>
+            <a:ext cx="7315200" cy="4202771"/>
           </a:xfrm>
           <a:prstGeom prst="rect">
             <a:avLst/>
@@ -31412,7 +33440,7 @@
         </p:blipFill>
         <p:spPr>
           <a:xfrm>
-            <a:off x="9168032" y="8267700"/>
+            <a:off x="9168032" y="7886700"/>
             <a:ext cx="9032057" cy="1869918"/>
           </a:xfrm>
           <a:prstGeom prst="rect">
@@ -31420,6 +33448,120 @@
           </a:prstGeom>
         </p:spPr>
       </p:pic>
+      <p:sp>
+        <p:nvSpPr>
+          <p:cNvPr id="2" name="TextBox 1">
+            <a:extLst>
+              <a:ext uri="{FF2B5EF4-FFF2-40B4-BE49-F238E27FC236}">
+                <a16:creationId xmlns:a16="http://schemas.microsoft.com/office/drawing/2014/main" id="{2E756487-67BE-61F7-5992-1731021CE688}"/>
+              </a:ext>
+            </a:extLst>
+          </p:cNvPr>
+          <p:cNvSpPr txBox="1"/>
+          <p:nvPr/>
+        </p:nvSpPr>
+        <p:spPr>
+          <a:xfrm>
+            <a:off x="304800" y="114300"/>
+            <a:ext cx="10972800" cy="923330"/>
+          </a:xfrm>
+          <a:prstGeom prst="rect">
+            <a:avLst/>
+          </a:prstGeom>
+          <a:noFill/>
+        </p:spPr>
+        <p:txBody>
+          <a:bodyPr wrap="square" rtlCol="0">
+            <a:spAutoFit/>
+          </a:bodyPr>
+          <a:lstStyle/>
+          <a:p>
+            <a:r>
+              <a:rPr lang="en-US" altLang="ko-KR" sz="5400" spc="-300" dirty="0">
+                <a:solidFill>
+                  <a:srgbClr val="4C50BC"/>
+                </a:solidFill>
+                <a:latin typeface="G마켓 산스 Bold" panose="02000000000000000000" pitchFamily="50" charset="-127"/>
+                <a:ea typeface="G마켓 산스 Bold" panose="02000000000000000000" pitchFamily="50" charset="-127"/>
+              </a:rPr>
+              <a:t>2-4 </a:t>
+            </a:r>
+            <a:r>
+              <a:rPr lang="ko-KR" altLang="en-US" sz="5400" spc="-300" dirty="0">
+                <a:solidFill>
+                  <a:srgbClr val="4C50BC"/>
+                </a:solidFill>
+                <a:latin typeface="G마켓 산스 Bold" panose="02000000000000000000" pitchFamily="50" charset="-127"/>
+                <a:ea typeface="G마켓 산스 Bold" panose="02000000000000000000" pitchFamily="50" charset="-127"/>
+              </a:rPr>
+              <a:t>실습문제</a:t>
+            </a:r>
+            <a:r>
+              <a:rPr lang="en-US" altLang="ko-KR" sz="5400" spc="-300" dirty="0">
+                <a:solidFill>
+                  <a:srgbClr val="4C50BC"/>
+                </a:solidFill>
+                <a:latin typeface="G마켓 산스 Bold" panose="02000000000000000000" pitchFamily="50" charset="-127"/>
+                <a:ea typeface="G마켓 산스 Bold" panose="02000000000000000000" pitchFamily="50" charset="-127"/>
+              </a:rPr>
+              <a:t> </a:t>
+            </a:r>
+            <a:r>
+              <a:rPr lang="en-US" altLang="ko-KR" sz="5400" spc="-300" dirty="0">
+                <a:solidFill>
+                  <a:srgbClr val="FF0000"/>
+                </a:solidFill>
+                <a:latin typeface="G마켓 산스 Bold" panose="02000000000000000000" pitchFamily="50" charset="-127"/>
+                <a:ea typeface="G마켓 산스 Bold" panose="02000000000000000000" pitchFamily="50" charset="-127"/>
+              </a:rPr>
+              <a:t>(expert)</a:t>
+            </a:r>
+          </a:p>
+        </p:txBody>
+      </p:sp>
+      <p:cxnSp>
+        <p:nvCxnSpPr>
+          <p:cNvPr id="3" name="직선 연결선 2">
+            <a:extLst>
+              <a:ext uri="{FF2B5EF4-FFF2-40B4-BE49-F238E27FC236}">
+                <a16:creationId xmlns:a16="http://schemas.microsoft.com/office/drawing/2014/main" id="{EBB60EFE-7060-2E87-307B-7B071A586B6B}"/>
+              </a:ext>
+            </a:extLst>
+          </p:cNvPr>
+          <p:cNvCxnSpPr>
+            <a:cxnSpLocks/>
+          </p:cNvCxnSpPr>
+          <p:nvPr/>
+        </p:nvCxnSpPr>
+        <p:spPr>
+          <a:xfrm flipH="1" flipV="1">
+            <a:off x="-13447" y="972511"/>
+            <a:ext cx="18288000" cy="65119"/>
+          </a:xfrm>
+          <a:prstGeom prst="line">
+            <a:avLst/>
+          </a:prstGeom>
+          <a:ln w="38100">
+            <a:solidFill>
+              <a:srgbClr val="4C50BC"/>
+            </a:solidFill>
+          </a:ln>
+        </p:spPr>
+        <p:style>
+          <a:lnRef idx="1">
+            <a:schemeClr val="accent1"/>
+          </a:lnRef>
+          <a:fillRef idx="0">
+            <a:schemeClr val="accent1"/>
+          </a:fillRef>
+          <a:effectRef idx="0">
+            <a:schemeClr val="accent1"/>
+          </a:effectRef>
+          <a:fontRef idx="minor">
+            <a:schemeClr val="tx1"/>
+          </a:fontRef>
+        </p:style>
+      </p:cxnSp>
     </p:spTree>
     <p:extLst>
       <p:ext uri="{BB962C8B-B14F-4D97-AF65-F5344CB8AC3E}">
@@ -31466,8 +33608,8 @@
         </p:blipFill>
         <p:spPr>
           <a:xfrm>
-            <a:off x="3515170" y="266700"/>
-            <a:ext cx="12106680" cy="3810000"/>
+            <a:off x="2895600" y="1289731"/>
+            <a:ext cx="10972800" cy="3453165"/>
           </a:xfrm>
           <a:prstGeom prst="rect">
             <a:avLst/>
@@ -31490,62 +33632,14 @@
         </p:blipFill>
         <p:spPr>
           <a:xfrm>
-            <a:off x="3515170" y="4381500"/>
-            <a:ext cx="13553630" cy="5486400"/>
+            <a:off x="2895600" y="5005063"/>
+            <a:ext cx="12766157" cy="5167637"/>
           </a:xfrm>
           <a:prstGeom prst="rect">
             <a:avLst/>
           </a:prstGeom>
         </p:spPr>
       </p:pic>
-      <p:sp>
-        <p:nvSpPr>
-          <p:cNvPr id="8" name="TextBox 7">
-            <a:extLst>
-              <a:ext uri="{FF2B5EF4-FFF2-40B4-BE49-F238E27FC236}">
-                <a16:creationId xmlns:a16="http://schemas.microsoft.com/office/drawing/2014/main" id="{5ADC00B6-990A-40DC-3CEA-505258F5E8DA}"/>
-              </a:ext>
-            </a:extLst>
-          </p:cNvPr>
-          <p:cNvSpPr txBox="1"/>
-          <p:nvPr/>
-        </p:nvSpPr>
-        <p:spPr>
-          <a:xfrm>
-            <a:off x="457200" y="277837"/>
-            <a:ext cx="3894040" cy="830997"/>
-          </a:xfrm>
-          <a:prstGeom prst="rect">
-            <a:avLst/>
-          </a:prstGeom>
-          <a:noFill/>
-        </p:spPr>
-        <p:txBody>
-          <a:bodyPr wrap="square" rtlCol="0">
-            <a:spAutoFit/>
-          </a:bodyPr>
-          <a:lstStyle/>
-          <a:p>
-            <a:r>
-              <a:rPr lang="ko-KR" altLang="en-US" sz="4800">
-                <a:solidFill>
-                  <a:srgbClr val="4C50BC"/>
-                </a:solidFill>
-                <a:latin typeface="G마켓 산스 Medium" panose="02000000000000000000" pitchFamily="50" charset="-127"/>
-                <a:ea typeface="G마켓 산스 Medium" panose="02000000000000000000" pitchFamily="50" charset="-127"/>
-              </a:rPr>
-              <a:t>정답</a:t>
-            </a:r>
-            <a:endParaRPr lang="en-US" altLang="ko-KR" sz="4800" dirty="0">
-              <a:solidFill>
-                <a:srgbClr val="4C50BC"/>
-              </a:solidFill>
-              <a:latin typeface="G마켓 산스 Medium" panose="02000000000000000000" pitchFamily="50" charset="-127"/>
-              <a:ea typeface="G마켓 산스 Medium" panose="02000000000000000000" pitchFamily="50" charset="-127"/>
-            </a:endParaRPr>
-          </a:p>
-        </p:txBody>
-      </p:sp>
       <p:sp>
         <p:nvSpPr>
           <p:cNvPr id="9" name="직사각형 8">
@@ -31560,8 +33654,8 @@
         </p:nvSpPr>
         <p:spPr>
           <a:xfrm>
-            <a:off x="3124200" y="277837"/>
-            <a:ext cx="15052157" cy="9568081"/>
+            <a:off x="2626243" y="1289730"/>
+            <a:ext cx="12766157" cy="8817849"/>
           </a:xfrm>
           <a:prstGeom prst="rect">
             <a:avLst/>
@@ -31598,6 +33692,120 @@
           </a:p>
         </p:txBody>
       </p:sp>
+      <p:sp>
+        <p:nvSpPr>
+          <p:cNvPr id="2" name="TextBox 1">
+            <a:extLst>
+              <a:ext uri="{FF2B5EF4-FFF2-40B4-BE49-F238E27FC236}">
+                <a16:creationId xmlns:a16="http://schemas.microsoft.com/office/drawing/2014/main" id="{6E5CD046-82FE-F8BD-F241-D18FFF7CD3EF}"/>
+              </a:ext>
+            </a:extLst>
+          </p:cNvPr>
+          <p:cNvSpPr txBox="1"/>
+          <p:nvPr/>
+        </p:nvSpPr>
+        <p:spPr>
+          <a:xfrm>
+            <a:off x="304800" y="114300"/>
+            <a:ext cx="10972800" cy="923330"/>
+          </a:xfrm>
+          <a:prstGeom prst="rect">
+            <a:avLst/>
+          </a:prstGeom>
+          <a:noFill/>
+        </p:spPr>
+        <p:txBody>
+          <a:bodyPr wrap="square" rtlCol="0">
+            <a:spAutoFit/>
+          </a:bodyPr>
+          <a:lstStyle/>
+          <a:p>
+            <a:r>
+              <a:rPr lang="en-US" altLang="ko-KR" sz="5400" spc="-300" dirty="0">
+                <a:solidFill>
+                  <a:srgbClr val="4C50BC"/>
+                </a:solidFill>
+                <a:latin typeface="G마켓 산스 Bold" panose="02000000000000000000" pitchFamily="50" charset="-127"/>
+                <a:ea typeface="G마켓 산스 Bold" panose="02000000000000000000" pitchFamily="50" charset="-127"/>
+              </a:rPr>
+              <a:t>2-4 </a:t>
+            </a:r>
+            <a:r>
+              <a:rPr lang="ko-KR" altLang="en-US" sz="5400" spc="-300" dirty="0">
+                <a:solidFill>
+                  <a:srgbClr val="4C50BC"/>
+                </a:solidFill>
+                <a:latin typeface="G마켓 산스 Bold" panose="02000000000000000000" pitchFamily="50" charset="-127"/>
+                <a:ea typeface="G마켓 산스 Bold" panose="02000000000000000000" pitchFamily="50" charset="-127"/>
+              </a:rPr>
+              <a:t>문제풀이</a:t>
+            </a:r>
+            <a:r>
+              <a:rPr lang="en-US" altLang="ko-KR" sz="5400" spc="-300" dirty="0">
+                <a:solidFill>
+                  <a:srgbClr val="4C50BC"/>
+                </a:solidFill>
+                <a:latin typeface="G마켓 산스 Bold" panose="02000000000000000000" pitchFamily="50" charset="-127"/>
+                <a:ea typeface="G마켓 산스 Bold" panose="02000000000000000000" pitchFamily="50" charset="-127"/>
+              </a:rPr>
+              <a:t> </a:t>
+            </a:r>
+            <a:r>
+              <a:rPr lang="en-US" altLang="ko-KR" sz="5400" spc="-300" dirty="0">
+                <a:solidFill>
+                  <a:srgbClr val="FF0000"/>
+                </a:solidFill>
+                <a:latin typeface="G마켓 산스 Bold" panose="02000000000000000000" pitchFamily="50" charset="-127"/>
+                <a:ea typeface="G마켓 산스 Bold" panose="02000000000000000000" pitchFamily="50" charset="-127"/>
+              </a:rPr>
+              <a:t>(expert)</a:t>
+            </a:r>
+          </a:p>
+        </p:txBody>
+      </p:sp>
+      <p:cxnSp>
+        <p:nvCxnSpPr>
+          <p:cNvPr id="3" name="직선 연결선 2">
+            <a:extLst>
+              <a:ext uri="{FF2B5EF4-FFF2-40B4-BE49-F238E27FC236}">
+                <a16:creationId xmlns:a16="http://schemas.microsoft.com/office/drawing/2014/main" id="{F541D49E-7607-D7BF-C22F-015931790EAF}"/>
+              </a:ext>
+            </a:extLst>
+          </p:cNvPr>
+          <p:cNvCxnSpPr>
+            <a:cxnSpLocks/>
+          </p:cNvCxnSpPr>
+          <p:nvPr/>
+        </p:nvCxnSpPr>
+        <p:spPr>
+          <a:xfrm flipH="1" flipV="1">
+            <a:off x="-13447" y="972511"/>
+            <a:ext cx="18288000" cy="65119"/>
+          </a:xfrm>
+          <a:prstGeom prst="line">
+            <a:avLst/>
+          </a:prstGeom>
+          <a:ln w="38100">
+            <a:solidFill>
+              <a:srgbClr val="4C50BC"/>
+            </a:solidFill>
+          </a:ln>
+        </p:spPr>
+        <p:style>
+          <a:lnRef idx="1">
+            <a:schemeClr val="accent1"/>
+          </a:lnRef>
+          <a:fillRef idx="0">
+            <a:schemeClr val="accent1"/>
+          </a:fillRef>
+          <a:effectRef idx="0">
+            <a:schemeClr val="accent1"/>
+          </a:effectRef>
+          <a:fontRef idx="minor">
+            <a:schemeClr val="tx1"/>
+          </a:fontRef>
+        </p:style>
+      </p:cxnSp>
     </p:spTree>
     <p:extLst>
       <p:ext uri="{BB962C8B-B14F-4D97-AF65-F5344CB8AC3E}">
@@ -32061,7 +34269,7 @@
         </p:blipFill>
         <p:spPr>
           <a:xfrm>
-            <a:off x="228600" y="3162300"/>
+            <a:off x="228600" y="3410753"/>
             <a:ext cx="8942192" cy="6838147"/>
           </a:xfrm>
           <a:prstGeom prst="rect">
@@ -32069,54 +34277,6 @@
           </a:prstGeom>
         </p:spPr>
       </p:pic>
-      <p:sp>
-        <p:nvSpPr>
-          <p:cNvPr id="4" name="TextBox 3">
-            <a:extLst>
-              <a:ext uri="{FF2B5EF4-FFF2-40B4-BE49-F238E27FC236}">
-                <a16:creationId xmlns:a16="http://schemas.microsoft.com/office/drawing/2014/main" id="{5ADC00B6-990A-40DC-3CEA-505258F5E8DA}"/>
-              </a:ext>
-            </a:extLst>
-          </p:cNvPr>
-          <p:cNvSpPr txBox="1"/>
-          <p:nvPr/>
-        </p:nvSpPr>
-        <p:spPr>
-          <a:xfrm>
-            <a:off x="609600" y="174453"/>
-            <a:ext cx="2743200" cy="830997"/>
-          </a:xfrm>
-          <a:prstGeom prst="rect">
-            <a:avLst/>
-          </a:prstGeom>
-          <a:noFill/>
-        </p:spPr>
-        <p:txBody>
-          <a:bodyPr wrap="square" rtlCol="0">
-            <a:spAutoFit/>
-          </a:bodyPr>
-          <a:lstStyle/>
-          <a:p>
-            <a:r>
-              <a:rPr lang="ko-KR" altLang="en-US" sz="4800">
-                <a:solidFill>
-                  <a:srgbClr val="4C50BC"/>
-                </a:solidFill>
-                <a:latin typeface="G마켓 산스 Medium" panose="02000000000000000000" pitchFamily="50" charset="-127"/>
-                <a:ea typeface="G마켓 산스 Medium" panose="02000000000000000000" pitchFamily="50" charset="-127"/>
-              </a:rPr>
-              <a:t>지역변수</a:t>
-            </a:r>
-            <a:endParaRPr lang="en-US" altLang="ko-KR" sz="4800" dirty="0">
-              <a:solidFill>
-                <a:srgbClr val="4C50BC"/>
-              </a:solidFill>
-              <a:latin typeface="G마켓 산스 Medium" panose="02000000000000000000" pitchFamily="50" charset="-127"/>
-              <a:ea typeface="G마켓 산스 Medium" panose="02000000000000000000" pitchFamily="50" charset="-127"/>
-            </a:endParaRPr>
-          </a:p>
-        </p:txBody>
-      </p:sp>
       <p:sp>
         <p:nvSpPr>
           <p:cNvPr id="5" name="TextBox 4">
@@ -32131,7 +34291,7 @@
         </p:nvSpPr>
         <p:spPr>
           <a:xfrm>
-            <a:off x="1676400" y="991968"/>
+            <a:off x="1676400" y="1240421"/>
             <a:ext cx="14325600" cy="1938992"/>
           </a:xfrm>
           <a:prstGeom prst="rect">
@@ -32281,7 +34441,7 @@
         </p:nvCxnSpPr>
         <p:spPr>
           <a:xfrm flipV="1">
-            <a:off x="7620000" y="7107569"/>
+            <a:off x="7620000" y="7356022"/>
             <a:ext cx="762000" cy="1217839"/>
           </a:xfrm>
           <a:prstGeom prst="straightConnector1">
@@ -32320,7 +34480,7 @@
         </p:nvSpPr>
         <p:spPr>
           <a:xfrm>
-            <a:off x="7175694" y="8325408"/>
+            <a:off x="7175694" y="8573861"/>
             <a:ext cx="977705" cy="457200"/>
           </a:xfrm>
           <a:prstGeom prst="rect">
@@ -32372,7 +34532,7 @@
         </p:nvSpPr>
         <p:spPr>
           <a:xfrm>
-            <a:off x="7848600" y="6399683"/>
+            <a:off x="7848600" y="6648136"/>
             <a:ext cx="10896600" cy="707886"/>
           </a:xfrm>
           <a:prstGeom prst="rect">
@@ -32450,7 +34610,7 @@
         </p:nvSpPr>
         <p:spPr>
           <a:xfrm>
-            <a:off x="2438400" y="5219700"/>
+            <a:off x="2438400" y="5468153"/>
             <a:ext cx="1828800" cy="457200"/>
           </a:xfrm>
           <a:prstGeom prst="rect">
@@ -32488,6 +34648,97 @@
           </a:p>
         </p:txBody>
       </p:sp>
+      <p:sp>
+        <p:nvSpPr>
+          <p:cNvPr id="7" name="TextBox 6">
+            <a:extLst>
+              <a:ext uri="{FF2B5EF4-FFF2-40B4-BE49-F238E27FC236}">
+                <a16:creationId xmlns:a16="http://schemas.microsoft.com/office/drawing/2014/main" id="{051B78F0-81CF-EB57-C07D-1DE66F1CB9E0}"/>
+              </a:ext>
+            </a:extLst>
+          </p:cNvPr>
+          <p:cNvSpPr txBox="1"/>
+          <p:nvPr/>
+        </p:nvSpPr>
+        <p:spPr>
+          <a:xfrm>
+            <a:off x="304800" y="114300"/>
+            <a:ext cx="4343400" cy="923330"/>
+          </a:xfrm>
+          <a:prstGeom prst="rect">
+            <a:avLst/>
+          </a:prstGeom>
+          <a:noFill/>
+        </p:spPr>
+        <p:txBody>
+          <a:bodyPr wrap="square" rtlCol="0">
+            <a:spAutoFit/>
+          </a:bodyPr>
+          <a:lstStyle/>
+          <a:p>
+            <a:r>
+              <a:rPr lang="ko-KR" altLang="en-US" sz="5400" spc="-300" dirty="0">
+                <a:solidFill>
+                  <a:srgbClr val="4C50BC"/>
+                </a:solidFill>
+                <a:latin typeface="G마켓 산스 Bold" panose="02000000000000000000" pitchFamily="50" charset="-127"/>
+                <a:ea typeface="G마켓 산스 Bold" panose="02000000000000000000" pitchFamily="50" charset="-127"/>
+              </a:rPr>
+              <a:t>지역변수</a:t>
+            </a:r>
+            <a:endParaRPr lang="en-US" altLang="ko-KR" sz="5400" spc="-300" dirty="0">
+              <a:solidFill>
+                <a:srgbClr val="4C50BC"/>
+              </a:solidFill>
+              <a:latin typeface="G마켓 산스 Bold" panose="02000000000000000000" pitchFamily="50" charset="-127"/>
+              <a:ea typeface="G마켓 산스 Bold" panose="02000000000000000000" pitchFamily="50" charset="-127"/>
+            </a:endParaRPr>
+          </a:p>
+        </p:txBody>
+      </p:sp>
+      <p:cxnSp>
+        <p:nvCxnSpPr>
+          <p:cNvPr id="8" name="직선 연결선 7">
+            <a:extLst>
+              <a:ext uri="{FF2B5EF4-FFF2-40B4-BE49-F238E27FC236}">
+                <a16:creationId xmlns:a16="http://schemas.microsoft.com/office/drawing/2014/main" id="{DBBE4604-7590-DC9B-E081-1BC2909A4526}"/>
+              </a:ext>
+            </a:extLst>
+          </p:cNvPr>
+          <p:cNvCxnSpPr>
+            <a:cxnSpLocks/>
+          </p:cNvCxnSpPr>
+          <p:nvPr/>
+        </p:nvCxnSpPr>
+        <p:spPr>
+          <a:xfrm flipH="1" flipV="1">
+            <a:off x="-13447" y="972511"/>
+            <a:ext cx="18288000" cy="65119"/>
+          </a:xfrm>
+          <a:prstGeom prst="line">
+            <a:avLst/>
+          </a:prstGeom>
+          <a:ln w="38100">
+            <a:solidFill>
+              <a:srgbClr val="4C50BC"/>
+            </a:solidFill>
+          </a:ln>
+        </p:spPr>
+        <p:style>
+          <a:lnRef idx="1">
+            <a:schemeClr val="accent1"/>
+          </a:lnRef>
+          <a:fillRef idx="0">
+            <a:schemeClr val="accent1"/>
+          </a:fillRef>
+          <a:effectRef idx="0">
+            <a:schemeClr val="accent1"/>
+          </a:effectRef>
+          <a:fontRef idx="minor">
+            <a:schemeClr val="tx1"/>
+          </a:fontRef>
+        </p:style>
+      </p:cxnSp>
     </p:spTree>
     <p:extLst>
       <p:ext uri="{BB962C8B-B14F-4D97-AF65-F5344CB8AC3E}">

--- a/JavaLecture/LectureFile/java 7강 멤버변수와메모리.pptx
+++ b/JavaLecture/LectureFile/java 7강 멤버변수와메모리.pptx
@@ -264,7 +264,7 @@
           <a:p>
             <a:fld id="{D79F2C30-10E1-4C46-91DC-BBDB9629E720}" type="datetimeFigureOut">
               <a:rPr lang="ko-KR" altLang="en-US" smtClean="0"/>
-              <a:t>2024-03-20 Wednesday</a:t>
+              <a:t>2024-03-23 Saturday</a:t>
             </a:fld>
             <a:endParaRPr lang="ko-KR" altLang="en-US"/>
           </a:p>
@@ -724,7 +724,7 @@
           <a:p>
             <a:fld id="{F8166F1F-CE9B-4651-A6AA-CD717754106B}" type="datetimeFigureOut">
               <a:rPr lang="en-US" smtClean="0"/>
-              <a:t>3/20/2024</a:t>
+              <a:t>3/23/2024</a:t>
             </a:fld>
             <a:endParaRPr lang="en-US"/>
           </a:p>
@@ -927,7 +927,7 @@
           <a:p>
             <a:fld id="{A76116CE-C4A3-4A05-B2D7-7C2E9A889C0F}" type="datetimeFigureOut">
               <a:rPr lang="en-US" smtClean="0"/>
-              <a:t>3/20/2024</a:t>
+              <a:t>3/23/2024</a:t>
             </a:fld>
             <a:endParaRPr lang="en-US"/>
           </a:p>
@@ -1130,7 +1130,7 @@
           <a:p>
             <a:fld id="{A76116CE-C4A3-4A05-B2D7-7C2E9A889C0F}" type="datetimeFigureOut">
               <a:rPr lang="en-US" smtClean="0"/>
-              <a:t>3/20/2024</a:t>
+              <a:t>3/23/2024</a:t>
             </a:fld>
             <a:endParaRPr lang="en-US"/>
           </a:p>
@@ -1335,7 +1335,7 @@
           <a:p>
             <a:fld id="{A76116CE-C4A3-4A05-B2D7-7C2E9A889C0F}" type="datetimeFigureOut">
               <a:rPr lang="en-US" smtClean="0"/>
-              <a:t>3/20/2024</a:t>
+              <a:t>3/23/2024</a:t>
             </a:fld>
             <a:endParaRPr lang="en-US"/>
           </a:p>
@@ -1605,7 +1605,7 @@
           <a:p>
             <a:fld id="{A76116CE-C4A3-4A05-B2D7-7C2E9A889C0F}" type="datetimeFigureOut">
               <a:rPr lang="en-US" smtClean="0"/>
-              <a:t>3/20/2024</a:t>
+              <a:t>3/23/2024</a:t>
             </a:fld>
             <a:endParaRPr lang="en-US"/>
           </a:p>
@@ -1923,7 +1923,7 @@
           <a:p>
             <a:fld id="{A76116CE-C4A3-4A05-B2D7-7C2E9A889C0F}" type="datetimeFigureOut">
               <a:rPr lang="en-US" smtClean="0"/>
-              <a:t>3/20/2024</a:t>
+              <a:t>3/23/2024</a:t>
             </a:fld>
             <a:endParaRPr lang="en-US"/>
           </a:p>
@@ -2381,7 +2381,7 @@
           <a:p>
             <a:fld id="{A76116CE-C4A3-4A05-B2D7-7C2E9A889C0F}" type="datetimeFigureOut">
               <a:rPr lang="en-US" smtClean="0"/>
-              <a:t>3/20/2024</a:t>
+              <a:t>3/23/2024</a:t>
             </a:fld>
             <a:endParaRPr lang="en-US"/>
           </a:p>
@@ -2525,7 +2525,7 @@
           <a:p>
             <a:fld id="{A76116CE-C4A3-4A05-B2D7-7C2E9A889C0F}" type="datetimeFigureOut">
               <a:rPr lang="en-US" smtClean="0"/>
-              <a:t>3/20/2024</a:t>
+              <a:t>3/23/2024</a:t>
             </a:fld>
             <a:endParaRPr lang="en-US"/>
           </a:p>
@@ -2639,7 +2639,7 @@
           <a:p>
             <a:fld id="{A76116CE-C4A3-4A05-B2D7-7C2E9A889C0F}" type="datetimeFigureOut">
               <a:rPr lang="en-US" smtClean="0"/>
-              <a:t>3/20/2024</a:t>
+              <a:t>3/23/2024</a:t>
             </a:fld>
             <a:endParaRPr lang="en-US"/>
           </a:p>
@@ -2942,7 +2942,7 @@
           <a:p>
             <a:fld id="{A76116CE-C4A3-4A05-B2D7-7C2E9A889C0F}" type="datetimeFigureOut">
               <a:rPr lang="en-US" smtClean="0"/>
-              <a:t>3/20/2024</a:t>
+              <a:t>3/23/2024</a:t>
             </a:fld>
             <a:endParaRPr lang="en-US"/>
           </a:p>
@@ -3222,7 +3222,7 @@
           <a:p>
             <a:fld id="{A76116CE-C4A3-4A05-B2D7-7C2E9A889C0F}" type="datetimeFigureOut">
               <a:rPr lang="en-US" smtClean="0"/>
-              <a:t>3/20/2024</a:t>
+              <a:t>3/23/2024</a:t>
             </a:fld>
             <a:endParaRPr lang="en-US"/>
           </a:p>
@@ -11764,7 +11764,7 @@
         <p:spPr>
           <a:xfrm>
             <a:off x="381000" y="1104900"/>
-            <a:ext cx="17526000" cy="2554545"/>
+            <a:ext cx="17526000" cy="1815882"/>
           </a:xfrm>
           <a:prstGeom prst="rect">
             <a:avLst/>
@@ -11778,7 +11778,7 @@
           <a:lstStyle/>
           <a:p>
             <a:r>
-              <a:rPr lang="ko-KR" altLang="en-US" sz="3200" dirty="0">
+              <a:rPr lang="ko-KR" altLang="en-US" sz="2800" dirty="0">
                 <a:solidFill>
                   <a:srgbClr val="4C50BC"/>
                 </a:solidFill>
@@ -11788,7 +11788,7 @@
               <a:t>앞서 만든 </a:t>
             </a:r>
             <a:r>
-              <a:rPr lang="en-US" altLang="ko-KR" sz="3200" dirty="0">
+              <a:rPr lang="en-US" altLang="ko-KR" sz="2800" dirty="0">
                 <a:solidFill>
                   <a:srgbClr val="4C50BC"/>
                 </a:solidFill>
@@ -11798,7 +11798,7 @@
               <a:t>Person </a:t>
             </a:r>
             <a:r>
-              <a:rPr lang="ko-KR" altLang="en-US" sz="3200" dirty="0">
+              <a:rPr lang="ko-KR" altLang="en-US" sz="2800" dirty="0">
                 <a:solidFill>
                   <a:srgbClr val="4C50BC"/>
                 </a:solidFill>
@@ -11807,7 +11807,7 @@
               </a:rPr>
               <a:t>클래스에 기능을 추가해보자</a:t>
             </a:r>
-            <a:endParaRPr lang="en-US" altLang="ko-KR" sz="3200" dirty="0">
+            <a:endParaRPr lang="en-US" altLang="ko-KR" sz="2800" dirty="0">
               <a:solidFill>
                 <a:srgbClr val="FF0000"/>
               </a:solidFill>
@@ -11817,7 +11817,7 @@
           </a:p>
           <a:p>
             <a:r>
-              <a:rPr lang="en-US" altLang="ko-KR" sz="3200" dirty="0">
+              <a:rPr lang="en-US" altLang="ko-KR" sz="2800" dirty="0">
                 <a:solidFill>
                   <a:schemeClr val="bg1">
                     <a:lumMod val="50000"/>
@@ -11829,7 +11829,7 @@
               <a:t>-  </a:t>
             </a:r>
             <a:r>
-              <a:rPr lang="ko-KR" altLang="en-US" sz="3200" dirty="0">
+              <a:rPr lang="ko-KR" altLang="en-US" sz="2800" dirty="0">
                 <a:solidFill>
                   <a:schemeClr val="bg1">
                     <a:lumMod val="50000"/>
@@ -11841,7 +11841,7 @@
               <a:t>멤버 메서드 </a:t>
             </a:r>
             <a:r>
-              <a:rPr lang="en-US" altLang="ko-KR" sz="3200" dirty="0">
+              <a:rPr lang="en-US" altLang="ko-KR" sz="2800" dirty="0">
                 <a:solidFill>
                   <a:schemeClr val="bg1">
                     <a:lumMod val="50000"/>
@@ -11853,7 +11853,7 @@
               <a:t>: void </a:t>
             </a:r>
             <a:r>
-              <a:rPr lang="en-US" altLang="ko-KR" sz="3200" dirty="0" err="1">
+              <a:rPr lang="en-US" altLang="ko-KR" sz="2800" dirty="0" err="1">
                 <a:solidFill>
                   <a:schemeClr val="bg1">
                     <a:lumMod val="50000"/>
@@ -11865,7 +11865,7 @@
               <a:t>showState</a:t>
             </a:r>
             <a:r>
-              <a:rPr lang="en-US" altLang="ko-KR" sz="3200" dirty="0">
+              <a:rPr lang="en-US" altLang="ko-KR" sz="2800" dirty="0">
                 <a:solidFill>
                   <a:schemeClr val="bg1">
                     <a:lumMod val="50000"/>
@@ -11877,7 +11877,7 @@
               <a:t>()          </a:t>
             </a:r>
             <a:r>
-              <a:rPr lang="ko-KR" altLang="en-US" sz="3200" dirty="0">
+              <a:rPr lang="ko-KR" altLang="en-US" sz="2800" dirty="0">
                 <a:solidFill>
                   <a:schemeClr val="bg1">
                     <a:lumMod val="50000"/>
@@ -11888,7 +11888,7 @@
               </a:rPr>
               <a:t>이름과 주민번호를 출력한다</a:t>
             </a:r>
-            <a:endParaRPr lang="en-US" altLang="ko-KR" sz="3200" dirty="0">
+            <a:endParaRPr lang="en-US" altLang="ko-KR" sz="2800" dirty="0">
               <a:solidFill>
                 <a:schemeClr val="bg1">
                   <a:lumMod val="50000"/>
@@ -11900,7 +11900,7 @@
           </a:p>
           <a:p>
             <a:r>
-              <a:rPr lang="en-US" altLang="ko-KR" sz="3200" dirty="0">
+              <a:rPr lang="en-US" altLang="ko-KR" sz="2800" dirty="0">
                 <a:solidFill>
                   <a:schemeClr val="bg1">
                     <a:lumMod val="50000"/>
@@ -11912,7 +11912,7 @@
               <a:t>                      String </a:t>
             </a:r>
             <a:r>
-              <a:rPr lang="en-US" altLang="ko-KR" sz="3200" dirty="0" err="1">
+              <a:rPr lang="en-US" altLang="ko-KR" sz="2800" dirty="0" err="1">
                 <a:solidFill>
                   <a:schemeClr val="bg1">
                     <a:lumMod val="50000"/>
@@ -11924,7 +11924,7 @@
               <a:t>getGender</a:t>
             </a:r>
             <a:r>
-              <a:rPr lang="en-US" altLang="ko-KR" sz="3200" dirty="0">
+              <a:rPr lang="en-US" altLang="ko-KR" sz="2800" dirty="0">
                 <a:solidFill>
                   <a:schemeClr val="bg1">
                     <a:lumMod val="50000"/>
@@ -11936,7 +11936,7 @@
               <a:t>()     </a:t>
             </a:r>
             <a:r>
-              <a:rPr lang="ko-KR" altLang="en-US" sz="3200" dirty="0">
+              <a:rPr lang="ko-KR" altLang="en-US" sz="2800" dirty="0">
                 <a:solidFill>
                   <a:schemeClr val="bg1">
                     <a:lumMod val="50000"/>
@@ -11948,7 +11948,7 @@
               <a:t>주민번호를 이용해 성별을 반환한다</a:t>
             </a:r>
             <a:r>
-              <a:rPr lang="en-US" altLang="ko-KR" sz="3200" dirty="0">
+              <a:rPr lang="en-US" altLang="ko-KR" sz="2800" dirty="0">
                 <a:solidFill>
                   <a:schemeClr val="bg1">
                     <a:lumMod val="50000"/>
@@ -11966,7 +11966,7 @@
               <a:buChar char="-"/>
             </a:pPr>
             <a:r>
-              <a:rPr lang="ko-KR" altLang="en-US" sz="3200" dirty="0">
+              <a:rPr lang="en-US" altLang="ko-KR" sz="2800" dirty="0" err="1">
                 <a:solidFill>
                   <a:schemeClr val="bg1">
                     <a:lumMod val="50000"/>
@@ -11975,10 +11975,10 @@
                 <a:latin typeface="G마켓 산스 Medium" panose="02000000000000000000" pitchFamily="50" charset="-127"/>
                 <a:ea typeface="G마켓 산스 Medium" panose="02000000000000000000" pitchFamily="50" charset="-127"/>
               </a:rPr>
-              <a:t>앞서 만든 </a:t>
-            </a:r>
-            <a:r>
-              <a:rPr lang="en-US" altLang="ko-KR" sz="3200" dirty="0" err="1">
+              <a:t>showState</a:t>
+            </a:r>
+            <a:r>
+              <a:rPr lang="en-US" altLang="ko-KR" sz="2800" dirty="0">
                 <a:solidFill>
                   <a:schemeClr val="bg1">
                     <a:lumMod val="50000"/>
@@ -11987,10 +11987,10 @@
                 <a:latin typeface="G마켓 산스 Medium" panose="02000000000000000000" pitchFamily="50" charset="-127"/>
                 <a:ea typeface="G마켓 산스 Medium" panose="02000000000000000000" pitchFamily="50" charset="-127"/>
               </a:rPr>
-              <a:t>showState</a:t>
-            </a:r>
-            <a:r>
-              <a:rPr lang="en-US" altLang="ko-KR" sz="3200" dirty="0">
+              <a:t> </a:t>
+            </a:r>
+            <a:r>
+              <a:rPr lang="ko-KR" altLang="en-US" sz="2800" dirty="0">
                 <a:solidFill>
                   <a:schemeClr val="bg1">
                     <a:lumMod val="50000"/>
@@ -11999,10 +11999,10 @@
                 <a:latin typeface="G마켓 산스 Medium" panose="02000000000000000000" pitchFamily="50" charset="-127"/>
                 <a:ea typeface="G마켓 산스 Medium" panose="02000000000000000000" pitchFamily="50" charset="-127"/>
               </a:rPr>
-              <a:t> </a:t>
-            </a:r>
-            <a:r>
-              <a:rPr lang="ko-KR" altLang="en-US" sz="3200" dirty="0">
+              <a:t>메서드 내부에서 </a:t>
+            </a:r>
+            <a:r>
+              <a:rPr lang="en-US" altLang="ko-KR" sz="2800" dirty="0" err="1">
                 <a:solidFill>
                   <a:schemeClr val="bg1">
                     <a:lumMod val="50000"/>
@@ -12011,10 +12011,10 @@
                 <a:latin typeface="G마켓 산스 Medium" panose="02000000000000000000" pitchFamily="50" charset="-127"/>
                 <a:ea typeface="G마켓 산스 Medium" panose="02000000000000000000" pitchFamily="50" charset="-127"/>
               </a:rPr>
-              <a:t>메서드 내부에서 </a:t>
-            </a:r>
-            <a:r>
-              <a:rPr lang="en-US" altLang="ko-KR" sz="3200" dirty="0" err="1">
+              <a:t>getGender</a:t>
+            </a:r>
+            <a:r>
+              <a:rPr lang="en-US" altLang="ko-KR" sz="2800" dirty="0">
                 <a:solidFill>
                   <a:schemeClr val="bg1">
                     <a:lumMod val="50000"/>
@@ -12023,10 +12023,10 @@
                 <a:latin typeface="G마켓 산스 Medium" panose="02000000000000000000" pitchFamily="50" charset="-127"/>
                 <a:ea typeface="G마켓 산스 Medium" panose="02000000000000000000" pitchFamily="50" charset="-127"/>
               </a:rPr>
-              <a:t>getGender</a:t>
-            </a:r>
-            <a:r>
-              <a:rPr lang="en-US" altLang="ko-KR" sz="3200" dirty="0">
+              <a:t>() </a:t>
+            </a:r>
+            <a:r>
+              <a:rPr lang="ko-KR" altLang="en-US" sz="2800" dirty="0">
                 <a:solidFill>
                   <a:schemeClr val="bg1">
                     <a:lumMod val="50000"/>
@@ -12035,10 +12035,10 @@
                 <a:latin typeface="G마켓 산스 Medium" panose="02000000000000000000" pitchFamily="50" charset="-127"/>
                 <a:ea typeface="G마켓 산스 Medium" panose="02000000000000000000" pitchFamily="50" charset="-127"/>
               </a:rPr>
-              <a:t>() </a:t>
-            </a:r>
-            <a:r>
-              <a:rPr lang="ko-KR" altLang="en-US" sz="3200" dirty="0">
+              <a:t>메서드를 이용해 성별도 같이 </a:t>
+            </a:r>
+            <a:r>
+              <a:rPr lang="en-US" altLang="ko-KR" sz="2800" dirty="0">
                 <a:solidFill>
                   <a:schemeClr val="bg1">
                     <a:lumMod val="50000"/>
@@ -12047,21 +12047,10 @@
                 <a:latin typeface="G마켓 산스 Medium" panose="02000000000000000000" pitchFamily="50" charset="-127"/>
                 <a:ea typeface="G마켓 산스 Medium" panose="02000000000000000000" pitchFamily="50" charset="-127"/>
               </a:rPr>
-              <a:t>메서드를 이용해 성별도 같이 </a:t>
-            </a:r>
-            <a:endParaRPr lang="en-US" altLang="ko-KR" sz="3200" dirty="0">
-              <a:solidFill>
-                <a:schemeClr val="bg1">
-                  <a:lumMod val="50000"/>
-                </a:schemeClr>
-              </a:solidFill>
-              <a:latin typeface="G마켓 산스 Medium" panose="02000000000000000000" pitchFamily="50" charset="-127"/>
-              <a:ea typeface="G마켓 산스 Medium" panose="02000000000000000000" pitchFamily="50" charset="-127"/>
-            </a:endParaRPr>
-          </a:p>
-          <a:p>
-            <a:r>
-              <a:rPr lang="en-US" altLang="ko-KR" sz="3200" dirty="0">
+              <a:t> </a:t>
+            </a:r>
+            <a:r>
+              <a:rPr lang="ko-KR" altLang="en-US" sz="2800" dirty="0">
                 <a:solidFill>
                   <a:schemeClr val="bg1">
                     <a:lumMod val="50000"/>
@@ -12070,21 +12059,9 @@
                 <a:latin typeface="G마켓 산스 Medium" panose="02000000000000000000" pitchFamily="50" charset="-127"/>
                 <a:ea typeface="G마켓 산스 Medium" panose="02000000000000000000" pitchFamily="50" charset="-127"/>
               </a:rPr>
-              <a:t>    </a:t>
-            </a:r>
-            <a:r>
-              <a:rPr lang="ko-KR" altLang="en-US" sz="3200" dirty="0">
-                <a:solidFill>
-                  <a:schemeClr val="bg1">
-                    <a:lumMod val="50000"/>
-                  </a:schemeClr>
-                </a:solidFill>
-                <a:latin typeface="G마켓 산스 Medium" panose="02000000000000000000" pitchFamily="50" charset="-127"/>
-                <a:ea typeface="G마켓 산스 Medium" panose="02000000000000000000" pitchFamily="50" charset="-127"/>
-              </a:rPr>
               <a:t>나오도록 하자</a:t>
             </a:r>
-            <a:endParaRPr lang="en-US" altLang="ko-KR" sz="3200" dirty="0">
+            <a:endParaRPr lang="en-US" altLang="ko-KR" sz="2800" dirty="0">
               <a:solidFill>
                 <a:srgbClr val="4C50BC"/>
               </a:solidFill>
@@ -12117,7 +12094,7 @@
         </p:blipFill>
         <p:spPr bwMode="auto">
           <a:xfrm>
-            <a:off x="533400" y="4695712"/>
+            <a:off x="0" y="3750301"/>
             <a:ext cx="6313116" cy="4267200"/>
           </a:xfrm>
           <a:prstGeom prst="rect">
@@ -12151,7 +12128,7 @@
         </p:blipFill>
         <p:spPr>
           <a:xfrm>
-            <a:off x="7924800" y="4162312"/>
+            <a:off x="6313116" y="3031107"/>
             <a:ext cx="6273779" cy="5705588"/>
           </a:xfrm>
           <a:prstGeom prst="rect">
@@ -12273,6 +12250,35 @@
           </a:fontRef>
         </p:style>
       </p:cxnSp>
+      <p:pic>
+        <p:nvPicPr>
+          <p:cNvPr id="7" name="그림 6">
+            <a:extLst>
+              <a:ext uri="{FF2B5EF4-FFF2-40B4-BE49-F238E27FC236}">
+                <a16:creationId xmlns:a16="http://schemas.microsoft.com/office/drawing/2014/main" id="{0F807189-6861-21C4-16C7-E8093153F7BA}"/>
+              </a:ext>
+            </a:extLst>
+          </p:cNvPr>
+          <p:cNvPicPr>
+            <a:picLocks noChangeAspect="1"/>
+          </p:cNvPicPr>
+          <p:nvPr/>
+        </p:nvPicPr>
+        <p:blipFill rotWithShape="1">
+          <a:blip r:embed="rId4"/>
+          <a:srcRect r="15320"/>
+          <a:stretch/>
+        </p:blipFill>
+        <p:spPr>
+          <a:xfrm>
+            <a:off x="9753600" y="7834968"/>
+            <a:ext cx="7086600" cy="2041807"/>
+          </a:xfrm>
+          <a:prstGeom prst="rect">
+            <a:avLst/>
+          </a:prstGeom>
+        </p:spPr>
+      </p:pic>
     </p:spTree>
     <p:extLst>
       <p:ext uri="{BB962C8B-B14F-4D97-AF65-F5344CB8AC3E}">
@@ -15348,27 +15354,7 @@
                 <a:latin typeface="G마켓 산스 Medium" panose="02000000000000000000" pitchFamily="50" charset="-127"/>
                 <a:ea typeface="G마켓 산스 Medium" panose="02000000000000000000" pitchFamily="50" charset="-127"/>
               </a:rPr>
-              <a:t>그러므로 객체 </a:t>
-            </a:r>
-            <a:r>
-              <a:rPr lang="ko-KR" altLang="en-US" sz="3600" dirty="0" err="1">
-                <a:solidFill>
-                  <a:srgbClr val="FF0000"/>
-                </a:solidFill>
-                <a:latin typeface="G마켓 산스 Medium" panose="02000000000000000000" pitchFamily="50" charset="-127"/>
-                <a:ea typeface="G마켓 산스 Medium" panose="02000000000000000000" pitchFamily="50" charset="-127"/>
-              </a:rPr>
-              <a:t>생성없이</a:t>
-            </a:r>
-            <a:r>
-              <a:rPr lang="ko-KR" altLang="en-US" sz="3600" dirty="0">
-                <a:solidFill>
-                  <a:srgbClr val="FF0000"/>
-                </a:solidFill>
-                <a:latin typeface="G마켓 산스 Medium" panose="02000000000000000000" pitchFamily="50" charset="-127"/>
-                <a:ea typeface="G마켓 산스 Medium" panose="02000000000000000000" pitchFamily="50" charset="-127"/>
-              </a:rPr>
-              <a:t> 사용 가능하다</a:t>
+              <a:t>그러므로 객체 생성 없이 사용 가능하다</a:t>
             </a:r>
             <a:r>
               <a:rPr lang="en-US" altLang="ko-KR" sz="3600" dirty="0">
@@ -17997,7 +17983,7 @@
           <a:lstStyle/>
           <a:p>
             <a:r>
-              <a:rPr lang="ko-KR" altLang="en-US" sz="3600">
+              <a:rPr lang="ko-KR" altLang="en-US" sz="3600" dirty="0">
                 <a:solidFill>
                   <a:srgbClr val="4C50BC"/>
                 </a:solidFill>
@@ -18185,14 +18171,24 @@
           <a:lstStyle/>
           <a:p>
             <a:r>
-              <a:rPr lang="ko-KR" altLang="en-US" sz="3600">
+              <a:rPr lang="ko-KR" altLang="en-US" sz="3600" dirty="0" err="1">
                 <a:solidFill>
                   <a:srgbClr val="4C50BC"/>
                 </a:solidFill>
                 <a:latin typeface="G마켓 산스 Medium" panose="02000000000000000000" pitchFamily="50" charset="-127"/>
                 <a:ea typeface="G마켓 산스 Medium" panose="02000000000000000000" pitchFamily="50" charset="-127"/>
               </a:rPr>
-              <a:t>힙 영역</a:t>
+              <a:t>힙</a:t>
+            </a:r>
+            <a:r>
+              <a:rPr lang="ko-KR" altLang="en-US" sz="3600" dirty="0">
+                <a:solidFill>
+                  <a:srgbClr val="4C50BC"/>
+                </a:solidFill>
+                <a:latin typeface="G마켓 산스 Medium" panose="02000000000000000000" pitchFamily="50" charset="-127"/>
+                <a:ea typeface="G마켓 산스 Medium" panose="02000000000000000000" pitchFamily="50" charset="-127"/>
+              </a:rPr>
+              <a:t> 영역</a:t>
             </a:r>
             <a:endParaRPr lang="en-US" altLang="ko-KR" sz="3600" dirty="0">
               <a:solidFill>
@@ -18452,7 +18448,7 @@
           <a:lstStyle/>
           <a:p>
             <a:r>
-              <a:rPr lang="en-US" altLang="ko-KR" sz="3600">
+              <a:rPr lang="en-US" altLang="ko-KR" sz="3600" dirty="0">
                 <a:solidFill>
                   <a:srgbClr val="FF0000"/>
                 </a:solidFill>
@@ -18462,7 +18458,7 @@
               <a:t>static </a:t>
             </a:r>
             <a:r>
-              <a:rPr lang="ko-KR" altLang="en-US" sz="3600">
+              <a:rPr lang="ko-KR" altLang="en-US" sz="3600" dirty="0">
                 <a:solidFill>
                   <a:srgbClr val="FF0000"/>
                 </a:solidFill>
@@ -18551,16 +18547,36 @@
           <a:lstStyle/>
           <a:p>
             <a:r>
-              <a:rPr lang="ko-KR" altLang="en-US" sz="3600">
+              <a:rPr lang="ko-KR" altLang="en-US" sz="3600" dirty="0">
                 <a:solidFill>
                   <a:srgbClr val="FF0000"/>
                 </a:solidFill>
                 <a:latin typeface="G마켓 산스 Medium" panose="02000000000000000000" pitchFamily="50" charset="-127"/>
                 <a:ea typeface="G마켓 산스 Medium" panose="02000000000000000000" pitchFamily="50" charset="-127"/>
               </a:rPr>
-              <a:t>프로그램 실행시 </a:t>
-            </a:r>
-            <a:endParaRPr lang="en-US" altLang="ko-KR" sz="3600">
+              <a:t>프로그램 </a:t>
+            </a:r>
+            <a:r>
+              <a:rPr lang="ko-KR" altLang="en-US" sz="3600" dirty="0" err="1">
+                <a:solidFill>
+                  <a:srgbClr val="FF0000"/>
+                </a:solidFill>
+                <a:latin typeface="G마켓 산스 Medium" panose="02000000000000000000" pitchFamily="50" charset="-127"/>
+                <a:ea typeface="G마켓 산스 Medium" panose="02000000000000000000" pitchFamily="50" charset="-127"/>
+              </a:rPr>
+              <a:t>실행시</a:t>
+            </a:r>
+            <a:r>
+              <a:rPr lang="ko-KR" altLang="en-US" sz="3600" dirty="0">
+                <a:solidFill>
+                  <a:srgbClr val="FF0000"/>
+                </a:solidFill>
+                <a:latin typeface="G마켓 산스 Medium" panose="02000000000000000000" pitchFamily="50" charset="-127"/>
+                <a:ea typeface="G마켓 산스 Medium" panose="02000000000000000000" pitchFamily="50" charset="-127"/>
+              </a:rPr>
+              <a:t> </a:t>
+            </a:r>
+            <a:endParaRPr lang="en-US" altLang="ko-KR" sz="3600" dirty="0">
               <a:solidFill>
                 <a:srgbClr val="FF0000"/>
               </a:solidFill>
@@ -18570,7 +18586,7 @@
           </a:p>
           <a:p>
             <a:r>
-              <a:rPr lang="ko-KR" altLang="en-US" sz="3600">
+              <a:rPr lang="ko-KR" altLang="en-US" sz="3600" dirty="0">
                 <a:solidFill>
                   <a:srgbClr val="FF0000"/>
                 </a:solidFill>
@@ -18580,7 +18596,7 @@
               <a:t>만들어진다</a:t>
             </a:r>
             <a:r>
-              <a:rPr lang="en-US" altLang="ko-KR" sz="3600">
+              <a:rPr lang="en-US" altLang="ko-KR" sz="3600" dirty="0">
                 <a:solidFill>
                   <a:srgbClr val="FF0000"/>
                 </a:solidFill>
@@ -18589,13 +18605,6 @@
               </a:rPr>
               <a:t>.</a:t>
             </a:r>
-            <a:endParaRPr lang="en-US" altLang="ko-KR" sz="3600" dirty="0">
-              <a:solidFill>
-                <a:srgbClr val="FF0000"/>
-              </a:solidFill>
-              <a:latin typeface="G마켓 산스 Medium" panose="02000000000000000000" pitchFamily="50" charset="-127"/>
-              <a:ea typeface="G마켓 산스 Medium" panose="02000000000000000000" pitchFamily="50" charset="-127"/>
-            </a:endParaRPr>
           </a:p>
         </p:txBody>
       </p:sp>
@@ -24070,7 +24079,7 @@
         <p:spPr>
           <a:xfrm>
             <a:off x="11125199" y="6591300"/>
-            <a:ext cx="6781801" cy="1323439"/>
+            <a:ext cx="6934200" cy="1323439"/>
           </a:xfrm>
           <a:prstGeom prst="rect">
             <a:avLst/>
@@ -28676,7 +28685,7 @@
           <a:lstStyle/>
           <a:p>
             <a:r>
-              <a:rPr lang="ko-KR" altLang="en-US" sz="3600">
+              <a:rPr lang="ko-KR" altLang="en-US" sz="3600" dirty="0">
                 <a:solidFill>
                   <a:srgbClr val="FF0000"/>
                 </a:solidFill>
@@ -28686,7 +28695,7 @@
               <a:t>멤버변수</a:t>
             </a:r>
             <a:r>
-              <a:rPr lang="en-US" altLang="ko-KR" sz="3600">
+              <a:rPr lang="en-US" altLang="ko-KR" sz="3600" dirty="0">
                 <a:solidFill>
                   <a:srgbClr val="FF0000"/>
                 </a:solidFill>
@@ -28696,7 +28705,7 @@
               <a:t>,</a:t>
             </a:r>
             <a:r>
-              <a:rPr lang="ko-KR" altLang="en-US" sz="3600">
+              <a:rPr lang="ko-KR" altLang="en-US" sz="3600" dirty="0">
                 <a:solidFill>
                   <a:srgbClr val="FF0000"/>
                 </a:solidFill>
